--- a/Dokumentáció/Dolgozoi_belepteto_rendszer_v2.pptx
+++ b/Dokumentáció/Dolgozoi_belepteto_rendszer_v2.pptx
@@ -1,34 +1,33 @@
 
 <file path=ppt/presentation.xml><?xml version="1.0" encoding="utf-8"?>
-<p:presentation xmlns:a="http://schemas.openxmlformats.org/drawingml/2006/main" xmlns:r="http://schemas.openxmlformats.org/officeDocument/2006/relationships" xmlns:mc="http://schemas.openxmlformats.org/markup-compatibility/2006" xmlns:mv="urn:schemas-microsoft-com:mac:vml" xmlns:p="http://schemas.openxmlformats.org/presentationml/2006/main" xmlns:c="http://schemas.openxmlformats.org/drawingml/2006/chart" xmlns:dgm="http://schemas.openxmlformats.org/drawingml/2006/diagram" xmlns:o="urn:schemas-microsoft-com:office:office" xmlns:v="urn:schemas-microsoft-com:vml" xmlns:pvml="urn:schemas-microsoft-com:office:powerpoint" xmlns:com="http://schemas.openxmlformats.org/drawingml/2006/compatibility" xmlns:p14="http://schemas.microsoft.com/office/powerpoint/2010/main" xmlns:p15="http://schemas.microsoft.com/office/powerpoint/2012/main" xmlns:ahyp="http://schemas.microsoft.com/office/drawing/2018/hyperlinkcolor" autoCompressPictures="0" strictFirstAndLastChars="0" saveSubsetFonts="1">
+<p:presentation xmlns:a="http://schemas.openxmlformats.org/drawingml/2006/main" xmlns:r="http://schemas.openxmlformats.org/officeDocument/2006/relationships" xmlns:p="http://schemas.openxmlformats.org/presentationml/2006/main" strictFirstAndLastChars="0" saveSubsetFonts="1" autoCompressPictures="0">
   <p:sldMasterIdLst>
-    <p:sldMasterId id="2147483648" r:id="rId4"/>
+    <p:sldMasterId id="2147483648" r:id="rId1"/>
   </p:sldMasterIdLst>
   <p:notesMasterIdLst>
-    <p:notesMasterId r:id="rId5"/>
+    <p:notesMasterId r:id="rId17"/>
   </p:notesMasterIdLst>
   <p:sldIdLst>
-    <p:sldId id="256" r:id="rId6"/>
-    <p:sldId id="257" r:id="rId7"/>
-    <p:sldId id="258" r:id="rId8"/>
-    <p:sldId id="259" r:id="rId9"/>
-    <p:sldId id="260" r:id="rId10"/>
-    <p:sldId id="261" r:id="rId11"/>
-    <p:sldId id="262" r:id="rId12"/>
-    <p:sldId id="263" r:id="rId13"/>
-    <p:sldId id="264" r:id="rId14"/>
-    <p:sldId id="265" r:id="rId15"/>
-    <p:sldId id="266" r:id="rId16"/>
-    <p:sldId id="267" r:id="rId17"/>
-    <p:sldId id="268" r:id="rId18"/>
-    <p:sldId id="269" r:id="rId19"/>
-    <p:sldId id="270" r:id="rId20"/>
-    <p:sldId id="271" r:id="rId21"/>
+    <p:sldId id="256" r:id="rId2"/>
+    <p:sldId id="257" r:id="rId3"/>
+    <p:sldId id="258" r:id="rId4"/>
+    <p:sldId id="259" r:id="rId5"/>
+    <p:sldId id="260" r:id="rId6"/>
+    <p:sldId id="261" r:id="rId7"/>
+    <p:sldId id="262" r:id="rId8"/>
+    <p:sldId id="263" r:id="rId9"/>
+    <p:sldId id="264" r:id="rId10"/>
+    <p:sldId id="265" r:id="rId11"/>
+    <p:sldId id="266" r:id="rId12"/>
+    <p:sldId id="267" r:id="rId13"/>
+    <p:sldId id="268" r:id="rId14"/>
+    <p:sldId id="269" r:id="rId15"/>
+    <p:sldId id="270" r:id="rId16"/>
   </p:sldIdLst>
-  <p:sldSz cy="6858000" cx="9144000"/>
+  <p:sldSz cx="9144000" cy="6858000" type="screen4x3"/>
   <p:notesSz cx="6858000" cy="9144000"/>
   <p:defaultTextStyle>
-    <a:defPPr lvl="0" marR="0" rtl="0" algn="l">
+    <a:defPPr marR="0" lvl="0" algn="l" rtl="0">
       <a:lnSpc>
         <a:spcPct val="100000"/>
       </a:lnSpc>
@@ -39,7 +38,7 @@
         <a:spcPts val="0"/>
       </a:spcAft>
     </a:defPPr>
-    <a:lvl1pPr lvl="0" marR="0" rtl="0" algn="l">
+    <a:lvl1pPr marR="0" lvl="0" algn="l" rtl="0">
       <a:lnSpc>
         <a:spcPct val="100000"/>
       </a:lnSpc>
@@ -53,7 +52,7 @@
         <a:srgbClr val="000000"/>
       </a:buClr>
       <a:buFont typeface="Arial"/>
-      <a:defRPr b="0" i="0" sz="1400" u="none" cap="none" strike="noStrike">
+      <a:defRPr sz="1400" b="0" i="0" u="none" strike="noStrike" cap="none">
         <a:solidFill>
           <a:srgbClr val="000000"/>
         </a:solidFill>
@@ -63,7 +62,7 @@
         <a:sym typeface="Arial"/>
       </a:defRPr>
     </a:lvl1pPr>
-    <a:lvl2pPr lvl="1" marR="0" rtl="0" algn="l">
+    <a:lvl2pPr marR="0" lvl="1" algn="l" rtl="0">
       <a:lnSpc>
         <a:spcPct val="100000"/>
       </a:lnSpc>
@@ -77,7 +76,7 @@
         <a:srgbClr val="000000"/>
       </a:buClr>
       <a:buFont typeface="Arial"/>
-      <a:defRPr b="0" i="0" sz="1400" u="none" cap="none" strike="noStrike">
+      <a:defRPr sz="1400" b="0" i="0" u="none" strike="noStrike" cap="none">
         <a:solidFill>
           <a:srgbClr val="000000"/>
         </a:solidFill>
@@ -87,7 +86,7 @@
         <a:sym typeface="Arial"/>
       </a:defRPr>
     </a:lvl2pPr>
-    <a:lvl3pPr lvl="2" marR="0" rtl="0" algn="l">
+    <a:lvl3pPr marR="0" lvl="2" algn="l" rtl="0">
       <a:lnSpc>
         <a:spcPct val="100000"/>
       </a:lnSpc>
@@ -101,7 +100,7 @@
         <a:srgbClr val="000000"/>
       </a:buClr>
       <a:buFont typeface="Arial"/>
-      <a:defRPr b="0" i="0" sz="1400" u="none" cap="none" strike="noStrike">
+      <a:defRPr sz="1400" b="0" i="0" u="none" strike="noStrike" cap="none">
         <a:solidFill>
           <a:srgbClr val="000000"/>
         </a:solidFill>
@@ -111,7 +110,7 @@
         <a:sym typeface="Arial"/>
       </a:defRPr>
     </a:lvl3pPr>
-    <a:lvl4pPr lvl="3" marR="0" rtl="0" algn="l">
+    <a:lvl4pPr marR="0" lvl="3" algn="l" rtl="0">
       <a:lnSpc>
         <a:spcPct val="100000"/>
       </a:lnSpc>
@@ -125,7 +124,7 @@
         <a:srgbClr val="000000"/>
       </a:buClr>
       <a:buFont typeface="Arial"/>
-      <a:defRPr b="0" i="0" sz="1400" u="none" cap="none" strike="noStrike">
+      <a:defRPr sz="1400" b="0" i="0" u="none" strike="noStrike" cap="none">
         <a:solidFill>
           <a:srgbClr val="000000"/>
         </a:solidFill>
@@ -135,7 +134,7 @@
         <a:sym typeface="Arial"/>
       </a:defRPr>
     </a:lvl4pPr>
-    <a:lvl5pPr lvl="4" marR="0" rtl="0" algn="l">
+    <a:lvl5pPr marR="0" lvl="4" algn="l" rtl="0">
       <a:lnSpc>
         <a:spcPct val="100000"/>
       </a:lnSpc>
@@ -149,7 +148,7 @@
         <a:srgbClr val="000000"/>
       </a:buClr>
       <a:buFont typeface="Arial"/>
-      <a:defRPr b="0" i="0" sz="1400" u="none" cap="none" strike="noStrike">
+      <a:defRPr sz="1400" b="0" i="0" u="none" strike="noStrike" cap="none">
         <a:solidFill>
           <a:srgbClr val="000000"/>
         </a:solidFill>
@@ -159,7 +158,7 @@
         <a:sym typeface="Arial"/>
       </a:defRPr>
     </a:lvl5pPr>
-    <a:lvl6pPr lvl="5" marR="0" rtl="0" algn="l">
+    <a:lvl6pPr marR="0" lvl="5" algn="l" rtl="0">
       <a:lnSpc>
         <a:spcPct val="100000"/>
       </a:lnSpc>
@@ -173,7 +172,7 @@
         <a:srgbClr val="000000"/>
       </a:buClr>
       <a:buFont typeface="Arial"/>
-      <a:defRPr b="0" i="0" sz="1400" u="none" cap="none" strike="noStrike">
+      <a:defRPr sz="1400" b="0" i="0" u="none" strike="noStrike" cap="none">
         <a:solidFill>
           <a:srgbClr val="000000"/>
         </a:solidFill>
@@ -183,7 +182,7 @@
         <a:sym typeface="Arial"/>
       </a:defRPr>
     </a:lvl6pPr>
-    <a:lvl7pPr lvl="6" marR="0" rtl="0" algn="l">
+    <a:lvl7pPr marR="0" lvl="6" algn="l" rtl="0">
       <a:lnSpc>
         <a:spcPct val="100000"/>
       </a:lnSpc>
@@ -197,7 +196,7 @@
         <a:srgbClr val="000000"/>
       </a:buClr>
       <a:buFont typeface="Arial"/>
-      <a:defRPr b="0" i="0" sz="1400" u="none" cap="none" strike="noStrike">
+      <a:defRPr sz="1400" b="0" i="0" u="none" strike="noStrike" cap="none">
         <a:solidFill>
           <a:srgbClr val="000000"/>
         </a:solidFill>
@@ -207,7 +206,7 @@
         <a:sym typeface="Arial"/>
       </a:defRPr>
     </a:lvl7pPr>
-    <a:lvl8pPr lvl="7" marR="0" rtl="0" algn="l">
+    <a:lvl8pPr marR="0" lvl="7" algn="l" rtl="0">
       <a:lnSpc>
         <a:spcPct val="100000"/>
       </a:lnSpc>
@@ -221,7 +220,7 @@
         <a:srgbClr val="000000"/>
       </a:buClr>
       <a:buFont typeface="Arial"/>
-      <a:defRPr b="0" i="0" sz="1400" u="none" cap="none" strike="noStrike">
+      <a:defRPr sz="1400" b="0" i="0" u="none" strike="noStrike" cap="none">
         <a:solidFill>
           <a:srgbClr val="000000"/>
         </a:solidFill>
@@ -231,7 +230,7 @@
         <a:sym typeface="Arial"/>
       </a:defRPr>
     </a:lvl8pPr>
-    <a:lvl9pPr lvl="8" marR="0" rtl="0" algn="l">
+    <a:lvl9pPr marR="0" lvl="8" algn="l" rtl="0">
       <a:lnSpc>
         <a:spcPct val="100000"/>
       </a:lnSpc>
@@ -245,7 +244,7 @@
         <a:srgbClr val="000000"/>
       </a:buClr>
       <a:buFont typeface="Arial"/>
-      <a:defRPr b="0" i="0" sz="1400" u="none" cap="none" strike="noStrike">
+      <a:defRPr sz="1400" b="0" i="0" u="none" strike="noStrike" cap="none">
         <a:solidFill>
           <a:srgbClr val="000000"/>
         </a:solidFill>
@@ -258,7 +257,7 @@
   </p:defaultTextStyle>
   <p:extLst>
     <p:ext uri="{EFAFB233-063F-42B5-8137-9DF3F51BA10A}">
-      <p15:sldGuideLst>
+      <p15:sldGuideLst xmlns:p15="http://schemas.microsoft.com/office/powerpoint/2012/main">
         <p15:guide id="1" orient="horz" pos="2160">
           <p15:clr>
             <a:srgbClr val="000000"/>
@@ -272,18 +271,23 @@
       </p15:sldGuideLst>
     </p:ext>
     <p:ext uri="GoogleSlidesCustomDataVersion2">
-      <go:slidesCustomData xmlns:go="http://customooxmlschemas.google.com/" r:id="rId22" roundtripDataSignature="AMtx7mitJqAg+fzbzwTX0E/AvKM7Ecj3xA=="/>
+      <go:slidesCustomData xmlns:go="http://customooxmlschemas.google.com/" xmlns:ahyp="http://schemas.microsoft.com/office/drawing/2018/hyperlinkcolor" xmlns:p15="http://schemas.microsoft.com/office/powerpoint/2012/main" xmlns:p14="http://schemas.microsoft.com/office/powerpoint/2010/main" xmlns:com="http://schemas.openxmlformats.org/drawingml/2006/compatibility" xmlns:pvml="urn:schemas-microsoft-com:office:powerpoint" xmlns:v="urn:schemas-microsoft-com:vml" xmlns:o="urn:schemas-microsoft-com:office:office" xmlns:dgm="http://schemas.openxmlformats.org/drawingml/2006/diagram" xmlns:c="http://schemas.openxmlformats.org/drawingml/2006/chart" xmlns:mv="urn:schemas-microsoft-com:mac:vml" xmlns:mc="http://schemas.openxmlformats.org/markup-compatibility/2006" xmlns="" r:id="rId22" roundtripDataSignature="AMtx7mitJqAg+fzbzwTX0E/AvKM7Ecj3xA=="/>
     </p:ext>
   </p:extLst>
 </p:presentation>
 </file>
 
 <file path=ppt/notesMasters/notesMaster1.xml><?xml version="1.0" encoding="utf-8"?>
-<p:notesMaster xmlns:a="http://schemas.openxmlformats.org/drawingml/2006/main" xmlns:r="http://schemas.openxmlformats.org/officeDocument/2006/relationships" xmlns:mc="http://schemas.openxmlformats.org/markup-compatibility/2006" xmlns:mv="urn:schemas-microsoft-com:mac:vml" xmlns:p="http://schemas.openxmlformats.org/presentationml/2006/main" xmlns:c="http://schemas.openxmlformats.org/drawingml/2006/chart" xmlns:dgm="http://schemas.openxmlformats.org/drawingml/2006/diagram" xmlns:o="urn:schemas-microsoft-com:office:office" xmlns:v="urn:schemas-microsoft-com:vml" xmlns:pvml="urn:schemas-microsoft-com:office:powerpoint" xmlns:com="http://schemas.openxmlformats.org/drawingml/2006/compatibility" xmlns:p14="http://schemas.microsoft.com/office/powerpoint/2010/main" xmlns:p15="http://schemas.microsoft.com/office/powerpoint/2012/main" xmlns:ahyp="http://schemas.microsoft.com/office/drawing/2018/hyperlinkcolor">
+<p:notesMaster xmlns:a="http://schemas.openxmlformats.org/drawingml/2006/main" xmlns:r="http://schemas.openxmlformats.org/officeDocument/2006/relationships" xmlns:p="http://schemas.openxmlformats.org/presentationml/2006/main">
   <p:cSld>
+    <p:bg>
+      <p:bgRef idx="1001">
+        <a:schemeClr val="bg1"/>
+      </p:bgRef>
+    </p:bg>
     <p:spTree>
       <p:nvGrpSpPr>
-        <p:cNvPr id="2" name="Shape 2"/>
+        <p:cNvPr id="1" name="Shape 2"/>
         <p:cNvGrpSpPr/>
         <p:nvPr/>
       </p:nvGrpSpPr>
@@ -298,9 +302,11 @@
       <p:sp>
         <p:nvSpPr>
           <p:cNvPr id="3" name="Google Shape;3;n"/>
-          <p:cNvSpPr/>
+          <p:cNvSpPr>
+            <a:spLocks noGrp="1" noRot="1" noChangeAspect="1"/>
+          </p:cNvSpPr>
           <p:nvPr>
-            <p:ph idx="2" type="sldImg"/>
+            <p:ph type="sldImg" idx="2"/>
           </p:nvPr>
         </p:nvSpPr>
         <p:spPr>
@@ -309,9 +315,13 @@
             <a:ext cx="4572225" cy="3429000"/>
           </a:xfrm>
           <a:custGeom>
-            <a:rect b="b" l="l" r="r" t="t"/>
+            <a:avLst/>
+            <a:gdLst/>
+            <a:ahLst/>
+            <a:cxnLst/>
+            <a:rect l="l" t="t" r="r" b="b"/>
             <a:pathLst>
-              <a:path extrusionOk="0" h="120000" w="120000">
+              <a:path w="120000" h="120000" extrusionOk="0">
                 <a:moveTo>
                   <a:pt x="0" y="0"/>
                 </a:moveTo>
@@ -329,23 +339,25 @@
             </a:pathLst>
           </a:custGeom>
           <a:noFill/>
-          <a:ln cap="flat" cmpd="sng" w="9525">
+          <a:ln w="9525" cap="flat" cmpd="sng">
             <a:solidFill>
               <a:srgbClr val="000000"/>
             </a:solidFill>
             <a:prstDash val="solid"/>
             <a:round/>
-            <a:headEnd len="sm" w="sm" type="none"/>
-            <a:tailEnd len="sm" w="sm" type="none"/>
+            <a:headEnd type="none" w="sm" len="sm"/>
+            <a:tailEnd type="none" w="sm" len="sm"/>
           </a:ln>
         </p:spPr>
       </p:sp>
       <p:sp>
         <p:nvSpPr>
           <p:cNvPr id="4" name="Google Shape;4;n"/>
-          <p:cNvSpPr txBox="1"/>
+          <p:cNvSpPr txBox="1">
+            <a:spLocks noGrp="1"/>
+          </p:cNvSpPr>
           <p:nvPr>
-            <p:ph idx="1" type="body"/>
+            <p:ph type="body" idx="1"/>
           </p:nvPr>
         </p:nvSpPr>
         <p:spPr>
@@ -362,11 +374,11 @@
           </a:ln>
         </p:spPr>
         <p:txBody>
-          <a:bodyPr anchorCtr="0" anchor="t" bIns="91425" lIns="91425" spcFirstLastPara="1" rIns="91425" wrap="square" tIns="91425">
+          <a:bodyPr spcFirstLastPara="1" wrap="square" lIns="91425" tIns="91425" rIns="91425" bIns="91425" anchor="t" anchorCtr="0">
             <a:noAutofit/>
           </a:bodyPr>
           <a:lstStyle>
-            <a:lvl1pPr indent="-298450" lvl="0" marL="457200">
+            <a:lvl1pPr marL="457200" lvl="0" indent="-298450">
               <a:spcBef>
                 <a:spcPts val="0"/>
               </a:spcBef>
@@ -377,7 +389,7 @@
               <a:buChar char="●"/>
               <a:defRPr sz="1100"/>
             </a:lvl1pPr>
-            <a:lvl2pPr indent="-298450" lvl="1" marL="914400">
+            <a:lvl2pPr marL="914400" lvl="1" indent="-298450">
               <a:spcBef>
                 <a:spcPts val="0"/>
               </a:spcBef>
@@ -388,7 +400,7 @@
               <a:buChar char="○"/>
               <a:defRPr sz="1100"/>
             </a:lvl2pPr>
-            <a:lvl3pPr indent="-298450" lvl="2" marL="1371600">
+            <a:lvl3pPr marL="1371600" lvl="2" indent="-298450">
               <a:spcBef>
                 <a:spcPts val="0"/>
               </a:spcBef>
@@ -399,7 +411,7 @@
               <a:buChar char="■"/>
               <a:defRPr sz="1100"/>
             </a:lvl3pPr>
-            <a:lvl4pPr indent="-298450" lvl="3" marL="1828800">
+            <a:lvl4pPr marL="1828800" lvl="3" indent="-298450">
               <a:spcBef>
                 <a:spcPts val="0"/>
               </a:spcBef>
@@ -410,7 +422,7 @@
               <a:buChar char="●"/>
               <a:defRPr sz="1100"/>
             </a:lvl4pPr>
-            <a:lvl5pPr indent="-298450" lvl="4" marL="2286000">
+            <a:lvl5pPr marL="2286000" lvl="4" indent="-298450">
               <a:spcBef>
                 <a:spcPts val="0"/>
               </a:spcBef>
@@ -421,7 +433,7 @@
               <a:buChar char="○"/>
               <a:defRPr sz="1100"/>
             </a:lvl5pPr>
-            <a:lvl6pPr indent="-298450" lvl="5" marL="2743200">
+            <a:lvl6pPr marL="2743200" lvl="5" indent="-298450">
               <a:spcBef>
                 <a:spcPts val="0"/>
               </a:spcBef>
@@ -432,7 +444,7 @@
               <a:buChar char="■"/>
               <a:defRPr sz="1100"/>
             </a:lvl6pPr>
-            <a:lvl7pPr indent="-298450" lvl="6" marL="3200400">
+            <a:lvl7pPr marL="3200400" lvl="6" indent="-298450">
               <a:spcBef>
                 <a:spcPts val="0"/>
               </a:spcBef>
@@ -443,7 +455,7 @@
               <a:buChar char="●"/>
               <a:defRPr sz="1100"/>
             </a:lvl7pPr>
-            <a:lvl8pPr indent="-298450" lvl="7" marL="3657600">
+            <a:lvl8pPr marL="3657600" lvl="7" indent="-298450">
               <a:spcBef>
                 <a:spcPts val="0"/>
               </a:spcBef>
@@ -454,7 +466,7 @@
               <a:buChar char="○"/>
               <a:defRPr sz="1100"/>
             </a:lvl8pPr>
-            <a:lvl9pPr indent="-298450" lvl="8" marL="4114800">
+            <a:lvl9pPr marL="4114800" lvl="8" indent="-298450">
               <a:spcBef>
                 <a:spcPts val="0"/>
               </a:spcBef>
@@ -466,14 +478,16 @@
               <a:defRPr sz="1100"/>
             </a:lvl9pPr>
           </a:lstStyle>
-          <a:p/>
+          <a:p>
+            <a:endParaRPr/>
+          </a:p>
         </p:txBody>
       </p:sp>
     </p:spTree>
   </p:cSld>
-  <p:clrMap accent1="accent1" accent2="accent2" accent3="accent3" accent4="accent4" accent5="accent5" accent6="accent6" bg1="lt1" bg2="dk2" tx1="dk1" tx2="lt2" folHlink="folHlink" hlink="hlink"/>
+  <p:clrMap bg1="lt1" tx1="dk1" bg2="dk2" tx2="lt2" accent1="accent1" accent2="accent2" accent3="accent3" accent4="accent4" accent5="accent5" accent6="accent6" hlink="hlink" folHlink="folHlink"/>
   <p:notesStyle>
-    <a:defPPr lvl="0" marR="0" rtl="0" algn="l">
+    <a:defPPr marR="0" lvl="0" algn="l" rtl="0">
       <a:lnSpc>
         <a:spcPct val="100000"/>
       </a:lnSpc>
@@ -484,7 +498,7 @@
         <a:spcPts val="0"/>
       </a:spcAft>
     </a:defPPr>
-    <a:lvl1pPr lvl="0" marR="0" rtl="0" algn="l">
+    <a:lvl1pPr marR="0" lvl="0" algn="l" rtl="0">
       <a:lnSpc>
         <a:spcPct val="100000"/>
       </a:lnSpc>
@@ -498,7 +512,7 @@
         <a:srgbClr val="000000"/>
       </a:buClr>
       <a:buFont typeface="Arial"/>
-      <a:defRPr b="0" i="0" sz="1400" u="none" cap="none" strike="noStrike">
+      <a:defRPr sz="1400" b="0" i="0" u="none" strike="noStrike" cap="none">
         <a:solidFill>
           <a:srgbClr val="000000"/>
         </a:solidFill>
@@ -508,7 +522,7 @@
         <a:sym typeface="Arial"/>
       </a:defRPr>
     </a:lvl1pPr>
-    <a:lvl2pPr lvl="1" marR="0" rtl="0" algn="l">
+    <a:lvl2pPr marR="0" lvl="1" algn="l" rtl="0">
       <a:lnSpc>
         <a:spcPct val="100000"/>
       </a:lnSpc>
@@ -522,7 +536,7 @@
         <a:srgbClr val="000000"/>
       </a:buClr>
       <a:buFont typeface="Arial"/>
-      <a:defRPr b="0" i="0" sz="1400" u="none" cap="none" strike="noStrike">
+      <a:defRPr sz="1400" b="0" i="0" u="none" strike="noStrike" cap="none">
         <a:solidFill>
           <a:srgbClr val="000000"/>
         </a:solidFill>
@@ -532,7 +546,7 @@
         <a:sym typeface="Arial"/>
       </a:defRPr>
     </a:lvl2pPr>
-    <a:lvl3pPr lvl="2" marR="0" rtl="0" algn="l">
+    <a:lvl3pPr marR="0" lvl="2" algn="l" rtl="0">
       <a:lnSpc>
         <a:spcPct val="100000"/>
       </a:lnSpc>
@@ -546,7 +560,7 @@
         <a:srgbClr val="000000"/>
       </a:buClr>
       <a:buFont typeface="Arial"/>
-      <a:defRPr b="0" i="0" sz="1400" u="none" cap="none" strike="noStrike">
+      <a:defRPr sz="1400" b="0" i="0" u="none" strike="noStrike" cap="none">
         <a:solidFill>
           <a:srgbClr val="000000"/>
         </a:solidFill>
@@ -556,7 +570,7 @@
         <a:sym typeface="Arial"/>
       </a:defRPr>
     </a:lvl3pPr>
-    <a:lvl4pPr lvl="3" marR="0" rtl="0" algn="l">
+    <a:lvl4pPr marR="0" lvl="3" algn="l" rtl="0">
       <a:lnSpc>
         <a:spcPct val="100000"/>
       </a:lnSpc>
@@ -570,7 +584,7 @@
         <a:srgbClr val="000000"/>
       </a:buClr>
       <a:buFont typeface="Arial"/>
-      <a:defRPr b="0" i="0" sz="1400" u="none" cap="none" strike="noStrike">
+      <a:defRPr sz="1400" b="0" i="0" u="none" strike="noStrike" cap="none">
         <a:solidFill>
           <a:srgbClr val="000000"/>
         </a:solidFill>
@@ -580,7 +594,7 @@
         <a:sym typeface="Arial"/>
       </a:defRPr>
     </a:lvl4pPr>
-    <a:lvl5pPr lvl="4" marR="0" rtl="0" algn="l">
+    <a:lvl5pPr marR="0" lvl="4" algn="l" rtl="0">
       <a:lnSpc>
         <a:spcPct val="100000"/>
       </a:lnSpc>
@@ -594,7 +608,7 @@
         <a:srgbClr val="000000"/>
       </a:buClr>
       <a:buFont typeface="Arial"/>
-      <a:defRPr b="0" i="0" sz="1400" u="none" cap="none" strike="noStrike">
+      <a:defRPr sz="1400" b="0" i="0" u="none" strike="noStrike" cap="none">
         <a:solidFill>
           <a:srgbClr val="000000"/>
         </a:solidFill>
@@ -604,7 +618,7 @@
         <a:sym typeface="Arial"/>
       </a:defRPr>
     </a:lvl5pPr>
-    <a:lvl6pPr lvl="5" marR="0" rtl="0" algn="l">
+    <a:lvl6pPr marR="0" lvl="5" algn="l" rtl="0">
       <a:lnSpc>
         <a:spcPct val="100000"/>
       </a:lnSpc>
@@ -618,7 +632,7 @@
         <a:srgbClr val="000000"/>
       </a:buClr>
       <a:buFont typeface="Arial"/>
-      <a:defRPr b="0" i="0" sz="1400" u="none" cap="none" strike="noStrike">
+      <a:defRPr sz="1400" b="0" i="0" u="none" strike="noStrike" cap="none">
         <a:solidFill>
           <a:srgbClr val="000000"/>
         </a:solidFill>
@@ -628,7 +642,7 @@
         <a:sym typeface="Arial"/>
       </a:defRPr>
     </a:lvl6pPr>
-    <a:lvl7pPr lvl="6" marR="0" rtl="0" algn="l">
+    <a:lvl7pPr marR="0" lvl="6" algn="l" rtl="0">
       <a:lnSpc>
         <a:spcPct val="100000"/>
       </a:lnSpc>
@@ -642,7 +656,7 @@
         <a:srgbClr val="000000"/>
       </a:buClr>
       <a:buFont typeface="Arial"/>
-      <a:defRPr b="0" i="0" sz="1400" u="none" cap="none" strike="noStrike">
+      <a:defRPr sz="1400" b="0" i="0" u="none" strike="noStrike" cap="none">
         <a:solidFill>
           <a:srgbClr val="000000"/>
         </a:solidFill>
@@ -652,7 +666,7 @@
         <a:sym typeface="Arial"/>
       </a:defRPr>
     </a:lvl7pPr>
-    <a:lvl8pPr lvl="7" marR="0" rtl="0" algn="l">
+    <a:lvl8pPr marR="0" lvl="7" algn="l" rtl="0">
       <a:lnSpc>
         <a:spcPct val="100000"/>
       </a:lnSpc>
@@ -666,7 +680,7 @@
         <a:srgbClr val="000000"/>
       </a:buClr>
       <a:buFont typeface="Arial"/>
-      <a:defRPr b="0" i="0" sz="1400" u="none" cap="none" strike="noStrike">
+      <a:defRPr sz="1400" b="0" i="0" u="none" strike="noStrike" cap="none">
         <a:solidFill>
           <a:srgbClr val="000000"/>
         </a:solidFill>
@@ -676,7 +690,7 @@
         <a:sym typeface="Arial"/>
       </a:defRPr>
     </a:lvl8pPr>
-    <a:lvl9pPr lvl="8" marR="0" rtl="0" algn="l">
+    <a:lvl9pPr marR="0" lvl="8" algn="l" rtl="0">
       <a:lnSpc>
         <a:spcPct val="100000"/>
       </a:lnSpc>
@@ -690,7 +704,7 @@
         <a:srgbClr val="000000"/>
       </a:buClr>
       <a:buFont typeface="Arial"/>
-      <a:defRPr b="0" i="0" sz="1400" u="none" cap="none" strike="noStrike">
+      <a:defRPr sz="1400" b="0" i="0" u="none" strike="noStrike" cap="none">
         <a:solidFill>
           <a:srgbClr val="000000"/>
         </a:solidFill>
@@ -705,11 +719,11 @@
 </file>
 
 <file path=ppt/notesSlides/notesSlide1.xml><?xml version="1.0" encoding="utf-8"?>
-<p:notes xmlns:a="http://schemas.openxmlformats.org/drawingml/2006/main" xmlns:r="http://schemas.openxmlformats.org/officeDocument/2006/relationships" xmlns:mc="http://schemas.openxmlformats.org/markup-compatibility/2006" xmlns:mv="urn:schemas-microsoft-com:mac:vml" xmlns:p="http://schemas.openxmlformats.org/presentationml/2006/main" xmlns:c="http://schemas.openxmlformats.org/drawingml/2006/chart" xmlns:dgm="http://schemas.openxmlformats.org/drawingml/2006/diagram" xmlns:o="urn:schemas-microsoft-com:office:office" xmlns:v="urn:schemas-microsoft-com:vml" xmlns:pvml="urn:schemas-microsoft-com:office:powerpoint" xmlns:com="http://schemas.openxmlformats.org/drawingml/2006/compatibility" xmlns:p14="http://schemas.microsoft.com/office/powerpoint/2010/main" xmlns:p15="http://schemas.microsoft.com/office/powerpoint/2012/main" xmlns:ahyp="http://schemas.microsoft.com/office/drawing/2018/hyperlinkcolor" showMasterPhAnim="0" showMasterSp="0">
+<p:notes xmlns:a="http://schemas.openxmlformats.org/drawingml/2006/main" xmlns:r="http://schemas.openxmlformats.org/officeDocument/2006/relationships" xmlns:p="http://schemas.openxmlformats.org/presentationml/2006/main" showMasterSp="0" showMasterPhAnim="0">
   <p:cSld>
     <p:spTree>
       <p:nvGrpSpPr>
-        <p:cNvPr id="56" name="Shape 56"/>
+        <p:cNvPr id="1" name="Shape 56"/>
         <p:cNvGrpSpPr/>
         <p:nvPr/>
       </p:nvGrpSpPr>
@@ -724,9 +738,11 @@
       <p:sp>
         <p:nvSpPr>
           <p:cNvPr id="57" name="Google Shape;57;p1:notes"/>
-          <p:cNvSpPr txBox="1"/>
+          <p:cNvSpPr txBox="1">
+            <a:spLocks noGrp="1"/>
+          </p:cNvSpPr>
           <p:nvPr>
-            <p:ph idx="1" type="body"/>
+            <p:ph type="body" idx="1"/>
           </p:nvPr>
         </p:nvSpPr>
         <p:spPr>
@@ -739,12 +755,12 @@
           </a:prstGeom>
         </p:spPr>
         <p:txBody>
-          <a:bodyPr anchorCtr="0" anchor="t" bIns="91425" lIns="91425" spcFirstLastPara="1" rIns="91425" wrap="square" tIns="91425">
+          <a:bodyPr spcFirstLastPara="1" wrap="square" lIns="91425" tIns="91425" rIns="91425" bIns="91425" anchor="t" anchorCtr="0">
             <a:noAutofit/>
           </a:bodyPr>
           <a:lstStyle/>
           <a:p>
-            <a:pPr indent="0" lvl="0" marL="0" rtl="0" algn="l">
+            <a:pPr marL="0" lvl="0" indent="0" algn="l" rtl="0">
               <a:spcBef>
                 <a:spcPts val="0"/>
               </a:spcBef>
@@ -753,9 +769,6 @@
               </a:spcAft>
               <a:buNone/>
             </a:pPr>
-            <a:r>
-              <a:t/>
-            </a:r>
             <a:endParaRPr/>
           </a:p>
         </p:txBody>
@@ -763,20 +776,26 @@
       <p:sp>
         <p:nvSpPr>
           <p:cNvPr id="58" name="Google Shape;58;p1:notes"/>
-          <p:cNvSpPr/>
+          <p:cNvSpPr>
+            <a:spLocks noGrp="1" noRot="1" noChangeAspect="1"/>
+          </p:cNvSpPr>
           <p:nvPr>
-            <p:ph idx="2" type="sldImg"/>
+            <p:ph type="sldImg" idx="2"/>
           </p:nvPr>
         </p:nvSpPr>
         <p:spPr>
           <a:xfrm>
-            <a:off x="1143225" y="685800"/>
-            <a:ext cx="4572225" cy="3429000"/>
+            <a:off x="1143000" y="685800"/>
+            <a:ext cx="4572000" cy="3429000"/>
           </a:xfrm>
           <a:custGeom>
-            <a:rect b="b" l="l" r="r" t="t"/>
+            <a:avLst/>
+            <a:gdLst/>
+            <a:ahLst/>
+            <a:cxnLst/>
+            <a:rect l="l" t="t" r="r" b="b"/>
             <a:pathLst>
-              <a:path extrusionOk="0" h="120000" w="120000">
+              <a:path w="120000" h="120000" extrusionOk="0">
                 <a:moveTo>
                   <a:pt x="0" y="0"/>
                 </a:moveTo>
@@ -804,11 +823,11 @@
 </file>
 
 <file path=ppt/notesSlides/notesSlide10.xml><?xml version="1.0" encoding="utf-8"?>
-<p:notes xmlns:a="http://schemas.openxmlformats.org/drawingml/2006/main" xmlns:r="http://schemas.openxmlformats.org/officeDocument/2006/relationships" xmlns:mc="http://schemas.openxmlformats.org/markup-compatibility/2006" xmlns:mv="urn:schemas-microsoft-com:mac:vml" xmlns:p="http://schemas.openxmlformats.org/presentationml/2006/main" xmlns:c="http://schemas.openxmlformats.org/drawingml/2006/chart" xmlns:dgm="http://schemas.openxmlformats.org/drawingml/2006/diagram" xmlns:o="urn:schemas-microsoft-com:office:office" xmlns:v="urn:schemas-microsoft-com:vml" xmlns:pvml="urn:schemas-microsoft-com:office:powerpoint" xmlns:com="http://schemas.openxmlformats.org/drawingml/2006/compatibility" xmlns:p14="http://schemas.microsoft.com/office/powerpoint/2010/main" xmlns:p15="http://schemas.microsoft.com/office/powerpoint/2012/main" xmlns:ahyp="http://schemas.microsoft.com/office/drawing/2018/hyperlinkcolor" showMasterPhAnim="0" showMasterSp="0">
+<p:notes xmlns:a="http://schemas.openxmlformats.org/drawingml/2006/main" xmlns:r="http://schemas.openxmlformats.org/officeDocument/2006/relationships" xmlns:p="http://schemas.openxmlformats.org/presentationml/2006/main" showMasterSp="0" showMasterPhAnim="0">
   <p:cSld>
     <p:spTree>
       <p:nvGrpSpPr>
-        <p:cNvPr id="110" name="Shape 110"/>
+        <p:cNvPr id="1" name="Shape 110"/>
         <p:cNvGrpSpPr/>
         <p:nvPr/>
       </p:nvGrpSpPr>
@@ -823,9 +842,11 @@
       <p:sp>
         <p:nvSpPr>
           <p:cNvPr id="111" name="Google Shape;111;p9:notes"/>
-          <p:cNvSpPr txBox="1"/>
+          <p:cNvSpPr txBox="1">
+            <a:spLocks noGrp="1"/>
+          </p:cNvSpPr>
           <p:nvPr>
-            <p:ph idx="1" type="body"/>
+            <p:ph type="body" idx="1"/>
           </p:nvPr>
         </p:nvSpPr>
         <p:spPr>
@@ -838,12 +859,12 @@
           </a:prstGeom>
         </p:spPr>
         <p:txBody>
-          <a:bodyPr anchorCtr="0" anchor="t" bIns="91425" lIns="91425" spcFirstLastPara="1" rIns="91425" wrap="square" tIns="91425">
+          <a:bodyPr spcFirstLastPara="1" wrap="square" lIns="91425" tIns="91425" rIns="91425" bIns="91425" anchor="t" anchorCtr="0">
             <a:noAutofit/>
           </a:bodyPr>
           <a:lstStyle/>
           <a:p>
-            <a:pPr indent="0" lvl="0" marL="0" rtl="0" algn="l">
+            <a:pPr marL="0" lvl="0" indent="0" algn="l" rtl="0">
               <a:spcBef>
                 <a:spcPts val="0"/>
               </a:spcBef>
@@ -852,9 +873,6 @@
               </a:spcAft>
               <a:buNone/>
             </a:pPr>
-            <a:r>
-              <a:t/>
-            </a:r>
             <a:endParaRPr/>
           </a:p>
         </p:txBody>
@@ -862,20 +880,26 @@
       <p:sp>
         <p:nvSpPr>
           <p:cNvPr id="112" name="Google Shape;112;p9:notes"/>
-          <p:cNvSpPr/>
+          <p:cNvSpPr>
+            <a:spLocks noGrp="1" noRot="1" noChangeAspect="1"/>
+          </p:cNvSpPr>
           <p:nvPr>
-            <p:ph idx="2" type="sldImg"/>
+            <p:ph type="sldImg" idx="2"/>
           </p:nvPr>
         </p:nvSpPr>
         <p:spPr>
           <a:xfrm>
-            <a:off x="1143225" y="685800"/>
-            <a:ext cx="4572225" cy="3429000"/>
+            <a:off x="1143000" y="685800"/>
+            <a:ext cx="4572000" cy="3429000"/>
           </a:xfrm>
           <a:custGeom>
-            <a:rect b="b" l="l" r="r" t="t"/>
+            <a:avLst/>
+            <a:gdLst/>
+            <a:ahLst/>
+            <a:cxnLst/>
+            <a:rect l="l" t="t" r="r" b="b"/>
             <a:pathLst>
-              <a:path extrusionOk="0" h="120000" w="120000">
+              <a:path w="120000" h="120000" extrusionOk="0">
                 <a:moveTo>
                   <a:pt x="0" y="0"/>
                 </a:moveTo>
@@ -903,11 +927,11 @@
 </file>
 
 <file path=ppt/notesSlides/notesSlide11.xml><?xml version="1.0" encoding="utf-8"?>
-<p:notes xmlns:a="http://schemas.openxmlformats.org/drawingml/2006/main" xmlns:r="http://schemas.openxmlformats.org/officeDocument/2006/relationships" xmlns:mc="http://schemas.openxmlformats.org/markup-compatibility/2006" xmlns:mv="urn:schemas-microsoft-com:mac:vml" xmlns:p="http://schemas.openxmlformats.org/presentationml/2006/main" xmlns:c="http://schemas.openxmlformats.org/drawingml/2006/chart" xmlns:dgm="http://schemas.openxmlformats.org/drawingml/2006/diagram" xmlns:o="urn:schemas-microsoft-com:office:office" xmlns:v="urn:schemas-microsoft-com:vml" xmlns:pvml="urn:schemas-microsoft-com:office:powerpoint" xmlns:com="http://schemas.openxmlformats.org/drawingml/2006/compatibility" xmlns:p14="http://schemas.microsoft.com/office/powerpoint/2010/main" xmlns:p15="http://schemas.microsoft.com/office/powerpoint/2012/main" xmlns:ahyp="http://schemas.microsoft.com/office/drawing/2018/hyperlinkcolor" showMasterPhAnim="0" showMasterSp="0">
+<p:notes xmlns:a="http://schemas.openxmlformats.org/drawingml/2006/main" xmlns:r="http://schemas.openxmlformats.org/officeDocument/2006/relationships" xmlns:p="http://schemas.openxmlformats.org/presentationml/2006/main" showMasterSp="0" showMasterPhAnim="0">
   <p:cSld>
     <p:spTree>
       <p:nvGrpSpPr>
-        <p:cNvPr id="116" name="Shape 116"/>
+        <p:cNvPr id="1" name="Shape 116"/>
         <p:cNvGrpSpPr/>
         <p:nvPr/>
       </p:nvGrpSpPr>
@@ -922,9 +946,11 @@
       <p:sp>
         <p:nvSpPr>
           <p:cNvPr id="117" name="Google Shape;117;p10:notes"/>
-          <p:cNvSpPr txBox="1"/>
+          <p:cNvSpPr txBox="1">
+            <a:spLocks noGrp="1"/>
+          </p:cNvSpPr>
           <p:nvPr>
-            <p:ph idx="1" type="body"/>
+            <p:ph type="body" idx="1"/>
           </p:nvPr>
         </p:nvSpPr>
         <p:spPr>
@@ -937,12 +963,12 @@
           </a:prstGeom>
         </p:spPr>
         <p:txBody>
-          <a:bodyPr anchorCtr="0" anchor="t" bIns="91425" lIns="91425" spcFirstLastPara="1" rIns="91425" wrap="square" tIns="91425">
+          <a:bodyPr spcFirstLastPara="1" wrap="square" lIns="91425" tIns="91425" rIns="91425" bIns="91425" anchor="t" anchorCtr="0">
             <a:noAutofit/>
           </a:bodyPr>
           <a:lstStyle/>
           <a:p>
-            <a:pPr indent="0" lvl="0" marL="0" rtl="0" algn="l">
+            <a:pPr marL="0" lvl="0" indent="0" algn="l" rtl="0">
               <a:spcBef>
                 <a:spcPts val="0"/>
               </a:spcBef>
@@ -951,9 +977,6 @@
               </a:spcAft>
               <a:buNone/>
             </a:pPr>
-            <a:r>
-              <a:t/>
-            </a:r>
             <a:endParaRPr/>
           </a:p>
         </p:txBody>
@@ -961,20 +984,26 @@
       <p:sp>
         <p:nvSpPr>
           <p:cNvPr id="118" name="Google Shape;118;p10:notes"/>
-          <p:cNvSpPr/>
+          <p:cNvSpPr>
+            <a:spLocks noGrp="1" noRot="1" noChangeAspect="1"/>
+          </p:cNvSpPr>
           <p:nvPr>
-            <p:ph idx="2" type="sldImg"/>
+            <p:ph type="sldImg" idx="2"/>
           </p:nvPr>
         </p:nvSpPr>
         <p:spPr>
           <a:xfrm>
-            <a:off x="1143225" y="685800"/>
-            <a:ext cx="4572225" cy="3429000"/>
+            <a:off x="1143000" y="685800"/>
+            <a:ext cx="4572000" cy="3429000"/>
           </a:xfrm>
           <a:custGeom>
-            <a:rect b="b" l="l" r="r" t="t"/>
+            <a:avLst/>
+            <a:gdLst/>
+            <a:ahLst/>
+            <a:cxnLst/>
+            <a:rect l="l" t="t" r="r" b="b"/>
             <a:pathLst>
-              <a:path extrusionOk="0" h="120000" w="120000">
+              <a:path w="120000" h="120000" extrusionOk="0">
                 <a:moveTo>
                   <a:pt x="0" y="0"/>
                 </a:moveTo>
@@ -1002,11 +1031,11 @@
 </file>
 
 <file path=ppt/notesSlides/notesSlide12.xml><?xml version="1.0" encoding="utf-8"?>
-<p:notes xmlns:a="http://schemas.openxmlformats.org/drawingml/2006/main" xmlns:r="http://schemas.openxmlformats.org/officeDocument/2006/relationships" xmlns:mc="http://schemas.openxmlformats.org/markup-compatibility/2006" xmlns:mv="urn:schemas-microsoft-com:mac:vml" xmlns:p="http://schemas.openxmlformats.org/presentationml/2006/main" xmlns:c="http://schemas.openxmlformats.org/drawingml/2006/chart" xmlns:dgm="http://schemas.openxmlformats.org/drawingml/2006/diagram" xmlns:o="urn:schemas-microsoft-com:office:office" xmlns:v="urn:schemas-microsoft-com:vml" xmlns:pvml="urn:schemas-microsoft-com:office:powerpoint" xmlns:com="http://schemas.openxmlformats.org/drawingml/2006/compatibility" xmlns:p14="http://schemas.microsoft.com/office/powerpoint/2010/main" xmlns:p15="http://schemas.microsoft.com/office/powerpoint/2012/main" xmlns:ahyp="http://schemas.microsoft.com/office/drawing/2018/hyperlinkcolor" showMasterPhAnim="0" showMasterSp="0">
+<p:notes xmlns:a="http://schemas.openxmlformats.org/drawingml/2006/main" xmlns:r="http://schemas.openxmlformats.org/officeDocument/2006/relationships" xmlns:p="http://schemas.openxmlformats.org/presentationml/2006/main" showMasterSp="0" showMasterPhAnim="0">
   <p:cSld>
     <p:spTree>
       <p:nvGrpSpPr>
-        <p:cNvPr id="122" name="Shape 122"/>
+        <p:cNvPr id="1" name="Shape 122"/>
         <p:cNvGrpSpPr/>
         <p:nvPr/>
       </p:nvGrpSpPr>
@@ -1021,9 +1050,11 @@
       <p:sp>
         <p:nvSpPr>
           <p:cNvPr id="123" name="Google Shape;123;p11:notes"/>
-          <p:cNvSpPr txBox="1"/>
+          <p:cNvSpPr txBox="1">
+            <a:spLocks noGrp="1"/>
+          </p:cNvSpPr>
           <p:nvPr>
-            <p:ph idx="1" type="body"/>
+            <p:ph type="body" idx="1"/>
           </p:nvPr>
         </p:nvSpPr>
         <p:spPr>
@@ -1036,12 +1067,12 @@
           </a:prstGeom>
         </p:spPr>
         <p:txBody>
-          <a:bodyPr anchorCtr="0" anchor="t" bIns="91425" lIns="91425" spcFirstLastPara="1" rIns="91425" wrap="square" tIns="91425">
+          <a:bodyPr spcFirstLastPara="1" wrap="square" lIns="91425" tIns="91425" rIns="91425" bIns="91425" anchor="t" anchorCtr="0">
             <a:noAutofit/>
           </a:bodyPr>
           <a:lstStyle/>
           <a:p>
-            <a:pPr indent="0" lvl="0" marL="0" rtl="0" algn="l">
+            <a:pPr marL="0" lvl="0" indent="0" algn="l" rtl="0">
               <a:spcBef>
                 <a:spcPts val="0"/>
               </a:spcBef>
@@ -1050,9 +1081,6 @@
               </a:spcAft>
               <a:buNone/>
             </a:pPr>
-            <a:r>
-              <a:t/>
-            </a:r>
             <a:endParaRPr/>
           </a:p>
         </p:txBody>
@@ -1060,20 +1088,26 @@
       <p:sp>
         <p:nvSpPr>
           <p:cNvPr id="124" name="Google Shape;124;p11:notes"/>
-          <p:cNvSpPr/>
+          <p:cNvSpPr>
+            <a:spLocks noGrp="1" noRot="1" noChangeAspect="1"/>
+          </p:cNvSpPr>
           <p:nvPr>
-            <p:ph idx="2" type="sldImg"/>
+            <p:ph type="sldImg" idx="2"/>
           </p:nvPr>
         </p:nvSpPr>
         <p:spPr>
           <a:xfrm>
-            <a:off x="1143225" y="685800"/>
-            <a:ext cx="4572225" cy="3429000"/>
+            <a:off x="1143000" y="685800"/>
+            <a:ext cx="4572000" cy="3429000"/>
           </a:xfrm>
           <a:custGeom>
-            <a:rect b="b" l="l" r="r" t="t"/>
+            <a:avLst/>
+            <a:gdLst/>
+            <a:ahLst/>
+            <a:cxnLst/>
+            <a:rect l="l" t="t" r="r" b="b"/>
             <a:pathLst>
-              <a:path extrusionOk="0" h="120000" w="120000">
+              <a:path w="120000" h="120000" extrusionOk="0">
                 <a:moveTo>
                   <a:pt x="0" y="0"/>
                 </a:moveTo>
@@ -1101,11 +1135,11 @@
 </file>
 
 <file path=ppt/notesSlides/notesSlide13.xml><?xml version="1.0" encoding="utf-8"?>
-<p:notes xmlns:a="http://schemas.openxmlformats.org/drawingml/2006/main" xmlns:r="http://schemas.openxmlformats.org/officeDocument/2006/relationships" xmlns:mc="http://schemas.openxmlformats.org/markup-compatibility/2006" xmlns:mv="urn:schemas-microsoft-com:mac:vml" xmlns:p="http://schemas.openxmlformats.org/presentationml/2006/main" xmlns:c="http://schemas.openxmlformats.org/drawingml/2006/chart" xmlns:dgm="http://schemas.openxmlformats.org/drawingml/2006/diagram" xmlns:o="urn:schemas-microsoft-com:office:office" xmlns:v="urn:schemas-microsoft-com:vml" xmlns:pvml="urn:schemas-microsoft-com:office:powerpoint" xmlns:com="http://schemas.openxmlformats.org/drawingml/2006/compatibility" xmlns:p14="http://schemas.microsoft.com/office/powerpoint/2010/main" xmlns:p15="http://schemas.microsoft.com/office/powerpoint/2012/main" xmlns:ahyp="http://schemas.microsoft.com/office/drawing/2018/hyperlinkcolor" showMasterPhAnim="0" showMasterSp="0">
+<p:notes xmlns:a="http://schemas.openxmlformats.org/drawingml/2006/main" xmlns:r="http://schemas.openxmlformats.org/officeDocument/2006/relationships" xmlns:p="http://schemas.openxmlformats.org/presentationml/2006/main" showMasterSp="0" showMasterPhAnim="0">
   <p:cSld>
     <p:spTree>
       <p:nvGrpSpPr>
-        <p:cNvPr id="128" name="Shape 128"/>
+        <p:cNvPr id="1" name="Shape 128"/>
         <p:cNvGrpSpPr/>
         <p:nvPr/>
       </p:nvGrpSpPr>
@@ -1120,9 +1154,11 @@
       <p:sp>
         <p:nvSpPr>
           <p:cNvPr id="129" name="Google Shape;129;p12:notes"/>
-          <p:cNvSpPr txBox="1"/>
+          <p:cNvSpPr txBox="1">
+            <a:spLocks noGrp="1"/>
+          </p:cNvSpPr>
           <p:nvPr>
-            <p:ph idx="1" type="body"/>
+            <p:ph type="body" idx="1"/>
           </p:nvPr>
         </p:nvSpPr>
         <p:spPr>
@@ -1135,12 +1171,12 @@
           </a:prstGeom>
         </p:spPr>
         <p:txBody>
-          <a:bodyPr anchorCtr="0" anchor="t" bIns="91425" lIns="91425" spcFirstLastPara="1" rIns="91425" wrap="square" tIns="91425">
+          <a:bodyPr spcFirstLastPara="1" wrap="square" lIns="91425" tIns="91425" rIns="91425" bIns="91425" anchor="t" anchorCtr="0">
             <a:noAutofit/>
           </a:bodyPr>
           <a:lstStyle/>
           <a:p>
-            <a:pPr indent="0" lvl="0" marL="0" rtl="0" algn="l">
+            <a:pPr marL="0" lvl="0" indent="0" algn="l" rtl="0">
               <a:spcBef>
                 <a:spcPts val="0"/>
               </a:spcBef>
@@ -1149,9 +1185,6 @@
               </a:spcAft>
               <a:buNone/>
             </a:pPr>
-            <a:r>
-              <a:t/>
-            </a:r>
             <a:endParaRPr/>
           </a:p>
         </p:txBody>
@@ -1159,20 +1192,26 @@
       <p:sp>
         <p:nvSpPr>
           <p:cNvPr id="130" name="Google Shape;130;p12:notes"/>
-          <p:cNvSpPr/>
+          <p:cNvSpPr>
+            <a:spLocks noGrp="1" noRot="1" noChangeAspect="1"/>
+          </p:cNvSpPr>
           <p:nvPr>
-            <p:ph idx="2" type="sldImg"/>
+            <p:ph type="sldImg" idx="2"/>
           </p:nvPr>
         </p:nvSpPr>
         <p:spPr>
           <a:xfrm>
-            <a:off x="1143225" y="685800"/>
-            <a:ext cx="4572225" cy="3429000"/>
+            <a:off x="1143000" y="685800"/>
+            <a:ext cx="4572000" cy="3429000"/>
           </a:xfrm>
           <a:custGeom>
-            <a:rect b="b" l="l" r="r" t="t"/>
+            <a:avLst/>
+            <a:gdLst/>
+            <a:ahLst/>
+            <a:cxnLst/>
+            <a:rect l="l" t="t" r="r" b="b"/>
             <a:pathLst>
-              <a:path extrusionOk="0" h="120000" w="120000">
+              <a:path w="120000" h="120000" extrusionOk="0">
                 <a:moveTo>
                   <a:pt x="0" y="0"/>
                 </a:moveTo>
@@ -1200,11 +1239,11 @@
 </file>
 
 <file path=ppt/notesSlides/notesSlide14.xml><?xml version="1.0" encoding="utf-8"?>
-<p:notes xmlns:a="http://schemas.openxmlformats.org/drawingml/2006/main" xmlns:r="http://schemas.openxmlformats.org/officeDocument/2006/relationships" xmlns:mc="http://schemas.openxmlformats.org/markup-compatibility/2006" xmlns:mv="urn:schemas-microsoft-com:mac:vml" xmlns:p="http://schemas.openxmlformats.org/presentationml/2006/main" xmlns:c="http://schemas.openxmlformats.org/drawingml/2006/chart" xmlns:dgm="http://schemas.openxmlformats.org/drawingml/2006/diagram" xmlns:o="urn:schemas-microsoft-com:office:office" xmlns:v="urn:schemas-microsoft-com:vml" xmlns:pvml="urn:schemas-microsoft-com:office:powerpoint" xmlns:com="http://schemas.openxmlformats.org/drawingml/2006/compatibility" xmlns:p14="http://schemas.microsoft.com/office/powerpoint/2010/main" xmlns:p15="http://schemas.microsoft.com/office/powerpoint/2012/main" xmlns:ahyp="http://schemas.microsoft.com/office/drawing/2018/hyperlinkcolor" showMasterPhAnim="0" showMasterSp="0">
+<p:notes xmlns:a="http://schemas.openxmlformats.org/drawingml/2006/main" xmlns:r="http://schemas.openxmlformats.org/officeDocument/2006/relationships" xmlns:p="http://schemas.openxmlformats.org/presentationml/2006/main" showMasterSp="0" showMasterPhAnim="0">
   <p:cSld>
     <p:spTree>
       <p:nvGrpSpPr>
-        <p:cNvPr id="134" name="Shape 134"/>
+        <p:cNvPr id="1" name="Shape 134"/>
         <p:cNvGrpSpPr/>
         <p:nvPr/>
       </p:nvGrpSpPr>
@@ -1219,9 +1258,11 @@
       <p:sp>
         <p:nvSpPr>
           <p:cNvPr id="135" name="Google Shape;135;p13:notes"/>
-          <p:cNvSpPr txBox="1"/>
+          <p:cNvSpPr txBox="1">
+            <a:spLocks noGrp="1"/>
+          </p:cNvSpPr>
           <p:nvPr>
-            <p:ph idx="1" type="body"/>
+            <p:ph type="body" idx="1"/>
           </p:nvPr>
         </p:nvSpPr>
         <p:spPr>
@@ -1234,12 +1275,12 @@
           </a:prstGeom>
         </p:spPr>
         <p:txBody>
-          <a:bodyPr anchorCtr="0" anchor="t" bIns="91425" lIns="91425" spcFirstLastPara="1" rIns="91425" wrap="square" tIns="91425">
+          <a:bodyPr spcFirstLastPara="1" wrap="square" lIns="91425" tIns="91425" rIns="91425" bIns="91425" anchor="t" anchorCtr="0">
             <a:noAutofit/>
           </a:bodyPr>
           <a:lstStyle/>
           <a:p>
-            <a:pPr indent="0" lvl="0" marL="0" rtl="0" algn="l">
+            <a:pPr marL="0" lvl="0" indent="0" algn="l" rtl="0">
               <a:spcBef>
                 <a:spcPts val="0"/>
               </a:spcBef>
@@ -1248,9 +1289,6 @@
               </a:spcAft>
               <a:buNone/>
             </a:pPr>
-            <a:r>
-              <a:t/>
-            </a:r>
             <a:endParaRPr/>
           </a:p>
         </p:txBody>
@@ -1258,20 +1296,26 @@
       <p:sp>
         <p:nvSpPr>
           <p:cNvPr id="136" name="Google Shape;136;p13:notes"/>
-          <p:cNvSpPr/>
+          <p:cNvSpPr>
+            <a:spLocks noGrp="1" noRot="1" noChangeAspect="1"/>
+          </p:cNvSpPr>
           <p:nvPr>
-            <p:ph idx="2" type="sldImg"/>
+            <p:ph type="sldImg" idx="2"/>
           </p:nvPr>
         </p:nvSpPr>
         <p:spPr>
           <a:xfrm>
-            <a:off x="1143225" y="685800"/>
-            <a:ext cx="4572225" cy="3429000"/>
+            <a:off x="1143000" y="685800"/>
+            <a:ext cx="4572000" cy="3429000"/>
           </a:xfrm>
           <a:custGeom>
-            <a:rect b="b" l="l" r="r" t="t"/>
+            <a:avLst/>
+            <a:gdLst/>
+            <a:ahLst/>
+            <a:cxnLst/>
+            <a:rect l="l" t="t" r="r" b="b"/>
             <a:pathLst>
-              <a:path extrusionOk="0" h="120000" w="120000">
+              <a:path w="120000" h="120000" extrusionOk="0">
                 <a:moveTo>
                   <a:pt x="0" y="0"/>
                 </a:moveTo>
@@ -1299,11 +1343,11 @@
 </file>
 
 <file path=ppt/notesSlides/notesSlide15.xml><?xml version="1.0" encoding="utf-8"?>
-<p:notes xmlns:a="http://schemas.openxmlformats.org/drawingml/2006/main" xmlns:r="http://schemas.openxmlformats.org/officeDocument/2006/relationships" xmlns:mc="http://schemas.openxmlformats.org/markup-compatibility/2006" xmlns:mv="urn:schemas-microsoft-com:mac:vml" xmlns:p="http://schemas.openxmlformats.org/presentationml/2006/main" xmlns:c="http://schemas.openxmlformats.org/drawingml/2006/chart" xmlns:dgm="http://schemas.openxmlformats.org/drawingml/2006/diagram" xmlns:o="urn:schemas-microsoft-com:office:office" xmlns:v="urn:schemas-microsoft-com:vml" xmlns:pvml="urn:schemas-microsoft-com:office:powerpoint" xmlns:com="http://schemas.openxmlformats.org/drawingml/2006/compatibility" xmlns:p14="http://schemas.microsoft.com/office/powerpoint/2010/main" xmlns:p15="http://schemas.microsoft.com/office/powerpoint/2012/main" xmlns:ahyp="http://schemas.microsoft.com/office/drawing/2018/hyperlinkcolor" showMasterPhAnim="0" showMasterSp="0">
+<p:notes xmlns:a="http://schemas.openxmlformats.org/drawingml/2006/main" xmlns:r="http://schemas.openxmlformats.org/officeDocument/2006/relationships" xmlns:p="http://schemas.openxmlformats.org/presentationml/2006/main" showMasterSp="0" showMasterPhAnim="0">
   <p:cSld>
     <p:spTree>
       <p:nvGrpSpPr>
-        <p:cNvPr id="140" name="Shape 140"/>
+        <p:cNvPr id="1" name="Shape 140"/>
         <p:cNvGrpSpPr/>
         <p:nvPr/>
       </p:nvGrpSpPr>
@@ -1318,9 +1362,11 @@
       <p:sp>
         <p:nvSpPr>
           <p:cNvPr id="141" name="Google Shape;141;p14:notes"/>
-          <p:cNvSpPr txBox="1"/>
+          <p:cNvSpPr txBox="1">
+            <a:spLocks noGrp="1"/>
+          </p:cNvSpPr>
           <p:nvPr>
-            <p:ph idx="1" type="body"/>
+            <p:ph type="body" idx="1"/>
           </p:nvPr>
         </p:nvSpPr>
         <p:spPr>
@@ -1333,12 +1379,12 @@
           </a:prstGeom>
         </p:spPr>
         <p:txBody>
-          <a:bodyPr anchorCtr="0" anchor="t" bIns="91425" lIns="91425" spcFirstLastPara="1" rIns="91425" wrap="square" tIns="91425">
+          <a:bodyPr spcFirstLastPara="1" wrap="square" lIns="91425" tIns="91425" rIns="91425" bIns="91425" anchor="t" anchorCtr="0">
             <a:noAutofit/>
           </a:bodyPr>
           <a:lstStyle/>
           <a:p>
-            <a:pPr indent="0" lvl="0" marL="0" rtl="0" algn="l">
+            <a:pPr marL="0" lvl="0" indent="0" algn="l" rtl="0">
               <a:spcBef>
                 <a:spcPts val="0"/>
               </a:spcBef>
@@ -1347,9 +1393,6 @@
               </a:spcAft>
               <a:buNone/>
             </a:pPr>
-            <a:r>
-              <a:t/>
-            </a:r>
             <a:endParaRPr/>
           </a:p>
         </p:txBody>
@@ -1357,119 +1400,26 @@
       <p:sp>
         <p:nvSpPr>
           <p:cNvPr id="142" name="Google Shape;142;p14:notes"/>
-          <p:cNvSpPr/>
+          <p:cNvSpPr>
+            <a:spLocks noGrp="1" noRot="1" noChangeAspect="1"/>
+          </p:cNvSpPr>
           <p:nvPr>
-            <p:ph idx="2" type="sldImg"/>
+            <p:ph type="sldImg" idx="2"/>
           </p:nvPr>
         </p:nvSpPr>
         <p:spPr>
           <a:xfrm>
-            <a:off x="1143225" y="685800"/>
-            <a:ext cx="4572225" cy="3429000"/>
+            <a:off x="1143000" y="685800"/>
+            <a:ext cx="4572000" cy="3429000"/>
           </a:xfrm>
           <a:custGeom>
-            <a:rect b="b" l="l" r="r" t="t"/>
+            <a:avLst/>
+            <a:gdLst/>
+            <a:ahLst/>
+            <a:cxnLst/>
+            <a:rect l="l" t="t" r="r" b="b"/>
             <a:pathLst>
-              <a:path extrusionOk="0" h="120000" w="120000">
-                <a:moveTo>
-                  <a:pt x="0" y="0"/>
-                </a:moveTo>
-                <a:lnTo>
-                  <a:pt x="120000" y="0"/>
-                </a:lnTo>
-                <a:lnTo>
-                  <a:pt x="120000" y="120000"/>
-                </a:lnTo>
-                <a:lnTo>
-                  <a:pt x="0" y="120000"/>
-                </a:lnTo>
-                <a:close/>
-              </a:path>
-            </a:pathLst>
-          </a:custGeom>
-        </p:spPr>
-      </p:sp>
-    </p:spTree>
-  </p:cSld>
-  <p:clrMapOvr>
-    <a:masterClrMapping/>
-  </p:clrMapOvr>
-</p:notes>
-</file>
-
-<file path=ppt/notesSlides/notesSlide16.xml><?xml version="1.0" encoding="utf-8"?>
-<p:notes xmlns:a="http://schemas.openxmlformats.org/drawingml/2006/main" xmlns:r="http://schemas.openxmlformats.org/officeDocument/2006/relationships" xmlns:mc="http://schemas.openxmlformats.org/markup-compatibility/2006" xmlns:mv="urn:schemas-microsoft-com:mac:vml" xmlns:p="http://schemas.openxmlformats.org/presentationml/2006/main" xmlns:c="http://schemas.openxmlformats.org/drawingml/2006/chart" xmlns:dgm="http://schemas.openxmlformats.org/drawingml/2006/diagram" xmlns:o="urn:schemas-microsoft-com:office:office" xmlns:v="urn:schemas-microsoft-com:vml" xmlns:pvml="urn:schemas-microsoft-com:office:powerpoint" xmlns:com="http://schemas.openxmlformats.org/drawingml/2006/compatibility" xmlns:p14="http://schemas.microsoft.com/office/powerpoint/2010/main" xmlns:p15="http://schemas.microsoft.com/office/powerpoint/2012/main" xmlns:ahyp="http://schemas.microsoft.com/office/drawing/2018/hyperlinkcolor" showMasterPhAnim="0" showMasterSp="0">
-  <p:cSld>
-    <p:spTree>
-      <p:nvGrpSpPr>
-        <p:cNvPr id="146" name="Shape 146"/>
-        <p:cNvGrpSpPr/>
-        <p:nvPr/>
-      </p:nvGrpSpPr>
-      <p:grpSpPr>
-        <a:xfrm>
-          <a:off x="0" y="0"/>
-          <a:ext cx="0" cy="0"/>
-          <a:chOff x="0" y="0"/>
-          <a:chExt cx="0" cy="0"/>
-        </a:xfrm>
-      </p:grpSpPr>
-      <p:sp>
-        <p:nvSpPr>
-          <p:cNvPr id="147" name="Google Shape;147;p15:notes"/>
-          <p:cNvSpPr txBox="1"/>
-          <p:nvPr>
-            <p:ph idx="1" type="body"/>
-          </p:nvPr>
-        </p:nvSpPr>
-        <p:spPr>
-          <a:xfrm>
-            <a:off x="685800" y="4343400"/>
-            <a:ext cx="5486400" cy="4114800"/>
-          </a:xfrm>
-          <a:prstGeom prst="rect">
-            <a:avLst/>
-          </a:prstGeom>
-        </p:spPr>
-        <p:txBody>
-          <a:bodyPr anchorCtr="0" anchor="t" bIns="91425" lIns="91425" spcFirstLastPara="1" rIns="91425" wrap="square" tIns="91425">
-            <a:noAutofit/>
-          </a:bodyPr>
-          <a:lstStyle/>
-          <a:p>
-            <a:pPr indent="0" lvl="0" marL="0" rtl="0" algn="l">
-              <a:spcBef>
-                <a:spcPts val="0"/>
-              </a:spcBef>
-              <a:spcAft>
-                <a:spcPts val="0"/>
-              </a:spcAft>
-              <a:buNone/>
-            </a:pPr>
-            <a:r>
-              <a:t/>
-            </a:r>
-            <a:endParaRPr/>
-          </a:p>
-        </p:txBody>
-      </p:sp>
-      <p:sp>
-        <p:nvSpPr>
-          <p:cNvPr id="148" name="Google Shape;148;p15:notes"/>
-          <p:cNvSpPr/>
-          <p:nvPr>
-            <p:ph idx="2" type="sldImg"/>
-          </p:nvPr>
-        </p:nvSpPr>
-        <p:spPr>
-          <a:xfrm>
-            <a:off x="1143225" y="685800"/>
-            <a:ext cx="4572225" cy="3429000"/>
-          </a:xfrm>
-          <a:custGeom>
-            <a:rect b="b" l="l" r="r" t="t"/>
-            <a:pathLst>
-              <a:path extrusionOk="0" h="120000" w="120000">
+              <a:path w="120000" h="120000" extrusionOk="0">
                 <a:moveTo>
                   <a:pt x="0" y="0"/>
                 </a:moveTo>
@@ -1497,11 +1447,11 @@
 </file>
 
 <file path=ppt/notesSlides/notesSlide2.xml><?xml version="1.0" encoding="utf-8"?>
-<p:notes xmlns:a="http://schemas.openxmlformats.org/drawingml/2006/main" xmlns:r="http://schemas.openxmlformats.org/officeDocument/2006/relationships" xmlns:mc="http://schemas.openxmlformats.org/markup-compatibility/2006" xmlns:mv="urn:schemas-microsoft-com:mac:vml" xmlns:p="http://schemas.openxmlformats.org/presentationml/2006/main" xmlns:c="http://schemas.openxmlformats.org/drawingml/2006/chart" xmlns:dgm="http://schemas.openxmlformats.org/drawingml/2006/diagram" xmlns:o="urn:schemas-microsoft-com:office:office" xmlns:v="urn:schemas-microsoft-com:vml" xmlns:pvml="urn:schemas-microsoft-com:office:powerpoint" xmlns:com="http://schemas.openxmlformats.org/drawingml/2006/compatibility" xmlns:p14="http://schemas.microsoft.com/office/powerpoint/2010/main" xmlns:p15="http://schemas.microsoft.com/office/powerpoint/2012/main" xmlns:ahyp="http://schemas.microsoft.com/office/drawing/2018/hyperlinkcolor" showMasterPhAnim="0" showMasterSp="0">
+<p:notes xmlns:a="http://schemas.openxmlformats.org/drawingml/2006/main" xmlns:r="http://schemas.openxmlformats.org/officeDocument/2006/relationships" xmlns:p="http://schemas.openxmlformats.org/presentationml/2006/main" showMasterSp="0" showMasterPhAnim="0">
   <p:cSld>
     <p:spTree>
       <p:nvGrpSpPr>
-        <p:cNvPr id="62" name="Shape 62"/>
+        <p:cNvPr id="1" name="Shape 62"/>
         <p:cNvGrpSpPr/>
         <p:nvPr/>
       </p:nvGrpSpPr>
@@ -1516,9 +1466,11 @@
       <p:sp>
         <p:nvSpPr>
           <p:cNvPr id="63" name="Google Shape;63;p2:notes"/>
-          <p:cNvSpPr txBox="1"/>
+          <p:cNvSpPr txBox="1">
+            <a:spLocks noGrp="1"/>
+          </p:cNvSpPr>
           <p:nvPr>
-            <p:ph idx="1" type="body"/>
+            <p:ph type="body" idx="1"/>
           </p:nvPr>
         </p:nvSpPr>
         <p:spPr>
@@ -1531,12 +1483,12 @@
           </a:prstGeom>
         </p:spPr>
         <p:txBody>
-          <a:bodyPr anchorCtr="0" anchor="t" bIns="91425" lIns="91425" spcFirstLastPara="1" rIns="91425" wrap="square" tIns="91425">
+          <a:bodyPr spcFirstLastPara="1" wrap="square" lIns="91425" tIns="91425" rIns="91425" bIns="91425" anchor="t" anchorCtr="0">
             <a:noAutofit/>
           </a:bodyPr>
           <a:lstStyle/>
           <a:p>
-            <a:pPr indent="0" lvl="0" marL="0" rtl="0" algn="l">
+            <a:pPr marL="0" lvl="0" indent="0" algn="l" rtl="0">
               <a:spcBef>
                 <a:spcPts val="0"/>
               </a:spcBef>
@@ -1545,9 +1497,6 @@
               </a:spcAft>
               <a:buNone/>
             </a:pPr>
-            <a:r>
-              <a:t/>
-            </a:r>
             <a:endParaRPr/>
           </a:p>
         </p:txBody>
@@ -1555,20 +1504,26 @@
       <p:sp>
         <p:nvSpPr>
           <p:cNvPr id="64" name="Google Shape;64;p2:notes"/>
-          <p:cNvSpPr/>
+          <p:cNvSpPr>
+            <a:spLocks noGrp="1" noRot="1" noChangeAspect="1"/>
+          </p:cNvSpPr>
           <p:nvPr>
-            <p:ph idx="2" type="sldImg"/>
+            <p:ph type="sldImg" idx="2"/>
           </p:nvPr>
         </p:nvSpPr>
         <p:spPr>
           <a:xfrm>
-            <a:off x="1143225" y="685800"/>
-            <a:ext cx="4572225" cy="3429000"/>
+            <a:off x="1143000" y="685800"/>
+            <a:ext cx="4572000" cy="3429000"/>
           </a:xfrm>
           <a:custGeom>
-            <a:rect b="b" l="l" r="r" t="t"/>
+            <a:avLst/>
+            <a:gdLst/>
+            <a:ahLst/>
+            <a:cxnLst/>
+            <a:rect l="l" t="t" r="r" b="b"/>
             <a:pathLst>
-              <a:path extrusionOk="0" h="120000" w="120000">
+              <a:path w="120000" h="120000" extrusionOk="0">
                 <a:moveTo>
                   <a:pt x="0" y="0"/>
                 </a:moveTo>
@@ -1596,11 +1551,11 @@
 </file>
 
 <file path=ppt/notesSlides/notesSlide3.xml><?xml version="1.0" encoding="utf-8"?>
-<p:notes xmlns:a="http://schemas.openxmlformats.org/drawingml/2006/main" xmlns:r="http://schemas.openxmlformats.org/officeDocument/2006/relationships" xmlns:mc="http://schemas.openxmlformats.org/markup-compatibility/2006" xmlns:mv="urn:schemas-microsoft-com:mac:vml" xmlns:p="http://schemas.openxmlformats.org/presentationml/2006/main" xmlns:c="http://schemas.openxmlformats.org/drawingml/2006/chart" xmlns:dgm="http://schemas.openxmlformats.org/drawingml/2006/diagram" xmlns:o="urn:schemas-microsoft-com:office:office" xmlns:v="urn:schemas-microsoft-com:vml" xmlns:pvml="urn:schemas-microsoft-com:office:powerpoint" xmlns:com="http://schemas.openxmlformats.org/drawingml/2006/compatibility" xmlns:p14="http://schemas.microsoft.com/office/powerpoint/2010/main" xmlns:p15="http://schemas.microsoft.com/office/powerpoint/2012/main" xmlns:ahyp="http://schemas.microsoft.com/office/drawing/2018/hyperlinkcolor" showMasterPhAnim="0" showMasterSp="0">
+<p:notes xmlns:a="http://schemas.openxmlformats.org/drawingml/2006/main" xmlns:r="http://schemas.openxmlformats.org/officeDocument/2006/relationships" xmlns:p="http://schemas.openxmlformats.org/presentationml/2006/main" showMasterSp="0" showMasterPhAnim="0">
   <p:cSld>
     <p:spTree>
       <p:nvGrpSpPr>
-        <p:cNvPr id="68" name="Shape 68"/>
+        <p:cNvPr id="1" name="Shape 68"/>
         <p:cNvGrpSpPr/>
         <p:nvPr/>
       </p:nvGrpSpPr>
@@ -1615,9 +1570,11 @@
       <p:sp>
         <p:nvSpPr>
           <p:cNvPr id="69" name="Google Shape;69;p3:notes"/>
-          <p:cNvSpPr txBox="1"/>
+          <p:cNvSpPr txBox="1">
+            <a:spLocks noGrp="1"/>
+          </p:cNvSpPr>
           <p:nvPr>
-            <p:ph idx="1" type="body"/>
+            <p:ph type="body" idx="1"/>
           </p:nvPr>
         </p:nvSpPr>
         <p:spPr>
@@ -1630,12 +1587,12 @@
           </a:prstGeom>
         </p:spPr>
         <p:txBody>
-          <a:bodyPr anchorCtr="0" anchor="t" bIns="91425" lIns="91425" spcFirstLastPara="1" rIns="91425" wrap="square" tIns="91425">
+          <a:bodyPr spcFirstLastPara="1" wrap="square" lIns="91425" tIns="91425" rIns="91425" bIns="91425" anchor="t" anchorCtr="0">
             <a:noAutofit/>
           </a:bodyPr>
           <a:lstStyle/>
           <a:p>
-            <a:pPr indent="0" lvl="0" marL="0" rtl="0" algn="l">
+            <a:pPr marL="0" lvl="0" indent="0" algn="l" rtl="0">
               <a:spcBef>
                 <a:spcPts val="0"/>
               </a:spcBef>
@@ -1644,9 +1601,6 @@
               </a:spcAft>
               <a:buNone/>
             </a:pPr>
-            <a:r>
-              <a:t/>
-            </a:r>
             <a:endParaRPr/>
           </a:p>
         </p:txBody>
@@ -1654,20 +1608,26 @@
       <p:sp>
         <p:nvSpPr>
           <p:cNvPr id="70" name="Google Shape;70;p3:notes"/>
-          <p:cNvSpPr/>
+          <p:cNvSpPr>
+            <a:spLocks noGrp="1" noRot="1" noChangeAspect="1"/>
+          </p:cNvSpPr>
           <p:nvPr>
-            <p:ph idx="2" type="sldImg"/>
+            <p:ph type="sldImg" idx="2"/>
           </p:nvPr>
         </p:nvSpPr>
         <p:spPr>
           <a:xfrm>
-            <a:off x="1143225" y="685800"/>
-            <a:ext cx="4572225" cy="3429000"/>
+            <a:off x="1143000" y="685800"/>
+            <a:ext cx="4572000" cy="3429000"/>
           </a:xfrm>
           <a:custGeom>
-            <a:rect b="b" l="l" r="r" t="t"/>
+            <a:avLst/>
+            <a:gdLst/>
+            <a:ahLst/>
+            <a:cxnLst/>
+            <a:rect l="l" t="t" r="r" b="b"/>
             <a:pathLst>
-              <a:path extrusionOk="0" h="120000" w="120000">
+              <a:path w="120000" h="120000" extrusionOk="0">
                 <a:moveTo>
                   <a:pt x="0" y="0"/>
                 </a:moveTo>
@@ -1695,11 +1655,11 @@
 </file>
 
 <file path=ppt/notesSlides/notesSlide4.xml><?xml version="1.0" encoding="utf-8"?>
-<p:notes xmlns:a="http://schemas.openxmlformats.org/drawingml/2006/main" xmlns:r="http://schemas.openxmlformats.org/officeDocument/2006/relationships" xmlns:mc="http://schemas.openxmlformats.org/markup-compatibility/2006" xmlns:mv="urn:schemas-microsoft-com:mac:vml" xmlns:p="http://schemas.openxmlformats.org/presentationml/2006/main" xmlns:c="http://schemas.openxmlformats.org/drawingml/2006/chart" xmlns:dgm="http://schemas.openxmlformats.org/drawingml/2006/diagram" xmlns:o="urn:schemas-microsoft-com:office:office" xmlns:v="urn:schemas-microsoft-com:vml" xmlns:pvml="urn:schemas-microsoft-com:office:powerpoint" xmlns:com="http://schemas.openxmlformats.org/drawingml/2006/compatibility" xmlns:p14="http://schemas.microsoft.com/office/powerpoint/2010/main" xmlns:p15="http://schemas.microsoft.com/office/powerpoint/2012/main" xmlns:ahyp="http://schemas.microsoft.com/office/drawing/2018/hyperlinkcolor" showMasterPhAnim="0" showMasterSp="0">
+<p:notes xmlns:a="http://schemas.openxmlformats.org/drawingml/2006/main" xmlns:r="http://schemas.openxmlformats.org/officeDocument/2006/relationships" xmlns:p="http://schemas.openxmlformats.org/presentationml/2006/main" showMasterSp="0" showMasterPhAnim="0">
   <p:cSld>
     <p:spTree>
       <p:nvGrpSpPr>
-        <p:cNvPr id="74" name="Shape 74"/>
+        <p:cNvPr id="1" name="Shape 74"/>
         <p:cNvGrpSpPr/>
         <p:nvPr/>
       </p:nvGrpSpPr>
@@ -1714,9 +1674,11 @@
       <p:sp>
         <p:nvSpPr>
           <p:cNvPr id="75" name="Google Shape;75;p4:notes"/>
-          <p:cNvSpPr txBox="1"/>
+          <p:cNvSpPr txBox="1">
+            <a:spLocks noGrp="1"/>
+          </p:cNvSpPr>
           <p:nvPr>
-            <p:ph idx="1" type="body"/>
+            <p:ph type="body" idx="1"/>
           </p:nvPr>
         </p:nvSpPr>
         <p:spPr>
@@ -1729,12 +1691,12 @@
           </a:prstGeom>
         </p:spPr>
         <p:txBody>
-          <a:bodyPr anchorCtr="0" anchor="t" bIns="91425" lIns="91425" spcFirstLastPara="1" rIns="91425" wrap="square" tIns="91425">
+          <a:bodyPr spcFirstLastPara="1" wrap="square" lIns="91425" tIns="91425" rIns="91425" bIns="91425" anchor="t" anchorCtr="0">
             <a:noAutofit/>
           </a:bodyPr>
           <a:lstStyle/>
           <a:p>
-            <a:pPr indent="0" lvl="0" marL="0" rtl="0" algn="l">
+            <a:pPr marL="0" lvl="0" indent="0" algn="l" rtl="0">
               <a:spcBef>
                 <a:spcPts val="0"/>
               </a:spcBef>
@@ -1743,9 +1705,6 @@
               </a:spcAft>
               <a:buNone/>
             </a:pPr>
-            <a:r>
-              <a:t/>
-            </a:r>
             <a:endParaRPr/>
           </a:p>
         </p:txBody>
@@ -1753,20 +1712,26 @@
       <p:sp>
         <p:nvSpPr>
           <p:cNvPr id="76" name="Google Shape;76;p4:notes"/>
-          <p:cNvSpPr/>
+          <p:cNvSpPr>
+            <a:spLocks noGrp="1" noRot="1" noChangeAspect="1"/>
+          </p:cNvSpPr>
           <p:nvPr>
-            <p:ph idx="2" type="sldImg"/>
+            <p:ph type="sldImg" idx="2"/>
           </p:nvPr>
         </p:nvSpPr>
         <p:spPr>
           <a:xfrm>
-            <a:off x="1143225" y="685800"/>
-            <a:ext cx="4572225" cy="3429000"/>
+            <a:off x="1143000" y="685800"/>
+            <a:ext cx="4572000" cy="3429000"/>
           </a:xfrm>
           <a:custGeom>
-            <a:rect b="b" l="l" r="r" t="t"/>
+            <a:avLst/>
+            <a:gdLst/>
+            <a:ahLst/>
+            <a:cxnLst/>
+            <a:rect l="l" t="t" r="r" b="b"/>
             <a:pathLst>
-              <a:path extrusionOk="0" h="120000" w="120000">
+              <a:path w="120000" h="120000" extrusionOk="0">
                 <a:moveTo>
                   <a:pt x="0" y="0"/>
                 </a:moveTo>
@@ -1794,11 +1759,11 @@
 </file>
 
 <file path=ppt/notesSlides/notesSlide5.xml><?xml version="1.0" encoding="utf-8"?>
-<p:notes xmlns:a="http://schemas.openxmlformats.org/drawingml/2006/main" xmlns:r="http://schemas.openxmlformats.org/officeDocument/2006/relationships" xmlns:mc="http://schemas.openxmlformats.org/markup-compatibility/2006" xmlns:mv="urn:schemas-microsoft-com:mac:vml" xmlns:p="http://schemas.openxmlformats.org/presentationml/2006/main" xmlns:c="http://schemas.openxmlformats.org/drawingml/2006/chart" xmlns:dgm="http://schemas.openxmlformats.org/drawingml/2006/diagram" xmlns:o="urn:schemas-microsoft-com:office:office" xmlns:v="urn:schemas-microsoft-com:vml" xmlns:pvml="urn:schemas-microsoft-com:office:powerpoint" xmlns:com="http://schemas.openxmlformats.org/drawingml/2006/compatibility" xmlns:p14="http://schemas.microsoft.com/office/powerpoint/2010/main" xmlns:p15="http://schemas.microsoft.com/office/powerpoint/2012/main" xmlns:ahyp="http://schemas.microsoft.com/office/drawing/2018/hyperlinkcolor" showMasterPhAnim="0" showMasterSp="0">
+<p:notes xmlns:a="http://schemas.openxmlformats.org/drawingml/2006/main" xmlns:r="http://schemas.openxmlformats.org/officeDocument/2006/relationships" xmlns:p="http://schemas.openxmlformats.org/presentationml/2006/main" showMasterSp="0" showMasterPhAnim="0">
   <p:cSld>
     <p:spTree>
       <p:nvGrpSpPr>
-        <p:cNvPr id="80" name="Shape 80"/>
+        <p:cNvPr id="1" name="Shape 80"/>
         <p:cNvGrpSpPr/>
         <p:nvPr/>
       </p:nvGrpSpPr>
@@ -1813,9 +1778,11 @@
       <p:sp>
         <p:nvSpPr>
           <p:cNvPr id="81" name="Google Shape;81;p5:notes"/>
-          <p:cNvSpPr txBox="1"/>
+          <p:cNvSpPr txBox="1">
+            <a:spLocks noGrp="1"/>
+          </p:cNvSpPr>
           <p:nvPr>
-            <p:ph idx="1" type="body"/>
+            <p:ph type="body" idx="1"/>
           </p:nvPr>
         </p:nvSpPr>
         <p:spPr>
@@ -1828,12 +1795,12 @@
           </a:prstGeom>
         </p:spPr>
         <p:txBody>
-          <a:bodyPr anchorCtr="0" anchor="t" bIns="91425" lIns="91425" spcFirstLastPara="1" rIns="91425" wrap="square" tIns="91425">
+          <a:bodyPr spcFirstLastPara="1" wrap="square" lIns="91425" tIns="91425" rIns="91425" bIns="91425" anchor="t" anchorCtr="0">
             <a:noAutofit/>
           </a:bodyPr>
           <a:lstStyle/>
           <a:p>
-            <a:pPr indent="0" lvl="0" marL="0" rtl="0" algn="l">
+            <a:pPr marL="0" lvl="0" indent="0" algn="l" rtl="0">
               <a:spcBef>
                 <a:spcPts val="0"/>
               </a:spcBef>
@@ -1842,9 +1809,6 @@
               </a:spcAft>
               <a:buNone/>
             </a:pPr>
-            <a:r>
-              <a:t/>
-            </a:r>
             <a:endParaRPr/>
           </a:p>
         </p:txBody>
@@ -1852,20 +1816,26 @@
       <p:sp>
         <p:nvSpPr>
           <p:cNvPr id="82" name="Google Shape;82;p5:notes"/>
-          <p:cNvSpPr/>
+          <p:cNvSpPr>
+            <a:spLocks noGrp="1" noRot="1" noChangeAspect="1"/>
+          </p:cNvSpPr>
           <p:nvPr>
-            <p:ph idx="2" type="sldImg"/>
+            <p:ph type="sldImg" idx="2"/>
           </p:nvPr>
         </p:nvSpPr>
         <p:spPr>
           <a:xfrm>
-            <a:off x="1143225" y="685800"/>
-            <a:ext cx="4572225" cy="3429000"/>
+            <a:off x="1143000" y="685800"/>
+            <a:ext cx="4572000" cy="3429000"/>
           </a:xfrm>
           <a:custGeom>
-            <a:rect b="b" l="l" r="r" t="t"/>
+            <a:avLst/>
+            <a:gdLst/>
+            <a:ahLst/>
+            <a:cxnLst/>
+            <a:rect l="l" t="t" r="r" b="b"/>
             <a:pathLst>
-              <a:path extrusionOk="0" h="120000" w="120000">
+              <a:path w="120000" h="120000" extrusionOk="0">
                 <a:moveTo>
                   <a:pt x="0" y="0"/>
                 </a:moveTo>
@@ -1893,11 +1863,11 @@
 </file>
 
 <file path=ppt/notesSlides/notesSlide6.xml><?xml version="1.0" encoding="utf-8"?>
-<p:notes xmlns:a="http://schemas.openxmlformats.org/drawingml/2006/main" xmlns:r="http://schemas.openxmlformats.org/officeDocument/2006/relationships" xmlns:mc="http://schemas.openxmlformats.org/markup-compatibility/2006" xmlns:mv="urn:schemas-microsoft-com:mac:vml" xmlns:p="http://schemas.openxmlformats.org/presentationml/2006/main" xmlns:c="http://schemas.openxmlformats.org/drawingml/2006/chart" xmlns:dgm="http://schemas.openxmlformats.org/drawingml/2006/diagram" xmlns:o="urn:schemas-microsoft-com:office:office" xmlns:v="urn:schemas-microsoft-com:vml" xmlns:pvml="urn:schemas-microsoft-com:office:powerpoint" xmlns:com="http://schemas.openxmlformats.org/drawingml/2006/compatibility" xmlns:p14="http://schemas.microsoft.com/office/powerpoint/2010/main" xmlns:p15="http://schemas.microsoft.com/office/powerpoint/2012/main" xmlns:ahyp="http://schemas.microsoft.com/office/drawing/2018/hyperlinkcolor" showMasterPhAnim="0" showMasterSp="0">
+<p:notes xmlns:a="http://schemas.openxmlformats.org/drawingml/2006/main" xmlns:r="http://schemas.openxmlformats.org/officeDocument/2006/relationships" xmlns:p="http://schemas.openxmlformats.org/presentationml/2006/main" showMasterSp="0" showMasterPhAnim="0">
   <p:cSld>
     <p:spTree>
       <p:nvGrpSpPr>
-        <p:cNvPr id="86" name="Shape 86"/>
+        <p:cNvPr id="1" name="Shape 86"/>
         <p:cNvGrpSpPr/>
         <p:nvPr/>
       </p:nvGrpSpPr>
@@ -1912,9 +1882,11 @@
       <p:sp>
         <p:nvSpPr>
           <p:cNvPr id="87" name="Google Shape;87;p6:notes"/>
-          <p:cNvSpPr txBox="1"/>
+          <p:cNvSpPr txBox="1">
+            <a:spLocks noGrp="1"/>
+          </p:cNvSpPr>
           <p:nvPr>
-            <p:ph idx="1" type="body"/>
+            <p:ph type="body" idx="1"/>
           </p:nvPr>
         </p:nvSpPr>
         <p:spPr>
@@ -1927,12 +1899,12 @@
           </a:prstGeom>
         </p:spPr>
         <p:txBody>
-          <a:bodyPr anchorCtr="0" anchor="t" bIns="91425" lIns="91425" spcFirstLastPara="1" rIns="91425" wrap="square" tIns="91425">
+          <a:bodyPr spcFirstLastPara="1" wrap="square" lIns="91425" tIns="91425" rIns="91425" bIns="91425" anchor="t" anchorCtr="0">
             <a:noAutofit/>
           </a:bodyPr>
           <a:lstStyle/>
           <a:p>
-            <a:pPr indent="0" lvl="0" marL="0" rtl="0" algn="l">
+            <a:pPr marL="0" lvl="0" indent="0" algn="l" rtl="0">
               <a:spcBef>
                 <a:spcPts val="0"/>
               </a:spcBef>
@@ -1941,9 +1913,6 @@
               </a:spcAft>
               <a:buNone/>
             </a:pPr>
-            <a:r>
-              <a:t/>
-            </a:r>
             <a:endParaRPr/>
           </a:p>
         </p:txBody>
@@ -1951,20 +1920,26 @@
       <p:sp>
         <p:nvSpPr>
           <p:cNvPr id="88" name="Google Shape;88;p6:notes"/>
-          <p:cNvSpPr/>
+          <p:cNvSpPr>
+            <a:spLocks noGrp="1" noRot="1" noChangeAspect="1"/>
+          </p:cNvSpPr>
           <p:nvPr>
-            <p:ph idx="2" type="sldImg"/>
+            <p:ph type="sldImg" idx="2"/>
           </p:nvPr>
         </p:nvSpPr>
         <p:spPr>
           <a:xfrm>
-            <a:off x="1143225" y="685800"/>
-            <a:ext cx="4572225" cy="3429000"/>
+            <a:off x="1143000" y="685800"/>
+            <a:ext cx="4572000" cy="3429000"/>
           </a:xfrm>
           <a:custGeom>
-            <a:rect b="b" l="l" r="r" t="t"/>
+            <a:avLst/>
+            <a:gdLst/>
+            <a:ahLst/>
+            <a:cxnLst/>
+            <a:rect l="l" t="t" r="r" b="b"/>
             <a:pathLst>
-              <a:path extrusionOk="0" h="120000" w="120000">
+              <a:path w="120000" h="120000" extrusionOk="0">
                 <a:moveTo>
                   <a:pt x="0" y="0"/>
                 </a:moveTo>
@@ -1992,11 +1967,11 @@
 </file>
 
 <file path=ppt/notesSlides/notesSlide7.xml><?xml version="1.0" encoding="utf-8"?>
-<p:notes xmlns:a="http://schemas.openxmlformats.org/drawingml/2006/main" xmlns:r="http://schemas.openxmlformats.org/officeDocument/2006/relationships" xmlns:mc="http://schemas.openxmlformats.org/markup-compatibility/2006" xmlns:mv="urn:schemas-microsoft-com:mac:vml" xmlns:p="http://schemas.openxmlformats.org/presentationml/2006/main" xmlns:c="http://schemas.openxmlformats.org/drawingml/2006/chart" xmlns:dgm="http://schemas.openxmlformats.org/drawingml/2006/diagram" xmlns:o="urn:schemas-microsoft-com:office:office" xmlns:v="urn:schemas-microsoft-com:vml" xmlns:pvml="urn:schemas-microsoft-com:office:powerpoint" xmlns:com="http://schemas.openxmlformats.org/drawingml/2006/compatibility" xmlns:p14="http://schemas.microsoft.com/office/powerpoint/2010/main" xmlns:p15="http://schemas.microsoft.com/office/powerpoint/2012/main" xmlns:ahyp="http://schemas.microsoft.com/office/drawing/2018/hyperlinkcolor" showMasterPhAnim="0" showMasterSp="0">
+<p:notes xmlns:a="http://schemas.openxmlformats.org/drawingml/2006/main" xmlns:r="http://schemas.openxmlformats.org/officeDocument/2006/relationships" xmlns:p="http://schemas.openxmlformats.org/presentationml/2006/main" showMasterSp="0" showMasterPhAnim="0">
   <p:cSld>
     <p:spTree>
       <p:nvGrpSpPr>
-        <p:cNvPr id="92" name="Shape 92"/>
+        <p:cNvPr id="1" name="Shape 92"/>
         <p:cNvGrpSpPr/>
         <p:nvPr/>
       </p:nvGrpSpPr>
@@ -2011,20 +1986,26 @@
       <p:sp>
         <p:nvSpPr>
           <p:cNvPr id="93" name="Google Shape;93;g34c024e3535_0_52:notes"/>
-          <p:cNvSpPr/>
+          <p:cNvSpPr>
+            <a:spLocks noGrp="1" noRot="1" noChangeAspect="1"/>
+          </p:cNvSpPr>
           <p:nvPr>
-            <p:ph idx="2" type="sldImg"/>
+            <p:ph type="sldImg" idx="2"/>
           </p:nvPr>
         </p:nvSpPr>
         <p:spPr>
           <a:xfrm>
-            <a:off x="1143225" y="685800"/>
-            <a:ext cx="4572300" cy="3429000"/>
+            <a:off x="1143000" y="685800"/>
+            <a:ext cx="4572000" cy="3429000"/>
           </a:xfrm>
           <a:custGeom>
-            <a:rect b="b" l="l" r="r" t="t"/>
+            <a:avLst/>
+            <a:gdLst/>
+            <a:ahLst/>
+            <a:cxnLst/>
+            <a:rect l="l" t="t" r="r" b="b"/>
             <a:pathLst>
-              <a:path extrusionOk="0" h="120000" w="120000">
+              <a:path w="120000" h="120000" extrusionOk="0">
                 <a:moveTo>
                   <a:pt x="0" y="0"/>
                 </a:moveTo>
@@ -2046,9 +2027,11 @@
       <p:sp>
         <p:nvSpPr>
           <p:cNvPr id="94" name="Google Shape;94;g34c024e3535_0_52:notes"/>
-          <p:cNvSpPr txBox="1"/>
+          <p:cNvSpPr txBox="1">
+            <a:spLocks noGrp="1"/>
+          </p:cNvSpPr>
           <p:nvPr>
-            <p:ph idx="1" type="body"/>
+            <p:ph type="body" idx="1"/>
           </p:nvPr>
         </p:nvSpPr>
         <p:spPr>
@@ -2061,12 +2044,12 @@
           </a:prstGeom>
         </p:spPr>
         <p:txBody>
-          <a:bodyPr anchorCtr="0" anchor="t" bIns="91425" lIns="91425" spcFirstLastPara="1" rIns="91425" wrap="square" tIns="91425">
+          <a:bodyPr spcFirstLastPara="1" wrap="square" lIns="91425" tIns="91425" rIns="91425" bIns="91425" anchor="t" anchorCtr="0">
             <a:noAutofit/>
           </a:bodyPr>
           <a:lstStyle/>
           <a:p>
-            <a:pPr indent="0" lvl="0" marL="0" rtl="0" algn="l">
+            <a:pPr marL="0" lvl="0" indent="0" algn="l" rtl="0">
               <a:spcBef>
                 <a:spcPts val="0"/>
               </a:spcBef>
@@ -2075,9 +2058,6 @@
               </a:spcAft>
               <a:buNone/>
             </a:pPr>
-            <a:r>
-              <a:t/>
-            </a:r>
             <a:endParaRPr/>
           </a:p>
         </p:txBody>
@@ -2091,11 +2071,11 @@
 </file>
 
 <file path=ppt/notesSlides/notesSlide8.xml><?xml version="1.0" encoding="utf-8"?>
-<p:notes xmlns:a="http://schemas.openxmlformats.org/drawingml/2006/main" xmlns:r="http://schemas.openxmlformats.org/officeDocument/2006/relationships" xmlns:mc="http://schemas.openxmlformats.org/markup-compatibility/2006" xmlns:mv="urn:schemas-microsoft-com:mac:vml" xmlns:p="http://schemas.openxmlformats.org/presentationml/2006/main" xmlns:c="http://schemas.openxmlformats.org/drawingml/2006/chart" xmlns:dgm="http://schemas.openxmlformats.org/drawingml/2006/diagram" xmlns:o="urn:schemas-microsoft-com:office:office" xmlns:v="urn:schemas-microsoft-com:vml" xmlns:pvml="urn:schemas-microsoft-com:office:powerpoint" xmlns:com="http://schemas.openxmlformats.org/drawingml/2006/compatibility" xmlns:p14="http://schemas.microsoft.com/office/powerpoint/2010/main" xmlns:p15="http://schemas.microsoft.com/office/powerpoint/2012/main" xmlns:ahyp="http://schemas.microsoft.com/office/drawing/2018/hyperlinkcolor" showMasterPhAnim="0" showMasterSp="0">
+<p:notes xmlns:a="http://schemas.openxmlformats.org/drawingml/2006/main" xmlns:r="http://schemas.openxmlformats.org/officeDocument/2006/relationships" xmlns:p="http://schemas.openxmlformats.org/presentationml/2006/main" showMasterSp="0" showMasterPhAnim="0">
   <p:cSld>
     <p:spTree>
       <p:nvGrpSpPr>
-        <p:cNvPr id="98" name="Shape 98"/>
+        <p:cNvPr id="1" name="Shape 98"/>
         <p:cNvGrpSpPr/>
         <p:nvPr/>
       </p:nvGrpSpPr>
@@ -2110,9 +2090,11 @@
       <p:sp>
         <p:nvSpPr>
           <p:cNvPr id="99" name="Google Shape;99;p7:notes"/>
-          <p:cNvSpPr txBox="1"/>
+          <p:cNvSpPr txBox="1">
+            <a:spLocks noGrp="1"/>
+          </p:cNvSpPr>
           <p:nvPr>
-            <p:ph idx="1" type="body"/>
+            <p:ph type="body" idx="1"/>
           </p:nvPr>
         </p:nvSpPr>
         <p:spPr>
@@ -2125,12 +2107,12 @@
           </a:prstGeom>
         </p:spPr>
         <p:txBody>
-          <a:bodyPr anchorCtr="0" anchor="t" bIns="91425" lIns="91425" spcFirstLastPara="1" rIns="91425" wrap="square" tIns="91425">
+          <a:bodyPr spcFirstLastPara="1" wrap="square" lIns="91425" tIns="91425" rIns="91425" bIns="91425" anchor="t" anchorCtr="0">
             <a:noAutofit/>
           </a:bodyPr>
           <a:lstStyle/>
           <a:p>
-            <a:pPr indent="0" lvl="0" marL="0" rtl="0" algn="l">
+            <a:pPr marL="0" lvl="0" indent="0" algn="l" rtl="0">
               <a:spcBef>
                 <a:spcPts val="0"/>
               </a:spcBef>
@@ -2139,9 +2121,6 @@
               </a:spcAft>
               <a:buNone/>
             </a:pPr>
-            <a:r>
-              <a:t/>
-            </a:r>
             <a:endParaRPr/>
           </a:p>
         </p:txBody>
@@ -2149,20 +2128,26 @@
       <p:sp>
         <p:nvSpPr>
           <p:cNvPr id="100" name="Google Shape;100;p7:notes"/>
-          <p:cNvSpPr/>
+          <p:cNvSpPr>
+            <a:spLocks noGrp="1" noRot="1" noChangeAspect="1"/>
+          </p:cNvSpPr>
           <p:nvPr>
-            <p:ph idx="2" type="sldImg"/>
+            <p:ph type="sldImg" idx="2"/>
           </p:nvPr>
         </p:nvSpPr>
         <p:spPr>
           <a:xfrm>
-            <a:off x="1143225" y="685800"/>
-            <a:ext cx="4572225" cy="3429000"/>
+            <a:off x="1143000" y="685800"/>
+            <a:ext cx="4572000" cy="3429000"/>
           </a:xfrm>
           <a:custGeom>
-            <a:rect b="b" l="l" r="r" t="t"/>
+            <a:avLst/>
+            <a:gdLst/>
+            <a:ahLst/>
+            <a:cxnLst/>
+            <a:rect l="l" t="t" r="r" b="b"/>
             <a:pathLst>
-              <a:path extrusionOk="0" h="120000" w="120000">
+              <a:path w="120000" h="120000" extrusionOk="0">
                 <a:moveTo>
                   <a:pt x="0" y="0"/>
                 </a:moveTo>
@@ -2190,11 +2175,11 @@
 </file>
 
 <file path=ppt/notesSlides/notesSlide9.xml><?xml version="1.0" encoding="utf-8"?>
-<p:notes xmlns:a="http://schemas.openxmlformats.org/drawingml/2006/main" xmlns:r="http://schemas.openxmlformats.org/officeDocument/2006/relationships" xmlns:mc="http://schemas.openxmlformats.org/markup-compatibility/2006" xmlns:mv="urn:schemas-microsoft-com:mac:vml" xmlns:p="http://schemas.openxmlformats.org/presentationml/2006/main" xmlns:c="http://schemas.openxmlformats.org/drawingml/2006/chart" xmlns:dgm="http://schemas.openxmlformats.org/drawingml/2006/diagram" xmlns:o="urn:schemas-microsoft-com:office:office" xmlns:v="urn:schemas-microsoft-com:vml" xmlns:pvml="urn:schemas-microsoft-com:office:powerpoint" xmlns:com="http://schemas.openxmlformats.org/drawingml/2006/compatibility" xmlns:p14="http://schemas.microsoft.com/office/powerpoint/2010/main" xmlns:p15="http://schemas.microsoft.com/office/powerpoint/2012/main" xmlns:ahyp="http://schemas.microsoft.com/office/drawing/2018/hyperlinkcolor" showMasterPhAnim="0" showMasterSp="0">
+<p:notes xmlns:a="http://schemas.openxmlformats.org/drawingml/2006/main" xmlns:r="http://schemas.openxmlformats.org/officeDocument/2006/relationships" xmlns:p="http://schemas.openxmlformats.org/presentationml/2006/main" showMasterSp="0" showMasterPhAnim="0">
   <p:cSld>
     <p:spTree>
       <p:nvGrpSpPr>
-        <p:cNvPr id="104" name="Shape 104"/>
+        <p:cNvPr id="1" name="Shape 104"/>
         <p:cNvGrpSpPr/>
         <p:nvPr/>
       </p:nvGrpSpPr>
@@ -2209,9 +2194,11 @@
       <p:sp>
         <p:nvSpPr>
           <p:cNvPr id="105" name="Google Shape;105;p8:notes"/>
-          <p:cNvSpPr txBox="1"/>
+          <p:cNvSpPr txBox="1">
+            <a:spLocks noGrp="1"/>
+          </p:cNvSpPr>
           <p:nvPr>
-            <p:ph idx="1" type="body"/>
+            <p:ph type="body" idx="1"/>
           </p:nvPr>
         </p:nvSpPr>
         <p:spPr>
@@ -2224,12 +2211,12 @@
           </a:prstGeom>
         </p:spPr>
         <p:txBody>
-          <a:bodyPr anchorCtr="0" anchor="t" bIns="91425" lIns="91425" spcFirstLastPara="1" rIns="91425" wrap="square" tIns="91425">
+          <a:bodyPr spcFirstLastPara="1" wrap="square" lIns="91425" tIns="91425" rIns="91425" bIns="91425" anchor="t" anchorCtr="0">
             <a:noAutofit/>
           </a:bodyPr>
           <a:lstStyle/>
           <a:p>
-            <a:pPr indent="0" lvl="0" marL="0" rtl="0" algn="l">
+            <a:pPr marL="0" lvl="0" indent="0" algn="l" rtl="0">
               <a:spcBef>
                 <a:spcPts val="0"/>
               </a:spcBef>
@@ -2238,9 +2225,6 @@
               </a:spcAft>
               <a:buNone/>
             </a:pPr>
-            <a:r>
-              <a:t/>
-            </a:r>
             <a:endParaRPr/>
           </a:p>
         </p:txBody>
@@ -2248,20 +2232,26 @@
       <p:sp>
         <p:nvSpPr>
           <p:cNvPr id="106" name="Google Shape;106;p8:notes"/>
-          <p:cNvSpPr/>
+          <p:cNvSpPr>
+            <a:spLocks noGrp="1" noRot="1" noChangeAspect="1"/>
+          </p:cNvSpPr>
           <p:nvPr>
-            <p:ph idx="2" type="sldImg"/>
+            <p:ph type="sldImg" idx="2"/>
           </p:nvPr>
         </p:nvSpPr>
         <p:spPr>
           <a:xfrm>
-            <a:off x="1143225" y="685800"/>
-            <a:ext cx="4572225" cy="3429000"/>
+            <a:off x="1143000" y="685800"/>
+            <a:ext cx="4572000" cy="3429000"/>
           </a:xfrm>
           <a:custGeom>
-            <a:rect b="b" l="l" r="r" t="t"/>
+            <a:avLst/>
+            <a:gdLst/>
+            <a:ahLst/>
+            <a:cxnLst/>
+            <a:rect l="l" t="t" r="r" b="b"/>
             <a:pathLst>
-              <a:path extrusionOk="0" h="120000" w="120000">
+              <a:path w="120000" h="120000" extrusionOk="0">
                 <a:moveTo>
                   <a:pt x="0" y="0"/>
                 </a:moveTo>
@@ -2289,11 +2279,11 @@
 </file>
 
 <file path=ppt/slideLayouts/slideLayout1.xml><?xml version="1.0" encoding="utf-8"?>
-<p:sldLayout xmlns:a="http://schemas.openxmlformats.org/drawingml/2006/main" xmlns:r="http://schemas.openxmlformats.org/officeDocument/2006/relationships" xmlns:mc="http://schemas.openxmlformats.org/markup-compatibility/2006" xmlns:mv="urn:schemas-microsoft-com:mac:vml" xmlns:p="http://schemas.openxmlformats.org/presentationml/2006/main" xmlns:c="http://schemas.openxmlformats.org/drawingml/2006/chart" xmlns:dgm="http://schemas.openxmlformats.org/drawingml/2006/diagram" xmlns:o="urn:schemas-microsoft-com:office:office" xmlns:v="urn:schemas-microsoft-com:vml" xmlns:pvml="urn:schemas-microsoft-com:office:powerpoint" xmlns:com="http://schemas.openxmlformats.org/drawingml/2006/compatibility" xmlns:p14="http://schemas.microsoft.com/office/powerpoint/2010/main" xmlns:p15="http://schemas.microsoft.com/office/powerpoint/2012/main" xmlns:ahyp="http://schemas.microsoft.com/office/drawing/2018/hyperlinkcolor" matchingName="Title slide" type="title">
+<p:sldLayout xmlns:a="http://schemas.openxmlformats.org/drawingml/2006/main" xmlns:r="http://schemas.openxmlformats.org/officeDocument/2006/relationships" xmlns:p="http://schemas.openxmlformats.org/presentationml/2006/main" matchingName="Title slide" type="title">
   <p:cSld name="TITLE">
     <p:spTree>
       <p:nvGrpSpPr>
-        <p:cNvPr id="9" name="Shape 9"/>
+        <p:cNvPr id="1" name="Shape 9"/>
         <p:cNvGrpSpPr/>
         <p:nvPr/>
       </p:nvGrpSpPr>
@@ -2308,7 +2298,9 @@
       <p:sp>
         <p:nvSpPr>
           <p:cNvPr id="10" name="Google Shape;10;g34c024e3535_0_4"/>
-          <p:cNvSpPr txBox="1"/>
+          <p:cNvSpPr txBox="1">
+            <a:spLocks noGrp="1"/>
+          </p:cNvSpPr>
           <p:nvPr>
             <p:ph type="ctrTitle"/>
           </p:nvPr>
@@ -2323,7 +2315,7 @@
           </a:prstGeom>
         </p:spPr>
         <p:txBody>
-          <a:bodyPr anchorCtr="0" anchor="b" bIns="91425" lIns="91425" spcFirstLastPara="1" rIns="91425" wrap="square" tIns="91425">
+          <a:bodyPr spcFirstLastPara="1" wrap="square" lIns="91425" tIns="91425" rIns="91425" bIns="91425" anchor="b" anchorCtr="0">
             <a:normAutofit/>
           </a:bodyPr>
           <a:lstStyle>
@@ -2427,15 +2419,19 @@
               <a:defRPr sz="5200"/>
             </a:lvl9pPr>
           </a:lstStyle>
-          <a:p/>
+          <a:p>
+            <a:endParaRPr/>
+          </a:p>
         </p:txBody>
       </p:sp>
       <p:sp>
         <p:nvSpPr>
           <p:cNvPr id="11" name="Google Shape;11;g34c024e3535_0_4"/>
-          <p:cNvSpPr txBox="1"/>
+          <p:cNvSpPr txBox="1">
+            <a:spLocks noGrp="1"/>
+          </p:cNvSpPr>
           <p:nvPr>
-            <p:ph idx="1" type="subTitle"/>
+            <p:ph type="subTitle" idx="1"/>
           </p:nvPr>
         </p:nvSpPr>
         <p:spPr>
@@ -2448,7 +2444,7 @@
           </a:prstGeom>
         </p:spPr>
         <p:txBody>
-          <a:bodyPr anchorCtr="0" anchor="t" bIns="91425" lIns="91425" spcFirstLastPara="1" rIns="91425" wrap="square" tIns="91425">
+          <a:bodyPr spcFirstLastPara="1" wrap="square" lIns="91425" tIns="91425" rIns="91425" bIns="91425" anchor="t" anchorCtr="0">
             <a:normAutofit/>
           </a:bodyPr>
           <a:lstStyle>
@@ -2579,15 +2575,19 @@
               <a:defRPr sz="2800"/>
             </a:lvl9pPr>
           </a:lstStyle>
-          <a:p/>
+          <a:p>
+            <a:endParaRPr/>
+          </a:p>
         </p:txBody>
       </p:sp>
       <p:sp>
         <p:nvSpPr>
           <p:cNvPr id="12" name="Google Shape;12;g34c024e3535_0_4"/>
-          <p:cNvSpPr txBox="1"/>
+          <p:cNvSpPr txBox="1">
+            <a:spLocks noGrp="1"/>
+          </p:cNvSpPr>
           <p:nvPr>
-            <p:ph idx="12" type="sldNum"/>
+            <p:ph type="sldNum" idx="12"/>
           </p:nvPr>
         </p:nvSpPr>
         <p:spPr>
@@ -2600,7 +2600,7 @@
           </a:prstGeom>
         </p:spPr>
         <p:txBody>
-          <a:bodyPr anchorCtr="0" anchor="ctr" bIns="91425" lIns="91425" spcFirstLastPara="1" rIns="91425" wrap="square" tIns="91425">
+          <a:bodyPr spcFirstLastPara="1" wrap="square" lIns="91425" tIns="91425" rIns="91425" bIns="91425" anchor="ctr" anchorCtr="0">
             <a:normAutofit/>
           </a:bodyPr>
           <a:lstStyle>
@@ -2642,7 +2642,7 @@
             </a:lvl9pPr>
           </a:lstStyle>
           <a:p>
-            <a:pPr indent="0" lvl="0" marL="0" rtl="0" algn="r">
+            <a:pPr marL="0" lvl="0" indent="0" algn="r" rtl="0">
               <a:spcBef>
                 <a:spcPts val="0"/>
               </a:spcBef>
@@ -2668,11 +2668,11 @@
 </file>
 
 <file path=ppt/slideLayouts/slideLayout10.xml><?xml version="1.0" encoding="utf-8"?>
-<p:sldLayout xmlns:a="http://schemas.openxmlformats.org/drawingml/2006/main" xmlns:r="http://schemas.openxmlformats.org/officeDocument/2006/relationships" xmlns:mc="http://schemas.openxmlformats.org/markup-compatibility/2006" xmlns:mv="urn:schemas-microsoft-com:mac:vml" xmlns:p="http://schemas.openxmlformats.org/presentationml/2006/main" xmlns:c="http://schemas.openxmlformats.org/drawingml/2006/chart" xmlns:dgm="http://schemas.openxmlformats.org/drawingml/2006/diagram" xmlns:o="urn:schemas-microsoft-com:office:office" xmlns:v="urn:schemas-microsoft-com:vml" xmlns:pvml="urn:schemas-microsoft-com:office:powerpoint" xmlns:com="http://schemas.openxmlformats.org/drawingml/2006/compatibility" xmlns:p14="http://schemas.microsoft.com/office/powerpoint/2010/main" xmlns:p15="http://schemas.microsoft.com/office/powerpoint/2012/main" xmlns:ahyp="http://schemas.microsoft.com/office/drawing/2018/hyperlinkcolor" matchingName="Big number">
+<p:sldLayout xmlns:a="http://schemas.openxmlformats.org/drawingml/2006/main" xmlns:r="http://schemas.openxmlformats.org/officeDocument/2006/relationships" xmlns:p="http://schemas.openxmlformats.org/presentationml/2006/main" matchingName="Big number">
   <p:cSld name="BIG_NUMBER">
     <p:spTree>
       <p:nvGrpSpPr>
-        <p:cNvPr id="44" name="Shape 44"/>
+        <p:cNvPr id="1" name="Shape 44"/>
         <p:cNvGrpSpPr/>
         <p:nvPr/>
       </p:nvGrpSpPr>
@@ -2687,9 +2687,11 @@
       <p:sp>
         <p:nvSpPr>
           <p:cNvPr id="45" name="Google Shape;45;g34c024e3535_0_39"/>
-          <p:cNvSpPr txBox="1"/>
+          <p:cNvSpPr txBox="1">
+            <a:spLocks noGrp="1"/>
+          </p:cNvSpPr>
           <p:nvPr>
-            <p:ph hasCustomPrompt="1" type="title"/>
+            <p:ph type="title" hasCustomPrompt="1"/>
           </p:nvPr>
         </p:nvSpPr>
         <p:spPr>
@@ -2702,7 +2704,7 @@
           </a:prstGeom>
         </p:spPr>
         <p:txBody>
-          <a:bodyPr anchorCtr="0" anchor="b" bIns="91425" lIns="91425" spcFirstLastPara="1" rIns="91425" wrap="square" tIns="91425">
+          <a:bodyPr spcFirstLastPara="1" wrap="square" lIns="91425" tIns="91425" rIns="91425" bIns="91425" anchor="b" anchorCtr="0">
             <a:normAutofit/>
           </a:bodyPr>
           <a:lstStyle>
@@ -2816,9 +2818,11 @@
       <p:sp>
         <p:nvSpPr>
           <p:cNvPr id="46" name="Google Shape;46;g34c024e3535_0_39"/>
-          <p:cNvSpPr txBox="1"/>
+          <p:cNvSpPr txBox="1">
+            <a:spLocks noGrp="1"/>
+          </p:cNvSpPr>
           <p:nvPr>
-            <p:ph idx="1" type="body"/>
+            <p:ph type="body" idx="1"/>
           </p:nvPr>
         </p:nvSpPr>
         <p:spPr>
@@ -2831,11 +2835,11 @@
           </a:prstGeom>
         </p:spPr>
         <p:txBody>
-          <a:bodyPr anchorCtr="0" anchor="t" bIns="91425" lIns="91425" spcFirstLastPara="1" rIns="91425" wrap="square" tIns="91425">
+          <a:bodyPr spcFirstLastPara="1" wrap="square" lIns="91425" tIns="91425" rIns="91425" bIns="91425" anchor="t" anchorCtr="0">
             <a:normAutofit/>
           </a:bodyPr>
           <a:lstStyle>
-            <a:lvl1pPr indent="-342900" lvl="0" marL="457200" algn="ctr">
+            <a:lvl1pPr marL="457200" lvl="0" indent="-342900" algn="ctr">
               <a:spcBef>
                 <a:spcPts val="0"/>
               </a:spcBef>
@@ -2846,7 +2850,7 @@
               <a:buChar char="●"/>
               <a:defRPr/>
             </a:lvl1pPr>
-            <a:lvl2pPr indent="-317500" lvl="1" marL="914400" algn="ctr">
+            <a:lvl2pPr marL="914400" lvl="1" indent="-317500" algn="ctr">
               <a:spcBef>
                 <a:spcPts val="0"/>
               </a:spcBef>
@@ -2857,7 +2861,7 @@
               <a:buChar char="○"/>
               <a:defRPr/>
             </a:lvl2pPr>
-            <a:lvl3pPr indent="-317500" lvl="2" marL="1371600" algn="ctr">
+            <a:lvl3pPr marL="1371600" lvl="2" indent="-317500" algn="ctr">
               <a:spcBef>
                 <a:spcPts val="0"/>
               </a:spcBef>
@@ -2868,7 +2872,7 @@
               <a:buChar char="■"/>
               <a:defRPr/>
             </a:lvl3pPr>
-            <a:lvl4pPr indent="-317500" lvl="3" marL="1828800" algn="ctr">
+            <a:lvl4pPr marL="1828800" lvl="3" indent="-317500" algn="ctr">
               <a:spcBef>
                 <a:spcPts val="0"/>
               </a:spcBef>
@@ -2879,7 +2883,7 @@
               <a:buChar char="●"/>
               <a:defRPr/>
             </a:lvl4pPr>
-            <a:lvl5pPr indent="-317500" lvl="4" marL="2286000" algn="ctr">
+            <a:lvl5pPr marL="2286000" lvl="4" indent="-317500" algn="ctr">
               <a:spcBef>
                 <a:spcPts val="0"/>
               </a:spcBef>
@@ -2890,7 +2894,7 @@
               <a:buChar char="○"/>
               <a:defRPr/>
             </a:lvl5pPr>
-            <a:lvl6pPr indent="-317500" lvl="5" marL="2743200" algn="ctr">
+            <a:lvl6pPr marL="2743200" lvl="5" indent="-317500" algn="ctr">
               <a:spcBef>
                 <a:spcPts val="0"/>
               </a:spcBef>
@@ -2901,7 +2905,7 @@
               <a:buChar char="■"/>
               <a:defRPr/>
             </a:lvl6pPr>
-            <a:lvl7pPr indent="-317500" lvl="6" marL="3200400" algn="ctr">
+            <a:lvl7pPr marL="3200400" lvl="6" indent="-317500" algn="ctr">
               <a:spcBef>
                 <a:spcPts val="0"/>
               </a:spcBef>
@@ -2912,7 +2916,7 @@
               <a:buChar char="●"/>
               <a:defRPr/>
             </a:lvl7pPr>
-            <a:lvl8pPr indent="-317500" lvl="7" marL="3657600" algn="ctr">
+            <a:lvl8pPr marL="3657600" lvl="7" indent="-317500" algn="ctr">
               <a:spcBef>
                 <a:spcPts val="0"/>
               </a:spcBef>
@@ -2923,7 +2927,7 @@
               <a:buChar char="○"/>
               <a:defRPr/>
             </a:lvl8pPr>
-            <a:lvl9pPr indent="-317500" lvl="8" marL="4114800" algn="ctr">
+            <a:lvl9pPr marL="4114800" lvl="8" indent="-317500" algn="ctr">
               <a:spcBef>
                 <a:spcPts val="0"/>
               </a:spcBef>
@@ -2935,15 +2939,19 @@
               <a:defRPr/>
             </a:lvl9pPr>
           </a:lstStyle>
-          <a:p/>
+          <a:p>
+            <a:endParaRPr/>
+          </a:p>
         </p:txBody>
       </p:sp>
       <p:sp>
         <p:nvSpPr>
           <p:cNvPr id="47" name="Google Shape;47;g34c024e3535_0_39"/>
-          <p:cNvSpPr txBox="1"/>
+          <p:cNvSpPr txBox="1">
+            <a:spLocks noGrp="1"/>
+          </p:cNvSpPr>
           <p:nvPr>
-            <p:ph idx="12" type="sldNum"/>
+            <p:ph type="sldNum" idx="12"/>
           </p:nvPr>
         </p:nvSpPr>
         <p:spPr>
@@ -2956,7 +2964,7 @@
           </a:prstGeom>
         </p:spPr>
         <p:txBody>
-          <a:bodyPr anchorCtr="0" anchor="ctr" bIns="91425" lIns="91425" spcFirstLastPara="1" rIns="91425" wrap="square" tIns="91425">
+          <a:bodyPr spcFirstLastPara="1" wrap="square" lIns="91425" tIns="91425" rIns="91425" bIns="91425" anchor="ctr" anchorCtr="0">
             <a:normAutofit/>
           </a:bodyPr>
           <a:lstStyle>
@@ -2998,7 +3006,7 @@
             </a:lvl9pPr>
           </a:lstStyle>
           <a:p>
-            <a:pPr indent="0" lvl="0" marL="0" rtl="0" algn="r">
+            <a:pPr marL="0" lvl="0" indent="0" algn="r" rtl="0">
               <a:spcBef>
                 <a:spcPts val="0"/>
               </a:spcBef>
@@ -3024,11 +3032,11 @@
 </file>
 
 <file path=ppt/slideLayouts/slideLayout11.xml><?xml version="1.0" encoding="utf-8"?>
-<p:sldLayout xmlns:a="http://schemas.openxmlformats.org/drawingml/2006/main" xmlns:r="http://schemas.openxmlformats.org/officeDocument/2006/relationships" xmlns:mc="http://schemas.openxmlformats.org/markup-compatibility/2006" xmlns:mv="urn:schemas-microsoft-com:mac:vml" xmlns:p="http://schemas.openxmlformats.org/presentationml/2006/main" xmlns:c="http://schemas.openxmlformats.org/drawingml/2006/chart" xmlns:dgm="http://schemas.openxmlformats.org/drawingml/2006/diagram" xmlns:o="urn:schemas-microsoft-com:office:office" xmlns:v="urn:schemas-microsoft-com:vml" xmlns:pvml="urn:schemas-microsoft-com:office:powerpoint" xmlns:com="http://schemas.openxmlformats.org/drawingml/2006/compatibility" xmlns:p14="http://schemas.microsoft.com/office/powerpoint/2010/main" xmlns:p15="http://schemas.microsoft.com/office/powerpoint/2012/main" xmlns:ahyp="http://schemas.microsoft.com/office/drawing/2018/hyperlinkcolor" matchingName="Blank" type="blank">
+<p:sldLayout xmlns:a="http://schemas.openxmlformats.org/drawingml/2006/main" xmlns:r="http://schemas.openxmlformats.org/officeDocument/2006/relationships" xmlns:p="http://schemas.openxmlformats.org/presentationml/2006/main" matchingName="Blank" type="blank">
   <p:cSld name="BLANK">
     <p:spTree>
       <p:nvGrpSpPr>
-        <p:cNvPr id="48" name="Shape 48"/>
+        <p:cNvPr id="1" name="Shape 48"/>
         <p:cNvGrpSpPr/>
         <p:nvPr/>
       </p:nvGrpSpPr>
@@ -3043,9 +3051,11 @@
       <p:sp>
         <p:nvSpPr>
           <p:cNvPr id="49" name="Google Shape;49;g34c024e3535_0_43"/>
-          <p:cNvSpPr txBox="1"/>
+          <p:cNvSpPr txBox="1">
+            <a:spLocks noGrp="1"/>
+          </p:cNvSpPr>
           <p:nvPr>
-            <p:ph idx="12" type="sldNum"/>
+            <p:ph type="sldNum" idx="12"/>
           </p:nvPr>
         </p:nvSpPr>
         <p:spPr>
@@ -3058,7 +3068,7 @@
           </a:prstGeom>
         </p:spPr>
         <p:txBody>
-          <a:bodyPr anchorCtr="0" anchor="ctr" bIns="91425" lIns="91425" spcFirstLastPara="1" rIns="91425" wrap="square" tIns="91425">
+          <a:bodyPr spcFirstLastPara="1" wrap="square" lIns="91425" tIns="91425" rIns="91425" bIns="91425" anchor="ctr" anchorCtr="0">
             <a:normAutofit/>
           </a:bodyPr>
           <a:lstStyle>
@@ -3100,7 +3110,7 @@
             </a:lvl9pPr>
           </a:lstStyle>
           <a:p>
-            <a:pPr indent="0" lvl="0" marL="0" rtl="0" algn="r">
+            <a:pPr marL="0" lvl="0" indent="0" algn="r" rtl="0">
               <a:spcBef>
                 <a:spcPts val="0"/>
               </a:spcBef>
@@ -3126,11 +3136,11 @@
 </file>
 
 <file path=ppt/slideLayouts/slideLayout12.xml><?xml version="1.0" encoding="utf-8"?>
-<p:sldLayout xmlns:a="http://schemas.openxmlformats.org/drawingml/2006/main" xmlns:r="http://schemas.openxmlformats.org/officeDocument/2006/relationships" xmlns:mc="http://schemas.openxmlformats.org/markup-compatibility/2006" xmlns:mv="urn:schemas-microsoft-com:mac:vml" xmlns:p="http://schemas.openxmlformats.org/presentationml/2006/main" xmlns:c="http://schemas.openxmlformats.org/drawingml/2006/chart" xmlns:dgm="http://schemas.openxmlformats.org/drawingml/2006/diagram" xmlns:o="urn:schemas-microsoft-com:office:office" xmlns:v="urn:schemas-microsoft-com:vml" xmlns:pvml="urn:schemas-microsoft-com:office:powerpoint" xmlns:com="http://schemas.openxmlformats.org/drawingml/2006/compatibility" xmlns:p14="http://schemas.microsoft.com/office/powerpoint/2010/main" xmlns:p15="http://schemas.microsoft.com/office/powerpoint/2012/main" xmlns:ahyp="http://schemas.microsoft.com/office/drawing/2018/hyperlinkcolor" matchingName="Title and Content" type="obj">
+<p:sldLayout xmlns:a="http://schemas.openxmlformats.org/drawingml/2006/main" xmlns:r="http://schemas.openxmlformats.org/officeDocument/2006/relationships" xmlns:p="http://schemas.openxmlformats.org/presentationml/2006/main" matchingName="Title and Content" type="obj">
   <p:cSld name="OBJECT">
     <p:spTree>
       <p:nvGrpSpPr>
-        <p:cNvPr id="50" name="Shape 50"/>
+        <p:cNvPr id="1" name="Shape 50"/>
         <p:cNvGrpSpPr/>
         <p:nvPr/>
       </p:nvGrpSpPr>
@@ -3145,7 +3155,9 @@
       <p:sp>
         <p:nvSpPr>
           <p:cNvPr id="51" name="Google Shape;51;g34c024e3535_0_45"/>
-          <p:cNvSpPr txBox="1"/>
+          <p:cNvSpPr txBox="1">
+            <a:spLocks noGrp="1"/>
+          </p:cNvSpPr>
           <p:nvPr>
             <p:ph type="title"/>
           </p:nvPr>
@@ -3164,7 +3176,7 @@
           </a:ln>
         </p:spPr>
         <p:txBody>
-          <a:bodyPr anchorCtr="0" anchor="ctr" bIns="45700" lIns="91425" spcFirstLastPara="1" rIns="91425" wrap="square" tIns="45700">
+          <a:bodyPr spcFirstLastPara="1" wrap="square" lIns="91425" tIns="45700" rIns="91425" bIns="45700" anchor="ctr" anchorCtr="0">
             <a:normAutofit/>
           </a:bodyPr>
           <a:lstStyle>
@@ -3271,15 +3283,19 @@
               <a:defRPr/>
             </a:lvl9pPr>
           </a:lstStyle>
-          <a:p/>
+          <a:p>
+            <a:endParaRPr/>
+          </a:p>
         </p:txBody>
       </p:sp>
       <p:sp>
         <p:nvSpPr>
           <p:cNvPr id="52" name="Google Shape;52;g34c024e3535_0_45"/>
-          <p:cNvSpPr txBox="1"/>
+          <p:cNvSpPr txBox="1">
+            <a:spLocks noGrp="1"/>
+          </p:cNvSpPr>
           <p:nvPr>
-            <p:ph idx="1" type="body"/>
+            <p:ph type="body" idx="1"/>
           </p:nvPr>
         </p:nvSpPr>
         <p:spPr>
@@ -3296,11 +3312,11 @@
           </a:ln>
         </p:spPr>
         <p:txBody>
-          <a:bodyPr anchorCtr="0" anchor="t" bIns="45700" lIns="91425" spcFirstLastPara="1" rIns="91425" wrap="square" tIns="45700">
+          <a:bodyPr spcFirstLastPara="1" wrap="square" lIns="91425" tIns="45700" rIns="91425" bIns="45700" anchor="t" anchorCtr="0">
             <a:normAutofit/>
           </a:bodyPr>
           <a:lstStyle>
-            <a:lvl1pPr indent="-342900" lvl="0" marL="457200" algn="l">
+            <a:lvl1pPr marL="457200" lvl="0" indent="-342900" algn="l">
               <a:spcBef>
                 <a:spcPts val="360"/>
               </a:spcBef>
@@ -3314,7 +3330,7 @@
               <a:buChar char="●"/>
               <a:defRPr/>
             </a:lvl1pPr>
-            <a:lvl2pPr indent="-342900" lvl="1" marL="914400" algn="l">
+            <a:lvl2pPr marL="914400" lvl="1" indent="-342900" algn="l">
               <a:spcBef>
                 <a:spcPts val="1200"/>
               </a:spcBef>
@@ -3328,7 +3344,7 @@
               <a:buChar char="○"/>
               <a:defRPr/>
             </a:lvl2pPr>
-            <a:lvl3pPr indent="-342900" lvl="2" marL="1371600" algn="l">
+            <a:lvl3pPr marL="1371600" lvl="2" indent="-342900" algn="l">
               <a:spcBef>
                 <a:spcPts val="1200"/>
               </a:spcBef>
@@ -3342,7 +3358,7 @@
               <a:buChar char="■"/>
               <a:defRPr/>
             </a:lvl3pPr>
-            <a:lvl4pPr indent="-342900" lvl="3" marL="1828800" algn="l">
+            <a:lvl4pPr marL="1828800" lvl="3" indent="-342900" algn="l">
               <a:spcBef>
                 <a:spcPts val="1200"/>
               </a:spcBef>
@@ -3356,7 +3372,7 @@
               <a:buChar char="●"/>
               <a:defRPr/>
             </a:lvl4pPr>
-            <a:lvl5pPr indent="-342900" lvl="4" marL="2286000" algn="l">
+            <a:lvl5pPr marL="2286000" lvl="4" indent="-342900" algn="l">
               <a:spcBef>
                 <a:spcPts val="1200"/>
               </a:spcBef>
@@ -3370,7 +3386,7 @@
               <a:buChar char="○"/>
               <a:defRPr/>
             </a:lvl5pPr>
-            <a:lvl6pPr indent="-342900" lvl="5" marL="2743200" algn="l">
+            <a:lvl6pPr marL="2743200" lvl="5" indent="-342900" algn="l">
               <a:spcBef>
                 <a:spcPts val="1200"/>
               </a:spcBef>
@@ -3384,7 +3400,7 @@
               <a:buChar char="■"/>
               <a:defRPr/>
             </a:lvl6pPr>
-            <a:lvl7pPr indent="-342900" lvl="6" marL="3200400" algn="l">
+            <a:lvl7pPr marL="3200400" lvl="6" indent="-342900" algn="l">
               <a:spcBef>
                 <a:spcPts val="1200"/>
               </a:spcBef>
@@ -3398,7 +3414,7 @@
               <a:buChar char="●"/>
               <a:defRPr/>
             </a:lvl7pPr>
-            <a:lvl8pPr indent="-342900" lvl="7" marL="3657600" algn="l">
+            <a:lvl8pPr marL="3657600" lvl="7" indent="-342900" algn="l">
               <a:spcBef>
                 <a:spcPts val="1200"/>
               </a:spcBef>
@@ -3412,7 +3428,7 @@
               <a:buChar char="○"/>
               <a:defRPr/>
             </a:lvl8pPr>
-            <a:lvl9pPr indent="-342900" lvl="8" marL="4114800" algn="l">
+            <a:lvl9pPr marL="4114800" lvl="8" indent="-342900" algn="l">
               <a:spcBef>
                 <a:spcPts val="1200"/>
               </a:spcBef>
@@ -3427,15 +3443,19 @@
               <a:defRPr/>
             </a:lvl9pPr>
           </a:lstStyle>
-          <a:p/>
+          <a:p>
+            <a:endParaRPr/>
+          </a:p>
         </p:txBody>
       </p:sp>
       <p:sp>
         <p:nvSpPr>
           <p:cNvPr id="53" name="Google Shape;53;g34c024e3535_0_45"/>
-          <p:cNvSpPr txBox="1"/>
+          <p:cNvSpPr txBox="1">
+            <a:spLocks noGrp="1"/>
+          </p:cNvSpPr>
           <p:nvPr>
-            <p:ph idx="10" type="dt"/>
+            <p:ph type="dt" idx="10"/>
           </p:nvPr>
         </p:nvSpPr>
         <p:spPr>
@@ -3452,7 +3472,7 @@
           </a:ln>
         </p:spPr>
         <p:txBody>
-          <a:bodyPr anchorCtr="0" anchor="ctr" bIns="45700" lIns="91425" spcFirstLastPara="1" rIns="91425" wrap="square" tIns="45700">
+          <a:bodyPr spcFirstLastPara="1" wrap="square" lIns="91425" tIns="45700" rIns="91425" bIns="45700" anchor="ctr" anchorCtr="0">
             <a:noAutofit/>
           </a:bodyPr>
           <a:lstStyle>
@@ -3556,15 +3576,19 @@
               <a:defRPr/>
             </a:lvl9pPr>
           </a:lstStyle>
-          <a:p/>
+          <a:p>
+            <a:endParaRPr/>
+          </a:p>
         </p:txBody>
       </p:sp>
       <p:sp>
         <p:nvSpPr>
           <p:cNvPr id="54" name="Google Shape;54;g34c024e3535_0_45"/>
-          <p:cNvSpPr txBox="1"/>
+          <p:cNvSpPr txBox="1">
+            <a:spLocks noGrp="1"/>
+          </p:cNvSpPr>
           <p:nvPr>
-            <p:ph idx="11" type="ftr"/>
+            <p:ph type="ftr" idx="11"/>
           </p:nvPr>
         </p:nvSpPr>
         <p:spPr>
@@ -3581,7 +3605,7 @@
           </a:ln>
         </p:spPr>
         <p:txBody>
-          <a:bodyPr anchorCtr="0" anchor="ctr" bIns="45700" lIns="91425" spcFirstLastPara="1" rIns="91425" wrap="square" tIns="45700">
+          <a:bodyPr spcFirstLastPara="1" wrap="square" lIns="91425" tIns="45700" rIns="91425" bIns="45700" anchor="ctr" anchorCtr="0">
             <a:noAutofit/>
           </a:bodyPr>
           <a:lstStyle>
@@ -3685,15 +3709,19 @@
               <a:defRPr/>
             </a:lvl9pPr>
           </a:lstStyle>
-          <a:p/>
+          <a:p>
+            <a:endParaRPr/>
+          </a:p>
         </p:txBody>
       </p:sp>
       <p:sp>
         <p:nvSpPr>
           <p:cNvPr id="55" name="Google Shape;55;g34c024e3535_0_45"/>
-          <p:cNvSpPr txBox="1"/>
+          <p:cNvSpPr txBox="1">
+            <a:spLocks noGrp="1"/>
+          </p:cNvSpPr>
           <p:nvPr>
-            <p:ph idx="12" type="sldNum"/>
+            <p:ph type="sldNum" idx="12"/>
           </p:nvPr>
         </p:nvSpPr>
         <p:spPr>
@@ -3710,67 +3738,67 @@
           </a:ln>
         </p:spPr>
         <p:txBody>
-          <a:bodyPr anchorCtr="0" anchor="ctr" bIns="45700" lIns="91425" spcFirstLastPara="1" rIns="91425" wrap="square" tIns="45700">
+          <a:bodyPr spcFirstLastPara="1" wrap="square" lIns="91425" tIns="45700" rIns="91425" bIns="45700" anchor="ctr" anchorCtr="0">
             <a:normAutofit/>
           </a:bodyPr>
           <a:lstStyle>
-            <a:lvl1pPr indent="0" lvl="0" marL="0" algn="r">
+            <a:lvl1pPr marL="0" lvl="0" indent="0" algn="r">
               <a:spcBef>
                 <a:spcPts val="0"/>
               </a:spcBef>
               <a:buNone/>
               <a:defRPr/>
             </a:lvl1pPr>
-            <a:lvl2pPr indent="0" lvl="1" marL="0" algn="r">
+            <a:lvl2pPr marL="0" lvl="1" indent="0" algn="r">
               <a:spcBef>
                 <a:spcPts val="0"/>
               </a:spcBef>
               <a:buNone/>
               <a:defRPr/>
             </a:lvl2pPr>
-            <a:lvl3pPr indent="0" lvl="2" marL="0" algn="r">
+            <a:lvl3pPr marL="0" lvl="2" indent="0" algn="r">
               <a:spcBef>
                 <a:spcPts val="0"/>
               </a:spcBef>
               <a:buNone/>
               <a:defRPr/>
             </a:lvl3pPr>
-            <a:lvl4pPr indent="0" lvl="3" marL="0" algn="r">
+            <a:lvl4pPr marL="0" lvl="3" indent="0" algn="r">
               <a:spcBef>
                 <a:spcPts val="0"/>
               </a:spcBef>
               <a:buNone/>
               <a:defRPr/>
             </a:lvl4pPr>
-            <a:lvl5pPr indent="0" lvl="4" marL="0" algn="r">
+            <a:lvl5pPr marL="0" lvl="4" indent="0" algn="r">
               <a:spcBef>
                 <a:spcPts val="0"/>
               </a:spcBef>
               <a:buNone/>
               <a:defRPr/>
             </a:lvl5pPr>
-            <a:lvl6pPr indent="0" lvl="5" marL="0" algn="r">
+            <a:lvl6pPr marL="0" lvl="5" indent="0" algn="r">
               <a:spcBef>
                 <a:spcPts val="0"/>
               </a:spcBef>
               <a:buNone/>
               <a:defRPr/>
             </a:lvl6pPr>
-            <a:lvl7pPr indent="0" lvl="6" marL="0" algn="r">
+            <a:lvl7pPr marL="0" lvl="6" indent="0" algn="r">
               <a:spcBef>
                 <a:spcPts val="0"/>
               </a:spcBef>
               <a:buNone/>
               <a:defRPr/>
             </a:lvl7pPr>
-            <a:lvl8pPr indent="0" lvl="7" marL="0" algn="r">
+            <a:lvl8pPr marL="0" lvl="7" indent="0" algn="r">
               <a:spcBef>
                 <a:spcPts val="0"/>
               </a:spcBef>
               <a:buNone/>
               <a:defRPr/>
             </a:lvl8pPr>
-            <a:lvl9pPr indent="0" lvl="8" marL="0" algn="r">
+            <a:lvl9pPr marL="0" lvl="8" indent="0" algn="r">
               <a:spcBef>
                 <a:spcPts val="0"/>
               </a:spcBef>
@@ -3779,7 +3807,7 @@
             </a:lvl9pPr>
           </a:lstStyle>
           <a:p>
-            <a:pPr indent="0" lvl="0" marL="0" rtl="0" algn="r">
+            <a:pPr marL="0" lvl="0" indent="0" algn="r" rtl="0">
               <a:spcBef>
                 <a:spcPts val="0"/>
               </a:spcBef>
@@ -3805,11 +3833,11 @@
 </file>
 
 <file path=ppt/slideLayouts/slideLayout2.xml><?xml version="1.0" encoding="utf-8"?>
-<p:sldLayout xmlns:a="http://schemas.openxmlformats.org/drawingml/2006/main" xmlns:r="http://schemas.openxmlformats.org/officeDocument/2006/relationships" xmlns:mc="http://schemas.openxmlformats.org/markup-compatibility/2006" xmlns:mv="urn:schemas-microsoft-com:mac:vml" xmlns:p="http://schemas.openxmlformats.org/presentationml/2006/main" xmlns:c="http://schemas.openxmlformats.org/drawingml/2006/chart" xmlns:dgm="http://schemas.openxmlformats.org/drawingml/2006/diagram" xmlns:o="urn:schemas-microsoft-com:office:office" xmlns:v="urn:schemas-microsoft-com:vml" xmlns:pvml="urn:schemas-microsoft-com:office:powerpoint" xmlns:com="http://schemas.openxmlformats.org/drawingml/2006/compatibility" xmlns:p14="http://schemas.microsoft.com/office/powerpoint/2010/main" xmlns:p15="http://schemas.microsoft.com/office/powerpoint/2012/main" xmlns:ahyp="http://schemas.microsoft.com/office/drawing/2018/hyperlinkcolor" matchingName="Section header" type="secHead">
+<p:sldLayout xmlns:a="http://schemas.openxmlformats.org/drawingml/2006/main" xmlns:r="http://schemas.openxmlformats.org/officeDocument/2006/relationships" xmlns:p="http://schemas.openxmlformats.org/presentationml/2006/main" matchingName="Section header" type="secHead">
   <p:cSld name="SECTION_HEADER">
     <p:spTree>
       <p:nvGrpSpPr>
-        <p:cNvPr id="13" name="Shape 13"/>
+        <p:cNvPr id="1" name="Shape 13"/>
         <p:cNvGrpSpPr/>
         <p:nvPr/>
       </p:nvGrpSpPr>
@@ -3824,7 +3852,9 @@
       <p:sp>
         <p:nvSpPr>
           <p:cNvPr id="14" name="Google Shape;14;g34c024e3535_0_8"/>
-          <p:cNvSpPr txBox="1"/>
+          <p:cNvSpPr txBox="1">
+            <a:spLocks noGrp="1"/>
+          </p:cNvSpPr>
           <p:nvPr>
             <p:ph type="title"/>
           </p:nvPr>
@@ -3839,7 +3869,7 @@
           </a:prstGeom>
         </p:spPr>
         <p:txBody>
-          <a:bodyPr anchorCtr="0" anchor="ctr" bIns="91425" lIns="91425" spcFirstLastPara="1" rIns="91425" wrap="square" tIns="91425">
+          <a:bodyPr spcFirstLastPara="1" wrap="square" lIns="91425" tIns="91425" rIns="91425" bIns="91425" anchor="ctr" anchorCtr="0">
             <a:normAutofit/>
           </a:bodyPr>
           <a:lstStyle>
@@ -3943,15 +3973,19 @@
               <a:defRPr sz="3600"/>
             </a:lvl9pPr>
           </a:lstStyle>
-          <a:p/>
+          <a:p>
+            <a:endParaRPr/>
+          </a:p>
         </p:txBody>
       </p:sp>
       <p:sp>
         <p:nvSpPr>
           <p:cNvPr id="15" name="Google Shape;15;g34c024e3535_0_8"/>
-          <p:cNvSpPr txBox="1"/>
+          <p:cNvSpPr txBox="1">
+            <a:spLocks noGrp="1"/>
+          </p:cNvSpPr>
           <p:nvPr>
-            <p:ph idx="12" type="sldNum"/>
+            <p:ph type="sldNum" idx="12"/>
           </p:nvPr>
         </p:nvSpPr>
         <p:spPr>
@@ -3964,7 +3998,7 @@
           </a:prstGeom>
         </p:spPr>
         <p:txBody>
-          <a:bodyPr anchorCtr="0" anchor="ctr" bIns="91425" lIns="91425" spcFirstLastPara="1" rIns="91425" wrap="square" tIns="91425">
+          <a:bodyPr spcFirstLastPara="1" wrap="square" lIns="91425" tIns="91425" rIns="91425" bIns="91425" anchor="ctr" anchorCtr="0">
             <a:normAutofit/>
           </a:bodyPr>
           <a:lstStyle>
@@ -4006,7 +4040,7 @@
             </a:lvl9pPr>
           </a:lstStyle>
           <a:p>
-            <a:pPr indent="0" lvl="0" marL="0" rtl="0" algn="r">
+            <a:pPr marL="0" lvl="0" indent="0" algn="r" rtl="0">
               <a:spcBef>
                 <a:spcPts val="0"/>
               </a:spcBef>
@@ -4032,11 +4066,11 @@
 </file>
 
 <file path=ppt/slideLayouts/slideLayout3.xml><?xml version="1.0" encoding="utf-8"?>
-<p:sldLayout xmlns:a="http://schemas.openxmlformats.org/drawingml/2006/main" xmlns:r="http://schemas.openxmlformats.org/officeDocument/2006/relationships" xmlns:mc="http://schemas.openxmlformats.org/markup-compatibility/2006" xmlns:mv="urn:schemas-microsoft-com:mac:vml" xmlns:p="http://schemas.openxmlformats.org/presentationml/2006/main" xmlns:c="http://schemas.openxmlformats.org/drawingml/2006/chart" xmlns:dgm="http://schemas.openxmlformats.org/drawingml/2006/diagram" xmlns:o="urn:schemas-microsoft-com:office:office" xmlns:v="urn:schemas-microsoft-com:vml" xmlns:pvml="urn:schemas-microsoft-com:office:powerpoint" xmlns:com="http://schemas.openxmlformats.org/drawingml/2006/compatibility" xmlns:p14="http://schemas.microsoft.com/office/powerpoint/2010/main" xmlns:p15="http://schemas.microsoft.com/office/powerpoint/2012/main" xmlns:ahyp="http://schemas.microsoft.com/office/drawing/2018/hyperlinkcolor" matchingName="Title and body" type="tx">
+<p:sldLayout xmlns:a="http://schemas.openxmlformats.org/drawingml/2006/main" xmlns:r="http://schemas.openxmlformats.org/officeDocument/2006/relationships" xmlns:p="http://schemas.openxmlformats.org/presentationml/2006/main" matchingName="Title and body" type="tx">
   <p:cSld name="TITLE_AND_BODY">
     <p:spTree>
       <p:nvGrpSpPr>
-        <p:cNvPr id="16" name="Shape 16"/>
+        <p:cNvPr id="1" name="Shape 16"/>
         <p:cNvGrpSpPr/>
         <p:nvPr/>
       </p:nvGrpSpPr>
@@ -4051,7 +4085,9 @@
       <p:sp>
         <p:nvSpPr>
           <p:cNvPr id="17" name="Google Shape;17;g34c024e3535_0_11"/>
-          <p:cNvSpPr txBox="1"/>
+          <p:cNvSpPr txBox="1">
+            <a:spLocks noGrp="1"/>
+          </p:cNvSpPr>
           <p:nvPr>
             <p:ph type="title"/>
           </p:nvPr>
@@ -4066,7 +4102,7 @@
           </a:prstGeom>
         </p:spPr>
         <p:txBody>
-          <a:bodyPr anchorCtr="0" anchor="t" bIns="91425" lIns="91425" spcFirstLastPara="1" rIns="91425" wrap="square" tIns="91425">
+          <a:bodyPr spcFirstLastPara="1" wrap="square" lIns="91425" tIns="91425" rIns="91425" bIns="91425" anchor="t" anchorCtr="0">
             <a:normAutofit/>
           </a:bodyPr>
           <a:lstStyle>
@@ -4170,15 +4206,19 @@
               <a:defRPr/>
             </a:lvl9pPr>
           </a:lstStyle>
-          <a:p/>
+          <a:p>
+            <a:endParaRPr/>
+          </a:p>
         </p:txBody>
       </p:sp>
       <p:sp>
         <p:nvSpPr>
           <p:cNvPr id="18" name="Google Shape;18;g34c024e3535_0_11"/>
-          <p:cNvSpPr txBox="1"/>
+          <p:cNvSpPr txBox="1">
+            <a:spLocks noGrp="1"/>
+          </p:cNvSpPr>
           <p:nvPr>
-            <p:ph idx="1" type="body"/>
+            <p:ph type="body" idx="1"/>
           </p:nvPr>
         </p:nvSpPr>
         <p:spPr>
@@ -4191,11 +4231,11 @@
           </a:prstGeom>
         </p:spPr>
         <p:txBody>
-          <a:bodyPr anchorCtr="0" anchor="t" bIns="91425" lIns="91425" spcFirstLastPara="1" rIns="91425" wrap="square" tIns="91425">
+          <a:bodyPr spcFirstLastPara="1" wrap="square" lIns="91425" tIns="91425" rIns="91425" bIns="91425" anchor="t" anchorCtr="0">
             <a:normAutofit/>
           </a:bodyPr>
           <a:lstStyle>
-            <a:lvl1pPr indent="-342900" lvl="0" marL="457200">
+            <a:lvl1pPr marL="457200" lvl="0" indent="-342900">
               <a:spcBef>
                 <a:spcPts val="0"/>
               </a:spcBef>
@@ -4206,7 +4246,7 @@
               <a:buChar char="●"/>
               <a:defRPr/>
             </a:lvl1pPr>
-            <a:lvl2pPr indent="-317500" lvl="1" marL="914400">
+            <a:lvl2pPr marL="914400" lvl="1" indent="-317500">
               <a:spcBef>
                 <a:spcPts val="0"/>
               </a:spcBef>
@@ -4217,7 +4257,7 @@
               <a:buChar char="○"/>
               <a:defRPr/>
             </a:lvl2pPr>
-            <a:lvl3pPr indent="-317500" lvl="2" marL="1371600">
+            <a:lvl3pPr marL="1371600" lvl="2" indent="-317500">
               <a:spcBef>
                 <a:spcPts val="0"/>
               </a:spcBef>
@@ -4228,7 +4268,7 @@
               <a:buChar char="■"/>
               <a:defRPr/>
             </a:lvl3pPr>
-            <a:lvl4pPr indent="-317500" lvl="3" marL="1828800">
+            <a:lvl4pPr marL="1828800" lvl="3" indent="-317500">
               <a:spcBef>
                 <a:spcPts val="0"/>
               </a:spcBef>
@@ -4239,7 +4279,7 @@
               <a:buChar char="●"/>
               <a:defRPr/>
             </a:lvl4pPr>
-            <a:lvl5pPr indent="-317500" lvl="4" marL="2286000">
+            <a:lvl5pPr marL="2286000" lvl="4" indent="-317500">
               <a:spcBef>
                 <a:spcPts val="0"/>
               </a:spcBef>
@@ -4250,7 +4290,7 @@
               <a:buChar char="○"/>
               <a:defRPr/>
             </a:lvl5pPr>
-            <a:lvl6pPr indent="-317500" lvl="5" marL="2743200">
+            <a:lvl6pPr marL="2743200" lvl="5" indent="-317500">
               <a:spcBef>
                 <a:spcPts val="0"/>
               </a:spcBef>
@@ -4261,7 +4301,7 @@
               <a:buChar char="■"/>
               <a:defRPr/>
             </a:lvl6pPr>
-            <a:lvl7pPr indent="-317500" lvl="6" marL="3200400">
+            <a:lvl7pPr marL="3200400" lvl="6" indent="-317500">
               <a:spcBef>
                 <a:spcPts val="0"/>
               </a:spcBef>
@@ -4272,7 +4312,7 @@
               <a:buChar char="●"/>
               <a:defRPr/>
             </a:lvl7pPr>
-            <a:lvl8pPr indent="-317500" lvl="7" marL="3657600">
+            <a:lvl8pPr marL="3657600" lvl="7" indent="-317500">
               <a:spcBef>
                 <a:spcPts val="0"/>
               </a:spcBef>
@@ -4283,7 +4323,7 @@
               <a:buChar char="○"/>
               <a:defRPr/>
             </a:lvl8pPr>
-            <a:lvl9pPr indent="-317500" lvl="8" marL="4114800">
+            <a:lvl9pPr marL="4114800" lvl="8" indent="-317500">
               <a:spcBef>
                 <a:spcPts val="0"/>
               </a:spcBef>
@@ -4295,15 +4335,19 @@
               <a:defRPr/>
             </a:lvl9pPr>
           </a:lstStyle>
-          <a:p/>
+          <a:p>
+            <a:endParaRPr/>
+          </a:p>
         </p:txBody>
       </p:sp>
       <p:sp>
         <p:nvSpPr>
           <p:cNvPr id="19" name="Google Shape;19;g34c024e3535_0_11"/>
-          <p:cNvSpPr txBox="1"/>
+          <p:cNvSpPr txBox="1">
+            <a:spLocks noGrp="1"/>
+          </p:cNvSpPr>
           <p:nvPr>
-            <p:ph idx="12" type="sldNum"/>
+            <p:ph type="sldNum" idx="12"/>
           </p:nvPr>
         </p:nvSpPr>
         <p:spPr>
@@ -4316,7 +4360,7 @@
           </a:prstGeom>
         </p:spPr>
         <p:txBody>
-          <a:bodyPr anchorCtr="0" anchor="ctr" bIns="91425" lIns="91425" spcFirstLastPara="1" rIns="91425" wrap="square" tIns="91425">
+          <a:bodyPr spcFirstLastPara="1" wrap="square" lIns="91425" tIns="91425" rIns="91425" bIns="91425" anchor="ctr" anchorCtr="0">
             <a:normAutofit/>
           </a:bodyPr>
           <a:lstStyle>
@@ -4358,7 +4402,7 @@
             </a:lvl9pPr>
           </a:lstStyle>
           <a:p>
-            <a:pPr indent="0" lvl="0" marL="0" rtl="0" algn="r">
+            <a:pPr marL="0" lvl="0" indent="0" algn="r" rtl="0">
               <a:spcBef>
                 <a:spcPts val="0"/>
               </a:spcBef>
@@ -4384,11 +4428,11 @@
 </file>
 
 <file path=ppt/slideLayouts/slideLayout4.xml><?xml version="1.0" encoding="utf-8"?>
-<p:sldLayout xmlns:a="http://schemas.openxmlformats.org/drawingml/2006/main" xmlns:r="http://schemas.openxmlformats.org/officeDocument/2006/relationships" xmlns:mc="http://schemas.openxmlformats.org/markup-compatibility/2006" xmlns:mv="urn:schemas-microsoft-com:mac:vml" xmlns:p="http://schemas.openxmlformats.org/presentationml/2006/main" xmlns:c="http://schemas.openxmlformats.org/drawingml/2006/chart" xmlns:dgm="http://schemas.openxmlformats.org/drawingml/2006/diagram" xmlns:o="urn:schemas-microsoft-com:office:office" xmlns:v="urn:schemas-microsoft-com:vml" xmlns:pvml="urn:schemas-microsoft-com:office:powerpoint" xmlns:com="http://schemas.openxmlformats.org/drawingml/2006/compatibility" xmlns:p14="http://schemas.microsoft.com/office/powerpoint/2010/main" xmlns:p15="http://schemas.microsoft.com/office/powerpoint/2012/main" xmlns:ahyp="http://schemas.microsoft.com/office/drawing/2018/hyperlinkcolor" matchingName="Title and two columns" type="twoColTx">
+<p:sldLayout xmlns:a="http://schemas.openxmlformats.org/drawingml/2006/main" xmlns:r="http://schemas.openxmlformats.org/officeDocument/2006/relationships" xmlns:p="http://schemas.openxmlformats.org/presentationml/2006/main" matchingName="Title and two columns" type="twoColTx">
   <p:cSld name="TITLE_AND_TWO_COLUMNS">
     <p:spTree>
       <p:nvGrpSpPr>
-        <p:cNvPr id="20" name="Shape 20"/>
+        <p:cNvPr id="1" name="Shape 20"/>
         <p:cNvGrpSpPr/>
         <p:nvPr/>
       </p:nvGrpSpPr>
@@ -4403,7 +4447,9 @@
       <p:sp>
         <p:nvSpPr>
           <p:cNvPr id="21" name="Google Shape;21;g34c024e3535_0_15"/>
-          <p:cNvSpPr txBox="1"/>
+          <p:cNvSpPr txBox="1">
+            <a:spLocks noGrp="1"/>
+          </p:cNvSpPr>
           <p:nvPr>
             <p:ph type="title"/>
           </p:nvPr>
@@ -4418,7 +4464,7 @@
           </a:prstGeom>
         </p:spPr>
         <p:txBody>
-          <a:bodyPr anchorCtr="0" anchor="t" bIns="91425" lIns="91425" spcFirstLastPara="1" rIns="91425" wrap="square" tIns="91425">
+          <a:bodyPr spcFirstLastPara="1" wrap="square" lIns="91425" tIns="91425" rIns="91425" bIns="91425" anchor="t" anchorCtr="0">
             <a:normAutofit/>
           </a:bodyPr>
           <a:lstStyle>
@@ -4522,15 +4568,19 @@
               <a:defRPr/>
             </a:lvl9pPr>
           </a:lstStyle>
-          <a:p/>
+          <a:p>
+            <a:endParaRPr/>
+          </a:p>
         </p:txBody>
       </p:sp>
       <p:sp>
         <p:nvSpPr>
           <p:cNvPr id="22" name="Google Shape;22;g34c024e3535_0_15"/>
-          <p:cNvSpPr txBox="1"/>
+          <p:cNvSpPr txBox="1">
+            <a:spLocks noGrp="1"/>
+          </p:cNvSpPr>
           <p:nvPr>
-            <p:ph idx="1" type="body"/>
+            <p:ph type="body" idx="1"/>
           </p:nvPr>
         </p:nvSpPr>
         <p:spPr>
@@ -4543,11 +4593,11 @@
           </a:prstGeom>
         </p:spPr>
         <p:txBody>
-          <a:bodyPr anchorCtr="0" anchor="t" bIns="91425" lIns="91425" spcFirstLastPara="1" rIns="91425" wrap="square" tIns="91425">
+          <a:bodyPr spcFirstLastPara="1" wrap="square" lIns="91425" tIns="91425" rIns="91425" bIns="91425" anchor="t" anchorCtr="0">
             <a:normAutofit/>
           </a:bodyPr>
           <a:lstStyle>
-            <a:lvl1pPr indent="-317500" lvl="0" marL="457200">
+            <a:lvl1pPr marL="457200" lvl="0" indent="-317500">
               <a:spcBef>
                 <a:spcPts val="0"/>
               </a:spcBef>
@@ -4558,7 +4608,7 @@
               <a:buChar char="●"/>
               <a:defRPr sz="1400"/>
             </a:lvl1pPr>
-            <a:lvl2pPr indent="-304800" lvl="1" marL="914400">
+            <a:lvl2pPr marL="914400" lvl="1" indent="-304800">
               <a:spcBef>
                 <a:spcPts val="0"/>
               </a:spcBef>
@@ -4569,7 +4619,7 @@
               <a:buChar char="○"/>
               <a:defRPr sz="1200"/>
             </a:lvl2pPr>
-            <a:lvl3pPr indent="-304800" lvl="2" marL="1371600">
+            <a:lvl3pPr marL="1371600" lvl="2" indent="-304800">
               <a:spcBef>
                 <a:spcPts val="0"/>
               </a:spcBef>
@@ -4580,7 +4630,7 @@
               <a:buChar char="■"/>
               <a:defRPr sz="1200"/>
             </a:lvl3pPr>
-            <a:lvl4pPr indent="-304800" lvl="3" marL="1828800">
+            <a:lvl4pPr marL="1828800" lvl="3" indent="-304800">
               <a:spcBef>
                 <a:spcPts val="0"/>
               </a:spcBef>
@@ -4591,7 +4641,7 @@
               <a:buChar char="●"/>
               <a:defRPr sz="1200"/>
             </a:lvl4pPr>
-            <a:lvl5pPr indent="-304800" lvl="4" marL="2286000">
+            <a:lvl5pPr marL="2286000" lvl="4" indent="-304800">
               <a:spcBef>
                 <a:spcPts val="0"/>
               </a:spcBef>
@@ -4602,7 +4652,7 @@
               <a:buChar char="○"/>
               <a:defRPr sz="1200"/>
             </a:lvl5pPr>
-            <a:lvl6pPr indent="-304800" lvl="5" marL="2743200">
+            <a:lvl6pPr marL="2743200" lvl="5" indent="-304800">
               <a:spcBef>
                 <a:spcPts val="0"/>
               </a:spcBef>
@@ -4613,7 +4663,7 @@
               <a:buChar char="■"/>
               <a:defRPr sz="1200"/>
             </a:lvl6pPr>
-            <a:lvl7pPr indent="-304800" lvl="6" marL="3200400">
+            <a:lvl7pPr marL="3200400" lvl="6" indent="-304800">
               <a:spcBef>
                 <a:spcPts val="0"/>
               </a:spcBef>
@@ -4624,7 +4674,7 @@
               <a:buChar char="●"/>
               <a:defRPr sz="1200"/>
             </a:lvl7pPr>
-            <a:lvl8pPr indent="-304800" lvl="7" marL="3657600">
+            <a:lvl8pPr marL="3657600" lvl="7" indent="-304800">
               <a:spcBef>
                 <a:spcPts val="0"/>
               </a:spcBef>
@@ -4635,7 +4685,7 @@
               <a:buChar char="○"/>
               <a:defRPr sz="1200"/>
             </a:lvl8pPr>
-            <a:lvl9pPr indent="-304800" lvl="8" marL="4114800">
+            <a:lvl9pPr marL="4114800" lvl="8" indent="-304800">
               <a:spcBef>
                 <a:spcPts val="0"/>
               </a:spcBef>
@@ -4647,15 +4697,19 @@
               <a:defRPr sz="1200"/>
             </a:lvl9pPr>
           </a:lstStyle>
-          <a:p/>
+          <a:p>
+            <a:endParaRPr/>
+          </a:p>
         </p:txBody>
       </p:sp>
       <p:sp>
         <p:nvSpPr>
           <p:cNvPr id="23" name="Google Shape;23;g34c024e3535_0_15"/>
-          <p:cNvSpPr txBox="1"/>
+          <p:cNvSpPr txBox="1">
+            <a:spLocks noGrp="1"/>
+          </p:cNvSpPr>
           <p:nvPr>
-            <p:ph idx="2" type="body"/>
+            <p:ph type="body" idx="2"/>
           </p:nvPr>
         </p:nvSpPr>
         <p:spPr>
@@ -4668,11 +4722,11 @@
           </a:prstGeom>
         </p:spPr>
         <p:txBody>
-          <a:bodyPr anchorCtr="0" anchor="t" bIns="91425" lIns="91425" spcFirstLastPara="1" rIns="91425" wrap="square" tIns="91425">
+          <a:bodyPr spcFirstLastPara="1" wrap="square" lIns="91425" tIns="91425" rIns="91425" bIns="91425" anchor="t" anchorCtr="0">
             <a:normAutofit/>
           </a:bodyPr>
           <a:lstStyle>
-            <a:lvl1pPr indent="-317500" lvl="0" marL="457200">
+            <a:lvl1pPr marL="457200" lvl="0" indent="-317500">
               <a:spcBef>
                 <a:spcPts val="0"/>
               </a:spcBef>
@@ -4683,7 +4737,7 @@
               <a:buChar char="●"/>
               <a:defRPr sz="1400"/>
             </a:lvl1pPr>
-            <a:lvl2pPr indent="-304800" lvl="1" marL="914400">
+            <a:lvl2pPr marL="914400" lvl="1" indent="-304800">
               <a:spcBef>
                 <a:spcPts val="0"/>
               </a:spcBef>
@@ -4694,7 +4748,7 @@
               <a:buChar char="○"/>
               <a:defRPr sz="1200"/>
             </a:lvl2pPr>
-            <a:lvl3pPr indent="-304800" lvl="2" marL="1371600">
+            <a:lvl3pPr marL="1371600" lvl="2" indent="-304800">
               <a:spcBef>
                 <a:spcPts val="0"/>
               </a:spcBef>
@@ -4705,7 +4759,7 @@
               <a:buChar char="■"/>
               <a:defRPr sz="1200"/>
             </a:lvl3pPr>
-            <a:lvl4pPr indent="-304800" lvl="3" marL="1828800">
+            <a:lvl4pPr marL="1828800" lvl="3" indent="-304800">
               <a:spcBef>
                 <a:spcPts val="0"/>
               </a:spcBef>
@@ -4716,7 +4770,7 @@
               <a:buChar char="●"/>
               <a:defRPr sz="1200"/>
             </a:lvl4pPr>
-            <a:lvl5pPr indent="-304800" lvl="4" marL="2286000">
+            <a:lvl5pPr marL="2286000" lvl="4" indent="-304800">
               <a:spcBef>
                 <a:spcPts val="0"/>
               </a:spcBef>
@@ -4727,7 +4781,7 @@
               <a:buChar char="○"/>
               <a:defRPr sz="1200"/>
             </a:lvl5pPr>
-            <a:lvl6pPr indent="-304800" lvl="5" marL="2743200">
+            <a:lvl6pPr marL="2743200" lvl="5" indent="-304800">
               <a:spcBef>
                 <a:spcPts val="0"/>
               </a:spcBef>
@@ -4738,7 +4792,7 @@
               <a:buChar char="■"/>
               <a:defRPr sz="1200"/>
             </a:lvl6pPr>
-            <a:lvl7pPr indent="-304800" lvl="6" marL="3200400">
+            <a:lvl7pPr marL="3200400" lvl="6" indent="-304800">
               <a:spcBef>
                 <a:spcPts val="0"/>
               </a:spcBef>
@@ -4749,7 +4803,7 @@
               <a:buChar char="●"/>
               <a:defRPr sz="1200"/>
             </a:lvl7pPr>
-            <a:lvl8pPr indent="-304800" lvl="7" marL="3657600">
+            <a:lvl8pPr marL="3657600" lvl="7" indent="-304800">
               <a:spcBef>
                 <a:spcPts val="0"/>
               </a:spcBef>
@@ -4760,7 +4814,7 @@
               <a:buChar char="○"/>
               <a:defRPr sz="1200"/>
             </a:lvl8pPr>
-            <a:lvl9pPr indent="-304800" lvl="8" marL="4114800">
+            <a:lvl9pPr marL="4114800" lvl="8" indent="-304800">
               <a:spcBef>
                 <a:spcPts val="0"/>
               </a:spcBef>
@@ -4772,15 +4826,19 @@
               <a:defRPr sz="1200"/>
             </a:lvl9pPr>
           </a:lstStyle>
-          <a:p/>
+          <a:p>
+            <a:endParaRPr/>
+          </a:p>
         </p:txBody>
       </p:sp>
       <p:sp>
         <p:nvSpPr>
           <p:cNvPr id="24" name="Google Shape;24;g34c024e3535_0_15"/>
-          <p:cNvSpPr txBox="1"/>
+          <p:cNvSpPr txBox="1">
+            <a:spLocks noGrp="1"/>
+          </p:cNvSpPr>
           <p:nvPr>
-            <p:ph idx="12" type="sldNum"/>
+            <p:ph type="sldNum" idx="12"/>
           </p:nvPr>
         </p:nvSpPr>
         <p:spPr>
@@ -4793,7 +4851,7 @@
           </a:prstGeom>
         </p:spPr>
         <p:txBody>
-          <a:bodyPr anchorCtr="0" anchor="ctr" bIns="91425" lIns="91425" spcFirstLastPara="1" rIns="91425" wrap="square" tIns="91425">
+          <a:bodyPr spcFirstLastPara="1" wrap="square" lIns="91425" tIns="91425" rIns="91425" bIns="91425" anchor="ctr" anchorCtr="0">
             <a:normAutofit/>
           </a:bodyPr>
           <a:lstStyle>
@@ -4835,7 +4893,7 @@
             </a:lvl9pPr>
           </a:lstStyle>
           <a:p>
-            <a:pPr indent="0" lvl="0" marL="0" rtl="0" algn="r">
+            <a:pPr marL="0" lvl="0" indent="0" algn="r" rtl="0">
               <a:spcBef>
                 <a:spcPts val="0"/>
               </a:spcBef>
@@ -4861,11 +4919,11 @@
 </file>
 
 <file path=ppt/slideLayouts/slideLayout5.xml><?xml version="1.0" encoding="utf-8"?>
-<p:sldLayout xmlns:a="http://schemas.openxmlformats.org/drawingml/2006/main" xmlns:r="http://schemas.openxmlformats.org/officeDocument/2006/relationships" xmlns:mc="http://schemas.openxmlformats.org/markup-compatibility/2006" xmlns:mv="urn:schemas-microsoft-com:mac:vml" xmlns:p="http://schemas.openxmlformats.org/presentationml/2006/main" xmlns:c="http://schemas.openxmlformats.org/drawingml/2006/chart" xmlns:dgm="http://schemas.openxmlformats.org/drawingml/2006/diagram" xmlns:o="urn:schemas-microsoft-com:office:office" xmlns:v="urn:schemas-microsoft-com:vml" xmlns:pvml="urn:schemas-microsoft-com:office:powerpoint" xmlns:com="http://schemas.openxmlformats.org/drawingml/2006/compatibility" xmlns:p14="http://schemas.microsoft.com/office/powerpoint/2010/main" xmlns:p15="http://schemas.microsoft.com/office/powerpoint/2012/main" xmlns:ahyp="http://schemas.microsoft.com/office/drawing/2018/hyperlinkcolor" matchingName="Title only" type="titleOnly">
+<p:sldLayout xmlns:a="http://schemas.openxmlformats.org/drawingml/2006/main" xmlns:r="http://schemas.openxmlformats.org/officeDocument/2006/relationships" xmlns:p="http://schemas.openxmlformats.org/presentationml/2006/main" matchingName="Title only" type="titleOnly">
   <p:cSld name="TITLE_ONLY">
     <p:spTree>
       <p:nvGrpSpPr>
-        <p:cNvPr id="25" name="Shape 25"/>
+        <p:cNvPr id="1" name="Shape 25"/>
         <p:cNvGrpSpPr/>
         <p:nvPr/>
       </p:nvGrpSpPr>
@@ -4880,7 +4938,9 @@
       <p:sp>
         <p:nvSpPr>
           <p:cNvPr id="26" name="Google Shape;26;g34c024e3535_0_20"/>
-          <p:cNvSpPr txBox="1"/>
+          <p:cNvSpPr txBox="1">
+            <a:spLocks noGrp="1"/>
+          </p:cNvSpPr>
           <p:nvPr>
             <p:ph type="title"/>
           </p:nvPr>
@@ -4895,7 +4955,7 @@
           </a:prstGeom>
         </p:spPr>
         <p:txBody>
-          <a:bodyPr anchorCtr="0" anchor="t" bIns="91425" lIns="91425" spcFirstLastPara="1" rIns="91425" wrap="square" tIns="91425">
+          <a:bodyPr spcFirstLastPara="1" wrap="square" lIns="91425" tIns="91425" rIns="91425" bIns="91425" anchor="t" anchorCtr="0">
             <a:normAutofit/>
           </a:bodyPr>
           <a:lstStyle>
@@ -4999,15 +5059,19 @@
               <a:defRPr/>
             </a:lvl9pPr>
           </a:lstStyle>
-          <a:p/>
+          <a:p>
+            <a:endParaRPr/>
+          </a:p>
         </p:txBody>
       </p:sp>
       <p:sp>
         <p:nvSpPr>
           <p:cNvPr id="27" name="Google Shape;27;g34c024e3535_0_20"/>
-          <p:cNvSpPr txBox="1"/>
+          <p:cNvSpPr txBox="1">
+            <a:spLocks noGrp="1"/>
+          </p:cNvSpPr>
           <p:nvPr>
-            <p:ph idx="12" type="sldNum"/>
+            <p:ph type="sldNum" idx="12"/>
           </p:nvPr>
         </p:nvSpPr>
         <p:spPr>
@@ -5020,7 +5084,7 @@
           </a:prstGeom>
         </p:spPr>
         <p:txBody>
-          <a:bodyPr anchorCtr="0" anchor="ctr" bIns="91425" lIns="91425" spcFirstLastPara="1" rIns="91425" wrap="square" tIns="91425">
+          <a:bodyPr spcFirstLastPara="1" wrap="square" lIns="91425" tIns="91425" rIns="91425" bIns="91425" anchor="ctr" anchorCtr="0">
             <a:normAutofit/>
           </a:bodyPr>
           <a:lstStyle>
@@ -5062,7 +5126,7 @@
             </a:lvl9pPr>
           </a:lstStyle>
           <a:p>
-            <a:pPr indent="0" lvl="0" marL="0" rtl="0" algn="r">
+            <a:pPr marL="0" lvl="0" indent="0" algn="r" rtl="0">
               <a:spcBef>
                 <a:spcPts val="0"/>
               </a:spcBef>
@@ -5088,11 +5152,11 @@
 </file>
 
 <file path=ppt/slideLayouts/slideLayout6.xml><?xml version="1.0" encoding="utf-8"?>
-<p:sldLayout xmlns:a="http://schemas.openxmlformats.org/drawingml/2006/main" xmlns:r="http://schemas.openxmlformats.org/officeDocument/2006/relationships" xmlns:mc="http://schemas.openxmlformats.org/markup-compatibility/2006" xmlns:mv="urn:schemas-microsoft-com:mac:vml" xmlns:p="http://schemas.openxmlformats.org/presentationml/2006/main" xmlns:c="http://schemas.openxmlformats.org/drawingml/2006/chart" xmlns:dgm="http://schemas.openxmlformats.org/drawingml/2006/diagram" xmlns:o="urn:schemas-microsoft-com:office:office" xmlns:v="urn:schemas-microsoft-com:vml" xmlns:pvml="urn:schemas-microsoft-com:office:powerpoint" xmlns:com="http://schemas.openxmlformats.org/drawingml/2006/compatibility" xmlns:p14="http://schemas.microsoft.com/office/powerpoint/2010/main" xmlns:p15="http://schemas.microsoft.com/office/powerpoint/2012/main" xmlns:ahyp="http://schemas.microsoft.com/office/drawing/2018/hyperlinkcolor" matchingName="One column text">
+<p:sldLayout xmlns:a="http://schemas.openxmlformats.org/drawingml/2006/main" xmlns:r="http://schemas.openxmlformats.org/officeDocument/2006/relationships" xmlns:p="http://schemas.openxmlformats.org/presentationml/2006/main" matchingName="One column text">
   <p:cSld name="ONE_COLUMN_TEXT">
     <p:spTree>
       <p:nvGrpSpPr>
-        <p:cNvPr id="28" name="Shape 28"/>
+        <p:cNvPr id="1" name="Shape 28"/>
         <p:cNvGrpSpPr/>
         <p:nvPr/>
       </p:nvGrpSpPr>
@@ -5107,7 +5171,9 @@
       <p:sp>
         <p:nvSpPr>
           <p:cNvPr id="29" name="Google Shape;29;g34c024e3535_0_23"/>
-          <p:cNvSpPr txBox="1"/>
+          <p:cNvSpPr txBox="1">
+            <a:spLocks noGrp="1"/>
+          </p:cNvSpPr>
           <p:nvPr>
             <p:ph type="title"/>
           </p:nvPr>
@@ -5122,7 +5188,7 @@
           </a:prstGeom>
         </p:spPr>
         <p:txBody>
-          <a:bodyPr anchorCtr="0" anchor="b" bIns="91425" lIns="91425" spcFirstLastPara="1" rIns="91425" wrap="square" tIns="91425">
+          <a:bodyPr spcFirstLastPara="1" wrap="square" lIns="91425" tIns="91425" rIns="91425" bIns="91425" anchor="b" anchorCtr="0">
             <a:normAutofit/>
           </a:bodyPr>
           <a:lstStyle>
@@ -5226,15 +5292,19 @@
               <a:defRPr sz="2400"/>
             </a:lvl9pPr>
           </a:lstStyle>
-          <a:p/>
+          <a:p>
+            <a:endParaRPr/>
+          </a:p>
         </p:txBody>
       </p:sp>
       <p:sp>
         <p:nvSpPr>
           <p:cNvPr id="30" name="Google Shape;30;g34c024e3535_0_23"/>
-          <p:cNvSpPr txBox="1"/>
+          <p:cNvSpPr txBox="1">
+            <a:spLocks noGrp="1"/>
+          </p:cNvSpPr>
           <p:nvPr>
-            <p:ph idx="1" type="body"/>
+            <p:ph type="body" idx="1"/>
           </p:nvPr>
         </p:nvSpPr>
         <p:spPr>
@@ -5247,11 +5317,11 @@
           </a:prstGeom>
         </p:spPr>
         <p:txBody>
-          <a:bodyPr anchorCtr="0" anchor="t" bIns="91425" lIns="91425" spcFirstLastPara="1" rIns="91425" wrap="square" tIns="91425">
+          <a:bodyPr spcFirstLastPara="1" wrap="square" lIns="91425" tIns="91425" rIns="91425" bIns="91425" anchor="t" anchorCtr="0">
             <a:normAutofit/>
           </a:bodyPr>
           <a:lstStyle>
-            <a:lvl1pPr indent="-304800" lvl="0" marL="457200">
+            <a:lvl1pPr marL="457200" lvl="0" indent="-304800">
               <a:spcBef>
                 <a:spcPts val="0"/>
               </a:spcBef>
@@ -5262,7 +5332,7 @@
               <a:buChar char="●"/>
               <a:defRPr sz="1200"/>
             </a:lvl1pPr>
-            <a:lvl2pPr indent="-304800" lvl="1" marL="914400">
+            <a:lvl2pPr marL="914400" lvl="1" indent="-304800">
               <a:spcBef>
                 <a:spcPts val="0"/>
               </a:spcBef>
@@ -5273,7 +5343,7 @@
               <a:buChar char="○"/>
               <a:defRPr sz="1200"/>
             </a:lvl2pPr>
-            <a:lvl3pPr indent="-304800" lvl="2" marL="1371600">
+            <a:lvl3pPr marL="1371600" lvl="2" indent="-304800">
               <a:spcBef>
                 <a:spcPts val="0"/>
               </a:spcBef>
@@ -5284,7 +5354,7 @@
               <a:buChar char="■"/>
               <a:defRPr sz="1200"/>
             </a:lvl3pPr>
-            <a:lvl4pPr indent="-304800" lvl="3" marL="1828800">
+            <a:lvl4pPr marL="1828800" lvl="3" indent="-304800">
               <a:spcBef>
                 <a:spcPts val="0"/>
               </a:spcBef>
@@ -5295,7 +5365,7 @@
               <a:buChar char="●"/>
               <a:defRPr sz="1200"/>
             </a:lvl4pPr>
-            <a:lvl5pPr indent="-304800" lvl="4" marL="2286000">
+            <a:lvl5pPr marL="2286000" lvl="4" indent="-304800">
               <a:spcBef>
                 <a:spcPts val="0"/>
               </a:spcBef>
@@ -5306,7 +5376,7 @@
               <a:buChar char="○"/>
               <a:defRPr sz="1200"/>
             </a:lvl5pPr>
-            <a:lvl6pPr indent="-304800" lvl="5" marL="2743200">
+            <a:lvl6pPr marL="2743200" lvl="5" indent="-304800">
               <a:spcBef>
                 <a:spcPts val="0"/>
               </a:spcBef>
@@ -5317,7 +5387,7 @@
               <a:buChar char="■"/>
               <a:defRPr sz="1200"/>
             </a:lvl6pPr>
-            <a:lvl7pPr indent="-304800" lvl="6" marL="3200400">
+            <a:lvl7pPr marL="3200400" lvl="6" indent="-304800">
               <a:spcBef>
                 <a:spcPts val="0"/>
               </a:spcBef>
@@ -5328,7 +5398,7 @@
               <a:buChar char="●"/>
               <a:defRPr sz="1200"/>
             </a:lvl7pPr>
-            <a:lvl8pPr indent="-304800" lvl="7" marL="3657600">
+            <a:lvl8pPr marL="3657600" lvl="7" indent="-304800">
               <a:spcBef>
                 <a:spcPts val="0"/>
               </a:spcBef>
@@ -5339,7 +5409,7 @@
               <a:buChar char="○"/>
               <a:defRPr sz="1200"/>
             </a:lvl8pPr>
-            <a:lvl9pPr indent="-304800" lvl="8" marL="4114800">
+            <a:lvl9pPr marL="4114800" lvl="8" indent="-304800">
               <a:spcBef>
                 <a:spcPts val="0"/>
               </a:spcBef>
@@ -5351,15 +5421,19 @@
               <a:defRPr sz="1200"/>
             </a:lvl9pPr>
           </a:lstStyle>
-          <a:p/>
+          <a:p>
+            <a:endParaRPr/>
+          </a:p>
         </p:txBody>
       </p:sp>
       <p:sp>
         <p:nvSpPr>
           <p:cNvPr id="31" name="Google Shape;31;g34c024e3535_0_23"/>
-          <p:cNvSpPr txBox="1"/>
+          <p:cNvSpPr txBox="1">
+            <a:spLocks noGrp="1"/>
+          </p:cNvSpPr>
           <p:nvPr>
-            <p:ph idx="12" type="sldNum"/>
+            <p:ph type="sldNum" idx="12"/>
           </p:nvPr>
         </p:nvSpPr>
         <p:spPr>
@@ -5372,7 +5446,7 @@
           </a:prstGeom>
         </p:spPr>
         <p:txBody>
-          <a:bodyPr anchorCtr="0" anchor="ctr" bIns="91425" lIns="91425" spcFirstLastPara="1" rIns="91425" wrap="square" tIns="91425">
+          <a:bodyPr spcFirstLastPara="1" wrap="square" lIns="91425" tIns="91425" rIns="91425" bIns="91425" anchor="ctr" anchorCtr="0">
             <a:normAutofit/>
           </a:bodyPr>
           <a:lstStyle>
@@ -5414,7 +5488,7 @@
             </a:lvl9pPr>
           </a:lstStyle>
           <a:p>
-            <a:pPr indent="0" lvl="0" marL="0" rtl="0" algn="r">
+            <a:pPr marL="0" lvl="0" indent="0" algn="r" rtl="0">
               <a:spcBef>
                 <a:spcPts val="0"/>
               </a:spcBef>
@@ -5440,11 +5514,11 @@
 </file>
 
 <file path=ppt/slideLayouts/slideLayout7.xml><?xml version="1.0" encoding="utf-8"?>
-<p:sldLayout xmlns:a="http://schemas.openxmlformats.org/drawingml/2006/main" xmlns:r="http://schemas.openxmlformats.org/officeDocument/2006/relationships" xmlns:mc="http://schemas.openxmlformats.org/markup-compatibility/2006" xmlns:mv="urn:schemas-microsoft-com:mac:vml" xmlns:p="http://schemas.openxmlformats.org/presentationml/2006/main" xmlns:c="http://schemas.openxmlformats.org/drawingml/2006/chart" xmlns:dgm="http://schemas.openxmlformats.org/drawingml/2006/diagram" xmlns:o="urn:schemas-microsoft-com:office:office" xmlns:v="urn:schemas-microsoft-com:vml" xmlns:pvml="urn:schemas-microsoft-com:office:powerpoint" xmlns:com="http://schemas.openxmlformats.org/drawingml/2006/compatibility" xmlns:p14="http://schemas.microsoft.com/office/powerpoint/2010/main" xmlns:p15="http://schemas.microsoft.com/office/powerpoint/2012/main" xmlns:ahyp="http://schemas.microsoft.com/office/drawing/2018/hyperlinkcolor" matchingName="Main point">
+<p:sldLayout xmlns:a="http://schemas.openxmlformats.org/drawingml/2006/main" xmlns:r="http://schemas.openxmlformats.org/officeDocument/2006/relationships" xmlns:p="http://schemas.openxmlformats.org/presentationml/2006/main" matchingName="Main point">
   <p:cSld name="MAIN_POINT">
     <p:spTree>
       <p:nvGrpSpPr>
-        <p:cNvPr id="32" name="Shape 32"/>
+        <p:cNvPr id="1" name="Shape 32"/>
         <p:cNvGrpSpPr/>
         <p:nvPr/>
       </p:nvGrpSpPr>
@@ -5459,7 +5533,9 @@
       <p:sp>
         <p:nvSpPr>
           <p:cNvPr id="33" name="Google Shape;33;g34c024e3535_0_27"/>
-          <p:cNvSpPr txBox="1"/>
+          <p:cNvSpPr txBox="1">
+            <a:spLocks noGrp="1"/>
+          </p:cNvSpPr>
           <p:nvPr>
             <p:ph type="title"/>
           </p:nvPr>
@@ -5474,7 +5550,7 @@
           </a:prstGeom>
         </p:spPr>
         <p:txBody>
-          <a:bodyPr anchorCtr="0" anchor="ctr" bIns="91425" lIns="91425" spcFirstLastPara="1" rIns="91425" wrap="square" tIns="91425">
+          <a:bodyPr spcFirstLastPara="1" wrap="square" lIns="91425" tIns="91425" rIns="91425" bIns="91425" anchor="ctr" anchorCtr="0">
             <a:normAutofit/>
           </a:bodyPr>
           <a:lstStyle>
@@ -5578,15 +5654,19 @@
               <a:defRPr sz="4800"/>
             </a:lvl9pPr>
           </a:lstStyle>
-          <a:p/>
+          <a:p>
+            <a:endParaRPr/>
+          </a:p>
         </p:txBody>
       </p:sp>
       <p:sp>
         <p:nvSpPr>
           <p:cNvPr id="34" name="Google Shape;34;g34c024e3535_0_27"/>
-          <p:cNvSpPr txBox="1"/>
+          <p:cNvSpPr txBox="1">
+            <a:spLocks noGrp="1"/>
+          </p:cNvSpPr>
           <p:nvPr>
-            <p:ph idx="12" type="sldNum"/>
+            <p:ph type="sldNum" idx="12"/>
           </p:nvPr>
         </p:nvSpPr>
         <p:spPr>
@@ -5599,7 +5679,7 @@
           </a:prstGeom>
         </p:spPr>
         <p:txBody>
-          <a:bodyPr anchorCtr="0" anchor="ctr" bIns="91425" lIns="91425" spcFirstLastPara="1" rIns="91425" wrap="square" tIns="91425">
+          <a:bodyPr spcFirstLastPara="1" wrap="square" lIns="91425" tIns="91425" rIns="91425" bIns="91425" anchor="ctr" anchorCtr="0">
             <a:normAutofit/>
           </a:bodyPr>
           <a:lstStyle>
@@ -5641,7 +5721,7 @@
             </a:lvl9pPr>
           </a:lstStyle>
           <a:p>
-            <a:pPr indent="0" lvl="0" marL="0" rtl="0" algn="r">
+            <a:pPr marL="0" lvl="0" indent="0" algn="r" rtl="0">
               <a:spcBef>
                 <a:spcPts val="0"/>
               </a:spcBef>
@@ -5667,11 +5747,11 @@
 </file>
 
 <file path=ppt/slideLayouts/slideLayout8.xml><?xml version="1.0" encoding="utf-8"?>
-<p:sldLayout xmlns:a="http://schemas.openxmlformats.org/drawingml/2006/main" xmlns:r="http://schemas.openxmlformats.org/officeDocument/2006/relationships" xmlns:mc="http://schemas.openxmlformats.org/markup-compatibility/2006" xmlns:mv="urn:schemas-microsoft-com:mac:vml" xmlns:p="http://schemas.openxmlformats.org/presentationml/2006/main" xmlns:c="http://schemas.openxmlformats.org/drawingml/2006/chart" xmlns:dgm="http://schemas.openxmlformats.org/drawingml/2006/diagram" xmlns:o="urn:schemas-microsoft-com:office:office" xmlns:v="urn:schemas-microsoft-com:vml" xmlns:pvml="urn:schemas-microsoft-com:office:powerpoint" xmlns:com="http://schemas.openxmlformats.org/drawingml/2006/compatibility" xmlns:p14="http://schemas.microsoft.com/office/powerpoint/2010/main" xmlns:p15="http://schemas.microsoft.com/office/powerpoint/2012/main" xmlns:ahyp="http://schemas.microsoft.com/office/drawing/2018/hyperlinkcolor" matchingName="Section title and description">
+<p:sldLayout xmlns:a="http://schemas.openxmlformats.org/drawingml/2006/main" xmlns:r="http://schemas.openxmlformats.org/officeDocument/2006/relationships" xmlns:p="http://schemas.openxmlformats.org/presentationml/2006/main" matchingName="Section title and description">
   <p:cSld name="SECTION_TITLE_AND_DESCRIPTION">
     <p:spTree>
       <p:nvGrpSpPr>
-        <p:cNvPr id="35" name="Shape 35"/>
+        <p:cNvPr id="1" name="Shape 35"/>
         <p:cNvGrpSpPr/>
         <p:nvPr/>
       </p:nvGrpSpPr>
@@ -5705,12 +5785,12 @@
           </a:ln>
         </p:spPr>
         <p:txBody>
-          <a:bodyPr anchorCtr="0" anchor="ctr" bIns="91425" lIns="91425" spcFirstLastPara="1" rIns="91425" wrap="square" tIns="91425">
+          <a:bodyPr spcFirstLastPara="1" wrap="square" lIns="91425" tIns="91425" rIns="91425" bIns="91425" anchor="ctr" anchorCtr="0">
             <a:noAutofit/>
           </a:bodyPr>
           <a:lstStyle/>
           <a:p>
-            <a:pPr indent="0" lvl="0" marL="0" rtl="0" algn="l">
+            <a:pPr marL="0" lvl="0" indent="0" algn="l" rtl="0">
               <a:spcBef>
                 <a:spcPts val="0"/>
               </a:spcBef>
@@ -5719,9 +5799,6 @@
               </a:spcAft>
               <a:buNone/>
             </a:pPr>
-            <a:r>
-              <a:t/>
-            </a:r>
             <a:endParaRPr/>
           </a:p>
         </p:txBody>
@@ -5729,7 +5806,9 @@
       <p:sp>
         <p:nvSpPr>
           <p:cNvPr id="37" name="Google Shape;37;g34c024e3535_0_30"/>
-          <p:cNvSpPr txBox="1"/>
+          <p:cNvSpPr txBox="1">
+            <a:spLocks noGrp="1"/>
+          </p:cNvSpPr>
           <p:nvPr>
             <p:ph type="title"/>
           </p:nvPr>
@@ -5744,7 +5823,7 @@
           </a:prstGeom>
         </p:spPr>
         <p:txBody>
-          <a:bodyPr anchorCtr="0" anchor="b" bIns="91425" lIns="91425" spcFirstLastPara="1" rIns="91425" wrap="square" tIns="91425">
+          <a:bodyPr spcFirstLastPara="1" wrap="square" lIns="91425" tIns="91425" rIns="91425" bIns="91425" anchor="b" anchorCtr="0">
             <a:normAutofit/>
           </a:bodyPr>
           <a:lstStyle>
@@ -5848,15 +5927,19 @@
               <a:defRPr sz="4200"/>
             </a:lvl9pPr>
           </a:lstStyle>
-          <a:p/>
+          <a:p>
+            <a:endParaRPr/>
+          </a:p>
         </p:txBody>
       </p:sp>
       <p:sp>
         <p:nvSpPr>
           <p:cNvPr id="38" name="Google Shape;38;g34c024e3535_0_30"/>
-          <p:cNvSpPr txBox="1"/>
+          <p:cNvSpPr txBox="1">
+            <a:spLocks noGrp="1"/>
+          </p:cNvSpPr>
           <p:nvPr>
-            <p:ph idx="1" type="subTitle"/>
+            <p:ph type="subTitle" idx="1"/>
           </p:nvPr>
         </p:nvSpPr>
         <p:spPr>
@@ -5869,7 +5952,7 @@
           </a:prstGeom>
         </p:spPr>
         <p:txBody>
-          <a:bodyPr anchorCtr="0" anchor="t" bIns="91425" lIns="91425" spcFirstLastPara="1" rIns="91425" wrap="square" tIns="91425">
+          <a:bodyPr spcFirstLastPara="1" wrap="square" lIns="91425" tIns="91425" rIns="91425" bIns="91425" anchor="t" anchorCtr="0">
             <a:normAutofit/>
           </a:bodyPr>
           <a:lstStyle>
@@ -6000,15 +6083,19 @@
               <a:defRPr sz="2100"/>
             </a:lvl9pPr>
           </a:lstStyle>
-          <a:p/>
+          <a:p>
+            <a:endParaRPr/>
+          </a:p>
         </p:txBody>
       </p:sp>
       <p:sp>
         <p:nvSpPr>
           <p:cNvPr id="39" name="Google Shape;39;g34c024e3535_0_30"/>
-          <p:cNvSpPr txBox="1"/>
+          <p:cNvSpPr txBox="1">
+            <a:spLocks noGrp="1"/>
+          </p:cNvSpPr>
           <p:nvPr>
-            <p:ph idx="2" type="body"/>
+            <p:ph type="body" idx="2"/>
           </p:nvPr>
         </p:nvSpPr>
         <p:spPr>
@@ -6021,11 +6108,11 @@
           </a:prstGeom>
         </p:spPr>
         <p:txBody>
-          <a:bodyPr anchorCtr="0" anchor="ctr" bIns="91425" lIns="91425" spcFirstLastPara="1" rIns="91425" wrap="square" tIns="91425">
+          <a:bodyPr spcFirstLastPara="1" wrap="square" lIns="91425" tIns="91425" rIns="91425" bIns="91425" anchor="ctr" anchorCtr="0">
             <a:normAutofit/>
           </a:bodyPr>
           <a:lstStyle>
-            <a:lvl1pPr indent="-342900" lvl="0" marL="457200">
+            <a:lvl1pPr marL="457200" lvl="0" indent="-342900">
               <a:spcBef>
                 <a:spcPts val="0"/>
               </a:spcBef>
@@ -6043,7 +6130,7 @@
                 </a:solidFill>
               </a:defRPr>
             </a:lvl1pPr>
-            <a:lvl2pPr indent="-317500" lvl="1" marL="914400">
+            <a:lvl2pPr marL="914400" lvl="1" indent="-317500">
               <a:spcBef>
                 <a:spcPts val="0"/>
               </a:spcBef>
@@ -6061,7 +6148,7 @@
                 </a:solidFill>
               </a:defRPr>
             </a:lvl2pPr>
-            <a:lvl3pPr indent="-317500" lvl="2" marL="1371600">
+            <a:lvl3pPr marL="1371600" lvl="2" indent="-317500">
               <a:spcBef>
                 <a:spcPts val="0"/>
               </a:spcBef>
@@ -6079,7 +6166,7 @@
                 </a:solidFill>
               </a:defRPr>
             </a:lvl3pPr>
-            <a:lvl4pPr indent="-317500" lvl="3" marL="1828800">
+            <a:lvl4pPr marL="1828800" lvl="3" indent="-317500">
               <a:spcBef>
                 <a:spcPts val="0"/>
               </a:spcBef>
@@ -6097,7 +6184,7 @@
                 </a:solidFill>
               </a:defRPr>
             </a:lvl4pPr>
-            <a:lvl5pPr indent="-317500" lvl="4" marL="2286000">
+            <a:lvl5pPr marL="2286000" lvl="4" indent="-317500">
               <a:spcBef>
                 <a:spcPts val="0"/>
               </a:spcBef>
@@ -6115,7 +6202,7 @@
                 </a:solidFill>
               </a:defRPr>
             </a:lvl5pPr>
-            <a:lvl6pPr indent="-317500" lvl="5" marL="2743200">
+            <a:lvl6pPr marL="2743200" lvl="5" indent="-317500">
               <a:spcBef>
                 <a:spcPts val="0"/>
               </a:spcBef>
@@ -6133,7 +6220,7 @@
                 </a:solidFill>
               </a:defRPr>
             </a:lvl6pPr>
-            <a:lvl7pPr indent="-317500" lvl="6" marL="3200400">
+            <a:lvl7pPr marL="3200400" lvl="6" indent="-317500">
               <a:spcBef>
                 <a:spcPts val="0"/>
               </a:spcBef>
@@ -6151,7 +6238,7 @@
                 </a:solidFill>
               </a:defRPr>
             </a:lvl7pPr>
-            <a:lvl8pPr indent="-317500" lvl="7" marL="3657600">
+            <a:lvl8pPr marL="3657600" lvl="7" indent="-317500">
               <a:spcBef>
                 <a:spcPts val="0"/>
               </a:spcBef>
@@ -6169,7 +6256,7 @@
                 </a:solidFill>
               </a:defRPr>
             </a:lvl8pPr>
-            <a:lvl9pPr indent="-317500" lvl="8" marL="4114800">
+            <a:lvl9pPr marL="4114800" lvl="8" indent="-317500">
               <a:spcBef>
                 <a:spcPts val="0"/>
               </a:spcBef>
@@ -6188,15 +6275,19 @@
               </a:defRPr>
             </a:lvl9pPr>
           </a:lstStyle>
-          <a:p/>
+          <a:p>
+            <a:endParaRPr/>
+          </a:p>
         </p:txBody>
       </p:sp>
       <p:sp>
         <p:nvSpPr>
           <p:cNvPr id="40" name="Google Shape;40;g34c024e3535_0_30"/>
-          <p:cNvSpPr txBox="1"/>
+          <p:cNvSpPr txBox="1">
+            <a:spLocks noGrp="1"/>
+          </p:cNvSpPr>
           <p:nvPr>
-            <p:ph idx="12" type="sldNum"/>
+            <p:ph type="sldNum" idx="12"/>
           </p:nvPr>
         </p:nvSpPr>
         <p:spPr>
@@ -6209,7 +6300,7 @@
           </a:prstGeom>
         </p:spPr>
         <p:txBody>
-          <a:bodyPr anchorCtr="0" anchor="ctr" bIns="91425" lIns="91425" spcFirstLastPara="1" rIns="91425" wrap="square" tIns="91425">
+          <a:bodyPr spcFirstLastPara="1" wrap="square" lIns="91425" tIns="91425" rIns="91425" bIns="91425" anchor="ctr" anchorCtr="0">
             <a:normAutofit/>
           </a:bodyPr>
           <a:lstStyle>
@@ -6251,7 +6342,7 @@
             </a:lvl9pPr>
           </a:lstStyle>
           <a:p>
-            <a:pPr indent="0" lvl="0" marL="0" rtl="0" algn="r">
+            <a:pPr marL="0" lvl="0" indent="0" algn="r" rtl="0">
               <a:spcBef>
                 <a:spcPts val="0"/>
               </a:spcBef>
@@ -6277,11 +6368,11 @@
 </file>
 
 <file path=ppt/slideLayouts/slideLayout9.xml><?xml version="1.0" encoding="utf-8"?>
-<p:sldLayout xmlns:a="http://schemas.openxmlformats.org/drawingml/2006/main" xmlns:r="http://schemas.openxmlformats.org/officeDocument/2006/relationships" xmlns:mc="http://schemas.openxmlformats.org/markup-compatibility/2006" xmlns:mv="urn:schemas-microsoft-com:mac:vml" xmlns:p="http://schemas.openxmlformats.org/presentationml/2006/main" xmlns:c="http://schemas.openxmlformats.org/drawingml/2006/chart" xmlns:dgm="http://schemas.openxmlformats.org/drawingml/2006/diagram" xmlns:o="urn:schemas-microsoft-com:office:office" xmlns:v="urn:schemas-microsoft-com:vml" xmlns:pvml="urn:schemas-microsoft-com:office:powerpoint" xmlns:com="http://schemas.openxmlformats.org/drawingml/2006/compatibility" xmlns:p14="http://schemas.microsoft.com/office/powerpoint/2010/main" xmlns:p15="http://schemas.microsoft.com/office/powerpoint/2012/main" xmlns:ahyp="http://schemas.microsoft.com/office/drawing/2018/hyperlinkcolor" matchingName="Caption">
+<p:sldLayout xmlns:a="http://schemas.openxmlformats.org/drawingml/2006/main" xmlns:r="http://schemas.openxmlformats.org/officeDocument/2006/relationships" xmlns:p="http://schemas.openxmlformats.org/presentationml/2006/main" matchingName="Caption">
   <p:cSld name="CAPTION_ONLY">
     <p:spTree>
       <p:nvGrpSpPr>
-        <p:cNvPr id="41" name="Shape 41"/>
+        <p:cNvPr id="1" name="Shape 41"/>
         <p:cNvGrpSpPr/>
         <p:nvPr/>
       </p:nvGrpSpPr>
@@ -6296,9 +6387,11 @@
       <p:sp>
         <p:nvSpPr>
           <p:cNvPr id="42" name="Google Shape;42;g34c024e3535_0_36"/>
-          <p:cNvSpPr txBox="1"/>
+          <p:cNvSpPr txBox="1">
+            <a:spLocks noGrp="1"/>
+          </p:cNvSpPr>
           <p:nvPr>
-            <p:ph idx="1" type="body"/>
+            <p:ph type="body" idx="1"/>
           </p:nvPr>
         </p:nvSpPr>
         <p:spPr>
@@ -6311,11 +6404,11 @@
           </a:prstGeom>
         </p:spPr>
         <p:txBody>
-          <a:bodyPr anchorCtr="0" anchor="ctr" bIns="91425" lIns="91425" spcFirstLastPara="1" rIns="91425" wrap="square" tIns="91425">
+          <a:bodyPr spcFirstLastPara="1" wrap="square" lIns="91425" tIns="91425" rIns="91425" bIns="91425" anchor="ctr" anchorCtr="0">
             <a:normAutofit/>
           </a:bodyPr>
           <a:lstStyle>
-            <a:lvl1pPr indent="-228600" lvl="0" marL="457200">
+            <a:lvl1pPr marL="457200" lvl="0" indent="-228600">
               <a:lnSpc>
                 <a:spcPct val="100000"/>
               </a:lnSpc>
@@ -6330,15 +6423,19 @@
               <a:defRPr/>
             </a:lvl1pPr>
           </a:lstStyle>
-          <a:p/>
+          <a:p>
+            <a:endParaRPr/>
+          </a:p>
         </p:txBody>
       </p:sp>
       <p:sp>
         <p:nvSpPr>
           <p:cNvPr id="43" name="Google Shape;43;g34c024e3535_0_36"/>
-          <p:cNvSpPr txBox="1"/>
+          <p:cNvSpPr txBox="1">
+            <a:spLocks noGrp="1"/>
+          </p:cNvSpPr>
           <p:nvPr>
-            <p:ph idx="12" type="sldNum"/>
+            <p:ph type="sldNum" idx="12"/>
           </p:nvPr>
         </p:nvSpPr>
         <p:spPr>
@@ -6351,7 +6448,7 @@
           </a:prstGeom>
         </p:spPr>
         <p:txBody>
-          <a:bodyPr anchorCtr="0" anchor="ctr" bIns="91425" lIns="91425" spcFirstLastPara="1" rIns="91425" wrap="square" tIns="91425">
+          <a:bodyPr spcFirstLastPara="1" wrap="square" lIns="91425" tIns="91425" rIns="91425" bIns="91425" anchor="ctr" anchorCtr="0">
             <a:normAutofit/>
           </a:bodyPr>
           <a:lstStyle>
@@ -6393,7 +6490,7 @@
             </a:lvl9pPr>
           </a:lstStyle>
           <a:p>
-            <a:pPr indent="0" lvl="0" marL="0" rtl="0" algn="r">
+            <a:pPr marL="0" lvl="0" indent="0" algn="r" rtl="0">
               <a:spcBef>
                 <a:spcPts val="0"/>
               </a:spcBef>
@@ -6419,18 +6516,19 @@
 </file>
 
 <file path=ppt/slideMasters/slideMaster1.xml><?xml version="1.0" encoding="utf-8"?>
-<p:sldMaster xmlns:a="http://schemas.openxmlformats.org/drawingml/2006/main" xmlns:r="http://schemas.openxmlformats.org/officeDocument/2006/relationships" xmlns:mc="http://schemas.openxmlformats.org/markup-compatibility/2006" xmlns:mv="urn:schemas-microsoft-com:mac:vml" xmlns:p="http://schemas.openxmlformats.org/presentationml/2006/main" xmlns:c="http://schemas.openxmlformats.org/drawingml/2006/chart" xmlns:dgm="http://schemas.openxmlformats.org/drawingml/2006/diagram" xmlns:o="urn:schemas-microsoft-com:office:office" xmlns:v="urn:schemas-microsoft-com:vml" xmlns:pvml="urn:schemas-microsoft-com:office:powerpoint" xmlns:com="http://schemas.openxmlformats.org/drawingml/2006/compatibility" xmlns:p14="http://schemas.microsoft.com/office/powerpoint/2010/main" xmlns:p15="http://schemas.microsoft.com/office/powerpoint/2012/main" xmlns:ahyp="http://schemas.microsoft.com/office/drawing/2018/hyperlinkcolor">
+<p:sldMaster xmlns:a="http://schemas.openxmlformats.org/drawingml/2006/main" xmlns:r="http://schemas.openxmlformats.org/officeDocument/2006/relationships" xmlns:p="http://schemas.openxmlformats.org/presentationml/2006/main">
   <p:cSld name="simple-dark-2">
     <p:bg>
       <p:bgPr>
         <a:solidFill>
           <a:schemeClr val="lt1"/>
         </a:solidFill>
+        <a:effectLst/>
       </p:bgPr>
     </p:bg>
     <p:spTree>
       <p:nvGrpSpPr>
-        <p:cNvPr id="5" name="Shape 5"/>
+        <p:cNvPr id="1" name="Shape 5"/>
         <p:cNvGrpSpPr/>
         <p:nvPr/>
       </p:nvGrpSpPr>
@@ -6445,7 +6543,9 @@
       <p:sp>
         <p:nvSpPr>
           <p:cNvPr id="6" name="Google Shape;6;g34c024e3535_0_0"/>
-          <p:cNvSpPr txBox="1"/>
+          <p:cNvSpPr txBox="1">
+            <a:spLocks noGrp="1"/>
+          </p:cNvSpPr>
           <p:nvPr>
             <p:ph type="title"/>
           </p:nvPr>
@@ -6464,7 +6564,7 @@
           </a:ln>
         </p:spPr>
         <p:txBody>
-          <a:bodyPr anchorCtr="0" anchor="t" bIns="91425" lIns="91425" spcFirstLastPara="1" rIns="91425" wrap="square" tIns="91425">
+          <a:bodyPr spcFirstLastPara="1" wrap="square" lIns="91425" tIns="91425" rIns="91425" bIns="91425" anchor="t" anchorCtr="0">
             <a:normAutofit/>
           </a:bodyPr>
           <a:lstStyle>
@@ -6631,15 +6731,19 @@
               </a:defRPr>
             </a:lvl9pPr>
           </a:lstStyle>
-          <a:p/>
+          <a:p>
+            <a:endParaRPr/>
+          </a:p>
         </p:txBody>
       </p:sp>
       <p:sp>
         <p:nvSpPr>
           <p:cNvPr id="7" name="Google Shape;7;g34c024e3535_0_0"/>
-          <p:cNvSpPr txBox="1"/>
+          <p:cNvSpPr txBox="1">
+            <a:spLocks noGrp="1"/>
+          </p:cNvSpPr>
           <p:nvPr>
-            <p:ph idx="1" type="body"/>
+            <p:ph type="body" idx="1"/>
           </p:nvPr>
         </p:nvSpPr>
         <p:spPr>
@@ -6656,11 +6760,11 @@
           </a:ln>
         </p:spPr>
         <p:txBody>
-          <a:bodyPr anchorCtr="0" anchor="t" bIns="91425" lIns="91425" spcFirstLastPara="1" rIns="91425" wrap="square" tIns="91425">
+          <a:bodyPr spcFirstLastPara="1" wrap="square" lIns="91425" tIns="91425" rIns="91425" bIns="91425" anchor="t" anchorCtr="0">
             <a:normAutofit/>
           </a:bodyPr>
           <a:lstStyle>
-            <a:lvl1pPr indent="-342900" lvl="0" marL="457200">
+            <a:lvl1pPr marL="457200" lvl="0" indent="-342900">
               <a:lnSpc>
                 <a:spcPct val="115000"/>
               </a:lnSpc>
@@ -6681,7 +6785,7 @@
                 </a:solidFill>
               </a:defRPr>
             </a:lvl1pPr>
-            <a:lvl2pPr indent="-317500" lvl="1" marL="914400">
+            <a:lvl2pPr marL="914400" lvl="1" indent="-317500">
               <a:lnSpc>
                 <a:spcPct val="115000"/>
               </a:lnSpc>
@@ -6702,7 +6806,7 @@
                 </a:solidFill>
               </a:defRPr>
             </a:lvl2pPr>
-            <a:lvl3pPr indent="-317500" lvl="2" marL="1371600">
+            <a:lvl3pPr marL="1371600" lvl="2" indent="-317500">
               <a:lnSpc>
                 <a:spcPct val="115000"/>
               </a:lnSpc>
@@ -6723,7 +6827,7 @@
                 </a:solidFill>
               </a:defRPr>
             </a:lvl3pPr>
-            <a:lvl4pPr indent="-317500" lvl="3" marL="1828800">
+            <a:lvl4pPr marL="1828800" lvl="3" indent="-317500">
               <a:lnSpc>
                 <a:spcPct val="115000"/>
               </a:lnSpc>
@@ -6744,7 +6848,7 @@
                 </a:solidFill>
               </a:defRPr>
             </a:lvl4pPr>
-            <a:lvl5pPr indent="-317500" lvl="4" marL="2286000">
+            <a:lvl5pPr marL="2286000" lvl="4" indent="-317500">
               <a:lnSpc>
                 <a:spcPct val="115000"/>
               </a:lnSpc>
@@ -6765,7 +6869,7 @@
                 </a:solidFill>
               </a:defRPr>
             </a:lvl5pPr>
-            <a:lvl6pPr indent="-317500" lvl="5" marL="2743200">
+            <a:lvl6pPr marL="2743200" lvl="5" indent="-317500">
               <a:lnSpc>
                 <a:spcPct val="115000"/>
               </a:lnSpc>
@@ -6786,7 +6890,7 @@
                 </a:solidFill>
               </a:defRPr>
             </a:lvl6pPr>
-            <a:lvl7pPr indent="-317500" lvl="6" marL="3200400">
+            <a:lvl7pPr marL="3200400" lvl="6" indent="-317500">
               <a:lnSpc>
                 <a:spcPct val="115000"/>
               </a:lnSpc>
@@ -6807,7 +6911,7 @@
                 </a:solidFill>
               </a:defRPr>
             </a:lvl7pPr>
-            <a:lvl8pPr indent="-317500" lvl="7" marL="3657600">
+            <a:lvl8pPr marL="3657600" lvl="7" indent="-317500">
               <a:lnSpc>
                 <a:spcPct val="115000"/>
               </a:lnSpc>
@@ -6828,7 +6932,7 @@
                 </a:solidFill>
               </a:defRPr>
             </a:lvl8pPr>
-            <a:lvl9pPr indent="-317500" lvl="8" marL="4114800">
+            <a:lvl9pPr marL="4114800" lvl="8" indent="-317500">
               <a:lnSpc>
                 <a:spcPct val="115000"/>
               </a:lnSpc>
@@ -6850,15 +6954,19 @@
               </a:defRPr>
             </a:lvl9pPr>
           </a:lstStyle>
-          <a:p/>
+          <a:p>
+            <a:endParaRPr/>
+          </a:p>
         </p:txBody>
       </p:sp>
       <p:sp>
         <p:nvSpPr>
           <p:cNvPr id="8" name="Google Shape;8;g34c024e3535_0_0"/>
-          <p:cNvSpPr txBox="1"/>
+          <p:cNvSpPr txBox="1">
+            <a:spLocks noGrp="1"/>
+          </p:cNvSpPr>
           <p:nvPr>
-            <p:ph idx="12" type="sldNum"/>
+            <p:ph type="sldNum" idx="12"/>
           </p:nvPr>
         </p:nvSpPr>
         <p:spPr>
@@ -6875,7 +6983,7 @@
           </a:ln>
         </p:spPr>
         <p:txBody>
-          <a:bodyPr anchorCtr="0" anchor="ctr" bIns="91425" lIns="91425" spcFirstLastPara="1" rIns="91425" wrap="square" tIns="91425">
+          <a:bodyPr spcFirstLastPara="1" wrap="square" lIns="91425" tIns="91425" rIns="91425" bIns="91425" anchor="ctr" anchorCtr="0">
             <a:normAutofit/>
           </a:bodyPr>
           <a:lstStyle>
@@ -6953,7 +7061,7 @@
             </a:lvl9pPr>
           </a:lstStyle>
           <a:p>
-            <a:pPr indent="0" lvl="0" marL="0" rtl="0" algn="r">
+            <a:pPr marL="0" lvl="0" indent="0" algn="r" rtl="0">
               <a:spcBef>
                 <a:spcPts val="0"/>
               </a:spcBef>
@@ -6972,7 +7080,7 @@
       </p:sp>
     </p:spTree>
   </p:cSld>
-  <p:clrMap accent1="accent1" accent2="accent2" accent3="accent3" accent4="accent4" accent5="accent5" accent6="accent6" bg1="lt1" bg2="dk2" tx1="dk1" tx2="lt2" folHlink="folHlink" hlink="hlink"/>
+  <p:clrMap bg1="lt1" tx1="dk1" bg2="dk2" tx2="lt2" accent1="accent1" accent2="accent2" accent3="accent3" accent4="accent4" accent5="accent5" accent6="accent6" hlink="hlink" folHlink="folHlink"/>
   <p:sldLayoutIdLst>
     <p:sldLayoutId id="2147483649" r:id="rId1"/>
     <p:sldLayoutId id="2147483650" r:id="rId2"/>
@@ -6987,10 +7095,10 @@
     <p:sldLayoutId id="2147483659" r:id="rId11"/>
     <p:sldLayoutId id="2147483660" r:id="rId12"/>
   </p:sldLayoutIdLst>
-  <p:hf dt="0" ftr="0" hdr="0" sldNum="0"/>
+  <p:hf sldNum="0" hdr="0" ftr="0" dt="0"/>
   <p:txStyles>
     <p:titleStyle>
-      <a:defPPr lvl="0" marR="0" rtl="0" algn="l">
+      <a:defPPr marR="0" lvl="0" algn="l" rtl="0">
         <a:lnSpc>
           <a:spcPct val="100000"/>
         </a:lnSpc>
@@ -7001,7 +7109,7 @@
           <a:spcPts val="0"/>
         </a:spcAft>
       </a:defPPr>
-      <a:lvl1pPr lvl="0" marR="0" rtl="0" algn="l">
+      <a:lvl1pPr marR="0" lvl="0" algn="l" rtl="0">
         <a:lnSpc>
           <a:spcPct val="100000"/>
         </a:lnSpc>
@@ -7015,7 +7123,7 @@
           <a:srgbClr val="000000"/>
         </a:buClr>
         <a:buFont typeface="Arial"/>
-        <a:defRPr b="0" i="0" sz="1400" u="none" cap="none" strike="noStrike">
+        <a:defRPr sz="1400" b="0" i="0" u="none" strike="noStrike" cap="none">
           <a:solidFill>
             <a:srgbClr val="000000"/>
           </a:solidFill>
@@ -7025,7 +7133,7 @@
           <a:sym typeface="Arial"/>
         </a:defRPr>
       </a:lvl1pPr>
-      <a:lvl2pPr lvl="1" marR="0" rtl="0" algn="l">
+      <a:lvl2pPr marR="0" lvl="1" algn="l" rtl="0">
         <a:lnSpc>
           <a:spcPct val="100000"/>
         </a:lnSpc>
@@ -7039,7 +7147,7 @@
           <a:srgbClr val="000000"/>
         </a:buClr>
         <a:buFont typeface="Arial"/>
-        <a:defRPr b="0" i="0" sz="1400" u="none" cap="none" strike="noStrike">
+        <a:defRPr sz="1400" b="0" i="0" u="none" strike="noStrike" cap="none">
           <a:solidFill>
             <a:srgbClr val="000000"/>
           </a:solidFill>
@@ -7049,7 +7157,7 @@
           <a:sym typeface="Arial"/>
         </a:defRPr>
       </a:lvl2pPr>
-      <a:lvl3pPr lvl="2" marR="0" rtl="0" algn="l">
+      <a:lvl3pPr marR="0" lvl="2" algn="l" rtl="0">
         <a:lnSpc>
           <a:spcPct val="100000"/>
         </a:lnSpc>
@@ -7063,7 +7171,7 @@
           <a:srgbClr val="000000"/>
         </a:buClr>
         <a:buFont typeface="Arial"/>
-        <a:defRPr b="0" i="0" sz="1400" u="none" cap="none" strike="noStrike">
+        <a:defRPr sz="1400" b="0" i="0" u="none" strike="noStrike" cap="none">
           <a:solidFill>
             <a:srgbClr val="000000"/>
           </a:solidFill>
@@ -7073,7 +7181,7 @@
           <a:sym typeface="Arial"/>
         </a:defRPr>
       </a:lvl3pPr>
-      <a:lvl4pPr lvl="3" marR="0" rtl="0" algn="l">
+      <a:lvl4pPr marR="0" lvl="3" algn="l" rtl="0">
         <a:lnSpc>
           <a:spcPct val="100000"/>
         </a:lnSpc>
@@ -7087,7 +7195,7 @@
           <a:srgbClr val="000000"/>
         </a:buClr>
         <a:buFont typeface="Arial"/>
-        <a:defRPr b="0" i="0" sz="1400" u="none" cap="none" strike="noStrike">
+        <a:defRPr sz="1400" b="0" i="0" u="none" strike="noStrike" cap="none">
           <a:solidFill>
             <a:srgbClr val="000000"/>
           </a:solidFill>
@@ -7097,7 +7205,7 @@
           <a:sym typeface="Arial"/>
         </a:defRPr>
       </a:lvl4pPr>
-      <a:lvl5pPr lvl="4" marR="0" rtl="0" algn="l">
+      <a:lvl5pPr marR="0" lvl="4" algn="l" rtl="0">
         <a:lnSpc>
           <a:spcPct val="100000"/>
         </a:lnSpc>
@@ -7111,7 +7219,7 @@
           <a:srgbClr val="000000"/>
         </a:buClr>
         <a:buFont typeface="Arial"/>
-        <a:defRPr b="0" i="0" sz="1400" u="none" cap="none" strike="noStrike">
+        <a:defRPr sz="1400" b="0" i="0" u="none" strike="noStrike" cap="none">
           <a:solidFill>
             <a:srgbClr val="000000"/>
           </a:solidFill>
@@ -7121,7 +7229,7 @@
           <a:sym typeface="Arial"/>
         </a:defRPr>
       </a:lvl5pPr>
-      <a:lvl6pPr lvl="5" marR="0" rtl="0" algn="l">
+      <a:lvl6pPr marR="0" lvl="5" algn="l" rtl="0">
         <a:lnSpc>
           <a:spcPct val="100000"/>
         </a:lnSpc>
@@ -7135,7 +7243,7 @@
           <a:srgbClr val="000000"/>
         </a:buClr>
         <a:buFont typeface="Arial"/>
-        <a:defRPr b="0" i="0" sz="1400" u="none" cap="none" strike="noStrike">
+        <a:defRPr sz="1400" b="0" i="0" u="none" strike="noStrike" cap="none">
           <a:solidFill>
             <a:srgbClr val="000000"/>
           </a:solidFill>
@@ -7145,7 +7253,7 @@
           <a:sym typeface="Arial"/>
         </a:defRPr>
       </a:lvl6pPr>
-      <a:lvl7pPr lvl="6" marR="0" rtl="0" algn="l">
+      <a:lvl7pPr marR="0" lvl="6" algn="l" rtl="0">
         <a:lnSpc>
           <a:spcPct val="100000"/>
         </a:lnSpc>
@@ -7159,7 +7267,7 @@
           <a:srgbClr val="000000"/>
         </a:buClr>
         <a:buFont typeface="Arial"/>
-        <a:defRPr b="0" i="0" sz="1400" u="none" cap="none" strike="noStrike">
+        <a:defRPr sz="1400" b="0" i="0" u="none" strike="noStrike" cap="none">
           <a:solidFill>
             <a:srgbClr val="000000"/>
           </a:solidFill>
@@ -7169,7 +7277,7 @@
           <a:sym typeface="Arial"/>
         </a:defRPr>
       </a:lvl7pPr>
-      <a:lvl8pPr lvl="7" marR="0" rtl="0" algn="l">
+      <a:lvl8pPr marR="0" lvl="7" algn="l" rtl="0">
         <a:lnSpc>
           <a:spcPct val="100000"/>
         </a:lnSpc>
@@ -7183,7 +7291,7 @@
           <a:srgbClr val="000000"/>
         </a:buClr>
         <a:buFont typeface="Arial"/>
-        <a:defRPr b="0" i="0" sz="1400" u="none" cap="none" strike="noStrike">
+        <a:defRPr sz="1400" b="0" i="0" u="none" strike="noStrike" cap="none">
           <a:solidFill>
             <a:srgbClr val="000000"/>
           </a:solidFill>
@@ -7193,7 +7301,7 @@
           <a:sym typeface="Arial"/>
         </a:defRPr>
       </a:lvl8pPr>
-      <a:lvl9pPr lvl="8" marR="0" rtl="0" algn="l">
+      <a:lvl9pPr marR="0" lvl="8" algn="l" rtl="0">
         <a:lnSpc>
           <a:spcPct val="100000"/>
         </a:lnSpc>
@@ -7207,7 +7315,7 @@
           <a:srgbClr val="000000"/>
         </a:buClr>
         <a:buFont typeface="Arial"/>
-        <a:defRPr b="0" i="0" sz="1400" u="none" cap="none" strike="noStrike">
+        <a:defRPr sz="1400" b="0" i="0" u="none" strike="noStrike" cap="none">
           <a:solidFill>
             <a:srgbClr val="000000"/>
           </a:solidFill>
@@ -7219,7 +7327,7 @@
       </a:lvl9pPr>
     </p:titleStyle>
     <p:bodyStyle>
-      <a:defPPr lvl="0" marR="0" rtl="0" algn="l">
+      <a:defPPr marR="0" lvl="0" algn="l" rtl="0">
         <a:lnSpc>
           <a:spcPct val="100000"/>
         </a:lnSpc>
@@ -7230,7 +7338,7 @@
           <a:spcPts val="0"/>
         </a:spcAft>
       </a:defPPr>
-      <a:lvl1pPr lvl="0" marR="0" rtl="0" algn="l">
+      <a:lvl1pPr marR="0" lvl="0" algn="l" rtl="0">
         <a:lnSpc>
           <a:spcPct val="100000"/>
         </a:lnSpc>
@@ -7244,7 +7352,7 @@
           <a:srgbClr val="000000"/>
         </a:buClr>
         <a:buFont typeface="Arial"/>
-        <a:defRPr b="0" i="0" sz="1400" u="none" cap="none" strike="noStrike">
+        <a:defRPr sz="1400" b="0" i="0" u="none" strike="noStrike" cap="none">
           <a:solidFill>
             <a:srgbClr val="000000"/>
           </a:solidFill>
@@ -7254,7 +7362,7 @@
           <a:sym typeface="Arial"/>
         </a:defRPr>
       </a:lvl1pPr>
-      <a:lvl2pPr lvl="1" marR="0" rtl="0" algn="l">
+      <a:lvl2pPr marR="0" lvl="1" algn="l" rtl="0">
         <a:lnSpc>
           <a:spcPct val="100000"/>
         </a:lnSpc>
@@ -7268,7 +7376,7 @@
           <a:srgbClr val="000000"/>
         </a:buClr>
         <a:buFont typeface="Arial"/>
-        <a:defRPr b="0" i="0" sz="1400" u="none" cap="none" strike="noStrike">
+        <a:defRPr sz="1400" b="0" i="0" u="none" strike="noStrike" cap="none">
           <a:solidFill>
             <a:srgbClr val="000000"/>
           </a:solidFill>
@@ -7278,7 +7386,7 @@
           <a:sym typeface="Arial"/>
         </a:defRPr>
       </a:lvl2pPr>
-      <a:lvl3pPr lvl="2" marR="0" rtl="0" algn="l">
+      <a:lvl3pPr marR="0" lvl="2" algn="l" rtl="0">
         <a:lnSpc>
           <a:spcPct val="100000"/>
         </a:lnSpc>
@@ -7292,7 +7400,7 @@
           <a:srgbClr val="000000"/>
         </a:buClr>
         <a:buFont typeface="Arial"/>
-        <a:defRPr b="0" i="0" sz="1400" u="none" cap="none" strike="noStrike">
+        <a:defRPr sz="1400" b="0" i="0" u="none" strike="noStrike" cap="none">
           <a:solidFill>
             <a:srgbClr val="000000"/>
           </a:solidFill>
@@ -7302,7 +7410,7 @@
           <a:sym typeface="Arial"/>
         </a:defRPr>
       </a:lvl3pPr>
-      <a:lvl4pPr lvl="3" marR="0" rtl="0" algn="l">
+      <a:lvl4pPr marR="0" lvl="3" algn="l" rtl="0">
         <a:lnSpc>
           <a:spcPct val="100000"/>
         </a:lnSpc>
@@ -7316,7 +7424,7 @@
           <a:srgbClr val="000000"/>
         </a:buClr>
         <a:buFont typeface="Arial"/>
-        <a:defRPr b="0" i="0" sz="1400" u="none" cap="none" strike="noStrike">
+        <a:defRPr sz="1400" b="0" i="0" u="none" strike="noStrike" cap="none">
           <a:solidFill>
             <a:srgbClr val="000000"/>
           </a:solidFill>
@@ -7326,7 +7434,7 @@
           <a:sym typeface="Arial"/>
         </a:defRPr>
       </a:lvl4pPr>
-      <a:lvl5pPr lvl="4" marR="0" rtl="0" algn="l">
+      <a:lvl5pPr marR="0" lvl="4" algn="l" rtl="0">
         <a:lnSpc>
           <a:spcPct val="100000"/>
         </a:lnSpc>
@@ -7340,7 +7448,7 @@
           <a:srgbClr val="000000"/>
         </a:buClr>
         <a:buFont typeface="Arial"/>
-        <a:defRPr b="0" i="0" sz="1400" u="none" cap="none" strike="noStrike">
+        <a:defRPr sz="1400" b="0" i="0" u="none" strike="noStrike" cap="none">
           <a:solidFill>
             <a:srgbClr val="000000"/>
           </a:solidFill>
@@ -7350,7 +7458,7 @@
           <a:sym typeface="Arial"/>
         </a:defRPr>
       </a:lvl5pPr>
-      <a:lvl6pPr lvl="5" marR="0" rtl="0" algn="l">
+      <a:lvl6pPr marR="0" lvl="5" algn="l" rtl="0">
         <a:lnSpc>
           <a:spcPct val="100000"/>
         </a:lnSpc>
@@ -7364,7 +7472,7 @@
           <a:srgbClr val="000000"/>
         </a:buClr>
         <a:buFont typeface="Arial"/>
-        <a:defRPr b="0" i="0" sz="1400" u="none" cap="none" strike="noStrike">
+        <a:defRPr sz="1400" b="0" i="0" u="none" strike="noStrike" cap="none">
           <a:solidFill>
             <a:srgbClr val="000000"/>
           </a:solidFill>
@@ -7374,7 +7482,7 @@
           <a:sym typeface="Arial"/>
         </a:defRPr>
       </a:lvl6pPr>
-      <a:lvl7pPr lvl="6" marR="0" rtl="0" algn="l">
+      <a:lvl7pPr marR="0" lvl="6" algn="l" rtl="0">
         <a:lnSpc>
           <a:spcPct val="100000"/>
         </a:lnSpc>
@@ -7388,7 +7496,7 @@
           <a:srgbClr val="000000"/>
         </a:buClr>
         <a:buFont typeface="Arial"/>
-        <a:defRPr b="0" i="0" sz="1400" u="none" cap="none" strike="noStrike">
+        <a:defRPr sz="1400" b="0" i="0" u="none" strike="noStrike" cap="none">
           <a:solidFill>
             <a:srgbClr val="000000"/>
           </a:solidFill>
@@ -7398,7 +7506,7 @@
           <a:sym typeface="Arial"/>
         </a:defRPr>
       </a:lvl7pPr>
-      <a:lvl8pPr lvl="7" marR="0" rtl="0" algn="l">
+      <a:lvl8pPr marR="0" lvl="7" algn="l" rtl="0">
         <a:lnSpc>
           <a:spcPct val="100000"/>
         </a:lnSpc>
@@ -7412,7 +7520,7 @@
           <a:srgbClr val="000000"/>
         </a:buClr>
         <a:buFont typeface="Arial"/>
-        <a:defRPr b="0" i="0" sz="1400" u="none" cap="none" strike="noStrike">
+        <a:defRPr sz="1400" b="0" i="0" u="none" strike="noStrike" cap="none">
           <a:solidFill>
             <a:srgbClr val="000000"/>
           </a:solidFill>
@@ -7422,7 +7530,7 @@
           <a:sym typeface="Arial"/>
         </a:defRPr>
       </a:lvl8pPr>
-      <a:lvl9pPr lvl="8" marR="0" rtl="0" algn="l">
+      <a:lvl9pPr marR="0" lvl="8" algn="l" rtl="0">
         <a:lnSpc>
           <a:spcPct val="100000"/>
         </a:lnSpc>
@@ -7436,7 +7544,7 @@
           <a:srgbClr val="000000"/>
         </a:buClr>
         <a:buFont typeface="Arial"/>
-        <a:defRPr b="0" i="0" sz="1400" u="none" cap="none" strike="noStrike">
+        <a:defRPr sz="1400" b="0" i="0" u="none" strike="noStrike" cap="none">
           <a:solidFill>
             <a:srgbClr val="000000"/>
           </a:solidFill>
@@ -7448,7 +7556,7 @@
       </a:lvl9pPr>
     </p:bodyStyle>
     <p:otherStyle>
-      <a:defPPr lvl="0" marR="0" rtl="0" algn="l">
+      <a:defPPr marR="0" lvl="0" algn="l" rtl="0">
         <a:lnSpc>
           <a:spcPct val="100000"/>
         </a:lnSpc>
@@ -7459,7 +7567,7 @@
           <a:spcPts val="0"/>
         </a:spcAft>
       </a:defPPr>
-      <a:lvl1pPr lvl="0" marR="0" rtl="0" algn="l">
+      <a:lvl1pPr marR="0" lvl="0" algn="l" rtl="0">
         <a:lnSpc>
           <a:spcPct val="100000"/>
         </a:lnSpc>
@@ -7473,7 +7581,7 @@
           <a:srgbClr val="000000"/>
         </a:buClr>
         <a:buFont typeface="Arial"/>
-        <a:defRPr b="0" i="0" sz="1400" u="none" cap="none" strike="noStrike">
+        <a:defRPr sz="1400" b="0" i="0" u="none" strike="noStrike" cap="none">
           <a:solidFill>
             <a:srgbClr val="000000"/>
           </a:solidFill>
@@ -7483,7 +7591,7 @@
           <a:sym typeface="Arial"/>
         </a:defRPr>
       </a:lvl1pPr>
-      <a:lvl2pPr lvl="1" marR="0" rtl="0" algn="l">
+      <a:lvl2pPr marR="0" lvl="1" algn="l" rtl="0">
         <a:lnSpc>
           <a:spcPct val="100000"/>
         </a:lnSpc>
@@ -7497,7 +7605,7 @@
           <a:srgbClr val="000000"/>
         </a:buClr>
         <a:buFont typeface="Arial"/>
-        <a:defRPr b="0" i="0" sz="1400" u="none" cap="none" strike="noStrike">
+        <a:defRPr sz="1400" b="0" i="0" u="none" strike="noStrike" cap="none">
           <a:solidFill>
             <a:srgbClr val="000000"/>
           </a:solidFill>
@@ -7507,7 +7615,7 @@
           <a:sym typeface="Arial"/>
         </a:defRPr>
       </a:lvl2pPr>
-      <a:lvl3pPr lvl="2" marR="0" rtl="0" algn="l">
+      <a:lvl3pPr marR="0" lvl="2" algn="l" rtl="0">
         <a:lnSpc>
           <a:spcPct val="100000"/>
         </a:lnSpc>
@@ -7521,7 +7629,7 @@
           <a:srgbClr val="000000"/>
         </a:buClr>
         <a:buFont typeface="Arial"/>
-        <a:defRPr b="0" i="0" sz="1400" u="none" cap="none" strike="noStrike">
+        <a:defRPr sz="1400" b="0" i="0" u="none" strike="noStrike" cap="none">
           <a:solidFill>
             <a:srgbClr val="000000"/>
           </a:solidFill>
@@ -7531,7 +7639,7 @@
           <a:sym typeface="Arial"/>
         </a:defRPr>
       </a:lvl3pPr>
-      <a:lvl4pPr lvl="3" marR="0" rtl="0" algn="l">
+      <a:lvl4pPr marR="0" lvl="3" algn="l" rtl="0">
         <a:lnSpc>
           <a:spcPct val="100000"/>
         </a:lnSpc>
@@ -7545,7 +7653,7 @@
           <a:srgbClr val="000000"/>
         </a:buClr>
         <a:buFont typeface="Arial"/>
-        <a:defRPr b="0" i="0" sz="1400" u="none" cap="none" strike="noStrike">
+        <a:defRPr sz="1400" b="0" i="0" u="none" strike="noStrike" cap="none">
           <a:solidFill>
             <a:srgbClr val="000000"/>
           </a:solidFill>
@@ -7555,7 +7663,7 @@
           <a:sym typeface="Arial"/>
         </a:defRPr>
       </a:lvl4pPr>
-      <a:lvl5pPr lvl="4" marR="0" rtl="0" algn="l">
+      <a:lvl5pPr marR="0" lvl="4" algn="l" rtl="0">
         <a:lnSpc>
           <a:spcPct val="100000"/>
         </a:lnSpc>
@@ -7569,7 +7677,7 @@
           <a:srgbClr val="000000"/>
         </a:buClr>
         <a:buFont typeface="Arial"/>
-        <a:defRPr b="0" i="0" sz="1400" u="none" cap="none" strike="noStrike">
+        <a:defRPr sz="1400" b="0" i="0" u="none" strike="noStrike" cap="none">
           <a:solidFill>
             <a:srgbClr val="000000"/>
           </a:solidFill>
@@ -7579,7 +7687,7 @@
           <a:sym typeface="Arial"/>
         </a:defRPr>
       </a:lvl5pPr>
-      <a:lvl6pPr lvl="5" marR="0" rtl="0" algn="l">
+      <a:lvl6pPr marR="0" lvl="5" algn="l" rtl="0">
         <a:lnSpc>
           <a:spcPct val="100000"/>
         </a:lnSpc>
@@ -7593,7 +7701,7 @@
           <a:srgbClr val="000000"/>
         </a:buClr>
         <a:buFont typeface="Arial"/>
-        <a:defRPr b="0" i="0" sz="1400" u="none" cap="none" strike="noStrike">
+        <a:defRPr sz="1400" b="0" i="0" u="none" strike="noStrike" cap="none">
           <a:solidFill>
             <a:srgbClr val="000000"/>
           </a:solidFill>
@@ -7603,7 +7711,7 @@
           <a:sym typeface="Arial"/>
         </a:defRPr>
       </a:lvl6pPr>
-      <a:lvl7pPr lvl="6" marR="0" rtl="0" algn="l">
+      <a:lvl7pPr marR="0" lvl="6" algn="l" rtl="0">
         <a:lnSpc>
           <a:spcPct val="100000"/>
         </a:lnSpc>
@@ -7617,7 +7725,7 @@
           <a:srgbClr val="000000"/>
         </a:buClr>
         <a:buFont typeface="Arial"/>
-        <a:defRPr b="0" i="0" sz="1400" u="none" cap="none" strike="noStrike">
+        <a:defRPr sz="1400" b="0" i="0" u="none" strike="noStrike" cap="none">
           <a:solidFill>
             <a:srgbClr val="000000"/>
           </a:solidFill>
@@ -7627,7 +7735,7 @@
           <a:sym typeface="Arial"/>
         </a:defRPr>
       </a:lvl7pPr>
-      <a:lvl8pPr lvl="7" marR="0" rtl="0" algn="l">
+      <a:lvl8pPr marR="0" lvl="7" algn="l" rtl="0">
         <a:lnSpc>
           <a:spcPct val="100000"/>
         </a:lnSpc>
@@ -7641,7 +7749,7 @@
           <a:srgbClr val="000000"/>
         </a:buClr>
         <a:buFont typeface="Arial"/>
-        <a:defRPr b="0" i="0" sz="1400" u="none" cap="none" strike="noStrike">
+        <a:defRPr sz="1400" b="0" i="0" u="none" strike="noStrike" cap="none">
           <a:solidFill>
             <a:srgbClr val="000000"/>
           </a:solidFill>
@@ -7651,7 +7759,7 @@
           <a:sym typeface="Arial"/>
         </a:defRPr>
       </a:lvl8pPr>
-      <a:lvl9pPr lvl="8" marR="0" rtl="0" algn="l">
+      <a:lvl9pPr marR="0" lvl="8" algn="l" rtl="0">
         <a:lnSpc>
           <a:spcPct val="100000"/>
         </a:lnSpc>
@@ -7665,7 +7773,7 @@
           <a:srgbClr val="000000"/>
         </a:buClr>
         <a:buFont typeface="Arial"/>
-        <a:defRPr b="0" i="0" sz="1400" u="none" cap="none" strike="noStrike">
+        <a:defRPr sz="1400" b="0" i="0" u="none" strike="noStrike" cap="none">
           <a:solidFill>
             <a:srgbClr val="000000"/>
           </a:solidFill>
@@ -7681,11 +7789,11 @@
 </file>
 
 <file path=ppt/slides/slide1.xml><?xml version="1.0" encoding="utf-8"?>
-<p:sld xmlns:a="http://schemas.openxmlformats.org/drawingml/2006/main" xmlns:r="http://schemas.openxmlformats.org/officeDocument/2006/relationships" xmlns:mc="http://schemas.openxmlformats.org/markup-compatibility/2006" xmlns:mv="urn:schemas-microsoft-com:mac:vml" xmlns:p="http://schemas.openxmlformats.org/presentationml/2006/main" xmlns:c="http://schemas.openxmlformats.org/drawingml/2006/chart" xmlns:dgm="http://schemas.openxmlformats.org/drawingml/2006/diagram" xmlns:o="urn:schemas-microsoft-com:office:office" xmlns:v="urn:schemas-microsoft-com:vml" xmlns:pvml="urn:schemas-microsoft-com:office:powerpoint" xmlns:com="http://schemas.openxmlformats.org/drawingml/2006/compatibility" xmlns:p14="http://schemas.microsoft.com/office/powerpoint/2010/main" xmlns:p15="http://schemas.microsoft.com/office/powerpoint/2012/main" xmlns:ahyp="http://schemas.microsoft.com/office/drawing/2018/hyperlinkcolor">
+<p:sld xmlns:a="http://schemas.openxmlformats.org/drawingml/2006/main" xmlns:r="http://schemas.openxmlformats.org/officeDocument/2006/relationships" xmlns:p="http://schemas.openxmlformats.org/presentationml/2006/main">
   <p:cSld>
     <p:spTree>
       <p:nvGrpSpPr>
-        <p:cNvPr id="59" name="Shape 59"/>
+        <p:cNvPr id="1" name="Shape 59"/>
         <p:cNvGrpSpPr/>
         <p:nvPr/>
       </p:nvGrpSpPr>
@@ -7700,7 +7808,9 @@
       <p:sp>
         <p:nvSpPr>
           <p:cNvPr id="60" name="Google Shape;60;p1"/>
-          <p:cNvSpPr txBox="1"/>
+          <p:cNvSpPr txBox="1">
+            <a:spLocks noGrp="1"/>
+          </p:cNvSpPr>
           <p:nvPr>
             <p:ph type="ctrTitle"/>
           </p:nvPr>
@@ -7719,12 +7829,12 @@
           </a:ln>
         </p:spPr>
         <p:txBody>
-          <a:bodyPr anchorCtr="0" anchor="ctr" bIns="45700" lIns="91425" spcFirstLastPara="1" rIns="91425" wrap="square" tIns="45700">
+          <a:bodyPr spcFirstLastPara="1" wrap="square" lIns="91425" tIns="45700" rIns="91425" bIns="45700" anchor="ctr" anchorCtr="0">
             <a:normAutofit/>
           </a:bodyPr>
           <a:lstStyle/>
           <a:p>
-            <a:pPr indent="0" lvl="0" marL="0" rtl="0" algn="ctr">
+            <a:pPr marL="0" lvl="0" indent="0" algn="ctr" rtl="0">
               <a:spcBef>
                 <a:spcPts val="0"/>
               </a:spcBef>
@@ -7778,9 +7888,11 @@
       <p:sp>
         <p:nvSpPr>
           <p:cNvPr id="61" name="Google Shape;61;p1"/>
-          <p:cNvSpPr txBox="1"/>
+          <p:cNvSpPr txBox="1">
+            <a:spLocks noGrp="1"/>
+          </p:cNvSpPr>
           <p:nvPr>
-            <p:ph idx="1" type="subTitle"/>
+            <p:ph type="subTitle" idx="1"/>
           </p:nvPr>
         </p:nvSpPr>
         <p:spPr>
@@ -7797,12 +7909,12 @@
           </a:ln>
         </p:spPr>
         <p:txBody>
-          <a:bodyPr anchorCtr="0" anchor="t" bIns="45700" lIns="91425" spcFirstLastPara="1" rIns="91425" wrap="square" tIns="45700">
-            <a:normAutofit fontScale="85000"/>
+          <a:bodyPr spcFirstLastPara="1" wrap="square" lIns="91425" tIns="45700" rIns="91425" bIns="45700" anchor="t" anchorCtr="0">
+            <a:normAutofit/>
           </a:bodyPr>
           <a:lstStyle/>
           <a:p>
-            <a:pPr indent="0" lvl="0" marL="0" rtl="0" algn="ctr">
+            <a:pPr marL="0" lvl="0" indent="0" algn="ctr" rtl="0">
               <a:spcBef>
                 <a:spcPts val="0"/>
               </a:spcBef>
@@ -7830,7 +7942,7 @@
             </a:endParaRPr>
           </a:p>
           <a:p>
-            <a:pPr indent="0" lvl="0" marL="0" rtl="0" algn="ctr">
+            <a:pPr marL="0" lvl="0" indent="0" algn="ctr" rtl="0">
               <a:spcBef>
                 <a:spcPts val="640"/>
               </a:spcBef>
@@ -7843,9 +7955,6 @@
               <a:buSzPct val="114285"/>
               <a:buNone/>
             </a:pPr>
-            <a:r>
-              <a:t/>
-            </a:r>
             <a:endParaRPr/>
           </a:p>
         </p:txBody>
@@ -7859,11 +7968,11 @@
 </file>
 
 <file path=ppt/slides/slide10.xml><?xml version="1.0" encoding="utf-8"?>
-<p:sld xmlns:a="http://schemas.openxmlformats.org/drawingml/2006/main" xmlns:r="http://schemas.openxmlformats.org/officeDocument/2006/relationships" xmlns:mc="http://schemas.openxmlformats.org/markup-compatibility/2006" xmlns:mv="urn:schemas-microsoft-com:mac:vml" xmlns:p="http://schemas.openxmlformats.org/presentationml/2006/main" xmlns:c="http://schemas.openxmlformats.org/drawingml/2006/chart" xmlns:dgm="http://schemas.openxmlformats.org/drawingml/2006/diagram" xmlns:o="urn:schemas-microsoft-com:office:office" xmlns:v="urn:schemas-microsoft-com:vml" xmlns:pvml="urn:schemas-microsoft-com:office:powerpoint" xmlns:com="http://schemas.openxmlformats.org/drawingml/2006/compatibility" xmlns:p14="http://schemas.microsoft.com/office/powerpoint/2010/main" xmlns:p15="http://schemas.microsoft.com/office/powerpoint/2012/main" xmlns:ahyp="http://schemas.microsoft.com/office/drawing/2018/hyperlinkcolor">
+<p:sld xmlns:a="http://schemas.openxmlformats.org/drawingml/2006/main" xmlns:r="http://schemas.openxmlformats.org/officeDocument/2006/relationships" xmlns:p="http://schemas.openxmlformats.org/presentationml/2006/main">
   <p:cSld>
     <p:spTree>
       <p:nvGrpSpPr>
-        <p:cNvPr id="113" name="Shape 113"/>
+        <p:cNvPr id="1" name="Shape 113"/>
         <p:cNvGrpSpPr/>
         <p:nvPr/>
       </p:nvGrpSpPr>
@@ -7878,7 +7987,9 @@
       <p:sp>
         <p:nvSpPr>
           <p:cNvPr id="114" name="Google Shape;114;p9"/>
-          <p:cNvSpPr txBox="1"/>
+          <p:cNvSpPr txBox="1">
+            <a:spLocks noGrp="1"/>
+          </p:cNvSpPr>
           <p:nvPr>
             <p:ph type="title"/>
           </p:nvPr>
@@ -7897,12 +8008,12 @@
           </a:ln>
         </p:spPr>
         <p:txBody>
-          <a:bodyPr anchorCtr="0" anchor="ctr" bIns="45700" lIns="91425" spcFirstLastPara="1" rIns="91425" wrap="square" tIns="45700">
+          <a:bodyPr spcFirstLastPara="1" wrap="square" lIns="91425" tIns="45700" rIns="91425" bIns="45700" anchor="ctr" anchorCtr="0">
             <a:normAutofit/>
           </a:bodyPr>
           <a:lstStyle/>
           <a:p>
-            <a:pPr indent="0" lvl="0" marL="0" rtl="0" algn="ctr">
+            <a:pPr marL="0" lvl="0" indent="0" algn="ctr" rtl="0">
               <a:spcBef>
                 <a:spcPts val="0"/>
               </a:spcBef>
@@ -7935,9 +8046,11 @@
       <p:sp>
         <p:nvSpPr>
           <p:cNvPr id="115" name="Google Shape;115;p9"/>
-          <p:cNvSpPr txBox="1"/>
+          <p:cNvSpPr txBox="1">
+            <a:spLocks noGrp="1"/>
+          </p:cNvSpPr>
           <p:nvPr>
-            <p:ph idx="1" type="body"/>
+            <p:ph type="body" idx="1"/>
           </p:nvPr>
         </p:nvSpPr>
         <p:spPr>
@@ -7954,12 +8067,12 @@
           </a:ln>
         </p:spPr>
         <p:txBody>
-          <a:bodyPr anchorCtr="0" anchor="t" bIns="45700" lIns="91425" spcFirstLastPara="1" rIns="91425" wrap="square" tIns="45700">
+          <a:bodyPr spcFirstLastPara="1" wrap="square" lIns="91425" tIns="45700" rIns="91425" bIns="45700" anchor="t" anchorCtr="0">
             <a:normAutofit/>
           </a:bodyPr>
           <a:lstStyle/>
           <a:p>
-            <a:pPr indent="-342900" lvl="0" marL="342900" rtl="0" algn="l">
+            <a:pPr marL="342900" lvl="0" indent="-342900" algn="l" rtl="0">
               <a:spcBef>
                 <a:spcPts val="0"/>
               </a:spcBef>
@@ -7987,7 +8100,7 @@
             <a:endParaRPr/>
           </a:p>
           <a:p>
-            <a:pPr indent="-342900" lvl="0" marL="342900" rtl="0" algn="l">
+            <a:pPr marL="342900" lvl="0" indent="-342900" algn="l" rtl="0">
               <a:spcBef>
                 <a:spcPts val="640"/>
               </a:spcBef>
@@ -8015,7 +8128,7 @@
             <a:endParaRPr/>
           </a:p>
           <a:p>
-            <a:pPr indent="-342900" lvl="0" marL="342900" rtl="0" algn="l">
+            <a:pPr marL="342900" lvl="0" indent="-342900" algn="l" rtl="0">
               <a:spcBef>
                 <a:spcPts val="640"/>
               </a:spcBef>
@@ -8038,19 +8151,7 @@
                 <a:cs typeface="Calibri"/>
                 <a:sym typeface="Calibri"/>
               </a:rPr>
-              <a:t> </a:t>
-            </a:r>
-            <a:r>
-              <a:rPr lang="en-US" sz="3200">
-                <a:solidFill>
-                  <a:schemeClr val="dk1"/>
-                </a:solidFill>
-                <a:latin typeface="Calibri"/>
-                <a:ea typeface="Calibri"/>
-                <a:cs typeface="Calibri"/>
-                <a:sym typeface="Calibri"/>
-              </a:rPr>
-              <a:t>Role alapú jogosultságok</a:t>
+              <a:t> Role alapú jogosultságok</a:t>
             </a:r>
             <a:endParaRPr/>
           </a:p>
@@ -8065,11 +8166,11 @@
 </file>
 
 <file path=ppt/slides/slide11.xml><?xml version="1.0" encoding="utf-8"?>
-<p:sld xmlns:a="http://schemas.openxmlformats.org/drawingml/2006/main" xmlns:r="http://schemas.openxmlformats.org/officeDocument/2006/relationships" xmlns:mc="http://schemas.openxmlformats.org/markup-compatibility/2006" xmlns:mv="urn:schemas-microsoft-com:mac:vml" xmlns:p="http://schemas.openxmlformats.org/presentationml/2006/main" xmlns:c="http://schemas.openxmlformats.org/drawingml/2006/chart" xmlns:dgm="http://schemas.openxmlformats.org/drawingml/2006/diagram" xmlns:o="urn:schemas-microsoft-com:office:office" xmlns:v="urn:schemas-microsoft-com:vml" xmlns:pvml="urn:schemas-microsoft-com:office:powerpoint" xmlns:com="http://schemas.openxmlformats.org/drawingml/2006/compatibility" xmlns:p14="http://schemas.microsoft.com/office/powerpoint/2010/main" xmlns:p15="http://schemas.microsoft.com/office/powerpoint/2012/main" xmlns:ahyp="http://schemas.microsoft.com/office/drawing/2018/hyperlinkcolor">
+<p:sld xmlns:a="http://schemas.openxmlformats.org/drawingml/2006/main" xmlns:r="http://schemas.openxmlformats.org/officeDocument/2006/relationships" xmlns:p="http://schemas.openxmlformats.org/presentationml/2006/main">
   <p:cSld>
     <p:spTree>
       <p:nvGrpSpPr>
-        <p:cNvPr id="119" name="Shape 119"/>
+        <p:cNvPr id="1" name="Shape 119"/>
         <p:cNvGrpSpPr/>
         <p:nvPr/>
       </p:nvGrpSpPr>
@@ -8084,7 +8185,9 @@
       <p:sp>
         <p:nvSpPr>
           <p:cNvPr id="120" name="Google Shape;120;p10"/>
-          <p:cNvSpPr txBox="1"/>
+          <p:cNvSpPr txBox="1">
+            <a:spLocks noGrp="1"/>
+          </p:cNvSpPr>
           <p:nvPr>
             <p:ph type="title"/>
           </p:nvPr>
@@ -8103,12 +8206,12 @@
           </a:ln>
         </p:spPr>
         <p:txBody>
-          <a:bodyPr anchorCtr="0" anchor="ctr" bIns="45700" lIns="91425" spcFirstLastPara="1" rIns="91425" wrap="square" tIns="45700">
+          <a:bodyPr spcFirstLastPara="1" wrap="square" lIns="91425" tIns="45700" rIns="91425" bIns="45700" anchor="ctr" anchorCtr="0">
             <a:normAutofit/>
           </a:bodyPr>
           <a:lstStyle/>
           <a:p>
-            <a:pPr indent="0" lvl="0" marL="0" rtl="0" algn="ctr">
+            <a:pPr marL="0" lvl="0" indent="0" algn="ctr" rtl="0">
               <a:spcBef>
                 <a:spcPts val="0"/>
               </a:spcBef>
@@ -8141,9 +8244,11 @@
       <p:sp>
         <p:nvSpPr>
           <p:cNvPr id="121" name="Google Shape;121;p10"/>
-          <p:cNvSpPr txBox="1"/>
+          <p:cNvSpPr txBox="1">
+            <a:spLocks noGrp="1"/>
+          </p:cNvSpPr>
           <p:nvPr>
-            <p:ph idx="1" type="body"/>
+            <p:ph type="body" idx="1"/>
           </p:nvPr>
         </p:nvSpPr>
         <p:spPr>
@@ -8160,12 +8265,12 @@
           </a:ln>
         </p:spPr>
         <p:txBody>
-          <a:bodyPr anchorCtr="0" anchor="t" bIns="45700" lIns="91425" spcFirstLastPara="1" rIns="91425" wrap="square" tIns="45700">
+          <a:bodyPr spcFirstLastPara="1" wrap="square" lIns="91425" tIns="45700" rIns="91425" bIns="45700" anchor="t" anchorCtr="0">
             <a:normAutofit/>
           </a:bodyPr>
           <a:lstStyle/>
           <a:p>
-            <a:pPr indent="-342900" lvl="0" marL="342900" rtl="0" algn="l">
+            <a:pPr marL="342900" lvl="0" indent="-342900" algn="l" rtl="0">
               <a:spcBef>
                 <a:spcPts val="0"/>
               </a:spcBef>
@@ -8193,7 +8298,7 @@
             <a:endParaRPr/>
           </a:p>
           <a:p>
-            <a:pPr indent="-342900" lvl="0" marL="342900" rtl="0" algn="l">
+            <a:pPr marL="342900" lvl="0" indent="-342900" algn="l" rtl="0">
               <a:spcBef>
                 <a:spcPts val="640"/>
               </a:spcBef>
@@ -8221,7 +8326,7 @@
             <a:endParaRPr/>
           </a:p>
           <a:p>
-            <a:pPr indent="-342900" lvl="0" marL="342900" rtl="0" algn="l">
+            <a:pPr marL="342900" lvl="0" indent="-342900" algn="l" rtl="0">
               <a:spcBef>
                 <a:spcPts val="640"/>
               </a:spcBef>
@@ -8259,11 +8364,11 @@
 </file>
 
 <file path=ppt/slides/slide12.xml><?xml version="1.0" encoding="utf-8"?>
-<p:sld xmlns:a="http://schemas.openxmlformats.org/drawingml/2006/main" xmlns:r="http://schemas.openxmlformats.org/officeDocument/2006/relationships" xmlns:mc="http://schemas.openxmlformats.org/markup-compatibility/2006" xmlns:mv="urn:schemas-microsoft-com:mac:vml" xmlns:p="http://schemas.openxmlformats.org/presentationml/2006/main" xmlns:c="http://schemas.openxmlformats.org/drawingml/2006/chart" xmlns:dgm="http://schemas.openxmlformats.org/drawingml/2006/diagram" xmlns:o="urn:schemas-microsoft-com:office:office" xmlns:v="urn:schemas-microsoft-com:vml" xmlns:pvml="urn:schemas-microsoft-com:office:powerpoint" xmlns:com="http://schemas.openxmlformats.org/drawingml/2006/compatibility" xmlns:p14="http://schemas.microsoft.com/office/powerpoint/2010/main" xmlns:p15="http://schemas.microsoft.com/office/powerpoint/2012/main" xmlns:ahyp="http://schemas.microsoft.com/office/drawing/2018/hyperlinkcolor">
+<p:sld xmlns:a="http://schemas.openxmlformats.org/drawingml/2006/main" xmlns:r="http://schemas.openxmlformats.org/officeDocument/2006/relationships" xmlns:p="http://schemas.openxmlformats.org/presentationml/2006/main">
   <p:cSld>
     <p:spTree>
       <p:nvGrpSpPr>
-        <p:cNvPr id="125" name="Shape 125"/>
+        <p:cNvPr id="1" name="Shape 125"/>
         <p:cNvGrpSpPr/>
         <p:nvPr/>
       </p:nvGrpSpPr>
@@ -8278,7 +8383,9 @@
       <p:sp>
         <p:nvSpPr>
           <p:cNvPr id="126" name="Google Shape;126;p11"/>
-          <p:cNvSpPr txBox="1"/>
+          <p:cNvSpPr txBox="1">
+            <a:spLocks noGrp="1"/>
+          </p:cNvSpPr>
           <p:nvPr>
             <p:ph type="title"/>
           </p:nvPr>
@@ -8297,12 +8404,12 @@
           </a:ln>
         </p:spPr>
         <p:txBody>
-          <a:bodyPr anchorCtr="0" anchor="ctr" bIns="45700" lIns="91425" spcFirstLastPara="1" rIns="91425" wrap="square" tIns="45700">
+          <a:bodyPr spcFirstLastPara="1" wrap="square" lIns="91425" tIns="45700" rIns="91425" bIns="45700" anchor="ctr" anchorCtr="0">
             <a:normAutofit/>
           </a:bodyPr>
           <a:lstStyle/>
           <a:p>
-            <a:pPr indent="0" lvl="0" marL="0" rtl="0" algn="ctr">
+            <a:pPr marL="0" lvl="0" indent="0" algn="ctr" rtl="0">
               <a:spcBef>
                 <a:spcPts val="0"/>
               </a:spcBef>
@@ -8335,9 +8442,11 @@
       <p:sp>
         <p:nvSpPr>
           <p:cNvPr id="127" name="Google Shape;127;p11"/>
-          <p:cNvSpPr txBox="1"/>
+          <p:cNvSpPr txBox="1">
+            <a:spLocks noGrp="1"/>
+          </p:cNvSpPr>
           <p:nvPr>
-            <p:ph idx="1" type="body"/>
+            <p:ph type="body" idx="1"/>
           </p:nvPr>
         </p:nvSpPr>
         <p:spPr>
@@ -8354,12 +8463,12 @@
           </a:ln>
         </p:spPr>
         <p:txBody>
-          <a:bodyPr anchorCtr="0" anchor="t" bIns="45700" lIns="91425" spcFirstLastPara="1" rIns="91425" wrap="square" tIns="45700">
+          <a:bodyPr spcFirstLastPara="1" wrap="square" lIns="91425" tIns="45700" rIns="91425" bIns="45700" anchor="t" anchorCtr="0">
             <a:normAutofit/>
           </a:bodyPr>
           <a:lstStyle/>
           <a:p>
-            <a:pPr indent="-342900" lvl="0" marL="342900" rtl="0" algn="l">
+            <a:pPr marL="342900" lvl="0" indent="-342900" algn="l" rtl="0">
               <a:spcBef>
                 <a:spcPts val="0"/>
               </a:spcBef>
@@ -8387,7 +8496,7 @@
             <a:endParaRPr/>
           </a:p>
           <a:p>
-            <a:pPr indent="-342900" lvl="0" marL="342900" rtl="0" algn="l">
+            <a:pPr marL="342900" lvl="0" indent="-342900" algn="l" rtl="0">
               <a:spcBef>
                 <a:spcPts val="640"/>
               </a:spcBef>
@@ -8415,7 +8524,7 @@
             <a:endParaRPr/>
           </a:p>
           <a:p>
-            <a:pPr indent="-342900" lvl="0" marL="342900" rtl="0" algn="l">
+            <a:pPr marL="342900" lvl="0" indent="-342900" algn="l" rtl="0">
               <a:spcBef>
                 <a:spcPts val="640"/>
               </a:spcBef>
@@ -8453,11 +8562,11 @@
 </file>
 
 <file path=ppt/slides/slide13.xml><?xml version="1.0" encoding="utf-8"?>
-<p:sld xmlns:a="http://schemas.openxmlformats.org/drawingml/2006/main" xmlns:r="http://schemas.openxmlformats.org/officeDocument/2006/relationships" xmlns:mc="http://schemas.openxmlformats.org/markup-compatibility/2006" xmlns:mv="urn:schemas-microsoft-com:mac:vml" xmlns:p="http://schemas.openxmlformats.org/presentationml/2006/main" xmlns:c="http://schemas.openxmlformats.org/drawingml/2006/chart" xmlns:dgm="http://schemas.openxmlformats.org/drawingml/2006/diagram" xmlns:o="urn:schemas-microsoft-com:office:office" xmlns:v="urn:schemas-microsoft-com:vml" xmlns:pvml="urn:schemas-microsoft-com:office:powerpoint" xmlns:com="http://schemas.openxmlformats.org/drawingml/2006/compatibility" xmlns:p14="http://schemas.microsoft.com/office/powerpoint/2010/main" xmlns:p15="http://schemas.microsoft.com/office/powerpoint/2012/main" xmlns:ahyp="http://schemas.microsoft.com/office/drawing/2018/hyperlinkcolor">
+<p:sld xmlns:a="http://schemas.openxmlformats.org/drawingml/2006/main" xmlns:r="http://schemas.openxmlformats.org/officeDocument/2006/relationships" xmlns:p="http://schemas.openxmlformats.org/presentationml/2006/main">
   <p:cSld>
     <p:spTree>
       <p:nvGrpSpPr>
-        <p:cNvPr id="131" name="Shape 131"/>
+        <p:cNvPr id="1" name="Shape 131"/>
         <p:cNvGrpSpPr/>
         <p:nvPr/>
       </p:nvGrpSpPr>
@@ -8472,7 +8581,9 @@
       <p:sp>
         <p:nvSpPr>
           <p:cNvPr id="132" name="Google Shape;132;p12"/>
-          <p:cNvSpPr txBox="1"/>
+          <p:cNvSpPr txBox="1">
+            <a:spLocks noGrp="1"/>
+          </p:cNvSpPr>
           <p:nvPr>
             <p:ph type="title"/>
           </p:nvPr>
@@ -8491,12 +8602,12 @@
           </a:ln>
         </p:spPr>
         <p:txBody>
-          <a:bodyPr anchorCtr="0" anchor="ctr" bIns="45700" lIns="91425" spcFirstLastPara="1" rIns="91425" wrap="square" tIns="45700">
+          <a:bodyPr spcFirstLastPara="1" wrap="square" lIns="91425" tIns="45700" rIns="91425" bIns="45700" anchor="ctr" anchorCtr="0">
             <a:normAutofit/>
           </a:bodyPr>
           <a:lstStyle/>
           <a:p>
-            <a:pPr indent="0" lvl="0" marL="0" rtl="0" algn="ctr">
+            <a:pPr marL="0" lvl="0" indent="0" algn="ctr" rtl="0">
               <a:spcBef>
                 <a:spcPts val="0"/>
               </a:spcBef>
@@ -8529,9 +8640,11 @@
       <p:sp>
         <p:nvSpPr>
           <p:cNvPr id="133" name="Google Shape;133;p12"/>
-          <p:cNvSpPr txBox="1"/>
+          <p:cNvSpPr txBox="1">
+            <a:spLocks noGrp="1"/>
+          </p:cNvSpPr>
           <p:nvPr>
-            <p:ph idx="1" type="body"/>
+            <p:ph type="body" idx="1"/>
           </p:nvPr>
         </p:nvSpPr>
         <p:spPr>
@@ -8548,12 +8661,12 @@
           </a:ln>
         </p:spPr>
         <p:txBody>
-          <a:bodyPr anchorCtr="0" anchor="t" bIns="45700" lIns="91425" spcFirstLastPara="1" rIns="91425" wrap="square" tIns="45700">
+          <a:bodyPr spcFirstLastPara="1" wrap="square" lIns="91425" tIns="45700" rIns="91425" bIns="45700" anchor="t" anchorCtr="0">
             <a:normAutofit/>
           </a:bodyPr>
           <a:lstStyle/>
           <a:p>
-            <a:pPr indent="-342900" lvl="0" marL="342900" rtl="0" algn="l">
+            <a:pPr marL="342900" lvl="0" indent="-342900" algn="l" rtl="0">
               <a:spcBef>
                 <a:spcPts val="0"/>
               </a:spcBef>
@@ -8581,7 +8694,7 @@
             <a:endParaRPr/>
           </a:p>
           <a:p>
-            <a:pPr indent="-342900" lvl="0" marL="342900" rtl="0" algn="l">
+            <a:pPr marL="342900" lvl="0" indent="-342900" algn="l" rtl="0">
               <a:spcBef>
                 <a:spcPts val="640"/>
               </a:spcBef>
@@ -8609,7 +8722,7 @@
             <a:endParaRPr/>
           </a:p>
           <a:p>
-            <a:pPr indent="-342900" lvl="0" marL="342900" rtl="0" algn="l">
+            <a:pPr marL="342900" lvl="0" indent="-342900" algn="l" rtl="0">
               <a:spcBef>
                 <a:spcPts val="640"/>
               </a:spcBef>
@@ -8647,11 +8760,11 @@
 </file>
 
 <file path=ppt/slides/slide14.xml><?xml version="1.0" encoding="utf-8"?>
-<p:sld xmlns:a="http://schemas.openxmlformats.org/drawingml/2006/main" xmlns:r="http://schemas.openxmlformats.org/officeDocument/2006/relationships" xmlns:mc="http://schemas.openxmlformats.org/markup-compatibility/2006" xmlns:mv="urn:schemas-microsoft-com:mac:vml" xmlns:p="http://schemas.openxmlformats.org/presentationml/2006/main" xmlns:c="http://schemas.openxmlformats.org/drawingml/2006/chart" xmlns:dgm="http://schemas.openxmlformats.org/drawingml/2006/diagram" xmlns:o="urn:schemas-microsoft-com:office:office" xmlns:v="urn:schemas-microsoft-com:vml" xmlns:pvml="urn:schemas-microsoft-com:office:powerpoint" xmlns:com="http://schemas.openxmlformats.org/drawingml/2006/compatibility" xmlns:p14="http://schemas.microsoft.com/office/powerpoint/2010/main" xmlns:p15="http://schemas.microsoft.com/office/powerpoint/2012/main" xmlns:ahyp="http://schemas.microsoft.com/office/drawing/2018/hyperlinkcolor">
+<p:sld xmlns:a="http://schemas.openxmlformats.org/drawingml/2006/main" xmlns:r="http://schemas.openxmlformats.org/officeDocument/2006/relationships" xmlns:p="http://schemas.openxmlformats.org/presentationml/2006/main">
   <p:cSld>
     <p:spTree>
       <p:nvGrpSpPr>
-        <p:cNvPr id="137" name="Shape 137"/>
+        <p:cNvPr id="1" name="Shape 137"/>
         <p:cNvGrpSpPr/>
         <p:nvPr/>
       </p:nvGrpSpPr>
@@ -8666,7 +8779,9 @@
       <p:sp>
         <p:nvSpPr>
           <p:cNvPr id="138" name="Google Shape;138;p13"/>
-          <p:cNvSpPr txBox="1"/>
+          <p:cNvSpPr txBox="1">
+            <a:spLocks noGrp="1"/>
+          </p:cNvSpPr>
           <p:nvPr>
             <p:ph type="title"/>
           </p:nvPr>
@@ -8685,12 +8800,12 @@
           </a:ln>
         </p:spPr>
         <p:txBody>
-          <a:bodyPr anchorCtr="0" anchor="ctr" bIns="45700" lIns="91425" spcFirstLastPara="1" rIns="91425" wrap="square" tIns="45700">
+          <a:bodyPr spcFirstLastPara="1" wrap="square" lIns="91425" tIns="45700" rIns="91425" bIns="45700" anchor="ctr" anchorCtr="0">
             <a:normAutofit/>
           </a:bodyPr>
           <a:lstStyle/>
           <a:p>
-            <a:pPr indent="0" lvl="0" marL="0" rtl="0" algn="ctr">
+            <a:pPr marL="0" lvl="0" indent="0" algn="ctr" rtl="0">
               <a:spcBef>
                 <a:spcPts val="0"/>
               </a:spcBef>
@@ -8723,9 +8838,11 @@
       <p:sp>
         <p:nvSpPr>
           <p:cNvPr id="139" name="Google Shape;139;p13"/>
-          <p:cNvSpPr txBox="1"/>
+          <p:cNvSpPr txBox="1">
+            <a:spLocks noGrp="1"/>
+          </p:cNvSpPr>
           <p:nvPr>
-            <p:ph idx="1" type="body"/>
+            <p:ph type="body" idx="1"/>
           </p:nvPr>
         </p:nvSpPr>
         <p:spPr>
@@ -8742,12 +8859,12 @@
           </a:ln>
         </p:spPr>
         <p:txBody>
-          <a:bodyPr anchorCtr="0" anchor="t" bIns="45700" lIns="91425" spcFirstLastPara="1" rIns="91425" wrap="square" tIns="45700">
+          <a:bodyPr spcFirstLastPara="1" wrap="square" lIns="91425" tIns="45700" rIns="91425" bIns="45700" anchor="t" anchorCtr="0">
             <a:normAutofit/>
           </a:bodyPr>
           <a:lstStyle/>
           <a:p>
-            <a:pPr indent="-342900" lvl="0" marL="342900" rtl="0" algn="l">
+            <a:pPr marL="342900" lvl="0" indent="-342900" algn="l" rtl="0">
               <a:spcBef>
                 <a:spcPts val="0"/>
               </a:spcBef>
@@ -8775,7 +8892,7 @@
             <a:endParaRPr/>
           </a:p>
           <a:p>
-            <a:pPr indent="-342900" lvl="0" marL="342900" rtl="0" algn="l">
+            <a:pPr marL="342900" lvl="0" indent="-342900" algn="l" rtl="0">
               <a:spcBef>
                 <a:spcPts val="640"/>
               </a:spcBef>
@@ -8811,7 +8928,7 @@
             </a:endParaRPr>
           </a:p>
           <a:p>
-            <a:pPr indent="0" lvl="0" marL="342900" rtl="0" algn="l">
+            <a:pPr marL="342900" lvl="0" indent="0" algn="l" rtl="0">
               <a:spcBef>
                 <a:spcPts val="1200"/>
               </a:spcBef>
@@ -8820,9 +8937,6 @@
               </a:spcAft>
               <a:buNone/>
             </a:pPr>
-            <a:r>
-              <a:t/>
-            </a:r>
             <a:endParaRPr sz="3200">
               <a:solidFill>
                 <a:schemeClr val="dk1"/>
@@ -8844,11 +8958,11 @@
 </file>
 
 <file path=ppt/slides/slide15.xml><?xml version="1.0" encoding="utf-8"?>
-<p:sld xmlns:a="http://schemas.openxmlformats.org/drawingml/2006/main" xmlns:r="http://schemas.openxmlformats.org/officeDocument/2006/relationships" xmlns:mc="http://schemas.openxmlformats.org/markup-compatibility/2006" xmlns:mv="urn:schemas-microsoft-com:mac:vml" xmlns:p="http://schemas.openxmlformats.org/presentationml/2006/main" xmlns:c="http://schemas.openxmlformats.org/drawingml/2006/chart" xmlns:dgm="http://schemas.openxmlformats.org/drawingml/2006/diagram" xmlns:o="urn:schemas-microsoft-com:office:office" xmlns:v="urn:schemas-microsoft-com:vml" xmlns:pvml="urn:schemas-microsoft-com:office:powerpoint" xmlns:com="http://schemas.openxmlformats.org/drawingml/2006/compatibility" xmlns:p14="http://schemas.microsoft.com/office/powerpoint/2010/main" xmlns:p15="http://schemas.microsoft.com/office/powerpoint/2012/main" xmlns:ahyp="http://schemas.microsoft.com/office/drawing/2018/hyperlinkcolor">
+<p:sld xmlns:a="http://schemas.openxmlformats.org/drawingml/2006/main" xmlns:r="http://schemas.openxmlformats.org/officeDocument/2006/relationships" xmlns:p="http://schemas.openxmlformats.org/presentationml/2006/main">
   <p:cSld>
     <p:spTree>
       <p:nvGrpSpPr>
-        <p:cNvPr id="143" name="Shape 143"/>
+        <p:cNvPr id="1" name="Shape 143"/>
         <p:cNvGrpSpPr/>
         <p:nvPr/>
       </p:nvGrpSpPr>
@@ -8863,7 +8977,9 @@
       <p:sp>
         <p:nvSpPr>
           <p:cNvPr id="144" name="Google Shape;144;p14"/>
-          <p:cNvSpPr txBox="1"/>
+          <p:cNvSpPr txBox="1">
+            <a:spLocks noGrp="1"/>
+          </p:cNvSpPr>
           <p:nvPr>
             <p:ph type="title"/>
           </p:nvPr>
@@ -8882,12 +8998,12 @@
           </a:ln>
         </p:spPr>
         <p:txBody>
-          <a:bodyPr anchorCtr="0" anchor="ctr" bIns="45700" lIns="91425" spcFirstLastPara="1" rIns="91425" wrap="square" tIns="45700">
+          <a:bodyPr spcFirstLastPara="1" wrap="square" lIns="91425" tIns="45700" rIns="91425" bIns="45700" anchor="ctr" anchorCtr="0">
             <a:normAutofit/>
           </a:bodyPr>
           <a:lstStyle/>
           <a:p>
-            <a:pPr indent="0" lvl="0" marL="0" rtl="0" algn="ctr">
+            <a:pPr marL="0" lvl="0" indent="0" algn="ctr" rtl="0">
               <a:spcBef>
                 <a:spcPts val="0"/>
               </a:spcBef>
@@ -8920,9 +9036,11 @@
       <p:sp>
         <p:nvSpPr>
           <p:cNvPr id="145" name="Google Shape;145;p14"/>
-          <p:cNvSpPr txBox="1"/>
+          <p:cNvSpPr txBox="1">
+            <a:spLocks noGrp="1"/>
+          </p:cNvSpPr>
           <p:nvPr>
-            <p:ph idx="1" type="body"/>
+            <p:ph type="body" idx="1"/>
           </p:nvPr>
         </p:nvSpPr>
         <p:spPr>
@@ -8939,12 +9057,12 @@
           </a:ln>
         </p:spPr>
         <p:txBody>
-          <a:bodyPr anchorCtr="0" anchor="t" bIns="45700" lIns="91425" spcFirstLastPara="1" rIns="91425" wrap="square" tIns="45700">
-            <a:normAutofit lnSpcReduction="20000"/>
+          <a:bodyPr spcFirstLastPara="1" wrap="square" lIns="91425" tIns="45700" rIns="91425" bIns="45700" anchor="t" anchorCtr="0">
+            <a:normAutofit/>
           </a:bodyPr>
           <a:lstStyle/>
           <a:p>
-            <a:pPr indent="-342900" lvl="0" marL="342900" rtl="0" algn="l">
+            <a:pPr marL="342900" lvl="0" indent="-342900" algn="l" rtl="0">
               <a:spcBef>
                 <a:spcPts val="0"/>
               </a:spcBef>
@@ -8972,7 +9090,7 @@
             <a:endParaRPr/>
           </a:p>
           <a:p>
-            <a:pPr indent="-342900" lvl="0" marL="342900" rtl="0" algn="l">
+            <a:pPr marL="342900" lvl="0" indent="-342900" algn="l" rtl="0">
               <a:spcBef>
                 <a:spcPts val="640"/>
               </a:spcBef>
@@ -9000,7 +9118,7 @@
             <a:endParaRPr/>
           </a:p>
           <a:p>
-            <a:pPr indent="-342900" lvl="0" marL="342900" rtl="0" algn="l">
+            <a:pPr marL="342900" lvl="0" indent="-342900" algn="l" rtl="0">
               <a:spcBef>
                 <a:spcPts val="640"/>
               </a:spcBef>
@@ -9036,7 +9154,7 @@
             </a:endParaRPr>
           </a:p>
           <a:p>
-            <a:pPr indent="-342900" lvl="0" marL="342900" rtl="0" algn="l">
+            <a:pPr marL="342900" lvl="0" indent="-342900" algn="l" rtl="0">
               <a:spcBef>
                 <a:spcPts val="1200"/>
               </a:spcBef>
@@ -9073,7 +9191,7 @@
             </a:endParaRPr>
           </a:p>
           <a:p>
-            <a:pPr indent="-342900" lvl="0" marL="342900" rtl="0" algn="l">
+            <a:pPr marL="342900" lvl="0" indent="-342900" algn="l" rtl="0">
               <a:spcBef>
                 <a:spcPts val="1200"/>
               </a:spcBef>
@@ -9087,9 +9205,6 @@
               <a:buFont typeface="Calibri"/>
               <a:buChar char="●"/>
             </a:pPr>
-            <a:r>
-              <a:t/>
-            </a:r>
             <a:endParaRPr sz="3200">
               <a:solidFill>
                 <a:schemeClr val="dk1"/>
@@ -9110,12 +9225,12 @@
 </p:sld>
 </file>
 
-<file path=ppt/slides/slide16.xml><?xml version="1.0" encoding="utf-8"?>
-<p:sld xmlns:a="http://schemas.openxmlformats.org/drawingml/2006/main" xmlns:r="http://schemas.openxmlformats.org/officeDocument/2006/relationships" xmlns:mc="http://schemas.openxmlformats.org/markup-compatibility/2006" xmlns:mv="urn:schemas-microsoft-com:mac:vml" xmlns:p="http://schemas.openxmlformats.org/presentationml/2006/main" xmlns:c="http://schemas.openxmlformats.org/drawingml/2006/chart" xmlns:dgm="http://schemas.openxmlformats.org/drawingml/2006/diagram" xmlns:o="urn:schemas-microsoft-com:office:office" xmlns:v="urn:schemas-microsoft-com:vml" xmlns:pvml="urn:schemas-microsoft-com:office:powerpoint" xmlns:com="http://schemas.openxmlformats.org/drawingml/2006/compatibility" xmlns:p14="http://schemas.microsoft.com/office/powerpoint/2010/main" xmlns:p15="http://schemas.microsoft.com/office/powerpoint/2012/main" xmlns:ahyp="http://schemas.microsoft.com/office/drawing/2018/hyperlinkcolor">
+<file path=ppt/slides/slide2.xml><?xml version="1.0" encoding="utf-8"?>
+<p:sld xmlns:a="http://schemas.openxmlformats.org/drawingml/2006/main" xmlns:r="http://schemas.openxmlformats.org/officeDocument/2006/relationships" xmlns:p="http://schemas.openxmlformats.org/presentationml/2006/main">
   <p:cSld>
     <p:spTree>
       <p:nvGrpSpPr>
-        <p:cNvPr id="149" name="Shape 149"/>
+        <p:cNvPr id="1" name="Shape 65"/>
         <p:cNvGrpSpPr/>
         <p:nvPr/>
       </p:nvGrpSpPr>
@@ -9129,8 +9244,10 @@
       </p:grpSpPr>
       <p:sp>
         <p:nvSpPr>
-          <p:cNvPr id="150" name="Google Shape;150;p15"/>
-          <p:cNvSpPr txBox="1"/>
+          <p:cNvPr id="66" name="Google Shape;66;p2"/>
+          <p:cNvSpPr txBox="1">
+            <a:spLocks noGrp="1"/>
+          </p:cNvSpPr>
           <p:nvPr>
             <p:ph type="title"/>
           </p:nvPr>
@@ -9149,12 +9266,12 @@
           </a:ln>
         </p:spPr>
         <p:txBody>
-          <a:bodyPr anchorCtr="0" anchor="ctr" bIns="45700" lIns="91425" spcFirstLastPara="1" rIns="91425" wrap="square" tIns="45700">
+          <a:bodyPr spcFirstLastPara="1" wrap="square" lIns="91425" tIns="45700" rIns="91425" bIns="45700" anchor="ctr" anchorCtr="0">
             <a:normAutofit/>
           </a:bodyPr>
           <a:lstStyle/>
           <a:p>
-            <a:pPr indent="0" lvl="0" marL="0" rtl="0" algn="ctr">
+            <a:pPr marL="0" lvl="0" indent="0" algn="ctr" rtl="0">
               <a:spcBef>
                 <a:spcPts val="0"/>
               </a:spcBef>
@@ -9178,7 +9295,7 @@
                 <a:cs typeface="Calibri"/>
                 <a:sym typeface="Calibri"/>
               </a:rPr>
-              <a:t>Összegzés / Kérdések</a:t>
+              <a:t>Projekt bemutatása</a:t>
             </a:r>
             <a:endParaRPr/>
           </a:p>
@@ -9186,10 +9303,12 @@
       </p:sp>
       <p:sp>
         <p:nvSpPr>
-          <p:cNvPr id="151" name="Google Shape;151;p15"/>
-          <p:cNvSpPr txBox="1"/>
+          <p:cNvPr id="67" name="Google Shape;67;p2"/>
+          <p:cNvSpPr txBox="1">
+            <a:spLocks noGrp="1"/>
+          </p:cNvSpPr>
           <p:nvPr>
-            <p:ph idx="1" type="body"/>
+            <p:ph type="body" idx="1"/>
           </p:nvPr>
         </p:nvSpPr>
         <p:spPr>
@@ -9206,178 +9325,12 @@
           </a:ln>
         </p:spPr>
         <p:txBody>
-          <a:bodyPr anchorCtr="0" anchor="t" bIns="45700" lIns="91425" spcFirstLastPara="1" rIns="91425" wrap="square" tIns="45700">
+          <a:bodyPr spcFirstLastPara="1" wrap="square" lIns="91425" tIns="45700" rIns="91425" bIns="45700" anchor="t" anchorCtr="0">
             <a:normAutofit/>
           </a:bodyPr>
           <a:lstStyle/>
           <a:p>
-            <a:pPr indent="-342900" lvl="0" marL="342900" rtl="0" algn="l">
-              <a:spcBef>
-                <a:spcPts val="0"/>
-              </a:spcBef>
-              <a:spcAft>
-                <a:spcPts val="0"/>
-              </a:spcAft>
-              <a:buClr>
-                <a:schemeClr val="dk1"/>
-              </a:buClr>
-              <a:buSzPts val="3200"/>
-              <a:buChar char="●"/>
-            </a:pPr>
-            <a:r>
-              <a:rPr lang="en-US" sz="3200">
-                <a:solidFill>
-                  <a:schemeClr val="dk1"/>
-                </a:solidFill>
-                <a:latin typeface="Calibri"/>
-                <a:ea typeface="Calibri"/>
-                <a:cs typeface="Calibri"/>
-                <a:sym typeface="Calibri"/>
-              </a:rPr>
-              <a:t>Modern, biztonságos és bővíthető rendszer.</a:t>
-            </a:r>
-            <a:endParaRPr/>
-          </a:p>
-          <a:p>
-            <a:pPr indent="-342900" lvl="0" marL="342900" rtl="0" algn="l">
-              <a:spcBef>
-                <a:spcPts val="640"/>
-              </a:spcBef>
-              <a:spcAft>
-                <a:spcPts val="1200"/>
-              </a:spcAft>
-              <a:buClr>
-                <a:schemeClr val="dk1"/>
-              </a:buClr>
-              <a:buSzPts val="3200"/>
-              <a:buChar char="●"/>
-            </a:pPr>
-            <a:r>
-              <a:rPr lang="en-US" sz="3200">
-                <a:solidFill>
-                  <a:schemeClr val="dk1"/>
-                </a:solidFill>
-                <a:latin typeface="Calibri"/>
-                <a:ea typeface="Calibri"/>
-                <a:cs typeface="Calibri"/>
-                <a:sym typeface="Calibri"/>
-              </a:rPr>
-              <a:t>További ötletek, kérdések?</a:t>
-            </a:r>
-            <a:endParaRPr/>
-          </a:p>
-        </p:txBody>
-      </p:sp>
-    </p:spTree>
-  </p:cSld>
-  <p:clrMapOvr>
-    <a:masterClrMapping/>
-  </p:clrMapOvr>
-</p:sld>
-</file>
-
-<file path=ppt/slides/slide2.xml><?xml version="1.0" encoding="utf-8"?>
-<p:sld xmlns:a="http://schemas.openxmlformats.org/drawingml/2006/main" xmlns:r="http://schemas.openxmlformats.org/officeDocument/2006/relationships" xmlns:mc="http://schemas.openxmlformats.org/markup-compatibility/2006" xmlns:mv="urn:schemas-microsoft-com:mac:vml" xmlns:p="http://schemas.openxmlformats.org/presentationml/2006/main" xmlns:c="http://schemas.openxmlformats.org/drawingml/2006/chart" xmlns:dgm="http://schemas.openxmlformats.org/drawingml/2006/diagram" xmlns:o="urn:schemas-microsoft-com:office:office" xmlns:v="urn:schemas-microsoft-com:vml" xmlns:pvml="urn:schemas-microsoft-com:office:powerpoint" xmlns:com="http://schemas.openxmlformats.org/drawingml/2006/compatibility" xmlns:p14="http://schemas.microsoft.com/office/powerpoint/2010/main" xmlns:p15="http://schemas.microsoft.com/office/powerpoint/2012/main" xmlns:ahyp="http://schemas.microsoft.com/office/drawing/2018/hyperlinkcolor">
-  <p:cSld>
-    <p:spTree>
-      <p:nvGrpSpPr>
-        <p:cNvPr id="65" name="Shape 65"/>
-        <p:cNvGrpSpPr/>
-        <p:nvPr/>
-      </p:nvGrpSpPr>
-      <p:grpSpPr>
-        <a:xfrm>
-          <a:off x="0" y="0"/>
-          <a:ext cx="0" cy="0"/>
-          <a:chOff x="0" y="0"/>
-          <a:chExt cx="0" cy="0"/>
-        </a:xfrm>
-      </p:grpSpPr>
-      <p:sp>
-        <p:nvSpPr>
-          <p:cNvPr id="66" name="Google Shape;66;p2"/>
-          <p:cNvSpPr txBox="1"/>
-          <p:nvPr>
-            <p:ph type="title"/>
-          </p:nvPr>
-        </p:nvSpPr>
-        <p:spPr>
-          <a:xfrm>
-            <a:off x="457200" y="274638"/>
-            <a:ext cx="8229600" cy="1143000"/>
-          </a:xfrm>
-          <a:prstGeom prst="rect">
-            <a:avLst/>
-          </a:prstGeom>
-          <a:noFill/>
-          <a:ln>
-            <a:noFill/>
-          </a:ln>
-        </p:spPr>
-        <p:txBody>
-          <a:bodyPr anchorCtr="0" anchor="ctr" bIns="45700" lIns="91425" spcFirstLastPara="1" rIns="91425" wrap="square" tIns="45700">
-            <a:normAutofit/>
-          </a:bodyPr>
-          <a:lstStyle/>
-          <a:p>
-            <a:pPr indent="0" lvl="0" marL="0" rtl="0" algn="ctr">
-              <a:spcBef>
-                <a:spcPts val="0"/>
-              </a:spcBef>
-              <a:spcAft>
-                <a:spcPts val="0"/>
-              </a:spcAft>
-              <a:buClr>
-                <a:schemeClr val="dk1"/>
-              </a:buClr>
-              <a:buSzPts val="4400"/>
-              <a:buFont typeface="Calibri"/>
-              <a:buNone/>
-            </a:pPr>
-            <a:r>
-              <a:rPr lang="en-US" sz="4400">
-                <a:solidFill>
-                  <a:schemeClr val="dk1"/>
-                </a:solidFill>
-                <a:latin typeface="Calibri"/>
-                <a:ea typeface="Calibri"/>
-                <a:cs typeface="Calibri"/>
-                <a:sym typeface="Calibri"/>
-              </a:rPr>
-              <a:t>Projekt bemutatása</a:t>
-            </a:r>
-            <a:endParaRPr/>
-          </a:p>
-        </p:txBody>
-      </p:sp>
-      <p:sp>
-        <p:nvSpPr>
-          <p:cNvPr id="67" name="Google Shape;67;p2"/>
-          <p:cNvSpPr txBox="1"/>
-          <p:nvPr>
-            <p:ph idx="1" type="body"/>
-          </p:nvPr>
-        </p:nvSpPr>
-        <p:spPr>
-          <a:xfrm>
-            <a:off x="457200" y="1600200"/>
-            <a:ext cx="8229600" cy="4525963"/>
-          </a:xfrm>
-          <a:prstGeom prst="rect">
-            <a:avLst/>
-          </a:prstGeom>
-          <a:noFill/>
-          <a:ln>
-            <a:noFill/>
-          </a:ln>
-        </p:spPr>
-        <p:txBody>
-          <a:bodyPr anchorCtr="0" anchor="t" bIns="45700" lIns="91425" spcFirstLastPara="1" rIns="91425" wrap="square" tIns="45700">
-            <a:normAutofit/>
-          </a:bodyPr>
-          <a:lstStyle/>
-          <a:p>
-            <a:pPr indent="-342900" lvl="0" marL="342900" rtl="0" algn="l">
+            <a:pPr marL="342900" lvl="0" indent="-342900" algn="l" rtl="0">
               <a:spcBef>
                 <a:spcPts val="0"/>
               </a:spcBef>
@@ -9405,7 +9358,7 @@
             <a:endParaRPr/>
           </a:p>
           <a:p>
-            <a:pPr indent="-342900" lvl="0" marL="342900" rtl="0" algn="l">
+            <a:pPr marL="342900" lvl="0" indent="-342900" algn="l" rtl="0">
               <a:spcBef>
                 <a:spcPts val="640"/>
               </a:spcBef>
@@ -9441,7 +9394,7 @@
             </a:endParaRPr>
           </a:p>
           <a:p>
-            <a:pPr indent="-342900" lvl="0" marL="342900" rtl="0" algn="l">
+            <a:pPr marL="342900" lvl="0" indent="-342900" algn="l" rtl="0">
               <a:spcBef>
                 <a:spcPts val="1200"/>
               </a:spcBef>
@@ -9488,11 +9441,11 @@
 </file>
 
 <file path=ppt/slides/slide3.xml><?xml version="1.0" encoding="utf-8"?>
-<p:sld xmlns:a="http://schemas.openxmlformats.org/drawingml/2006/main" xmlns:r="http://schemas.openxmlformats.org/officeDocument/2006/relationships" xmlns:mc="http://schemas.openxmlformats.org/markup-compatibility/2006" xmlns:mv="urn:schemas-microsoft-com:mac:vml" xmlns:p="http://schemas.openxmlformats.org/presentationml/2006/main" xmlns:c="http://schemas.openxmlformats.org/drawingml/2006/chart" xmlns:dgm="http://schemas.openxmlformats.org/drawingml/2006/diagram" xmlns:o="urn:schemas-microsoft-com:office:office" xmlns:v="urn:schemas-microsoft-com:vml" xmlns:pvml="urn:schemas-microsoft-com:office:powerpoint" xmlns:com="http://schemas.openxmlformats.org/drawingml/2006/compatibility" xmlns:p14="http://schemas.microsoft.com/office/powerpoint/2010/main" xmlns:p15="http://schemas.microsoft.com/office/powerpoint/2012/main" xmlns:ahyp="http://schemas.microsoft.com/office/drawing/2018/hyperlinkcolor">
+<p:sld xmlns:a="http://schemas.openxmlformats.org/drawingml/2006/main" xmlns:r="http://schemas.openxmlformats.org/officeDocument/2006/relationships" xmlns:p="http://schemas.openxmlformats.org/presentationml/2006/main">
   <p:cSld>
     <p:spTree>
       <p:nvGrpSpPr>
-        <p:cNvPr id="71" name="Shape 71"/>
+        <p:cNvPr id="1" name="Shape 71"/>
         <p:cNvGrpSpPr/>
         <p:nvPr/>
       </p:nvGrpSpPr>
@@ -9507,7 +9460,9 @@
       <p:sp>
         <p:nvSpPr>
           <p:cNvPr id="72" name="Google Shape;72;p3"/>
-          <p:cNvSpPr txBox="1"/>
+          <p:cNvSpPr txBox="1">
+            <a:spLocks noGrp="1"/>
+          </p:cNvSpPr>
           <p:nvPr>
             <p:ph type="title"/>
           </p:nvPr>
@@ -9526,12 +9481,12 @@
           </a:ln>
         </p:spPr>
         <p:txBody>
-          <a:bodyPr anchorCtr="0" anchor="ctr" bIns="45700" lIns="91425" spcFirstLastPara="1" rIns="91425" wrap="square" tIns="45700">
+          <a:bodyPr spcFirstLastPara="1" wrap="square" lIns="91425" tIns="45700" rIns="91425" bIns="45700" anchor="ctr" anchorCtr="0">
             <a:normAutofit/>
           </a:bodyPr>
           <a:lstStyle/>
           <a:p>
-            <a:pPr indent="0" lvl="0" marL="0" rtl="0" algn="ctr">
+            <a:pPr marL="0" lvl="0" indent="0" algn="ctr" rtl="0">
               <a:spcBef>
                 <a:spcPts val="0"/>
               </a:spcBef>
@@ -9564,9 +9519,11 @@
       <p:sp>
         <p:nvSpPr>
           <p:cNvPr id="73" name="Google Shape;73;p3"/>
-          <p:cNvSpPr txBox="1"/>
+          <p:cNvSpPr txBox="1">
+            <a:spLocks noGrp="1"/>
+          </p:cNvSpPr>
           <p:nvPr>
-            <p:ph idx="1" type="body"/>
+            <p:ph type="body" idx="1"/>
           </p:nvPr>
         </p:nvSpPr>
         <p:spPr>
@@ -9583,12 +9540,12 @@
           </a:ln>
         </p:spPr>
         <p:txBody>
-          <a:bodyPr anchorCtr="0" anchor="t" bIns="45700" lIns="91425" spcFirstLastPara="1" rIns="91425" wrap="square" tIns="45700">
+          <a:bodyPr spcFirstLastPara="1" wrap="square" lIns="91425" tIns="45700" rIns="91425" bIns="45700" anchor="t" anchorCtr="0">
             <a:normAutofit/>
           </a:bodyPr>
           <a:lstStyle/>
           <a:p>
-            <a:pPr indent="-342900" lvl="0" marL="342900" rtl="0" algn="l">
+            <a:pPr marL="342900" lvl="0" indent="-342900" algn="l" rtl="0">
               <a:spcBef>
                 <a:spcPts val="0"/>
               </a:spcBef>
@@ -9616,7 +9573,7 @@
             <a:endParaRPr/>
           </a:p>
           <a:p>
-            <a:pPr indent="-342900" lvl="0" marL="342900" rtl="0" algn="l">
+            <a:pPr marL="342900" lvl="0" indent="-342900" algn="l" rtl="0">
               <a:spcBef>
                 <a:spcPts val="640"/>
               </a:spcBef>
@@ -9644,7 +9601,7 @@
             <a:endParaRPr/>
           </a:p>
           <a:p>
-            <a:pPr indent="-342900" lvl="0" marL="342900" rtl="0" algn="l">
+            <a:pPr marL="342900" lvl="0" indent="-342900" algn="l" rtl="0">
               <a:spcBef>
                 <a:spcPts val="640"/>
               </a:spcBef>
@@ -9672,7 +9629,7 @@
             <a:endParaRPr/>
           </a:p>
           <a:p>
-            <a:pPr indent="-342900" lvl="0" marL="342900" rtl="0" algn="l">
+            <a:pPr marL="342900" lvl="0" indent="-342900" algn="l" rtl="0">
               <a:spcBef>
                 <a:spcPts val="640"/>
               </a:spcBef>
@@ -9710,11 +9667,11 @@
 </file>
 
 <file path=ppt/slides/slide4.xml><?xml version="1.0" encoding="utf-8"?>
-<p:sld xmlns:a="http://schemas.openxmlformats.org/drawingml/2006/main" xmlns:r="http://schemas.openxmlformats.org/officeDocument/2006/relationships" xmlns:mc="http://schemas.openxmlformats.org/markup-compatibility/2006" xmlns:mv="urn:schemas-microsoft-com:mac:vml" xmlns:p="http://schemas.openxmlformats.org/presentationml/2006/main" xmlns:c="http://schemas.openxmlformats.org/drawingml/2006/chart" xmlns:dgm="http://schemas.openxmlformats.org/drawingml/2006/diagram" xmlns:o="urn:schemas-microsoft-com:office:office" xmlns:v="urn:schemas-microsoft-com:vml" xmlns:pvml="urn:schemas-microsoft-com:office:powerpoint" xmlns:com="http://schemas.openxmlformats.org/drawingml/2006/compatibility" xmlns:p14="http://schemas.microsoft.com/office/powerpoint/2010/main" xmlns:p15="http://schemas.microsoft.com/office/powerpoint/2012/main" xmlns:ahyp="http://schemas.microsoft.com/office/drawing/2018/hyperlinkcolor">
+<p:sld xmlns:a="http://schemas.openxmlformats.org/drawingml/2006/main" xmlns:r="http://schemas.openxmlformats.org/officeDocument/2006/relationships" xmlns:p="http://schemas.openxmlformats.org/presentationml/2006/main">
   <p:cSld>
     <p:spTree>
       <p:nvGrpSpPr>
-        <p:cNvPr id="77" name="Shape 77"/>
+        <p:cNvPr id="1" name="Shape 77"/>
         <p:cNvGrpSpPr/>
         <p:nvPr/>
       </p:nvGrpSpPr>
@@ -9729,7 +9686,9 @@
       <p:sp>
         <p:nvSpPr>
           <p:cNvPr id="78" name="Google Shape;78;p4"/>
-          <p:cNvSpPr txBox="1"/>
+          <p:cNvSpPr txBox="1">
+            <a:spLocks noGrp="1"/>
+          </p:cNvSpPr>
           <p:nvPr>
             <p:ph type="title"/>
           </p:nvPr>
@@ -9748,12 +9707,12 @@
           </a:ln>
         </p:spPr>
         <p:txBody>
-          <a:bodyPr anchorCtr="0" anchor="ctr" bIns="45700" lIns="91425" spcFirstLastPara="1" rIns="91425" wrap="square" tIns="45700">
+          <a:bodyPr spcFirstLastPara="1" wrap="square" lIns="91425" tIns="45700" rIns="91425" bIns="45700" anchor="ctr" anchorCtr="0">
             <a:normAutofit/>
           </a:bodyPr>
           <a:lstStyle/>
           <a:p>
-            <a:pPr indent="0" lvl="0" marL="0" rtl="0" algn="ctr">
+            <a:pPr marL="0" lvl="0" indent="0" algn="ctr" rtl="0">
               <a:spcBef>
                 <a:spcPts val="0"/>
               </a:spcBef>
@@ -9786,9 +9745,11 @@
       <p:sp>
         <p:nvSpPr>
           <p:cNvPr id="79" name="Google Shape;79;p4"/>
-          <p:cNvSpPr txBox="1"/>
+          <p:cNvSpPr txBox="1">
+            <a:spLocks noGrp="1"/>
+          </p:cNvSpPr>
           <p:nvPr>
-            <p:ph idx="1" type="body"/>
+            <p:ph type="body" idx="1"/>
           </p:nvPr>
         </p:nvSpPr>
         <p:spPr>
@@ -9805,12 +9766,12 @@
           </a:ln>
         </p:spPr>
         <p:txBody>
-          <a:bodyPr anchorCtr="0" anchor="t" bIns="45700" lIns="91425" spcFirstLastPara="1" rIns="91425" wrap="square" tIns="45700">
+          <a:bodyPr spcFirstLastPara="1" wrap="square" lIns="91425" tIns="45700" rIns="91425" bIns="45700" anchor="t" anchorCtr="0">
             <a:normAutofit/>
           </a:bodyPr>
           <a:lstStyle/>
           <a:p>
-            <a:pPr indent="-342900" lvl="0" marL="342900" rtl="0" algn="l">
+            <a:pPr marL="342900" lvl="0" indent="-342900" algn="l" rtl="0">
               <a:spcBef>
                 <a:spcPts val="0"/>
               </a:spcBef>
@@ -9838,7 +9799,7 @@
             <a:endParaRPr/>
           </a:p>
           <a:p>
-            <a:pPr indent="-342900" lvl="0" marL="342900" rtl="0" algn="l">
+            <a:pPr marL="342900" lvl="0" indent="-342900" algn="l" rtl="0">
               <a:spcBef>
                 <a:spcPts val="640"/>
               </a:spcBef>
@@ -9866,7 +9827,7 @@
             <a:endParaRPr/>
           </a:p>
           <a:p>
-            <a:pPr indent="-342900" lvl="0" marL="342900" rtl="0" algn="l">
+            <a:pPr marL="342900" lvl="0" indent="-342900" algn="l" rtl="0">
               <a:spcBef>
                 <a:spcPts val="640"/>
               </a:spcBef>
@@ -9894,7 +9855,7 @@
             <a:endParaRPr/>
           </a:p>
           <a:p>
-            <a:pPr indent="-342900" lvl="0" marL="342900" rtl="0" algn="l">
+            <a:pPr marL="342900" lvl="0" indent="-342900" algn="l" rtl="0">
               <a:spcBef>
                 <a:spcPts val="640"/>
               </a:spcBef>
@@ -9917,19 +9878,7 @@
                 <a:cs typeface="Calibri"/>
                 <a:sym typeface="Calibri"/>
               </a:rPr>
-              <a:t> </a:t>
-            </a:r>
-            <a:r>
-              <a:rPr lang="en-US" sz="3200">
-                <a:solidFill>
-                  <a:schemeClr val="dk1"/>
-                </a:solidFill>
-                <a:latin typeface="Calibri"/>
-                <a:ea typeface="Calibri"/>
-                <a:cs typeface="Calibri"/>
-                <a:sym typeface="Calibri"/>
-              </a:rPr>
-              <a:t>Token alapú védelem</a:t>
+              <a:t> Token alapú védelem</a:t>
             </a:r>
             <a:endParaRPr/>
           </a:p>
@@ -9944,11 +9893,11 @@
 </file>
 
 <file path=ppt/slides/slide5.xml><?xml version="1.0" encoding="utf-8"?>
-<p:sld xmlns:a="http://schemas.openxmlformats.org/drawingml/2006/main" xmlns:r="http://schemas.openxmlformats.org/officeDocument/2006/relationships" xmlns:mc="http://schemas.openxmlformats.org/markup-compatibility/2006" xmlns:mv="urn:schemas-microsoft-com:mac:vml" xmlns:p="http://schemas.openxmlformats.org/presentationml/2006/main" xmlns:c="http://schemas.openxmlformats.org/drawingml/2006/chart" xmlns:dgm="http://schemas.openxmlformats.org/drawingml/2006/diagram" xmlns:o="urn:schemas-microsoft-com:office:office" xmlns:v="urn:schemas-microsoft-com:vml" xmlns:pvml="urn:schemas-microsoft-com:office:powerpoint" xmlns:com="http://schemas.openxmlformats.org/drawingml/2006/compatibility" xmlns:p14="http://schemas.microsoft.com/office/powerpoint/2010/main" xmlns:p15="http://schemas.microsoft.com/office/powerpoint/2012/main" xmlns:ahyp="http://schemas.microsoft.com/office/drawing/2018/hyperlinkcolor">
+<p:sld xmlns:a="http://schemas.openxmlformats.org/drawingml/2006/main" xmlns:r="http://schemas.openxmlformats.org/officeDocument/2006/relationships" xmlns:p="http://schemas.openxmlformats.org/presentationml/2006/main">
   <p:cSld>
     <p:spTree>
       <p:nvGrpSpPr>
-        <p:cNvPr id="83" name="Shape 83"/>
+        <p:cNvPr id="1" name="Shape 83"/>
         <p:cNvGrpSpPr/>
         <p:nvPr/>
       </p:nvGrpSpPr>
@@ -9963,7 +9912,9 @@
       <p:sp>
         <p:nvSpPr>
           <p:cNvPr id="84" name="Google Shape;84;p5"/>
-          <p:cNvSpPr txBox="1"/>
+          <p:cNvSpPr txBox="1">
+            <a:spLocks noGrp="1"/>
+          </p:cNvSpPr>
           <p:nvPr>
             <p:ph type="title"/>
           </p:nvPr>
@@ -9982,12 +9933,12 @@
           </a:ln>
         </p:spPr>
         <p:txBody>
-          <a:bodyPr anchorCtr="0" anchor="ctr" bIns="45700" lIns="91425" spcFirstLastPara="1" rIns="91425" wrap="square" tIns="45700">
+          <a:bodyPr spcFirstLastPara="1" wrap="square" lIns="91425" tIns="45700" rIns="91425" bIns="45700" anchor="ctr" anchorCtr="0">
             <a:normAutofit/>
           </a:bodyPr>
           <a:lstStyle/>
           <a:p>
-            <a:pPr indent="0" lvl="0" marL="0" rtl="0" algn="ctr">
+            <a:pPr marL="0" lvl="0" indent="0" algn="ctr" rtl="0">
               <a:spcBef>
                 <a:spcPts val="0"/>
               </a:spcBef>
@@ -10020,9 +9971,11 @@
       <p:sp>
         <p:nvSpPr>
           <p:cNvPr id="85" name="Google Shape;85;p5"/>
-          <p:cNvSpPr txBox="1"/>
+          <p:cNvSpPr txBox="1">
+            <a:spLocks noGrp="1"/>
+          </p:cNvSpPr>
           <p:nvPr>
-            <p:ph idx="1" type="body"/>
+            <p:ph type="body" idx="1"/>
           </p:nvPr>
         </p:nvSpPr>
         <p:spPr>
@@ -10039,12 +9992,12 @@
           </a:ln>
         </p:spPr>
         <p:txBody>
-          <a:bodyPr anchorCtr="0" anchor="t" bIns="45700" lIns="91425" spcFirstLastPara="1" rIns="91425" wrap="square" tIns="45700">
+          <a:bodyPr spcFirstLastPara="1" wrap="square" lIns="91425" tIns="45700" rIns="91425" bIns="45700" anchor="t" anchorCtr="0">
             <a:normAutofit/>
           </a:bodyPr>
           <a:lstStyle/>
           <a:p>
-            <a:pPr indent="-342900" lvl="0" marL="342900" rtl="0" algn="l">
+            <a:pPr marL="342900" lvl="0" indent="-342900" algn="l" rtl="0">
               <a:spcBef>
                 <a:spcPts val="0"/>
               </a:spcBef>
@@ -10072,7 +10025,7 @@
             <a:endParaRPr/>
           </a:p>
           <a:p>
-            <a:pPr indent="-342900" lvl="0" marL="342900" rtl="0" algn="l">
+            <a:pPr marL="342900" lvl="0" indent="-342900" algn="l" rtl="0">
               <a:spcBef>
                 <a:spcPts val="640"/>
               </a:spcBef>
@@ -10100,7 +10053,7 @@
             <a:endParaRPr/>
           </a:p>
           <a:p>
-            <a:pPr indent="-342900" lvl="0" marL="342900" rtl="0" algn="l">
+            <a:pPr marL="342900" lvl="0" indent="-342900" algn="l" rtl="0">
               <a:spcBef>
                 <a:spcPts val="640"/>
               </a:spcBef>
@@ -10138,11 +10091,11 @@
 </file>
 
 <file path=ppt/slides/slide6.xml><?xml version="1.0" encoding="utf-8"?>
-<p:sld xmlns:a="http://schemas.openxmlformats.org/drawingml/2006/main" xmlns:r="http://schemas.openxmlformats.org/officeDocument/2006/relationships" xmlns:mc="http://schemas.openxmlformats.org/markup-compatibility/2006" xmlns:mv="urn:schemas-microsoft-com:mac:vml" xmlns:p="http://schemas.openxmlformats.org/presentationml/2006/main" xmlns:c="http://schemas.openxmlformats.org/drawingml/2006/chart" xmlns:dgm="http://schemas.openxmlformats.org/drawingml/2006/diagram" xmlns:o="urn:schemas-microsoft-com:office:office" xmlns:v="urn:schemas-microsoft-com:vml" xmlns:pvml="urn:schemas-microsoft-com:office:powerpoint" xmlns:com="http://schemas.openxmlformats.org/drawingml/2006/compatibility" xmlns:p14="http://schemas.microsoft.com/office/powerpoint/2010/main" xmlns:p15="http://schemas.microsoft.com/office/powerpoint/2012/main" xmlns:ahyp="http://schemas.microsoft.com/office/drawing/2018/hyperlinkcolor">
+<p:sld xmlns:a="http://schemas.openxmlformats.org/drawingml/2006/main" xmlns:r="http://schemas.openxmlformats.org/officeDocument/2006/relationships" xmlns:p="http://schemas.openxmlformats.org/presentationml/2006/main">
   <p:cSld>
     <p:spTree>
       <p:nvGrpSpPr>
-        <p:cNvPr id="89" name="Shape 89"/>
+        <p:cNvPr id="1" name="Shape 89"/>
         <p:cNvGrpSpPr/>
         <p:nvPr/>
       </p:nvGrpSpPr>
@@ -10157,7 +10110,9 @@
       <p:sp>
         <p:nvSpPr>
           <p:cNvPr id="90" name="Google Shape;90;p6"/>
-          <p:cNvSpPr txBox="1"/>
+          <p:cNvSpPr txBox="1">
+            <a:spLocks noGrp="1"/>
+          </p:cNvSpPr>
           <p:nvPr>
             <p:ph type="title"/>
           </p:nvPr>
@@ -10176,12 +10131,12 @@
           </a:ln>
         </p:spPr>
         <p:txBody>
-          <a:bodyPr anchorCtr="0" anchor="ctr" bIns="45700" lIns="91425" spcFirstLastPara="1" rIns="91425" wrap="square" tIns="45700">
+          <a:bodyPr spcFirstLastPara="1" wrap="square" lIns="91425" tIns="45700" rIns="91425" bIns="45700" anchor="ctr" anchorCtr="0">
             <a:normAutofit/>
           </a:bodyPr>
           <a:lstStyle/>
           <a:p>
-            <a:pPr indent="0" lvl="0" marL="0" rtl="0" algn="ctr">
+            <a:pPr marL="0" lvl="0" indent="0" algn="ctr" rtl="0">
               <a:spcBef>
                 <a:spcPts val="0"/>
               </a:spcBef>
@@ -10214,9 +10169,11 @@
       <p:sp>
         <p:nvSpPr>
           <p:cNvPr id="91" name="Google Shape;91;p6"/>
-          <p:cNvSpPr txBox="1"/>
+          <p:cNvSpPr txBox="1">
+            <a:spLocks noGrp="1"/>
+          </p:cNvSpPr>
           <p:nvPr>
-            <p:ph idx="1" type="body"/>
+            <p:ph type="body" idx="1"/>
           </p:nvPr>
         </p:nvSpPr>
         <p:spPr>
@@ -10233,12 +10190,12 @@
           </a:ln>
         </p:spPr>
         <p:txBody>
-          <a:bodyPr anchorCtr="0" anchor="t" bIns="45700" lIns="91425" spcFirstLastPara="1" rIns="91425" wrap="square" tIns="45700">
+          <a:bodyPr spcFirstLastPara="1" wrap="square" lIns="91425" tIns="45700" rIns="91425" bIns="45700" anchor="t" anchorCtr="0">
             <a:normAutofit/>
           </a:bodyPr>
           <a:lstStyle/>
           <a:p>
-            <a:pPr indent="-342900" lvl="0" marL="342900" rtl="0" algn="l">
+            <a:pPr marL="342900" lvl="0" indent="-342900" algn="l" rtl="0">
               <a:spcBef>
                 <a:spcPts val="0"/>
               </a:spcBef>
@@ -10266,7 +10223,7 @@
             <a:endParaRPr/>
           </a:p>
           <a:p>
-            <a:pPr indent="-342900" lvl="0" marL="342900" rtl="0" algn="l">
+            <a:pPr marL="342900" lvl="0" indent="-342900" algn="l" rtl="0">
               <a:spcBef>
                 <a:spcPts val="640"/>
               </a:spcBef>
@@ -10294,7 +10251,7 @@
             <a:endParaRPr/>
           </a:p>
           <a:p>
-            <a:pPr indent="-342900" lvl="0" marL="342900" rtl="0" algn="l">
+            <a:pPr marL="342900" lvl="0" indent="-342900" algn="l" rtl="0">
               <a:spcBef>
                 <a:spcPts val="640"/>
               </a:spcBef>
@@ -10332,11 +10289,11 @@
 </file>
 
 <file path=ppt/slides/slide7.xml><?xml version="1.0" encoding="utf-8"?>
-<p:sld xmlns:a="http://schemas.openxmlformats.org/drawingml/2006/main" xmlns:r="http://schemas.openxmlformats.org/officeDocument/2006/relationships" xmlns:mc="http://schemas.openxmlformats.org/markup-compatibility/2006" xmlns:mv="urn:schemas-microsoft-com:mac:vml" xmlns:p="http://schemas.openxmlformats.org/presentationml/2006/main" xmlns:c="http://schemas.openxmlformats.org/drawingml/2006/chart" xmlns:dgm="http://schemas.openxmlformats.org/drawingml/2006/diagram" xmlns:o="urn:schemas-microsoft-com:office:office" xmlns:v="urn:schemas-microsoft-com:vml" xmlns:pvml="urn:schemas-microsoft-com:office:powerpoint" xmlns:com="http://schemas.openxmlformats.org/drawingml/2006/compatibility" xmlns:p14="http://schemas.microsoft.com/office/powerpoint/2010/main" xmlns:p15="http://schemas.microsoft.com/office/powerpoint/2012/main" xmlns:ahyp="http://schemas.microsoft.com/office/drawing/2018/hyperlinkcolor">
+<p:sld xmlns:a="http://schemas.openxmlformats.org/drawingml/2006/main" xmlns:r="http://schemas.openxmlformats.org/officeDocument/2006/relationships" xmlns:p="http://schemas.openxmlformats.org/presentationml/2006/main">
   <p:cSld>
     <p:spTree>
       <p:nvGrpSpPr>
-        <p:cNvPr id="95" name="Shape 95"/>
+        <p:cNvPr id="1" name="Shape 95"/>
         <p:cNvGrpSpPr/>
         <p:nvPr/>
       </p:nvGrpSpPr>
@@ -10351,7 +10308,9 @@
       <p:sp>
         <p:nvSpPr>
           <p:cNvPr id="96" name="Google Shape;96;g34c024e3535_0_52"/>
-          <p:cNvSpPr txBox="1"/>
+          <p:cNvSpPr txBox="1">
+            <a:spLocks noGrp="1"/>
+          </p:cNvSpPr>
           <p:nvPr>
             <p:ph type="title"/>
           </p:nvPr>
@@ -10366,12 +10325,12 @@
           </a:prstGeom>
         </p:spPr>
         <p:txBody>
-          <a:bodyPr anchorCtr="0" anchor="ctr" bIns="45700" lIns="91425" spcFirstLastPara="1" rIns="91425" wrap="square" tIns="45700">
+          <a:bodyPr spcFirstLastPara="1" wrap="square" lIns="91425" tIns="45700" rIns="91425" bIns="45700" anchor="ctr" anchorCtr="0">
             <a:normAutofit/>
           </a:bodyPr>
           <a:lstStyle/>
           <a:p>
-            <a:pPr indent="0" lvl="0" marL="0" rtl="0" algn="ctr">
+            <a:pPr marL="0" lvl="0" indent="0" algn="ctr" rtl="0">
               <a:spcBef>
                 <a:spcPts val="0"/>
               </a:spcBef>
@@ -10400,9 +10359,11 @@
       <p:sp>
         <p:nvSpPr>
           <p:cNvPr id="97" name="Google Shape;97;g34c024e3535_0_52"/>
-          <p:cNvSpPr txBox="1"/>
+          <p:cNvSpPr txBox="1">
+            <a:spLocks noGrp="1"/>
+          </p:cNvSpPr>
           <p:nvPr>
-            <p:ph idx="1" type="body"/>
+            <p:ph type="body" idx="1"/>
           </p:nvPr>
         </p:nvSpPr>
         <p:spPr>
@@ -10415,12 +10376,12 @@
           </a:prstGeom>
         </p:spPr>
         <p:txBody>
-          <a:bodyPr anchorCtr="0" anchor="t" bIns="45700" lIns="91425" spcFirstLastPara="1" rIns="91425" wrap="square" tIns="45700">
+          <a:bodyPr spcFirstLastPara="1" wrap="square" lIns="91425" tIns="45700" rIns="91425" bIns="45700" anchor="t" anchorCtr="0">
             <a:normAutofit/>
           </a:bodyPr>
           <a:lstStyle/>
           <a:p>
-            <a:pPr indent="0" lvl="0" marL="0" rtl="0" algn="just">
+            <a:pPr marL="0" lvl="0" indent="0" algn="just" rtl="0">
               <a:lnSpc>
                 <a:spcPct val="115000"/>
               </a:lnSpc>
@@ -10455,7 +10416,7 @@
             </a:endParaRPr>
           </a:p>
           <a:p>
-            <a:pPr indent="0" lvl="0" marL="0" rtl="0" algn="just">
+            <a:pPr marL="0" lvl="0" indent="0" algn="just" rtl="0">
               <a:lnSpc>
                 <a:spcPct val="150000"/>
               </a:lnSpc>
@@ -10467,9 +10428,6 @@
               </a:spcAft>
               <a:buNone/>
             </a:pPr>
-            <a:r>
-              <a:t/>
-            </a:r>
             <a:endParaRPr sz="1200">
               <a:solidFill>
                 <a:schemeClr val="dk1"/>
@@ -10477,7 +10435,7 @@
             </a:endParaRPr>
           </a:p>
           <a:p>
-            <a:pPr indent="0" lvl="0" marL="0" rtl="0" algn="l">
+            <a:pPr marL="0" lvl="0" indent="0" algn="l" rtl="0">
               <a:spcBef>
                 <a:spcPts val="1200"/>
               </a:spcBef>
@@ -10486,9 +10444,6 @@
               </a:spcAft>
               <a:buNone/>
             </a:pPr>
-            <a:r>
-              <a:t/>
-            </a:r>
             <a:endParaRPr/>
           </a:p>
         </p:txBody>
@@ -10502,11 +10457,11 @@
 </file>
 
 <file path=ppt/slides/slide8.xml><?xml version="1.0" encoding="utf-8"?>
-<p:sld xmlns:a="http://schemas.openxmlformats.org/drawingml/2006/main" xmlns:r="http://schemas.openxmlformats.org/officeDocument/2006/relationships" xmlns:mc="http://schemas.openxmlformats.org/markup-compatibility/2006" xmlns:mv="urn:schemas-microsoft-com:mac:vml" xmlns:p="http://schemas.openxmlformats.org/presentationml/2006/main" xmlns:c="http://schemas.openxmlformats.org/drawingml/2006/chart" xmlns:dgm="http://schemas.openxmlformats.org/drawingml/2006/diagram" xmlns:o="urn:schemas-microsoft-com:office:office" xmlns:v="urn:schemas-microsoft-com:vml" xmlns:pvml="urn:schemas-microsoft-com:office:powerpoint" xmlns:com="http://schemas.openxmlformats.org/drawingml/2006/compatibility" xmlns:p14="http://schemas.microsoft.com/office/powerpoint/2010/main" xmlns:p15="http://schemas.microsoft.com/office/powerpoint/2012/main" xmlns:ahyp="http://schemas.microsoft.com/office/drawing/2018/hyperlinkcolor">
+<p:sld xmlns:a="http://schemas.openxmlformats.org/drawingml/2006/main" xmlns:r="http://schemas.openxmlformats.org/officeDocument/2006/relationships" xmlns:p="http://schemas.openxmlformats.org/presentationml/2006/main">
   <p:cSld>
     <p:spTree>
       <p:nvGrpSpPr>
-        <p:cNvPr id="101" name="Shape 101"/>
+        <p:cNvPr id="1" name="Shape 101"/>
         <p:cNvGrpSpPr/>
         <p:nvPr/>
       </p:nvGrpSpPr>
@@ -10521,7 +10476,9 @@
       <p:sp>
         <p:nvSpPr>
           <p:cNvPr id="102" name="Google Shape;102;p7"/>
-          <p:cNvSpPr txBox="1"/>
+          <p:cNvSpPr txBox="1">
+            <a:spLocks noGrp="1"/>
+          </p:cNvSpPr>
           <p:nvPr>
             <p:ph type="title"/>
           </p:nvPr>
@@ -10540,12 +10497,12 @@
           </a:ln>
         </p:spPr>
         <p:txBody>
-          <a:bodyPr anchorCtr="0" anchor="ctr" bIns="45700" lIns="91425" spcFirstLastPara="1" rIns="91425" wrap="square" tIns="45700">
+          <a:bodyPr spcFirstLastPara="1" wrap="square" lIns="91425" tIns="45700" rIns="91425" bIns="45700" anchor="ctr" anchorCtr="0">
             <a:normAutofit/>
           </a:bodyPr>
           <a:lstStyle/>
           <a:p>
-            <a:pPr indent="0" lvl="0" marL="0" rtl="0" algn="ctr">
+            <a:pPr marL="0" lvl="0" indent="0" algn="ctr" rtl="0">
               <a:spcBef>
                 <a:spcPts val="0"/>
               </a:spcBef>
@@ -10578,9 +10535,11 @@
       <p:sp>
         <p:nvSpPr>
           <p:cNvPr id="103" name="Google Shape;103;p7"/>
-          <p:cNvSpPr txBox="1"/>
+          <p:cNvSpPr txBox="1">
+            <a:spLocks noGrp="1"/>
+          </p:cNvSpPr>
           <p:nvPr>
-            <p:ph idx="1" type="body"/>
+            <p:ph type="body" idx="1"/>
           </p:nvPr>
         </p:nvSpPr>
         <p:spPr>
@@ -10597,12 +10556,12 @@
           </a:ln>
         </p:spPr>
         <p:txBody>
-          <a:bodyPr anchorCtr="0" anchor="t" bIns="45700" lIns="91425" spcFirstLastPara="1" rIns="91425" wrap="square" tIns="45700">
+          <a:bodyPr spcFirstLastPara="1" wrap="square" lIns="91425" tIns="45700" rIns="91425" bIns="45700" anchor="t" anchorCtr="0">
             <a:normAutofit/>
           </a:bodyPr>
           <a:lstStyle/>
           <a:p>
-            <a:pPr indent="-342900" lvl="0" marL="342900" rtl="0" algn="l">
+            <a:pPr marL="342900" lvl="0" indent="-342900" algn="l" rtl="0">
               <a:spcBef>
                 <a:spcPts val="0"/>
               </a:spcBef>
@@ -10630,7 +10589,7 @@
             <a:endParaRPr/>
           </a:p>
           <a:p>
-            <a:pPr indent="-342900" lvl="0" marL="342900" rtl="0" algn="l">
+            <a:pPr marL="342900" lvl="0" indent="-342900" algn="l" rtl="0">
               <a:spcBef>
                 <a:spcPts val="640"/>
               </a:spcBef>
@@ -10666,7 +10625,7 @@
             </a:endParaRPr>
           </a:p>
           <a:p>
-            <a:pPr indent="-342900" lvl="0" marL="342900" rtl="0" algn="l">
+            <a:pPr marL="342900" lvl="0" indent="-342900" algn="l" rtl="0">
               <a:spcBef>
                 <a:spcPts val="640"/>
               </a:spcBef>
@@ -10703,7 +10662,7 @@
             </a:endParaRPr>
           </a:p>
           <a:p>
-            <a:pPr indent="-342900" lvl="0" marL="342900" rtl="0" algn="l">
+            <a:pPr marL="342900" lvl="0" indent="-342900" algn="l" rtl="0">
               <a:spcBef>
                 <a:spcPts val="640"/>
               </a:spcBef>
@@ -10741,11 +10700,11 @@
 </file>
 
 <file path=ppt/slides/slide9.xml><?xml version="1.0" encoding="utf-8"?>
-<p:sld xmlns:a="http://schemas.openxmlformats.org/drawingml/2006/main" xmlns:r="http://schemas.openxmlformats.org/officeDocument/2006/relationships" xmlns:mc="http://schemas.openxmlformats.org/markup-compatibility/2006" xmlns:mv="urn:schemas-microsoft-com:mac:vml" xmlns:p="http://schemas.openxmlformats.org/presentationml/2006/main" xmlns:c="http://schemas.openxmlformats.org/drawingml/2006/chart" xmlns:dgm="http://schemas.openxmlformats.org/drawingml/2006/diagram" xmlns:o="urn:schemas-microsoft-com:office:office" xmlns:v="urn:schemas-microsoft-com:vml" xmlns:pvml="urn:schemas-microsoft-com:office:powerpoint" xmlns:com="http://schemas.openxmlformats.org/drawingml/2006/compatibility" xmlns:p14="http://schemas.microsoft.com/office/powerpoint/2010/main" xmlns:p15="http://schemas.microsoft.com/office/powerpoint/2012/main" xmlns:ahyp="http://schemas.microsoft.com/office/drawing/2018/hyperlinkcolor">
+<p:sld xmlns:a="http://schemas.openxmlformats.org/drawingml/2006/main" xmlns:r="http://schemas.openxmlformats.org/officeDocument/2006/relationships" xmlns:p="http://schemas.openxmlformats.org/presentationml/2006/main">
   <p:cSld>
     <p:spTree>
       <p:nvGrpSpPr>
-        <p:cNvPr id="107" name="Shape 107"/>
+        <p:cNvPr id="1" name="Shape 107"/>
         <p:cNvGrpSpPr/>
         <p:nvPr/>
       </p:nvGrpSpPr>
@@ -10760,7 +10719,9 @@
       <p:sp>
         <p:nvSpPr>
           <p:cNvPr id="108" name="Google Shape;108;p8"/>
-          <p:cNvSpPr txBox="1"/>
+          <p:cNvSpPr txBox="1">
+            <a:spLocks noGrp="1"/>
+          </p:cNvSpPr>
           <p:nvPr>
             <p:ph type="title"/>
           </p:nvPr>
@@ -10779,12 +10740,12 @@
           </a:ln>
         </p:spPr>
         <p:txBody>
-          <a:bodyPr anchorCtr="0" anchor="ctr" bIns="45700" lIns="91425" spcFirstLastPara="1" rIns="91425" wrap="square" tIns="45700">
+          <a:bodyPr spcFirstLastPara="1" wrap="square" lIns="91425" tIns="45700" rIns="91425" bIns="45700" anchor="ctr" anchorCtr="0">
             <a:normAutofit/>
           </a:bodyPr>
           <a:lstStyle/>
           <a:p>
-            <a:pPr indent="0" lvl="0" marL="0" rtl="0" algn="ctr">
+            <a:pPr marL="0" lvl="0" indent="0" algn="ctr" rtl="0">
               <a:spcBef>
                 <a:spcPts val="0"/>
               </a:spcBef>
@@ -10817,9 +10778,11 @@
       <p:sp>
         <p:nvSpPr>
           <p:cNvPr id="109" name="Google Shape;109;p8"/>
-          <p:cNvSpPr txBox="1"/>
+          <p:cNvSpPr txBox="1">
+            <a:spLocks noGrp="1"/>
+          </p:cNvSpPr>
           <p:nvPr>
-            <p:ph idx="1" type="body"/>
+            <p:ph type="body" idx="1"/>
           </p:nvPr>
         </p:nvSpPr>
         <p:spPr>
@@ -10836,12 +10799,12 @@
           </a:ln>
         </p:spPr>
         <p:txBody>
-          <a:bodyPr anchorCtr="0" anchor="t" bIns="45700" lIns="91425" spcFirstLastPara="1" rIns="91425" wrap="square" tIns="45700">
+          <a:bodyPr spcFirstLastPara="1" wrap="square" lIns="91425" tIns="45700" rIns="91425" bIns="45700" anchor="t" anchorCtr="0">
             <a:normAutofit/>
           </a:bodyPr>
           <a:lstStyle/>
           <a:p>
-            <a:pPr indent="-342900" lvl="0" marL="342900" rtl="0" algn="l">
+            <a:pPr marL="342900" lvl="0" indent="-342900" algn="l" rtl="0">
               <a:spcBef>
                 <a:spcPts val="0"/>
               </a:spcBef>
@@ -10869,7 +10832,7 @@
             <a:endParaRPr/>
           </a:p>
           <a:p>
-            <a:pPr indent="-342900" lvl="0" marL="342900" rtl="0" algn="l">
+            <a:pPr marL="342900" lvl="0" indent="-342900" algn="l" rtl="0">
               <a:spcBef>
                 <a:spcPts val="640"/>
               </a:spcBef>
@@ -10897,7 +10860,7 @@
             <a:endParaRPr/>
           </a:p>
           <a:p>
-            <a:pPr indent="-342900" lvl="0" marL="342900" rtl="0" algn="l">
+            <a:pPr marL="342900" lvl="0" indent="-342900" algn="l" rtl="0">
               <a:spcBef>
                 <a:spcPts val="640"/>
               </a:spcBef>
@@ -10935,7 +10898,288 @@
 </file>
 
 <file path=ppt/theme/theme1.xml><?xml version="1.0" encoding="utf-8"?>
-<a:theme xmlns:a="http://schemas.openxmlformats.org/drawingml/2006/main" xmlns:r="http://schemas.openxmlformats.org/officeDocument/2006/relationships">
+<a:theme xmlns:a="http://schemas.openxmlformats.org/drawingml/2006/main" name="Simple Dark">
+  <a:themeElements>
+    <a:clrScheme name="Simple Dark">
+      <a:dk1>
+        <a:srgbClr val="FFFFFF"/>
+      </a:dk1>
+      <a:lt1>
+        <a:srgbClr val="212121"/>
+      </a:lt1>
+      <a:dk2>
+        <a:srgbClr val="303030"/>
+      </a:dk2>
+      <a:lt2>
+        <a:srgbClr val="ADADAD"/>
+      </a:lt2>
+      <a:accent1>
+        <a:srgbClr val="009688"/>
+      </a:accent1>
+      <a:accent2>
+        <a:srgbClr val="EEEEEE"/>
+      </a:accent2>
+      <a:accent3>
+        <a:srgbClr val="78909C"/>
+      </a:accent3>
+      <a:accent4>
+        <a:srgbClr val="FFAB40"/>
+      </a:accent4>
+      <a:accent5>
+        <a:srgbClr val="4DD0E1"/>
+      </a:accent5>
+      <a:accent6>
+        <a:srgbClr val="EEFF41"/>
+      </a:accent6>
+      <a:hlink>
+        <a:srgbClr val="4DD0E1"/>
+      </a:hlink>
+      <a:folHlink>
+        <a:srgbClr val="4DD0E1"/>
+      </a:folHlink>
+    </a:clrScheme>
+    <a:fontScheme name="Office">
+      <a:majorFont>
+        <a:latin typeface="Arial"/>
+        <a:ea typeface=""/>
+        <a:cs typeface=""/>
+        <a:font script="Jpan" typeface="ＭＳ Ｐゴシック"/>
+        <a:font script="Hang" typeface="맑은 고딕"/>
+        <a:font script="Hans" typeface="宋体"/>
+        <a:font script="Hant" typeface="新細明體"/>
+        <a:font script="Arab" typeface="Times New Roman"/>
+        <a:font script="Hebr" typeface="Times New Roman"/>
+        <a:font script="Thai" typeface="Angsana New"/>
+        <a:font script="Ethi" typeface="Nyala"/>
+        <a:font script="Beng" typeface="Vrinda"/>
+        <a:font script="Gujr" typeface="Shruti"/>
+        <a:font script="Khmr" typeface="MoolBoran"/>
+        <a:font script="Knda" typeface="Tunga"/>
+        <a:font script="Guru" typeface="Raavi"/>
+        <a:font script="Cans" typeface="Euphemia"/>
+        <a:font script="Cher" typeface="Plantagenet Cherokee"/>
+        <a:font script="Yiii" typeface="Microsoft Yi Baiti"/>
+        <a:font script="Tibt" typeface="Microsoft Himalaya"/>
+        <a:font script="Thaa" typeface="MV Boli"/>
+        <a:font script="Deva" typeface="Mangal"/>
+        <a:font script="Telu" typeface="Gautami"/>
+        <a:font script="Taml" typeface="Latha"/>
+        <a:font script="Syrc" typeface="Estrangelo Edessa"/>
+        <a:font script="Orya" typeface="Kalinga"/>
+        <a:font script="Mlym" typeface="Kartika"/>
+        <a:font script="Laoo" typeface="DokChampa"/>
+        <a:font script="Sinh" typeface="Iskoola Pota"/>
+        <a:font script="Mong" typeface="Mongolian Baiti"/>
+        <a:font script="Viet" typeface="Times New Roman"/>
+        <a:font script="Uigh" typeface="Microsoft Uighur"/>
+        <a:font script="Geor" typeface="Sylfaen"/>
+      </a:majorFont>
+      <a:minorFont>
+        <a:latin typeface="Arial"/>
+        <a:ea typeface=""/>
+        <a:cs typeface=""/>
+        <a:font script="Jpan" typeface="ＭＳ Ｐゴシック"/>
+        <a:font script="Hang" typeface="맑은 고딕"/>
+        <a:font script="Hans" typeface="宋体"/>
+        <a:font script="Hant" typeface="新細明體"/>
+        <a:font script="Arab" typeface="Arial"/>
+        <a:font script="Hebr" typeface="Arial"/>
+        <a:font script="Thai" typeface="Cordia New"/>
+        <a:font script="Ethi" typeface="Nyala"/>
+        <a:font script="Beng" typeface="Vrinda"/>
+        <a:font script="Gujr" typeface="Shruti"/>
+        <a:font script="Khmr" typeface="DaunPenh"/>
+        <a:font script="Knda" typeface="Tunga"/>
+        <a:font script="Guru" typeface="Raavi"/>
+        <a:font script="Cans" typeface="Euphemia"/>
+        <a:font script="Cher" typeface="Plantagenet Cherokee"/>
+        <a:font script="Yiii" typeface="Microsoft Yi Baiti"/>
+        <a:font script="Tibt" typeface="Microsoft Himalaya"/>
+        <a:font script="Thaa" typeface="MV Boli"/>
+        <a:font script="Deva" typeface="Mangal"/>
+        <a:font script="Telu" typeface="Gautami"/>
+        <a:font script="Taml" typeface="Latha"/>
+        <a:font script="Syrc" typeface="Estrangelo Edessa"/>
+        <a:font script="Orya" typeface="Kalinga"/>
+        <a:font script="Mlym" typeface="Kartika"/>
+        <a:font script="Laoo" typeface="DokChampa"/>
+        <a:font script="Sinh" typeface="Iskoola Pota"/>
+        <a:font script="Mong" typeface="Mongolian Baiti"/>
+        <a:font script="Viet" typeface="Arial"/>
+        <a:font script="Uigh" typeface="Microsoft Uighur"/>
+        <a:font script="Geor" typeface="Sylfaen"/>
+      </a:minorFont>
+    </a:fontScheme>
+    <a:fmtScheme name="Office">
+      <a:fillStyleLst>
+        <a:solidFill>
+          <a:schemeClr val="phClr"/>
+        </a:solidFill>
+        <a:gradFill rotWithShape="1">
+          <a:gsLst>
+            <a:gs pos="0">
+              <a:schemeClr val="phClr">
+                <a:tint val="50000"/>
+                <a:satMod val="300000"/>
+              </a:schemeClr>
+            </a:gs>
+            <a:gs pos="35000">
+              <a:schemeClr val="phClr">
+                <a:tint val="37000"/>
+                <a:satMod val="300000"/>
+              </a:schemeClr>
+            </a:gs>
+            <a:gs pos="100000">
+              <a:schemeClr val="phClr">
+                <a:tint val="15000"/>
+                <a:satMod val="350000"/>
+              </a:schemeClr>
+            </a:gs>
+          </a:gsLst>
+          <a:lin ang="16200000" scaled="1"/>
+        </a:gradFill>
+        <a:gradFill rotWithShape="1">
+          <a:gsLst>
+            <a:gs pos="0">
+              <a:schemeClr val="phClr">
+                <a:tint val="100000"/>
+                <a:shade val="100000"/>
+                <a:satMod val="130000"/>
+              </a:schemeClr>
+            </a:gs>
+            <a:gs pos="100000">
+              <a:schemeClr val="phClr">
+                <a:tint val="50000"/>
+                <a:shade val="100000"/>
+                <a:satMod val="350000"/>
+              </a:schemeClr>
+            </a:gs>
+          </a:gsLst>
+          <a:lin ang="16200000" scaled="0"/>
+        </a:gradFill>
+      </a:fillStyleLst>
+      <a:lnStyleLst>
+        <a:ln w="9525" cap="flat" cmpd="sng" algn="ctr">
+          <a:solidFill>
+            <a:schemeClr val="phClr">
+              <a:shade val="95000"/>
+              <a:satMod val="105000"/>
+            </a:schemeClr>
+          </a:solidFill>
+          <a:prstDash val="solid"/>
+        </a:ln>
+        <a:ln w="25400" cap="flat" cmpd="sng" algn="ctr">
+          <a:solidFill>
+            <a:schemeClr val="phClr"/>
+          </a:solidFill>
+          <a:prstDash val="solid"/>
+        </a:ln>
+        <a:ln w="38100" cap="flat" cmpd="sng" algn="ctr">
+          <a:solidFill>
+            <a:schemeClr val="phClr"/>
+          </a:solidFill>
+          <a:prstDash val="solid"/>
+        </a:ln>
+      </a:lnStyleLst>
+      <a:effectStyleLst>
+        <a:effectStyle>
+          <a:effectLst>
+            <a:outerShdw blurRad="40000" dist="20000" dir="5400000" rotWithShape="0">
+              <a:srgbClr val="000000">
+                <a:alpha val="38000"/>
+              </a:srgbClr>
+            </a:outerShdw>
+          </a:effectLst>
+        </a:effectStyle>
+        <a:effectStyle>
+          <a:effectLst>
+            <a:outerShdw blurRad="40000" dist="23000" dir="5400000" rotWithShape="0">
+              <a:srgbClr val="000000">
+                <a:alpha val="35000"/>
+              </a:srgbClr>
+            </a:outerShdw>
+          </a:effectLst>
+        </a:effectStyle>
+        <a:effectStyle>
+          <a:effectLst>
+            <a:outerShdw blurRad="40000" dist="23000" dir="5400000" rotWithShape="0">
+              <a:srgbClr val="000000">
+                <a:alpha val="35000"/>
+              </a:srgbClr>
+            </a:outerShdw>
+          </a:effectLst>
+          <a:scene3d>
+            <a:camera prst="orthographicFront">
+              <a:rot lat="0" lon="0" rev="0"/>
+            </a:camera>
+            <a:lightRig rig="threePt" dir="t">
+              <a:rot lat="0" lon="0" rev="1200000"/>
+            </a:lightRig>
+          </a:scene3d>
+          <a:sp3d>
+            <a:bevelT w="63500" h="25400"/>
+          </a:sp3d>
+        </a:effectStyle>
+      </a:effectStyleLst>
+      <a:bgFillStyleLst>
+        <a:solidFill>
+          <a:schemeClr val="phClr"/>
+        </a:solidFill>
+        <a:gradFill rotWithShape="1">
+          <a:gsLst>
+            <a:gs pos="0">
+              <a:schemeClr val="phClr">
+                <a:tint val="40000"/>
+                <a:satMod val="350000"/>
+              </a:schemeClr>
+            </a:gs>
+            <a:gs pos="40000">
+              <a:schemeClr val="phClr">
+                <a:tint val="45000"/>
+                <a:shade val="99000"/>
+                <a:satMod val="350000"/>
+              </a:schemeClr>
+            </a:gs>
+            <a:gs pos="100000">
+              <a:schemeClr val="phClr">
+                <a:shade val="20000"/>
+                <a:satMod val="255000"/>
+              </a:schemeClr>
+            </a:gs>
+          </a:gsLst>
+          <a:path path="circle">
+            <a:fillToRect l="50000" t="-80000" r="50000" b="180000"/>
+          </a:path>
+        </a:gradFill>
+        <a:gradFill rotWithShape="1">
+          <a:gsLst>
+            <a:gs pos="0">
+              <a:schemeClr val="phClr">
+                <a:tint val="80000"/>
+                <a:satMod val="300000"/>
+              </a:schemeClr>
+            </a:gs>
+            <a:gs pos="100000">
+              <a:schemeClr val="phClr">
+                <a:shade val="30000"/>
+                <a:satMod val="200000"/>
+              </a:schemeClr>
+            </a:gs>
+          </a:gsLst>
+          <a:path path="circle">
+            <a:fillToRect l="50000" t="50000" r="50000" b="50000"/>
+          </a:path>
+        </a:gradFill>
+      </a:bgFillStyleLst>
+    </a:fmtScheme>
+  </a:themeElements>
+  <a:objectDefaults/>
+  <a:extraClrSchemeLst/>
+</a:theme>
+</file>
+
+<file path=ppt/theme/theme2.xml><?xml version="1.0" encoding="utf-8"?>
+<a:theme xmlns:a="http://schemas.openxmlformats.org/drawingml/2006/main">
   <a:themeElements>
     <a:clrScheme name="Default">
       <a:dk1>
@@ -11210,284 +11454,7 @@
       </a:bgFillStyleLst>
     </a:fmtScheme>
   </a:themeElements>
-</a:theme>
-</file>
-
-<file path=ppt/theme/theme2.xml><?xml version="1.0" encoding="utf-8"?>
-<a:theme xmlns:a="http://schemas.openxmlformats.org/drawingml/2006/main" xmlns:r="http://schemas.openxmlformats.org/officeDocument/2006/relationships" name="Simple Dark">
-  <a:themeElements>
-    <a:clrScheme name="Simple Dark">
-      <a:dk1>
-        <a:srgbClr val="FFFFFF"/>
-      </a:dk1>
-      <a:lt1>
-        <a:srgbClr val="212121"/>
-      </a:lt1>
-      <a:dk2>
-        <a:srgbClr val="303030"/>
-      </a:dk2>
-      <a:lt2>
-        <a:srgbClr val="ADADAD"/>
-      </a:lt2>
-      <a:accent1>
-        <a:srgbClr val="009688"/>
-      </a:accent1>
-      <a:accent2>
-        <a:srgbClr val="EEEEEE"/>
-      </a:accent2>
-      <a:accent3>
-        <a:srgbClr val="78909C"/>
-      </a:accent3>
-      <a:accent4>
-        <a:srgbClr val="FFAB40"/>
-      </a:accent4>
-      <a:accent5>
-        <a:srgbClr val="4DD0E1"/>
-      </a:accent5>
-      <a:accent6>
-        <a:srgbClr val="EEFF41"/>
-      </a:accent6>
-      <a:hlink>
-        <a:srgbClr val="4DD0E1"/>
-      </a:hlink>
-      <a:folHlink>
-        <a:srgbClr val="4DD0E1"/>
-      </a:folHlink>
-    </a:clrScheme>
-    <a:fontScheme name="Office">
-      <a:majorFont>
-        <a:latin typeface="Arial"/>
-        <a:ea typeface=""/>
-        <a:cs typeface=""/>
-        <a:font script="Jpan" typeface="ＭＳ Ｐゴシック"/>
-        <a:font script="Hang" typeface="맑은 고딕"/>
-        <a:font script="Hans" typeface="宋体"/>
-        <a:font script="Hant" typeface="新細明體"/>
-        <a:font script="Arab" typeface="Times New Roman"/>
-        <a:font script="Hebr" typeface="Times New Roman"/>
-        <a:font script="Thai" typeface="Angsana New"/>
-        <a:font script="Ethi" typeface="Nyala"/>
-        <a:font script="Beng" typeface="Vrinda"/>
-        <a:font script="Gujr" typeface="Shruti"/>
-        <a:font script="Khmr" typeface="MoolBoran"/>
-        <a:font script="Knda" typeface="Tunga"/>
-        <a:font script="Guru" typeface="Raavi"/>
-        <a:font script="Cans" typeface="Euphemia"/>
-        <a:font script="Cher" typeface="Plantagenet Cherokee"/>
-        <a:font script="Yiii" typeface="Microsoft Yi Baiti"/>
-        <a:font script="Tibt" typeface="Microsoft Himalaya"/>
-        <a:font script="Thaa" typeface="MV Boli"/>
-        <a:font script="Deva" typeface="Mangal"/>
-        <a:font script="Telu" typeface="Gautami"/>
-        <a:font script="Taml" typeface="Latha"/>
-        <a:font script="Syrc" typeface="Estrangelo Edessa"/>
-        <a:font script="Orya" typeface="Kalinga"/>
-        <a:font script="Mlym" typeface="Kartika"/>
-        <a:font script="Laoo" typeface="DokChampa"/>
-        <a:font script="Sinh" typeface="Iskoola Pota"/>
-        <a:font script="Mong" typeface="Mongolian Baiti"/>
-        <a:font script="Viet" typeface="Times New Roman"/>
-        <a:font script="Uigh" typeface="Microsoft Uighur"/>
-        <a:font script="Geor" typeface="Sylfaen"/>
-      </a:majorFont>
-      <a:minorFont>
-        <a:latin typeface="Arial"/>
-        <a:ea typeface=""/>
-        <a:cs typeface=""/>
-        <a:font script="Jpan" typeface="ＭＳ Ｐゴシック"/>
-        <a:font script="Hang" typeface="맑은 고딕"/>
-        <a:font script="Hans" typeface="宋体"/>
-        <a:font script="Hant" typeface="新細明體"/>
-        <a:font script="Arab" typeface="Arial"/>
-        <a:font script="Hebr" typeface="Arial"/>
-        <a:font script="Thai" typeface="Cordia New"/>
-        <a:font script="Ethi" typeface="Nyala"/>
-        <a:font script="Beng" typeface="Vrinda"/>
-        <a:font script="Gujr" typeface="Shruti"/>
-        <a:font script="Khmr" typeface="DaunPenh"/>
-        <a:font script="Knda" typeface="Tunga"/>
-        <a:font script="Guru" typeface="Raavi"/>
-        <a:font script="Cans" typeface="Euphemia"/>
-        <a:font script="Cher" typeface="Plantagenet Cherokee"/>
-        <a:font script="Yiii" typeface="Microsoft Yi Baiti"/>
-        <a:font script="Tibt" typeface="Microsoft Himalaya"/>
-        <a:font script="Thaa" typeface="MV Boli"/>
-        <a:font script="Deva" typeface="Mangal"/>
-        <a:font script="Telu" typeface="Gautami"/>
-        <a:font script="Taml" typeface="Latha"/>
-        <a:font script="Syrc" typeface="Estrangelo Edessa"/>
-        <a:font script="Orya" typeface="Kalinga"/>
-        <a:font script="Mlym" typeface="Kartika"/>
-        <a:font script="Laoo" typeface="DokChampa"/>
-        <a:font script="Sinh" typeface="Iskoola Pota"/>
-        <a:font script="Mong" typeface="Mongolian Baiti"/>
-        <a:font script="Viet" typeface="Arial"/>
-        <a:font script="Uigh" typeface="Microsoft Uighur"/>
-        <a:font script="Geor" typeface="Sylfaen"/>
-      </a:minorFont>
-    </a:fontScheme>
-    <a:fmtScheme name="Office">
-      <a:fillStyleLst>
-        <a:solidFill>
-          <a:schemeClr val="phClr"/>
-        </a:solidFill>
-        <a:gradFill rotWithShape="1">
-          <a:gsLst>
-            <a:gs pos="0">
-              <a:schemeClr val="phClr">
-                <a:tint val="50000"/>
-                <a:satMod val="300000"/>
-              </a:schemeClr>
-            </a:gs>
-            <a:gs pos="35000">
-              <a:schemeClr val="phClr">
-                <a:tint val="37000"/>
-                <a:satMod val="300000"/>
-              </a:schemeClr>
-            </a:gs>
-            <a:gs pos="100000">
-              <a:schemeClr val="phClr">
-                <a:tint val="15000"/>
-                <a:satMod val="350000"/>
-              </a:schemeClr>
-            </a:gs>
-          </a:gsLst>
-          <a:lin ang="16200000" scaled="1"/>
-        </a:gradFill>
-        <a:gradFill rotWithShape="1">
-          <a:gsLst>
-            <a:gs pos="0">
-              <a:schemeClr val="phClr">
-                <a:tint val="100000"/>
-                <a:shade val="100000"/>
-                <a:satMod val="130000"/>
-              </a:schemeClr>
-            </a:gs>
-            <a:gs pos="100000">
-              <a:schemeClr val="phClr">
-                <a:tint val="50000"/>
-                <a:shade val="100000"/>
-                <a:satMod val="350000"/>
-              </a:schemeClr>
-            </a:gs>
-          </a:gsLst>
-          <a:lin ang="16200000" scaled="0"/>
-        </a:gradFill>
-      </a:fillStyleLst>
-      <a:lnStyleLst>
-        <a:ln w="9525" cap="flat" cmpd="sng" algn="ctr">
-          <a:solidFill>
-            <a:schemeClr val="phClr">
-              <a:shade val="95000"/>
-              <a:satMod val="105000"/>
-            </a:schemeClr>
-          </a:solidFill>
-          <a:prstDash val="solid"/>
-        </a:ln>
-        <a:ln w="25400" cap="flat" cmpd="sng" algn="ctr">
-          <a:solidFill>
-            <a:schemeClr val="phClr"/>
-          </a:solidFill>
-          <a:prstDash val="solid"/>
-        </a:ln>
-        <a:ln w="38100" cap="flat" cmpd="sng" algn="ctr">
-          <a:solidFill>
-            <a:schemeClr val="phClr"/>
-          </a:solidFill>
-          <a:prstDash val="solid"/>
-        </a:ln>
-      </a:lnStyleLst>
-      <a:effectStyleLst>
-        <a:effectStyle>
-          <a:effectLst>
-            <a:outerShdw blurRad="40000" dist="20000" dir="5400000" rotWithShape="0">
-              <a:srgbClr val="000000">
-                <a:alpha val="38000"/>
-              </a:srgbClr>
-            </a:outerShdw>
-          </a:effectLst>
-        </a:effectStyle>
-        <a:effectStyle>
-          <a:effectLst>
-            <a:outerShdw blurRad="40000" dist="23000" dir="5400000" rotWithShape="0">
-              <a:srgbClr val="000000">
-                <a:alpha val="35000"/>
-              </a:srgbClr>
-            </a:outerShdw>
-          </a:effectLst>
-        </a:effectStyle>
-        <a:effectStyle>
-          <a:effectLst>
-            <a:outerShdw blurRad="40000" dist="23000" dir="5400000" rotWithShape="0">
-              <a:srgbClr val="000000">
-                <a:alpha val="35000"/>
-              </a:srgbClr>
-            </a:outerShdw>
-          </a:effectLst>
-          <a:scene3d>
-            <a:camera prst="orthographicFront">
-              <a:rot lat="0" lon="0" rev="0"/>
-            </a:camera>
-            <a:lightRig rig="threePt" dir="t">
-              <a:rot lat="0" lon="0" rev="1200000"/>
-            </a:lightRig>
-          </a:scene3d>
-          <a:sp3d>
-            <a:bevelT w="63500" h="25400"/>
-          </a:sp3d>
-        </a:effectStyle>
-      </a:effectStyleLst>
-      <a:bgFillStyleLst>
-        <a:solidFill>
-          <a:schemeClr val="phClr"/>
-        </a:solidFill>
-        <a:gradFill rotWithShape="1">
-          <a:gsLst>
-            <a:gs pos="0">
-              <a:schemeClr val="phClr">
-                <a:tint val="40000"/>
-                <a:satMod val="350000"/>
-              </a:schemeClr>
-            </a:gs>
-            <a:gs pos="40000">
-              <a:schemeClr val="phClr">
-                <a:tint val="45000"/>
-                <a:shade val="99000"/>
-                <a:satMod val="350000"/>
-              </a:schemeClr>
-            </a:gs>
-            <a:gs pos="100000">
-              <a:schemeClr val="phClr">
-                <a:shade val="20000"/>
-                <a:satMod val="255000"/>
-              </a:schemeClr>
-            </a:gs>
-          </a:gsLst>
-          <a:path path="circle">
-            <a:fillToRect l="50000" t="-80000" r="50000" b="180000"/>
-          </a:path>
-        </a:gradFill>
-        <a:gradFill rotWithShape="1">
-          <a:gsLst>
-            <a:gs pos="0">
-              <a:schemeClr val="phClr">
-                <a:tint val="80000"/>
-                <a:satMod val="300000"/>
-              </a:schemeClr>
-            </a:gs>
-            <a:gs pos="100000">
-              <a:schemeClr val="phClr">
-                <a:shade val="30000"/>
-                <a:satMod val="200000"/>
-              </a:schemeClr>
-            </a:gs>
-          </a:gsLst>
-          <a:path path="circle">
-            <a:fillToRect l="50000" t="50000" r="50000" b="50000"/>
-          </a:path>
-        </a:gradFill>
-      </a:bgFillStyleLst>
-    </a:fmtScheme>
-  </a:themeElements>
+  <a:objectDefaults/>
+  <a:extraClrSchemeLst/>
 </a:theme>
 </file>
--- a/Dokumentáció/Dolgozoi_belepteto_rendszer_v2.pptx
+++ b/Dokumentáció/Dolgozoi_belepteto_rendszer_v2.pptx
@@ -1,33 +1,40 @@
 
 <file path=ppt/presentation.xml><?xml version="1.0" encoding="utf-8"?>
-<p:presentation xmlns:a="http://schemas.openxmlformats.org/drawingml/2006/main" xmlns:r="http://schemas.openxmlformats.org/officeDocument/2006/relationships" xmlns:p="http://schemas.openxmlformats.org/presentationml/2006/main" strictFirstAndLastChars="0" saveSubsetFonts="1" autoCompressPictures="0">
+<p:presentation xmlns:a="http://schemas.openxmlformats.org/drawingml/2006/main" xmlns:r="http://schemas.openxmlformats.org/officeDocument/2006/relationships" xmlns:mc="http://schemas.openxmlformats.org/markup-compatibility/2006" xmlns:mv="urn:schemas-microsoft-com:mac:vml" xmlns:p="http://schemas.openxmlformats.org/presentationml/2006/main" xmlns:c="http://schemas.openxmlformats.org/drawingml/2006/chart" xmlns:dgm="http://schemas.openxmlformats.org/drawingml/2006/diagram" xmlns:o="urn:schemas-microsoft-com:office:office" xmlns:v="urn:schemas-microsoft-com:vml" xmlns:pvml="urn:schemas-microsoft-com:office:powerpoint" xmlns:com="http://schemas.openxmlformats.org/drawingml/2006/compatibility" xmlns:p14="http://schemas.microsoft.com/office/powerpoint/2010/main" xmlns:p15="http://schemas.microsoft.com/office/powerpoint/2012/main" xmlns:ahyp="http://schemas.microsoft.com/office/drawing/2018/hyperlinkcolor" autoCompressPictures="0" strictFirstAndLastChars="0" saveSubsetFonts="1">
   <p:sldMasterIdLst>
-    <p:sldMasterId id="2147483648" r:id="rId1"/>
+    <p:sldMasterId id="2147483648" r:id="rId4"/>
   </p:sldMasterIdLst>
   <p:notesMasterIdLst>
-    <p:notesMasterId r:id="rId17"/>
+    <p:notesMasterId r:id="rId5"/>
   </p:notesMasterIdLst>
   <p:sldIdLst>
-    <p:sldId id="256" r:id="rId2"/>
-    <p:sldId id="257" r:id="rId3"/>
-    <p:sldId id="258" r:id="rId4"/>
-    <p:sldId id="259" r:id="rId5"/>
-    <p:sldId id="260" r:id="rId6"/>
-    <p:sldId id="261" r:id="rId7"/>
-    <p:sldId id="262" r:id="rId8"/>
-    <p:sldId id="263" r:id="rId9"/>
-    <p:sldId id="264" r:id="rId10"/>
-    <p:sldId id="265" r:id="rId11"/>
-    <p:sldId id="266" r:id="rId12"/>
-    <p:sldId id="267" r:id="rId13"/>
-    <p:sldId id="268" r:id="rId14"/>
-    <p:sldId id="269" r:id="rId15"/>
-    <p:sldId id="270" r:id="rId16"/>
+    <p:sldId id="256" r:id="rId6"/>
+    <p:sldId id="257" r:id="rId7"/>
+    <p:sldId id="258" r:id="rId8"/>
+    <p:sldId id="259" r:id="rId9"/>
+    <p:sldId id="260" r:id="rId10"/>
+    <p:sldId id="261" r:id="rId11"/>
+    <p:sldId id="262" r:id="rId12"/>
+    <p:sldId id="263" r:id="rId13"/>
+    <p:sldId id="264" r:id="rId14"/>
+    <p:sldId id="265" r:id="rId15"/>
+    <p:sldId id="266" r:id="rId16"/>
+    <p:sldId id="267" r:id="rId17"/>
+    <p:sldId id="268" r:id="rId18"/>
+    <p:sldId id="269" r:id="rId19"/>
+    <p:sldId id="270" r:id="rId20"/>
+    <p:sldId id="271" r:id="rId21"/>
+    <p:sldId id="272" r:id="rId22"/>
+    <p:sldId id="273" r:id="rId23"/>
+    <p:sldId id="274" r:id="rId24"/>
+    <p:sldId id="275" r:id="rId25"/>
+    <p:sldId id="276" r:id="rId26"/>
+    <p:sldId id="277" r:id="rId27"/>
   </p:sldIdLst>
-  <p:sldSz cx="9144000" cy="6858000" type="screen4x3"/>
+  <p:sldSz cy="6858000" cx="9144000"/>
   <p:notesSz cx="6858000" cy="9144000"/>
   <p:defaultTextStyle>
-    <a:defPPr marR="0" lvl="0" algn="l" rtl="0">
+    <a:defPPr lvl="0" marR="0" rtl="0" algn="l">
       <a:lnSpc>
         <a:spcPct val="100000"/>
       </a:lnSpc>
@@ -38,7 +45,7 @@
         <a:spcPts val="0"/>
       </a:spcAft>
     </a:defPPr>
-    <a:lvl1pPr marR="0" lvl="0" algn="l" rtl="0">
+    <a:lvl1pPr lvl="0" marR="0" rtl="0" algn="l">
       <a:lnSpc>
         <a:spcPct val="100000"/>
       </a:lnSpc>
@@ -52,7 +59,7 @@
         <a:srgbClr val="000000"/>
       </a:buClr>
       <a:buFont typeface="Arial"/>
-      <a:defRPr sz="1400" b="0" i="0" u="none" strike="noStrike" cap="none">
+      <a:defRPr b="0" i="0" sz="1400" u="none" cap="none" strike="noStrike">
         <a:solidFill>
           <a:srgbClr val="000000"/>
         </a:solidFill>
@@ -62,7 +69,7 @@
         <a:sym typeface="Arial"/>
       </a:defRPr>
     </a:lvl1pPr>
-    <a:lvl2pPr marR="0" lvl="1" algn="l" rtl="0">
+    <a:lvl2pPr lvl="1" marR="0" rtl="0" algn="l">
       <a:lnSpc>
         <a:spcPct val="100000"/>
       </a:lnSpc>
@@ -76,7 +83,7 @@
         <a:srgbClr val="000000"/>
       </a:buClr>
       <a:buFont typeface="Arial"/>
-      <a:defRPr sz="1400" b="0" i="0" u="none" strike="noStrike" cap="none">
+      <a:defRPr b="0" i="0" sz="1400" u="none" cap="none" strike="noStrike">
         <a:solidFill>
           <a:srgbClr val="000000"/>
         </a:solidFill>
@@ -86,7 +93,7 @@
         <a:sym typeface="Arial"/>
       </a:defRPr>
     </a:lvl2pPr>
-    <a:lvl3pPr marR="0" lvl="2" algn="l" rtl="0">
+    <a:lvl3pPr lvl="2" marR="0" rtl="0" algn="l">
       <a:lnSpc>
         <a:spcPct val="100000"/>
       </a:lnSpc>
@@ -100,7 +107,7 @@
         <a:srgbClr val="000000"/>
       </a:buClr>
       <a:buFont typeface="Arial"/>
-      <a:defRPr sz="1400" b="0" i="0" u="none" strike="noStrike" cap="none">
+      <a:defRPr b="0" i="0" sz="1400" u="none" cap="none" strike="noStrike">
         <a:solidFill>
           <a:srgbClr val="000000"/>
         </a:solidFill>
@@ -110,7 +117,7 @@
         <a:sym typeface="Arial"/>
       </a:defRPr>
     </a:lvl3pPr>
-    <a:lvl4pPr marR="0" lvl="3" algn="l" rtl="0">
+    <a:lvl4pPr lvl="3" marR="0" rtl="0" algn="l">
       <a:lnSpc>
         <a:spcPct val="100000"/>
       </a:lnSpc>
@@ -124,7 +131,7 @@
         <a:srgbClr val="000000"/>
       </a:buClr>
       <a:buFont typeface="Arial"/>
-      <a:defRPr sz="1400" b="0" i="0" u="none" strike="noStrike" cap="none">
+      <a:defRPr b="0" i="0" sz="1400" u="none" cap="none" strike="noStrike">
         <a:solidFill>
           <a:srgbClr val="000000"/>
         </a:solidFill>
@@ -134,7 +141,7 @@
         <a:sym typeface="Arial"/>
       </a:defRPr>
     </a:lvl4pPr>
-    <a:lvl5pPr marR="0" lvl="4" algn="l" rtl="0">
+    <a:lvl5pPr lvl="4" marR="0" rtl="0" algn="l">
       <a:lnSpc>
         <a:spcPct val="100000"/>
       </a:lnSpc>
@@ -148,7 +155,7 @@
         <a:srgbClr val="000000"/>
       </a:buClr>
       <a:buFont typeface="Arial"/>
-      <a:defRPr sz="1400" b="0" i="0" u="none" strike="noStrike" cap="none">
+      <a:defRPr b="0" i="0" sz="1400" u="none" cap="none" strike="noStrike">
         <a:solidFill>
           <a:srgbClr val="000000"/>
         </a:solidFill>
@@ -158,7 +165,7 @@
         <a:sym typeface="Arial"/>
       </a:defRPr>
     </a:lvl5pPr>
-    <a:lvl6pPr marR="0" lvl="5" algn="l" rtl="0">
+    <a:lvl6pPr lvl="5" marR="0" rtl="0" algn="l">
       <a:lnSpc>
         <a:spcPct val="100000"/>
       </a:lnSpc>
@@ -172,7 +179,7 @@
         <a:srgbClr val="000000"/>
       </a:buClr>
       <a:buFont typeface="Arial"/>
-      <a:defRPr sz="1400" b="0" i="0" u="none" strike="noStrike" cap="none">
+      <a:defRPr b="0" i="0" sz="1400" u="none" cap="none" strike="noStrike">
         <a:solidFill>
           <a:srgbClr val="000000"/>
         </a:solidFill>
@@ -182,7 +189,7 @@
         <a:sym typeface="Arial"/>
       </a:defRPr>
     </a:lvl6pPr>
-    <a:lvl7pPr marR="0" lvl="6" algn="l" rtl="0">
+    <a:lvl7pPr lvl="6" marR="0" rtl="0" algn="l">
       <a:lnSpc>
         <a:spcPct val="100000"/>
       </a:lnSpc>
@@ -196,7 +203,7 @@
         <a:srgbClr val="000000"/>
       </a:buClr>
       <a:buFont typeface="Arial"/>
-      <a:defRPr sz="1400" b="0" i="0" u="none" strike="noStrike" cap="none">
+      <a:defRPr b="0" i="0" sz="1400" u="none" cap="none" strike="noStrike">
         <a:solidFill>
           <a:srgbClr val="000000"/>
         </a:solidFill>
@@ -206,7 +213,7 @@
         <a:sym typeface="Arial"/>
       </a:defRPr>
     </a:lvl7pPr>
-    <a:lvl8pPr marR="0" lvl="7" algn="l" rtl="0">
+    <a:lvl8pPr lvl="7" marR="0" rtl="0" algn="l">
       <a:lnSpc>
         <a:spcPct val="100000"/>
       </a:lnSpc>
@@ -220,7 +227,7 @@
         <a:srgbClr val="000000"/>
       </a:buClr>
       <a:buFont typeface="Arial"/>
-      <a:defRPr sz="1400" b="0" i="0" u="none" strike="noStrike" cap="none">
+      <a:defRPr b="0" i="0" sz="1400" u="none" cap="none" strike="noStrike">
         <a:solidFill>
           <a:srgbClr val="000000"/>
         </a:solidFill>
@@ -230,7 +237,7 @@
         <a:sym typeface="Arial"/>
       </a:defRPr>
     </a:lvl8pPr>
-    <a:lvl9pPr marR="0" lvl="8" algn="l" rtl="0">
+    <a:lvl9pPr lvl="8" marR="0" rtl="0" algn="l">
       <a:lnSpc>
         <a:spcPct val="100000"/>
       </a:lnSpc>
@@ -244,7 +251,7 @@
         <a:srgbClr val="000000"/>
       </a:buClr>
       <a:buFont typeface="Arial"/>
-      <a:defRPr sz="1400" b="0" i="0" u="none" strike="noStrike" cap="none">
+      <a:defRPr b="0" i="0" sz="1400" u="none" cap="none" strike="noStrike">
         <a:solidFill>
           <a:srgbClr val="000000"/>
         </a:solidFill>
@@ -257,7 +264,7 @@
   </p:defaultTextStyle>
   <p:extLst>
     <p:ext uri="{EFAFB233-063F-42B5-8137-9DF3F51BA10A}">
-      <p15:sldGuideLst xmlns:p15="http://schemas.microsoft.com/office/powerpoint/2012/main">
+      <p15:sldGuideLst>
         <p15:guide id="1" orient="horz" pos="2160">
           <p15:clr>
             <a:srgbClr val="000000"/>
@@ -271,23 +278,18 @@
       </p15:sldGuideLst>
     </p:ext>
     <p:ext uri="GoogleSlidesCustomDataVersion2">
-      <go:slidesCustomData xmlns:go="http://customooxmlschemas.google.com/" xmlns:ahyp="http://schemas.microsoft.com/office/drawing/2018/hyperlinkcolor" xmlns:p15="http://schemas.microsoft.com/office/powerpoint/2012/main" xmlns:p14="http://schemas.microsoft.com/office/powerpoint/2010/main" xmlns:com="http://schemas.openxmlformats.org/drawingml/2006/compatibility" xmlns:pvml="urn:schemas-microsoft-com:office:powerpoint" xmlns:v="urn:schemas-microsoft-com:vml" xmlns:o="urn:schemas-microsoft-com:office:office" xmlns:dgm="http://schemas.openxmlformats.org/drawingml/2006/diagram" xmlns:c="http://schemas.openxmlformats.org/drawingml/2006/chart" xmlns:mv="urn:schemas-microsoft-com:mac:vml" xmlns:mc="http://schemas.openxmlformats.org/markup-compatibility/2006" xmlns="" r:id="rId22" roundtripDataSignature="AMtx7mitJqAg+fzbzwTX0E/AvKM7Ecj3xA=="/>
+      <go:slidesCustomData xmlns:go="http://customooxmlschemas.google.com/" r:id="rId28" roundtripDataSignature="AMtx7mjGgEA/grsVkpudd8wPl9rDeK4Y7A=="/>
     </p:ext>
   </p:extLst>
 </p:presentation>
 </file>
 
 <file path=ppt/notesMasters/notesMaster1.xml><?xml version="1.0" encoding="utf-8"?>
-<p:notesMaster xmlns:a="http://schemas.openxmlformats.org/drawingml/2006/main" xmlns:r="http://schemas.openxmlformats.org/officeDocument/2006/relationships" xmlns:p="http://schemas.openxmlformats.org/presentationml/2006/main">
+<p:notesMaster xmlns:a="http://schemas.openxmlformats.org/drawingml/2006/main" xmlns:r="http://schemas.openxmlformats.org/officeDocument/2006/relationships" xmlns:mc="http://schemas.openxmlformats.org/markup-compatibility/2006" xmlns:mv="urn:schemas-microsoft-com:mac:vml" xmlns:p="http://schemas.openxmlformats.org/presentationml/2006/main" xmlns:c="http://schemas.openxmlformats.org/drawingml/2006/chart" xmlns:dgm="http://schemas.openxmlformats.org/drawingml/2006/diagram" xmlns:o="urn:schemas-microsoft-com:office:office" xmlns:v="urn:schemas-microsoft-com:vml" xmlns:pvml="urn:schemas-microsoft-com:office:powerpoint" xmlns:com="http://schemas.openxmlformats.org/drawingml/2006/compatibility" xmlns:p14="http://schemas.microsoft.com/office/powerpoint/2010/main" xmlns:p15="http://schemas.microsoft.com/office/powerpoint/2012/main" xmlns:ahyp="http://schemas.microsoft.com/office/drawing/2018/hyperlinkcolor">
   <p:cSld>
-    <p:bg>
-      <p:bgRef idx="1001">
-        <a:schemeClr val="bg1"/>
-      </p:bgRef>
-    </p:bg>
     <p:spTree>
       <p:nvGrpSpPr>
-        <p:cNvPr id="1" name="Shape 2"/>
+        <p:cNvPr id="2" name="Shape 2"/>
         <p:cNvGrpSpPr/>
         <p:nvPr/>
       </p:nvGrpSpPr>
@@ -302,11 +304,9 @@
       <p:sp>
         <p:nvSpPr>
           <p:cNvPr id="3" name="Google Shape;3;n"/>
-          <p:cNvSpPr>
-            <a:spLocks noGrp="1" noRot="1" noChangeAspect="1"/>
-          </p:cNvSpPr>
+          <p:cNvSpPr/>
           <p:nvPr>
-            <p:ph type="sldImg" idx="2"/>
+            <p:ph idx="2" type="sldImg"/>
           </p:nvPr>
         </p:nvSpPr>
         <p:spPr>
@@ -315,13 +315,9 @@
             <a:ext cx="4572225" cy="3429000"/>
           </a:xfrm>
           <a:custGeom>
-            <a:avLst/>
-            <a:gdLst/>
-            <a:ahLst/>
-            <a:cxnLst/>
-            <a:rect l="l" t="t" r="r" b="b"/>
+            <a:rect b="b" l="l" r="r" t="t"/>
             <a:pathLst>
-              <a:path w="120000" h="120000" extrusionOk="0">
+              <a:path extrusionOk="0" h="120000" w="120000">
                 <a:moveTo>
                   <a:pt x="0" y="0"/>
                 </a:moveTo>
@@ -339,25 +335,23 @@
             </a:pathLst>
           </a:custGeom>
           <a:noFill/>
-          <a:ln w="9525" cap="flat" cmpd="sng">
+          <a:ln cap="flat" cmpd="sng" w="9525">
             <a:solidFill>
               <a:srgbClr val="000000"/>
             </a:solidFill>
             <a:prstDash val="solid"/>
             <a:round/>
-            <a:headEnd type="none" w="sm" len="sm"/>
-            <a:tailEnd type="none" w="sm" len="sm"/>
+            <a:headEnd len="sm" w="sm" type="none"/>
+            <a:tailEnd len="sm" w="sm" type="none"/>
           </a:ln>
         </p:spPr>
       </p:sp>
       <p:sp>
         <p:nvSpPr>
           <p:cNvPr id="4" name="Google Shape;4;n"/>
-          <p:cNvSpPr txBox="1">
-            <a:spLocks noGrp="1"/>
-          </p:cNvSpPr>
+          <p:cNvSpPr txBox="1"/>
           <p:nvPr>
-            <p:ph type="body" idx="1"/>
+            <p:ph idx="1" type="body"/>
           </p:nvPr>
         </p:nvSpPr>
         <p:spPr>
@@ -374,11 +368,11 @@
           </a:ln>
         </p:spPr>
         <p:txBody>
-          <a:bodyPr spcFirstLastPara="1" wrap="square" lIns="91425" tIns="91425" rIns="91425" bIns="91425" anchor="t" anchorCtr="0">
+          <a:bodyPr anchorCtr="0" anchor="t" bIns="91425" lIns="91425" spcFirstLastPara="1" rIns="91425" wrap="square" tIns="91425">
             <a:noAutofit/>
           </a:bodyPr>
           <a:lstStyle>
-            <a:lvl1pPr marL="457200" lvl="0" indent="-298450">
+            <a:lvl1pPr indent="-298450" lvl="0" marL="457200">
               <a:spcBef>
                 <a:spcPts val="0"/>
               </a:spcBef>
@@ -389,7 +383,7 @@
               <a:buChar char="●"/>
               <a:defRPr sz="1100"/>
             </a:lvl1pPr>
-            <a:lvl2pPr marL="914400" lvl="1" indent="-298450">
+            <a:lvl2pPr indent="-298450" lvl="1" marL="914400">
               <a:spcBef>
                 <a:spcPts val="0"/>
               </a:spcBef>
@@ -400,7 +394,7 @@
               <a:buChar char="○"/>
               <a:defRPr sz="1100"/>
             </a:lvl2pPr>
-            <a:lvl3pPr marL="1371600" lvl="2" indent="-298450">
+            <a:lvl3pPr indent="-298450" lvl="2" marL="1371600">
               <a:spcBef>
                 <a:spcPts val="0"/>
               </a:spcBef>
@@ -411,7 +405,7 @@
               <a:buChar char="■"/>
               <a:defRPr sz="1100"/>
             </a:lvl3pPr>
-            <a:lvl4pPr marL="1828800" lvl="3" indent="-298450">
+            <a:lvl4pPr indent="-298450" lvl="3" marL="1828800">
               <a:spcBef>
                 <a:spcPts val="0"/>
               </a:spcBef>
@@ -422,7 +416,7 @@
               <a:buChar char="●"/>
               <a:defRPr sz="1100"/>
             </a:lvl4pPr>
-            <a:lvl5pPr marL="2286000" lvl="4" indent="-298450">
+            <a:lvl5pPr indent="-298450" lvl="4" marL="2286000">
               <a:spcBef>
                 <a:spcPts val="0"/>
               </a:spcBef>
@@ -433,7 +427,7 @@
               <a:buChar char="○"/>
               <a:defRPr sz="1100"/>
             </a:lvl5pPr>
-            <a:lvl6pPr marL="2743200" lvl="5" indent="-298450">
+            <a:lvl6pPr indent="-298450" lvl="5" marL="2743200">
               <a:spcBef>
                 <a:spcPts val="0"/>
               </a:spcBef>
@@ -444,7 +438,7 @@
               <a:buChar char="■"/>
               <a:defRPr sz="1100"/>
             </a:lvl6pPr>
-            <a:lvl7pPr marL="3200400" lvl="6" indent="-298450">
+            <a:lvl7pPr indent="-298450" lvl="6" marL="3200400">
               <a:spcBef>
                 <a:spcPts val="0"/>
               </a:spcBef>
@@ -455,7 +449,7 @@
               <a:buChar char="●"/>
               <a:defRPr sz="1100"/>
             </a:lvl7pPr>
-            <a:lvl8pPr marL="3657600" lvl="7" indent="-298450">
+            <a:lvl8pPr indent="-298450" lvl="7" marL="3657600">
               <a:spcBef>
                 <a:spcPts val="0"/>
               </a:spcBef>
@@ -466,7 +460,7 @@
               <a:buChar char="○"/>
               <a:defRPr sz="1100"/>
             </a:lvl8pPr>
-            <a:lvl9pPr marL="4114800" lvl="8" indent="-298450">
+            <a:lvl9pPr indent="-298450" lvl="8" marL="4114800">
               <a:spcBef>
                 <a:spcPts val="0"/>
               </a:spcBef>
@@ -478,16 +472,14 @@
               <a:defRPr sz="1100"/>
             </a:lvl9pPr>
           </a:lstStyle>
-          <a:p>
-            <a:endParaRPr/>
-          </a:p>
+          <a:p/>
         </p:txBody>
       </p:sp>
     </p:spTree>
   </p:cSld>
-  <p:clrMap bg1="lt1" tx1="dk1" bg2="dk2" tx2="lt2" accent1="accent1" accent2="accent2" accent3="accent3" accent4="accent4" accent5="accent5" accent6="accent6" hlink="hlink" folHlink="folHlink"/>
+  <p:clrMap accent1="accent1" accent2="accent2" accent3="accent3" accent4="accent4" accent5="accent5" accent6="accent6" bg1="lt1" bg2="dk2" tx1="dk1" tx2="lt2" folHlink="folHlink" hlink="hlink"/>
   <p:notesStyle>
-    <a:defPPr marR="0" lvl="0" algn="l" rtl="0">
+    <a:defPPr lvl="0" marR="0" rtl="0" algn="l">
       <a:lnSpc>
         <a:spcPct val="100000"/>
       </a:lnSpc>
@@ -498,7 +490,7 @@
         <a:spcPts val="0"/>
       </a:spcAft>
     </a:defPPr>
-    <a:lvl1pPr marR="0" lvl="0" algn="l" rtl="0">
+    <a:lvl1pPr lvl="0" marR="0" rtl="0" algn="l">
       <a:lnSpc>
         <a:spcPct val="100000"/>
       </a:lnSpc>
@@ -512,7 +504,7 @@
         <a:srgbClr val="000000"/>
       </a:buClr>
       <a:buFont typeface="Arial"/>
-      <a:defRPr sz="1400" b="0" i="0" u="none" strike="noStrike" cap="none">
+      <a:defRPr b="0" i="0" sz="1400" u="none" cap="none" strike="noStrike">
         <a:solidFill>
           <a:srgbClr val="000000"/>
         </a:solidFill>
@@ -522,7 +514,7 @@
         <a:sym typeface="Arial"/>
       </a:defRPr>
     </a:lvl1pPr>
-    <a:lvl2pPr marR="0" lvl="1" algn="l" rtl="0">
+    <a:lvl2pPr lvl="1" marR="0" rtl="0" algn="l">
       <a:lnSpc>
         <a:spcPct val="100000"/>
       </a:lnSpc>
@@ -536,7 +528,7 @@
         <a:srgbClr val="000000"/>
       </a:buClr>
       <a:buFont typeface="Arial"/>
-      <a:defRPr sz="1400" b="0" i="0" u="none" strike="noStrike" cap="none">
+      <a:defRPr b="0" i="0" sz="1400" u="none" cap="none" strike="noStrike">
         <a:solidFill>
           <a:srgbClr val="000000"/>
         </a:solidFill>
@@ -546,7 +538,7 @@
         <a:sym typeface="Arial"/>
       </a:defRPr>
     </a:lvl2pPr>
-    <a:lvl3pPr marR="0" lvl="2" algn="l" rtl="0">
+    <a:lvl3pPr lvl="2" marR="0" rtl="0" algn="l">
       <a:lnSpc>
         <a:spcPct val="100000"/>
       </a:lnSpc>
@@ -560,7 +552,7 @@
         <a:srgbClr val="000000"/>
       </a:buClr>
       <a:buFont typeface="Arial"/>
-      <a:defRPr sz="1400" b="0" i="0" u="none" strike="noStrike" cap="none">
+      <a:defRPr b="0" i="0" sz="1400" u="none" cap="none" strike="noStrike">
         <a:solidFill>
           <a:srgbClr val="000000"/>
         </a:solidFill>
@@ -570,7 +562,7 @@
         <a:sym typeface="Arial"/>
       </a:defRPr>
     </a:lvl3pPr>
-    <a:lvl4pPr marR="0" lvl="3" algn="l" rtl="0">
+    <a:lvl4pPr lvl="3" marR="0" rtl="0" algn="l">
       <a:lnSpc>
         <a:spcPct val="100000"/>
       </a:lnSpc>
@@ -584,7 +576,7 @@
         <a:srgbClr val="000000"/>
       </a:buClr>
       <a:buFont typeface="Arial"/>
-      <a:defRPr sz="1400" b="0" i="0" u="none" strike="noStrike" cap="none">
+      <a:defRPr b="0" i="0" sz="1400" u="none" cap="none" strike="noStrike">
         <a:solidFill>
           <a:srgbClr val="000000"/>
         </a:solidFill>
@@ -594,7 +586,7 @@
         <a:sym typeface="Arial"/>
       </a:defRPr>
     </a:lvl4pPr>
-    <a:lvl5pPr marR="0" lvl="4" algn="l" rtl="0">
+    <a:lvl5pPr lvl="4" marR="0" rtl="0" algn="l">
       <a:lnSpc>
         <a:spcPct val="100000"/>
       </a:lnSpc>
@@ -608,7 +600,7 @@
         <a:srgbClr val="000000"/>
       </a:buClr>
       <a:buFont typeface="Arial"/>
-      <a:defRPr sz="1400" b="0" i="0" u="none" strike="noStrike" cap="none">
+      <a:defRPr b="0" i="0" sz="1400" u="none" cap="none" strike="noStrike">
         <a:solidFill>
           <a:srgbClr val="000000"/>
         </a:solidFill>
@@ -618,7 +610,7 @@
         <a:sym typeface="Arial"/>
       </a:defRPr>
     </a:lvl5pPr>
-    <a:lvl6pPr marR="0" lvl="5" algn="l" rtl="0">
+    <a:lvl6pPr lvl="5" marR="0" rtl="0" algn="l">
       <a:lnSpc>
         <a:spcPct val="100000"/>
       </a:lnSpc>
@@ -632,7 +624,7 @@
         <a:srgbClr val="000000"/>
       </a:buClr>
       <a:buFont typeface="Arial"/>
-      <a:defRPr sz="1400" b="0" i="0" u="none" strike="noStrike" cap="none">
+      <a:defRPr b="0" i="0" sz="1400" u="none" cap="none" strike="noStrike">
         <a:solidFill>
           <a:srgbClr val="000000"/>
         </a:solidFill>
@@ -642,7 +634,7 @@
         <a:sym typeface="Arial"/>
       </a:defRPr>
     </a:lvl6pPr>
-    <a:lvl7pPr marR="0" lvl="6" algn="l" rtl="0">
+    <a:lvl7pPr lvl="6" marR="0" rtl="0" algn="l">
       <a:lnSpc>
         <a:spcPct val="100000"/>
       </a:lnSpc>
@@ -656,7 +648,7 @@
         <a:srgbClr val="000000"/>
       </a:buClr>
       <a:buFont typeface="Arial"/>
-      <a:defRPr sz="1400" b="0" i="0" u="none" strike="noStrike" cap="none">
+      <a:defRPr b="0" i="0" sz="1400" u="none" cap="none" strike="noStrike">
         <a:solidFill>
           <a:srgbClr val="000000"/>
         </a:solidFill>
@@ -666,7 +658,7 @@
         <a:sym typeface="Arial"/>
       </a:defRPr>
     </a:lvl7pPr>
-    <a:lvl8pPr marR="0" lvl="7" algn="l" rtl="0">
+    <a:lvl8pPr lvl="7" marR="0" rtl="0" algn="l">
       <a:lnSpc>
         <a:spcPct val="100000"/>
       </a:lnSpc>
@@ -680,7 +672,7 @@
         <a:srgbClr val="000000"/>
       </a:buClr>
       <a:buFont typeface="Arial"/>
-      <a:defRPr sz="1400" b="0" i="0" u="none" strike="noStrike" cap="none">
+      <a:defRPr b="0" i="0" sz="1400" u="none" cap="none" strike="noStrike">
         <a:solidFill>
           <a:srgbClr val="000000"/>
         </a:solidFill>
@@ -690,7 +682,7 @@
         <a:sym typeface="Arial"/>
       </a:defRPr>
     </a:lvl8pPr>
-    <a:lvl9pPr marR="0" lvl="8" algn="l" rtl="0">
+    <a:lvl9pPr lvl="8" marR="0" rtl="0" algn="l">
       <a:lnSpc>
         <a:spcPct val="100000"/>
       </a:lnSpc>
@@ -704,7 +696,7 @@
         <a:srgbClr val="000000"/>
       </a:buClr>
       <a:buFont typeface="Arial"/>
-      <a:defRPr sz="1400" b="0" i="0" u="none" strike="noStrike" cap="none">
+      <a:defRPr b="0" i="0" sz="1400" u="none" cap="none" strike="noStrike">
         <a:solidFill>
           <a:srgbClr val="000000"/>
         </a:solidFill>
@@ -719,11 +711,11 @@
 </file>
 
 <file path=ppt/notesSlides/notesSlide1.xml><?xml version="1.0" encoding="utf-8"?>
-<p:notes xmlns:a="http://schemas.openxmlformats.org/drawingml/2006/main" xmlns:r="http://schemas.openxmlformats.org/officeDocument/2006/relationships" xmlns:p="http://schemas.openxmlformats.org/presentationml/2006/main" showMasterSp="0" showMasterPhAnim="0">
+<p:notes xmlns:a="http://schemas.openxmlformats.org/drawingml/2006/main" xmlns:r="http://schemas.openxmlformats.org/officeDocument/2006/relationships" xmlns:mc="http://schemas.openxmlformats.org/markup-compatibility/2006" xmlns:mv="urn:schemas-microsoft-com:mac:vml" xmlns:p="http://schemas.openxmlformats.org/presentationml/2006/main" xmlns:c="http://schemas.openxmlformats.org/drawingml/2006/chart" xmlns:dgm="http://schemas.openxmlformats.org/drawingml/2006/diagram" xmlns:o="urn:schemas-microsoft-com:office:office" xmlns:v="urn:schemas-microsoft-com:vml" xmlns:pvml="urn:schemas-microsoft-com:office:powerpoint" xmlns:com="http://schemas.openxmlformats.org/drawingml/2006/compatibility" xmlns:p14="http://schemas.microsoft.com/office/powerpoint/2010/main" xmlns:p15="http://schemas.microsoft.com/office/powerpoint/2012/main" xmlns:ahyp="http://schemas.microsoft.com/office/drawing/2018/hyperlinkcolor" showMasterPhAnim="0" showMasterSp="0">
   <p:cSld>
     <p:spTree>
       <p:nvGrpSpPr>
-        <p:cNvPr id="1" name="Shape 56"/>
+        <p:cNvPr id="56" name="Shape 56"/>
         <p:cNvGrpSpPr/>
         <p:nvPr/>
       </p:nvGrpSpPr>
@@ -738,11 +730,9 @@
       <p:sp>
         <p:nvSpPr>
           <p:cNvPr id="57" name="Google Shape;57;p1:notes"/>
-          <p:cNvSpPr txBox="1">
-            <a:spLocks noGrp="1"/>
-          </p:cNvSpPr>
+          <p:cNvSpPr txBox="1"/>
           <p:nvPr>
-            <p:ph type="body" idx="1"/>
+            <p:ph idx="1" type="body"/>
           </p:nvPr>
         </p:nvSpPr>
         <p:spPr>
@@ -755,12 +745,12 @@
           </a:prstGeom>
         </p:spPr>
         <p:txBody>
-          <a:bodyPr spcFirstLastPara="1" wrap="square" lIns="91425" tIns="91425" rIns="91425" bIns="91425" anchor="t" anchorCtr="0">
+          <a:bodyPr anchorCtr="0" anchor="t" bIns="91425" lIns="91425" spcFirstLastPara="1" rIns="91425" wrap="square" tIns="91425">
             <a:noAutofit/>
           </a:bodyPr>
           <a:lstStyle/>
           <a:p>
-            <a:pPr marL="0" lvl="0" indent="0" algn="l" rtl="0">
+            <a:pPr indent="0" lvl="0" marL="0" rtl="0" algn="l">
               <a:spcBef>
                 <a:spcPts val="0"/>
               </a:spcBef>
@@ -769,6 +759,9 @@
               </a:spcAft>
               <a:buNone/>
             </a:pPr>
+            <a:r>
+              <a:t/>
+            </a:r>
             <a:endParaRPr/>
           </a:p>
         </p:txBody>
@@ -776,26 +769,20 @@
       <p:sp>
         <p:nvSpPr>
           <p:cNvPr id="58" name="Google Shape;58;p1:notes"/>
-          <p:cNvSpPr>
-            <a:spLocks noGrp="1" noRot="1" noChangeAspect="1"/>
-          </p:cNvSpPr>
+          <p:cNvSpPr/>
           <p:nvPr>
-            <p:ph type="sldImg" idx="2"/>
+            <p:ph idx="2" type="sldImg"/>
           </p:nvPr>
         </p:nvSpPr>
         <p:spPr>
           <a:xfrm>
-            <a:off x="1143000" y="685800"/>
-            <a:ext cx="4572000" cy="3429000"/>
+            <a:off x="1143225" y="685800"/>
+            <a:ext cx="4572225" cy="3429000"/>
           </a:xfrm>
           <a:custGeom>
-            <a:avLst/>
-            <a:gdLst/>
-            <a:ahLst/>
-            <a:cxnLst/>
-            <a:rect l="l" t="t" r="r" b="b"/>
+            <a:rect b="b" l="l" r="r" t="t"/>
             <a:pathLst>
-              <a:path w="120000" h="120000" extrusionOk="0">
+              <a:path extrusionOk="0" h="120000" w="120000">
                 <a:moveTo>
                   <a:pt x="0" y="0"/>
                 </a:moveTo>
@@ -823,11 +810,11 @@
 </file>
 
 <file path=ppt/notesSlides/notesSlide10.xml><?xml version="1.0" encoding="utf-8"?>
-<p:notes xmlns:a="http://schemas.openxmlformats.org/drawingml/2006/main" xmlns:r="http://schemas.openxmlformats.org/officeDocument/2006/relationships" xmlns:p="http://schemas.openxmlformats.org/presentationml/2006/main" showMasterSp="0" showMasterPhAnim="0">
+<p:notes xmlns:a="http://schemas.openxmlformats.org/drawingml/2006/main" xmlns:r="http://schemas.openxmlformats.org/officeDocument/2006/relationships" xmlns:mc="http://schemas.openxmlformats.org/markup-compatibility/2006" xmlns:mv="urn:schemas-microsoft-com:mac:vml" xmlns:p="http://schemas.openxmlformats.org/presentationml/2006/main" xmlns:c="http://schemas.openxmlformats.org/drawingml/2006/chart" xmlns:dgm="http://schemas.openxmlformats.org/drawingml/2006/diagram" xmlns:o="urn:schemas-microsoft-com:office:office" xmlns:v="urn:schemas-microsoft-com:vml" xmlns:pvml="urn:schemas-microsoft-com:office:powerpoint" xmlns:com="http://schemas.openxmlformats.org/drawingml/2006/compatibility" xmlns:p14="http://schemas.microsoft.com/office/powerpoint/2010/main" xmlns:p15="http://schemas.microsoft.com/office/powerpoint/2012/main" xmlns:ahyp="http://schemas.microsoft.com/office/drawing/2018/hyperlinkcolor" showMasterPhAnim="0" showMasterSp="0">
   <p:cSld>
     <p:spTree>
       <p:nvGrpSpPr>
-        <p:cNvPr id="1" name="Shape 110"/>
+        <p:cNvPr id="114" name="Shape 114"/>
         <p:cNvGrpSpPr/>
         <p:nvPr/>
       </p:nvGrpSpPr>
@@ -841,12 +828,10 @@
       </p:grpSpPr>
       <p:sp>
         <p:nvSpPr>
-          <p:cNvPr id="111" name="Google Shape;111;p9:notes"/>
-          <p:cNvSpPr txBox="1">
-            <a:spLocks noGrp="1"/>
-          </p:cNvSpPr>
+          <p:cNvPr id="115" name="Google Shape;115;p6:notes"/>
+          <p:cNvSpPr txBox="1"/>
           <p:nvPr>
-            <p:ph type="body" idx="1"/>
+            <p:ph idx="1" type="body"/>
           </p:nvPr>
         </p:nvSpPr>
         <p:spPr>
@@ -859,12 +844,12 @@
           </a:prstGeom>
         </p:spPr>
         <p:txBody>
-          <a:bodyPr spcFirstLastPara="1" wrap="square" lIns="91425" tIns="91425" rIns="91425" bIns="91425" anchor="t" anchorCtr="0">
+          <a:bodyPr anchorCtr="0" anchor="t" bIns="91425" lIns="91425" spcFirstLastPara="1" rIns="91425" wrap="square" tIns="91425">
             <a:noAutofit/>
           </a:bodyPr>
           <a:lstStyle/>
           <a:p>
-            <a:pPr marL="0" lvl="0" indent="0" algn="l" rtl="0">
+            <a:pPr indent="0" lvl="0" marL="0" rtl="0" algn="l">
               <a:spcBef>
                 <a:spcPts val="0"/>
               </a:spcBef>
@@ -873,33 +858,30 @@
               </a:spcAft>
               <a:buNone/>
             </a:pPr>
+            <a:r>
+              <a:t/>
+            </a:r>
             <a:endParaRPr/>
           </a:p>
         </p:txBody>
       </p:sp>
       <p:sp>
         <p:nvSpPr>
-          <p:cNvPr id="112" name="Google Shape;112;p9:notes"/>
-          <p:cNvSpPr>
-            <a:spLocks noGrp="1" noRot="1" noChangeAspect="1"/>
-          </p:cNvSpPr>
+          <p:cNvPr id="116" name="Google Shape;116;p6:notes"/>
+          <p:cNvSpPr/>
           <p:nvPr>
-            <p:ph type="sldImg" idx="2"/>
+            <p:ph idx="2" type="sldImg"/>
           </p:nvPr>
         </p:nvSpPr>
         <p:spPr>
           <a:xfrm>
-            <a:off x="1143000" y="685800"/>
-            <a:ext cx="4572000" cy="3429000"/>
+            <a:off x="1143225" y="685800"/>
+            <a:ext cx="4572225" cy="3429000"/>
           </a:xfrm>
           <a:custGeom>
-            <a:avLst/>
-            <a:gdLst/>
-            <a:ahLst/>
-            <a:cxnLst/>
-            <a:rect l="l" t="t" r="r" b="b"/>
+            <a:rect b="b" l="l" r="r" t="t"/>
             <a:pathLst>
-              <a:path w="120000" h="120000" extrusionOk="0">
+              <a:path extrusionOk="0" h="120000" w="120000">
                 <a:moveTo>
                   <a:pt x="0" y="0"/>
                 </a:moveTo>
@@ -927,11 +909,11 @@
 </file>
 
 <file path=ppt/notesSlides/notesSlide11.xml><?xml version="1.0" encoding="utf-8"?>
-<p:notes xmlns:a="http://schemas.openxmlformats.org/drawingml/2006/main" xmlns:r="http://schemas.openxmlformats.org/officeDocument/2006/relationships" xmlns:p="http://schemas.openxmlformats.org/presentationml/2006/main" showMasterSp="0" showMasterPhAnim="0">
+<p:notes xmlns:a="http://schemas.openxmlformats.org/drawingml/2006/main" xmlns:r="http://schemas.openxmlformats.org/officeDocument/2006/relationships" xmlns:mc="http://schemas.openxmlformats.org/markup-compatibility/2006" xmlns:mv="urn:schemas-microsoft-com:mac:vml" xmlns:p="http://schemas.openxmlformats.org/presentationml/2006/main" xmlns:c="http://schemas.openxmlformats.org/drawingml/2006/chart" xmlns:dgm="http://schemas.openxmlformats.org/drawingml/2006/diagram" xmlns:o="urn:schemas-microsoft-com:office:office" xmlns:v="urn:schemas-microsoft-com:vml" xmlns:pvml="urn:schemas-microsoft-com:office:powerpoint" xmlns:com="http://schemas.openxmlformats.org/drawingml/2006/compatibility" xmlns:p14="http://schemas.microsoft.com/office/powerpoint/2010/main" xmlns:p15="http://schemas.microsoft.com/office/powerpoint/2012/main" xmlns:ahyp="http://schemas.microsoft.com/office/drawing/2018/hyperlinkcolor" showMasterPhAnim="0" showMasterSp="0">
   <p:cSld>
     <p:spTree>
       <p:nvGrpSpPr>
-        <p:cNvPr id="1" name="Shape 116"/>
+        <p:cNvPr id="120" name="Shape 120"/>
         <p:cNvGrpSpPr/>
         <p:nvPr/>
       </p:nvGrpSpPr>
@@ -945,65 +927,21 @@
       </p:grpSpPr>
       <p:sp>
         <p:nvSpPr>
-          <p:cNvPr id="117" name="Google Shape;117;p10:notes"/>
-          <p:cNvSpPr txBox="1">
-            <a:spLocks noGrp="1"/>
-          </p:cNvSpPr>
+          <p:cNvPr id="121" name="Google Shape;121;g34c024e3535_0_52:notes"/>
+          <p:cNvSpPr/>
           <p:nvPr>
-            <p:ph type="body" idx="1"/>
+            <p:ph idx="2" type="sldImg"/>
           </p:nvPr>
         </p:nvSpPr>
         <p:spPr>
           <a:xfrm>
-            <a:off x="685800" y="4343400"/>
-            <a:ext cx="5486400" cy="4114800"/>
-          </a:xfrm>
-          <a:prstGeom prst="rect">
-            <a:avLst/>
-          </a:prstGeom>
-        </p:spPr>
-        <p:txBody>
-          <a:bodyPr spcFirstLastPara="1" wrap="square" lIns="91425" tIns="91425" rIns="91425" bIns="91425" anchor="t" anchorCtr="0">
-            <a:noAutofit/>
-          </a:bodyPr>
-          <a:lstStyle/>
-          <a:p>
-            <a:pPr marL="0" lvl="0" indent="0" algn="l" rtl="0">
-              <a:spcBef>
-                <a:spcPts val="0"/>
-              </a:spcBef>
-              <a:spcAft>
-                <a:spcPts val="0"/>
-              </a:spcAft>
-              <a:buNone/>
-            </a:pPr>
-            <a:endParaRPr/>
-          </a:p>
-        </p:txBody>
-      </p:sp>
-      <p:sp>
-        <p:nvSpPr>
-          <p:cNvPr id="118" name="Google Shape;118;p10:notes"/>
-          <p:cNvSpPr>
-            <a:spLocks noGrp="1" noRot="1" noChangeAspect="1"/>
-          </p:cNvSpPr>
-          <p:nvPr>
-            <p:ph type="sldImg" idx="2"/>
-          </p:nvPr>
-        </p:nvSpPr>
-        <p:spPr>
-          <a:xfrm>
-            <a:off x="1143000" y="685800"/>
-            <a:ext cx="4572000" cy="3429000"/>
+            <a:off x="1143225" y="685800"/>
+            <a:ext cx="4572300" cy="3429000"/>
           </a:xfrm>
           <a:custGeom>
-            <a:avLst/>
-            <a:gdLst/>
-            <a:ahLst/>
-            <a:cxnLst/>
-            <a:rect l="l" t="t" r="r" b="b"/>
+            <a:rect b="b" l="l" r="r" t="t"/>
             <a:pathLst>
-              <a:path w="120000" h="120000" extrusionOk="0">
+              <a:path extrusionOk="0" h="120000" w="120000">
                 <a:moveTo>
                   <a:pt x="0" y="0"/>
                 </a:moveTo>
@@ -1022,6 +960,45 @@
           </a:custGeom>
         </p:spPr>
       </p:sp>
+      <p:sp>
+        <p:nvSpPr>
+          <p:cNvPr id="122" name="Google Shape;122;g34c024e3535_0_52:notes"/>
+          <p:cNvSpPr txBox="1"/>
+          <p:nvPr>
+            <p:ph idx="1" type="body"/>
+          </p:nvPr>
+        </p:nvSpPr>
+        <p:spPr>
+          <a:xfrm>
+            <a:off x="685800" y="4343400"/>
+            <a:ext cx="5486400" cy="4114800"/>
+          </a:xfrm>
+          <a:prstGeom prst="rect">
+            <a:avLst/>
+          </a:prstGeom>
+        </p:spPr>
+        <p:txBody>
+          <a:bodyPr anchorCtr="0" anchor="t" bIns="91425" lIns="91425" spcFirstLastPara="1" rIns="91425" wrap="square" tIns="91425">
+            <a:noAutofit/>
+          </a:bodyPr>
+          <a:lstStyle/>
+          <a:p>
+            <a:pPr indent="0" lvl="0" marL="0" rtl="0" algn="l">
+              <a:spcBef>
+                <a:spcPts val="0"/>
+              </a:spcBef>
+              <a:spcAft>
+                <a:spcPts val="0"/>
+              </a:spcAft>
+              <a:buNone/>
+            </a:pPr>
+            <a:r>
+              <a:t/>
+            </a:r>
+            <a:endParaRPr/>
+          </a:p>
+        </p:txBody>
+      </p:sp>
     </p:spTree>
   </p:cSld>
   <p:clrMapOvr>
@@ -1031,11 +1008,11 @@
 </file>
 
 <file path=ppt/notesSlides/notesSlide12.xml><?xml version="1.0" encoding="utf-8"?>
-<p:notes xmlns:a="http://schemas.openxmlformats.org/drawingml/2006/main" xmlns:r="http://schemas.openxmlformats.org/officeDocument/2006/relationships" xmlns:p="http://schemas.openxmlformats.org/presentationml/2006/main" showMasterSp="0" showMasterPhAnim="0">
+<p:notes xmlns:a="http://schemas.openxmlformats.org/drawingml/2006/main" xmlns:r="http://schemas.openxmlformats.org/officeDocument/2006/relationships" xmlns:mc="http://schemas.openxmlformats.org/markup-compatibility/2006" xmlns:mv="urn:schemas-microsoft-com:mac:vml" xmlns:p="http://schemas.openxmlformats.org/presentationml/2006/main" xmlns:c="http://schemas.openxmlformats.org/drawingml/2006/chart" xmlns:dgm="http://schemas.openxmlformats.org/drawingml/2006/diagram" xmlns:o="urn:schemas-microsoft-com:office:office" xmlns:v="urn:schemas-microsoft-com:vml" xmlns:pvml="urn:schemas-microsoft-com:office:powerpoint" xmlns:com="http://schemas.openxmlformats.org/drawingml/2006/compatibility" xmlns:p14="http://schemas.microsoft.com/office/powerpoint/2010/main" xmlns:p15="http://schemas.microsoft.com/office/powerpoint/2012/main" xmlns:ahyp="http://schemas.microsoft.com/office/drawing/2018/hyperlinkcolor" showMasterPhAnim="0" showMasterSp="0">
   <p:cSld>
     <p:spTree>
       <p:nvGrpSpPr>
-        <p:cNvPr id="1" name="Shape 122"/>
+        <p:cNvPr id="126" name="Shape 126"/>
         <p:cNvGrpSpPr/>
         <p:nvPr/>
       </p:nvGrpSpPr>
@@ -1049,12 +1026,10 @@
       </p:grpSpPr>
       <p:sp>
         <p:nvSpPr>
-          <p:cNvPr id="123" name="Google Shape;123;p11:notes"/>
-          <p:cNvSpPr txBox="1">
-            <a:spLocks noGrp="1"/>
-          </p:cNvSpPr>
+          <p:cNvPr id="127" name="Google Shape;127;p7:notes"/>
+          <p:cNvSpPr txBox="1"/>
           <p:nvPr>
-            <p:ph type="body" idx="1"/>
+            <p:ph idx="1" type="body"/>
           </p:nvPr>
         </p:nvSpPr>
         <p:spPr>
@@ -1067,12 +1042,12 @@
           </a:prstGeom>
         </p:spPr>
         <p:txBody>
-          <a:bodyPr spcFirstLastPara="1" wrap="square" lIns="91425" tIns="91425" rIns="91425" bIns="91425" anchor="t" anchorCtr="0">
+          <a:bodyPr anchorCtr="0" anchor="t" bIns="91425" lIns="91425" spcFirstLastPara="1" rIns="91425" wrap="square" tIns="91425">
             <a:noAutofit/>
           </a:bodyPr>
           <a:lstStyle/>
           <a:p>
-            <a:pPr marL="0" lvl="0" indent="0" algn="l" rtl="0">
+            <a:pPr indent="0" lvl="0" marL="0" rtl="0" algn="l">
               <a:spcBef>
                 <a:spcPts val="0"/>
               </a:spcBef>
@@ -1081,33 +1056,30 @@
               </a:spcAft>
               <a:buNone/>
             </a:pPr>
+            <a:r>
+              <a:t/>
+            </a:r>
             <a:endParaRPr/>
           </a:p>
         </p:txBody>
       </p:sp>
       <p:sp>
         <p:nvSpPr>
-          <p:cNvPr id="124" name="Google Shape;124;p11:notes"/>
-          <p:cNvSpPr>
-            <a:spLocks noGrp="1" noRot="1" noChangeAspect="1"/>
-          </p:cNvSpPr>
+          <p:cNvPr id="128" name="Google Shape;128;p7:notes"/>
+          <p:cNvSpPr/>
           <p:nvPr>
-            <p:ph type="sldImg" idx="2"/>
+            <p:ph idx="2" type="sldImg"/>
           </p:nvPr>
         </p:nvSpPr>
         <p:spPr>
           <a:xfrm>
-            <a:off x="1143000" y="685800"/>
-            <a:ext cx="4572000" cy="3429000"/>
+            <a:off x="1143225" y="685800"/>
+            <a:ext cx="4572225" cy="3429000"/>
           </a:xfrm>
           <a:custGeom>
-            <a:avLst/>
-            <a:gdLst/>
-            <a:ahLst/>
-            <a:cxnLst/>
-            <a:rect l="l" t="t" r="r" b="b"/>
+            <a:rect b="b" l="l" r="r" t="t"/>
             <a:pathLst>
-              <a:path w="120000" h="120000" extrusionOk="0">
+              <a:path extrusionOk="0" h="120000" w="120000">
                 <a:moveTo>
                   <a:pt x="0" y="0"/>
                 </a:moveTo>
@@ -1135,11 +1107,11 @@
 </file>
 
 <file path=ppt/notesSlides/notesSlide13.xml><?xml version="1.0" encoding="utf-8"?>
-<p:notes xmlns:a="http://schemas.openxmlformats.org/drawingml/2006/main" xmlns:r="http://schemas.openxmlformats.org/officeDocument/2006/relationships" xmlns:p="http://schemas.openxmlformats.org/presentationml/2006/main" showMasterSp="0" showMasterPhAnim="0">
+<p:notes xmlns:a="http://schemas.openxmlformats.org/drawingml/2006/main" xmlns:r="http://schemas.openxmlformats.org/officeDocument/2006/relationships" xmlns:mc="http://schemas.openxmlformats.org/markup-compatibility/2006" xmlns:mv="urn:schemas-microsoft-com:mac:vml" xmlns:p="http://schemas.openxmlformats.org/presentationml/2006/main" xmlns:c="http://schemas.openxmlformats.org/drawingml/2006/chart" xmlns:dgm="http://schemas.openxmlformats.org/drawingml/2006/diagram" xmlns:o="urn:schemas-microsoft-com:office:office" xmlns:v="urn:schemas-microsoft-com:vml" xmlns:pvml="urn:schemas-microsoft-com:office:powerpoint" xmlns:com="http://schemas.openxmlformats.org/drawingml/2006/compatibility" xmlns:p14="http://schemas.microsoft.com/office/powerpoint/2010/main" xmlns:p15="http://schemas.microsoft.com/office/powerpoint/2012/main" xmlns:ahyp="http://schemas.microsoft.com/office/drawing/2018/hyperlinkcolor" showMasterPhAnim="0" showMasterSp="0">
   <p:cSld>
     <p:spTree>
       <p:nvGrpSpPr>
-        <p:cNvPr id="1" name="Shape 128"/>
+        <p:cNvPr id="132" name="Shape 132"/>
         <p:cNvGrpSpPr/>
         <p:nvPr/>
       </p:nvGrpSpPr>
@@ -1153,12 +1125,10 @@
       </p:grpSpPr>
       <p:sp>
         <p:nvSpPr>
-          <p:cNvPr id="129" name="Google Shape;129;p12:notes"/>
-          <p:cNvSpPr txBox="1">
-            <a:spLocks noGrp="1"/>
-          </p:cNvSpPr>
+          <p:cNvPr id="133" name="Google Shape;133;p8:notes"/>
+          <p:cNvSpPr txBox="1"/>
           <p:nvPr>
-            <p:ph type="body" idx="1"/>
+            <p:ph idx="1" type="body"/>
           </p:nvPr>
         </p:nvSpPr>
         <p:spPr>
@@ -1171,12 +1141,12 @@
           </a:prstGeom>
         </p:spPr>
         <p:txBody>
-          <a:bodyPr spcFirstLastPara="1" wrap="square" lIns="91425" tIns="91425" rIns="91425" bIns="91425" anchor="t" anchorCtr="0">
+          <a:bodyPr anchorCtr="0" anchor="t" bIns="91425" lIns="91425" spcFirstLastPara="1" rIns="91425" wrap="square" tIns="91425">
             <a:noAutofit/>
           </a:bodyPr>
           <a:lstStyle/>
           <a:p>
-            <a:pPr marL="0" lvl="0" indent="0" algn="l" rtl="0">
+            <a:pPr indent="0" lvl="0" marL="0" rtl="0" algn="l">
               <a:spcBef>
                 <a:spcPts val="0"/>
               </a:spcBef>
@@ -1185,33 +1155,30 @@
               </a:spcAft>
               <a:buNone/>
             </a:pPr>
+            <a:r>
+              <a:t/>
+            </a:r>
             <a:endParaRPr/>
           </a:p>
         </p:txBody>
       </p:sp>
       <p:sp>
         <p:nvSpPr>
-          <p:cNvPr id="130" name="Google Shape;130;p12:notes"/>
-          <p:cNvSpPr>
-            <a:spLocks noGrp="1" noRot="1" noChangeAspect="1"/>
-          </p:cNvSpPr>
+          <p:cNvPr id="134" name="Google Shape;134;p8:notes"/>
+          <p:cNvSpPr/>
           <p:nvPr>
-            <p:ph type="sldImg" idx="2"/>
+            <p:ph idx="2" type="sldImg"/>
           </p:nvPr>
         </p:nvSpPr>
         <p:spPr>
           <a:xfrm>
-            <a:off x="1143000" y="685800"/>
-            <a:ext cx="4572000" cy="3429000"/>
+            <a:off x="1143225" y="685800"/>
+            <a:ext cx="4572225" cy="3429000"/>
           </a:xfrm>
           <a:custGeom>
-            <a:avLst/>
-            <a:gdLst/>
-            <a:ahLst/>
-            <a:cxnLst/>
-            <a:rect l="l" t="t" r="r" b="b"/>
+            <a:rect b="b" l="l" r="r" t="t"/>
             <a:pathLst>
-              <a:path w="120000" h="120000" extrusionOk="0">
+              <a:path extrusionOk="0" h="120000" w="120000">
                 <a:moveTo>
                   <a:pt x="0" y="0"/>
                 </a:moveTo>
@@ -1239,11 +1206,11 @@
 </file>
 
 <file path=ppt/notesSlides/notesSlide14.xml><?xml version="1.0" encoding="utf-8"?>
-<p:notes xmlns:a="http://schemas.openxmlformats.org/drawingml/2006/main" xmlns:r="http://schemas.openxmlformats.org/officeDocument/2006/relationships" xmlns:p="http://schemas.openxmlformats.org/presentationml/2006/main" showMasterSp="0" showMasterPhAnim="0">
+<p:notes xmlns:a="http://schemas.openxmlformats.org/drawingml/2006/main" xmlns:r="http://schemas.openxmlformats.org/officeDocument/2006/relationships" xmlns:mc="http://schemas.openxmlformats.org/markup-compatibility/2006" xmlns:mv="urn:schemas-microsoft-com:mac:vml" xmlns:p="http://schemas.openxmlformats.org/presentationml/2006/main" xmlns:c="http://schemas.openxmlformats.org/drawingml/2006/chart" xmlns:dgm="http://schemas.openxmlformats.org/drawingml/2006/diagram" xmlns:o="urn:schemas-microsoft-com:office:office" xmlns:v="urn:schemas-microsoft-com:vml" xmlns:pvml="urn:schemas-microsoft-com:office:powerpoint" xmlns:com="http://schemas.openxmlformats.org/drawingml/2006/compatibility" xmlns:p14="http://schemas.microsoft.com/office/powerpoint/2010/main" xmlns:p15="http://schemas.microsoft.com/office/powerpoint/2012/main" xmlns:ahyp="http://schemas.microsoft.com/office/drawing/2018/hyperlinkcolor" showMasterPhAnim="0" showMasterSp="0">
   <p:cSld>
     <p:spTree>
       <p:nvGrpSpPr>
-        <p:cNvPr id="1" name="Shape 134"/>
+        <p:cNvPr id="138" name="Shape 138"/>
         <p:cNvGrpSpPr/>
         <p:nvPr/>
       </p:nvGrpSpPr>
@@ -1257,12 +1224,10 @@
       </p:grpSpPr>
       <p:sp>
         <p:nvSpPr>
-          <p:cNvPr id="135" name="Google Shape;135;p13:notes"/>
-          <p:cNvSpPr txBox="1">
-            <a:spLocks noGrp="1"/>
-          </p:cNvSpPr>
+          <p:cNvPr id="139" name="Google Shape;139;p9:notes"/>
+          <p:cNvSpPr txBox="1"/>
           <p:nvPr>
-            <p:ph type="body" idx="1"/>
+            <p:ph idx="1" type="body"/>
           </p:nvPr>
         </p:nvSpPr>
         <p:spPr>
@@ -1275,12 +1240,12 @@
           </a:prstGeom>
         </p:spPr>
         <p:txBody>
-          <a:bodyPr spcFirstLastPara="1" wrap="square" lIns="91425" tIns="91425" rIns="91425" bIns="91425" anchor="t" anchorCtr="0">
+          <a:bodyPr anchorCtr="0" anchor="t" bIns="91425" lIns="91425" spcFirstLastPara="1" rIns="91425" wrap="square" tIns="91425">
             <a:noAutofit/>
           </a:bodyPr>
           <a:lstStyle/>
           <a:p>
-            <a:pPr marL="0" lvl="0" indent="0" algn="l" rtl="0">
+            <a:pPr indent="0" lvl="0" marL="0" rtl="0" algn="l">
               <a:spcBef>
                 <a:spcPts val="0"/>
               </a:spcBef>
@@ -1289,33 +1254,30 @@
               </a:spcAft>
               <a:buNone/>
             </a:pPr>
+            <a:r>
+              <a:t/>
+            </a:r>
             <a:endParaRPr/>
           </a:p>
         </p:txBody>
       </p:sp>
       <p:sp>
         <p:nvSpPr>
-          <p:cNvPr id="136" name="Google Shape;136;p13:notes"/>
-          <p:cNvSpPr>
-            <a:spLocks noGrp="1" noRot="1" noChangeAspect="1"/>
-          </p:cNvSpPr>
+          <p:cNvPr id="140" name="Google Shape;140;p9:notes"/>
+          <p:cNvSpPr/>
           <p:nvPr>
-            <p:ph type="sldImg" idx="2"/>
+            <p:ph idx="2" type="sldImg"/>
           </p:nvPr>
         </p:nvSpPr>
         <p:spPr>
           <a:xfrm>
-            <a:off x="1143000" y="685800"/>
-            <a:ext cx="4572000" cy="3429000"/>
+            <a:off x="1143225" y="685800"/>
+            <a:ext cx="4572225" cy="3429000"/>
           </a:xfrm>
           <a:custGeom>
-            <a:avLst/>
-            <a:gdLst/>
-            <a:ahLst/>
-            <a:cxnLst/>
-            <a:rect l="l" t="t" r="r" b="b"/>
+            <a:rect b="b" l="l" r="r" t="t"/>
             <a:pathLst>
-              <a:path w="120000" h="120000" extrusionOk="0">
+              <a:path extrusionOk="0" h="120000" w="120000">
                 <a:moveTo>
                   <a:pt x="0" y="0"/>
                 </a:moveTo>
@@ -1343,11 +1305,11 @@
 </file>
 
 <file path=ppt/notesSlides/notesSlide15.xml><?xml version="1.0" encoding="utf-8"?>
-<p:notes xmlns:a="http://schemas.openxmlformats.org/drawingml/2006/main" xmlns:r="http://schemas.openxmlformats.org/officeDocument/2006/relationships" xmlns:p="http://schemas.openxmlformats.org/presentationml/2006/main" showMasterSp="0" showMasterPhAnim="0">
+<p:notes xmlns:a="http://schemas.openxmlformats.org/drawingml/2006/main" xmlns:r="http://schemas.openxmlformats.org/officeDocument/2006/relationships" xmlns:mc="http://schemas.openxmlformats.org/markup-compatibility/2006" xmlns:mv="urn:schemas-microsoft-com:mac:vml" xmlns:p="http://schemas.openxmlformats.org/presentationml/2006/main" xmlns:c="http://schemas.openxmlformats.org/drawingml/2006/chart" xmlns:dgm="http://schemas.openxmlformats.org/drawingml/2006/diagram" xmlns:o="urn:schemas-microsoft-com:office:office" xmlns:v="urn:schemas-microsoft-com:vml" xmlns:pvml="urn:schemas-microsoft-com:office:powerpoint" xmlns:com="http://schemas.openxmlformats.org/drawingml/2006/compatibility" xmlns:p14="http://schemas.microsoft.com/office/powerpoint/2010/main" xmlns:p15="http://schemas.microsoft.com/office/powerpoint/2012/main" xmlns:ahyp="http://schemas.microsoft.com/office/drawing/2018/hyperlinkcolor" showMasterPhAnim="0" showMasterSp="0">
   <p:cSld>
     <p:spTree>
       <p:nvGrpSpPr>
-        <p:cNvPr id="1" name="Shape 140"/>
+        <p:cNvPr id="144" name="Shape 144"/>
         <p:cNvGrpSpPr/>
         <p:nvPr/>
       </p:nvGrpSpPr>
@@ -1361,12 +1323,10 @@
       </p:grpSpPr>
       <p:sp>
         <p:nvSpPr>
-          <p:cNvPr id="141" name="Google Shape;141;p14:notes"/>
-          <p:cNvSpPr txBox="1">
-            <a:spLocks noGrp="1"/>
-          </p:cNvSpPr>
+          <p:cNvPr id="145" name="Google Shape;145;p10:notes"/>
+          <p:cNvSpPr txBox="1"/>
           <p:nvPr>
-            <p:ph type="body" idx="1"/>
+            <p:ph idx="1" type="body"/>
           </p:nvPr>
         </p:nvSpPr>
         <p:spPr>
@@ -1379,12 +1339,12 @@
           </a:prstGeom>
         </p:spPr>
         <p:txBody>
-          <a:bodyPr spcFirstLastPara="1" wrap="square" lIns="91425" tIns="91425" rIns="91425" bIns="91425" anchor="t" anchorCtr="0">
+          <a:bodyPr anchorCtr="0" anchor="t" bIns="91425" lIns="91425" spcFirstLastPara="1" rIns="91425" wrap="square" tIns="91425">
             <a:noAutofit/>
           </a:bodyPr>
           <a:lstStyle/>
           <a:p>
-            <a:pPr marL="0" lvl="0" indent="0" algn="l" rtl="0">
+            <a:pPr indent="0" lvl="0" marL="0" rtl="0" algn="l">
               <a:spcBef>
                 <a:spcPts val="0"/>
               </a:spcBef>
@@ -1393,33 +1353,30 @@
               </a:spcAft>
               <a:buNone/>
             </a:pPr>
+            <a:r>
+              <a:t/>
+            </a:r>
             <a:endParaRPr/>
           </a:p>
         </p:txBody>
       </p:sp>
       <p:sp>
         <p:nvSpPr>
-          <p:cNvPr id="142" name="Google Shape;142;p14:notes"/>
-          <p:cNvSpPr>
-            <a:spLocks noGrp="1" noRot="1" noChangeAspect="1"/>
-          </p:cNvSpPr>
+          <p:cNvPr id="146" name="Google Shape;146;p10:notes"/>
+          <p:cNvSpPr/>
           <p:nvPr>
-            <p:ph type="sldImg" idx="2"/>
+            <p:ph idx="2" type="sldImg"/>
           </p:nvPr>
         </p:nvSpPr>
         <p:spPr>
           <a:xfrm>
-            <a:off x="1143000" y="685800"/>
-            <a:ext cx="4572000" cy="3429000"/>
+            <a:off x="1143225" y="685800"/>
+            <a:ext cx="4572225" cy="3429000"/>
           </a:xfrm>
           <a:custGeom>
-            <a:avLst/>
-            <a:gdLst/>
-            <a:ahLst/>
-            <a:cxnLst/>
-            <a:rect l="l" t="t" r="r" b="b"/>
+            <a:rect b="b" l="l" r="r" t="t"/>
             <a:pathLst>
-              <a:path w="120000" h="120000" extrusionOk="0">
+              <a:path extrusionOk="0" h="120000" w="120000">
                 <a:moveTo>
                   <a:pt x="0" y="0"/>
                 </a:moveTo>
@@ -1446,12 +1403,12 @@
 </p:notes>
 </file>
 
-<file path=ppt/notesSlides/notesSlide2.xml><?xml version="1.0" encoding="utf-8"?>
-<p:notes xmlns:a="http://schemas.openxmlformats.org/drawingml/2006/main" xmlns:r="http://schemas.openxmlformats.org/officeDocument/2006/relationships" xmlns:p="http://schemas.openxmlformats.org/presentationml/2006/main" showMasterSp="0" showMasterPhAnim="0">
+<file path=ppt/notesSlides/notesSlide16.xml><?xml version="1.0" encoding="utf-8"?>
+<p:notes xmlns:a="http://schemas.openxmlformats.org/drawingml/2006/main" xmlns:r="http://schemas.openxmlformats.org/officeDocument/2006/relationships" xmlns:mc="http://schemas.openxmlformats.org/markup-compatibility/2006" xmlns:mv="urn:schemas-microsoft-com:mac:vml" xmlns:p="http://schemas.openxmlformats.org/presentationml/2006/main" xmlns:c="http://schemas.openxmlformats.org/drawingml/2006/chart" xmlns:dgm="http://schemas.openxmlformats.org/drawingml/2006/diagram" xmlns:o="urn:schemas-microsoft-com:office:office" xmlns:v="urn:schemas-microsoft-com:vml" xmlns:pvml="urn:schemas-microsoft-com:office:powerpoint" xmlns:com="http://schemas.openxmlformats.org/drawingml/2006/compatibility" xmlns:p14="http://schemas.microsoft.com/office/powerpoint/2010/main" xmlns:p15="http://schemas.microsoft.com/office/powerpoint/2012/main" xmlns:ahyp="http://schemas.microsoft.com/office/drawing/2018/hyperlinkcolor" showMasterPhAnim="0" showMasterSp="0">
   <p:cSld>
     <p:spTree>
       <p:nvGrpSpPr>
-        <p:cNvPr id="1" name="Shape 62"/>
+        <p:cNvPr id="150" name="Shape 150"/>
         <p:cNvGrpSpPr/>
         <p:nvPr/>
       </p:nvGrpSpPr>
@@ -1465,12 +1422,10 @@
       </p:grpSpPr>
       <p:sp>
         <p:nvSpPr>
-          <p:cNvPr id="63" name="Google Shape;63;p2:notes"/>
-          <p:cNvSpPr txBox="1">
-            <a:spLocks noGrp="1"/>
-          </p:cNvSpPr>
+          <p:cNvPr id="151" name="Google Shape;151;p11:notes"/>
+          <p:cNvSpPr txBox="1"/>
           <p:nvPr>
-            <p:ph type="body" idx="1"/>
+            <p:ph idx="1" type="body"/>
           </p:nvPr>
         </p:nvSpPr>
         <p:spPr>
@@ -1483,12 +1438,12 @@
           </a:prstGeom>
         </p:spPr>
         <p:txBody>
-          <a:bodyPr spcFirstLastPara="1" wrap="square" lIns="91425" tIns="91425" rIns="91425" bIns="91425" anchor="t" anchorCtr="0">
+          <a:bodyPr anchorCtr="0" anchor="t" bIns="91425" lIns="91425" spcFirstLastPara="1" rIns="91425" wrap="square" tIns="91425">
             <a:noAutofit/>
           </a:bodyPr>
           <a:lstStyle/>
           <a:p>
-            <a:pPr marL="0" lvl="0" indent="0" algn="l" rtl="0">
+            <a:pPr indent="0" lvl="0" marL="0" rtl="0" algn="l">
               <a:spcBef>
                 <a:spcPts val="0"/>
               </a:spcBef>
@@ -1497,33 +1452,30 @@
               </a:spcAft>
               <a:buNone/>
             </a:pPr>
+            <a:r>
+              <a:t/>
+            </a:r>
             <a:endParaRPr/>
           </a:p>
         </p:txBody>
       </p:sp>
       <p:sp>
         <p:nvSpPr>
-          <p:cNvPr id="64" name="Google Shape;64;p2:notes"/>
-          <p:cNvSpPr>
-            <a:spLocks noGrp="1" noRot="1" noChangeAspect="1"/>
-          </p:cNvSpPr>
+          <p:cNvPr id="152" name="Google Shape;152;p11:notes"/>
+          <p:cNvSpPr/>
           <p:nvPr>
-            <p:ph type="sldImg" idx="2"/>
+            <p:ph idx="2" type="sldImg"/>
           </p:nvPr>
         </p:nvSpPr>
         <p:spPr>
           <a:xfrm>
-            <a:off x="1143000" y="685800"/>
-            <a:ext cx="4572000" cy="3429000"/>
+            <a:off x="1143225" y="685800"/>
+            <a:ext cx="4572225" cy="3429000"/>
           </a:xfrm>
           <a:custGeom>
-            <a:avLst/>
-            <a:gdLst/>
-            <a:ahLst/>
-            <a:cxnLst/>
-            <a:rect l="l" t="t" r="r" b="b"/>
+            <a:rect b="b" l="l" r="r" t="t"/>
             <a:pathLst>
-              <a:path w="120000" h="120000" extrusionOk="0">
+              <a:path extrusionOk="0" h="120000" w="120000">
                 <a:moveTo>
                   <a:pt x="0" y="0"/>
                 </a:moveTo>
@@ -1550,12 +1502,12 @@
 </p:notes>
 </file>
 
-<file path=ppt/notesSlides/notesSlide3.xml><?xml version="1.0" encoding="utf-8"?>
-<p:notes xmlns:a="http://schemas.openxmlformats.org/drawingml/2006/main" xmlns:r="http://schemas.openxmlformats.org/officeDocument/2006/relationships" xmlns:p="http://schemas.openxmlformats.org/presentationml/2006/main" showMasterSp="0" showMasterPhAnim="0">
+<file path=ppt/notesSlides/notesSlide17.xml><?xml version="1.0" encoding="utf-8"?>
+<p:notes xmlns:a="http://schemas.openxmlformats.org/drawingml/2006/main" xmlns:r="http://schemas.openxmlformats.org/officeDocument/2006/relationships" xmlns:mc="http://schemas.openxmlformats.org/markup-compatibility/2006" xmlns:mv="urn:schemas-microsoft-com:mac:vml" xmlns:p="http://schemas.openxmlformats.org/presentationml/2006/main" xmlns:c="http://schemas.openxmlformats.org/drawingml/2006/chart" xmlns:dgm="http://schemas.openxmlformats.org/drawingml/2006/diagram" xmlns:o="urn:schemas-microsoft-com:office:office" xmlns:v="urn:schemas-microsoft-com:vml" xmlns:pvml="urn:schemas-microsoft-com:office:powerpoint" xmlns:com="http://schemas.openxmlformats.org/drawingml/2006/compatibility" xmlns:p14="http://schemas.microsoft.com/office/powerpoint/2010/main" xmlns:p15="http://schemas.microsoft.com/office/powerpoint/2012/main" xmlns:ahyp="http://schemas.microsoft.com/office/drawing/2018/hyperlinkcolor" showMasterPhAnim="0" showMasterSp="0">
   <p:cSld>
     <p:spTree>
       <p:nvGrpSpPr>
-        <p:cNvPr id="1" name="Shape 68"/>
+        <p:cNvPr id="156" name="Shape 156"/>
         <p:cNvGrpSpPr/>
         <p:nvPr/>
       </p:nvGrpSpPr>
@@ -1569,65 +1521,21 @@
       </p:grpSpPr>
       <p:sp>
         <p:nvSpPr>
-          <p:cNvPr id="69" name="Google Shape;69;p3:notes"/>
-          <p:cNvSpPr txBox="1">
-            <a:spLocks noGrp="1"/>
-          </p:cNvSpPr>
+          <p:cNvPr id="157" name="Google Shape;157;g34e6c35d3db_0_18:notes"/>
+          <p:cNvSpPr/>
           <p:nvPr>
-            <p:ph type="body" idx="1"/>
+            <p:ph idx="2" type="sldImg"/>
           </p:nvPr>
         </p:nvSpPr>
         <p:spPr>
           <a:xfrm>
-            <a:off x="685800" y="4343400"/>
-            <a:ext cx="5486400" cy="4114800"/>
-          </a:xfrm>
-          <a:prstGeom prst="rect">
-            <a:avLst/>
-          </a:prstGeom>
-        </p:spPr>
-        <p:txBody>
-          <a:bodyPr spcFirstLastPara="1" wrap="square" lIns="91425" tIns="91425" rIns="91425" bIns="91425" anchor="t" anchorCtr="0">
-            <a:noAutofit/>
-          </a:bodyPr>
-          <a:lstStyle/>
-          <a:p>
-            <a:pPr marL="0" lvl="0" indent="0" algn="l" rtl="0">
-              <a:spcBef>
-                <a:spcPts val="0"/>
-              </a:spcBef>
-              <a:spcAft>
-                <a:spcPts val="0"/>
-              </a:spcAft>
-              <a:buNone/>
-            </a:pPr>
-            <a:endParaRPr/>
-          </a:p>
-        </p:txBody>
-      </p:sp>
-      <p:sp>
-        <p:nvSpPr>
-          <p:cNvPr id="70" name="Google Shape;70;p3:notes"/>
-          <p:cNvSpPr>
-            <a:spLocks noGrp="1" noRot="1" noChangeAspect="1"/>
-          </p:cNvSpPr>
-          <p:nvPr>
-            <p:ph type="sldImg" idx="2"/>
-          </p:nvPr>
-        </p:nvSpPr>
-        <p:spPr>
-          <a:xfrm>
-            <a:off x="1143000" y="685800"/>
-            <a:ext cx="4572000" cy="3429000"/>
+            <a:off x="1143225" y="685800"/>
+            <a:ext cx="4572300" cy="3429000"/>
           </a:xfrm>
           <a:custGeom>
-            <a:avLst/>
-            <a:gdLst/>
-            <a:ahLst/>
-            <a:cxnLst/>
-            <a:rect l="l" t="t" r="r" b="b"/>
+            <a:rect b="b" l="l" r="r" t="t"/>
             <a:pathLst>
-              <a:path w="120000" h="120000" extrusionOk="0">
+              <a:path extrusionOk="0" h="120000" w="120000">
                 <a:moveTo>
                   <a:pt x="0" y="0"/>
                 </a:moveTo>
@@ -1646,6 +1554,45 @@
           </a:custGeom>
         </p:spPr>
       </p:sp>
+      <p:sp>
+        <p:nvSpPr>
+          <p:cNvPr id="158" name="Google Shape;158;g34e6c35d3db_0_18:notes"/>
+          <p:cNvSpPr txBox="1"/>
+          <p:nvPr>
+            <p:ph idx="1" type="body"/>
+          </p:nvPr>
+        </p:nvSpPr>
+        <p:spPr>
+          <a:xfrm>
+            <a:off x="685800" y="4343400"/>
+            <a:ext cx="5486400" cy="4114800"/>
+          </a:xfrm>
+          <a:prstGeom prst="rect">
+            <a:avLst/>
+          </a:prstGeom>
+        </p:spPr>
+        <p:txBody>
+          <a:bodyPr anchorCtr="0" anchor="t" bIns="91425" lIns="91425" spcFirstLastPara="1" rIns="91425" wrap="square" tIns="91425">
+            <a:noAutofit/>
+          </a:bodyPr>
+          <a:lstStyle/>
+          <a:p>
+            <a:pPr indent="0" lvl="0" marL="0" rtl="0" algn="l">
+              <a:spcBef>
+                <a:spcPts val="0"/>
+              </a:spcBef>
+              <a:spcAft>
+                <a:spcPts val="0"/>
+              </a:spcAft>
+              <a:buNone/>
+            </a:pPr>
+            <a:r>
+              <a:t/>
+            </a:r>
+            <a:endParaRPr/>
+          </a:p>
+        </p:txBody>
+      </p:sp>
     </p:spTree>
   </p:cSld>
   <p:clrMapOvr>
@@ -1654,12 +1601,12 @@
 </p:notes>
 </file>
 
-<file path=ppt/notesSlides/notesSlide4.xml><?xml version="1.0" encoding="utf-8"?>
-<p:notes xmlns:a="http://schemas.openxmlformats.org/drawingml/2006/main" xmlns:r="http://schemas.openxmlformats.org/officeDocument/2006/relationships" xmlns:p="http://schemas.openxmlformats.org/presentationml/2006/main" showMasterSp="0" showMasterPhAnim="0">
+<file path=ppt/notesSlides/notesSlide18.xml><?xml version="1.0" encoding="utf-8"?>
+<p:notes xmlns:a="http://schemas.openxmlformats.org/drawingml/2006/main" xmlns:r="http://schemas.openxmlformats.org/officeDocument/2006/relationships" xmlns:mc="http://schemas.openxmlformats.org/markup-compatibility/2006" xmlns:mv="urn:schemas-microsoft-com:mac:vml" xmlns:p="http://schemas.openxmlformats.org/presentationml/2006/main" xmlns:c="http://schemas.openxmlformats.org/drawingml/2006/chart" xmlns:dgm="http://schemas.openxmlformats.org/drawingml/2006/diagram" xmlns:o="urn:schemas-microsoft-com:office:office" xmlns:v="urn:schemas-microsoft-com:vml" xmlns:pvml="urn:schemas-microsoft-com:office:powerpoint" xmlns:com="http://schemas.openxmlformats.org/drawingml/2006/compatibility" xmlns:p14="http://schemas.microsoft.com/office/powerpoint/2010/main" xmlns:p15="http://schemas.microsoft.com/office/powerpoint/2012/main" xmlns:ahyp="http://schemas.microsoft.com/office/drawing/2018/hyperlinkcolor" showMasterPhAnim="0" showMasterSp="0">
   <p:cSld>
     <p:spTree>
       <p:nvGrpSpPr>
-        <p:cNvPr id="1" name="Shape 74"/>
+        <p:cNvPr id="163" name="Shape 163"/>
         <p:cNvGrpSpPr/>
         <p:nvPr/>
       </p:nvGrpSpPr>
@@ -1673,12 +1620,10 @@
       </p:grpSpPr>
       <p:sp>
         <p:nvSpPr>
-          <p:cNvPr id="75" name="Google Shape;75;p4:notes"/>
-          <p:cNvSpPr txBox="1">
-            <a:spLocks noGrp="1"/>
-          </p:cNvSpPr>
+          <p:cNvPr id="164" name="Google Shape;164;p12:notes"/>
+          <p:cNvSpPr txBox="1"/>
           <p:nvPr>
-            <p:ph type="body" idx="1"/>
+            <p:ph idx="1" type="body"/>
           </p:nvPr>
         </p:nvSpPr>
         <p:spPr>
@@ -1691,12 +1636,12 @@
           </a:prstGeom>
         </p:spPr>
         <p:txBody>
-          <a:bodyPr spcFirstLastPara="1" wrap="square" lIns="91425" tIns="91425" rIns="91425" bIns="91425" anchor="t" anchorCtr="0">
+          <a:bodyPr anchorCtr="0" anchor="t" bIns="91425" lIns="91425" spcFirstLastPara="1" rIns="91425" wrap="square" tIns="91425">
             <a:noAutofit/>
           </a:bodyPr>
           <a:lstStyle/>
           <a:p>
-            <a:pPr marL="0" lvl="0" indent="0" algn="l" rtl="0">
+            <a:pPr indent="0" lvl="0" marL="0" rtl="0" algn="l">
               <a:spcBef>
                 <a:spcPts val="0"/>
               </a:spcBef>
@@ -1705,33 +1650,30 @@
               </a:spcAft>
               <a:buNone/>
             </a:pPr>
+            <a:r>
+              <a:t/>
+            </a:r>
             <a:endParaRPr/>
           </a:p>
         </p:txBody>
       </p:sp>
       <p:sp>
         <p:nvSpPr>
-          <p:cNvPr id="76" name="Google Shape;76;p4:notes"/>
-          <p:cNvSpPr>
-            <a:spLocks noGrp="1" noRot="1" noChangeAspect="1"/>
-          </p:cNvSpPr>
+          <p:cNvPr id="165" name="Google Shape;165;p12:notes"/>
+          <p:cNvSpPr/>
           <p:nvPr>
-            <p:ph type="sldImg" idx="2"/>
+            <p:ph idx="2" type="sldImg"/>
           </p:nvPr>
         </p:nvSpPr>
         <p:spPr>
           <a:xfrm>
-            <a:off x="1143000" y="685800"/>
-            <a:ext cx="4572000" cy="3429000"/>
+            <a:off x="1143225" y="685800"/>
+            <a:ext cx="4572225" cy="3429000"/>
           </a:xfrm>
           <a:custGeom>
-            <a:avLst/>
-            <a:gdLst/>
-            <a:ahLst/>
-            <a:cxnLst/>
-            <a:rect l="l" t="t" r="r" b="b"/>
+            <a:rect b="b" l="l" r="r" t="t"/>
             <a:pathLst>
-              <a:path w="120000" h="120000" extrusionOk="0">
+              <a:path extrusionOk="0" h="120000" w="120000">
                 <a:moveTo>
                   <a:pt x="0" y="0"/>
                 </a:moveTo>
@@ -1758,12 +1700,12 @@
 </p:notes>
 </file>
 
-<file path=ppt/notesSlides/notesSlide5.xml><?xml version="1.0" encoding="utf-8"?>
-<p:notes xmlns:a="http://schemas.openxmlformats.org/drawingml/2006/main" xmlns:r="http://schemas.openxmlformats.org/officeDocument/2006/relationships" xmlns:p="http://schemas.openxmlformats.org/presentationml/2006/main" showMasterSp="0" showMasterPhAnim="0">
+<file path=ppt/notesSlides/notesSlide19.xml><?xml version="1.0" encoding="utf-8"?>
+<p:notes xmlns:a="http://schemas.openxmlformats.org/drawingml/2006/main" xmlns:r="http://schemas.openxmlformats.org/officeDocument/2006/relationships" xmlns:mc="http://schemas.openxmlformats.org/markup-compatibility/2006" xmlns:mv="urn:schemas-microsoft-com:mac:vml" xmlns:p="http://schemas.openxmlformats.org/presentationml/2006/main" xmlns:c="http://schemas.openxmlformats.org/drawingml/2006/chart" xmlns:dgm="http://schemas.openxmlformats.org/drawingml/2006/diagram" xmlns:o="urn:schemas-microsoft-com:office:office" xmlns:v="urn:schemas-microsoft-com:vml" xmlns:pvml="urn:schemas-microsoft-com:office:powerpoint" xmlns:com="http://schemas.openxmlformats.org/drawingml/2006/compatibility" xmlns:p14="http://schemas.microsoft.com/office/powerpoint/2010/main" xmlns:p15="http://schemas.microsoft.com/office/powerpoint/2012/main" xmlns:ahyp="http://schemas.microsoft.com/office/drawing/2018/hyperlinkcolor" showMasterPhAnim="0" showMasterSp="0">
   <p:cSld>
     <p:spTree>
       <p:nvGrpSpPr>
-        <p:cNvPr id="1" name="Shape 80"/>
+        <p:cNvPr id="169" name="Shape 169"/>
         <p:cNvGrpSpPr/>
         <p:nvPr/>
       </p:nvGrpSpPr>
@@ -1777,65 +1719,21 @@
       </p:grpSpPr>
       <p:sp>
         <p:nvSpPr>
-          <p:cNvPr id="81" name="Google Shape;81;p5:notes"/>
-          <p:cNvSpPr txBox="1">
-            <a:spLocks noGrp="1"/>
-          </p:cNvSpPr>
+          <p:cNvPr id="170" name="Google Shape;170;g34e6c35d3db_0_25:notes"/>
+          <p:cNvSpPr/>
           <p:nvPr>
-            <p:ph type="body" idx="1"/>
+            <p:ph idx="2" type="sldImg"/>
           </p:nvPr>
         </p:nvSpPr>
         <p:spPr>
           <a:xfrm>
-            <a:off x="685800" y="4343400"/>
-            <a:ext cx="5486400" cy="4114800"/>
-          </a:xfrm>
-          <a:prstGeom prst="rect">
-            <a:avLst/>
-          </a:prstGeom>
-        </p:spPr>
-        <p:txBody>
-          <a:bodyPr spcFirstLastPara="1" wrap="square" lIns="91425" tIns="91425" rIns="91425" bIns="91425" anchor="t" anchorCtr="0">
-            <a:noAutofit/>
-          </a:bodyPr>
-          <a:lstStyle/>
-          <a:p>
-            <a:pPr marL="0" lvl="0" indent="0" algn="l" rtl="0">
-              <a:spcBef>
-                <a:spcPts val="0"/>
-              </a:spcBef>
-              <a:spcAft>
-                <a:spcPts val="0"/>
-              </a:spcAft>
-              <a:buNone/>
-            </a:pPr>
-            <a:endParaRPr/>
-          </a:p>
-        </p:txBody>
-      </p:sp>
-      <p:sp>
-        <p:nvSpPr>
-          <p:cNvPr id="82" name="Google Shape;82;p5:notes"/>
-          <p:cNvSpPr>
-            <a:spLocks noGrp="1" noRot="1" noChangeAspect="1"/>
-          </p:cNvSpPr>
-          <p:nvPr>
-            <p:ph type="sldImg" idx="2"/>
-          </p:nvPr>
-        </p:nvSpPr>
-        <p:spPr>
-          <a:xfrm>
-            <a:off x="1143000" y="685800"/>
-            <a:ext cx="4572000" cy="3429000"/>
+            <a:off x="1143225" y="685800"/>
+            <a:ext cx="4572300" cy="3429000"/>
           </a:xfrm>
           <a:custGeom>
-            <a:avLst/>
-            <a:gdLst/>
-            <a:ahLst/>
-            <a:cxnLst/>
-            <a:rect l="l" t="t" r="r" b="b"/>
+            <a:rect b="b" l="l" r="r" t="t"/>
             <a:pathLst>
-              <a:path w="120000" h="120000" extrusionOk="0">
+              <a:path extrusionOk="0" h="120000" w="120000">
                 <a:moveTo>
                   <a:pt x="0" y="0"/>
                 </a:moveTo>
@@ -1854,6 +1752,45 @@
           </a:custGeom>
         </p:spPr>
       </p:sp>
+      <p:sp>
+        <p:nvSpPr>
+          <p:cNvPr id="171" name="Google Shape;171;g34e6c35d3db_0_25:notes"/>
+          <p:cNvSpPr txBox="1"/>
+          <p:nvPr>
+            <p:ph idx="1" type="body"/>
+          </p:nvPr>
+        </p:nvSpPr>
+        <p:spPr>
+          <a:xfrm>
+            <a:off x="685800" y="4343400"/>
+            <a:ext cx="5486400" cy="4114800"/>
+          </a:xfrm>
+          <a:prstGeom prst="rect">
+            <a:avLst/>
+          </a:prstGeom>
+        </p:spPr>
+        <p:txBody>
+          <a:bodyPr anchorCtr="0" anchor="t" bIns="91425" lIns="91425" spcFirstLastPara="1" rIns="91425" wrap="square" tIns="91425">
+            <a:noAutofit/>
+          </a:bodyPr>
+          <a:lstStyle/>
+          <a:p>
+            <a:pPr indent="0" lvl="0" marL="0" rtl="0" algn="l">
+              <a:spcBef>
+                <a:spcPts val="0"/>
+              </a:spcBef>
+              <a:spcAft>
+                <a:spcPts val="0"/>
+              </a:spcAft>
+              <a:buNone/>
+            </a:pPr>
+            <a:r>
+              <a:t/>
+            </a:r>
+            <a:endParaRPr/>
+          </a:p>
+        </p:txBody>
+      </p:sp>
     </p:spTree>
   </p:cSld>
   <p:clrMapOvr>
@@ -1862,12 +1799,12 @@
 </p:notes>
 </file>
 
-<file path=ppt/notesSlides/notesSlide6.xml><?xml version="1.0" encoding="utf-8"?>
-<p:notes xmlns:a="http://schemas.openxmlformats.org/drawingml/2006/main" xmlns:r="http://schemas.openxmlformats.org/officeDocument/2006/relationships" xmlns:p="http://schemas.openxmlformats.org/presentationml/2006/main" showMasterSp="0" showMasterPhAnim="0">
+<file path=ppt/notesSlides/notesSlide2.xml><?xml version="1.0" encoding="utf-8"?>
+<p:notes xmlns:a="http://schemas.openxmlformats.org/drawingml/2006/main" xmlns:r="http://schemas.openxmlformats.org/officeDocument/2006/relationships" xmlns:mc="http://schemas.openxmlformats.org/markup-compatibility/2006" xmlns:mv="urn:schemas-microsoft-com:mac:vml" xmlns:p="http://schemas.openxmlformats.org/presentationml/2006/main" xmlns:c="http://schemas.openxmlformats.org/drawingml/2006/chart" xmlns:dgm="http://schemas.openxmlformats.org/drawingml/2006/diagram" xmlns:o="urn:schemas-microsoft-com:office:office" xmlns:v="urn:schemas-microsoft-com:vml" xmlns:pvml="urn:schemas-microsoft-com:office:powerpoint" xmlns:com="http://schemas.openxmlformats.org/drawingml/2006/compatibility" xmlns:p14="http://schemas.microsoft.com/office/powerpoint/2010/main" xmlns:p15="http://schemas.microsoft.com/office/powerpoint/2012/main" xmlns:ahyp="http://schemas.microsoft.com/office/drawing/2018/hyperlinkcolor" showMasterPhAnim="0" showMasterSp="0">
   <p:cSld>
     <p:spTree>
       <p:nvGrpSpPr>
-        <p:cNvPr id="1" name="Shape 86"/>
+        <p:cNvPr id="62" name="Shape 62"/>
         <p:cNvGrpSpPr/>
         <p:nvPr/>
       </p:nvGrpSpPr>
@@ -1881,12 +1818,10 @@
       </p:grpSpPr>
       <p:sp>
         <p:nvSpPr>
-          <p:cNvPr id="87" name="Google Shape;87;p6:notes"/>
-          <p:cNvSpPr txBox="1">
-            <a:spLocks noGrp="1"/>
-          </p:cNvSpPr>
+          <p:cNvPr id="63" name="Google Shape;63;p2:notes"/>
+          <p:cNvSpPr txBox="1"/>
           <p:nvPr>
-            <p:ph type="body" idx="1"/>
+            <p:ph idx="1" type="body"/>
           </p:nvPr>
         </p:nvSpPr>
         <p:spPr>
@@ -1899,12 +1834,12 @@
           </a:prstGeom>
         </p:spPr>
         <p:txBody>
-          <a:bodyPr spcFirstLastPara="1" wrap="square" lIns="91425" tIns="91425" rIns="91425" bIns="91425" anchor="t" anchorCtr="0">
+          <a:bodyPr anchorCtr="0" anchor="t" bIns="91425" lIns="91425" spcFirstLastPara="1" rIns="91425" wrap="square" tIns="91425">
             <a:noAutofit/>
           </a:bodyPr>
           <a:lstStyle/>
           <a:p>
-            <a:pPr marL="0" lvl="0" indent="0" algn="l" rtl="0">
+            <a:pPr indent="0" lvl="0" marL="0" rtl="0" algn="l">
               <a:spcBef>
                 <a:spcPts val="0"/>
               </a:spcBef>
@@ -1913,33 +1848,30 @@
               </a:spcAft>
               <a:buNone/>
             </a:pPr>
+            <a:r>
+              <a:t/>
+            </a:r>
             <a:endParaRPr/>
           </a:p>
         </p:txBody>
       </p:sp>
       <p:sp>
         <p:nvSpPr>
-          <p:cNvPr id="88" name="Google Shape;88;p6:notes"/>
-          <p:cNvSpPr>
-            <a:spLocks noGrp="1" noRot="1" noChangeAspect="1"/>
-          </p:cNvSpPr>
+          <p:cNvPr id="64" name="Google Shape;64;p2:notes"/>
+          <p:cNvSpPr/>
           <p:nvPr>
-            <p:ph type="sldImg" idx="2"/>
+            <p:ph idx="2" type="sldImg"/>
           </p:nvPr>
         </p:nvSpPr>
         <p:spPr>
           <a:xfrm>
-            <a:off x="1143000" y="685800"/>
-            <a:ext cx="4572000" cy="3429000"/>
+            <a:off x="1143225" y="685800"/>
+            <a:ext cx="4572225" cy="3429000"/>
           </a:xfrm>
           <a:custGeom>
-            <a:avLst/>
-            <a:gdLst/>
-            <a:ahLst/>
-            <a:cxnLst/>
-            <a:rect l="l" t="t" r="r" b="b"/>
+            <a:rect b="b" l="l" r="r" t="t"/>
             <a:pathLst>
-              <a:path w="120000" h="120000" extrusionOk="0">
+              <a:path extrusionOk="0" h="120000" w="120000">
                 <a:moveTo>
                   <a:pt x="0" y="0"/>
                 </a:moveTo>
@@ -1966,12 +1898,12 @@
 </p:notes>
 </file>
 
-<file path=ppt/notesSlides/notesSlide7.xml><?xml version="1.0" encoding="utf-8"?>
-<p:notes xmlns:a="http://schemas.openxmlformats.org/drawingml/2006/main" xmlns:r="http://schemas.openxmlformats.org/officeDocument/2006/relationships" xmlns:p="http://schemas.openxmlformats.org/presentationml/2006/main" showMasterSp="0" showMasterPhAnim="0">
+<file path=ppt/notesSlides/notesSlide20.xml><?xml version="1.0" encoding="utf-8"?>
+<p:notes xmlns:a="http://schemas.openxmlformats.org/drawingml/2006/main" xmlns:r="http://schemas.openxmlformats.org/officeDocument/2006/relationships" xmlns:mc="http://schemas.openxmlformats.org/markup-compatibility/2006" xmlns:mv="urn:schemas-microsoft-com:mac:vml" xmlns:p="http://schemas.openxmlformats.org/presentationml/2006/main" xmlns:c="http://schemas.openxmlformats.org/drawingml/2006/chart" xmlns:dgm="http://schemas.openxmlformats.org/drawingml/2006/diagram" xmlns:o="urn:schemas-microsoft-com:office:office" xmlns:v="urn:schemas-microsoft-com:vml" xmlns:pvml="urn:schemas-microsoft-com:office:powerpoint" xmlns:com="http://schemas.openxmlformats.org/drawingml/2006/compatibility" xmlns:p14="http://schemas.microsoft.com/office/powerpoint/2010/main" xmlns:p15="http://schemas.microsoft.com/office/powerpoint/2012/main" xmlns:ahyp="http://schemas.microsoft.com/office/drawing/2018/hyperlinkcolor" showMasterPhAnim="0" showMasterSp="0">
   <p:cSld>
     <p:spTree>
       <p:nvGrpSpPr>
-        <p:cNvPr id="1" name="Shape 92"/>
+        <p:cNvPr id="176" name="Shape 176"/>
         <p:cNvGrpSpPr/>
         <p:nvPr/>
       </p:nvGrpSpPr>
@@ -1985,27 +1917,60 @@
       </p:grpSpPr>
       <p:sp>
         <p:nvSpPr>
-          <p:cNvPr id="93" name="Google Shape;93;g34c024e3535_0_52:notes"/>
-          <p:cNvSpPr>
-            <a:spLocks noGrp="1" noRot="1" noChangeAspect="1"/>
-          </p:cNvSpPr>
+          <p:cNvPr id="177" name="Google Shape;177;p13:notes"/>
+          <p:cNvSpPr txBox="1"/>
           <p:nvPr>
-            <p:ph type="sldImg" idx="2"/>
+            <p:ph idx="1" type="body"/>
           </p:nvPr>
         </p:nvSpPr>
         <p:spPr>
           <a:xfrm>
-            <a:off x="1143000" y="685800"/>
-            <a:ext cx="4572000" cy="3429000"/>
+            <a:off x="685800" y="4343400"/>
+            <a:ext cx="5486400" cy="4114800"/>
+          </a:xfrm>
+          <a:prstGeom prst="rect">
+            <a:avLst/>
+          </a:prstGeom>
+        </p:spPr>
+        <p:txBody>
+          <a:bodyPr anchorCtr="0" anchor="t" bIns="91425" lIns="91425" spcFirstLastPara="1" rIns="91425" wrap="square" tIns="91425">
+            <a:noAutofit/>
+          </a:bodyPr>
+          <a:lstStyle/>
+          <a:p>
+            <a:pPr indent="0" lvl="0" marL="0" rtl="0" algn="l">
+              <a:spcBef>
+                <a:spcPts val="0"/>
+              </a:spcBef>
+              <a:spcAft>
+                <a:spcPts val="0"/>
+              </a:spcAft>
+              <a:buNone/>
+            </a:pPr>
+            <a:r>
+              <a:t/>
+            </a:r>
+            <a:endParaRPr/>
+          </a:p>
+        </p:txBody>
+      </p:sp>
+      <p:sp>
+        <p:nvSpPr>
+          <p:cNvPr id="178" name="Google Shape;178;p13:notes"/>
+          <p:cNvSpPr/>
+          <p:nvPr>
+            <p:ph idx="2" type="sldImg"/>
+          </p:nvPr>
+        </p:nvSpPr>
+        <p:spPr>
+          <a:xfrm>
+            <a:off x="1143225" y="685800"/>
+            <a:ext cx="4572225" cy="3429000"/>
           </a:xfrm>
           <a:custGeom>
-            <a:avLst/>
-            <a:gdLst/>
-            <a:ahLst/>
-            <a:cxnLst/>
-            <a:rect l="l" t="t" r="r" b="b"/>
+            <a:rect b="b" l="l" r="r" t="t"/>
             <a:pathLst>
-              <a:path w="120000" h="120000" extrusionOk="0">
+              <a:path extrusionOk="0" h="120000" w="120000">
                 <a:moveTo>
                   <a:pt x="0" y="0"/>
                 </a:moveTo>
@@ -2024,44 +1989,6 @@
           </a:custGeom>
         </p:spPr>
       </p:sp>
-      <p:sp>
-        <p:nvSpPr>
-          <p:cNvPr id="94" name="Google Shape;94;g34c024e3535_0_52:notes"/>
-          <p:cNvSpPr txBox="1">
-            <a:spLocks noGrp="1"/>
-          </p:cNvSpPr>
-          <p:nvPr>
-            <p:ph type="body" idx="1"/>
-          </p:nvPr>
-        </p:nvSpPr>
-        <p:spPr>
-          <a:xfrm>
-            <a:off x="685800" y="4343400"/>
-            <a:ext cx="5486400" cy="4114800"/>
-          </a:xfrm>
-          <a:prstGeom prst="rect">
-            <a:avLst/>
-          </a:prstGeom>
-        </p:spPr>
-        <p:txBody>
-          <a:bodyPr spcFirstLastPara="1" wrap="square" lIns="91425" tIns="91425" rIns="91425" bIns="91425" anchor="t" anchorCtr="0">
-            <a:noAutofit/>
-          </a:bodyPr>
-          <a:lstStyle/>
-          <a:p>
-            <a:pPr marL="0" lvl="0" indent="0" algn="l" rtl="0">
-              <a:spcBef>
-                <a:spcPts val="0"/>
-              </a:spcBef>
-              <a:spcAft>
-                <a:spcPts val="0"/>
-              </a:spcAft>
-              <a:buNone/>
-            </a:pPr>
-            <a:endParaRPr/>
-          </a:p>
-        </p:txBody>
-      </p:sp>
     </p:spTree>
   </p:cSld>
   <p:clrMapOvr>
@@ -2070,12 +1997,12 @@
 </p:notes>
 </file>
 
-<file path=ppt/notesSlides/notesSlide8.xml><?xml version="1.0" encoding="utf-8"?>
-<p:notes xmlns:a="http://schemas.openxmlformats.org/drawingml/2006/main" xmlns:r="http://schemas.openxmlformats.org/officeDocument/2006/relationships" xmlns:p="http://schemas.openxmlformats.org/presentationml/2006/main" showMasterSp="0" showMasterPhAnim="0">
+<file path=ppt/notesSlides/notesSlide21.xml><?xml version="1.0" encoding="utf-8"?>
+<p:notes xmlns:a="http://schemas.openxmlformats.org/drawingml/2006/main" xmlns:r="http://schemas.openxmlformats.org/officeDocument/2006/relationships" xmlns:mc="http://schemas.openxmlformats.org/markup-compatibility/2006" xmlns:mv="urn:schemas-microsoft-com:mac:vml" xmlns:p="http://schemas.openxmlformats.org/presentationml/2006/main" xmlns:c="http://schemas.openxmlformats.org/drawingml/2006/chart" xmlns:dgm="http://schemas.openxmlformats.org/drawingml/2006/diagram" xmlns:o="urn:schemas-microsoft-com:office:office" xmlns:v="urn:schemas-microsoft-com:vml" xmlns:pvml="urn:schemas-microsoft-com:office:powerpoint" xmlns:com="http://schemas.openxmlformats.org/drawingml/2006/compatibility" xmlns:p14="http://schemas.microsoft.com/office/powerpoint/2010/main" xmlns:p15="http://schemas.microsoft.com/office/powerpoint/2012/main" xmlns:ahyp="http://schemas.microsoft.com/office/drawing/2018/hyperlinkcolor" showMasterPhAnim="0" showMasterSp="0">
   <p:cSld>
     <p:spTree>
       <p:nvGrpSpPr>
-        <p:cNvPr id="1" name="Shape 98"/>
+        <p:cNvPr id="182" name="Shape 182"/>
         <p:cNvGrpSpPr/>
         <p:nvPr/>
       </p:nvGrpSpPr>
@@ -2089,12 +2016,10 @@
       </p:grpSpPr>
       <p:sp>
         <p:nvSpPr>
-          <p:cNvPr id="99" name="Google Shape;99;p7:notes"/>
-          <p:cNvSpPr txBox="1">
-            <a:spLocks noGrp="1"/>
-          </p:cNvSpPr>
+          <p:cNvPr id="183" name="Google Shape;183;p14:notes"/>
+          <p:cNvSpPr txBox="1"/>
           <p:nvPr>
-            <p:ph type="body" idx="1"/>
+            <p:ph idx="1" type="body"/>
           </p:nvPr>
         </p:nvSpPr>
         <p:spPr>
@@ -2107,12 +2032,12 @@
           </a:prstGeom>
         </p:spPr>
         <p:txBody>
-          <a:bodyPr spcFirstLastPara="1" wrap="square" lIns="91425" tIns="91425" rIns="91425" bIns="91425" anchor="t" anchorCtr="0">
+          <a:bodyPr anchorCtr="0" anchor="t" bIns="91425" lIns="91425" spcFirstLastPara="1" rIns="91425" wrap="square" tIns="91425">
             <a:noAutofit/>
           </a:bodyPr>
           <a:lstStyle/>
           <a:p>
-            <a:pPr marL="0" lvl="0" indent="0" algn="l" rtl="0">
+            <a:pPr indent="0" lvl="0" marL="0" rtl="0" algn="l">
               <a:spcBef>
                 <a:spcPts val="0"/>
               </a:spcBef>
@@ -2121,33 +2046,30 @@
               </a:spcAft>
               <a:buNone/>
             </a:pPr>
+            <a:r>
+              <a:t/>
+            </a:r>
             <a:endParaRPr/>
           </a:p>
         </p:txBody>
       </p:sp>
       <p:sp>
         <p:nvSpPr>
-          <p:cNvPr id="100" name="Google Shape;100;p7:notes"/>
-          <p:cNvSpPr>
-            <a:spLocks noGrp="1" noRot="1" noChangeAspect="1"/>
-          </p:cNvSpPr>
+          <p:cNvPr id="184" name="Google Shape;184;p14:notes"/>
+          <p:cNvSpPr/>
           <p:nvPr>
-            <p:ph type="sldImg" idx="2"/>
+            <p:ph idx="2" type="sldImg"/>
           </p:nvPr>
         </p:nvSpPr>
         <p:spPr>
           <a:xfrm>
-            <a:off x="1143000" y="685800"/>
-            <a:ext cx="4572000" cy="3429000"/>
+            <a:off x="1143225" y="685800"/>
+            <a:ext cx="4572225" cy="3429000"/>
           </a:xfrm>
           <a:custGeom>
-            <a:avLst/>
-            <a:gdLst/>
-            <a:ahLst/>
-            <a:cxnLst/>
-            <a:rect l="l" t="t" r="r" b="b"/>
+            <a:rect b="b" l="l" r="r" t="t"/>
             <a:pathLst>
-              <a:path w="120000" h="120000" extrusionOk="0">
+              <a:path extrusionOk="0" h="120000" w="120000">
                 <a:moveTo>
                   <a:pt x="0" y="0"/>
                 </a:moveTo>
@@ -2174,12 +2096,12 @@
 </p:notes>
 </file>
 
-<file path=ppt/notesSlides/notesSlide9.xml><?xml version="1.0" encoding="utf-8"?>
-<p:notes xmlns:a="http://schemas.openxmlformats.org/drawingml/2006/main" xmlns:r="http://schemas.openxmlformats.org/officeDocument/2006/relationships" xmlns:p="http://schemas.openxmlformats.org/presentationml/2006/main" showMasterSp="0" showMasterPhAnim="0">
+<file path=ppt/notesSlides/notesSlide22.xml><?xml version="1.0" encoding="utf-8"?>
+<p:notes xmlns:a="http://schemas.openxmlformats.org/drawingml/2006/main" xmlns:r="http://schemas.openxmlformats.org/officeDocument/2006/relationships" xmlns:mc="http://schemas.openxmlformats.org/markup-compatibility/2006" xmlns:mv="urn:schemas-microsoft-com:mac:vml" xmlns:p="http://schemas.openxmlformats.org/presentationml/2006/main" xmlns:c="http://schemas.openxmlformats.org/drawingml/2006/chart" xmlns:dgm="http://schemas.openxmlformats.org/drawingml/2006/diagram" xmlns:o="urn:schemas-microsoft-com:office:office" xmlns:v="urn:schemas-microsoft-com:vml" xmlns:pvml="urn:schemas-microsoft-com:office:powerpoint" xmlns:com="http://schemas.openxmlformats.org/drawingml/2006/compatibility" xmlns:p14="http://schemas.microsoft.com/office/powerpoint/2010/main" xmlns:p15="http://schemas.microsoft.com/office/powerpoint/2012/main" xmlns:ahyp="http://schemas.microsoft.com/office/drawing/2018/hyperlinkcolor" showMasterPhAnim="0" showMasterSp="0">
   <p:cSld>
     <p:spTree>
       <p:nvGrpSpPr>
-        <p:cNvPr id="1" name="Shape 104"/>
+        <p:cNvPr id="188" name="Shape 188"/>
         <p:cNvGrpSpPr/>
         <p:nvPr/>
       </p:nvGrpSpPr>
@@ -2193,12 +2115,10 @@
       </p:grpSpPr>
       <p:sp>
         <p:nvSpPr>
-          <p:cNvPr id="105" name="Google Shape;105;p8:notes"/>
-          <p:cNvSpPr txBox="1">
-            <a:spLocks noGrp="1"/>
-          </p:cNvSpPr>
+          <p:cNvPr id="189" name="Google Shape;189;p15:notes"/>
+          <p:cNvSpPr txBox="1"/>
           <p:nvPr>
-            <p:ph type="body" idx="1"/>
+            <p:ph idx="1" type="body"/>
           </p:nvPr>
         </p:nvSpPr>
         <p:spPr>
@@ -2211,12 +2131,12 @@
           </a:prstGeom>
         </p:spPr>
         <p:txBody>
-          <a:bodyPr spcFirstLastPara="1" wrap="square" lIns="91425" tIns="91425" rIns="91425" bIns="91425" anchor="t" anchorCtr="0">
+          <a:bodyPr anchorCtr="0" anchor="t" bIns="91425" lIns="91425" spcFirstLastPara="1" rIns="91425" wrap="square" tIns="91425">
             <a:noAutofit/>
           </a:bodyPr>
           <a:lstStyle/>
           <a:p>
-            <a:pPr marL="0" lvl="0" indent="0" algn="l" rtl="0">
+            <a:pPr indent="0" lvl="0" marL="0" rtl="0" algn="l">
               <a:spcBef>
                 <a:spcPts val="0"/>
               </a:spcBef>
@@ -2225,33 +2145,30 @@
               </a:spcAft>
               <a:buNone/>
             </a:pPr>
+            <a:r>
+              <a:t/>
+            </a:r>
             <a:endParaRPr/>
           </a:p>
         </p:txBody>
       </p:sp>
       <p:sp>
         <p:nvSpPr>
-          <p:cNvPr id="106" name="Google Shape;106;p8:notes"/>
-          <p:cNvSpPr>
-            <a:spLocks noGrp="1" noRot="1" noChangeAspect="1"/>
-          </p:cNvSpPr>
+          <p:cNvPr id="190" name="Google Shape;190;p15:notes"/>
+          <p:cNvSpPr/>
           <p:nvPr>
-            <p:ph type="sldImg" idx="2"/>
+            <p:ph idx="2" type="sldImg"/>
           </p:nvPr>
         </p:nvSpPr>
         <p:spPr>
           <a:xfrm>
-            <a:off x="1143000" y="685800"/>
-            <a:ext cx="4572000" cy="3429000"/>
+            <a:off x="1143225" y="685800"/>
+            <a:ext cx="4572225" cy="3429000"/>
           </a:xfrm>
           <a:custGeom>
-            <a:avLst/>
-            <a:gdLst/>
-            <a:ahLst/>
-            <a:cxnLst/>
-            <a:rect l="l" t="t" r="r" b="b"/>
+            <a:rect b="b" l="l" r="r" t="t"/>
             <a:pathLst>
-              <a:path w="120000" h="120000" extrusionOk="0">
+              <a:path extrusionOk="0" h="120000" w="120000">
                 <a:moveTo>
                   <a:pt x="0" y="0"/>
                 </a:moveTo>
@@ -2278,12 +2195,705 @@
 </p:notes>
 </file>
 
+<file path=ppt/notesSlides/notesSlide3.xml><?xml version="1.0" encoding="utf-8"?>
+<p:notes xmlns:a="http://schemas.openxmlformats.org/drawingml/2006/main" xmlns:r="http://schemas.openxmlformats.org/officeDocument/2006/relationships" xmlns:mc="http://schemas.openxmlformats.org/markup-compatibility/2006" xmlns:mv="urn:schemas-microsoft-com:mac:vml" xmlns:p="http://schemas.openxmlformats.org/presentationml/2006/main" xmlns:c="http://schemas.openxmlformats.org/drawingml/2006/chart" xmlns:dgm="http://schemas.openxmlformats.org/drawingml/2006/diagram" xmlns:o="urn:schemas-microsoft-com:office:office" xmlns:v="urn:schemas-microsoft-com:vml" xmlns:pvml="urn:schemas-microsoft-com:office:powerpoint" xmlns:com="http://schemas.openxmlformats.org/drawingml/2006/compatibility" xmlns:p14="http://schemas.microsoft.com/office/powerpoint/2010/main" xmlns:p15="http://schemas.microsoft.com/office/powerpoint/2012/main" xmlns:ahyp="http://schemas.microsoft.com/office/drawing/2018/hyperlinkcolor" showMasterPhAnim="0" showMasterSp="0">
+  <p:cSld>
+    <p:spTree>
+      <p:nvGrpSpPr>
+        <p:cNvPr id="68" name="Shape 68"/>
+        <p:cNvGrpSpPr/>
+        <p:nvPr/>
+      </p:nvGrpSpPr>
+      <p:grpSpPr>
+        <a:xfrm>
+          <a:off x="0" y="0"/>
+          <a:ext cx="0" cy="0"/>
+          <a:chOff x="0" y="0"/>
+          <a:chExt cx="0" cy="0"/>
+        </a:xfrm>
+      </p:grpSpPr>
+      <p:sp>
+        <p:nvSpPr>
+          <p:cNvPr id="69" name="Google Shape;69;g34e6c35d3db_0_0:notes"/>
+          <p:cNvSpPr/>
+          <p:nvPr>
+            <p:ph idx="2" type="sldImg"/>
+          </p:nvPr>
+        </p:nvSpPr>
+        <p:spPr>
+          <a:xfrm>
+            <a:off x="1143225" y="685800"/>
+            <a:ext cx="4572300" cy="3429000"/>
+          </a:xfrm>
+          <a:custGeom>
+            <a:rect b="b" l="l" r="r" t="t"/>
+            <a:pathLst>
+              <a:path extrusionOk="0" h="120000" w="120000">
+                <a:moveTo>
+                  <a:pt x="0" y="0"/>
+                </a:moveTo>
+                <a:lnTo>
+                  <a:pt x="120000" y="0"/>
+                </a:lnTo>
+                <a:lnTo>
+                  <a:pt x="120000" y="120000"/>
+                </a:lnTo>
+                <a:lnTo>
+                  <a:pt x="0" y="120000"/>
+                </a:lnTo>
+                <a:close/>
+              </a:path>
+            </a:pathLst>
+          </a:custGeom>
+        </p:spPr>
+      </p:sp>
+      <p:sp>
+        <p:nvSpPr>
+          <p:cNvPr id="70" name="Google Shape;70;g34e6c35d3db_0_0:notes"/>
+          <p:cNvSpPr txBox="1"/>
+          <p:nvPr>
+            <p:ph idx="1" type="body"/>
+          </p:nvPr>
+        </p:nvSpPr>
+        <p:spPr>
+          <a:xfrm>
+            <a:off x="685800" y="4343400"/>
+            <a:ext cx="5486400" cy="4114800"/>
+          </a:xfrm>
+          <a:prstGeom prst="rect">
+            <a:avLst/>
+          </a:prstGeom>
+        </p:spPr>
+        <p:txBody>
+          <a:bodyPr anchorCtr="0" anchor="t" bIns="91425" lIns="91425" spcFirstLastPara="1" rIns="91425" wrap="square" tIns="91425">
+            <a:noAutofit/>
+          </a:bodyPr>
+          <a:lstStyle/>
+          <a:p>
+            <a:pPr indent="0" lvl="0" marL="0" rtl="0" algn="l">
+              <a:spcBef>
+                <a:spcPts val="0"/>
+              </a:spcBef>
+              <a:spcAft>
+                <a:spcPts val="0"/>
+              </a:spcAft>
+              <a:buNone/>
+            </a:pPr>
+            <a:r>
+              <a:t/>
+            </a:r>
+            <a:endParaRPr/>
+          </a:p>
+        </p:txBody>
+      </p:sp>
+    </p:spTree>
+  </p:cSld>
+  <p:clrMapOvr>
+    <a:masterClrMapping/>
+  </p:clrMapOvr>
+</p:notes>
+</file>
+
+<file path=ppt/notesSlides/notesSlide4.xml><?xml version="1.0" encoding="utf-8"?>
+<p:notes xmlns:a="http://schemas.openxmlformats.org/drawingml/2006/main" xmlns:r="http://schemas.openxmlformats.org/officeDocument/2006/relationships" xmlns:mc="http://schemas.openxmlformats.org/markup-compatibility/2006" xmlns:mv="urn:schemas-microsoft-com:mac:vml" xmlns:p="http://schemas.openxmlformats.org/presentationml/2006/main" xmlns:c="http://schemas.openxmlformats.org/drawingml/2006/chart" xmlns:dgm="http://schemas.openxmlformats.org/drawingml/2006/diagram" xmlns:o="urn:schemas-microsoft-com:office:office" xmlns:v="urn:schemas-microsoft-com:vml" xmlns:pvml="urn:schemas-microsoft-com:office:powerpoint" xmlns:com="http://schemas.openxmlformats.org/drawingml/2006/compatibility" xmlns:p14="http://schemas.microsoft.com/office/powerpoint/2010/main" xmlns:p15="http://schemas.microsoft.com/office/powerpoint/2012/main" xmlns:ahyp="http://schemas.microsoft.com/office/drawing/2018/hyperlinkcolor" showMasterPhAnim="0" showMasterSp="0">
+  <p:cSld>
+    <p:spTree>
+      <p:nvGrpSpPr>
+        <p:cNvPr id="75" name="Shape 75"/>
+        <p:cNvGrpSpPr/>
+        <p:nvPr/>
+      </p:nvGrpSpPr>
+      <p:grpSpPr>
+        <a:xfrm>
+          <a:off x="0" y="0"/>
+          <a:ext cx="0" cy="0"/>
+          <a:chOff x="0" y="0"/>
+          <a:chExt cx="0" cy="0"/>
+        </a:xfrm>
+      </p:grpSpPr>
+      <p:sp>
+        <p:nvSpPr>
+          <p:cNvPr id="76" name="Google Shape;76;g34e6c35d3db_0_6:notes"/>
+          <p:cNvSpPr/>
+          <p:nvPr>
+            <p:ph idx="2" type="sldImg"/>
+          </p:nvPr>
+        </p:nvSpPr>
+        <p:spPr>
+          <a:xfrm>
+            <a:off x="1143225" y="685800"/>
+            <a:ext cx="4572300" cy="3429000"/>
+          </a:xfrm>
+          <a:custGeom>
+            <a:rect b="b" l="l" r="r" t="t"/>
+            <a:pathLst>
+              <a:path extrusionOk="0" h="120000" w="120000">
+                <a:moveTo>
+                  <a:pt x="0" y="0"/>
+                </a:moveTo>
+                <a:lnTo>
+                  <a:pt x="120000" y="0"/>
+                </a:lnTo>
+                <a:lnTo>
+                  <a:pt x="120000" y="120000"/>
+                </a:lnTo>
+                <a:lnTo>
+                  <a:pt x="0" y="120000"/>
+                </a:lnTo>
+                <a:close/>
+              </a:path>
+            </a:pathLst>
+          </a:custGeom>
+        </p:spPr>
+      </p:sp>
+      <p:sp>
+        <p:nvSpPr>
+          <p:cNvPr id="77" name="Google Shape;77;g34e6c35d3db_0_6:notes"/>
+          <p:cNvSpPr txBox="1"/>
+          <p:nvPr>
+            <p:ph idx="1" type="body"/>
+          </p:nvPr>
+        </p:nvSpPr>
+        <p:spPr>
+          <a:xfrm>
+            <a:off x="685800" y="4343400"/>
+            <a:ext cx="5486400" cy="4114800"/>
+          </a:xfrm>
+          <a:prstGeom prst="rect">
+            <a:avLst/>
+          </a:prstGeom>
+        </p:spPr>
+        <p:txBody>
+          <a:bodyPr anchorCtr="0" anchor="t" bIns="91425" lIns="91425" spcFirstLastPara="1" rIns="91425" wrap="square" tIns="91425">
+            <a:noAutofit/>
+          </a:bodyPr>
+          <a:lstStyle/>
+          <a:p>
+            <a:pPr indent="0" lvl="0" marL="0" rtl="0" algn="l">
+              <a:spcBef>
+                <a:spcPts val="0"/>
+              </a:spcBef>
+              <a:spcAft>
+                <a:spcPts val="0"/>
+              </a:spcAft>
+              <a:buNone/>
+            </a:pPr>
+            <a:r>
+              <a:t/>
+            </a:r>
+            <a:endParaRPr/>
+          </a:p>
+        </p:txBody>
+      </p:sp>
+    </p:spTree>
+  </p:cSld>
+  <p:clrMapOvr>
+    <a:masterClrMapping/>
+  </p:clrMapOvr>
+</p:notes>
+</file>
+
+<file path=ppt/notesSlides/notesSlide5.xml><?xml version="1.0" encoding="utf-8"?>
+<p:notes xmlns:a="http://schemas.openxmlformats.org/drawingml/2006/main" xmlns:r="http://schemas.openxmlformats.org/officeDocument/2006/relationships" xmlns:mc="http://schemas.openxmlformats.org/markup-compatibility/2006" xmlns:mv="urn:schemas-microsoft-com:mac:vml" xmlns:p="http://schemas.openxmlformats.org/presentationml/2006/main" xmlns:c="http://schemas.openxmlformats.org/drawingml/2006/chart" xmlns:dgm="http://schemas.openxmlformats.org/drawingml/2006/diagram" xmlns:o="urn:schemas-microsoft-com:office:office" xmlns:v="urn:schemas-microsoft-com:vml" xmlns:pvml="urn:schemas-microsoft-com:office:powerpoint" xmlns:com="http://schemas.openxmlformats.org/drawingml/2006/compatibility" xmlns:p14="http://schemas.microsoft.com/office/powerpoint/2010/main" xmlns:p15="http://schemas.microsoft.com/office/powerpoint/2012/main" xmlns:ahyp="http://schemas.microsoft.com/office/drawing/2018/hyperlinkcolor" showMasterPhAnim="0" showMasterSp="0">
+  <p:cSld>
+    <p:spTree>
+      <p:nvGrpSpPr>
+        <p:cNvPr id="82" name="Shape 82"/>
+        <p:cNvGrpSpPr/>
+        <p:nvPr/>
+      </p:nvGrpSpPr>
+      <p:grpSpPr>
+        <a:xfrm>
+          <a:off x="0" y="0"/>
+          <a:ext cx="0" cy="0"/>
+          <a:chOff x="0" y="0"/>
+          <a:chExt cx="0" cy="0"/>
+        </a:xfrm>
+      </p:grpSpPr>
+      <p:sp>
+        <p:nvSpPr>
+          <p:cNvPr id="83" name="Google Shape;83;g34e6c35d3db_0_12:notes"/>
+          <p:cNvSpPr/>
+          <p:nvPr>
+            <p:ph idx="2" type="sldImg"/>
+          </p:nvPr>
+        </p:nvSpPr>
+        <p:spPr>
+          <a:xfrm>
+            <a:off x="1143225" y="685800"/>
+            <a:ext cx="4572300" cy="3429000"/>
+          </a:xfrm>
+          <a:custGeom>
+            <a:rect b="b" l="l" r="r" t="t"/>
+            <a:pathLst>
+              <a:path extrusionOk="0" h="120000" w="120000">
+                <a:moveTo>
+                  <a:pt x="0" y="0"/>
+                </a:moveTo>
+                <a:lnTo>
+                  <a:pt x="120000" y="0"/>
+                </a:lnTo>
+                <a:lnTo>
+                  <a:pt x="120000" y="120000"/>
+                </a:lnTo>
+                <a:lnTo>
+                  <a:pt x="0" y="120000"/>
+                </a:lnTo>
+                <a:close/>
+              </a:path>
+            </a:pathLst>
+          </a:custGeom>
+        </p:spPr>
+      </p:sp>
+      <p:sp>
+        <p:nvSpPr>
+          <p:cNvPr id="84" name="Google Shape;84;g34e6c35d3db_0_12:notes"/>
+          <p:cNvSpPr txBox="1"/>
+          <p:nvPr>
+            <p:ph idx="1" type="body"/>
+          </p:nvPr>
+        </p:nvSpPr>
+        <p:spPr>
+          <a:xfrm>
+            <a:off x="685800" y="4343400"/>
+            <a:ext cx="5486400" cy="4114800"/>
+          </a:xfrm>
+          <a:prstGeom prst="rect">
+            <a:avLst/>
+          </a:prstGeom>
+        </p:spPr>
+        <p:txBody>
+          <a:bodyPr anchorCtr="0" anchor="t" bIns="91425" lIns="91425" spcFirstLastPara="1" rIns="91425" wrap="square" tIns="91425">
+            <a:noAutofit/>
+          </a:bodyPr>
+          <a:lstStyle/>
+          <a:p>
+            <a:pPr indent="0" lvl="0" marL="0" rtl="0" algn="l">
+              <a:spcBef>
+                <a:spcPts val="0"/>
+              </a:spcBef>
+              <a:spcAft>
+                <a:spcPts val="0"/>
+              </a:spcAft>
+              <a:buNone/>
+            </a:pPr>
+            <a:r>
+              <a:t/>
+            </a:r>
+            <a:endParaRPr/>
+          </a:p>
+        </p:txBody>
+      </p:sp>
+    </p:spTree>
+  </p:cSld>
+  <p:clrMapOvr>
+    <a:masterClrMapping/>
+  </p:clrMapOvr>
+</p:notes>
+</file>
+
+<file path=ppt/notesSlides/notesSlide6.xml><?xml version="1.0" encoding="utf-8"?>
+<p:notes xmlns:a="http://schemas.openxmlformats.org/drawingml/2006/main" xmlns:r="http://schemas.openxmlformats.org/officeDocument/2006/relationships" xmlns:mc="http://schemas.openxmlformats.org/markup-compatibility/2006" xmlns:mv="urn:schemas-microsoft-com:mac:vml" xmlns:p="http://schemas.openxmlformats.org/presentationml/2006/main" xmlns:c="http://schemas.openxmlformats.org/drawingml/2006/chart" xmlns:dgm="http://schemas.openxmlformats.org/drawingml/2006/diagram" xmlns:o="urn:schemas-microsoft-com:office:office" xmlns:v="urn:schemas-microsoft-com:vml" xmlns:pvml="urn:schemas-microsoft-com:office:powerpoint" xmlns:com="http://schemas.openxmlformats.org/drawingml/2006/compatibility" xmlns:p14="http://schemas.microsoft.com/office/powerpoint/2010/main" xmlns:p15="http://schemas.microsoft.com/office/powerpoint/2012/main" xmlns:ahyp="http://schemas.microsoft.com/office/drawing/2018/hyperlinkcolor" showMasterPhAnim="0" showMasterSp="0">
+  <p:cSld>
+    <p:spTree>
+      <p:nvGrpSpPr>
+        <p:cNvPr id="89" name="Shape 89"/>
+        <p:cNvGrpSpPr/>
+        <p:nvPr/>
+      </p:nvGrpSpPr>
+      <p:grpSpPr>
+        <a:xfrm>
+          <a:off x="0" y="0"/>
+          <a:ext cx="0" cy="0"/>
+          <a:chOff x="0" y="0"/>
+          <a:chExt cx="0" cy="0"/>
+        </a:xfrm>
+      </p:grpSpPr>
+      <p:sp>
+        <p:nvSpPr>
+          <p:cNvPr id="90" name="Google Shape;90;p3:notes"/>
+          <p:cNvSpPr txBox="1"/>
+          <p:nvPr>
+            <p:ph idx="1" type="body"/>
+          </p:nvPr>
+        </p:nvSpPr>
+        <p:spPr>
+          <a:xfrm>
+            <a:off x="685800" y="4343400"/>
+            <a:ext cx="5486400" cy="4114800"/>
+          </a:xfrm>
+          <a:prstGeom prst="rect">
+            <a:avLst/>
+          </a:prstGeom>
+        </p:spPr>
+        <p:txBody>
+          <a:bodyPr anchorCtr="0" anchor="t" bIns="91425" lIns="91425" spcFirstLastPara="1" rIns="91425" wrap="square" tIns="91425">
+            <a:noAutofit/>
+          </a:bodyPr>
+          <a:lstStyle/>
+          <a:p>
+            <a:pPr indent="0" lvl="0" marL="0" rtl="0" algn="l">
+              <a:spcBef>
+                <a:spcPts val="0"/>
+              </a:spcBef>
+              <a:spcAft>
+                <a:spcPts val="0"/>
+              </a:spcAft>
+              <a:buNone/>
+            </a:pPr>
+            <a:r>
+              <a:t/>
+            </a:r>
+            <a:endParaRPr/>
+          </a:p>
+        </p:txBody>
+      </p:sp>
+      <p:sp>
+        <p:nvSpPr>
+          <p:cNvPr id="91" name="Google Shape;91;p3:notes"/>
+          <p:cNvSpPr/>
+          <p:nvPr>
+            <p:ph idx="2" type="sldImg"/>
+          </p:nvPr>
+        </p:nvSpPr>
+        <p:spPr>
+          <a:xfrm>
+            <a:off x="1143225" y="685800"/>
+            <a:ext cx="4572225" cy="3429000"/>
+          </a:xfrm>
+          <a:custGeom>
+            <a:rect b="b" l="l" r="r" t="t"/>
+            <a:pathLst>
+              <a:path extrusionOk="0" h="120000" w="120000">
+                <a:moveTo>
+                  <a:pt x="0" y="0"/>
+                </a:moveTo>
+                <a:lnTo>
+                  <a:pt x="120000" y="0"/>
+                </a:lnTo>
+                <a:lnTo>
+                  <a:pt x="120000" y="120000"/>
+                </a:lnTo>
+                <a:lnTo>
+                  <a:pt x="0" y="120000"/>
+                </a:lnTo>
+                <a:close/>
+              </a:path>
+            </a:pathLst>
+          </a:custGeom>
+        </p:spPr>
+      </p:sp>
+    </p:spTree>
+  </p:cSld>
+  <p:clrMapOvr>
+    <a:masterClrMapping/>
+  </p:clrMapOvr>
+</p:notes>
+</file>
+
+<file path=ppt/notesSlides/notesSlide7.xml><?xml version="1.0" encoding="utf-8"?>
+<p:notes xmlns:a="http://schemas.openxmlformats.org/drawingml/2006/main" xmlns:r="http://schemas.openxmlformats.org/officeDocument/2006/relationships" xmlns:mc="http://schemas.openxmlformats.org/markup-compatibility/2006" xmlns:mv="urn:schemas-microsoft-com:mac:vml" xmlns:p="http://schemas.openxmlformats.org/presentationml/2006/main" xmlns:c="http://schemas.openxmlformats.org/drawingml/2006/chart" xmlns:dgm="http://schemas.openxmlformats.org/drawingml/2006/diagram" xmlns:o="urn:schemas-microsoft-com:office:office" xmlns:v="urn:schemas-microsoft-com:vml" xmlns:pvml="urn:schemas-microsoft-com:office:powerpoint" xmlns:com="http://schemas.openxmlformats.org/drawingml/2006/compatibility" xmlns:p14="http://schemas.microsoft.com/office/powerpoint/2010/main" xmlns:p15="http://schemas.microsoft.com/office/powerpoint/2012/main" xmlns:ahyp="http://schemas.microsoft.com/office/drawing/2018/hyperlinkcolor" showMasterPhAnim="0" showMasterSp="0">
+  <p:cSld>
+    <p:spTree>
+      <p:nvGrpSpPr>
+        <p:cNvPr id="95" name="Shape 95"/>
+        <p:cNvGrpSpPr/>
+        <p:nvPr/>
+      </p:nvGrpSpPr>
+      <p:grpSpPr>
+        <a:xfrm>
+          <a:off x="0" y="0"/>
+          <a:ext cx="0" cy="0"/>
+          <a:chOff x="0" y="0"/>
+          <a:chExt cx="0" cy="0"/>
+        </a:xfrm>
+      </p:grpSpPr>
+      <p:sp>
+        <p:nvSpPr>
+          <p:cNvPr id="96" name="Google Shape;96;p4:notes"/>
+          <p:cNvSpPr txBox="1"/>
+          <p:nvPr>
+            <p:ph idx="1" type="body"/>
+          </p:nvPr>
+        </p:nvSpPr>
+        <p:spPr>
+          <a:xfrm>
+            <a:off x="685800" y="4343400"/>
+            <a:ext cx="5486400" cy="4114800"/>
+          </a:xfrm>
+          <a:prstGeom prst="rect">
+            <a:avLst/>
+          </a:prstGeom>
+        </p:spPr>
+        <p:txBody>
+          <a:bodyPr anchorCtr="0" anchor="t" bIns="91425" lIns="91425" spcFirstLastPara="1" rIns="91425" wrap="square" tIns="91425">
+            <a:noAutofit/>
+          </a:bodyPr>
+          <a:lstStyle/>
+          <a:p>
+            <a:pPr indent="0" lvl="0" marL="0" rtl="0" algn="l">
+              <a:spcBef>
+                <a:spcPts val="0"/>
+              </a:spcBef>
+              <a:spcAft>
+                <a:spcPts val="0"/>
+              </a:spcAft>
+              <a:buNone/>
+            </a:pPr>
+            <a:r>
+              <a:t/>
+            </a:r>
+            <a:endParaRPr/>
+          </a:p>
+        </p:txBody>
+      </p:sp>
+      <p:sp>
+        <p:nvSpPr>
+          <p:cNvPr id="97" name="Google Shape;97;p4:notes"/>
+          <p:cNvSpPr/>
+          <p:nvPr>
+            <p:ph idx="2" type="sldImg"/>
+          </p:nvPr>
+        </p:nvSpPr>
+        <p:spPr>
+          <a:xfrm>
+            <a:off x="1143225" y="685800"/>
+            <a:ext cx="4572225" cy="3429000"/>
+          </a:xfrm>
+          <a:custGeom>
+            <a:rect b="b" l="l" r="r" t="t"/>
+            <a:pathLst>
+              <a:path extrusionOk="0" h="120000" w="120000">
+                <a:moveTo>
+                  <a:pt x="0" y="0"/>
+                </a:moveTo>
+                <a:lnTo>
+                  <a:pt x="120000" y="0"/>
+                </a:lnTo>
+                <a:lnTo>
+                  <a:pt x="120000" y="120000"/>
+                </a:lnTo>
+                <a:lnTo>
+                  <a:pt x="0" y="120000"/>
+                </a:lnTo>
+                <a:close/>
+              </a:path>
+            </a:pathLst>
+          </a:custGeom>
+        </p:spPr>
+      </p:sp>
+    </p:spTree>
+  </p:cSld>
+  <p:clrMapOvr>
+    <a:masterClrMapping/>
+  </p:clrMapOvr>
+</p:notes>
+</file>
+
+<file path=ppt/notesSlides/notesSlide8.xml><?xml version="1.0" encoding="utf-8"?>
+<p:notes xmlns:a="http://schemas.openxmlformats.org/drawingml/2006/main" xmlns:r="http://schemas.openxmlformats.org/officeDocument/2006/relationships" xmlns:mc="http://schemas.openxmlformats.org/markup-compatibility/2006" xmlns:mv="urn:schemas-microsoft-com:mac:vml" xmlns:p="http://schemas.openxmlformats.org/presentationml/2006/main" xmlns:c="http://schemas.openxmlformats.org/drawingml/2006/chart" xmlns:dgm="http://schemas.openxmlformats.org/drawingml/2006/diagram" xmlns:o="urn:schemas-microsoft-com:office:office" xmlns:v="urn:schemas-microsoft-com:vml" xmlns:pvml="urn:schemas-microsoft-com:office:powerpoint" xmlns:com="http://schemas.openxmlformats.org/drawingml/2006/compatibility" xmlns:p14="http://schemas.microsoft.com/office/powerpoint/2010/main" xmlns:p15="http://schemas.microsoft.com/office/powerpoint/2012/main" xmlns:ahyp="http://schemas.microsoft.com/office/drawing/2018/hyperlinkcolor" showMasterPhAnim="0" showMasterSp="0">
+  <p:cSld>
+    <p:spTree>
+      <p:nvGrpSpPr>
+        <p:cNvPr id="101" name="Shape 101"/>
+        <p:cNvGrpSpPr/>
+        <p:nvPr/>
+      </p:nvGrpSpPr>
+      <p:grpSpPr>
+        <a:xfrm>
+          <a:off x="0" y="0"/>
+          <a:ext cx="0" cy="0"/>
+          <a:chOff x="0" y="0"/>
+          <a:chExt cx="0" cy="0"/>
+        </a:xfrm>
+      </p:grpSpPr>
+      <p:sp>
+        <p:nvSpPr>
+          <p:cNvPr id="102" name="Google Shape;102;p5:notes"/>
+          <p:cNvSpPr txBox="1"/>
+          <p:nvPr>
+            <p:ph idx="1" type="body"/>
+          </p:nvPr>
+        </p:nvSpPr>
+        <p:spPr>
+          <a:xfrm>
+            <a:off x="685800" y="4343400"/>
+            <a:ext cx="5486400" cy="4114800"/>
+          </a:xfrm>
+          <a:prstGeom prst="rect">
+            <a:avLst/>
+          </a:prstGeom>
+        </p:spPr>
+        <p:txBody>
+          <a:bodyPr anchorCtr="0" anchor="t" bIns="91425" lIns="91425" spcFirstLastPara="1" rIns="91425" wrap="square" tIns="91425">
+            <a:noAutofit/>
+          </a:bodyPr>
+          <a:lstStyle/>
+          <a:p>
+            <a:pPr indent="0" lvl="0" marL="0" rtl="0" algn="l">
+              <a:spcBef>
+                <a:spcPts val="0"/>
+              </a:spcBef>
+              <a:spcAft>
+                <a:spcPts val="0"/>
+              </a:spcAft>
+              <a:buNone/>
+            </a:pPr>
+            <a:r>
+              <a:t/>
+            </a:r>
+            <a:endParaRPr/>
+          </a:p>
+        </p:txBody>
+      </p:sp>
+      <p:sp>
+        <p:nvSpPr>
+          <p:cNvPr id="103" name="Google Shape;103;p5:notes"/>
+          <p:cNvSpPr/>
+          <p:nvPr>
+            <p:ph idx="2" type="sldImg"/>
+          </p:nvPr>
+        </p:nvSpPr>
+        <p:spPr>
+          <a:xfrm>
+            <a:off x="1143225" y="685800"/>
+            <a:ext cx="4572225" cy="3429000"/>
+          </a:xfrm>
+          <a:custGeom>
+            <a:rect b="b" l="l" r="r" t="t"/>
+            <a:pathLst>
+              <a:path extrusionOk="0" h="120000" w="120000">
+                <a:moveTo>
+                  <a:pt x="0" y="0"/>
+                </a:moveTo>
+                <a:lnTo>
+                  <a:pt x="120000" y="0"/>
+                </a:lnTo>
+                <a:lnTo>
+                  <a:pt x="120000" y="120000"/>
+                </a:lnTo>
+                <a:lnTo>
+                  <a:pt x="0" y="120000"/>
+                </a:lnTo>
+                <a:close/>
+              </a:path>
+            </a:pathLst>
+          </a:custGeom>
+        </p:spPr>
+      </p:sp>
+    </p:spTree>
+  </p:cSld>
+  <p:clrMapOvr>
+    <a:masterClrMapping/>
+  </p:clrMapOvr>
+</p:notes>
+</file>
+
+<file path=ppt/notesSlides/notesSlide9.xml><?xml version="1.0" encoding="utf-8"?>
+<p:notes xmlns:a="http://schemas.openxmlformats.org/drawingml/2006/main" xmlns:r="http://schemas.openxmlformats.org/officeDocument/2006/relationships" xmlns:mc="http://schemas.openxmlformats.org/markup-compatibility/2006" xmlns:mv="urn:schemas-microsoft-com:mac:vml" xmlns:p="http://schemas.openxmlformats.org/presentationml/2006/main" xmlns:c="http://schemas.openxmlformats.org/drawingml/2006/chart" xmlns:dgm="http://schemas.openxmlformats.org/drawingml/2006/diagram" xmlns:o="urn:schemas-microsoft-com:office:office" xmlns:v="urn:schemas-microsoft-com:vml" xmlns:pvml="urn:schemas-microsoft-com:office:powerpoint" xmlns:com="http://schemas.openxmlformats.org/drawingml/2006/compatibility" xmlns:p14="http://schemas.microsoft.com/office/powerpoint/2010/main" xmlns:p15="http://schemas.microsoft.com/office/powerpoint/2012/main" xmlns:ahyp="http://schemas.microsoft.com/office/drawing/2018/hyperlinkcolor" showMasterPhAnim="0" showMasterSp="0">
+  <p:cSld>
+    <p:spTree>
+      <p:nvGrpSpPr>
+        <p:cNvPr id="107" name="Shape 107"/>
+        <p:cNvGrpSpPr/>
+        <p:nvPr/>
+      </p:nvGrpSpPr>
+      <p:grpSpPr>
+        <a:xfrm>
+          <a:off x="0" y="0"/>
+          <a:ext cx="0" cy="0"/>
+          <a:chOff x="0" y="0"/>
+          <a:chExt cx="0" cy="0"/>
+        </a:xfrm>
+      </p:grpSpPr>
+      <p:sp>
+        <p:nvSpPr>
+          <p:cNvPr id="108" name="Google Shape;108;g34e6c35d3db_0_32:notes"/>
+          <p:cNvSpPr/>
+          <p:nvPr>
+            <p:ph idx="2" type="sldImg"/>
+          </p:nvPr>
+        </p:nvSpPr>
+        <p:spPr>
+          <a:xfrm>
+            <a:off x="1143225" y="685800"/>
+            <a:ext cx="4572300" cy="3429000"/>
+          </a:xfrm>
+          <a:custGeom>
+            <a:rect b="b" l="l" r="r" t="t"/>
+            <a:pathLst>
+              <a:path extrusionOk="0" h="120000" w="120000">
+                <a:moveTo>
+                  <a:pt x="0" y="0"/>
+                </a:moveTo>
+                <a:lnTo>
+                  <a:pt x="120000" y="0"/>
+                </a:lnTo>
+                <a:lnTo>
+                  <a:pt x="120000" y="120000"/>
+                </a:lnTo>
+                <a:lnTo>
+                  <a:pt x="0" y="120000"/>
+                </a:lnTo>
+                <a:close/>
+              </a:path>
+            </a:pathLst>
+          </a:custGeom>
+        </p:spPr>
+      </p:sp>
+      <p:sp>
+        <p:nvSpPr>
+          <p:cNvPr id="109" name="Google Shape;109;g34e6c35d3db_0_32:notes"/>
+          <p:cNvSpPr txBox="1"/>
+          <p:nvPr>
+            <p:ph idx="1" type="body"/>
+          </p:nvPr>
+        </p:nvSpPr>
+        <p:spPr>
+          <a:xfrm>
+            <a:off x="685800" y="4343400"/>
+            <a:ext cx="5486400" cy="4114800"/>
+          </a:xfrm>
+          <a:prstGeom prst="rect">
+            <a:avLst/>
+          </a:prstGeom>
+        </p:spPr>
+        <p:txBody>
+          <a:bodyPr anchorCtr="0" anchor="t" bIns="91425" lIns="91425" spcFirstLastPara="1" rIns="91425" wrap="square" tIns="91425">
+            <a:noAutofit/>
+          </a:bodyPr>
+          <a:lstStyle/>
+          <a:p>
+            <a:pPr indent="0" lvl="0" marL="0" rtl="0" algn="l">
+              <a:spcBef>
+                <a:spcPts val="0"/>
+              </a:spcBef>
+              <a:spcAft>
+                <a:spcPts val="0"/>
+              </a:spcAft>
+              <a:buNone/>
+            </a:pPr>
+            <a:r>
+              <a:t/>
+            </a:r>
+            <a:endParaRPr/>
+          </a:p>
+        </p:txBody>
+      </p:sp>
+    </p:spTree>
+  </p:cSld>
+  <p:clrMapOvr>
+    <a:masterClrMapping/>
+  </p:clrMapOvr>
+</p:notes>
+</file>
+
 <file path=ppt/slideLayouts/slideLayout1.xml><?xml version="1.0" encoding="utf-8"?>
-<p:sldLayout xmlns:a="http://schemas.openxmlformats.org/drawingml/2006/main" xmlns:r="http://schemas.openxmlformats.org/officeDocument/2006/relationships" xmlns:p="http://schemas.openxmlformats.org/presentationml/2006/main" matchingName="Title slide" type="title">
+<p:sldLayout xmlns:a="http://schemas.openxmlformats.org/drawingml/2006/main" xmlns:r="http://schemas.openxmlformats.org/officeDocument/2006/relationships" xmlns:mc="http://schemas.openxmlformats.org/markup-compatibility/2006" xmlns:mv="urn:schemas-microsoft-com:mac:vml" xmlns:p="http://schemas.openxmlformats.org/presentationml/2006/main" xmlns:c="http://schemas.openxmlformats.org/drawingml/2006/chart" xmlns:dgm="http://schemas.openxmlformats.org/drawingml/2006/diagram" xmlns:o="urn:schemas-microsoft-com:office:office" xmlns:v="urn:schemas-microsoft-com:vml" xmlns:pvml="urn:schemas-microsoft-com:office:powerpoint" xmlns:com="http://schemas.openxmlformats.org/drawingml/2006/compatibility" xmlns:p14="http://schemas.microsoft.com/office/powerpoint/2010/main" xmlns:p15="http://schemas.microsoft.com/office/powerpoint/2012/main" xmlns:ahyp="http://schemas.microsoft.com/office/drawing/2018/hyperlinkcolor" matchingName="Title slide" type="title">
   <p:cSld name="TITLE">
     <p:spTree>
       <p:nvGrpSpPr>
-        <p:cNvPr id="1" name="Shape 9"/>
+        <p:cNvPr id="9" name="Shape 9"/>
         <p:cNvGrpSpPr/>
         <p:nvPr/>
       </p:nvGrpSpPr>
@@ -2298,9 +2908,7 @@
       <p:sp>
         <p:nvSpPr>
           <p:cNvPr id="10" name="Google Shape;10;g34c024e3535_0_4"/>
-          <p:cNvSpPr txBox="1">
-            <a:spLocks noGrp="1"/>
-          </p:cNvSpPr>
+          <p:cNvSpPr txBox="1"/>
           <p:nvPr>
             <p:ph type="ctrTitle"/>
           </p:nvPr>
@@ -2315,7 +2923,7 @@
           </a:prstGeom>
         </p:spPr>
         <p:txBody>
-          <a:bodyPr spcFirstLastPara="1" wrap="square" lIns="91425" tIns="91425" rIns="91425" bIns="91425" anchor="b" anchorCtr="0">
+          <a:bodyPr anchorCtr="0" anchor="b" bIns="91425" lIns="91425" spcFirstLastPara="1" rIns="91425" wrap="square" tIns="91425">
             <a:normAutofit/>
           </a:bodyPr>
           <a:lstStyle>
@@ -2419,19 +3027,15 @@
               <a:defRPr sz="5200"/>
             </a:lvl9pPr>
           </a:lstStyle>
-          <a:p>
-            <a:endParaRPr/>
-          </a:p>
+          <a:p/>
         </p:txBody>
       </p:sp>
       <p:sp>
         <p:nvSpPr>
           <p:cNvPr id="11" name="Google Shape;11;g34c024e3535_0_4"/>
-          <p:cNvSpPr txBox="1">
-            <a:spLocks noGrp="1"/>
-          </p:cNvSpPr>
+          <p:cNvSpPr txBox="1"/>
           <p:nvPr>
-            <p:ph type="subTitle" idx="1"/>
+            <p:ph idx="1" type="subTitle"/>
           </p:nvPr>
         </p:nvSpPr>
         <p:spPr>
@@ -2444,7 +3048,7 @@
           </a:prstGeom>
         </p:spPr>
         <p:txBody>
-          <a:bodyPr spcFirstLastPara="1" wrap="square" lIns="91425" tIns="91425" rIns="91425" bIns="91425" anchor="t" anchorCtr="0">
+          <a:bodyPr anchorCtr="0" anchor="t" bIns="91425" lIns="91425" spcFirstLastPara="1" rIns="91425" wrap="square" tIns="91425">
             <a:normAutofit/>
           </a:bodyPr>
           <a:lstStyle>
@@ -2575,19 +3179,15 @@
               <a:defRPr sz="2800"/>
             </a:lvl9pPr>
           </a:lstStyle>
-          <a:p>
-            <a:endParaRPr/>
-          </a:p>
+          <a:p/>
         </p:txBody>
       </p:sp>
       <p:sp>
         <p:nvSpPr>
           <p:cNvPr id="12" name="Google Shape;12;g34c024e3535_0_4"/>
-          <p:cNvSpPr txBox="1">
-            <a:spLocks noGrp="1"/>
-          </p:cNvSpPr>
+          <p:cNvSpPr txBox="1"/>
           <p:nvPr>
-            <p:ph type="sldNum" idx="12"/>
+            <p:ph idx="12" type="sldNum"/>
           </p:nvPr>
         </p:nvSpPr>
         <p:spPr>
@@ -2600,7 +3200,7 @@
           </a:prstGeom>
         </p:spPr>
         <p:txBody>
-          <a:bodyPr spcFirstLastPara="1" wrap="square" lIns="91425" tIns="91425" rIns="91425" bIns="91425" anchor="ctr" anchorCtr="0">
+          <a:bodyPr anchorCtr="0" anchor="ctr" bIns="91425" lIns="91425" spcFirstLastPara="1" rIns="91425" wrap="square" tIns="91425">
             <a:normAutofit/>
           </a:bodyPr>
           <a:lstStyle>
@@ -2642,7 +3242,7 @@
             </a:lvl9pPr>
           </a:lstStyle>
           <a:p>
-            <a:pPr marL="0" lvl="0" indent="0" algn="r" rtl="0">
+            <a:pPr indent="0" lvl="0" marL="0" rtl="0" algn="r">
               <a:spcBef>
                 <a:spcPts val="0"/>
               </a:spcBef>
@@ -2668,11 +3268,11 @@
 </file>
 
 <file path=ppt/slideLayouts/slideLayout10.xml><?xml version="1.0" encoding="utf-8"?>
-<p:sldLayout xmlns:a="http://schemas.openxmlformats.org/drawingml/2006/main" xmlns:r="http://schemas.openxmlformats.org/officeDocument/2006/relationships" xmlns:p="http://schemas.openxmlformats.org/presentationml/2006/main" matchingName="Big number">
+<p:sldLayout xmlns:a="http://schemas.openxmlformats.org/drawingml/2006/main" xmlns:r="http://schemas.openxmlformats.org/officeDocument/2006/relationships" xmlns:mc="http://schemas.openxmlformats.org/markup-compatibility/2006" xmlns:mv="urn:schemas-microsoft-com:mac:vml" xmlns:p="http://schemas.openxmlformats.org/presentationml/2006/main" xmlns:c="http://schemas.openxmlformats.org/drawingml/2006/chart" xmlns:dgm="http://schemas.openxmlformats.org/drawingml/2006/diagram" xmlns:o="urn:schemas-microsoft-com:office:office" xmlns:v="urn:schemas-microsoft-com:vml" xmlns:pvml="urn:schemas-microsoft-com:office:powerpoint" xmlns:com="http://schemas.openxmlformats.org/drawingml/2006/compatibility" xmlns:p14="http://schemas.microsoft.com/office/powerpoint/2010/main" xmlns:p15="http://schemas.microsoft.com/office/powerpoint/2012/main" xmlns:ahyp="http://schemas.microsoft.com/office/drawing/2018/hyperlinkcolor" matchingName="Big number">
   <p:cSld name="BIG_NUMBER">
     <p:spTree>
       <p:nvGrpSpPr>
-        <p:cNvPr id="1" name="Shape 44"/>
+        <p:cNvPr id="44" name="Shape 44"/>
         <p:cNvGrpSpPr/>
         <p:nvPr/>
       </p:nvGrpSpPr>
@@ -2687,11 +3287,9 @@
       <p:sp>
         <p:nvSpPr>
           <p:cNvPr id="45" name="Google Shape;45;g34c024e3535_0_39"/>
-          <p:cNvSpPr txBox="1">
-            <a:spLocks noGrp="1"/>
-          </p:cNvSpPr>
+          <p:cNvSpPr txBox="1"/>
           <p:nvPr>
-            <p:ph type="title" hasCustomPrompt="1"/>
+            <p:ph hasCustomPrompt="1" type="title"/>
           </p:nvPr>
         </p:nvSpPr>
         <p:spPr>
@@ -2704,7 +3302,7 @@
           </a:prstGeom>
         </p:spPr>
         <p:txBody>
-          <a:bodyPr spcFirstLastPara="1" wrap="square" lIns="91425" tIns="91425" rIns="91425" bIns="91425" anchor="b" anchorCtr="0">
+          <a:bodyPr anchorCtr="0" anchor="b" bIns="91425" lIns="91425" spcFirstLastPara="1" rIns="91425" wrap="square" tIns="91425">
             <a:normAutofit/>
           </a:bodyPr>
           <a:lstStyle>
@@ -2818,11 +3416,9 @@
       <p:sp>
         <p:nvSpPr>
           <p:cNvPr id="46" name="Google Shape;46;g34c024e3535_0_39"/>
-          <p:cNvSpPr txBox="1">
-            <a:spLocks noGrp="1"/>
-          </p:cNvSpPr>
+          <p:cNvSpPr txBox="1"/>
           <p:nvPr>
-            <p:ph type="body" idx="1"/>
+            <p:ph idx="1" type="body"/>
           </p:nvPr>
         </p:nvSpPr>
         <p:spPr>
@@ -2835,11 +3431,11 @@
           </a:prstGeom>
         </p:spPr>
         <p:txBody>
-          <a:bodyPr spcFirstLastPara="1" wrap="square" lIns="91425" tIns="91425" rIns="91425" bIns="91425" anchor="t" anchorCtr="0">
+          <a:bodyPr anchorCtr="0" anchor="t" bIns="91425" lIns="91425" spcFirstLastPara="1" rIns="91425" wrap="square" tIns="91425">
             <a:normAutofit/>
           </a:bodyPr>
           <a:lstStyle>
-            <a:lvl1pPr marL="457200" lvl="0" indent="-342900" algn="ctr">
+            <a:lvl1pPr indent="-342900" lvl="0" marL="457200" algn="ctr">
               <a:spcBef>
                 <a:spcPts val="0"/>
               </a:spcBef>
@@ -2850,7 +3446,7 @@
               <a:buChar char="●"/>
               <a:defRPr/>
             </a:lvl1pPr>
-            <a:lvl2pPr marL="914400" lvl="1" indent="-317500" algn="ctr">
+            <a:lvl2pPr indent="-317500" lvl="1" marL="914400" algn="ctr">
               <a:spcBef>
                 <a:spcPts val="0"/>
               </a:spcBef>
@@ -2861,7 +3457,7 @@
               <a:buChar char="○"/>
               <a:defRPr/>
             </a:lvl2pPr>
-            <a:lvl3pPr marL="1371600" lvl="2" indent="-317500" algn="ctr">
+            <a:lvl3pPr indent="-317500" lvl="2" marL="1371600" algn="ctr">
               <a:spcBef>
                 <a:spcPts val="0"/>
               </a:spcBef>
@@ -2872,7 +3468,7 @@
               <a:buChar char="■"/>
               <a:defRPr/>
             </a:lvl3pPr>
-            <a:lvl4pPr marL="1828800" lvl="3" indent="-317500" algn="ctr">
+            <a:lvl4pPr indent="-317500" lvl="3" marL="1828800" algn="ctr">
               <a:spcBef>
                 <a:spcPts val="0"/>
               </a:spcBef>
@@ -2883,7 +3479,7 @@
               <a:buChar char="●"/>
               <a:defRPr/>
             </a:lvl4pPr>
-            <a:lvl5pPr marL="2286000" lvl="4" indent="-317500" algn="ctr">
+            <a:lvl5pPr indent="-317500" lvl="4" marL="2286000" algn="ctr">
               <a:spcBef>
                 <a:spcPts val="0"/>
               </a:spcBef>
@@ -2894,7 +3490,7 @@
               <a:buChar char="○"/>
               <a:defRPr/>
             </a:lvl5pPr>
-            <a:lvl6pPr marL="2743200" lvl="5" indent="-317500" algn="ctr">
+            <a:lvl6pPr indent="-317500" lvl="5" marL="2743200" algn="ctr">
               <a:spcBef>
                 <a:spcPts val="0"/>
               </a:spcBef>
@@ -2905,7 +3501,7 @@
               <a:buChar char="■"/>
               <a:defRPr/>
             </a:lvl6pPr>
-            <a:lvl7pPr marL="3200400" lvl="6" indent="-317500" algn="ctr">
+            <a:lvl7pPr indent="-317500" lvl="6" marL="3200400" algn="ctr">
               <a:spcBef>
                 <a:spcPts val="0"/>
               </a:spcBef>
@@ -2916,7 +3512,7 @@
               <a:buChar char="●"/>
               <a:defRPr/>
             </a:lvl7pPr>
-            <a:lvl8pPr marL="3657600" lvl="7" indent="-317500" algn="ctr">
+            <a:lvl8pPr indent="-317500" lvl="7" marL="3657600" algn="ctr">
               <a:spcBef>
                 <a:spcPts val="0"/>
               </a:spcBef>
@@ -2927,7 +3523,7 @@
               <a:buChar char="○"/>
               <a:defRPr/>
             </a:lvl8pPr>
-            <a:lvl9pPr marL="4114800" lvl="8" indent="-317500" algn="ctr">
+            <a:lvl9pPr indent="-317500" lvl="8" marL="4114800" algn="ctr">
               <a:spcBef>
                 <a:spcPts val="0"/>
               </a:spcBef>
@@ -2939,19 +3535,15 @@
               <a:defRPr/>
             </a:lvl9pPr>
           </a:lstStyle>
-          <a:p>
-            <a:endParaRPr/>
-          </a:p>
+          <a:p/>
         </p:txBody>
       </p:sp>
       <p:sp>
         <p:nvSpPr>
           <p:cNvPr id="47" name="Google Shape;47;g34c024e3535_0_39"/>
-          <p:cNvSpPr txBox="1">
-            <a:spLocks noGrp="1"/>
-          </p:cNvSpPr>
+          <p:cNvSpPr txBox="1"/>
           <p:nvPr>
-            <p:ph type="sldNum" idx="12"/>
+            <p:ph idx="12" type="sldNum"/>
           </p:nvPr>
         </p:nvSpPr>
         <p:spPr>
@@ -2964,7 +3556,7 @@
           </a:prstGeom>
         </p:spPr>
         <p:txBody>
-          <a:bodyPr spcFirstLastPara="1" wrap="square" lIns="91425" tIns="91425" rIns="91425" bIns="91425" anchor="ctr" anchorCtr="0">
+          <a:bodyPr anchorCtr="0" anchor="ctr" bIns="91425" lIns="91425" spcFirstLastPara="1" rIns="91425" wrap="square" tIns="91425">
             <a:normAutofit/>
           </a:bodyPr>
           <a:lstStyle>
@@ -3006,7 +3598,7 @@
             </a:lvl9pPr>
           </a:lstStyle>
           <a:p>
-            <a:pPr marL="0" lvl="0" indent="0" algn="r" rtl="0">
+            <a:pPr indent="0" lvl="0" marL="0" rtl="0" algn="r">
               <a:spcBef>
                 <a:spcPts val="0"/>
               </a:spcBef>
@@ -3032,11 +3624,11 @@
 </file>
 
 <file path=ppt/slideLayouts/slideLayout11.xml><?xml version="1.0" encoding="utf-8"?>
-<p:sldLayout xmlns:a="http://schemas.openxmlformats.org/drawingml/2006/main" xmlns:r="http://schemas.openxmlformats.org/officeDocument/2006/relationships" xmlns:p="http://schemas.openxmlformats.org/presentationml/2006/main" matchingName="Blank" type="blank">
+<p:sldLayout xmlns:a="http://schemas.openxmlformats.org/drawingml/2006/main" xmlns:r="http://schemas.openxmlformats.org/officeDocument/2006/relationships" xmlns:mc="http://schemas.openxmlformats.org/markup-compatibility/2006" xmlns:mv="urn:schemas-microsoft-com:mac:vml" xmlns:p="http://schemas.openxmlformats.org/presentationml/2006/main" xmlns:c="http://schemas.openxmlformats.org/drawingml/2006/chart" xmlns:dgm="http://schemas.openxmlformats.org/drawingml/2006/diagram" xmlns:o="urn:schemas-microsoft-com:office:office" xmlns:v="urn:schemas-microsoft-com:vml" xmlns:pvml="urn:schemas-microsoft-com:office:powerpoint" xmlns:com="http://schemas.openxmlformats.org/drawingml/2006/compatibility" xmlns:p14="http://schemas.microsoft.com/office/powerpoint/2010/main" xmlns:p15="http://schemas.microsoft.com/office/powerpoint/2012/main" xmlns:ahyp="http://schemas.microsoft.com/office/drawing/2018/hyperlinkcolor" matchingName="Blank" type="blank">
   <p:cSld name="BLANK">
     <p:spTree>
       <p:nvGrpSpPr>
-        <p:cNvPr id="1" name="Shape 48"/>
+        <p:cNvPr id="48" name="Shape 48"/>
         <p:cNvGrpSpPr/>
         <p:nvPr/>
       </p:nvGrpSpPr>
@@ -3051,11 +3643,9 @@
       <p:sp>
         <p:nvSpPr>
           <p:cNvPr id="49" name="Google Shape;49;g34c024e3535_0_43"/>
-          <p:cNvSpPr txBox="1">
-            <a:spLocks noGrp="1"/>
-          </p:cNvSpPr>
+          <p:cNvSpPr txBox="1"/>
           <p:nvPr>
-            <p:ph type="sldNum" idx="12"/>
+            <p:ph idx="12" type="sldNum"/>
           </p:nvPr>
         </p:nvSpPr>
         <p:spPr>
@@ -3068,7 +3658,7 @@
           </a:prstGeom>
         </p:spPr>
         <p:txBody>
-          <a:bodyPr spcFirstLastPara="1" wrap="square" lIns="91425" tIns="91425" rIns="91425" bIns="91425" anchor="ctr" anchorCtr="0">
+          <a:bodyPr anchorCtr="0" anchor="ctr" bIns="91425" lIns="91425" spcFirstLastPara="1" rIns="91425" wrap="square" tIns="91425">
             <a:normAutofit/>
           </a:bodyPr>
           <a:lstStyle>
@@ -3110,7 +3700,7 @@
             </a:lvl9pPr>
           </a:lstStyle>
           <a:p>
-            <a:pPr marL="0" lvl="0" indent="0" algn="r" rtl="0">
+            <a:pPr indent="0" lvl="0" marL="0" rtl="0" algn="r">
               <a:spcBef>
                 <a:spcPts val="0"/>
               </a:spcBef>
@@ -3136,11 +3726,11 @@
 </file>
 
 <file path=ppt/slideLayouts/slideLayout12.xml><?xml version="1.0" encoding="utf-8"?>
-<p:sldLayout xmlns:a="http://schemas.openxmlformats.org/drawingml/2006/main" xmlns:r="http://schemas.openxmlformats.org/officeDocument/2006/relationships" xmlns:p="http://schemas.openxmlformats.org/presentationml/2006/main" matchingName="Title and Content" type="obj">
+<p:sldLayout xmlns:a="http://schemas.openxmlformats.org/drawingml/2006/main" xmlns:r="http://schemas.openxmlformats.org/officeDocument/2006/relationships" xmlns:mc="http://schemas.openxmlformats.org/markup-compatibility/2006" xmlns:mv="urn:schemas-microsoft-com:mac:vml" xmlns:p="http://schemas.openxmlformats.org/presentationml/2006/main" xmlns:c="http://schemas.openxmlformats.org/drawingml/2006/chart" xmlns:dgm="http://schemas.openxmlformats.org/drawingml/2006/diagram" xmlns:o="urn:schemas-microsoft-com:office:office" xmlns:v="urn:schemas-microsoft-com:vml" xmlns:pvml="urn:schemas-microsoft-com:office:powerpoint" xmlns:com="http://schemas.openxmlformats.org/drawingml/2006/compatibility" xmlns:p14="http://schemas.microsoft.com/office/powerpoint/2010/main" xmlns:p15="http://schemas.microsoft.com/office/powerpoint/2012/main" xmlns:ahyp="http://schemas.microsoft.com/office/drawing/2018/hyperlinkcolor" matchingName="Title and Content" type="obj">
   <p:cSld name="OBJECT">
     <p:spTree>
       <p:nvGrpSpPr>
-        <p:cNvPr id="1" name="Shape 50"/>
+        <p:cNvPr id="50" name="Shape 50"/>
         <p:cNvGrpSpPr/>
         <p:nvPr/>
       </p:nvGrpSpPr>
@@ -3155,9 +3745,7 @@
       <p:sp>
         <p:nvSpPr>
           <p:cNvPr id="51" name="Google Shape;51;g34c024e3535_0_45"/>
-          <p:cNvSpPr txBox="1">
-            <a:spLocks noGrp="1"/>
-          </p:cNvSpPr>
+          <p:cNvSpPr txBox="1"/>
           <p:nvPr>
             <p:ph type="title"/>
           </p:nvPr>
@@ -3176,7 +3764,7 @@
           </a:ln>
         </p:spPr>
         <p:txBody>
-          <a:bodyPr spcFirstLastPara="1" wrap="square" lIns="91425" tIns="45700" rIns="91425" bIns="45700" anchor="ctr" anchorCtr="0">
+          <a:bodyPr anchorCtr="0" anchor="ctr" bIns="45700" lIns="91425" spcFirstLastPara="1" rIns="91425" wrap="square" tIns="45700">
             <a:normAutofit/>
           </a:bodyPr>
           <a:lstStyle>
@@ -3283,19 +3871,15 @@
               <a:defRPr/>
             </a:lvl9pPr>
           </a:lstStyle>
-          <a:p>
-            <a:endParaRPr/>
-          </a:p>
+          <a:p/>
         </p:txBody>
       </p:sp>
       <p:sp>
         <p:nvSpPr>
           <p:cNvPr id="52" name="Google Shape;52;g34c024e3535_0_45"/>
-          <p:cNvSpPr txBox="1">
-            <a:spLocks noGrp="1"/>
-          </p:cNvSpPr>
+          <p:cNvSpPr txBox="1"/>
           <p:nvPr>
-            <p:ph type="body" idx="1"/>
+            <p:ph idx="1" type="body"/>
           </p:nvPr>
         </p:nvSpPr>
         <p:spPr>
@@ -3312,11 +3896,11 @@
           </a:ln>
         </p:spPr>
         <p:txBody>
-          <a:bodyPr spcFirstLastPara="1" wrap="square" lIns="91425" tIns="45700" rIns="91425" bIns="45700" anchor="t" anchorCtr="0">
+          <a:bodyPr anchorCtr="0" anchor="t" bIns="45700" lIns="91425" spcFirstLastPara="1" rIns="91425" wrap="square" tIns="45700">
             <a:normAutofit/>
           </a:bodyPr>
           <a:lstStyle>
-            <a:lvl1pPr marL="457200" lvl="0" indent="-342900" algn="l">
+            <a:lvl1pPr indent="-342900" lvl="0" marL="457200" algn="l">
               <a:spcBef>
                 <a:spcPts val="360"/>
               </a:spcBef>
@@ -3330,7 +3914,7 @@
               <a:buChar char="●"/>
               <a:defRPr/>
             </a:lvl1pPr>
-            <a:lvl2pPr marL="914400" lvl="1" indent="-342900" algn="l">
+            <a:lvl2pPr indent="-342900" lvl="1" marL="914400" algn="l">
               <a:spcBef>
                 <a:spcPts val="1200"/>
               </a:spcBef>
@@ -3344,7 +3928,7 @@
               <a:buChar char="○"/>
               <a:defRPr/>
             </a:lvl2pPr>
-            <a:lvl3pPr marL="1371600" lvl="2" indent="-342900" algn="l">
+            <a:lvl3pPr indent="-342900" lvl="2" marL="1371600" algn="l">
               <a:spcBef>
                 <a:spcPts val="1200"/>
               </a:spcBef>
@@ -3358,7 +3942,7 @@
               <a:buChar char="■"/>
               <a:defRPr/>
             </a:lvl3pPr>
-            <a:lvl4pPr marL="1828800" lvl="3" indent="-342900" algn="l">
+            <a:lvl4pPr indent="-342900" lvl="3" marL="1828800" algn="l">
               <a:spcBef>
                 <a:spcPts val="1200"/>
               </a:spcBef>
@@ -3372,7 +3956,7 @@
               <a:buChar char="●"/>
               <a:defRPr/>
             </a:lvl4pPr>
-            <a:lvl5pPr marL="2286000" lvl="4" indent="-342900" algn="l">
+            <a:lvl5pPr indent="-342900" lvl="4" marL="2286000" algn="l">
               <a:spcBef>
                 <a:spcPts val="1200"/>
               </a:spcBef>
@@ -3386,7 +3970,7 @@
               <a:buChar char="○"/>
               <a:defRPr/>
             </a:lvl5pPr>
-            <a:lvl6pPr marL="2743200" lvl="5" indent="-342900" algn="l">
+            <a:lvl6pPr indent="-342900" lvl="5" marL="2743200" algn="l">
               <a:spcBef>
                 <a:spcPts val="1200"/>
               </a:spcBef>
@@ -3400,7 +3984,7 @@
               <a:buChar char="■"/>
               <a:defRPr/>
             </a:lvl6pPr>
-            <a:lvl7pPr marL="3200400" lvl="6" indent="-342900" algn="l">
+            <a:lvl7pPr indent="-342900" lvl="6" marL="3200400" algn="l">
               <a:spcBef>
                 <a:spcPts val="1200"/>
               </a:spcBef>
@@ -3414,7 +3998,7 @@
               <a:buChar char="●"/>
               <a:defRPr/>
             </a:lvl7pPr>
-            <a:lvl8pPr marL="3657600" lvl="7" indent="-342900" algn="l">
+            <a:lvl8pPr indent="-342900" lvl="7" marL="3657600" algn="l">
               <a:spcBef>
                 <a:spcPts val="1200"/>
               </a:spcBef>
@@ -3428,7 +4012,7 @@
               <a:buChar char="○"/>
               <a:defRPr/>
             </a:lvl8pPr>
-            <a:lvl9pPr marL="4114800" lvl="8" indent="-342900" algn="l">
+            <a:lvl9pPr indent="-342900" lvl="8" marL="4114800" algn="l">
               <a:spcBef>
                 <a:spcPts val="1200"/>
               </a:spcBef>
@@ -3443,19 +4027,15 @@
               <a:defRPr/>
             </a:lvl9pPr>
           </a:lstStyle>
-          <a:p>
-            <a:endParaRPr/>
-          </a:p>
+          <a:p/>
         </p:txBody>
       </p:sp>
       <p:sp>
         <p:nvSpPr>
           <p:cNvPr id="53" name="Google Shape;53;g34c024e3535_0_45"/>
-          <p:cNvSpPr txBox="1">
-            <a:spLocks noGrp="1"/>
-          </p:cNvSpPr>
+          <p:cNvSpPr txBox="1"/>
           <p:nvPr>
-            <p:ph type="dt" idx="10"/>
+            <p:ph idx="10" type="dt"/>
           </p:nvPr>
         </p:nvSpPr>
         <p:spPr>
@@ -3472,7 +4052,7 @@
           </a:ln>
         </p:spPr>
         <p:txBody>
-          <a:bodyPr spcFirstLastPara="1" wrap="square" lIns="91425" tIns="45700" rIns="91425" bIns="45700" anchor="ctr" anchorCtr="0">
+          <a:bodyPr anchorCtr="0" anchor="ctr" bIns="45700" lIns="91425" spcFirstLastPara="1" rIns="91425" wrap="square" tIns="45700">
             <a:noAutofit/>
           </a:bodyPr>
           <a:lstStyle>
@@ -3576,19 +4156,15 @@
               <a:defRPr/>
             </a:lvl9pPr>
           </a:lstStyle>
-          <a:p>
-            <a:endParaRPr/>
-          </a:p>
+          <a:p/>
         </p:txBody>
       </p:sp>
       <p:sp>
         <p:nvSpPr>
           <p:cNvPr id="54" name="Google Shape;54;g34c024e3535_0_45"/>
-          <p:cNvSpPr txBox="1">
-            <a:spLocks noGrp="1"/>
-          </p:cNvSpPr>
+          <p:cNvSpPr txBox="1"/>
           <p:nvPr>
-            <p:ph type="ftr" idx="11"/>
+            <p:ph idx="11" type="ftr"/>
           </p:nvPr>
         </p:nvSpPr>
         <p:spPr>
@@ -3605,7 +4181,7 @@
           </a:ln>
         </p:spPr>
         <p:txBody>
-          <a:bodyPr spcFirstLastPara="1" wrap="square" lIns="91425" tIns="45700" rIns="91425" bIns="45700" anchor="ctr" anchorCtr="0">
+          <a:bodyPr anchorCtr="0" anchor="ctr" bIns="45700" lIns="91425" spcFirstLastPara="1" rIns="91425" wrap="square" tIns="45700">
             <a:noAutofit/>
           </a:bodyPr>
           <a:lstStyle>
@@ -3709,19 +4285,15 @@
               <a:defRPr/>
             </a:lvl9pPr>
           </a:lstStyle>
-          <a:p>
-            <a:endParaRPr/>
-          </a:p>
+          <a:p/>
         </p:txBody>
       </p:sp>
       <p:sp>
         <p:nvSpPr>
           <p:cNvPr id="55" name="Google Shape;55;g34c024e3535_0_45"/>
-          <p:cNvSpPr txBox="1">
-            <a:spLocks noGrp="1"/>
-          </p:cNvSpPr>
+          <p:cNvSpPr txBox="1"/>
           <p:nvPr>
-            <p:ph type="sldNum" idx="12"/>
+            <p:ph idx="12" type="sldNum"/>
           </p:nvPr>
         </p:nvSpPr>
         <p:spPr>
@@ -3738,67 +4310,67 @@
           </a:ln>
         </p:spPr>
         <p:txBody>
-          <a:bodyPr spcFirstLastPara="1" wrap="square" lIns="91425" tIns="45700" rIns="91425" bIns="45700" anchor="ctr" anchorCtr="0">
+          <a:bodyPr anchorCtr="0" anchor="ctr" bIns="45700" lIns="91425" spcFirstLastPara="1" rIns="91425" wrap="square" tIns="45700">
             <a:normAutofit/>
           </a:bodyPr>
           <a:lstStyle>
-            <a:lvl1pPr marL="0" lvl="0" indent="0" algn="r">
+            <a:lvl1pPr indent="0" lvl="0" marL="0" algn="r">
               <a:spcBef>
                 <a:spcPts val="0"/>
               </a:spcBef>
               <a:buNone/>
               <a:defRPr/>
             </a:lvl1pPr>
-            <a:lvl2pPr marL="0" lvl="1" indent="0" algn="r">
+            <a:lvl2pPr indent="0" lvl="1" marL="0" algn="r">
               <a:spcBef>
                 <a:spcPts val="0"/>
               </a:spcBef>
               <a:buNone/>
               <a:defRPr/>
             </a:lvl2pPr>
-            <a:lvl3pPr marL="0" lvl="2" indent="0" algn="r">
+            <a:lvl3pPr indent="0" lvl="2" marL="0" algn="r">
               <a:spcBef>
                 <a:spcPts val="0"/>
               </a:spcBef>
               <a:buNone/>
               <a:defRPr/>
             </a:lvl3pPr>
-            <a:lvl4pPr marL="0" lvl="3" indent="0" algn="r">
+            <a:lvl4pPr indent="0" lvl="3" marL="0" algn="r">
               <a:spcBef>
                 <a:spcPts val="0"/>
               </a:spcBef>
               <a:buNone/>
               <a:defRPr/>
             </a:lvl4pPr>
-            <a:lvl5pPr marL="0" lvl="4" indent="0" algn="r">
+            <a:lvl5pPr indent="0" lvl="4" marL="0" algn="r">
               <a:spcBef>
                 <a:spcPts val="0"/>
               </a:spcBef>
               <a:buNone/>
               <a:defRPr/>
             </a:lvl5pPr>
-            <a:lvl6pPr marL="0" lvl="5" indent="0" algn="r">
+            <a:lvl6pPr indent="0" lvl="5" marL="0" algn="r">
               <a:spcBef>
                 <a:spcPts val="0"/>
               </a:spcBef>
               <a:buNone/>
               <a:defRPr/>
             </a:lvl6pPr>
-            <a:lvl7pPr marL="0" lvl="6" indent="0" algn="r">
+            <a:lvl7pPr indent="0" lvl="6" marL="0" algn="r">
               <a:spcBef>
                 <a:spcPts val="0"/>
               </a:spcBef>
               <a:buNone/>
               <a:defRPr/>
             </a:lvl7pPr>
-            <a:lvl8pPr marL="0" lvl="7" indent="0" algn="r">
+            <a:lvl8pPr indent="0" lvl="7" marL="0" algn="r">
               <a:spcBef>
                 <a:spcPts val="0"/>
               </a:spcBef>
               <a:buNone/>
               <a:defRPr/>
             </a:lvl8pPr>
-            <a:lvl9pPr marL="0" lvl="8" indent="0" algn="r">
+            <a:lvl9pPr indent="0" lvl="8" marL="0" algn="r">
               <a:spcBef>
                 <a:spcPts val="0"/>
               </a:spcBef>
@@ -3807,7 +4379,7 @@
             </a:lvl9pPr>
           </a:lstStyle>
           <a:p>
-            <a:pPr marL="0" lvl="0" indent="0" algn="r" rtl="0">
+            <a:pPr indent="0" lvl="0" marL="0" rtl="0" algn="r">
               <a:spcBef>
                 <a:spcPts val="0"/>
               </a:spcBef>
@@ -3833,11 +4405,11 @@
 </file>
 
 <file path=ppt/slideLayouts/slideLayout2.xml><?xml version="1.0" encoding="utf-8"?>
-<p:sldLayout xmlns:a="http://schemas.openxmlformats.org/drawingml/2006/main" xmlns:r="http://schemas.openxmlformats.org/officeDocument/2006/relationships" xmlns:p="http://schemas.openxmlformats.org/presentationml/2006/main" matchingName="Section header" type="secHead">
+<p:sldLayout xmlns:a="http://schemas.openxmlformats.org/drawingml/2006/main" xmlns:r="http://schemas.openxmlformats.org/officeDocument/2006/relationships" xmlns:mc="http://schemas.openxmlformats.org/markup-compatibility/2006" xmlns:mv="urn:schemas-microsoft-com:mac:vml" xmlns:p="http://schemas.openxmlformats.org/presentationml/2006/main" xmlns:c="http://schemas.openxmlformats.org/drawingml/2006/chart" xmlns:dgm="http://schemas.openxmlformats.org/drawingml/2006/diagram" xmlns:o="urn:schemas-microsoft-com:office:office" xmlns:v="urn:schemas-microsoft-com:vml" xmlns:pvml="urn:schemas-microsoft-com:office:powerpoint" xmlns:com="http://schemas.openxmlformats.org/drawingml/2006/compatibility" xmlns:p14="http://schemas.microsoft.com/office/powerpoint/2010/main" xmlns:p15="http://schemas.microsoft.com/office/powerpoint/2012/main" xmlns:ahyp="http://schemas.microsoft.com/office/drawing/2018/hyperlinkcolor" matchingName="Section header" type="secHead">
   <p:cSld name="SECTION_HEADER">
     <p:spTree>
       <p:nvGrpSpPr>
-        <p:cNvPr id="1" name="Shape 13"/>
+        <p:cNvPr id="13" name="Shape 13"/>
         <p:cNvGrpSpPr/>
         <p:nvPr/>
       </p:nvGrpSpPr>
@@ -3852,9 +4424,7 @@
       <p:sp>
         <p:nvSpPr>
           <p:cNvPr id="14" name="Google Shape;14;g34c024e3535_0_8"/>
-          <p:cNvSpPr txBox="1">
-            <a:spLocks noGrp="1"/>
-          </p:cNvSpPr>
+          <p:cNvSpPr txBox="1"/>
           <p:nvPr>
             <p:ph type="title"/>
           </p:nvPr>
@@ -3869,7 +4439,7 @@
           </a:prstGeom>
         </p:spPr>
         <p:txBody>
-          <a:bodyPr spcFirstLastPara="1" wrap="square" lIns="91425" tIns="91425" rIns="91425" bIns="91425" anchor="ctr" anchorCtr="0">
+          <a:bodyPr anchorCtr="0" anchor="ctr" bIns="91425" lIns="91425" spcFirstLastPara="1" rIns="91425" wrap="square" tIns="91425">
             <a:normAutofit/>
           </a:bodyPr>
           <a:lstStyle>
@@ -3973,19 +4543,15 @@
               <a:defRPr sz="3600"/>
             </a:lvl9pPr>
           </a:lstStyle>
-          <a:p>
-            <a:endParaRPr/>
-          </a:p>
+          <a:p/>
         </p:txBody>
       </p:sp>
       <p:sp>
         <p:nvSpPr>
           <p:cNvPr id="15" name="Google Shape;15;g34c024e3535_0_8"/>
-          <p:cNvSpPr txBox="1">
-            <a:spLocks noGrp="1"/>
-          </p:cNvSpPr>
+          <p:cNvSpPr txBox="1"/>
           <p:nvPr>
-            <p:ph type="sldNum" idx="12"/>
+            <p:ph idx="12" type="sldNum"/>
           </p:nvPr>
         </p:nvSpPr>
         <p:spPr>
@@ -3998,7 +4564,7 @@
           </a:prstGeom>
         </p:spPr>
         <p:txBody>
-          <a:bodyPr spcFirstLastPara="1" wrap="square" lIns="91425" tIns="91425" rIns="91425" bIns="91425" anchor="ctr" anchorCtr="0">
+          <a:bodyPr anchorCtr="0" anchor="ctr" bIns="91425" lIns="91425" spcFirstLastPara="1" rIns="91425" wrap="square" tIns="91425">
             <a:normAutofit/>
           </a:bodyPr>
           <a:lstStyle>
@@ -4040,7 +4606,7 @@
             </a:lvl9pPr>
           </a:lstStyle>
           <a:p>
-            <a:pPr marL="0" lvl="0" indent="0" algn="r" rtl="0">
+            <a:pPr indent="0" lvl="0" marL="0" rtl="0" algn="r">
               <a:spcBef>
                 <a:spcPts val="0"/>
               </a:spcBef>
@@ -4066,11 +4632,11 @@
 </file>
 
 <file path=ppt/slideLayouts/slideLayout3.xml><?xml version="1.0" encoding="utf-8"?>
-<p:sldLayout xmlns:a="http://schemas.openxmlformats.org/drawingml/2006/main" xmlns:r="http://schemas.openxmlformats.org/officeDocument/2006/relationships" xmlns:p="http://schemas.openxmlformats.org/presentationml/2006/main" matchingName="Title and body" type="tx">
+<p:sldLayout xmlns:a="http://schemas.openxmlformats.org/drawingml/2006/main" xmlns:r="http://schemas.openxmlformats.org/officeDocument/2006/relationships" xmlns:mc="http://schemas.openxmlformats.org/markup-compatibility/2006" xmlns:mv="urn:schemas-microsoft-com:mac:vml" xmlns:p="http://schemas.openxmlformats.org/presentationml/2006/main" xmlns:c="http://schemas.openxmlformats.org/drawingml/2006/chart" xmlns:dgm="http://schemas.openxmlformats.org/drawingml/2006/diagram" xmlns:o="urn:schemas-microsoft-com:office:office" xmlns:v="urn:schemas-microsoft-com:vml" xmlns:pvml="urn:schemas-microsoft-com:office:powerpoint" xmlns:com="http://schemas.openxmlformats.org/drawingml/2006/compatibility" xmlns:p14="http://schemas.microsoft.com/office/powerpoint/2010/main" xmlns:p15="http://schemas.microsoft.com/office/powerpoint/2012/main" xmlns:ahyp="http://schemas.microsoft.com/office/drawing/2018/hyperlinkcolor" matchingName="Title and body" type="tx">
   <p:cSld name="TITLE_AND_BODY">
     <p:spTree>
       <p:nvGrpSpPr>
-        <p:cNvPr id="1" name="Shape 16"/>
+        <p:cNvPr id="16" name="Shape 16"/>
         <p:cNvGrpSpPr/>
         <p:nvPr/>
       </p:nvGrpSpPr>
@@ -4085,9 +4651,7 @@
       <p:sp>
         <p:nvSpPr>
           <p:cNvPr id="17" name="Google Shape;17;g34c024e3535_0_11"/>
-          <p:cNvSpPr txBox="1">
-            <a:spLocks noGrp="1"/>
-          </p:cNvSpPr>
+          <p:cNvSpPr txBox="1"/>
           <p:nvPr>
             <p:ph type="title"/>
           </p:nvPr>
@@ -4102,7 +4666,7 @@
           </a:prstGeom>
         </p:spPr>
         <p:txBody>
-          <a:bodyPr spcFirstLastPara="1" wrap="square" lIns="91425" tIns="91425" rIns="91425" bIns="91425" anchor="t" anchorCtr="0">
+          <a:bodyPr anchorCtr="0" anchor="t" bIns="91425" lIns="91425" spcFirstLastPara="1" rIns="91425" wrap="square" tIns="91425">
             <a:normAutofit/>
           </a:bodyPr>
           <a:lstStyle>
@@ -4206,19 +4770,15 @@
               <a:defRPr/>
             </a:lvl9pPr>
           </a:lstStyle>
-          <a:p>
-            <a:endParaRPr/>
-          </a:p>
+          <a:p/>
         </p:txBody>
       </p:sp>
       <p:sp>
         <p:nvSpPr>
           <p:cNvPr id="18" name="Google Shape;18;g34c024e3535_0_11"/>
-          <p:cNvSpPr txBox="1">
-            <a:spLocks noGrp="1"/>
-          </p:cNvSpPr>
+          <p:cNvSpPr txBox="1"/>
           <p:nvPr>
-            <p:ph type="body" idx="1"/>
+            <p:ph idx="1" type="body"/>
           </p:nvPr>
         </p:nvSpPr>
         <p:spPr>
@@ -4231,11 +4791,11 @@
           </a:prstGeom>
         </p:spPr>
         <p:txBody>
-          <a:bodyPr spcFirstLastPara="1" wrap="square" lIns="91425" tIns="91425" rIns="91425" bIns="91425" anchor="t" anchorCtr="0">
+          <a:bodyPr anchorCtr="0" anchor="t" bIns="91425" lIns="91425" spcFirstLastPara="1" rIns="91425" wrap="square" tIns="91425">
             <a:normAutofit/>
           </a:bodyPr>
           <a:lstStyle>
-            <a:lvl1pPr marL="457200" lvl="0" indent="-342900">
+            <a:lvl1pPr indent="-342900" lvl="0" marL="457200">
               <a:spcBef>
                 <a:spcPts val="0"/>
               </a:spcBef>
@@ -4246,7 +4806,7 @@
               <a:buChar char="●"/>
               <a:defRPr/>
             </a:lvl1pPr>
-            <a:lvl2pPr marL="914400" lvl="1" indent="-317500">
+            <a:lvl2pPr indent="-317500" lvl="1" marL="914400">
               <a:spcBef>
                 <a:spcPts val="0"/>
               </a:spcBef>
@@ -4257,7 +4817,7 @@
               <a:buChar char="○"/>
               <a:defRPr/>
             </a:lvl2pPr>
-            <a:lvl3pPr marL="1371600" lvl="2" indent="-317500">
+            <a:lvl3pPr indent="-317500" lvl="2" marL="1371600">
               <a:spcBef>
                 <a:spcPts val="0"/>
               </a:spcBef>
@@ -4268,7 +4828,7 @@
               <a:buChar char="■"/>
               <a:defRPr/>
             </a:lvl3pPr>
-            <a:lvl4pPr marL="1828800" lvl="3" indent="-317500">
+            <a:lvl4pPr indent="-317500" lvl="3" marL="1828800">
               <a:spcBef>
                 <a:spcPts val="0"/>
               </a:spcBef>
@@ -4279,7 +4839,7 @@
               <a:buChar char="●"/>
               <a:defRPr/>
             </a:lvl4pPr>
-            <a:lvl5pPr marL="2286000" lvl="4" indent="-317500">
+            <a:lvl5pPr indent="-317500" lvl="4" marL="2286000">
               <a:spcBef>
                 <a:spcPts val="0"/>
               </a:spcBef>
@@ -4290,7 +4850,7 @@
               <a:buChar char="○"/>
               <a:defRPr/>
             </a:lvl5pPr>
-            <a:lvl6pPr marL="2743200" lvl="5" indent="-317500">
+            <a:lvl6pPr indent="-317500" lvl="5" marL="2743200">
               <a:spcBef>
                 <a:spcPts val="0"/>
               </a:spcBef>
@@ -4301,7 +4861,7 @@
               <a:buChar char="■"/>
               <a:defRPr/>
             </a:lvl6pPr>
-            <a:lvl7pPr marL="3200400" lvl="6" indent="-317500">
+            <a:lvl7pPr indent="-317500" lvl="6" marL="3200400">
               <a:spcBef>
                 <a:spcPts val="0"/>
               </a:spcBef>
@@ -4312,7 +4872,7 @@
               <a:buChar char="●"/>
               <a:defRPr/>
             </a:lvl7pPr>
-            <a:lvl8pPr marL="3657600" lvl="7" indent="-317500">
+            <a:lvl8pPr indent="-317500" lvl="7" marL="3657600">
               <a:spcBef>
                 <a:spcPts val="0"/>
               </a:spcBef>
@@ -4323,7 +4883,7 @@
               <a:buChar char="○"/>
               <a:defRPr/>
             </a:lvl8pPr>
-            <a:lvl9pPr marL="4114800" lvl="8" indent="-317500">
+            <a:lvl9pPr indent="-317500" lvl="8" marL="4114800">
               <a:spcBef>
                 <a:spcPts val="0"/>
               </a:spcBef>
@@ -4335,19 +4895,15 @@
               <a:defRPr/>
             </a:lvl9pPr>
           </a:lstStyle>
-          <a:p>
-            <a:endParaRPr/>
-          </a:p>
+          <a:p/>
         </p:txBody>
       </p:sp>
       <p:sp>
         <p:nvSpPr>
           <p:cNvPr id="19" name="Google Shape;19;g34c024e3535_0_11"/>
-          <p:cNvSpPr txBox="1">
-            <a:spLocks noGrp="1"/>
-          </p:cNvSpPr>
+          <p:cNvSpPr txBox="1"/>
           <p:nvPr>
-            <p:ph type="sldNum" idx="12"/>
+            <p:ph idx="12" type="sldNum"/>
           </p:nvPr>
         </p:nvSpPr>
         <p:spPr>
@@ -4360,7 +4916,7 @@
           </a:prstGeom>
         </p:spPr>
         <p:txBody>
-          <a:bodyPr spcFirstLastPara="1" wrap="square" lIns="91425" tIns="91425" rIns="91425" bIns="91425" anchor="ctr" anchorCtr="0">
+          <a:bodyPr anchorCtr="0" anchor="ctr" bIns="91425" lIns="91425" spcFirstLastPara="1" rIns="91425" wrap="square" tIns="91425">
             <a:normAutofit/>
           </a:bodyPr>
           <a:lstStyle>
@@ -4402,7 +4958,7 @@
             </a:lvl9pPr>
           </a:lstStyle>
           <a:p>
-            <a:pPr marL="0" lvl="0" indent="0" algn="r" rtl="0">
+            <a:pPr indent="0" lvl="0" marL="0" rtl="0" algn="r">
               <a:spcBef>
                 <a:spcPts val="0"/>
               </a:spcBef>
@@ -4428,11 +4984,11 @@
 </file>
 
 <file path=ppt/slideLayouts/slideLayout4.xml><?xml version="1.0" encoding="utf-8"?>
-<p:sldLayout xmlns:a="http://schemas.openxmlformats.org/drawingml/2006/main" xmlns:r="http://schemas.openxmlformats.org/officeDocument/2006/relationships" xmlns:p="http://schemas.openxmlformats.org/presentationml/2006/main" matchingName="Title and two columns" type="twoColTx">
+<p:sldLayout xmlns:a="http://schemas.openxmlformats.org/drawingml/2006/main" xmlns:r="http://schemas.openxmlformats.org/officeDocument/2006/relationships" xmlns:mc="http://schemas.openxmlformats.org/markup-compatibility/2006" xmlns:mv="urn:schemas-microsoft-com:mac:vml" xmlns:p="http://schemas.openxmlformats.org/presentationml/2006/main" xmlns:c="http://schemas.openxmlformats.org/drawingml/2006/chart" xmlns:dgm="http://schemas.openxmlformats.org/drawingml/2006/diagram" xmlns:o="urn:schemas-microsoft-com:office:office" xmlns:v="urn:schemas-microsoft-com:vml" xmlns:pvml="urn:schemas-microsoft-com:office:powerpoint" xmlns:com="http://schemas.openxmlformats.org/drawingml/2006/compatibility" xmlns:p14="http://schemas.microsoft.com/office/powerpoint/2010/main" xmlns:p15="http://schemas.microsoft.com/office/powerpoint/2012/main" xmlns:ahyp="http://schemas.microsoft.com/office/drawing/2018/hyperlinkcolor" matchingName="Title and two columns" type="twoColTx">
   <p:cSld name="TITLE_AND_TWO_COLUMNS">
     <p:spTree>
       <p:nvGrpSpPr>
-        <p:cNvPr id="1" name="Shape 20"/>
+        <p:cNvPr id="20" name="Shape 20"/>
         <p:cNvGrpSpPr/>
         <p:nvPr/>
       </p:nvGrpSpPr>
@@ -4447,9 +5003,7 @@
       <p:sp>
         <p:nvSpPr>
           <p:cNvPr id="21" name="Google Shape;21;g34c024e3535_0_15"/>
-          <p:cNvSpPr txBox="1">
-            <a:spLocks noGrp="1"/>
-          </p:cNvSpPr>
+          <p:cNvSpPr txBox="1"/>
           <p:nvPr>
             <p:ph type="title"/>
           </p:nvPr>
@@ -4464,7 +5018,7 @@
           </a:prstGeom>
         </p:spPr>
         <p:txBody>
-          <a:bodyPr spcFirstLastPara="1" wrap="square" lIns="91425" tIns="91425" rIns="91425" bIns="91425" anchor="t" anchorCtr="0">
+          <a:bodyPr anchorCtr="0" anchor="t" bIns="91425" lIns="91425" spcFirstLastPara="1" rIns="91425" wrap="square" tIns="91425">
             <a:normAutofit/>
           </a:bodyPr>
           <a:lstStyle>
@@ -4568,19 +5122,15 @@
               <a:defRPr/>
             </a:lvl9pPr>
           </a:lstStyle>
-          <a:p>
-            <a:endParaRPr/>
-          </a:p>
+          <a:p/>
         </p:txBody>
       </p:sp>
       <p:sp>
         <p:nvSpPr>
           <p:cNvPr id="22" name="Google Shape;22;g34c024e3535_0_15"/>
-          <p:cNvSpPr txBox="1">
-            <a:spLocks noGrp="1"/>
-          </p:cNvSpPr>
+          <p:cNvSpPr txBox="1"/>
           <p:nvPr>
-            <p:ph type="body" idx="1"/>
+            <p:ph idx="1" type="body"/>
           </p:nvPr>
         </p:nvSpPr>
         <p:spPr>
@@ -4593,11 +5143,11 @@
           </a:prstGeom>
         </p:spPr>
         <p:txBody>
-          <a:bodyPr spcFirstLastPara="1" wrap="square" lIns="91425" tIns="91425" rIns="91425" bIns="91425" anchor="t" anchorCtr="0">
+          <a:bodyPr anchorCtr="0" anchor="t" bIns="91425" lIns="91425" spcFirstLastPara="1" rIns="91425" wrap="square" tIns="91425">
             <a:normAutofit/>
           </a:bodyPr>
           <a:lstStyle>
-            <a:lvl1pPr marL="457200" lvl="0" indent="-317500">
+            <a:lvl1pPr indent="-317500" lvl="0" marL="457200">
               <a:spcBef>
                 <a:spcPts val="0"/>
               </a:spcBef>
@@ -4608,7 +5158,7 @@
               <a:buChar char="●"/>
               <a:defRPr sz="1400"/>
             </a:lvl1pPr>
-            <a:lvl2pPr marL="914400" lvl="1" indent="-304800">
+            <a:lvl2pPr indent="-304800" lvl="1" marL="914400">
               <a:spcBef>
                 <a:spcPts val="0"/>
               </a:spcBef>
@@ -4619,7 +5169,7 @@
               <a:buChar char="○"/>
               <a:defRPr sz="1200"/>
             </a:lvl2pPr>
-            <a:lvl3pPr marL="1371600" lvl="2" indent="-304800">
+            <a:lvl3pPr indent="-304800" lvl="2" marL="1371600">
               <a:spcBef>
                 <a:spcPts val="0"/>
               </a:spcBef>
@@ -4630,7 +5180,7 @@
               <a:buChar char="■"/>
               <a:defRPr sz="1200"/>
             </a:lvl3pPr>
-            <a:lvl4pPr marL="1828800" lvl="3" indent="-304800">
+            <a:lvl4pPr indent="-304800" lvl="3" marL="1828800">
               <a:spcBef>
                 <a:spcPts val="0"/>
               </a:spcBef>
@@ -4641,7 +5191,7 @@
               <a:buChar char="●"/>
               <a:defRPr sz="1200"/>
             </a:lvl4pPr>
-            <a:lvl5pPr marL="2286000" lvl="4" indent="-304800">
+            <a:lvl5pPr indent="-304800" lvl="4" marL="2286000">
               <a:spcBef>
                 <a:spcPts val="0"/>
               </a:spcBef>
@@ -4652,7 +5202,7 @@
               <a:buChar char="○"/>
               <a:defRPr sz="1200"/>
             </a:lvl5pPr>
-            <a:lvl6pPr marL="2743200" lvl="5" indent="-304800">
+            <a:lvl6pPr indent="-304800" lvl="5" marL="2743200">
               <a:spcBef>
                 <a:spcPts val="0"/>
               </a:spcBef>
@@ -4663,7 +5213,7 @@
               <a:buChar char="■"/>
               <a:defRPr sz="1200"/>
             </a:lvl6pPr>
-            <a:lvl7pPr marL="3200400" lvl="6" indent="-304800">
+            <a:lvl7pPr indent="-304800" lvl="6" marL="3200400">
               <a:spcBef>
                 <a:spcPts val="0"/>
               </a:spcBef>
@@ -4674,7 +5224,7 @@
               <a:buChar char="●"/>
               <a:defRPr sz="1200"/>
             </a:lvl7pPr>
-            <a:lvl8pPr marL="3657600" lvl="7" indent="-304800">
+            <a:lvl8pPr indent="-304800" lvl="7" marL="3657600">
               <a:spcBef>
                 <a:spcPts val="0"/>
               </a:spcBef>
@@ -4685,7 +5235,7 @@
               <a:buChar char="○"/>
               <a:defRPr sz="1200"/>
             </a:lvl8pPr>
-            <a:lvl9pPr marL="4114800" lvl="8" indent="-304800">
+            <a:lvl9pPr indent="-304800" lvl="8" marL="4114800">
               <a:spcBef>
                 <a:spcPts val="0"/>
               </a:spcBef>
@@ -4697,19 +5247,15 @@
               <a:defRPr sz="1200"/>
             </a:lvl9pPr>
           </a:lstStyle>
-          <a:p>
-            <a:endParaRPr/>
-          </a:p>
+          <a:p/>
         </p:txBody>
       </p:sp>
       <p:sp>
         <p:nvSpPr>
           <p:cNvPr id="23" name="Google Shape;23;g34c024e3535_0_15"/>
-          <p:cNvSpPr txBox="1">
-            <a:spLocks noGrp="1"/>
-          </p:cNvSpPr>
+          <p:cNvSpPr txBox="1"/>
           <p:nvPr>
-            <p:ph type="body" idx="2"/>
+            <p:ph idx="2" type="body"/>
           </p:nvPr>
         </p:nvSpPr>
         <p:spPr>
@@ -4722,11 +5268,11 @@
           </a:prstGeom>
         </p:spPr>
         <p:txBody>
-          <a:bodyPr spcFirstLastPara="1" wrap="square" lIns="91425" tIns="91425" rIns="91425" bIns="91425" anchor="t" anchorCtr="0">
+          <a:bodyPr anchorCtr="0" anchor="t" bIns="91425" lIns="91425" spcFirstLastPara="1" rIns="91425" wrap="square" tIns="91425">
             <a:normAutofit/>
           </a:bodyPr>
           <a:lstStyle>
-            <a:lvl1pPr marL="457200" lvl="0" indent="-317500">
+            <a:lvl1pPr indent="-317500" lvl="0" marL="457200">
               <a:spcBef>
                 <a:spcPts val="0"/>
               </a:spcBef>
@@ -4737,7 +5283,7 @@
               <a:buChar char="●"/>
               <a:defRPr sz="1400"/>
             </a:lvl1pPr>
-            <a:lvl2pPr marL="914400" lvl="1" indent="-304800">
+            <a:lvl2pPr indent="-304800" lvl="1" marL="914400">
               <a:spcBef>
                 <a:spcPts val="0"/>
               </a:spcBef>
@@ -4748,7 +5294,7 @@
               <a:buChar char="○"/>
               <a:defRPr sz="1200"/>
             </a:lvl2pPr>
-            <a:lvl3pPr marL="1371600" lvl="2" indent="-304800">
+            <a:lvl3pPr indent="-304800" lvl="2" marL="1371600">
               <a:spcBef>
                 <a:spcPts val="0"/>
               </a:spcBef>
@@ -4759,7 +5305,7 @@
               <a:buChar char="■"/>
               <a:defRPr sz="1200"/>
             </a:lvl3pPr>
-            <a:lvl4pPr marL="1828800" lvl="3" indent="-304800">
+            <a:lvl4pPr indent="-304800" lvl="3" marL="1828800">
               <a:spcBef>
                 <a:spcPts val="0"/>
               </a:spcBef>
@@ -4770,7 +5316,7 @@
               <a:buChar char="●"/>
               <a:defRPr sz="1200"/>
             </a:lvl4pPr>
-            <a:lvl5pPr marL="2286000" lvl="4" indent="-304800">
+            <a:lvl5pPr indent="-304800" lvl="4" marL="2286000">
               <a:spcBef>
                 <a:spcPts val="0"/>
               </a:spcBef>
@@ -4781,7 +5327,7 @@
               <a:buChar char="○"/>
               <a:defRPr sz="1200"/>
             </a:lvl5pPr>
-            <a:lvl6pPr marL="2743200" lvl="5" indent="-304800">
+            <a:lvl6pPr indent="-304800" lvl="5" marL="2743200">
               <a:spcBef>
                 <a:spcPts val="0"/>
               </a:spcBef>
@@ -4792,7 +5338,7 @@
               <a:buChar char="■"/>
               <a:defRPr sz="1200"/>
             </a:lvl6pPr>
-            <a:lvl7pPr marL="3200400" lvl="6" indent="-304800">
+            <a:lvl7pPr indent="-304800" lvl="6" marL="3200400">
               <a:spcBef>
                 <a:spcPts val="0"/>
               </a:spcBef>
@@ -4803,7 +5349,7 @@
               <a:buChar char="●"/>
               <a:defRPr sz="1200"/>
             </a:lvl7pPr>
-            <a:lvl8pPr marL="3657600" lvl="7" indent="-304800">
+            <a:lvl8pPr indent="-304800" lvl="7" marL="3657600">
               <a:spcBef>
                 <a:spcPts val="0"/>
               </a:spcBef>
@@ -4814,7 +5360,7 @@
               <a:buChar char="○"/>
               <a:defRPr sz="1200"/>
             </a:lvl8pPr>
-            <a:lvl9pPr marL="4114800" lvl="8" indent="-304800">
+            <a:lvl9pPr indent="-304800" lvl="8" marL="4114800">
               <a:spcBef>
                 <a:spcPts val="0"/>
               </a:spcBef>
@@ -4826,19 +5372,15 @@
               <a:defRPr sz="1200"/>
             </a:lvl9pPr>
           </a:lstStyle>
-          <a:p>
-            <a:endParaRPr/>
-          </a:p>
+          <a:p/>
         </p:txBody>
       </p:sp>
       <p:sp>
         <p:nvSpPr>
           <p:cNvPr id="24" name="Google Shape;24;g34c024e3535_0_15"/>
-          <p:cNvSpPr txBox="1">
-            <a:spLocks noGrp="1"/>
-          </p:cNvSpPr>
+          <p:cNvSpPr txBox="1"/>
           <p:nvPr>
-            <p:ph type="sldNum" idx="12"/>
+            <p:ph idx="12" type="sldNum"/>
           </p:nvPr>
         </p:nvSpPr>
         <p:spPr>
@@ -4851,7 +5393,7 @@
           </a:prstGeom>
         </p:spPr>
         <p:txBody>
-          <a:bodyPr spcFirstLastPara="1" wrap="square" lIns="91425" tIns="91425" rIns="91425" bIns="91425" anchor="ctr" anchorCtr="0">
+          <a:bodyPr anchorCtr="0" anchor="ctr" bIns="91425" lIns="91425" spcFirstLastPara="1" rIns="91425" wrap="square" tIns="91425">
             <a:normAutofit/>
           </a:bodyPr>
           <a:lstStyle>
@@ -4893,7 +5435,7 @@
             </a:lvl9pPr>
           </a:lstStyle>
           <a:p>
-            <a:pPr marL="0" lvl="0" indent="0" algn="r" rtl="0">
+            <a:pPr indent="0" lvl="0" marL="0" rtl="0" algn="r">
               <a:spcBef>
                 <a:spcPts val="0"/>
               </a:spcBef>
@@ -4919,11 +5461,11 @@
 </file>
 
 <file path=ppt/slideLayouts/slideLayout5.xml><?xml version="1.0" encoding="utf-8"?>
-<p:sldLayout xmlns:a="http://schemas.openxmlformats.org/drawingml/2006/main" xmlns:r="http://schemas.openxmlformats.org/officeDocument/2006/relationships" xmlns:p="http://schemas.openxmlformats.org/presentationml/2006/main" matchingName="Title only" type="titleOnly">
+<p:sldLayout xmlns:a="http://schemas.openxmlformats.org/drawingml/2006/main" xmlns:r="http://schemas.openxmlformats.org/officeDocument/2006/relationships" xmlns:mc="http://schemas.openxmlformats.org/markup-compatibility/2006" xmlns:mv="urn:schemas-microsoft-com:mac:vml" xmlns:p="http://schemas.openxmlformats.org/presentationml/2006/main" xmlns:c="http://schemas.openxmlformats.org/drawingml/2006/chart" xmlns:dgm="http://schemas.openxmlformats.org/drawingml/2006/diagram" xmlns:o="urn:schemas-microsoft-com:office:office" xmlns:v="urn:schemas-microsoft-com:vml" xmlns:pvml="urn:schemas-microsoft-com:office:powerpoint" xmlns:com="http://schemas.openxmlformats.org/drawingml/2006/compatibility" xmlns:p14="http://schemas.microsoft.com/office/powerpoint/2010/main" xmlns:p15="http://schemas.microsoft.com/office/powerpoint/2012/main" xmlns:ahyp="http://schemas.microsoft.com/office/drawing/2018/hyperlinkcolor" matchingName="Title only" type="titleOnly">
   <p:cSld name="TITLE_ONLY">
     <p:spTree>
       <p:nvGrpSpPr>
-        <p:cNvPr id="1" name="Shape 25"/>
+        <p:cNvPr id="25" name="Shape 25"/>
         <p:cNvGrpSpPr/>
         <p:nvPr/>
       </p:nvGrpSpPr>
@@ -4938,9 +5480,7 @@
       <p:sp>
         <p:nvSpPr>
           <p:cNvPr id="26" name="Google Shape;26;g34c024e3535_0_20"/>
-          <p:cNvSpPr txBox="1">
-            <a:spLocks noGrp="1"/>
-          </p:cNvSpPr>
+          <p:cNvSpPr txBox="1"/>
           <p:nvPr>
             <p:ph type="title"/>
           </p:nvPr>
@@ -4955,7 +5495,7 @@
           </a:prstGeom>
         </p:spPr>
         <p:txBody>
-          <a:bodyPr spcFirstLastPara="1" wrap="square" lIns="91425" tIns="91425" rIns="91425" bIns="91425" anchor="t" anchorCtr="0">
+          <a:bodyPr anchorCtr="0" anchor="t" bIns="91425" lIns="91425" spcFirstLastPara="1" rIns="91425" wrap="square" tIns="91425">
             <a:normAutofit/>
           </a:bodyPr>
           <a:lstStyle>
@@ -5059,19 +5599,15 @@
               <a:defRPr/>
             </a:lvl9pPr>
           </a:lstStyle>
-          <a:p>
-            <a:endParaRPr/>
-          </a:p>
+          <a:p/>
         </p:txBody>
       </p:sp>
       <p:sp>
         <p:nvSpPr>
           <p:cNvPr id="27" name="Google Shape;27;g34c024e3535_0_20"/>
-          <p:cNvSpPr txBox="1">
-            <a:spLocks noGrp="1"/>
-          </p:cNvSpPr>
+          <p:cNvSpPr txBox="1"/>
           <p:nvPr>
-            <p:ph type="sldNum" idx="12"/>
+            <p:ph idx="12" type="sldNum"/>
           </p:nvPr>
         </p:nvSpPr>
         <p:spPr>
@@ -5084,7 +5620,7 @@
           </a:prstGeom>
         </p:spPr>
         <p:txBody>
-          <a:bodyPr spcFirstLastPara="1" wrap="square" lIns="91425" tIns="91425" rIns="91425" bIns="91425" anchor="ctr" anchorCtr="0">
+          <a:bodyPr anchorCtr="0" anchor="ctr" bIns="91425" lIns="91425" spcFirstLastPara="1" rIns="91425" wrap="square" tIns="91425">
             <a:normAutofit/>
           </a:bodyPr>
           <a:lstStyle>
@@ -5126,7 +5662,7 @@
             </a:lvl9pPr>
           </a:lstStyle>
           <a:p>
-            <a:pPr marL="0" lvl="0" indent="0" algn="r" rtl="0">
+            <a:pPr indent="0" lvl="0" marL="0" rtl="0" algn="r">
               <a:spcBef>
                 <a:spcPts val="0"/>
               </a:spcBef>
@@ -5152,11 +5688,11 @@
 </file>
 
 <file path=ppt/slideLayouts/slideLayout6.xml><?xml version="1.0" encoding="utf-8"?>
-<p:sldLayout xmlns:a="http://schemas.openxmlformats.org/drawingml/2006/main" xmlns:r="http://schemas.openxmlformats.org/officeDocument/2006/relationships" xmlns:p="http://schemas.openxmlformats.org/presentationml/2006/main" matchingName="One column text">
+<p:sldLayout xmlns:a="http://schemas.openxmlformats.org/drawingml/2006/main" xmlns:r="http://schemas.openxmlformats.org/officeDocument/2006/relationships" xmlns:mc="http://schemas.openxmlformats.org/markup-compatibility/2006" xmlns:mv="urn:schemas-microsoft-com:mac:vml" xmlns:p="http://schemas.openxmlformats.org/presentationml/2006/main" xmlns:c="http://schemas.openxmlformats.org/drawingml/2006/chart" xmlns:dgm="http://schemas.openxmlformats.org/drawingml/2006/diagram" xmlns:o="urn:schemas-microsoft-com:office:office" xmlns:v="urn:schemas-microsoft-com:vml" xmlns:pvml="urn:schemas-microsoft-com:office:powerpoint" xmlns:com="http://schemas.openxmlformats.org/drawingml/2006/compatibility" xmlns:p14="http://schemas.microsoft.com/office/powerpoint/2010/main" xmlns:p15="http://schemas.microsoft.com/office/powerpoint/2012/main" xmlns:ahyp="http://schemas.microsoft.com/office/drawing/2018/hyperlinkcolor" matchingName="One column text">
   <p:cSld name="ONE_COLUMN_TEXT">
     <p:spTree>
       <p:nvGrpSpPr>
-        <p:cNvPr id="1" name="Shape 28"/>
+        <p:cNvPr id="28" name="Shape 28"/>
         <p:cNvGrpSpPr/>
         <p:nvPr/>
       </p:nvGrpSpPr>
@@ -5171,9 +5707,7 @@
       <p:sp>
         <p:nvSpPr>
           <p:cNvPr id="29" name="Google Shape;29;g34c024e3535_0_23"/>
-          <p:cNvSpPr txBox="1">
-            <a:spLocks noGrp="1"/>
-          </p:cNvSpPr>
+          <p:cNvSpPr txBox="1"/>
           <p:nvPr>
             <p:ph type="title"/>
           </p:nvPr>
@@ -5188,7 +5722,7 @@
           </a:prstGeom>
         </p:spPr>
         <p:txBody>
-          <a:bodyPr spcFirstLastPara="1" wrap="square" lIns="91425" tIns="91425" rIns="91425" bIns="91425" anchor="b" anchorCtr="0">
+          <a:bodyPr anchorCtr="0" anchor="b" bIns="91425" lIns="91425" spcFirstLastPara="1" rIns="91425" wrap="square" tIns="91425">
             <a:normAutofit/>
           </a:bodyPr>
           <a:lstStyle>
@@ -5292,19 +5826,15 @@
               <a:defRPr sz="2400"/>
             </a:lvl9pPr>
           </a:lstStyle>
-          <a:p>
-            <a:endParaRPr/>
-          </a:p>
+          <a:p/>
         </p:txBody>
       </p:sp>
       <p:sp>
         <p:nvSpPr>
           <p:cNvPr id="30" name="Google Shape;30;g34c024e3535_0_23"/>
-          <p:cNvSpPr txBox="1">
-            <a:spLocks noGrp="1"/>
-          </p:cNvSpPr>
+          <p:cNvSpPr txBox="1"/>
           <p:nvPr>
-            <p:ph type="body" idx="1"/>
+            <p:ph idx="1" type="body"/>
           </p:nvPr>
         </p:nvSpPr>
         <p:spPr>
@@ -5317,11 +5847,11 @@
           </a:prstGeom>
         </p:spPr>
         <p:txBody>
-          <a:bodyPr spcFirstLastPara="1" wrap="square" lIns="91425" tIns="91425" rIns="91425" bIns="91425" anchor="t" anchorCtr="0">
+          <a:bodyPr anchorCtr="0" anchor="t" bIns="91425" lIns="91425" spcFirstLastPara="1" rIns="91425" wrap="square" tIns="91425">
             <a:normAutofit/>
           </a:bodyPr>
           <a:lstStyle>
-            <a:lvl1pPr marL="457200" lvl="0" indent="-304800">
+            <a:lvl1pPr indent="-304800" lvl="0" marL="457200">
               <a:spcBef>
                 <a:spcPts val="0"/>
               </a:spcBef>
@@ -5332,7 +5862,7 @@
               <a:buChar char="●"/>
               <a:defRPr sz="1200"/>
             </a:lvl1pPr>
-            <a:lvl2pPr marL="914400" lvl="1" indent="-304800">
+            <a:lvl2pPr indent="-304800" lvl="1" marL="914400">
               <a:spcBef>
                 <a:spcPts val="0"/>
               </a:spcBef>
@@ -5343,7 +5873,7 @@
               <a:buChar char="○"/>
               <a:defRPr sz="1200"/>
             </a:lvl2pPr>
-            <a:lvl3pPr marL="1371600" lvl="2" indent="-304800">
+            <a:lvl3pPr indent="-304800" lvl="2" marL="1371600">
               <a:spcBef>
                 <a:spcPts val="0"/>
               </a:spcBef>
@@ -5354,7 +5884,7 @@
               <a:buChar char="■"/>
               <a:defRPr sz="1200"/>
             </a:lvl3pPr>
-            <a:lvl4pPr marL="1828800" lvl="3" indent="-304800">
+            <a:lvl4pPr indent="-304800" lvl="3" marL="1828800">
               <a:spcBef>
                 <a:spcPts val="0"/>
               </a:spcBef>
@@ -5365,7 +5895,7 @@
               <a:buChar char="●"/>
               <a:defRPr sz="1200"/>
             </a:lvl4pPr>
-            <a:lvl5pPr marL="2286000" lvl="4" indent="-304800">
+            <a:lvl5pPr indent="-304800" lvl="4" marL="2286000">
               <a:spcBef>
                 <a:spcPts val="0"/>
               </a:spcBef>
@@ -5376,7 +5906,7 @@
               <a:buChar char="○"/>
               <a:defRPr sz="1200"/>
             </a:lvl5pPr>
-            <a:lvl6pPr marL="2743200" lvl="5" indent="-304800">
+            <a:lvl6pPr indent="-304800" lvl="5" marL="2743200">
               <a:spcBef>
                 <a:spcPts val="0"/>
               </a:spcBef>
@@ -5387,7 +5917,7 @@
               <a:buChar char="■"/>
               <a:defRPr sz="1200"/>
             </a:lvl6pPr>
-            <a:lvl7pPr marL="3200400" lvl="6" indent="-304800">
+            <a:lvl7pPr indent="-304800" lvl="6" marL="3200400">
               <a:spcBef>
                 <a:spcPts val="0"/>
               </a:spcBef>
@@ -5398,7 +5928,7 @@
               <a:buChar char="●"/>
               <a:defRPr sz="1200"/>
             </a:lvl7pPr>
-            <a:lvl8pPr marL="3657600" lvl="7" indent="-304800">
+            <a:lvl8pPr indent="-304800" lvl="7" marL="3657600">
               <a:spcBef>
                 <a:spcPts val="0"/>
               </a:spcBef>
@@ -5409,7 +5939,7 @@
               <a:buChar char="○"/>
               <a:defRPr sz="1200"/>
             </a:lvl8pPr>
-            <a:lvl9pPr marL="4114800" lvl="8" indent="-304800">
+            <a:lvl9pPr indent="-304800" lvl="8" marL="4114800">
               <a:spcBef>
                 <a:spcPts val="0"/>
               </a:spcBef>
@@ -5421,19 +5951,15 @@
               <a:defRPr sz="1200"/>
             </a:lvl9pPr>
           </a:lstStyle>
-          <a:p>
-            <a:endParaRPr/>
-          </a:p>
+          <a:p/>
         </p:txBody>
       </p:sp>
       <p:sp>
         <p:nvSpPr>
           <p:cNvPr id="31" name="Google Shape;31;g34c024e3535_0_23"/>
-          <p:cNvSpPr txBox="1">
-            <a:spLocks noGrp="1"/>
-          </p:cNvSpPr>
+          <p:cNvSpPr txBox="1"/>
           <p:nvPr>
-            <p:ph type="sldNum" idx="12"/>
+            <p:ph idx="12" type="sldNum"/>
           </p:nvPr>
         </p:nvSpPr>
         <p:spPr>
@@ -5446,7 +5972,7 @@
           </a:prstGeom>
         </p:spPr>
         <p:txBody>
-          <a:bodyPr spcFirstLastPara="1" wrap="square" lIns="91425" tIns="91425" rIns="91425" bIns="91425" anchor="ctr" anchorCtr="0">
+          <a:bodyPr anchorCtr="0" anchor="ctr" bIns="91425" lIns="91425" spcFirstLastPara="1" rIns="91425" wrap="square" tIns="91425">
             <a:normAutofit/>
           </a:bodyPr>
           <a:lstStyle>
@@ -5488,7 +6014,7 @@
             </a:lvl9pPr>
           </a:lstStyle>
           <a:p>
-            <a:pPr marL="0" lvl="0" indent="0" algn="r" rtl="0">
+            <a:pPr indent="0" lvl="0" marL="0" rtl="0" algn="r">
               <a:spcBef>
                 <a:spcPts val="0"/>
               </a:spcBef>
@@ -5514,11 +6040,11 @@
 </file>
 
 <file path=ppt/slideLayouts/slideLayout7.xml><?xml version="1.0" encoding="utf-8"?>
-<p:sldLayout xmlns:a="http://schemas.openxmlformats.org/drawingml/2006/main" xmlns:r="http://schemas.openxmlformats.org/officeDocument/2006/relationships" xmlns:p="http://schemas.openxmlformats.org/presentationml/2006/main" matchingName="Main point">
+<p:sldLayout xmlns:a="http://schemas.openxmlformats.org/drawingml/2006/main" xmlns:r="http://schemas.openxmlformats.org/officeDocument/2006/relationships" xmlns:mc="http://schemas.openxmlformats.org/markup-compatibility/2006" xmlns:mv="urn:schemas-microsoft-com:mac:vml" xmlns:p="http://schemas.openxmlformats.org/presentationml/2006/main" xmlns:c="http://schemas.openxmlformats.org/drawingml/2006/chart" xmlns:dgm="http://schemas.openxmlformats.org/drawingml/2006/diagram" xmlns:o="urn:schemas-microsoft-com:office:office" xmlns:v="urn:schemas-microsoft-com:vml" xmlns:pvml="urn:schemas-microsoft-com:office:powerpoint" xmlns:com="http://schemas.openxmlformats.org/drawingml/2006/compatibility" xmlns:p14="http://schemas.microsoft.com/office/powerpoint/2010/main" xmlns:p15="http://schemas.microsoft.com/office/powerpoint/2012/main" xmlns:ahyp="http://schemas.microsoft.com/office/drawing/2018/hyperlinkcolor" matchingName="Main point">
   <p:cSld name="MAIN_POINT">
     <p:spTree>
       <p:nvGrpSpPr>
-        <p:cNvPr id="1" name="Shape 32"/>
+        <p:cNvPr id="32" name="Shape 32"/>
         <p:cNvGrpSpPr/>
         <p:nvPr/>
       </p:nvGrpSpPr>
@@ -5533,9 +6059,7 @@
       <p:sp>
         <p:nvSpPr>
           <p:cNvPr id="33" name="Google Shape;33;g34c024e3535_0_27"/>
-          <p:cNvSpPr txBox="1">
-            <a:spLocks noGrp="1"/>
-          </p:cNvSpPr>
+          <p:cNvSpPr txBox="1"/>
           <p:nvPr>
             <p:ph type="title"/>
           </p:nvPr>
@@ -5550,7 +6074,7 @@
           </a:prstGeom>
         </p:spPr>
         <p:txBody>
-          <a:bodyPr spcFirstLastPara="1" wrap="square" lIns="91425" tIns="91425" rIns="91425" bIns="91425" anchor="ctr" anchorCtr="0">
+          <a:bodyPr anchorCtr="0" anchor="ctr" bIns="91425" lIns="91425" spcFirstLastPara="1" rIns="91425" wrap="square" tIns="91425">
             <a:normAutofit/>
           </a:bodyPr>
           <a:lstStyle>
@@ -5654,19 +6178,15 @@
               <a:defRPr sz="4800"/>
             </a:lvl9pPr>
           </a:lstStyle>
-          <a:p>
-            <a:endParaRPr/>
-          </a:p>
+          <a:p/>
         </p:txBody>
       </p:sp>
       <p:sp>
         <p:nvSpPr>
           <p:cNvPr id="34" name="Google Shape;34;g34c024e3535_0_27"/>
-          <p:cNvSpPr txBox="1">
-            <a:spLocks noGrp="1"/>
-          </p:cNvSpPr>
+          <p:cNvSpPr txBox="1"/>
           <p:nvPr>
-            <p:ph type="sldNum" idx="12"/>
+            <p:ph idx="12" type="sldNum"/>
           </p:nvPr>
         </p:nvSpPr>
         <p:spPr>
@@ -5679,7 +6199,7 @@
           </a:prstGeom>
         </p:spPr>
         <p:txBody>
-          <a:bodyPr spcFirstLastPara="1" wrap="square" lIns="91425" tIns="91425" rIns="91425" bIns="91425" anchor="ctr" anchorCtr="0">
+          <a:bodyPr anchorCtr="0" anchor="ctr" bIns="91425" lIns="91425" spcFirstLastPara="1" rIns="91425" wrap="square" tIns="91425">
             <a:normAutofit/>
           </a:bodyPr>
           <a:lstStyle>
@@ -5721,7 +6241,7 @@
             </a:lvl9pPr>
           </a:lstStyle>
           <a:p>
-            <a:pPr marL="0" lvl="0" indent="0" algn="r" rtl="0">
+            <a:pPr indent="0" lvl="0" marL="0" rtl="0" algn="r">
               <a:spcBef>
                 <a:spcPts val="0"/>
               </a:spcBef>
@@ -5747,11 +6267,11 @@
 </file>
 
 <file path=ppt/slideLayouts/slideLayout8.xml><?xml version="1.0" encoding="utf-8"?>
-<p:sldLayout xmlns:a="http://schemas.openxmlformats.org/drawingml/2006/main" xmlns:r="http://schemas.openxmlformats.org/officeDocument/2006/relationships" xmlns:p="http://schemas.openxmlformats.org/presentationml/2006/main" matchingName="Section title and description">
+<p:sldLayout xmlns:a="http://schemas.openxmlformats.org/drawingml/2006/main" xmlns:r="http://schemas.openxmlformats.org/officeDocument/2006/relationships" xmlns:mc="http://schemas.openxmlformats.org/markup-compatibility/2006" xmlns:mv="urn:schemas-microsoft-com:mac:vml" xmlns:p="http://schemas.openxmlformats.org/presentationml/2006/main" xmlns:c="http://schemas.openxmlformats.org/drawingml/2006/chart" xmlns:dgm="http://schemas.openxmlformats.org/drawingml/2006/diagram" xmlns:o="urn:schemas-microsoft-com:office:office" xmlns:v="urn:schemas-microsoft-com:vml" xmlns:pvml="urn:schemas-microsoft-com:office:powerpoint" xmlns:com="http://schemas.openxmlformats.org/drawingml/2006/compatibility" xmlns:p14="http://schemas.microsoft.com/office/powerpoint/2010/main" xmlns:p15="http://schemas.microsoft.com/office/powerpoint/2012/main" xmlns:ahyp="http://schemas.microsoft.com/office/drawing/2018/hyperlinkcolor" matchingName="Section title and description">
   <p:cSld name="SECTION_TITLE_AND_DESCRIPTION">
     <p:spTree>
       <p:nvGrpSpPr>
-        <p:cNvPr id="1" name="Shape 35"/>
+        <p:cNvPr id="35" name="Shape 35"/>
         <p:cNvGrpSpPr/>
         <p:nvPr/>
       </p:nvGrpSpPr>
@@ -5785,12 +6305,12 @@
           </a:ln>
         </p:spPr>
         <p:txBody>
-          <a:bodyPr spcFirstLastPara="1" wrap="square" lIns="91425" tIns="91425" rIns="91425" bIns="91425" anchor="ctr" anchorCtr="0">
+          <a:bodyPr anchorCtr="0" anchor="ctr" bIns="91425" lIns="91425" spcFirstLastPara="1" rIns="91425" wrap="square" tIns="91425">
             <a:noAutofit/>
           </a:bodyPr>
           <a:lstStyle/>
           <a:p>
-            <a:pPr marL="0" lvl="0" indent="0" algn="l" rtl="0">
+            <a:pPr indent="0" lvl="0" marL="0" rtl="0" algn="l">
               <a:spcBef>
                 <a:spcPts val="0"/>
               </a:spcBef>
@@ -5799,6 +6319,9 @@
               </a:spcAft>
               <a:buNone/>
             </a:pPr>
+            <a:r>
+              <a:t/>
+            </a:r>
             <a:endParaRPr/>
           </a:p>
         </p:txBody>
@@ -5806,9 +6329,7 @@
       <p:sp>
         <p:nvSpPr>
           <p:cNvPr id="37" name="Google Shape;37;g34c024e3535_0_30"/>
-          <p:cNvSpPr txBox="1">
-            <a:spLocks noGrp="1"/>
-          </p:cNvSpPr>
+          <p:cNvSpPr txBox="1"/>
           <p:nvPr>
             <p:ph type="title"/>
           </p:nvPr>
@@ -5823,7 +6344,7 @@
           </a:prstGeom>
         </p:spPr>
         <p:txBody>
-          <a:bodyPr spcFirstLastPara="1" wrap="square" lIns="91425" tIns="91425" rIns="91425" bIns="91425" anchor="b" anchorCtr="0">
+          <a:bodyPr anchorCtr="0" anchor="b" bIns="91425" lIns="91425" spcFirstLastPara="1" rIns="91425" wrap="square" tIns="91425">
             <a:normAutofit/>
           </a:bodyPr>
           <a:lstStyle>
@@ -5927,19 +6448,15 @@
               <a:defRPr sz="4200"/>
             </a:lvl9pPr>
           </a:lstStyle>
-          <a:p>
-            <a:endParaRPr/>
-          </a:p>
+          <a:p/>
         </p:txBody>
       </p:sp>
       <p:sp>
         <p:nvSpPr>
           <p:cNvPr id="38" name="Google Shape;38;g34c024e3535_0_30"/>
-          <p:cNvSpPr txBox="1">
-            <a:spLocks noGrp="1"/>
-          </p:cNvSpPr>
+          <p:cNvSpPr txBox="1"/>
           <p:nvPr>
-            <p:ph type="subTitle" idx="1"/>
+            <p:ph idx="1" type="subTitle"/>
           </p:nvPr>
         </p:nvSpPr>
         <p:spPr>
@@ -5952,7 +6469,7 @@
           </a:prstGeom>
         </p:spPr>
         <p:txBody>
-          <a:bodyPr spcFirstLastPara="1" wrap="square" lIns="91425" tIns="91425" rIns="91425" bIns="91425" anchor="t" anchorCtr="0">
+          <a:bodyPr anchorCtr="0" anchor="t" bIns="91425" lIns="91425" spcFirstLastPara="1" rIns="91425" wrap="square" tIns="91425">
             <a:normAutofit/>
           </a:bodyPr>
           <a:lstStyle>
@@ -6083,19 +6600,15 @@
               <a:defRPr sz="2100"/>
             </a:lvl9pPr>
           </a:lstStyle>
-          <a:p>
-            <a:endParaRPr/>
-          </a:p>
+          <a:p/>
         </p:txBody>
       </p:sp>
       <p:sp>
         <p:nvSpPr>
           <p:cNvPr id="39" name="Google Shape;39;g34c024e3535_0_30"/>
-          <p:cNvSpPr txBox="1">
-            <a:spLocks noGrp="1"/>
-          </p:cNvSpPr>
+          <p:cNvSpPr txBox="1"/>
           <p:nvPr>
-            <p:ph type="body" idx="2"/>
+            <p:ph idx="2" type="body"/>
           </p:nvPr>
         </p:nvSpPr>
         <p:spPr>
@@ -6108,11 +6621,11 @@
           </a:prstGeom>
         </p:spPr>
         <p:txBody>
-          <a:bodyPr spcFirstLastPara="1" wrap="square" lIns="91425" tIns="91425" rIns="91425" bIns="91425" anchor="ctr" anchorCtr="0">
+          <a:bodyPr anchorCtr="0" anchor="ctr" bIns="91425" lIns="91425" spcFirstLastPara="1" rIns="91425" wrap="square" tIns="91425">
             <a:normAutofit/>
           </a:bodyPr>
           <a:lstStyle>
-            <a:lvl1pPr marL="457200" lvl="0" indent="-342900">
+            <a:lvl1pPr indent="-342900" lvl="0" marL="457200">
               <a:spcBef>
                 <a:spcPts val="0"/>
               </a:spcBef>
@@ -6130,7 +6643,7 @@
                 </a:solidFill>
               </a:defRPr>
             </a:lvl1pPr>
-            <a:lvl2pPr marL="914400" lvl="1" indent="-317500">
+            <a:lvl2pPr indent="-317500" lvl="1" marL="914400">
               <a:spcBef>
                 <a:spcPts val="0"/>
               </a:spcBef>
@@ -6148,7 +6661,7 @@
                 </a:solidFill>
               </a:defRPr>
             </a:lvl2pPr>
-            <a:lvl3pPr marL="1371600" lvl="2" indent="-317500">
+            <a:lvl3pPr indent="-317500" lvl="2" marL="1371600">
               <a:spcBef>
                 <a:spcPts val="0"/>
               </a:spcBef>
@@ -6166,7 +6679,7 @@
                 </a:solidFill>
               </a:defRPr>
             </a:lvl3pPr>
-            <a:lvl4pPr marL="1828800" lvl="3" indent="-317500">
+            <a:lvl4pPr indent="-317500" lvl="3" marL="1828800">
               <a:spcBef>
                 <a:spcPts val="0"/>
               </a:spcBef>
@@ -6184,7 +6697,7 @@
                 </a:solidFill>
               </a:defRPr>
             </a:lvl4pPr>
-            <a:lvl5pPr marL="2286000" lvl="4" indent="-317500">
+            <a:lvl5pPr indent="-317500" lvl="4" marL="2286000">
               <a:spcBef>
                 <a:spcPts val="0"/>
               </a:spcBef>
@@ -6202,7 +6715,7 @@
                 </a:solidFill>
               </a:defRPr>
             </a:lvl5pPr>
-            <a:lvl6pPr marL="2743200" lvl="5" indent="-317500">
+            <a:lvl6pPr indent="-317500" lvl="5" marL="2743200">
               <a:spcBef>
                 <a:spcPts val="0"/>
               </a:spcBef>
@@ -6220,7 +6733,7 @@
                 </a:solidFill>
               </a:defRPr>
             </a:lvl6pPr>
-            <a:lvl7pPr marL="3200400" lvl="6" indent="-317500">
+            <a:lvl7pPr indent="-317500" lvl="6" marL="3200400">
               <a:spcBef>
                 <a:spcPts val="0"/>
               </a:spcBef>
@@ -6238,7 +6751,7 @@
                 </a:solidFill>
               </a:defRPr>
             </a:lvl7pPr>
-            <a:lvl8pPr marL="3657600" lvl="7" indent="-317500">
+            <a:lvl8pPr indent="-317500" lvl="7" marL="3657600">
               <a:spcBef>
                 <a:spcPts val="0"/>
               </a:spcBef>
@@ -6256,7 +6769,7 @@
                 </a:solidFill>
               </a:defRPr>
             </a:lvl8pPr>
-            <a:lvl9pPr marL="4114800" lvl="8" indent="-317500">
+            <a:lvl9pPr indent="-317500" lvl="8" marL="4114800">
               <a:spcBef>
                 <a:spcPts val="0"/>
               </a:spcBef>
@@ -6275,19 +6788,15 @@
               </a:defRPr>
             </a:lvl9pPr>
           </a:lstStyle>
-          <a:p>
-            <a:endParaRPr/>
-          </a:p>
+          <a:p/>
         </p:txBody>
       </p:sp>
       <p:sp>
         <p:nvSpPr>
           <p:cNvPr id="40" name="Google Shape;40;g34c024e3535_0_30"/>
-          <p:cNvSpPr txBox="1">
-            <a:spLocks noGrp="1"/>
-          </p:cNvSpPr>
+          <p:cNvSpPr txBox="1"/>
           <p:nvPr>
-            <p:ph type="sldNum" idx="12"/>
+            <p:ph idx="12" type="sldNum"/>
           </p:nvPr>
         </p:nvSpPr>
         <p:spPr>
@@ -6300,7 +6809,7 @@
           </a:prstGeom>
         </p:spPr>
         <p:txBody>
-          <a:bodyPr spcFirstLastPara="1" wrap="square" lIns="91425" tIns="91425" rIns="91425" bIns="91425" anchor="ctr" anchorCtr="0">
+          <a:bodyPr anchorCtr="0" anchor="ctr" bIns="91425" lIns="91425" spcFirstLastPara="1" rIns="91425" wrap="square" tIns="91425">
             <a:normAutofit/>
           </a:bodyPr>
           <a:lstStyle>
@@ -6342,7 +6851,7 @@
             </a:lvl9pPr>
           </a:lstStyle>
           <a:p>
-            <a:pPr marL="0" lvl="0" indent="0" algn="r" rtl="0">
+            <a:pPr indent="0" lvl="0" marL="0" rtl="0" algn="r">
               <a:spcBef>
                 <a:spcPts val="0"/>
               </a:spcBef>
@@ -6368,11 +6877,11 @@
 </file>
 
 <file path=ppt/slideLayouts/slideLayout9.xml><?xml version="1.0" encoding="utf-8"?>
-<p:sldLayout xmlns:a="http://schemas.openxmlformats.org/drawingml/2006/main" xmlns:r="http://schemas.openxmlformats.org/officeDocument/2006/relationships" xmlns:p="http://schemas.openxmlformats.org/presentationml/2006/main" matchingName="Caption">
+<p:sldLayout xmlns:a="http://schemas.openxmlformats.org/drawingml/2006/main" xmlns:r="http://schemas.openxmlformats.org/officeDocument/2006/relationships" xmlns:mc="http://schemas.openxmlformats.org/markup-compatibility/2006" xmlns:mv="urn:schemas-microsoft-com:mac:vml" xmlns:p="http://schemas.openxmlformats.org/presentationml/2006/main" xmlns:c="http://schemas.openxmlformats.org/drawingml/2006/chart" xmlns:dgm="http://schemas.openxmlformats.org/drawingml/2006/diagram" xmlns:o="urn:schemas-microsoft-com:office:office" xmlns:v="urn:schemas-microsoft-com:vml" xmlns:pvml="urn:schemas-microsoft-com:office:powerpoint" xmlns:com="http://schemas.openxmlformats.org/drawingml/2006/compatibility" xmlns:p14="http://schemas.microsoft.com/office/powerpoint/2010/main" xmlns:p15="http://schemas.microsoft.com/office/powerpoint/2012/main" xmlns:ahyp="http://schemas.microsoft.com/office/drawing/2018/hyperlinkcolor" matchingName="Caption">
   <p:cSld name="CAPTION_ONLY">
     <p:spTree>
       <p:nvGrpSpPr>
-        <p:cNvPr id="1" name="Shape 41"/>
+        <p:cNvPr id="41" name="Shape 41"/>
         <p:cNvGrpSpPr/>
         <p:nvPr/>
       </p:nvGrpSpPr>
@@ -6387,11 +6896,9 @@
       <p:sp>
         <p:nvSpPr>
           <p:cNvPr id="42" name="Google Shape;42;g34c024e3535_0_36"/>
-          <p:cNvSpPr txBox="1">
-            <a:spLocks noGrp="1"/>
-          </p:cNvSpPr>
+          <p:cNvSpPr txBox="1"/>
           <p:nvPr>
-            <p:ph type="body" idx="1"/>
+            <p:ph idx="1" type="body"/>
           </p:nvPr>
         </p:nvSpPr>
         <p:spPr>
@@ -6404,11 +6911,11 @@
           </a:prstGeom>
         </p:spPr>
         <p:txBody>
-          <a:bodyPr spcFirstLastPara="1" wrap="square" lIns="91425" tIns="91425" rIns="91425" bIns="91425" anchor="ctr" anchorCtr="0">
+          <a:bodyPr anchorCtr="0" anchor="ctr" bIns="91425" lIns="91425" spcFirstLastPara="1" rIns="91425" wrap="square" tIns="91425">
             <a:normAutofit/>
           </a:bodyPr>
           <a:lstStyle>
-            <a:lvl1pPr marL="457200" lvl="0" indent="-228600">
+            <a:lvl1pPr indent="-228600" lvl="0" marL="457200">
               <a:lnSpc>
                 <a:spcPct val="100000"/>
               </a:lnSpc>
@@ -6423,19 +6930,15 @@
               <a:defRPr/>
             </a:lvl1pPr>
           </a:lstStyle>
-          <a:p>
-            <a:endParaRPr/>
-          </a:p>
+          <a:p/>
         </p:txBody>
       </p:sp>
       <p:sp>
         <p:nvSpPr>
           <p:cNvPr id="43" name="Google Shape;43;g34c024e3535_0_36"/>
-          <p:cNvSpPr txBox="1">
-            <a:spLocks noGrp="1"/>
-          </p:cNvSpPr>
+          <p:cNvSpPr txBox="1"/>
           <p:nvPr>
-            <p:ph type="sldNum" idx="12"/>
+            <p:ph idx="12" type="sldNum"/>
           </p:nvPr>
         </p:nvSpPr>
         <p:spPr>
@@ -6448,7 +6951,7 @@
           </a:prstGeom>
         </p:spPr>
         <p:txBody>
-          <a:bodyPr spcFirstLastPara="1" wrap="square" lIns="91425" tIns="91425" rIns="91425" bIns="91425" anchor="ctr" anchorCtr="0">
+          <a:bodyPr anchorCtr="0" anchor="ctr" bIns="91425" lIns="91425" spcFirstLastPara="1" rIns="91425" wrap="square" tIns="91425">
             <a:normAutofit/>
           </a:bodyPr>
           <a:lstStyle>
@@ -6490,7 +6993,7 @@
             </a:lvl9pPr>
           </a:lstStyle>
           <a:p>
-            <a:pPr marL="0" lvl="0" indent="0" algn="r" rtl="0">
+            <a:pPr indent="0" lvl="0" marL="0" rtl="0" algn="r">
               <a:spcBef>
                 <a:spcPts val="0"/>
               </a:spcBef>
@@ -6516,19 +7019,18 @@
 </file>
 
 <file path=ppt/slideMasters/slideMaster1.xml><?xml version="1.0" encoding="utf-8"?>
-<p:sldMaster xmlns:a="http://schemas.openxmlformats.org/drawingml/2006/main" xmlns:r="http://schemas.openxmlformats.org/officeDocument/2006/relationships" xmlns:p="http://schemas.openxmlformats.org/presentationml/2006/main">
+<p:sldMaster xmlns:a="http://schemas.openxmlformats.org/drawingml/2006/main" xmlns:r="http://schemas.openxmlformats.org/officeDocument/2006/relationships" xmlns:mc="http://schemas.openxmlformats.org/markup-compatibility/2006" xmlns:mv="urn:schemas-microsoft-com:mac:vml" xmlns:p="http://schemas.openxmlformats.org/presentationml/2006/main" xmlns:c="http://schemas.openxmlformats.org/drawingml/2006/chart" xmlns:dgm="http://schemas.openxmlformats.org/drawingml/2006/diagram" xmlns:o="urn:schemas-microsoft-com:office:office" xmlns:v="urn:schemas-microsoft-com:vml" xmlns:pvml="urn:schemas-microsoft-com:office:powerpoint" xmlns:com="http://schemas.openxmlformats.org/drawingml/2006/compatibility" xmlns:p14="http://schemas.microsoft.com/office/powerpoint/2010/main" xmlns:p15="http://schemas.microsoft.com/office/powerpoint/2012/main" xmlns:ahyp="http://schemas.microsoft.com/office/drawing/2018/hyperlinkcolor">
   <p:cSld name="simple-dark-2">
     <p:bg>
       <p:bgPr>
         <a:solidFill>
           <a:schemeClr val="lt1"/>
         </a:solidFill>
-        <a:effectLst/>
       </p:bgPr>
     </p:bg>
     <p:spTree>
       <p:nvGrpSpPr>
-        <p:cNvPr id="1" name="Shape 5"/>
+        <p:cNvPr id="5" name="Shape 5"/>
         <p:cNvGrpSpPr/>
         <p:nvPr/>
       </p:nvGrpSpPr>
@@ -6543,9 +7045,7 @@
       <p:sp>
         <p:nvSpPr>
           <p:cNvPr id="6" name="Google Shape;6;g34c024e3535_0_0"/>
-          <p:cNvSpPr txBox="1">
-            <a:spLocks noGrp="1"/>
-          </p:cNvSpPr>
+          <p:cNvSpPr txBox="1"/>
           <p:nvPr>
             <p:ph type="title"/>
           </p:nvPr>
@@ -6564,7 +7064,7 @@
           </a:ln>
         </p:spPr>
         <p:txBody>
-          <a:bodyPr spcFirstLastPara="1" wrap="square" lIns="91425" tIns="91425" rIns="91425" bIns="91425" anchor="t" anchorCtr="0">
+          <a:bodyPr anchorCtr="0" anchor="t" bIns="91425" lIns="91425" spcFirstLastPara="1" rIns="91425" wrap="square" tIns="91425">
             <a:normAutofit/>
           </a:bodyPr>
           <a:lstStyle>
@@ -6731,19 +7231,15 @@
               </a:defRPr>
             </a:lvl9pPr>
           </a:lstStyle>
-          <a:p>
-            <a:endParaRPr/>
-          </a:p>
+          <a:p/>
         </p:txBody>
       </p:sp>
       <p:sp>
         <p:nvSpPr>
           <p:cNvPr id="7" name="Google Shape;7;g34c024e3535_0_0"/>
-          <p:cNvSpPr txBox="1">
-            <a:spLocks noGrp="1"/>
-          </p:cNvSpPr>
+          <p:cNvSpPr txBox="1"/>
           <p:nvPr>
-            <p:ph type="body" idx="1"/>
+            <p:ph idx="1" type="body"/>
           </p:nvPr>
         </p:nvSpPr>
         <p:spPr>
@@ -6760,11 +7256,11 @@
           </a:ln>
         </p:spPr>
         <p:txBody>
-          <a:bodyPr spcFirstLastPara="1" wrap="square" lIns="91425" tIns="91425" rIns="91425" bIns="91425" anchor="t" anchorCtr="0">
+          <a:bodyPr anchorCtr="0" anchor="t" bIns="91425" lIns="91425" spcFirstLastPara="1" rIns="91425" wrap="square" tIns="91425">
             <a:normAutofit/>
           </a:bodyPr>
           <a:lstStyle>
-            <a:lvl1pPr marL="457200" lvl="0" indent="-342900">
+            <a:lvl1pPr indent="-342900" lvl="0" marL="457200">
               <a:lnSpc>
                 <a:spcPct val="115000"/>
               </a:lnSpc>
@@ -6785,7 +7281,7 @@
                 </a:solidFill>
               </a:defRPr>
             </a:lvl1pPr>
-            <a:lvl2pPr marL="914400" lvl="1" indent="-317500">
+            <a:lvl2pPr indent="-317500" lvl="1" marL="914400">
               <a:lnSpc>
                 <a:spcPct val="115000"/>
               </a:lnSpc>
@@ -6806,7 +7302,7 @@
                 </a:solidFill>
               </a:defRPr>
             </a:lvl2pPr>
-            <a:lvl3pPr marL="1371600" lvl="2" indent="-317500">
+            <a:lvl3pPr indent="-317500" lvl="2" marL="1371600">
               <a:lnSpc>
                 <a:spcPct val="115000"/>
               </a:lnSpc>
@@ -6827,7 +7323,7 @@
                 </a:solidFill>
               </a:defRPr>
             </a:lvl3pPr>
-            <a:lvl4pPr marL="1828800" lvl="3" indent="-317500">
+            <a:lvl4pPr indent="-317500" lvl="3" marL="1828800">
               <a:lnSpc>
                 <a:spcPct val="115000"/>
               </a:lnSpc>
@@ -6848,7 +7344,7 @@
                 </a:solidFill>
               </a:defRPr>
             </a:lvl4pPr>
-            <a:lvl5pPr marL="2286000" lvl="4" indent="-317500">
+            <a:lvl5pPr indent="-317500" lvl="4" marL="2286000">
               <a:lnSpc>
                 <a:spcPct val="115000"/>
               </a:lnSpc>
@@ -6869,7 +7365,7 @@
                 </a:solidFill>
               </a:defRPr>
             </a:lvl5pPr>
-            <a:lvl6pPr marL="2743200" lvl="5" indent="-317500">
+            <a:lvl6pPr indent="-317500" lvl="5" marL="2743200">
               <a:lnSpc>
                 <a:spcPct val="115000"/>
               </a:lnSpc>
@@ -6890,7 +7386,7 @@
                 </a:solidFill>
               </a:defRPr>
             </a:lvl6pPr>
-            <a:lvl7pPr marL="3200400" lvl="6" indent="-317500">
+            <a:lvl7pPr indent="-317500" lvl="6" marL="3200400">
               <a:lnSpc>
                 <a:spcPct val="115000"/>
               </a:lnSpc>
@@ -6911,7 +7407,7 @@
                 </a:solidFill>
               </a:defRPr>
             </a:lvl7pPr>
-            <a:lvl8pPr marL="3657600" lvl="7" indent="-317500">
+            <a:lvl8pPr indent="-317500" lvl="7" marL="3657600">
               <a:lnSpc>
                 <a:spcPct val="115000"/>
               </a:lnSpc>
@@ -6932,7 +7428,7 @@
                 </a:solidFill>
               </a:defRPr>
             </a:lvl8pPr>
-            <a:lvl9pPr marL="4114800" lvl="8" indent="-317500">
+            <a:lvl9pPr indent="-317500" lvl="8" marL="4114800">
               <a:lnSpc>
                 <a:spcPct val="115000"/>
               </a:lnSpc>
@@ -6954,19 +7450,15 @@
               </a:defRPr>
             </a:lvl9pPr>
           </a:lstStyle>
-          <a:p>
-            <a:endParaRPr/>
-          </a:p>
+          <a:p/>
         </p:txBody>
       </p:sp>
       <p:sp>
         <p:nvSpPr>
           <p:cNvPr id="8" name="Google Shape;8;g34c024e3535_0_0"/>
-          <p:cNvSpPr txBox="1">
-            <a:spLocks noGrp="1"/>
-          </p:cNvSpPr>
+          <p:cNvSpPr txBox="1"/>
           <p:nvPr>
-            <p:ph type="sldNum" idx="12"/>
+            <p:ph idx="12" type="sldNum"/>
           </p:nvPr>
         </p:nvSpPr>
         <p:spPr>
@@ -6983,7 +7475,7 @@
           </a:ln>
         </p:spPr>
         <p:txBody>
-          <a:bodyPr spcFirstLastPara="1" wrap="square" lIns="91425" tIns="91425" rIns="91425" bIns="91425" anchor="ctr" anchorCtr="0">
+          <a:bodyPr anchorCtr="0" anchor="ctr" bIns="91425" lIns="91425" spcFirstLastPara="1" rIns="91425" wrap="square" tIns="91425">
             <a:normAutofit/>
           </a:bodyPr>
           <a:lstStyle>
@@ -7061,7 +7553,7 @@
             </a:lvl9pPr>
           </a:lstStyle>
           <a:p>
-            <a:pPr marL="0" lvl="0" indent="0" algn="r" rtl="0">
+            <a:pPr indent="0" lvl="0" marL="0" rtl="0" algn="r">
               <a:spcBef>
                 <a:spcPts val="0"/>
               </a:spcBef>
@@ -7080,7 +7572,7 @@
       </p:sp>
     </p:spTree>
   </p:cSld>
-  <p:clrMap bg1="lt1" tx1="dk1" bg2="dk2" tx2="lt2" accent1="accent1" accent2="accent2" accent3="accent3" accent4="accent4" accent5="accent5" accent6="accent6" hlink="hlink" folHlink="folHlink"/>
+  <p:clrMap accent1="accent1" accent2="accent2" accent3="accent3" accent4="accent4" accent5="accent5" accent6="accent6" bg1="lt1" bg2="dk2" tx1="dk1" tx2="lt2" folHlink="folHlink" hlink="hlink"/>
   <p:sldLayoutIdLst>
     <p:sldLayoutId id="2147483649" r:id="rId1"/>
     <p:sldLayoutId id="2147483650" r:id="rId2"/>
@@ -7095,10 +7587,10 @@
     <p:sldLayoutId id="2147483659" r:id="rId11"/>
     <p:sldLayoutId id="2147483660" r:id="rId12"/>
   </p:sldLayoutIdLst>
-  <p:hf sldNum="0" hdr="0" ftr="0" dt="0"/>
+  <p:hf dt="0" ftr="0" hdr="0" sldNum="0"/>
   <p:txStyles>
     <p:titleStyle>
-      <a:defPPr marR="0" lvl="0" algn="l" rtl="0">
+      <a:defPPr lvl="0" marR="0" rtl="0" algn="l">
         <a:lnSpc>
           <a:spcPct val="100000"/>
         </a:lnSpc>
@@ -7109,7 +7601,7 @@
           <a:spcPts val="0"/>
         </a:spcAft>
       </a:defPPr>
-      <a:lvl1pPr marR="0" lvl="0" algn="l" rtl="0">
+      <a:lvl1pPr lvl="0" marR="0" rtl="0" algn="l">
         <a:lnSpc>
           <a:spcPct val="100000"/>
         </a:lnSpc>
@@ -7123,7 +7615,7 @@
           <a:srgbClr val="000000"/>
         </a:buClr>
         <a:buFont typeface="Arial"/>
-        <a:defRPr sz="1400" b="0" i="0" u="none" strike="noStrike" cap="none">
+        <a:defRPr b="0" i="0" sz="1400" u="none" cap="none" strike="noStrike">
           <a:solidFill>
             <a:srgbClr val="000000"/>
           </a:solidFill>
@@ -7133,7 +7625,7 @@
           <a:sym typeface="Arial"/>
         </a:defRPr>
       </a:lvl1pPr>
-      <a:lvl2pPr marR="0" lvl="1" algn="l" rtl="0">
+      <a:lvl2pPr lvl="1" marR="0" rtl="0" algn="l">
         <a:lnSpc>
           <a:spcPct val="100000"/>
         </a:lnSpc>
@@ -7147,7 +7639,7 @@
           <a:srgbClr val="000000"/>
         </a:buClr>
         <a:buFont typeface="Arial"/>
-        <a:defRPr sz="1400" b="0" i="0" u="none" strike="noStrike" cap="none">
+        <a:defRPr b="0" i="0" sz="1400" u="none" cap="none" strike="noStrike">
           <a:solidFill>
             <a:srgbClr val="000000"/>
           </a:solidFill>
@@ -7157,7 +7649,7 @@
           <a:sym typeface="Arial"/>
         </a:defRPr>
       </a:lvl2pPr>
-      <a:lvl3pPr marR="0" lvl="2" algn="l" rtl="0">
+      <a:lvl3pPr lvl="2" marR="0" rtl="0" algn="l">
         <a:lnSpc>
           <a:spcPct val="100000"/>
         </a:lnSpc>
@@ -7171,7 +7663,7 @@
           <a:srgbClr val="000000"/>
         </a:buClr>
         <a:buFont typeface="Arial"/>
-        <a:defRPr sz="1400" b="0" i="0" u="none" strike="noStrike" cap="none">
+        <a:defRPr b="0" i="0" sz="1400" u="none" cap="none" strike="noStrike">
           <a:solidFill>
             <a:srgbClr val="000000"/>
           </a:solidFill>
@@ -7181,7 +7673,7 @@
           <a:sym typeface="Arial"/>
         </a:defRPr>
       </a:lvl3pPr>
-      <a:lvl4pPr marR="0" lvl="3" algn="l" rtl="0">
+      <a:lvl4pPr lvl="3" marR="0" rtl="0" algn="l">
         <a:lnSpc>
           <a:spcPct val="100000"/>
         </a:lnSpc>
@@ -7195,7 +7687,7 @@
           <a:srgbClr val="000000"/>
         </a:buClr>
         <a:buFont typeface="Arial"/>
-        <a:defRPr sz="1400" b="0" i="0" u="none" strike="noStrike" cap="none">
+        <a:defRPr b="0" i="0" sz="1400" u="none" cap="none" strike="noStrike">
           <a:solidFill>
             <a:srgbClr val="000000"/>
           </a:solidFill>
@@ -7205,7 +7697,7 @@
           <a:sym typeface="Arial"/>
         </a:defRPr>
       </a:lvl4pPr>
-      <a:lvl5pPr marR="0" lvl="4" algn="l" rtl="0">
+      <a:lvl5pPr lvl="4" marR="0" rtl="0" algn="l">
         <a:lnSpc>
           <a:spcPct val="100000"/>
         </a:lnSpc>
@@ -7219,7 +7711,7 @@
           <a:srgbClr val="000000"/>
         </a:buClr>
         <a:buFont typeface="Arial"/>
-        <a:defRPr sz="1400" b="0" i="0" u="none" strike="noStrike" cap="none">
+        <a:defRPr b="0" i="0" sz="1400" u="none" cap="none" strike="noStrike">
           <a:solidFill>
             <a:srgbClr val="000000"/>
           </a:solidFill>
@@ -7229,7 +7721,7 @@
           <a:sym typeface="Arial"/>
         </a:defRPr>
       </a:lvl5pPr>
-      <a:lvl6pPr marR="0" lvl="5" algn="l" rtl="0">
+      <a:lvl6pPr lvl="5" marR="0" rtl="0" algn="l">
         <a:lnSpc>
           <a:spcPct val="100000"/>
         </a:lnSpc>
@@ -7243,7 +7735,7 @@
           <a:srgbClr val="000000"/>
         </a:buClr>
         <a:buFont typeface="Arial"/>
-        <a:defRPr sz="1400" b="0" i="0" u="none" strike="noStrike" cap="none">
+        <a:defRPr b="0" i="0" sz="1400" u="none" cap="none" strike="noStrike">
           <a:solidFill>
             <a:srgbClr val="000000"/>
           </a:solidFill>
@@ -7253,7 +7745,7 @@
           <a:sym typeface="Arial"/>
         </a:defRPr>
       </a:lvl6pPr>
-      <a:lvl7pPr marR="0" lvl="6" algn="l" rtl="0">
+      <a:lvl7pPr lvl="6" marR="0" rtl="0" algn="l">
         <a:lnSpc>
           <a:spcPct val="100000"/>
         </a:lnSpc>
@@ -7267,7 +7759,7 @@
           <a:srgbClr val="000000"/>
         </a:buClr>
         <a:buFont typeface="Arial"/>
-        <a:defRPr sz="1400" b="0" i="0" u="none" strike="noStrike" cap="none">
+        <a:defRPr b="0" i="0" sz="1400" u="none" cap="none" strike="noStrike">
           <a:solidFill>
             <a:srgbClr val="000000"/>
           </a:solidFill>
@@ -7277,7 +7769,7 @@
           <a:sym typeface="Arial"/>
         </a:defRPr>
       </a:lvl7pPr>
-      <a:lvl8pPr marR="0" lvl="7" algn="l" rtl="0">
+      <a:lvl8pPr lvl="7" marR="0" rtl="0" algn="l">
         <a:lnSpc>
           <a:spcPct val="100000"/>
         </a:lnSpc>
@@ -7291,7 +7783,7 @@
           <a:srgbClr val="000000"/>
         </a:buClr>
         <a:buFont typeface="Arial"/>
-        <a:defRPr sz="1400" b="0" i="0" u="none" strike="noStrike" cap="none">
+        <a:defRPr b="0" i="0" sz="1400" u="none" cap="none" strike="noStrike">
           <a:solidFill>
             <a:srgbClr val="000000"/>
           </a:solidFill>
@@ -7301,7 +7793,7 @@
           <a:sym typeface="Arial"/>
         </a:defRPr>
       </a:lvl8pPr>
-      <a:lvl9pPr marR="0" lvl="8" algn="l" rtl="0">
+      <a:lvl9pPr lvl="8" marR="0" rtl="0" algn="l">
         <a:lnSpc>
           <a:spcPct val="100000"/>
         </a:lnSpc>
@@ -7315,7 +7807,7 @@
           <a:srgbClr val="000000"/>
         </a:buClr>
         <a:buFont typeface="Arial"/>
-        <a:defRPr sz="1400" b="0" i="0" u="none" strike="noStrike" cap="none">
+        <a:defRPr b="0" i="0" sz="1400" u="none" cap="none" strike="noStrike">
           <a:solidFill>
             <a:srgbClr val="000000"/>
           </a:solidFill>
@@ -7327,7 +7819,7 @@
       </a:lvl9pPr>
     </p:titleStyle>
     <p:bodyStyle>
-      <a:defPPr marR="0" lvl="0" algn="l" rtl="0">
+      <a:defPPr lvl="0" marR="0" rtl="0" algn="l">
         <a:lnSpc>
           <a:spcPct val="100000"/>
         </a:lnSpc>
@@ -7338,7 +7830,7 @@
           <a:spcPts val="0"/>
         </a:spcAft>
       </a:defPPr>
-      <a:lvl1pPr marR="0" lvl="0" algn="l" rtl="0">
+      <a:lvl1pPr lvl="0" marR="0" rtl="0" algn="l">
         <a:lnSpc>
           <a:spcPct val="100000"/>
         </a:lnSpc>
@@ -7352,7 +7844,7 @@
           <a:srgbClr val="000000"/>
         </a:buClr>
         <a:buFont typeface="Arial"/>
-        <a:defRPr sz="1400" b="0" i="0" u="none" strike="noStrike" cap="none">
+        <a:defRPr b="0" i="0" sz="1400" u="none" cap="none" strike="noStrike">
           <a:solidFill>
             <a:srgbClr val="000000"/>
           </a:solidFill>
@@ -7362,7 +7854,7 @@
           <a:sym typeface="Arial"/>
         </a:defRPr>
       </a:lvl1pPr>
-      <a:lvl2pPr marR="0" lvl="1" algn="l" rtl="0">
+      <a:lvl2pPr lvl="1" marR="0" rtl="0" algn="l">
         <a:lnSpc>
           <a:spcPct val="100000"/>
         </a:lnSpc>
@@ -7376,7 +7868,7 @@
           <a:srgbClr val="000000"/>
         </a:buClr>
         <a:buFont typeface="Arial"/>
-        <a:defRPr sz="1400" b="0" i="0" u="none" strike="noStrike" cap="none">
+        <a:defRPr b="0" i="0" sz="1400" u="none" cap="none" strike="noStrike">
           <a:solidFill>
             <a:srgbClr val="000000"/>
           </a:solidFill>
@@ -7386,7 +7878,7 @@
           <a:sym typeface="Arial"/>
         </a:defRPr>
       </a:lvl2pPr>
-      <a:lvl3pPr marR="0" lvl="2" algn="l" rtl="0">
+      <a:lvl3pPr lvl="2" marR="0" rtl="0" algn="l">
         <a:lnSpc>
           <a:spcPct val="100000"/>
         </a:lnSpc>
@@ -7400,7 +7892,7 @@
           <a:srgbClr val="000000"/>
         </a:buClr>
         <a:buFont typeface="Arial"/>
-        <a:defRPr sz="1400" b="0" i="0" u="none" strike="noStrike" cap="none">
+        <a:defRPr b="0" i="0" sz="1400" u="none" cap="none" strike="noStrike">
           <a:solidFill>
             <a:srgbClr val="000000"/>
           </a:solidFill>
@@ -7410,7 +7902,7 @@
           <a:sym typeface="Arial"/>
         </a:defRPr>
       </a:lvl3pPr>
-      <a:lvl4pPr marR="0" lvl="3" algn="l" rtl="0">
+      <a:lvl4pPr lvl="3" marR="0" rtl="0" algn="l">
         <a:lnSpc>
           <a:spcPct val="100000"/>
         </a:lnSpc>
@@ -7424,7 +7916,7 @@
           <a:srgbClr val="000000"/>
         </a:buClr>
         <a:buFont typeface="Arial"/>
-        <a:defRPr sz="1400" b="0" i="0" u="none" strike="noStrike" cap="none">
+        <a:defRPr b="0" i="0" sz="1400" u="none" cap="none" strike="noStrike">
           <a:solidFill>
             <a:srgbClr val="000000"/>
           </a:solidFill>
@@ -7434,7 +7926,7 @@
           <a:sym typeface="Arial"/>
         </a:defRPr>
       </a:lvl4pPr>
-      <a:lvl5pPr marR="0" lvl="4" algn="l" rtl="0">
+      <a:lvl5pPr lvl="4" marR="0" rtl="0" algn="l">
         <a:lnSpc>
           <a:spcPct val="100000"/>
         </a:lnSpc>
@@ -7448,7 +7940,7 @@
           <a:srgbClr val="000000"/>
         </a:buClr>
         <a:buFont typeface="Arial"/>
-        <a:defRPr sz="1400" b="0" i="0" u="none" strike="noStrike" cap="none">
+        <a:defRPr b="0" i="0" sz="1400" u="none" cap="none" strike="noStrike">
           <a:solidFill>
             <a:srgbClr val="000000"/>
           </a:solidFill>
@@ -7458,7 +7950,7 @@
           <a:sym typeface="Arial"/>
         </a:defRPr>
       </a:lvl5pPr>
-      <a:lvl6pPr marR="0" lvl="5" algn="l" rtl="0">
+      <a:lvl6pPr lvl="5" marR="0" rtl="0" algn="l">
         <a:lnSpc>
           <a:spcPct val="100000"/>
         </a:lnSpc>
@@ -7472,7 +7964,7 @@
           <a:srgbClr val="000000"/>
         </a:buClr>
         <a:buFont typeface="Arial"/>
-        <a:defRPr sz="1400" b="0" i="0" u="none" strike="noStrike" cap="none">
+        <a:defRPr b="0" i="0" sz="1400" u="none" cap="none" strike="noStrike">
           <a:solidFill>
             <a:srgbClr val="000000"/>
           </a:solidFill>
@@ -7482,7 +7974,7 @@
           <a:sym typeface="Arial"/>
         </a:defRPr>
       </a:lvl6pPr>
-      <a:lvl7pPr marR="0" lvl="6" algn="l" rtl="0">
+      <a:lvl7pPr lvl="6" marR="0" rtl="0" algn="l">
         <a:lnSpc>
           <a:spcPct val="100000"/>
         </a:lnSpc>
@@ -7496,7 +7988,7 @@
           <a:srgbClr val="000000"/>
         </a:buClr>
         <a:buFont typeface="Arial"/>
-        <a:defRPr sz="1400" b="0" i="0" u="none" strike="noStrike" cap="none">
+        <a:defRPr b="0" i="0" sz="1400" u="none" cap="none" strike="noStrike">
           <a:solidFill>
             <a:srgbClr val="000000"/>
           </a:solidFill>
@@ -7506,7 +7998,7 @@
           <a:sym typeface="Arial"/>
         </a:defRPr>
       </a:lvl7pPr>
-      <a:lvl8pPr marR="0" lvl="7" algn="l" rtl="0">
+      <a:lvl8pPr lvl="7" marR="0" rtl="0" algn="l">
         <a:lnSpc>
           <a:spcPct val="100000"/>
         </a:lnSpc>
@@ -7520,7 +8012,7 @@
           <a:srgbClr val="000000"/>
         </a:buClr>
         <a:buFont typeface="Arial"/>
-        <a:defRPr sz="1400" b="0" i="0" u="none" strike="noStrike" cap="none">
+        <a:defRPr b="0" i="0" sz="1400" u="none" cap="none" strike="noStrike">
           <a:solidFill>
             <a:srgbClr val="000000"/>
           </a:solidFill>
@@ -7530,7 +8022,7 @@
           <a:sym typeface="Arial"/>
         </a:defRPr>
       </a:lvl8pPr>
-      <a:lvl9pPr marR="0" lvl="8" algn="l" rtl="0">
+      <a:lvl9pPr lvl="8" marR="0" rtl="0" algn="l">
         <a:lnSpc>
           <a:spcPct val="100000"/>
         </a:lnSpc>
@@ -7544,7 +8036,7 @@
           <a:srgbClr val="000000"/>
         </a:buClr>
         <a:buFont typeface="Arial"/>
-        <a:defRPr sz="1400" b="0" i="0" u="none" strike="noStrike" cap="none">
+        <a:defRPr b="0" i="0" sz="1400" u="none" cap="none" strike="noStrike">
           <a:solidFill>
             <a:srgbClr val="000000"/>
           </a:solidFill>
@@ -7556,7 +8048,7 @@
       </a:lvl9pPr>
     </p:bodyStyle>
     <p:otherStyle>
-      <a:defPPr marR="0" lvl="0" algn="l" rtl="0">
+      <a:defPPr lvl="0" marR="0" rtl="0" algn="l">
         <a:lnSpc>
           <a:spcPct val="100000"/>
         </a:lnSpc>
@@ -7567,7 +8059,7 @@
           <a:spcPts val="0"/>
         </a:spcAft>
       </a:defPPr>
-      <a:lvl1pPr marR="0" lvl="0" algn="l" rtl="0">
+      <a:lvl1pPr lvl="0" marR="0" rtl="0" algn="l">
         <a:lnSpc>
           <a:spcPct val="100000"/>
         </a:lnSpc>
@@ -7581,7 +8073,7 @@
           <a:srgbClr val="000000"/>
         </a:buClr>
         <a:buFont typeface="Arial"/>
-        <a:defRPr sz="1400" b="0" i="0" u="none" strike="noStrike" cap="none">
+        <a:defRPr b="0" i="0" sz="1400" u="none" cap="none" strike="noStrike">
           <a:solidFill>
             <a:srgbClr val="000000"/>
           </a:solidFill>
@@ -7591,7 +8083,7 @@
           <a:sym typeface="Arial"/>
         </a:defRPr>
       </a:lvl1pPr>
-      <a:lvl2pPr marR="0" lvl="1" algn="l" rtl="0">
+      <a:lvl2pPr lvl="1" marR="0" rtl="0" algn="l">
         <a:lnSpc>
           <a:spcPct val="100000"/>
         </a:lnSpc>
@@ -7605,7 +8097,7 @@
           <a:srgbClr val="000000"/>
         </a:buClr>
         <a:buFont typeface="Arial"/>
-        <a:defRPr sz="1400" b="0" i="0" u="none" strike="noStrike" cap="none">
+        <a:defRPr b="0" i="0" sz="1400" u="none" cap="none" strike="noStrike">
           <a:solidFill>
             <a:srgbClr val="000000"/>
           </a:solidFill>
@@ -7615,7 +8107,7 @@
           <a:sym typeface="Arial"/>
         </a:defRPr>
       </a:lvl2pPr>
-      <a:lvl3pPr marR="0" lvl="2" algn="l" rtl="0">
+      <a:lvl3pPr lvl="2" marR="0" rtl="0" algn="l">
         <a:lnSpc>
           <a:spcPct val="100000"/>
         </a:lnSpc>
@@ -7629,7 +8121,7 @@
           <a:srgbClr val="000000"/>
         </a:buClr>
         <a:buFont typeface="Arial"/>
-        <a:defRPr sz="1400" b="0" i="0" u="none" strike="noStrike" cap="none">
+        <a:defRPr b="0" i="0" sz="1400" u="none" cap="none" strike="noStrike">
           <a:solidFill>
             <a:srgbClr val="000000"/>
           </a:solidFill>
@@ -7639,7 +8131,7 @@
           <a:sym typeface="Arial"/>
         </a:defRPr>
       </a:lvl3pPr>
-      <a:lvl4pPr marR="0" lvl="3" algn="l" rtl="0">
+      <a:lvl4pPr lvl="3" marR="0" rtl="0" algn="l">
         <a:lnSpc>
           <a:spcPct val="100000"/>
         </a:lnSpc>
@@ -7653,7 +8145,7 @@
           <a:srgbClr val="000000"/>
         </a:buClr>
         <a:buFont typeface="Arial"/>
-        <a:defRPr sz="1400" b="0" i="0" u="none" strike="noStrike" cap="none">
+        <a:defRPr b="0" i="0" sz="1400" u="none" cap="none" strike="noStrike">
           <a:solidFill>
             <a:srgbClr val="000000"/>
           </a:solidFill>
@@ -7663,7 +8155,7 @@
           <a:sym typeface="Arial"/>
         </a:defRPr>
       </a:lvl4pPr>
-      <a:lvl5pPr marR="0" lvl="4" algn="l" rtl="0">
+      <a:lvl5pPr lvl="4" marR="0" rtl="0" algn="l">
         <a:lnSpc>
           <a:spcPct val="100000"/>
         </a:lnSpc>
@@ -7677,7 +8169,7 @@
           <a:srgbClr val="000000"/>
         </a:buClr>
         <a:buFont typeface="Arial"/>
-        <a:defRPr sz="1400" b="0" i="0" u="none" strike="noStrike" cap="none">
+        <a:defRPr b="0" i="0" sz="1400" u="none" cap="none" strike="noStrike">
           <a:solidFill>
             <a:srgbClr val="000000"/>
           </a:solidFill>
@@ -7687,7 +8179,7 @@
           <a:sym typeface="Arial"/>
         </a:defRPr>
       </a:lvl5pPr>
-      <a:lvl6pPr marR="0" lvl="5" algn="l" rtl="0">
+      <a:lvl6pPr lvl="5" marR="0" rtl="0" algn="l">
         <a:lnSpc>
           <a:spcPct val="100000"/>
         </a:lnSpc>
@@ -7701,7 +8193,7 @@
           <a:srgbClr val="000000"/>
         </a:buClr>
         <a:buFont typeface="Arial"/>
-        <a:defRPr sz="1400" b="0" i="0" u="none" strike="noStrike" cap="none">
+        <a:defRPr b="0" i="0" sz="1400" u="none" cap="none" strike="noStrike">
           <a:solidFill>
             <a:srgbClr val="000000"/>
           </a:solidFill>
@@ -7711,7 +8203,7 @@
           <a:sym typeface="Arial"/>
         </a:defRPr>
       </a:lvl6pPr>
-      <a:lvl7pPr marR="0" lvl="6" algn="l" rtl="0">
+      <a:lvl7pPr lvl="6" marR="0" rtl="0" algn="l">
         <a:lnSpc>
           <a:spcPct val="100000"/>
         </a:lnSpc>
@@ -7725,7 +8217,7 @@
           <a:srgbClr val="000000"/>
         </a:buClr>
         <a:buFont typeface="Arial"/>
-        <a:defRPr sz="1400" b="0" i="0" u="none" strike="noStrike" cap="none">
+        <a:defRPr b="0" i="0" sz="1400" u="none" cap="none" strike="noStrike">
           <a:solidFill>
             <a:srgbClr val="000000"/>
           </a:solidFill>
@@ -7735,7 +8227,7 @@
           <a:sym typeface="Arial"/>
         </a:defRPr>
       </a:lvl7pPr>
-      <a:lvl8pPr marR="0" lvl="7" algn="l" rtl="0">
+      <a:lvl8pPr lvl="7" marR="0" rtl="0" algn="l">
         <a:lnSpc>
           <a:spcPct val="100000"/>
         </a:lnSpc>
@@ -7749,7 +8241,7 @@
           <a:srgbClr val="000000"/>
         </a:buClr>
         <a:buFont typeface="Arial"/>
-        <a:defRPr sz="1400" b="0" i="0" u="none" strike="noStrike" cap="none">
+        <a:defRPr b="0" i="0" sz="1400" u="none" cap="none" strike="noStrike">
           <a:solidFill>
             <a:srgbClr val="000000"/>
           </a:solidFill>
@@ -7759,7 +8251,7 @@
           <a:sym typeface="Arial"/>
         </a:defRPr>
       </a:lvl8pPr>
-      <a:lvl9pPr marR="0" lvl="8" algn="l" rtl="0">
+      <a:lvl9pPr lvl="8" marR="0" rtl="0" algn="l">
         <a:lnSpc>
           <a:spcPct val="100000"/>
         </a:lnSpc>
@@ -7773,7 +8265,7 @@
           <a:srgbClr val="000000"/>
         </a:buClr>
         <a:buFont typeface="Arial"/>
-        <a:defRPr sz="1400" b="0" i="0" u="none" strike="noStrike" cap="none">
+        <a:defRPr b="0" i="0" sz="1400" u="none" cap="none" strike="noStrike">
           <a:solidFill>
             <a:srgbClr val="000000"/>
           </a:solidFill>
@@ -7789,11 +8281,11 @@
 </file>
 
 <file path=ppt/slides/slide1.xml><?xml version="1.0" encoding="utf-8"?>
-<p:sld xmlns:a="http://schemas.openxmlformats.org/drawingml/2006/main" xmlns:r="http://schemas.openxmlformats.org/officeDocument/2006/relationships" xmlns:p="http://schemas.openxmlformats.org/presentationml/2006/main">
+<p:sld xmlns:a="http://schemas.openxmlformats.org/drawingml/2006/main" xmlns:r="http://schemas.openxmlformats.org/officeDocument/2006/relationships" xmlns:mc="http://schemas.openxmlformats.org/markup-compatibility/2006" xmlns:mv="urn:schemas-microsoft-com:mac:vml" xmlns:p="http://schemas.openxmlformats.org/presentationml/2006/main" xmlns:c="http://schemas.openxmlformats.org/drawingml/2006/chart" xmlns:dgm="http://schemas.openxmlformats.org/drawingml/2006/diagram" xmlns:o="urn:schemas-microsoft-com:office:office" xmlns:v="urn:schemas-microsoft-com:vml" xmlns:pvml="urn:schemas-microsoft-com:office:powerpoint" xmlns:com="http://schemas.openxmlformats.org/drawingml/2006/compatibility" xmlns:p14="http://schemas.microsoft.com/office/powerpoint/2010/main" xmlns:p15="http://schemas.microsoft.com/office/powerpoint/2012/main" xmlns:ahyp="http://schemas.microsoft.com/office/drawing/2018/hyperlinkcolor">
   <p:cSld>
     <p:spTree>
       <p:nvGrpSpPr>
-        <p:cNvPr id="1" name="Shape 59"/>
+        <p:cNvPr id="59" name="Shape 59"/>
         <p:cNvGrpSpPr/>
         <p:nvPr/>
       </p:nvGrpSpPr>
@@ -7808,9 +8300,7 @@
       <p:sp>
         <p:nvSpPr>
           <p:cNvPr id="60" name="Google Shape;60;p1"/>
-          <p:cNvSpPr txBox="1">
-            <a:spLocks noGrp="1"/>
-          </p:cNvSpPr>
+          <p:cNvSpPr txBox="1"/>
           <p:nvPr>
             <p:ph type="ctrTitle"/>
           </p:nvPr>
@@ -7829,12 +8319,12 @@
           </a:ln>
         </p:spPr>
         <p:txBody>
-          <a:bodyPr spcFirstLastPara="1" wrap="square" lIns="91425" tIns="45700" rIns="91425" bIns="45700" anchor="ctr" anchorCtr="0">
+          <a:bodyPr anchorCtr="0" anchor="ctr" bIns="45700" lIns="91425" spcFirstLastPara="1" rIns="91425" wrap="square" tIns="45700">
             <a:normAutofit/>
           </a:bodyPr>
           <a:lstStyle/>
           <a:p>
-            <a:pPr marL="0" lvl="0" indent="0" algn="ctr" rtl="0">
+            <a:pPr indent="0" lvl="0" marL="0" rtl="0" algn="ctr">
               <a:spcBef>
                 <a:spcPts val="0"/>
               </a:spcBef>
@@ -7888,11 +8378,9 @@
       <p:sp>
         <p:nvSpPr>
           <p:cNvPr id="61" name="Google Shape;61;p1"/>
-          <p:cNvSpPr txBox="1">
-            <a:spLocks noGrp="1"/>
-          </p:cNvSpPr>
+          <p:cNvSpPr txBox="1"/>
           <p:nvPr>
-            <p:ph type="subTitle" idx="1"/>
+            <p:ph idx="1" type="subTitle"/>
           </p:nvPr>
         </p:nvSpPr>
         <p:spPr>
@@ -7909,12 +8397,12 @@
           </a:ln>
         </p:spPr>
         <p:txBody>
-          <a:bodyPr spcFirstLastPara="1" wrap="square" lIns="91425" tIns="45700" rIns="91425" bIns="45700" anchor="t" anchorCtr="0">
-            <a:normAutofit/>
+          <a:bodyPr anchorCtr="0" anchor="t" bIns="45700" lIns="91425" spcFirstLastPara="1" rIns="91425" wrap="square" tIns="45700">
+            <a:normAutofit fontScale="85000"/>
           </a:bodyPr>
           <a:lstStyle/>
           <a:p>
-            <a:pPr marL="0" lvl="0" indent="0" algn="ctr" rtl="0">
+            <a:pPr indent="0" lvl="0" marL="0" rtl="0" algn="ctr">
               <a:spcBef>
                 <a:spcPts val="0"/>
               </a:spcBef>
@@ -7942,7 +8430,7 @@
             </a:endParaRPr>
           </a:p>
           <a:p>
-            <a:pPr marL="0" lvl="0" indent="0" algn="ctr" rtl="0">
+            <a:pPr indent="0" lvl="0" marL="0" rtl="0" algn="ctr">
               <a:spcBef>
                 <a:spcPts val="640"/>
               </a:spcBef>
@@ -7955,6 +8443,9 @@
               <a:buSzPct val="114285"/>
               <a:buNone/>
             </a:pPr>
+            <a:r>
+              <a:t/>
+            </a:r>
             <a:endParaRPr/>
           </a:p>
         </p:txBody>
@@ -7968,11 +8459,11 @@
 </file>
 
 <file path=ppt/slides/slide10.xml><?xml version="1.0" encoding="utf-8"?>
-<p:sld xmlns:a="http://schemas.openxmlformats.org/drawingml/2006/main" xmlns:r="http://schemas.openxmlformats.org/officeDocument/2006/relationships" xmlns:p="http://schemas.openxmlformats.org/presentationml/2006/main">
+<p:sld xmlns:a="http://schemas.openxmlformats.org/drawingml/2006/main" xmlns:r="http://schemas.openxmlformats.org/officeDocument/2006/relationships" xmlns:mc="http://schemas.openxmlformats.org/markup-compatibility/2006" xmlns:mv="urn:schemas-microsoft-com:mac:vml" xmlns:p="http://schemas.openxmlformats.org/presentationml/2006/main" xmlns:c="http://schemas.openxmlformats.org/drawingml/2006/chart" xmlns:dgm="http://schemas.openxmlformats.org/drawingml/2006/diagram" xmlns:o="urn:schemas-microsoft-com:office:office" xmlns:v="urn:schemas-microsoft-com:vml" xmlns:pvml="urn:schemas-microsoft-com:office:powerpoint" xmlns:com="http://schemas.openxmlformats.org/drawingml/2006/compatibility" xmlns:p14="http://schemas.microsoft.com/office/powerpoint/2010/main" xmlns:p15="http://schemas.microsoft.com/office/powerpoint/2012/main" xmlns:ahyp="http://schemas.microsoft.com/office/drawing/2018/hyperlinkcolor">
   <p:cSld>
     <p:spTree>
       <p:nvGrpSpPr>
-        <p:cNvPr id="1" name="Shape 113"/>
+        <p:cNvPr id="117" name="Shape 117"/>
         <p:cNvGrpSpPr/>
         <p:nvPr/>
       </p:nvGrpSpPr>
@@ -7986,10 +8477,8 @@
       </p:grpSpPr>
       <p:sp>
         <p:nvSpPr>
-          <p:cNvPr id="114" name="Google Shape;114;p9"/>
-          <p:cNvSpPr txBox="1">
-            <a:spLocks noGrp="1"/>
-          </p:cNvSpPr>
+          <p:cNvPr id="118" name="Google Shape;118;p6"/>
+          <p:cNvSpPr txBox="1"/>
           <p:nvPr>
             <p:ph type="title"/>
           </p:nvPr>
@@ -8008,12 +8497,809 @@
           </a:ln>
         </p:spPr>
         <p:txBody>
-          <a:bodyPr spcFirstLastPara="1" wrap="square" lIns="91425" tIns="45700" rIns="91425" bIns="45700" anchor="ctr" anchorCtr="0">
+          <a:bodyPr anchorCtr="0" anchor="ctr" bIns="45700" lIns="91425" spcFirstLastPara="1" rIns="91425" wrap="square" tIns="45700">
             <a:normAutofit/>
           </a:bodyPr>
           <a:lstStyle/>
           <a:p>
-            <a:pPr marL="0" lvl="0" indent="0" algn="ctr" rtl="0">
+            <a:pPr indent="0" lvl="0" marL="0" rtl="0" algn="ctr">
+              <a:spcBef>
+                <a:spcPts val="0"/>
+              </a:spcBef>
+              <a:spcAft>
+                <a:spcPts val="0"/>
+              </a:spcAft>
+              <a:buClr>
+                <a:schemeClr val="dk1"/>
+              </a:buClr>
+              <a:buSzPts val="4400"/>
+              <a:buFont typeface="Calibri"/>
+              <a:buNone/>
+            </a:pPr>
+            <a:r>
+              <a:rPr lang="en-US" sz="4400">
+                <a:solidFill>
+                  <a:schemeClr val="dk1"/>
+                </a:solidFill>
+                <a:latin typeface="Calibri"/>
+                <a:ea typeface="Calibri"/>
+                <a:cs typeface="Calibri"/>
+                <a:sym typeface="Calibri"/>
+              </a:rPr>
+              <a:t>Dolgozók kezelése</a:t>
+            </a:r>
+            <a:endParaRPr/>
+          </a:p>
+        </p:txBody>
+      </p:sp>
+      <p:sp>
+        <p:nvSpPr>
+          <p:cNvPr id="119" name="Google Shape;119;p6"/>
+          <p:cNvSpPr txBox="1"/>
+          <p:nvPr>
+            <p:ph idx="1" type="body"/>
+          </p:nvPr>
+        </p:nvSpPr>
+        <p:spPr>
+          <a:xfrm>
+            <a:off x="457200" y="1600200"/>
+            <a:ext cx="8229600" cy="4525963"/>
+          </a:xfrm>
+          <a:prstGeom prst="rect">
+            <a:avLst/>
+          </a:prstGeom>
+          <a:noFill/>
+          <a:ln>
+            <a:noFill/>
+          </a:ln>
+        </p:spPr>
+        <p:txBody>
+          <a:bodyPr anchorCtr="0" anchor="t" bIns="45700" lIns="91425" spcFirstLastPara="1" rIns="91425" wrap="square" tIns="45700">
+            <a:normAutofit/>
+          </a:bodyPr>
+          <a:lstStyle/>
+          <a:p>
+            <a:pPr indent="-342900" lvl="0" marL="342900" rtl="0" algn="l">
+              <a:spcBef>
+                <a:spcPts val="0"/>
+              </a:spcBef>
+              <a:spcAft>
+                <a:spcPts val="0"/>
+              </a:spcAft>
+              <a:buClr>
+                <a:schemeClr val="dk1"/>
+              </a:buClr>
+              <a:buSzPts val="3200"/>
+              <a:buChar char="●"/>
+            </a:pPr>
+            <a:r>
+              <a:rPr lang="en-US" sz="3200">
+                <a:solidFill>
+                  <a:schemeClr val="dk1"/>
+                </a:solidFill>
+                <a:latin typeface="Calibri"/>
+                <a:ea typeface="Calibri"/>
+                <a:cs typeface="Calibri"/>
+                <a:sym typeface="Calibri"/>
+              </a:rPr>
+              <a:t> Regisztráció során: név, felhasználónév, jelszó</a:t>
+            </a:r>
+            <a:endParaRPr/>
+          </a:p>
+          <a:p>
+            <a:pPr indent="-342900" lvl="0" marL="342900" rtl="0" algn="l">
+              <a:spcBef>
+                <a:spcPts val="640"/>
+              </a:spcBef>
+              <a:spcAft>
+                <a:spcPts val="0"/>
+              </a:spcAft>
+              <a:buClr>
+                <a:schemeClr val="dk1"/>
+              </a:buClr>
+              <a:buSzPts val="3200"/>
+              <a:buChar char="●"/>
+            </a:pPr>
+            <a:r>
+              <a:rPr lang="en-US" sz="3200">
+                <a:solidFill>
+                  <a:schemeClr val="dk1"/>
+                </a:solidFill>
+                <a:latin typeface="Calibri"/>
+                <a:ea typeface="Calibri"/>
+                <a:cs typeface="Calibri"/>
+                <a:sym typeface="Calibri"/>
+              </a:rPr>
+              <a:t> Admin jelölés (IsAdmin), ha 0 akkor dolgozó ha 1 akkor admin</a:t>
+            </a:r>
+            <a:endParaRPr/>
+          </a:p>
+          <a:p>
+            <a:pPr indent="-342900" lvl="0" marL="342900" rtl="0" algn="l">
+              <a:spcBef>
+                <a:spcPts val="640"/>
+              </a:spcBef>
+              <a:spcAft>
+                <a:spcPts val="1200"/>
+              </a:spcAft>
+              <a:buClr>
+                <a:schemeClr val="dk1"/>
+              </a:buClr>
+              <a:buSzPts val="3200"/>
+              <a:buChar char="●"/>
+            </a:pPr>
+            <a:r>
+              <a:rPr lang="en-US" sz="3200">
+                <a:solidFill>
+                  <a:schemeClr val="dk1"/>
+                </a:solidFill>
+                <a:latin typeface="Calibri"/>
+                <a:ea typeface="Calibri"/>
+                <a:cs typeface="Calibri"/>
+                <a:sym typeface="Calibri"/>
+              </a:rPr>
+              <a:t> BCrypt jelszótárolás</a:t>
+            </a:r>
+            <a:endParaRPr/>
+          </a:p>
+        </p:txBody>
+      </p:sp>
+    </p:spTree>
+  </p:cSld>
+  <p:clrMapOvr>
+    <a:masterClrMapping/>
+  </p:clrMapOvr>
+</p:sld>
+</file>
+
+<file path=ppt/slides/slide11.xml><?xml version="1.0" encoding="utf-8"?>
+<p:sld xmlns:a="http://schemas.openxmlformats.org/drawingml/2006/main" xmlns:r="http://schemas.openxmlformats.org/officeDocument/2006/relationships" xmlns:mc="http://schemas.openxmlformats.org/markup-compatibility/2006" xmlns:mv="urn:schemas-microsoft-com:mac:vml" xmlns:p="http://schemas.openxmlformats.org/presentationml/2006/main" xmlns:c="http://schemas.openxmlformats.org/drawingml/2006/chart" xmlns:dgm="http://schemas.openxmlformats.org/drawingml/2006/diagram" xmlns:o="urn:schemas-microsoft-com:office:office" xmlns:v="urn:schemas-microsoft-com:vml" xmlns:pvml="urn:schemas-microsoft-com:office:powerpoint" xmlns:com="http://schemas.openxmlformats.org/drawingml/2006/compatibility" xmlns:p14="http://schemas.microsoft.com/office/powerpoint/2010/main" xmlns:p15="http://schemas.microsoft.com/office/powerpoint/2012/main" xmlns:ahyp="http://schemas.microsoft.com/office/drawing/2018/hyperlinkcolor">
+  <p:cSld>
+    <p:spTree>
+      <p:nvGrpSpPr>
+        <p:cNvPr id="123" name="Shape 123"/>
+        <p:cNvGrpSpPr/>
+        <p:nvPr/>
+      </p:nvGrpSpPr>
+      <p:grpSpPr>
+        <a:xfrm>
+          <a:off x="0" y="0"/>
+          <a:ext cx="0" cy="0"/>
+          <a:chOff x="0" y="0"/>
+          <a:chExt cx="0" cy="0"/>
+        </a:xfrm>
+      </p:grpSpPr>
+      <p:sp>
+        <p:nvSpPr>
+          <p:cNvPr id="124" name="Google Shape;124;g34c024e3535_0_52"/>
+          <p:cNvSpPr txBox="1"/>
+          <p:nvPr>
+            <p:ph type="title"/>
+          </p:nvPr>
+        </p:nvSpPr>
+        <p:spPr>
+          <a:xfrm>
+            <a:off x="457200" y="274638"/>
+            <a:ext cx="8229600" cy="1143000"/>
+          </a:xfrm>
+          <a:prstGeom prst="rect">
+            <a:avLst/>
+          </a:prstGeom>
+        </p:spPr>
+        <p:txBody>
+          <a:bodyPr anchorCtr="0" anchor="ctr" bIns="45700" lIns="91425" spcFirstLastPara="1" rIns="91425" wrap="square" tIns="45700">
+            <a:normAutofit/>
+          </a:bodyPr>
+          <a:lstStyle/>
+          <a:p>
+            <a:pPr indent="0" lvl="0" marL="0" rtl="0" algn="ctr">
+              <a:spcBef>
+                <a:spcPts val="0"/>
+              </a:spcBef>
+              <a:spcAft>
+                <a:spcPts val="0"/>
+              </a:spcAft>
+              <a:buNone/>
+            </a:pPr>
+            <a:r>
+              <a:rPr lang="en-US" sz="4400">
+                <a:latin typeface="Calibri"/>
+                <a:ea typeface="Calibri"/>
+                <a:cs typeface="Calibri"/>
+                <a:sym typeface="Calibri"/>
+              </a:rPr>
+              <a:t>DTO alkalmazása</a:t>
+            </a:r>
+            <a:r>
+              <a:rPr lang="en-US"/>
+              <a:t>	</a:t>
+            </a:r>
+            <a:endParaRPr/>
+          </a:p>
+        </p:txBody>
+      </p:sp>
+      <p:sp>
+        <p:nvSpPr>
+          <p:cNvPr id="125" name="Google Shape;125;g34c024e3535_0_52"/>
+          <p:cNvSpPr txBox="1"/>
+          <p:nvPr>
+            <p:ph idx="1" type="body"/>
+          </p:nvPr>
+        </p:nvSpPr>
+        <p:spPr>
+          <a:xfrm>
+            <a:off x="457200" y="1600200"/>
+            <a:ext cx="8229600" cy="4526100"/>
+          </a:xfrm>
+          <a:prstGeom prst="rect">
+            <a:avLst/>
+          </a:prstGeom>
+        </p:spPr>
+        <p:txBody>
+          <a:bodyPr anchorCtr="0" anchor="t" bIns="45700" lIns="91425" spcFirstLastPara="1" rIns="91425" wrap="square" tIns="45700">
+            <a:normAutofit/>
+          </a:bodyPr>
+          <a:lstStyle/>
+          <a:p>
+            <a:pPr indent="0" lvl="0" marL="0" rtl="0" algn="just">
+              <a:lnSpc>
+                <a:spcPct val="115000"/>
+              </a:lnSpc>
+              <a:spcBef>
+                <a:spcPts val="1200"/>
+              </a:spcBef>
+              <a:spcAft>
+                <a:spcPts val="0"/>
+              </a:spcAft>
+              <a:buNone/>
+            </a:pPr>
+            <a:r>
+              <a:rPr lang="en-US" sz="3200">
+                <a:solidFill>
+                  <a:schemeClr val="dk1"/>
+                </a:solidFill>
+                <a:latin typeface="Calibri"/>
+                <a:ea typeface="Calibri"/>
+                <a:cs typeface="Calibri"/>
+                <a:sym typeface="Calibri"/>
+              </a:rPr>
+              <a:t>Az alkalmazásban DTO-k (Data Transfer Object) is alkalmazásra kerültek a bejelentkezési és regisztrációs folyamatokhoz (pl. LoginRequest, RegisterRequest).</a:t>
+            </a:r>
+            <a:endParaRPr sz="3200">
+              <a:solidFill>
+                <a:schemeClr val="dk1"/>
+              </a:solidFill>
+              <a:latin typeface="Calibri"/>
+              <a:ea typeface="Calibri"/>
+              <a:cs typeface="Calibri"/>
+              <a:sym typeface="Calibri"/>
+            </a:endParaRPr>
+          </a:p>
+          <a:p>
+            <a:pPr indent="0" lvl="0" marL="0" rtl="0" algn="just">
+              <a:lnSpc>
+                <a:spcPct val="150000"/>
+              </a:lnSpc>
+              <a:spcBef>
+                <a:spcPts val="1200"/>
+              </a:spcBef>
+              <a:spcAft>
+                <a:spcPts val="0"/>
+              </a:spcAft>
+              <a:buNone/>
+            </a:pPr>
+            <a:r>
+              <a:t/>
+            </a:r>
+            <a:endParaRPr sz="1200">
+              <a:solidFill>
+                <a:schemeClr val="dk1"/>
+              </a:solidFill>
+            </a:endParaRPr>
+          </a:p>
+          <a:p>
+            <a:pPr indent="0" lvl="0" marL="0" rtl="0" algn="l">
+              <a:spcBef>
+                <a:spcPts val="1200"/>
+              </a:spcBef>
+              <a:spcAft>
+                <a:spcPts val="1200"/>
+              </a:spcAft>
+              <a:buNone/>
+            </a:pPr>
+            <a:r>
+              <a:t/>
+            </a:r>
+            <a:endParaRPr/>
+          </a:p>
+        </p:txBody>
+      </p:sp>
+    </p:spTree>
+  </p:cSld>
+  <p:clrMapOvr>
+    <a:masterClrMapping/>
+  </p:clrMapOvr>
+</p:sld>
+</file>
+
+<file path=ppt/slides/slide12.xml><?xml version="1.0" encoding="utf-8"?>
+<p:sld xmlns:a="http://schemas.openxmlformats.org/drawingml/2006/main" xmlns:r="http://schemas.openxmlformats.org/officeDocument/2006/relationships" xmlns:mc="http://schemas.openxmlformats.org/markup-compatibility/2006" xmlns:mv="urn:schemas-microsoft-com:mac:vml" xmlns:p="http://schemas.openxmlformats.org/presentationml/2006/main" xmlns:c="http://schemas.openxmlformats.org/drawingml/2006/chart" xmlns:dgm="http://schemas.openxmlformats.org/drawingml/2006/diagram" xmlns:o="urn:schemas-microsoft-com:office:office" xmlns:v="urn:schemas-microsoft-com:vml" xmlns:pvml="urn:schemas-microsoft-com:office:powerpoint" xmlns:com="http://schemas.openxmlformats.org/drawingml/2006/compatibility" xmlns:p14="http://schemas.microsoft.com/office/powerpoint/2010/main" xmlns:p15="http://schemas.microsoft.com/office/powerpoint/2012/main" xmlns:ahyp="http://schemas.microsoft.com/office/drawing/2018/hyperlinkcolor">
+  <p:cSld>
+    <p:spTree>
+      <p:nvGrpSpPr>
+        <p:cNvPr id="129" name="Shape 129"/>
+        <p:cNvGrpSpPr/>
+        <p:nvPr/>
+      </p:nvGrpSpPr>
+      <p:grpSpPr>
+        <a:xfrm>
+          <a:off x="0" y="0"/>
+          <a:ext cx="0" cy="0"/>
+          <a:chOff x="0" y="0"/>
+          <a:chExt cx="0" cy="0"/>
+        </a:xfrm>
+      </p:grpSpPr>
+      <p:sp>
+        <p:nvSpPr>
+          <p:cNvPr id="130" name="Google Shape;130;p7"/>
+          <p:cNvSpPr txBox="1"/>
+          <p:nvPr>
+            <p:ph type="title"/>
+          </p:nvPr>
+        </p:nvSpPr>
+        <p:spPr>
+          <a:xfrm>
+            <a:off x="457200" y="274638"/>
+            <a:ext cx="8229600" cy="1143000"/>
+          </a:xfrm>
+          <a:prstGeom prst="rect">
+            <a:avLst/>
+          </a:prstGeom>
+          <a:noFill/>
+          <a:ln>
+            <a:noFill/>
+          </a:ln>
+        </p:spPr>
+        <p:txBody>
+          <a:bodyPr anchorCtr="0" anchor="ctr" bIns="45700" lIns="91425" spcFirstLastPara="1" rIns="91425" wrap="square" tIns="45700">
+            <a:normAutofit/>
+          </a:bodyPr>
+          <a:lstStyle/>
+          <a:p>
+            <a:pPr indent="0" lvl="0" marL="0" rtl="0" algn="ctr">
+              <a:spcBef>
+                <a:spcPts val="0"/>
+              </a:spcBef>
+              <a:spcAft>
+                <a:spcPts val="0"/>
+              </a:spcAft>
+              <a:buClr>
+                <a:schemeClr val="dk1"/>
+              </a:buClr>
+              <a:buSzPts val="4400"/>
+              <a:buFont typeface="Calibri"/>
+              <a:buNone/>
+            </a:pPr>
+            <a:r>
+              <a:rPr lang="en-US" sz="4400">
+                <a:solidFill>
+                  <a:schemeClr val="dk1"/>
+                </a:solidFill>
+                <a:latin typeface="Calibri"/>
+                <a:ea typeface="Calibri"/>
+                <a:cs typeface="Calibri"/>
+                <a:sym typeface="Calibri"/>
+              </a:rPr>
+              <a:t>Be- és kijelentkezés logika</a:t>
+            </a:r>
+            <a:endParaRPr/>
+          </a:p>
+        </p:txBody>
+      </p:sp>
+      <p:sp>
+        <p:nvSpPr>
+          <p:cNvPr id="131" name="Google Shape;131;p7"/>
+          <p:cNvSpPr txBox="1"/>
+          <p:nvPr>
+            <p:ph idx="1" type="body"/>
+          </p:nvPr>
+        </p:nvSpPr>
+        <p:spPr>
+          <a:xfrm>
+            <a:off x="457200" y="1600200"/>
+            <a:ext cx="8229600" cy="4525963"/>
+          </a:xfrm>
+          <a:prstGeom prst="rect">
+            <a:avLst/>
+          </a:prstGeom>
+          <a:noFill/>
+          <a:ln>
+            <a:noFill/>
+          </a:ln>
+        </p:spPr>
+        <p:txBody>
+          <a:bodyPr anchorCtr="0" anchor="t" bIns="45700" lIns="91425" spcFirstLastPara="1" rIns="91425" wrap="square" tIns="45700">
+            <a:normAutofit/>
+          </a:bodyPr>
+          <a:lstStyle/>
+          <a:p>
+            <a:pPr indent="-342900" lvl="0" marL="342900" rtl="0" algn="l">
+              <a:spcBef>
+                <a:spcPts val="0"/>
+              </a:spcBef>
+              <a:spcAft>
+                <a:spcPts val="0"/>
+              </a:spcAft>
+              <a:buClr>
+                <a:schemeClr val="dk1"/>
+              </a:buClr>
+              <a:buSzPts val="3200"/>
+              <a:buChar char="●"/>
+            </a:pPr>
+            <a:r>
+              <a:rPr lang="en-US" sz="3200">
+                <a:solidFill>
+                  <a:schemeClr val="dk1"/>
+                </a:solidFill>
+                <a:latin typeface="Calibri"/>
+                <a:ea typeface="Calibri"/>
+                <a:cs typeface="Calibri"/>
+                <a:sym typeface="Calibri"/>
+              </a:rPr>
+              <a:t> /check-in és /check-out végpontok</a:t>
+            </a:r>
+            <a:endParaRPr/>
+          </a:p>
+          <a:p>
+            <a:pPr indent="-342900" lvl="0" marL="342900" rtl="0" algn="l">
+              <a:spcBef>
+                <a:spcPts val="640"/>
+              </a:spcBef>
+              <a:spcAft>
+                <a:spcPts val="0"/>
+              </a:spcAft>
+              <a:buClr>
+                <a:schemeClr val="dk1"/>
+              </a:buClr>
+              <a:buSzPts val="3200"/>
+              <a:buChar char="●"/>
+            </a:pPr>
+            <a:r>
+              <a:rPr lang="en-US" sz="3200">
+                <a:solidFill>
+                  <a:schemeClr val="dk1"/>
+                </a:solidFill>
+                <a:latin typeface="Calibri"/>
+                <a:ea typeface="Calibri"/>
+                <a:cs typeface="Calibri"/>
+                <a:sym typeface="Calibri"/>
+              </a:rPr>
+              <a:t> Csak egy aktív műszak engedélyezett egyszerre</a:t>
+            </a:r>
+            <a:endParaRPr sz="3200">
+              <a:solidFill>
+                <a:schemeClr val="dk1"/>
+              </a:solidFill>
+              <a:latin typeface="Calibri"/>
+              <a:ea typeface="Calibri"/>
+              <a:cs typeface="Calibri"/>
+              <a:sym typeface="Calibri"/>
+            </a:endParaRPr>
+          </a:p>
+          <a:p>
+            <a:pPr indent="-342900" lvl="0" marL="342900" rtl="0" algn="l">
+              <a:spcBef>
+                <a:spcPts val="640"/>
+              </a:spcBef>
+              <a:spcAft>
+                <a:spcPts val="0"/>
+              </a:spcAft>
+              <a:buClr>
+                <a:schemeClr val="dk1"/>
+              </a:buClr>
+              <a:buSzPts val="3200"/>
+              <a:buFont typeface="Calibri"/>
+              <a:buChar char="●"/>
+            </a:pPr>
+            <a:r>
+              <a:rPr lang="en-US" sz="3200">
+                <a:solidFill>
+                  <a:schemeClr val="dk1"/>
+                </a:solidFill>
+                <a:latin typeface="Calibri"/>
+                <a:ea typeface="Calibri"/>
+                <a:cs typeface="Calibri"/>
+                <a:sym typeface="Calibri"/>
+              </a:rPr>
+              <a:t> munkaidő számláló megjelenítése</a:t>
+            </a:r>
+            <a:endParaRPr sz="3200">
+              <a:solidFill>
+                <a:schemeClr val="dk1"/>
+              </a:solidFill>
+              <a:latin typeface="Calibri"/>
+              <a:ea typeface="Calibri"/>
+              <a:cs typeface="Calibri"/>
+              <a:sym typeface="Calibri"/>
+            </a:endParaRPr>
+          </a:p>
+          <a:p>
+            <a:pPr indent="-342900" lvl="0" marL="342900" rtl="0" algn="l">
+              <a:spcBef>
+                <a:spcPts val="640"/>
+              </a:spcBef>
+              <a:spcAft>
+                <a:spcPts val="1200"/>
+              </a:spcAft>
+              <a:buClr>
+                <a:schemeClr val="dk1"/>
+              </a:buClr>
+              <a:buSzPts val="3200"/>
+              <a:buChar char="●"/>
+            </a:pPr>
+            <a:r>
+              <a:rPr lang="en-US" sz="3200">
+                <a:solidFill>
+                  <a:schemeClr val="dk1"/>
+                </a:solidFill>
+                <a:latin typeface="Calibri"/>
+                <a:ea typeface="Calibri"/>
+                <a:cs typeface="Calibri"/>
+                <a:sym typeface="Calibri"/>
+              </a:rPr>
+              <a:t> Kilépéskor automatikus időszámítás</a:t>
+            </a:r>
+            <a:endParaRPr/>
+          </a:p>
+        </p:txBody>
+      </p:sp>
+    </p:spTree>
+  </p:cSld>
+  <p:clrMapOvr>
+    <a:masterClrMapping/>
+  </p:clrMapOvr>
+</p:sld>
+</file>
+
+<file path=ppt/slides/slide13.xml><?xml version="1.0" encoding="utf-8"?>
+<p:sld xmlns:a="http://schemas.openxmlformats.org/drawingml/2006/main" xmlns:r="http://schemas.openxmlformats.org/officeDocument/2006/relationships" xmlns:mc="http://schemas.openxmlformats.org/markup-compatibility/2006" xmlns:mv="urn:schemas-microsoft-com:mac:vml" xmlns:p="http://schemas.openxmlformats.org/presentationml/2006/main" xmlns:c="http://schemas.openxmlformats.org/drawingml/2006/chart" xmlns:dgm="http://schemas.openxmlformats.org/drawingml/2006/diagram" xmlns:o="urn:schemas-microsoft-com:office:office" xmlns:v="urn:schemas-microsoft-com:vml" xmlns:pvml="urn:schemas-microsoft-com:office:powerpoint" xmlns:com="http://schemas.openxmlformats.org/drawingml/2006/compatibility" xmlns:p14="http://schemas.microsoft.com/office/powerpoint/2010/main" xmlns:p15="http://schemas.microsoft.com/office/powerpoint/2012/main" xmlns:ahyp="http://schemas.microsoft.com/office/drawing/2018/hyperlinkcolor">
+  <p:cSld>
+    <p:spTree>
+      <p:nvGrpSpPr>
+        <p:cNvPr id="135" name="Shape 135"/>
+        <p:cNvGrpSpPr/>
+        <p:nvPr/>
+      </p:nvGrpSpPr>
+      <p:grpSpPr>
+        <a:xfrm>
+          <a:off x="0" y="0"/>
+          <a:ext cx="0" cy="0"/>
+          <a:chOff x="0" y="0"/>
+          <a:chExt cx="0" cy="0"/>
+        </a:xfrm>
+      </p:grpSpPr>
+      <p:sp>
+        <p:nvSpPr>
+          <p:cNvPr id="136" name="Google Shape;136;p8"/>
+          <p:cNvSpPr txBox="1"/>
+          <p:nvPr>
+            <p:ph type="title"/>
+          </p:nvPr>
+        </p:nvSpPr>
+        <p:spPr>
+          <a:xfrm>
+            <a:off x="457200" y="274638"/>
+            <a:ext cx="8229600" cy="1143000"/>
+          </a:xfrm>
+          <a:prstGeom prst="rect">
+            <a:avLst/>
+          </a:prstGeom>
+          <a:noFill/>
+          <a:ln>
+            <a:noFill/>
+          </a:ln>
+        </p:spPr>
+        <p:txBody>
+          <a:bodyPr anchorCtr="0" anchor="ctr" bIns="45700" lIns="91425" spcFirstLastPara="1" rIns="91425" wrap="square" tIns="45700">
+            <a:normAutofit/>
+          </a:bodyPr>
+          <a:lstStyle/>
+          <a:p>
+            <a:pPr indent="0" lvl="0" marL="0" rtl="0" algn="ctr">
+              <a:spcBef>
+                <a:spcPts val="0"/>
+              </a:spcBef>
+              <a:spcAft>
+                <a:spcPts val="0"/>
+              </a:spcAft>
+              <a:buClr>
+                <a:schemeClr val="dk1"/>
+              </a:buClr>
+              <a:buSzPts val="4400"/>
+              <a:buFont typeface="Calibri"/>
+              <a:buNone/>
+            </a:pPr>
+            <a:r>
+              <a:rPr lang="en-US" sz="4400">
+                <a:solidFill>
+                  <a:schemeClr val="dk1"/>
+                </a:solidFill>
+                <a:latin typeface="Calibri"/>
+                <a:ea typeface="Calibri"/>
+                <a:cs typeface="Calibri"/>
+                <a:sym typeface="Calibri"/>
+              </a:rPr>
+              <a:t>Munkaidő naplózás</a:t>
+            </a:r>
+            <a:endParaRPr/>
+          </a:p>
+        </p:txBody>
+      </p:sp>
+      <p:sp>
+        <p:nvSpPr>
+          <p:cNvPr id="137" name="Google Shape;137;p8"/>
+          <p:cNvSpPr txBox="1"/>
+          <p:nvPr>
+            <p:ph idx="1" type="body"/>
+          </p:nvPr>
+        </p:nvSpPr>
+        <p:spPr>
+          <a:xfrm>
+            <a:off x="457200" y="1600200"/>
+            <a:ext cx="8229600" cy="4525963"/>
+          </a:xfrm>
+          <a:prstGeom prst="rect">
+            <a:avLst/>
+          </a:prstGeom>
+          <a:noFill/>
+          <a:ln>
+            <a:noFill/>
+          </a:ln>
+        </p:spPr>
+        <p:txBody>
+          <a:bodyPr anchorCtr="0" anchor="t" bIns="45700" lIns="91425" spcFirstLastPara="1" rIns="91425" wrap="square" tIns="45700">
+            <a:normAutofit/>
+          </a:bodyPr>
+          <a:lstStyle/>
+          <a:p>
+            <a:pPr indent="-342900" lvl="0" marL="342900" rtl="0" algn="l">
+              <a:spcBef>
+                <a:spcPts val="0"/>
+              </a:spcBef>
+              <a:spcAft>
+                <a:spcPts val="0"/>
+              </a:spcAft>
+              <a:buClr>
+                <a:schemeClr val="dk1"/>
+              </a:buClr>
+              <a:buSzPts val="3200"/>
+              <a:buChar char="●"/>
+            </a:pPr>
+            <a:r>
+              <a:rPr lang="en-US" sz="3200">
+                <a:solidFill>
+                  <a:schemeClr val="dk1"/>
+                </a:solidFill>
+                <a:latin typeface="Calibri"/>
+                <a:ea typeface="Calibri"/>
+                <a:cs typeface="Calibri"/>
+                <a:sym typeface="Calibri"/>
+              </a:rPr>
+              <a:t> Minden be- és kilépés rögzítése</a:t>
+            </a:r>
+            <a:endParaRPr/>
+          </a:p>
+          <a:p>
+            <a:pPr indent="-342900" lvl="0" marL="342900" rtl="0" algn="l">
+              <a:spcBef>
+                <a:spcPts val="640"/>
+              </a:spcBef>
+              <a:spcAft>
+                <a:spcPts val="0"/>
+              </a:spcAft>
+              <a:buClr>
+                <a:schemeClr val="dk1"/>
+              </a:buClr>
+              <a:buSzPts val="3200"/>
+              <a:buChar char="●"/>
+            </a:pPr>
+            <a:r>
+              <a:rPr lang="en-US" sz="3200">
+                <a:solidFill>
+                  <a:schemeClr val="dk1"/>
+                </a:solidFill>
+                <a:latin typeface="Calibri"/>
+                <a:ea typeface="Calibri"/>
+                <a:cs typeface="Calibri"/>
+                <a:sym typeface="Calibri"/>
+              </a:rPr>
+              <a:t> Havi szinten számolt ledolgozott idő</a:t>
+            </a:r>
+            <a:endParaRPr/>
+          </a:p>
+          <a:p>
+            <a:pPr indent="-342900" lvl="0" marL="342900" rtl="0" algn="l">
+              <a:spcBef>
+                <a:spcPts val="640"/>
+              </a:spcBef>
+              <a:spcAft>
+                <a:spcPts val="1200"/>
+              </a:spcAft>
+              <a:buClr>
+                <a:schemeClr val="dk1"/>
+              </a:buClr>
+              <a:buSzPts val="3200"/>
+              <a:buChar char="●"/>
+            </a:pPr>
+            <a:r>
+              <a:rPr lang="en-US" sz="3200">
+                <a:solidFill>
+                  <a:schemeClr val="dk1"/>
+                </a:solidFill>
+                <a:latin typeface="Calibri"/>
+                <a:ea typeface="Calibri"/>
+                <a:cs typeface="Calibri"/>
+                <a:sym typeface="Calibri"/>
+              </a:rPr>
+              <a:t> Perc alapú tárolás</a:t>
+            </a:r>
+            <a:endParaRPr/>
+          </a:p>
+        </p:txBody>
+      </p:sp>
+    </p:spTree>
+  </p:cSld>
+  <p:clrMapOvr>
+    <a:masterClrMapping/>
+  </p:clrMapOvr>
+</p:sld>
+</file>
+
+<file path=ppt/slides/slide14.xml><?xml version="1.0" encoding="utf-8"?>
+<p:sld xmlns:a="http://schemas.openxmlformats.org/drawingml/2006/main" xmlns:r="http://schemas.openxmlformats.org/officeDocument/2006/relationships" xmlns:mc="http://schemas.openxmlformats.org/markup-compatibility/2006" xmlns:mv="urn:schemas-microsoft-com:mac:vml" xmlns:p="http://schemas.openxmlformats.org/presentationml/2006/main" xmlns:c="http://schemas.openxmlformats.org/drawingml/2006/chart" xmlns:dgm="http://schemas.openxmlformats.org/drawingml/2006/diagram" xmlns:o="urn:schemas-microsoft-com:office:office" xmlns:v="urn:schemas-microsoft-com:vml" xmlns:pvml="urn:schemas-microsoft-com:office:powerpoint" xmlns:com="http://schemas.openxmlformats.org/drawingml/2006/compatibility" xmlns:p14="http://schemas.microsoft.com/office/powerpoint/2010/main" xmlns:p15="http://schemas.microsoft.com/office/powerpoint/2012/main" xmlns:ahyp="http://schemas.microsoft.com/office/drawing/2018/hyperlinkcolor">
+  <p:cSld>
+    <p:spTree>
+      <p:nvGrpSpPr>
+        <p:cNvPr id="141" name="Shape 141"/>
+        <p:cNvGrpSpPr/>
+        <p:nvPr/>
+      </p:nvGrpSpPr>
+      <p:grpSpPr>
+        <a:xfrm>
+          <a:off x="0" y="0"/>
+          <a:ext cx="0" cy="0"/>
+          <a:chOff x="0" y="0"/>
+          <a:chExt cx="0" cy="0"/>
+        </a:xfrm>
+      </p:grpSpPr>
+      <p:sp>
+        <p:nvSpPr>
+          <p:cNvPr id="142" name="Google Shape;142;p9"/>
+          <p:cNvSpPr txBox="1"/>
+          <p:nvPr>
+            <p:ph type="title"/>
+          </p:nvPr>
+        </p:nvSpPr>
+        <p:spPr>
+          <a:xfrm>
+            <a:off x="457200" y="274638"/>
+            <a:ext cx="8229600" cy="1143000"/>
+          </a:xfrm>
+          <a:prstGeom prst="rect">
+            <a:avLst/>
+          </a:prstGeom>
+          <a:noFill/>
+          <a:ln>
+            <a:noFill/>
+          </a:ln>
+        </p:spPr>
+        <p:txBody>
+          <a:bodyPr anchorCtr="0" anchor="ctr" bIns="45700" lIns="91425" spcFirstLastPara="1" rIns="91425" wrap="square" tIns="45700">
+            <a:normAutofit/>
+          </a:bodyPr>
+          <a:lstStyle/>
+          <a:p>
+            <a:pPr indent="0" lvl="0" marL="0" rtl="0" algn="ctr">
               <a:spcBef>
                 <a:spcPts val="0"/>
               </a:spcBef>
@@ -8045,12 +9331,10 @@
       </p:sp>
       <p:sp>
         <p:nvSpPr>
-          <p:cNvPr id="115" name="Google Shape;115;p9"/>
-          <p:cNvSpPr txBox="1">
-            <a:spLocks noGrp="1"/>
-          </p:cNvSpPr>
+          <p:cNvPr id="143" name="Google Shape;143;p9"/>
+          <p:cNvSpPr txBox="1"/>
           <p:nvPr>
-            <p:ph type="body" idx="1"/>
+            <p:ph idx="1" type="body"/>
           </p:nvPr>
         </p:nvSpPr>
         <p:spPr>
@@ -8067,12 +9351,12 @@
           </a:ln>
         </p:spPr>
         <p:txBody>
-          <a:bodyPr spcFirstLastPara="1" wrap="square" lIns="91425" tIns="45700" rIns="91425" bIns="45700" anchor="t" anchorCtr="0">
+          <a:bodyPr anchorCtr="0" anchor="t" bIns="45700" lIns="91425" spcFirstLastPara="1" rIns="91425" wrap="square" tIns="45700">
             <a:normAutofit/>
           </a:bodyPr>
           <a:lstStyle/>
           <a:p>
-            <a:pPr marL="342900" lvl="0" indent="-342900" algn="l" rtl="0">
+            <a:pPr indent="-342900" lvl="0" marL="342900" rtl="0" algn="l">
               <a:spcBef>
                 <a:spcPts val="0"/>
               </a:spcBef>
@@ -8100,7 +9384,7 @@
             <a:endParaRPr/>
           </a:p>
           <a:p>
-            <a:pPr marL="342900" lvl="0" indent="-342900" algn="l" rtl="0">
+            <a:pPr indent="-342900" lvl="0" marL="342900" rtl="0" algn="l">
               <a:spcBef>
                 <a:spcPts val="640"/>
               </a:spcBef>
@@ -8128,12 +9412,15 @@
             <a:endParaRPr/>
           </a:p>
           <a:p>
-            <a:pPr marL="342900" lvl="0" indent="-342900" algn="l" rtl="0">
+            <a:pPr indent="-342900" lvl="0" marL="342900" rtl="0" algn="l">
+              <a:lnSpc>
+                <a:spcPct val="100000"/>
+              </a:lnSpc>
               <a:spcBef>
                 <a:spcPts val="640"/>
               </a:spcBef>
               <a:spcAft>
-                <a:spcPts val="1200"/>
+                <a:spcPts val="0"/>
               </a:spcAft>
               <a:buClr>
                 <a:schemeClr val="dk1"/>
@@ -8151,9 +9438,60 @@
                 <a:cs typeface="Calibri"/>
                 <a:sym typeface="Calibri"/>
               </a:rPr>
-              <a:t> Role alapú jogosultságok</a:t>
+              <a:t> </a:t>
             </a:r>
-            <a:endParaRPr/>
+            <a:r>
+              <a:rPr lang="en-US" sz="3200">
+                <a:solidFill>
+                  <a:schemeClr val="dk1"/>
+                </a:solidFill>
+                <a:latin typeface="Calibri"/>
+                <a:ea typeface="Calibri"/>
+                <a:cs typeface="Calibri"/>
+                <a:sym typeface="Calibri"/>
+              </a:rPr>
+              <a:t>Role alapú jogosultságok</a:t>
+            </a:r>
+            <a:endParaRPr sz="3200">
+              <a:solidFill>
+                <a:schemeClr val="dk1"/>
+              </a:solidFill>
+              <a:latin typeface="Calibri"/>
+              <a:ea typeface="Calibri"/>
+              <a:cs typeface="Calibri"/>
+              <a:sym typeface="Calibri"/>
+            </a:endParaRPr>
+          </a:p>
+          <a:p>
+            <a:pPr indent="-374650" lvl="1" marL="742950" rtl="0" algn="l">
+              <a:lnSpc>
+                <a:spcPct val="100000"/>
+              </a:lnSpc>
+              <a:spcBef>
+                <a:spcPts val="1200"/>
+              </a:spcBef>
+              <a:spcAft>
+                <a:spcPts val="1200"/>
+              </a:spcAft>
+              <a:buClr>
+                <a:schemeClr val="dk1"/>
+              </a:buClr>
+              <a:buSzPts val="3200"/>
+              <a:buChar char="○"/>
+            </a:pPr>
+            <a:r>
+              <a:rPr lang="en-US" sz="1700">
+                <a:solidFill>
+                  <a:schemeClr val="dk1"/>
+                </a:solidFill>
+              </a:rPr>
+              <a:t>lehetővé teszi, hogy a felhasználók különböző szerepkörökhöz (pl. Admin,    User, Moderator) legyenek hozzárendelve, és a rendszer ezek alapján szabályozza, hogy ki mit érhet el vagy mit csinálhat az alkalmazásban.</a:t>
+            </a:r>
+            <a:endParaRPr sz="1700">
+              <a:solidFill>
+                <a:schemeClr val="dk1"/>
+              </a:solidFill>
+            </a:endParaRPr>
           </a:p>
         </p:txBody>
       </p:sp>
@@ -8165,12 +9503,12 @@
 </p:sld>
 </file>
 
-<file path=ppt/slides/slide11.xml><?xml version="1.0" encoding="utf-8"?>
-<p:sld xmlns:a="http://schemas.openxmlformats.org/drawingml/2006/main" xmlns:r="http://schemas.openxmlformats.org/officeDocument/2006/relationships" xmlns:p="http://schemas.openxmlformats.org/presentationml/2006/main">
+<file path=ppt/slides/slide15.xml><?xml version="1.0" encoding="utf-8"?>
+<p:sld xmlns:a="http://schemas.openxmlformats.org/drawingml/2006/main" xmlns:r="http://schemas.openxmlformats.org/officeDocument/2006/relationships" xmlns:mc="http://schemas.openxmlformats.org/markup-compatibility/2006" xmlns:mv="urn:schemas-microsoft-com:mac:vml" xmlns:p="http://schemas.openxmlformats.org/presentationml/2006/main" xmlns:c="http://schemas.openxmlformats.org/drawingml/2006/chart" xmlns:dgm="http://schemas.openxmlformats.org/drawingml/2006/diagram" xmlns:o="urn:schemas-microsoft-com:office:office" xmlns:v="urn:schemas-microsoft-com:vml" xmlns:pvml="urn:schemas-microsoft-com:office:powerpoint" xmlns:com="http://schemas.openxmlformats.org/drawingml/2006/compatibility" xmlns:p14="http://schemas.microsoft.com/office/powerpoint/2010/main" xmlns:p15="http://schemas.microsoft.com/office/powerpoint/2012/main" xmlns:ahyp="http://schemas.microsoft.com/office/drawing/2018/hyperlinkcolor">
   <p:cSld>
     <p:spTree>
       <p:nvGrpSpPr>
-        <p:cNvPr id="1" name="Shape 119"/>
+        <p:cNvPr id="147" name="Shape 147"/>
         <p:cNvGrpSpPr/>
         <p:nvPr/>
       </p:nvGrpSpPr>
@@ -8184,10 +9522,8 @@
       </p:grpSpPr>
       <p:sp>
         <p:nvSpPr>
-          <p:cNvPr id="120" name="Google Shape;120;p10"/>
-          <p:cNvSpPr txBox="1">
-            <a:spLocks noGrp="1"/>
-          </p:cNvSpPr>
+          <p:cNvPr id="148" name="Google Shape;148;p10"/>
+          <p:cNvSpPr txBox="1"/>
           <p:nvPr>
             <p:ph type="title"/>
           </p:nvPr>
@@ -8206,12 +9542,12 @@
           </a:ln>
         </p:spPr>
         <p:txBody>
-          <a:bodyPr spcFirstLastPara="1" wrap="square" lIns="91425" tIns="45700" rIns="91425" bIns="45700" anchor="ctr" anchorCtr="0">
+          <a:bodyPr anchorCtr="0" anchor="ctr" bIns="45700" lIns="91425" spcFirstLastPara="1" rIns="91425" wrap="square" tIns="45700">
             <a:normAutofit/>
           </a:bodyPr>
           <a:lstStyle/>
           <a:p>
-            <a:pPr marL="0" lvl="0" indent="0" algn="ctr" rtl="0">
+            <a:pPr indent="0" lvl="0" marL="0" rtl="0" algn="ctr">
               <a:spcBef>
                 <a:spcPts val="0"/>
               </a:spcBef>
@@ -8243,12 +9579,10 @@
       </p:sp>
       <p:sp>
         <p:nvSpPr>
-          <p:cNvPr id="121" name="Google Shape;121;p10"/>
-          <p:cNvSpPr txBox="1">
-            <a:spLocks noGrp="1"/>
-          </p:cNvSpPr>
+          <p:cNvPr id="149" name="Google Shape;149;p10"/>
+          <p:cNvSpPr txBox="1"/>
           <p:nvPr>
-            <p:ph type="body" idx="1"/>
+            <p:ph idx="1" type="body"/>
           </p:nvPr>
         </p:nvSpPr>
         <p:spPr>
@@ -8265,12 +9599,12 @@
           </a:ln>
         </p:spPr>
         <p:txBody>
-          <a:bodyPr spcFirstLastPara="1" wrap="square" lIns="91425" tIns="45700" rIns="91425" bIns="45700" anchor="t" anchorCtr="0">
+          <a:bodyPr anchorCtr="0" anchor="t" bIns="45700" lIns="91425" spcFirstLastPara="1" rIns="91425" wrap="square" tIns="45700">
             <a:normAutofit/>
           </a:bodyPr>
           <a:lstStyle/>
           <a:p>
-            <a:pPr marL="342900" lvl="0" indent="-342900" algn="l" rtl="0">
+            <a:pPr indent="-342900" lvl="0" marL="342900" rtl="0" algn="l">
               <a:spcBef>
                 <a:spcPts val="0"/>
               </a:spcBef>
@@ -8298,7 +9632,7 @@
             <a:endParaRPr/>
           </a:p>
           <a:p>
-            <a:pPr marL="342900" lvl="0" indent="-342900" algn="l" rtl="0">
+            <a:pPr indent="-342900" lvl="0" marL="342900" rtl="0" algn="l">
               <a:spcBef>
                 <a:spcPts val="640"/>
               </a:spcBef>
@@ -8326,7 +9660,7 @@
             <a:endParaRPr/>
           </a:p>
           <a:p>
-            <a:pPr marL="342900" lvl="0" indent="-342900" algn="l" rtl="0">
+            <a:pPr indent="-342900" lvl="0" marL="342900" rtl="0" algn="l">
               <a:spcBef>
                 <a:spcPts val="640"/>
               </a:spcBef>
@@ -8363,12 +9697,12 @@
 </p:sld>
 </file>
 
-<file path=ppt/slides/slide12.xml><?xml version="1.0" encoding="utf-8"?>
-<p:sld xmlns:a="http://schemas.openxmlformats.org/drawingml/2006/main" xmlns:r="http://schemas.openxmlformats.org/officeDocument/2006/relationships" xmlns:p="http://schemas.openxmlformats.org/presentationml/2006/main">
+<file path=ppt/slides/slide16.xml><?xml version="1.0" encoding="utf-8"?>
+<p:sld xmlns:a="http://schemas.openxmlformats.org/drawingml/2006/main" xmlns:r="http://schemas.openxmlformats.org/officeDocument/2006/relationships" xmlns:mc="http://schemas.openxmlformats.org/markup-compatibility/2006" xmlns:mv="urn:schemas-microsoft-com:mac:vml" xmlns:p="http://schemas.openxmlformats.org/presentationml/2006/main" xmlns:c="http://schemas.openxmlformats.org/drawingml/2006/chart" xmlns:dgm="http://schemas.openxmlformats.org/drawingml/2006/diagram" xmlns:o="urn:schemas-microsoft-com:office:office" xmlns:v="urn:schemas-microsoft-com:vml" xmlns:pvml="urn:schemas-microsoft-com:office:powerpoint" xmlns:com="http://schemas.openxmlformats.org/drawingml/2006/compatibility" xmlns:p14="http://schemas.microsoft.com/office/powerpoint/2010/main" xmlns:p15="http://schemas.microsoft.com/office/powerpoint/2012/main" xmlns:ahyp="http://schemas.microsoft.com/office/drawing/2018/hyperlinkcolor">
   <p:cSld>
     <p:spTree>
       <p:nvGrpSpPr>
-        <p:cNvPr id="1" name="Shape 125"/>
+        <p:cNvPr id="153" name="Shape 153"/>
         <p:cNvGrpSpPr/>
         <p:nvPr/>
       </p:nvGrpSpPr>
@@ -8382,10 +9716,8 @@
       </p:grpSpPr>
       <p:sp>
         <p:nvSpPr>
-          <p:cNvPr id="126" name="Google Shape;126;p11"/>
-          <p:cNvSpPr txBox="1">
-            <a:spLocks noGrp="1"/>
-          </p:cNvSpPr>
+          <p:cNvPr id="154" name="Google Shape;154;p11"/>
+          <p:cNvSpPr txBox="1"/>
           <p:nvPr>
             <p:ph type="title"/>
           </p:nvPr>
@@ -8404,12 +9736,12 @@
           </a:ln>
         </p:spPr>
         <p:txBody>
-          <a:bodyPr spcFirstLastPara="1" wrap="square" lIns="91425" tIns="45700" rIns="91425" bIns="45700" anchor="ctr" anchorCtr="0">
+          <a:bodyPr anchorCtr="0" anchor="ctr" bIns="45700" lIns="91425" spcFirstLastPara="1" rIns="91425" wrap="square" tIns="45700">
             <a:normAutofit/>
           </a:bodyPr>
           <a:lstStyle/>
           <a:p>
-            <a:pPr marL="0" lvl="0" indent="0" algn="ctr" rtl="0">
+            <a:pPr indent="0" lvl="0" marL="0" rtl="0" algn="ctr">
               <a:spcBef>
                 <a:spcPts val="0"/>
               </a:spcBef>
@@ -8441,12 +9773,10 @@
       </p:sp>
       <p:sp>
         <p:nvSpPr>
-          <p:cNvPr id="127" name="Google Shape;127;p11"/>
-          <p:cNvSpPr txBox="1">
-            <a:spLocks noGrp="1"/>
-          </p:cNvSpPr>
+          <p:cNvPr id="155" name="Google Shape;155;p11"/>
+          <p:cNvSpPr txBox="1"/>
           <p:nvPr>
-            <p:ph type="body" idx="1"/>
+            <p:ph idx="1" type="body"/>
           </p:nvPr>
         </p:nvSpPr>
         <p:spPr>
@@ -8463,12 +9793,12 @@
           </a:ln>
         </p:spPr>
         <p:txBody>
-          <a:bodyPr spcFirstLastPara="1" wrap="square" lIns="91425" tIns="45700" rIns="91425" bIns="45700" anchor="t" anchorCtr="0">
+          <a:bodyPr anchorCtr="0" anchor="t" bIns="45700" lIns="91425" spcFirstLastPara="1" rIns="91425" wrap="square" tIns="45700">
             <a:normAutofit/>
           </a:bodyPr>
           <a:lstStyle/>
           <a:p>
-            <a:pPr marL="342900" lvl="0" indent="-342900" algn="l" rtl="0">
+            <a:pPr indent="-342900" lvl="0" marL="342900" rtl="0" algn="l">
               <a:spcBef>
                 <a:spcPts val="0"/>
               </a:spcBef>
@@ -8496,7 +9826,7 @@
             <a:endParaRPr/>
           </a:p>
           <a:p>
-            <a:pPr marL="342900" lvl="0" indent="-342900" algn="l" rtl="0">
+            <a:pPr indent="-342900" lvl="0" marL="342900" rtl="0" algn="l">
               <a:spcBef>
                 <a:spcPts val="640"/>
               </a:spcBef>
@@ -8524,7 +9854,7 @@
             <a:endParaRPr/>
           </a:p>
           <a:p>
-            <a:pPr marL="342900" lvl="0" indent="-342900" algn="l" rtl="0">
+            <a:pPr indent="-342900" lvl="0" marL="342900" rtl="0" algn="l">
               <a:spcBef>
                 <a:spcPts val="640"/>
               </a:spcBef>
@@ -8561,12 +9891,12 @@
 </p:sld>
 </file>
 
-<file path=ppt/slides/slide13.xml><?xml version="1.0" encoding="utf-8"?>
-<p:sld xmlns:a="http://schemas.openxmlformats.org/drawingml/2006/main" xmlns:r="http://schemas.openxmlformats.org/officeDocument/2006/relationships" xmlns:p="http://schemas.openxmlformats.org/presentationml/2006/main">
+<file path=ppt/slides/slide17.xml><?xml version="1.0" encoding="utf-8"?>
+<p:sld xmlns:a="http://schemas.openxmlformats.org/drawingml/2006/main" xmlns:r="http://schemas.openxmlformats.org/officeDocument/2006/relationships" xmlns:mc="http://schemas.openxmlformats.org/markup-compatibility/2006" xmlns:mv="urn:schemas-microsoft-com:mac:vml" xmlns:p="http://schemas.openxmlformats.org/presentationml/2006/main" xmlns:c="http://schemas.openxmlformats.org/drawingml/2006/chart" xmlns:dgm="http://schemas.openxmlformats.org/drawingml/2006/diagram" xmlns:o="urn:schemas-microsoft-com:office:office" xmlns:v="urn:schemas-microsoft-com:vml" xmlns:pvml="urn:schemas-microsoft-com:office:powerpoint" xmlns:com="http://schemas.openxmlformats.org/drawingml/2006/compatibility" xmlns:p14="http://schemas.microsoft.com/office/powerpoint/2010/main" xmlns:p15="http://schemas.microsoft.com/office/powerpoint/2012/main" xmlns:ahyp="http://schemas.microsoft.com/office/drawing/2018/hyperlinkcolor">
   <p:cSld>
     <p:spTree>
       <p:nvGrpSpPr>
-        <p:cNvPr id="1" name="Shape 131"/>
+        <p:cNvPr id="159" name="Shape 159"/>
         <p:cNvGrpSpPr/>
         <p:nvPr/>
       </p:nvGrpSpPr>
@@ -8580,10 +9910,8 @@
       </p:grpSpPr>
       <p:sp>
         <p:nvSpPr>
-          <p:cNvPr id="132" name="Google Shape;132;p12"/>
-          <p:cNvSpPr txBox="1">
-            <a:spLocks noGrp="1"/>
-          </p:cNvSpPr>
+          <p:cNvPr id="160" name="Google Shape;160;g34e6c35d3db_0_18"/>
+          <p:cNvSpPr txBox="1"/>
           <p:nvPr>
             <p:ph type="title"/>
           </p:nvPr>
@@ -8592,6 +9920,91 @@
           <a:xfrm>
             <a:off x="457200" y="274638"/>
             <a:ext cx="8229600" cy="1143000"/>
+          </a:xfrm>
+          <a:prstGeom prst="rect">
+            <a:avLst/>
+          </a:prstGeom>
+        </p:spPr>
+        <p:txBody>
+          <a:bodyPr anchorCtr="0" anchor="ctr" bIns="45700" lIns="91425" spcFirstLastPara="1" rIns="91425" wrap="square" tIns="45700">
+            <a:normAutofit/>
+          </a:bodyPr>
+          <a:lstStyle/>
+          <a:p>
+            <a:pPr indent="0" lvl="0" marL="0" rtl="0" algn="ctr">
+              <a:spcBef>
+                <a:spcPts val="0"/>
+              </a:spcBef>
+              <a:spcAft>
+                <a:spcPts val="0"/>
+              </a:spcAft>
+              <a:buNone/>
+            </a:pPr>
+            <a:r>
+              <a:rPr lang="en-US"/>
+              <a:t>Swaggwer</a:t>
+            </a:r>
+            <a:endParaRPr/>
+          </a:p>
+        </p:txBody>
+      </p:sp>
+      <p:sp>
+        <p:nvSpPr>
+          <p:cNvPr id="161" name="Google Shape;161;g34e6c35d3db_0_18"/>
+          <p:cNvSpPr txBox="1"/>
+          <p:nvPr>
+            <p:ph idx="1" type="body"/>
+          </p:nvPr>
+        </p:nvSpPr>
+        <p:spPr>
+          <a:xfrm>
+            <a:off x="457200" y="1600200"/>
+            <a:ext cx="8229600" cy="4526100"/>
+          </a:xfrm>
+          <a:prstGeom prst="rect">
+            <a:avLst/>
+          </a:prstGeom>
+        </p:spPr>
+        <p:txBody>
+          <a:bodyPr anchorCtr="0" anchor="t" bIns="45700" lIns="91425" spcFirstLastPara="1" rIns="91425" wrap="square" tIns="45700">
+            <a:normAutofit/>
+          </a:bodyPr>
+          <a:lstStyle/>
+          <a:p>
+            <a:pPr indent="0" lvl="0" marL="0" rtl="0" algn="l">
+              <a:spcBef>
+                <a:spcPts val="360"/>
+              </a:spcBef>
+              <a:spcAft>
+                <a:spcPts val="1200"/>
+              </a:spcAft>
+              <a:buNone/>
+            </a:pPr>
+            <a:r>
+              <a:t/>
+            </a:r>
+            <a:endParaRPr/>
+          </a:p>
+        </p:txBody>
+      </p:sp>
+      <p:pic>
+        <p:nvPicPr>
+          <p:cNvPr id="162" name="Google Shape;162;g34e6c35d3db_0_18" title="swagger.PNG"/>
+          <p:cNvPicPr preferRelativeResize="0"/>
+          <p:nvPr/>
+        </p:nvPicPr>
+        <p:blipFill>
+          <a:blip r:embed="rId3">
+            <a:alphaModFix/>
+          </a:blip>
+          <a:stretch>
+            <a:fillRect/>
+          </a:stretch>
+        </p:blipFill>
+        <p:spPr>
+          <a:xfrm>
+            <a:off x="2397902" y="1376375"/>
+            <a:ext cx="4348200" cy="4973749"/>
           </a:xfrm>
           <a:prstGeom prst="rect">
             <a:avLst/>
@@ -8601,13 +10014,60 @@
             <a:noFill/>
           </a:ln>
         </p:spPr>
+      </p:pic>
+    </p:spTree>
+  </p:cSld>
+  <p:clrMapOvr>
+    <a:masterClrMapping/>
+  </p:clrMapOvr>
+</p:sld>
+</file>
+
+<file path=ppt/slides/slide18.xml><?xml version="1.0" encoding="utf-8"?>
+<p:sld xmlns:a="http://schemas.openxmlformats.org/drawingml/2006/main" xmlns:r="http://schemas.openxmlformats.org/officeDocument/2006/relationships" xmlns:mc="http://schemas.openxmlformats.org/markup-compatibility/2006" xmlns:mv="urn:schemas-microsoft-com:mac:vml" xmlns:p="http://schemas.openxmlformats.org/presentationml/2006/main" xmlns:c="http://schemas.openxmlformats.org/drawingml/2006/chart" xmlns:dgm="http://schemas.openxmlformats.org/drawingml/2006/diagram" xmlns:o="urn:schemas-microsoft-com:office:office" xmlns:v="urn:schemas-microsoft-com:vml" xmlns:pvml="urn:schemas-microsoft-com:office:powerpoint" xmlns:com="http://schemas.openxmlformats.org/drawingml/2006/compatibility" xmlns:p14="http://schemas.microsoft.com/office/powerpoint/2010/main" xmlns:p15="http://schemas.microsoft.com/office/powerpoint/2012/main" xmlns:ahyp="http://schemas.microsoft.com/office/drawing/2018/hyperlinkcolor">
+  <p:cSld>
+    <p:spTree>
+      <p:nvGrpSpPr>
+        <p:cNvPr id="166" name="Shape 166"/>
+        <p:cNvGrpSpPr/>
+        <p:nvPr/>
+      </p:nvGrpSpPr>
+      <p:grpSpPr>
+        <a:xfrm>
+          <a:off x="0" y="0"/>
+          <a:ext cx="0" cy="0"/>
+          <a:chOff x="0" y="0"/>
+          <a:chExt cx="0" cy="0"/>
+        </a:xfrm>
+      </p:grpSpPr>
+      <p:sp>
+        <p:nvSpPr>
+          <p:cNvPr id="167" name="Google Shape;167;p12"/>
+          <p:cNvSpPr txBox="1"/>
+          <p:nvPr>
+            <p:ph type="title"/>
+          </p:nvPr>
+        </p:nvSpPr>
+        <p:spPr>
+          <a:xfrm>
+            <a:off x="457200" y="274638"/>
+            <a:ext cx="8229600" cy="1143000"/>
+          </a:xfrm>
+          <a:prstGeom prst="rect">
+            <a:avLst/>
+          </a:prstGeom>
+          <a:noFill/>
+          <a:ln>
+            <a:noFill/>
+          </a:ln>
+        </p:spPr>
         <p:txBody>
-          <a:bodyPr spcFirstLastPara="1" wrap="square" lIns="91425" tIns="45700" rIns="91425" bIns="45700" anchor="ctr" anchorCtr="0">
+          <a:bodyPr anchorCtr="0" anchor="ctr" bIns="45700" lIns="91425" spcFirstLastPara="1" rIns="91425" wrap="square" tIns="45700">
             <a:normAutofit/>
           </a:bodyPr>
           <a:lstStyle/>
           <a:p>
-            <a:pPr marL="0" lvl="0" indent="0" algn="ctr" rtl="0">
+            <a:pPr indent="0" lvl="0" marL="0" rtl="0" algn="ctr">
               <a:spcBef>
                 <a:spcPts val="0"/>
               </a:spcBef>
@@ -8639,12 +10099,10 @@
       </p:sp>
       <p:sp>
         <p:nvSpPr>
-          <p:cNvPr id="133" name="Google Shape;133;p12"/>
-          <p:cNvSpPr txBox="1">
-            <a:spLocks noGrp="1"/>
-          </p:cNvSpPr>
+          <p:cNvPr id="168" name="Google Shape;168;p12"/>
+          <p:cNvSpPr txBox="1"/>
           <p:nvPr>
-            <p:ph type="body" idx="1"/>
+            <p:ph idx="1" type="body"/>
           </p:nvPr>
         </p:nvSpPr>
         <p:spPr>
@@ -8661,12 +10119,12 @@
           </a:ln>
         </p:spPr>
         <p:txBody>
-          <a:bodyPr spcFirstLastPara="1" wrap="square" lIns="91425" tIns="45700" rIns="91425" bIns="45700" anchor="t" anchorCtr="0">
+          <a:bodyPr anchorCtr="0" anchor="t" bIns="45700" lIns="91425" spcFirstLastPara="1" rIns="91425" wrap="square" tIns="45700">
             <a:normAutofit/>
           </a:bodyPr>
           <a:lstStyle/>
           <a:p>
-            <a:pPr marL="342900" lvl="0" indent="-342900" algn="l" rtl="0">
+            <a:pPr indent="-342900" lvl="0" marL="342900" rtl="0" algn="l">
               <a:spcBef>
                 <a:spcPts val="0"/>
               </a:spcBef>
@@ -8694,7 +10152,7 @@
             <a:endParaRPr/>
           </a:p>
           <a:p>
-            <a:pPr marL="342900" lvl="0" indent="-342900" algn="l" rtl="0">
+            <a:pPr indent="-342900" lvl="0" marL="342900" rtl="0" algn="l">
               <a:spcBef>
                 <a:spcPts val="640"/>
               </a:spcBef>
@@ -8722,7 +10180,7 @@
             <a:endParaRPr/>
           </a:p>
           <a:p>
-            <a:pPr marL="342900" lvl="0" indent="-342900" algn="l" rtl="0">
+            <a:pPr indent="-342900" lvl="0" marL="342900" rtl="0" algn="l">
               <a:spcBef>
                 <a:spcPts val="640"/>
               </a:spcBef>
@@ -8759,12 +10217,12 @@
 </p:sld>
 </file>
 
-<file path=ppt/slides/slide14.xml><?xml version="1.0" encoding="utf-8"?>
-<p:sld xmlns:a="http://schemas.openxmlformats.org/drawingml/2006/main" xmlns:r="http://schemas.openxmlformats.org/officeDocument/2006/relationships" xmlns:p="http://schemas.openxmlformats.org/presentationml/2006/main">
+<file path=ppt/slides/slide19.xml><?xml version="1.0" encoding="utf-8"?>
+<p:sld xmlns:a="http://schemas.openxmlformats.org/drawingml/2006/main" xmlns:r="http://schemas.openxmlformats.org/officeDocument/2006/relationships" xmlns:mc="http://schemas.openxmlformats.org/markup-compatibility/2006" xmlns:mv="urn:schemas-microsoft-com:mac:vml" xmlns:p="http://schemas.openxmlformats.org/presentationml/2006/main" xmlns:c="http://schemas.openxmlformats.org/drawingml/2006/chart" xmlns:dgm="http://schemas.openxmlformats.org/drawingml/2006/diagram" xmlns:o="urn:schemas-microsoft-com:office:office" xmlns:v="urn:schemas-microsoft-com:vml" xmlns:pvml="urn:schemas-microsoft-com:office:powerpoint" xmlns:com="http://schemas.openxmlformats.org/drawingml/2006/compatibility" xmlns:p14="http://schemas.microsoft.com/office/powerpoint/2010/main" xmlns:p15="http://schemas.microsoft.com/office/powerpoint/2012/main" xmlns:ahyp="http://schemas.microsoft.com/office/drawing/2018/hyperlinkcolor">
   <p:cSld>
     <p:spTree>
       <p:nvGrpSpPr>
-        <p:cNvPr id="1" name="Shape 137"/>
+        <p:cNvPr id="172" name="Shape 172"/>
         <p:cNvGrpSpPr/>
         <p:nvPr/>
       </p:nvGrpSpPr>
@@ -8778,10 +10236,8 @@
       </p:grpSpPr>
       <p:sp>
         <p:nvSpPr>
-          <p:cNvPr id="138" name="Google Shape;138;p13"/>
-          <p:cNvSpPr txBox="1">
-            <a:spLocks noGrp="1"/>
-          </p:cNvSpPr>
+          <p:cNvPr id="173" name="Google Shape;173;g34e6c35d3db_0_25"/>
+          <p:cNvSpPr txBox="1"/>
           <p:nvPr>
             <p:ph type="title"/>
           </p:nvPr>
@@ -8790,6 +10246,91 @@
           <a:xfrm>
             <a:off x="457200" y="274638"/>
             <a:ext cx="8229600" cy="1143000"/>
+          </a:xfrm>
+          <a:prstGeom prst="rect">
+            <a:avLst/>
+          </a:prstGeom>
+        </p:spPr>
+        <p:txBody>
+          <a:bodyPr anchorCtr="0" anchor="ctr" bIns="45700" lIns="91425" spcFirstLastPara="1" rIns="91425" wrap="square" tIns="45700">
+            <a:normAutofit/>
+          </a:bodyPr>
+          <a:lstStyle/>
+          <a:p>
+            <a:pPr indent="0" lvl="0" marL="0" rtl="0" algn="ctr">
+              <a:spcBef>
+                <a:spcPts val="0"/>
+              </a:spcBef>
+              <a:spcAft>
+                <a:spcPts val="0"/>
+              </a:spcAft>
+              <a:buNone/>
+            </a:pPr>
+            <a:r>
+              <a:rPr lang="en-US"/>
+              <a:t>MAUI APP</a:t>
+            </a:r>
+            <a:endParaRPr/>
+          </a:p>
+        </p:txBody>
+      </p:sp>
+      <p:sp>
+        <p:nvSpPr>
+          <p:cNvPr id="174" name="Google Shape;174;g34e6c35d3db_0_25"/>
+          <p:cNvSpPr txBox="1"/>
+          <p:nvPr>
+            <p:ph idx="1" type="body"/>
+          </p:nvPr>
+        </p:nvSpPr>
+        <p:spPr>
+          <a:xfrm>
+            <a:off x="457200" y="1600200"/>
+            <a:ext cx="8229600" cy="4526100"/>
+          </a:xfrm>
+          <a:prstGeom prst="rect">
+            <a:avLst/>
+          </a:prstGeom>
+        </p:spPr>
+        <p:txBody>
+          <a:bodyPr anchorCtr="0" anchor="t" bIns="45700" lIns="91425" spcFirstLastPara="1" rIns="91425" wrap="square" tIns="45700">
+            <a:normAutofit/>
+          </a:bodyPr>
+          <a:lstStyle/>
+          <a:p>
+            <a:pPr indent="0" lvl="0" marL="0" rtl="0" algn="l">
+              <a:spcBef>
+                <a:spcPts val="360"/>
+              </a:spcBef>
+              <a:spcAft>
+                <a:spcPts val="1200"/>
+              </a:spcAft>
+              <a:buNone/>
+            </a:pPr>
+            <a:r>
+              <a:t/>
+            </a:r>
+            <a:endParaRPr/>
+          </a:p>
+        </p:txBody>
+      </p:sp>
+      <p:pic>
+        <p:nvPicPr>
+          <p:cNvPr id="175" name="Google Shape;175;g34e6c35d3db_0_25"/>
+          <p:cNvPicPr preferRelativeResize="0"/>
+          <p:nvPr/>
+        </p:nvPicPr>
+        <p:blipFill>
+          <a:blip r:embed="rId3">
+            <a:alphaModFix/>
+          </a:blip>
+          <a:stretch>
+            <a:fillRect/>
+          </a:stretch>
+        </p:blipFill>
+        <p:spPr>
+          <a:xfrm>
+            <a:off x="2795588" y="1496288"/>
+            <a:ext cx="3552825" cy="4733925"/>
           </a:xfrm>
           <a:prstGeom prst="rect">
             <a:avLst/>
@@ -8799,424 +10340,7 @@
             <a:noFill/>
           </a:ln>
         </p:spPr>
-        <p:txBody>
-          <a:bodyPr spcFirstLastPara="1" wrap="square" lIns="91425" tIns="45700" rIns="91425" bIns="45700" anchor="ctr" anchorCtr="0">
-            <a:normAutofit/>
-          </a:bodyPr>
-          <a:lstStyle/>
-          <a:p>
-            <a:pPr marL="0" lvl="0" indent="0" algn="ctr" rtl="0">
-              <a:spcBef>
-                <a:spcPts val="0"/>
-              </a:spcBef>
-              <a:spcAft>
-                <a:spcPts val="0"/>
-              </a:spcAft>
-              <a:buClr>
-                <a:schemeClr val="dk1"/>
-              </a:buClr>
-              <a:buSzPts val="4400"/>
-              <a:buFont typeface="Calibri"/>
-              <a:buNone/>
-            </a:pPr>
-            <a:r>
-              <a:rPr lang="en-US" sz="4400">
-                <a:solidFill>
-                  <a:schemeClr val="dk1"/>
-                </a:solidFill>
-                <a:latin typeface="Calibri"/>
-                <a:ea typeface="Calibri"/>
-                <a:cs typeface="Calibri"/>
-                <a:sym typeface="Calibri"/>
-              </a:rPr>
-              <a:t>Telepítési beállítások</a:t>
-            </a:r>
-            <a:endParaRPr/>
-          </a:p>
-        </p:txBody>
-      </p:sp>
-      <p:sp>
-        <p:nvSpPr>
-          <p:cNvPr id="139" name="Google Shape;139;p13"/>
-          <p:cNvSpPr txBox="1">
-            <a:spLocks noGrp="1"/>
-          </p:cNvSpPr>
-          <p:nvPr>
-            <p:ph type="body" idx="1"/>
-          </p:nvPr>
-        </p:nvSpPr>
-        <p:spPr>
-          <a:xfrm>
-            <a:off x="457200" y="1600200"/>
-            <a:ext cx="8229600" cy="4525963"/>
-          </a:xfrm>
-          <a:prstGeom prst="rect">
-            <a:avLst/>
-          </a:prstGeom>
-          <a:noFill/>
-          <a:ln>
-            <a:noFill/>
-          </a:ln>
-        </p:spPr>
-        <p:txBody>
-          <a:bodyPr spcFirstLastPara="1" wrap="square" lIns="91425" tIns="45700" rIns="91425" bIns="45700" anchor="t" anchorCtr="0">
-            <a:normAutofit/>
-          </a:bodyPr>
-          <a:lstStyle/>
-          <a:p>
-            <a:pPr marL="342900" lvl="0" indent="-342900" algn="l" rtl="0">
-              <a:spcBef>
-                <a:spcPts val="0"/>
-              </a:spcBef>
-              <a:spcAft>
-                <a:spcPts val="0"/>
-              </a:spcAft>
-              <a:buClr>
-                <a:schemeClr val="dk1"/>
-              </a:buClr>
-              <a:buSzPts val="3200"/>
-              <a:buChar char="●"/>
-            </a:pPr>
-            <a:r>
-              <a:rPr lang="en-US" sz="3200">
-                <a:solidFill>
-                  <a:schemeClr val="dk1"/>
-                </a:solidFill>
-                <a:latin typeface="Calibri"/>
-                <a:ea typeface="Calibri"/>
-                <a:cs typeface="Calibri"/>
-                <a:sym typeface="Calibri"/>
-              </a:rPr>
-              <a:t> MYSQL: fejlesztési és éles környezethez</a:t>
-            </a:r>
-            <a:endParaRPr/>
-          </a:p>
-          <a:p>
-            <a:pPr marL="342900" lvl="0" indent="-342900" algn="l" rtl="0">
-              <a:spcBef>
-                <a:spcPts val="640"/>
-              </a:spcBef>
-              <a:spcAft>
-                <a:spcPts val="0"/>
-              </a:spcAft>
-              <a:buClr>
-                <a:schemeClr val="dk1"/>
-              </a:buClr>
-              <a:buSzPts val="3200"/>
-              <a:buChar char="●"/>
-            </a:pPr>
-            <a:r>
-              <a:rPr lang="en-US" sz="3200">
-                <a:solidFill>
-                  <a:schemeClr val="dk1"/>
-                </a:solidFill>
-                <a:latin typeface="Calibri"/>
-                <a:ea typeface="Calibri"/>
-                <a:cs typeface="Calibri"/>
-                <a:sym typeface="Calibri"/>
-              </a:rPr>
-              <a:t> appsettings.json kapcsolat beállítása</a:t>
-            </a:r>
-            <a:endParaRPr sz="3200">
-              <a:solidFill>
-                <a:schemeClr val="dk1"/>
-              </a:solidFill>
-              <a:latin typeface="Calibri"/>
-              <a:ea typeface="Calibri"/>
-              <a:cs typeface="Calibri"/>
-              <a:sym typeface="Calibri"/>
-            </a:endParaRPr>
-          </a:p>
-          <a:p>
-            <a:pPr marL="342900" lvl="0" indent="0" algn="l" rtl="0">
-              <a:spcBef>
-                <a:spcPts val="1200"/>
-              </a:spcBef>
-              <a:spcAft>
-                <a:spcPts val="1200"/>
-              </a:spcAft>
-              <a:buNone/>
-            </a:pPr>
-            <a:endParaRPr sz="3200">
-              <a:solidFill>
-                <a:schemeClr val="dk1"/>
-              </a:solidFill>
-              <a:latin typeface="Calibri"/>
-              <a:ea typeface="Calibri"/>
-              <a:cs typeface="Calibri"/>
-              <a:sym typeface="Calibri"/>
-            </a:endParaRPr>
-          </a:p>
-        </p:txBody>
-      </p:sp>
-    </p:spTree>
-  </p:cSld>
-  <p:clrMapOvr>
-    <a:masterClrMapping/>
-  </p:clrMapOvr>
-</p:sld>
-</file>
-
-<file path=ppt/slides/slide15.xml><?xml version="1.0" encoding="utf-8"?>
-<p:sld xmlns:a="http://schemas.openxmlformats.org/drawingml/2006/main" xmlns:r="http://schemas.openxmlformats.org/officeDocument/2006/relationships" xmlns:p="http://schemas.openxmlformats.org/presentationml/2006/main">
-  <p:cSld>
-    <p:spTree>
-      <p:nvGrpSpPr>
-        <p:cNvPr id="1" name="Shape 143"/>
-        <p:cNvGrpSpPr/>
-        <p:nvPr/>
-      </p:nvGrpSpPr>
-      <p:grpSpPr>
-        <a:xfrm>
-          <a:off x="0" y="0"/>
-          <a:ext cx="0" cy="0"/>
-          <a:chOff x="0" y="0"/>
-          <a:chExt cx="0" cy="0"/>
-        </a:xfrm>
-      </p:grpSpPr>
-      <p:sp>
-        <p:nvSpPr>
-          <p:cNvPr id="144" name="Google Shape;144;p14"/>
-          <p:cNvSpPr txBox="1">
-            <a:spLocks noGrp="1"/>
-          </p:cNvSpPr>
-          <p:nvPr>
-            <p:ph type="title"/>
-          </p:nvPr>
-        </p:nvSpPr>
-        <p:spPr>
-          <a:xfrm>
-            <a:off x="457200" y="274638"/>
-            <a:ext cx="8229600" cy="1143000"/>
-          </a:xfrm>
-          <a:prstGeom prst="rect">
-            <a:avLst/>
-          </a:prstGeom>
-          <a:noFill/>
-          <a:ln>
-            <a:noFill/>
-          </a:ln>
-        </p:spPr>
-        <p:txBody>
-          <a:bodyPr spcFirstLastPara="1" wrap="square" lIns="91425" tIns="45700" rIns="91425" bIns="45700" anchor="ctr" anchorCtr="0">
-            <a:normAutofit/>
-          </a:bodyPr>
-          <a:lstStyle/>
-          <a:p>
-            <a:pPr marL="0" lvl="0" indent="0" algn="ctr" rtl="0">
-              <a:spcBef>
-                <a:spcPts val="0"/>
-              </a:spcBef>
-              <a:spcAft>
-                <a:spcPts val="0"/>
-              </a:spcAft>
-              <a:buClr>
-                <a:schemeClr val="dk1"/>
-              </a:buClr>
-              <a:buSzPts val="4400"/>
-              <a:buFont typeface="Calibri"/>
-              <a:buNone/>
-            </a:pPr>
-            <a:r>
-              <a:rPr lang="en-US" sz="4400">
-                <a:solidFill>
-                  <a:schemeClr val="dk1"/>
-                </a:solidFill>
-                <a:latin typeface="Calibri"/>
-                <a:ea typeface="Calibri"/>
-                <a:cs typeface="Calibri"/>
-                <a:sym typeface="Calibri"/>
-              </a:rPr>
-              <a:t>Jövőbeli tervek</a:t>
-            </a:r>
-            <a:endParaRPr/>
-          </a:p>
-        </p:txBody>
-      </p:sp>
-      <p:sp>
-        <p:nvSpPr>
-          <p:cNvPr id="145" name="Google Shape;145;p14"/>
-          <p:cNvSpPr txBox="1">
-            <a:spLocks noGrp="1"/>
-          </p:cNvSpPr>
-          <p:nvPr>
-            <p:ph type="body" idx="1"/>
-          </p:nvPr>
-        </p:nvSpPr>
-        <p:spPr>
-          <a:xfrm>
-            <a:off x="457200" y="1600200"/>
-            <a:ext cx="8229600" cy="4525963"/>
-          </a:xfrm>
-          <a:prstGeom prst="rect">
-            <a:avLst/>
-          </a:prstGeom>
-          <a:noFill/>
-          <a:ln>
-            <a:noFill/>
-          </a:ln>
-        </p:spPr>
-        <p:txBody>
-          <a:bodyPr spcFirstLastPara="1" wrap="square" lIns="91425" tIns="45700" rIns="91425" bIns="45700" anchor="t" anchorCtr="0">
-            <a:normAutofit/>
-          </a:bodyPr>
-          <a:lstStyle/>
-          <a:p>
-            <a:pPr marL="342900" lvl="0" indent="-342900" algn="l" rtl="0">
-              <a:spcBef>
-                <a:spcPts val="0"/>
-              </a:spcBef>
-              <a:spcAft>
-                <a:spcPts val="0"/>
-              </a:spcAft>
-              <a:buClr>
-                <a:schemeClr val="dk1"/>
-              </a:buClr>
-              <a:buSzPts val="3200"/>
-              <a:buChar char="●"/>
-            </a:pPr>
-            <a:r>
-              <a:rPr lang="en-US" sz="3200">
-                <a:solidFill>
-                  <a:schemeClr val="dk1"/>
-                </a:solidFill>
-                <a:latin typeface="Calibri"/>
-                <a:ea typeface="Calibri"/>
-                <a:cs typeface="Calibri"/>
-                <a:sym typeface="Calibri"/>
-              </a:rPr>
-              <a:t>Integráció RFID/NFC olvasókkal a gyorsabb beléptetés érdekében</a:t>
-            </a:r>
-            <a:endParaRPr/>
-          </a:p>
-          <a:p>
-            <a:pPr marL="342900" lvl="0" indent="-342900" algn="l" rtl="0">
-              <a:spcBef>
-                <a:spcPts val="640"/>
-              </a:spcBef>
-              <a:spcAft>
-                <a:spcPts val="0"/>
-              </a:spcAft>
-              <a:buClr>
-                <a:schemeClr val="dk1"/>
-              </a:buClr>
-              <a:buSzPts val="3200"/>
-              <a:buChar char="●"/>
-            </a:pPr>
-            <a:r>
-              <a:rPr lang="en-US" sz="3200">
-                <a:solidFill>
-                  <a:schemeClr val="dk1"/>
-                </a:solidFill>
-                <a:latin typeface="Calibri"/>
-                <a:ea typeface="Calibri"/>
-                <a:cs typeface="Calibri"/>
-                <a:sym typeface="Calibri"/>
-              </a:rPr>
-              <a:t>MAUI mobil alkalmazás integráció</a:t>
-            </a:r>
-            <a:endParaRPr/>
-          </a:p>
-          <a:p>
-            <a:pPr marL="342900" lvl="0" indent="-342900" algn="l" rtl="0">
-              <a:spcBef>
-                <a:spcPts val="640"/>
-              </a:spcBef>
-              <a:spcAft>
-                <a:spcPts val="0"/>
-              </a:spcAft>
-              <a:buClr>
-                <a:schemeClr val="dk1"/>
-              </a:buClr>
-              <a:buSzPts val="3200"/>
-              <a:buChar char="●"/>
-            </a:pPr>
-            <a:r>
-              <a:rPr lang="en-US" sz="3200">
-                <a:solidFill>
-                  <a:schemeClr val="dk1"/>
-                </a:solidFill>
-                <a:latin typeface="Calibri"/>
-                <a:ea typeface="Calibri"/>
-                <a:cs typeface="Calibri"/>
-                <a:sym typeface="Calibri"/>
-              </a:rPr>
-              <a:t>Bővített riport és statisztikai modul </a:t>
-            </a:r>
-            <a:endParaRPr sz="3200">
-              <a:solidFill>
-                <a:schemeClr val="dk1"/>
-              </a:solidFill>
-              <a:latin typeface="Calibri"/>
-              <a:ea typeface="Calibri"/>
-              <a:cs typeface="Calibri"/>
-              <a:sym typeface="Calibri"/>
-            </a:endParaRPr>
-          </a:p>
-          <a:p>
-            <a:pPr marL="342900" lvl="0" indent="-342900" algn="l" rtl="0">
-              <a:spcBef>
-                <a:spcPts val="1200"/>
-              </a:spcBef>
-              <a:spcAft>
-                <a:spcPts val="0"/>
-              </a:spcAft>
-              <a:buClr>
-                <a:schemeClr val="dk1"/>
-              </a:buClr>
-              <a:buSzPts val="3200"/>
-              <a:buFont typeface="Calibri"/>
-              <a:buChar char="●"/>
-            </a:pPr>
-            <a:r>
-              <a:rPr lang="en-US" sz="3200">
-                <a:solidFill>
-                  <a:schemeClr val="dk1"/>
-                </a:solidFill>
-                <a:latin typeface="Calibri"/>
-                <a:ea typeface="Calibri"/>
-                <a:cs typeface="Calibri"/>
-                <a:sym typeface="Calibri"/>
-              </a:rPr>
-              <a:t>Bővíthetőség további modulokkal, pl. szabadság kezelés, túlóra-jóváhagyás, havi/jelenléti kimutatások.</a:t>
-            </a:r>
-            <a:endParaRPr sz="3200">
-              <a:solidFill>
-                <a:schemeClr val="dk1"/>
-              </a:solidFill>
-              <a:latin typeface="Calibri"/>
-              <a:ea typeface="Calibri"/>
-              <a:cs typeface="Calibri"/>
-              <a:sym typeface="Calibri"/>
-            </a:endParaRPr>
-          </a:p>
-          <a:p>
-            <a:pPr marL="342900" lvl="0" indent="-342900" algn="l" rtl="0">
-              <a:spcBef>
-                <a:spcPts val="1200"/>
-              </a:spcBef>
-              <a:spcAft>
-                <a:spcPts val="1200"/>
-              </a:spcAft>
-              <a:buClr>
-                <a:schemeClr val="dk1"/>
-              </a:buClr>
-              <a:buSzPts val="3200"/>
-              <a:buFont typeface="Calibri"/>
-              <a:buChar char="●"/>
-            </a:pPr>
-            <a:endParaRPr sz="3200">
-              <a:solidFill>
-                <a:schemeClr val="dk1"/>
-              </a:solidFill>
-              <a:latin typeface="Calibri"/>
-              <a:ea typeface="Calibri"/>
-              <a:cs typeface="Calibri"/>
-              <a:sym typeface="Calibri"/>
-            </a:endParaRPr>
-          </a:p>
-        </p:txBody>
-      </p:sp>
+      </p:pic>
     </p:spTree>
   </p:cSld>
   <p:clrMapOvr>
@@ -9226,11 +10350,11 @@
 </file>
 
 <file path=ppt/slides/slide2.xml><?xml version="1.0" encoding="utf-8"?>
-<p:sld xmlns:a="http://schemas.openxmlformats.org/drawingml/2006/main" xmlns:r="http://schemas.openxmlformats.org/officeDocument/2006/relationships" xmlns:p="http://schemas.openxmlformats.org/presentationml/2006/main">
+<p:sld xmlns:a="http://schemas.openxmlformats.org/drawingml/2006/main" xmlns:r="http://schemas.openxmlformats.org/officeDocument/2006/relationships" xmlns:mc="http://schemas.openxmlformats.org/markup-compatibility/2006" xmlns:mv="urn:schemas-microsoft-com:mac:vml" xmlns:p="http://schemas.openxmlformats.org/presentationml/2006/main" xmlns:c="http://schemas.openxmlformats.org/drawingml/2006/chart" xmlns:dgm="http://schemas.openxmlformats.org/drawingml/2006/diagram" xmlns:o="urn:schemas-microsoft-com:office:office" xmlns:v="urn:schemas-microsoft-com:vml" xmlns:pvml="urn:schemas-microsoft-com:office:powerpoint" xmlns:com="http://schemas.openxmlformats.org/drawingml/2006/compatibility" xmlns:p14="http://schemas.microsoft.com/office/powerpoint/2010/main" xmlns:p15="http://schemas.microsoft.com/office/powerpoint/2012/main" xmlns:ahyp="http://schemas.microsoft.com/office/drawing/2018/hyperlinkcolor">
   <p:cSld>
     <p:spTree>
       <p:nvGrpSpPr>
-        <p:cNvPr id="1" name="Shape 65"/>
+        <p:cNvPr id="65" name="Shape 65"/>
         <p:cNvGrpSpPr/>
         <p:nvPr/>
       </p:nvGrpSpPr>
@@ -9245,9 +10369,7 @@
       <p:sp>
         <p:nvSpPr>
           <p:cNvPr id="66" name="Google Shape;66;p2"/>
-          <p:cNvSpPr txBox="1">
-            <a:spLocks noGrp="1"/>
-          </p:cNvSpPr>
+          <p:cNvSpPr txBox="1"/>
           <p:nvPr>
             <p:ph type="title"/>
           </p:nvPr>
@@ -9266,12 +10388,12 @@
           </a:ln>
         </p:spPr>
         <p:txBody>
-          <a:bodyPr spcFirstLastPara="1" wrap="square" lIns="91425" tIns="45700" rIns="91425" bIns="45700" anchor="ctr" anchorCtr="0">
+          <a:bodyPr anchorCtr="0" anchor="ctr" bIns="45700" lIns="91425" spcFirstLastPara="1" rIns="91425" wrap="square" tIns="45700">
             <a:normAutofit/>
           </a:bodyPr>
           <a:lstStyle/>
           <a:p>
-            <a:pPr marL="0" lvl="0" indent="0" algn="ctr" rtl="0">
+            <a:pPr indent="0" lvl="0" marL="0" rtl="0" algn="ctr">
               <a:spcBef>
                 <a:spcPts val="0"/>
               </a:spcBef>
@@ -9304,11 +10426,9 @@
       <p:sp>
         <p:nvSpPr>
           <p:cNvPr id="67" name="Google Shape;67;p2"/>
-          <p:cNvSpPr txBox="1">
-            <a:spLocks noGrp="1"/>
-          </p:cNvSpPr>
+          <p:cNvSpPr txBox="1"/>
           <p:nvPr>
-            <p:ph type="body" idx="1"/>
+            <p:ph idx="1" type="body"/>
           </p:nvPr>
         </p:nvSpPr>
         <p:spPr>
@@ -9325,12 +10445,12 @@
           </a:ln>
         </p:spPr>
         <p:txBody>
-          <a:bodyPr spcFirstLastPara="1" wrap="square" lIns="91425" tIns="45700" rIns="91425" bIns="45700" anchor="t" anchorCtr="0">
+          <a:bodyPr anchorCtr="0" anchor="t" bIns="45700" lIns="91425" spcFirstLastPara="1" rIns="91425" wrap="square" tIns="45700">
             <a:normAutofit/>
           </a:bodyPr>
           <a:lstStyle/>
           <a:p>
-            <a:pPr marL="342900" lvl="0" indent="-342900" algn="l" rtl="0">
+            <a:pPr indent="-342900" lvl="0" marL="342900" rtl="0" algn="l">
               <a:spcBef>
                 <a:spcPts val="0"/>
               </a:spcBef>
@@ -9358,7 +10478,7 @@
             <a:endParaRPr/>
           </a:p>
           <a:p>
-            <a:pPr marL="342900" lvl="0" indent="-342900" algn="l" rtl="0">
+            <a:pPr indent="-342900" lvl="0" marL="342900" rtl="0" algn="l">
               <a:spcBef>
                 <a:spcPts val="640"/>
               </a:spcBef>
@@ -9394,7 +10514,7 @@
             </a:endParaRPr>
           </a:p>
           <a:p>
-            <a:pPr marL="342900" lvl="0" indent="-342900" algn="l" rtl="0">
+            <a:pPr indent="-342900" lvl="0" marL="342900" rtl="0" algn="l">
               <a:spcBef>
                 <a:spcPts val="1200"/>
               </a:spcBef>
@@ -9440,12 +10560,12 @@
 </p:sld>
 </file>
 
-<file path=ppt/slides/slide3.xml><?xml version="1.0" encoding="utf-8"?>
-<p:sld xmlns:a="http://schemas.openxmlformats.org/drawingml/2006/main" xmlns:r="http://schemas.openxmlformats.org/officeDocument/2006/relationships" xmlns:p="http://schemas.openxmlformats.org/presentationml/2006/main">
+<file path=ppt/slides/slide20.xml><?xml version="1.0" encoding="utf-8"?>
+<p:sld xmlns:a="http://schemas.openxmlformats.org/drawingml/2006/main" xmlns:r="http://schemas.openxmlformats.org/officeDocument/2006/relationships" xmlns:mc="http://schemas.openxmlformats.org/markup-compatibility/2006" xmlns:mv="urn:schemas-microsoft-com:mac:vml" xmlns:p="http://schemas.openxmlformats.org/presentationml/2006/main" xmlns:c="http://schemas.openxmlformats.org/drawingml/2006/chart" xmlns:dgm="http://schemas.openxmlformats.org/drawingml/2006/diagram" xmlns:o="urn:schemas-microsoft-com:office:office" xmlns:v="urn:schemas-microsoft-com:vml" xmlns:pvml="urn:schemas-microsoft-com:office:powerpoint" xmlns:com="http://schemas.openxmlformats.org/drawingml/2006/compatibility" xmlns:p14="http://schemas.microsoft.com/office/powerpoint/2010/main" xmlns:p15="http://schemas.microsoft.com/office/powerpoint/2012/main" xmlns:ahyp="http://schemas.microsoft.com/office/drawing/2018/hyperlinkcolor">
   <p:cSld>
     <p:spTree>
       <p:nvGrpSpPr>
-        <p:cNvPr id="1" name="Shape 71"/>
+        <p:cNvPr id="179" name="Shape 179"/>
         <p:cNvGrpSpPr/>
         <p:nvPr/>
       </p:nvGrpSpPr>
@@ -9459,10 +10579,8 @@
       </p:grpSpPr>
       <p:sp>
         <p:nvSpPr>
-          <p:cNvPr id="72" name="Google Shape;72;p3"/>
-          <p:cNvSpPr txBox="1">
-            <a:spLocks noGrp="1"/>
-          </p:cNvSpPr>
+          <p:cNvPr id="180" name="Google Shape;180;p13"/>
+          <p:cNvSpPr txBox="1"/>
           <p:nvPr>
             <p:ph type="title"/>
           </p:nvPr>
@@ -9481,12 +10599,1038 @@
           </a:ln>
         </p:spPr>
         <p:txBody>
-          <a:bodyPr spcFirstLastPara="1" wrap="square" lIns="91425" tIns="45700" rIns="91425" bIns="45700" anchor="ctr" anchorCtr="0">
+          <a:bodyPr anchorCtr="0" anchor="ctr" bIns="45700" lIns="91425" spcFirstLastPara="1" rIns="91425" wrap="square" tIns="45700">
             <a:normAutofit/>
           </a:bodyPr>
           <a:lstStyle/>
           <a:p>
-            <a:pPr marL="0" lvl="0" indent="0" algn="ctr" rtl="0">
+            <a:pPr indent="0" lvl="0" marL="0" rtl="0" algn="ctr">
+              <a:spcBef>
+                <a:spcPts val="0"/>
+              </a:spcBef>
+              <a:spcAft>
+                <a:spcPts val="0"/>
+              </a:spcAft>
+              <a:buClr>
+                <a:schemeClr val="dk1"/>
+              </a:buClr>
+              <a:buSzPts val="4400"/>
+              <a:buFont typeface="Calibri"/>
+              <a:buNone/>
+            </a:pPr>
+            <a:r>
+              <a:rPr lang="en-US" sz="4400">
+                <a:solidFill>
+                  <a:schemeClr val="dk1"/>
+                </a:solidFill>
+                <a:latin typeface="Calibri"/>
+                <a:ea typeface="Calibri"/>
+                <a:cs typeface="Calibri"/>
+                <a:sym typeface="Calibri"/>
+              </a:rPr>
+              <a:t>Telepítési beállítások</a:t>
+            </a:r>
+            <a:endParaRPr/>
+          </a:p>
+        </p:txBody>
+      </p:sp>
+      <p:sp>
+        <p:nvSpPr>
+          <p:cNvPr id="181" name="Google Shape;181;p13"/>
+          <p:cNvSpPr txBox="1"/>
+          <p:nvPr>
+            <p:ph idx="1" type="body"/>
+          </p:nvPr>
+        </p:nvSpPr>
+        <p:spPr>
+          <a:xfrm>
+            <a:off x="457200" y="1600200"/>
+            <a:ext cx="8229600" cy="4525963"/>
+          </a:xfrm>
+          <a:prstGeom prst="rect">
+            <a:avLst/>
+          </a:prstGeom>
+          <a:noFill/>
+          <a:ln>
+            <a:noFill/>
+          </a:ln>
+        </p:spPr>
+        <p:txBody>
+          <a:bodyPr anchorCtr="0" anchor="t" bIns="45700" lIns="91425" spcFirstLastPara="1" rIns="91425" wrap="square" tIns="45700">
+            <a:normAutofit/>
+          </a:bodyPr>
+          <a:lstStyle/>
+          <a:p>
+            <a:pPr indent="-342900" lvl="0" marL="342900" rtl="0" algn="l">
+              <a:spcBef>
+                <a:spcPts val="0"/>
+              </a:spcBef>
+              <a:spcAft>
+                <a:spcPts val="0"/>
+              </a:spcAft>
+              <a:buClr>
+                <a:schemeClr val="dk1"/>
+              </a:buClr>
+              <a:buSzPts val="3200"/>
+              <a:buChar char="●"/>
+            </a:pPr>
+            <a:r>
+              <a:rPr lang="en-US" sz="3200">
+                <a:solidFill>
+                  <a:schemeClr val="dk1"/>
+                </a:solidFill>
+                <a:latin typeface="Calibri"/>
+                <a:ea typeface="Calibri"/>
+                <a:cs typeface="Calibri"/>
+                <a:sym typeface="Calibri"/>
+              </a:rPr>
+              <a:t> MYSQL: fejlesztési és éles környezethez</a:t>
+            </a:r>
+            <a:endParaRPr/>
+          </a:p>
+          <a:p>
+            <a:pPr indent="-342900" lvl="0" marL="342900" rtl="0" algn="l">
+              <a:spcBef>
+                <a:spcPts val="640"/>
+              </a:spcBef>
+              <a:spcAft>
+                <a:spcPts val="0"/>
+              </a:spcAft>
+              <a:buClr>
+                <a:schemeClr val="dk1"/>
+              </a:buClr>
+              <a:buSzPts val="3200"/>
+              <a:buChar char="●"/>
+            </a:pPr>
+            <a:r>
+              <a:rPr lang="en-US" sz="3200">
+                <a:solidFill>
+                  <a:schemeClr val="dk1"/>
+                </a:solidFill>
+                <a:latin typeface="Calibri"/>
+                <a:ea typeface="Calibri"/>
+                <a:cs typeface="Calibri"/>
+                <a:sym typeface="Calibri"/>
+              </a:rPr>
+              <a:t> appsettings.json kapcsolat beállítása</a:t>
+            </a:r>
+            <a:endParaRPr sz="3200">
+              <a:solidFill>
+                <a:schemeClr val="dk1"/>
+              </a:solidFill>
+              <a:latin typeface="Calibri"/>
+              <a:ea typeface="Calibri"/>
+              <a:cs typeface="Calibri"/>
+              <a:sym typeface="Calibri"/>
+            </a:endParaRPr>
+          </a:p>
+          <a:p>
+            <a:pPr indent="0" lvl="0" marL="342900" rtl="0" algn="l">
+              <a:spcBef>
+                <a:spcPts val="1200"/>
+              </a:spcBef>
+              <a:spcAft>
+                <a:spcPts val="1200"/>
+              </a:spcAft>
+              <a:buNone/>
+            </a:pPr>
+            <a:r>
+              <a:t/>
+            </a:r>
+            <a:endParaRPr sz="3200">
+              <a:solidFill>
+                <a:schemeClr val="dk1"/>
+              </a:solidFill>
+              <a:latin typeface="Calibri"/>
+              <a:ea typeface="Calibri"/>
+              <a:cs typeface="Calibri"/>
+              <a:sym typeface="Calibri"/>
+            </a:endParaRPr>
+          </a:p>
+        </p:txBody>
+      </p:sp>
+    </p:spTree>
+  </p:cSld>
+  <p:clrMapOvr>
+    <a:masterClrMapping/>
+  </p:clrMapOvr>
+</p:sld>
+</file>
+
+<file path=ppt/slides/slide21.xml><?xml version="1.0" encoding="utf-8"?>
+<p:sld xmlns:a="http://schemas.openxmlformats.org/drawingml/2006/main" xmlns:r="http://schemas.openxmlformats.org/officeDocument/2006/relationships" xmlns:mc="http://schemas.openxmlformats.org/markup-compatibility/2006" xmlns:mv="urn:schemas-microsoft-com:mac:vml" xmlns:p="http://schemas.openxmlformats.org/presentationml/2006/main" xmlns:c="http://schemas.openxmlformats.org/drawingml/2006/chart" xmlns:dgm="http://schemas.openxmlformats.org/drawingml/2006/diagram" xmlns:o="urn:schemas-microsoft-com:office:office" xmlns:v="urn:schemas-microsoft-com:vml" xmlns:pvml="urn:schemas-microsoft-com:office:powerpoint" xmlns:com="http://schemas.openxmlformats.org/drawingml/2006/compatibility" xmlns:p14="http://schemas.microsoft.com/office/powerpoint/2010/main" xmlns:p15="http://schemas.microsoft.com/office/powerpoint/2012/main" xmlns:ahyp="http://schemas.microsoft.com/office/drawing/2018/hyperlinkcolor">
+  <p:cSld>
+    <p:spTree>
+      <p:nvGrpSpPr>
+        <p:cNvPr id="185" name="Shape 185"/>
+        <p:cNvGrpSpPr/>
+        <p:nvPr/>
+      </p:nvGrpSpPr>
+      <p:grpSpPr>
+        <a:xfrm>
+          <a:off x="0" y="0"/>
+          <a:ext cx="0" cy="0"/>
+          <a:chOff x="0" y="0"/>
+          <a:chExt cx="0" cy="0"/>
+        </a:xfrm>
+      </p:grpSpPr>
+      <p:sp>
+        <p:nvSpPr>
+          <p:cNvPr id="186" name="Google Shape;186;p14"/>
+          <p:cNvSpPr txBox="1"/>
+          <p:nvPr>
+            <p:ph type="title"/>
+          </p:nvPr>
+        </p:nvSpPr>
+        <p:spPr>
+          <a:xfrm>
+            <a:off x="457200" y="274638"/>
+            <a:ext cx="8229600" cy="1143000"/>
+          </a:xfrm>
+          <a:prstGeom prst="rect">
+            <a:avLst/>
+          </a:prstGeom>
+          <a:noFill/>
+          <a:ln>
+            <a:noFill/>
+          </a:ln>
+        </p:spPr>
+        <p:txBody>
+          <a:bodyPr anchorCtr="0" anchor="ctr" bIns="45700" lIns="91425" spcFirstLastPara="1" rIns="91425" wrap="square" tIns="45700">
+            <a:normAutofit/>
+          </a:bodyPr>
+          <a:lstStyle/>
+          <a:p>
+            <a:pPr indent="0" lvl="0" marL="0" rtl="0" algn="ctr">
+              <a:spcBef>
+                <a:spcPts val="0"/>
+              </a:spcBef>
+              <a:spcAft>
+                <a:spcPts val="0"/>
+              </a:spcAft>
+              <a:buClr>
+                <a:schemeClr val="dk1"/>
+              </a:buClr>
+              <a:buSzPts val="4400"/>
+              <a:buFont typeface="Calibri"/>
+              <a:buNone/>
+            </a:pPr>
+            <a:r>
+              <a:rPr lang="en-US" sz="4400">
+                <a:solidFill>
+                  <a:schemeClr val="dk1"/>
+                </a:solidFill>
+                <a:latin typeface="Calibri"/>
+                <a:ea typeface="Calibri"/>
+                <a:cs typeface="Calibri"/>
+                <a:sym typeface="Calibri"/>
+              </a:rPr>
+              <a:t>Jövőbeli tervek</a:t>
+            </a:r>
+            <a:endParaRPr/>
+          </a:p>
+        </p:txBody>
+      </p:sp>
+      <p:sp>
+        <p:nvSpPr>
+          <p:cNvPr id="187" name="Google Shape;187;p14"/>
+          <p:cNvSpPr txBox="1"/>
+          <p:nvPr>
+            <p:ph idx="1" type="body"/>
+          </p:nvPr>
+        </p:nvSpPr>
+        <p:spPr>
+          <a:xfrm>
+            <a:off x="457200" y="1600200"/>
+            <a:ext cx="8229600" cy="4525963"/>
+          </a:xfrm>
+          <a:prstGeom prst="rect">
+            <a:avLst/>
+          </a:prstGeom>
+          <a:noFill/>
+          <a:ln>
+            <a:noFill/>
+          </a:ln>
+        </p:spPr>
+        <p:txBody>
+          <a:bodyPr anchorCtr="0" anchor="t" bIns="45700" lIns="91425" spcFirstLastPara="1" rIns="91425" wrap="square" tIns="45700">
+            <a:normAutofit lnSpcReduction="20000"/>
+          </a:bodyPr>
+          <a:lstStyle/>
+          <a:p>
+            <a:pPr indent="-342900" lvl="0" marL="342900" rtl="0" algn="l">
+              <a:spcBef>
+                <a:spcPts val="0"/>
+              </a:spcBef>
+              <a:spcAft>
+                <a:spcPts val="0"/>
+              </a:spcAft>
+              <a:buClr>
+                <a:schemeClr val="dk1"/>
+              </a:buClr>
+              <a:buSzPts val="3200"/>
+              <a:buChar char="●"/>
+            </a:pPr>
+            <a:r>
+              <a:rPr lang="en-US" sz="3200">
+                <a:solidFill>
+                  <a:schemeClr val="dk1"/>
+                </a:solidFill>
+                <a:latin typeface="Calibri"/>
+                <a:ea typeface="Calibri"/>
+                <a:cs typeface="Calibri"/>
+                <a:sym typeface="Calibri"/>
+              </a:rPr>
+              <a:t>Integráció RFID/NFC olvasókkal a gyorsabb beléptetés érdekében</a:t>
+            </a:r>
+            <a:endParaRPr/>
+          </a:p>
+          <a:p>
+            <a:pPr indent="-342900" lvl="0" marL="342900" rtl="0" algn="l">
+              <a:spcBef>
+                <a:spcPts val="640"/>
+              </a:spcBef>
+              <a:spcAft>
+                <a:spcPts val="0"/>
+              </a:spcAft>
+              <a:buClr>
+                <a:schemeClr val="dk1"/>
+              </a:buClr>
+              <a:buSzPts val="3200"/>
+              <a:buChar char="●"/>
+            </a:pPr>
+            <a:r>
+              <a:rPr lang="en-US" sz="3200">
+                <a:solidFill>
+                  <a:schemeClr val="dk1"/>
+                </a:solidFill>
+                <a:latin typeface="Calibri"/>
+                <a:ea typeface="Calibri"/>
+                <a:cs typeface="Calibri"/>
+                <a:sym typeface="Calibri"/>
+              </a:rPr>
+              <a:t>MAUI mobil alkalmazás integráció</a:t>
+            </a:r>
+            <a:endParaRPr/>
+          </a:p>
+          <a:p>
+            <a:pPr indent="-342900" lvl="0" marL="342900" rtl="0" algn="l">
+              <a:spcBef>
+                <a:spcPts val="640"/>
+              </a:spcBef>
+              <a:spcAft>
+                <a:spcPts val="0"/>
+              </a:spcAft>
+              <a:buClr>
+                <a:schemeClr val="dk1"/>
+              </a:buClr>
+              <a:buSzPts val="3200"/>
+              <a:buChar char="●"/>
+            </a:pPr>
+            <a:r>
+              <a:rPr lang="en-US" sz="3200">
+                <a:solidFill>
+                  <a:schemeClr val="dk1"/>
+                </a:solidFill>
+                <a:latin typeface="Calibri"/>
+                <a:ea typeface="Calibri"/>
+                <a:cs typeface="Calibri"/>
+                <a:sym typeface="Calibri"/>
+              </a:rPr>
+              <a:t>Bővített riport és statisztikai modul </a:t>
+            </a:r>
+            <a:endParaRPr sz="3200">
+              <a:solidFill>
+                <a:schemeClr val="dk1"/>
+              </a:solidFill>
+              <a:latin typeface="Calibri"/>
+              <a:ea typeface="Calibri"/>
+              <a:cs typeface="Calibri"/>
+              <a:sym typeface="Calibri"/>
+            </a:endParaRPr>
+          </a:p>
+          <a:p>
+            <a:pPr indent="-342900" lvl="0" marL="342900" rtl="0" algn="l">
+              <a:spcBef>
+                <a:spcPts val="1200"/>
+              </a:spcBef>
+              <a:spcAft>
+                <a:spcPts val="0"/>
+              </a:spcAft>
+              <a:buClr>
+                <a:schemeClr val="dk1"/>
+              </a:buClr>
+              <a:buSzPts val="3200"/>
+              <a:buFont typeface="Calibri"/>
+              <a:buChar char="●"/>
+            </a:pPr>
+            <a:r>
+              <a:rPr lang="en-US" sz="3200">
+                <a:solidFill>
+                  <a:schemeClr val="dk1"/>
+                </a:solidFill>
+                <a:latin typeface="Calibri"/>
+                <a:ea typeface="Calibri"/>
+                <a:cs typeface="Calibri"/>
+                <a:sym typeface="Calibri"/>
+              </a:rPr>
+              <a:t>Bővíthetőség további modulokkal, pl. szabadság kezelés, túlóra-jóváhagyás, havi/jelenléti kimutatások.</a:t>
+            </a:r>
+            <a:endParaRPr sz="3200">
+              <a:solidFill>
+                <a:schemeClr val="dk1"/>
+              </a:solidFill>
+              <a:latin typeface="Calibri"/>
+              <a:ea typeface="Calibri"/>
+              <a:cs typeface="Calibri"/>
+              <a:sym typeface="Calibri"/>
+            </a:endParaRPr>
+          </a:p>
+          <a:p>
+            <a:pPr indent="-342900" lvl="0" marL="342900" rtl="0" algn="l">
+              <a:spcBef>
+                <a:spcPts val="1200"/>
+              </a:spcBef>
+              <a:spcAft>
+                <a:spcPts val="1200"/>
+              </a:spcAft>
+              <a:buClr>
+                <a:schemeClr val="dk1"/>
+              </a:buClr>
+              <a:buSzPts val="3200"/>
+              <a:buFont typeface="Calibri"/>
+              <a:buChar char="●"/>
+            </a:pPr>
+            <a:r>
+              <a:t/>
+            </a:r>
+            <a:endParaRPr sz="3200">
+              <a:solidFill>
+                <a:schemeClr val="dk1"/>
+              </a:solidFill>
+              <a:latin typeface="Calibri"/>
+              <a:ea typeface="Calibri"/>
+              <a:cs typeface="Calibri"/>
+              <a:sym typeface="Calibri"/>
+            </a:endParaRPr>
+          </a:p>
+        </p:txBody>
+      </p:sp>
+    </p:spTree>
+  </p:cSld>
+  <p:clrMapOvr>
+    <a:masterClrMapping/>
+  </p:clrMapOvr>
+</p:sld>
+</file>
+
+<file path=ppt/slides/slide22.xml><?xml version="1.0" encoding="utf-8"?>
+<p:sld xmlns:a="http://schemas.openxmlformats.org/drawingml/2006/main" xmlns:r="http://schemas.openxmlformats.org/officeDocument/2006/relationships" xmlns:mc="http://schemas.openxmlformats.org/markup-compatibility/2006" xmlns:mv="urn:schemas-microsoft-com:mac:vml" xmlns:p="http://schemas.openxmlformats.org/presentationml/2006/main" xmlns:c="http://schemas.openxmlformats.org/drawingml/2006/chart" xmlns:dgm="http://schemas.openxmlformats.org/drawingml/2006/diagram" xmlns:o="urn:schemas-microsoft-com:office:office" xmlns:v="urn:schemas-microsoft-com:vml" xmlns:pvml="urn:schemas-microsoft-com:office:powerpoint" xmlns:com="http://schemas.openxmlformats.org/drawingml/2006/compatibility" xmlns:p14="http://schemas.microsoft.com/office/powerpoint/2010/main" xmlns:p15="http://schemas.microsoft.com/office/powerpoint/2012/main" xmlns:ahyp="http://schemas.microsoft.com/office/drawing/2018/hyperlinkcolor">
+  <p:cSld>
+    <p:spTree>
+      <p:nvGrpSpPr>
+        <p:cNvPr id="191" name="Shape 191"/>
+        <p:cNvGrpSpPr/>
+        <p:nvPr/>
+      </p:nvGrpSpPr>
+      <p:grpSpPr>
+        <a:xfrm>
+          <a:off x="0" y="0"/>
+          <a:ext cx="0" cy="0"/>
+          <a:chOff x="0" y="0"/>
+          <a:chExt cx="0" cy="0"/>
+        </a:xfrm>
+      </p:grpSpPr>
+      <p:sp>
+        <p:nvSpPr>
+          <p:cNvPr id="192" name="Google Shape;192;p15"/>
+          <p:cNvSpPr txBox="1"/>
+          <p:nvPr>
+            <p:ph type="title"/>
+          </p:nvPr>
+        </p:nvSpPr>
+        <p:spPr>
+          <a:xfrm>
+            <a:off x="457200" y="274638"/>
+            <a:ext cx="8229600" cy="1143000"/>
+          </a:xfrm>
+          <a:prstGeom prst="rect">
+            <a:avLst/>
+          </a:prstGeom>
+          <a:noFill/>
+          <a:ln>
+            <a:noFill/>
+          </a:ln>
+        </p:spPr>
+        <p:txBody>
+          <a:bodyPr anchorCtr="0" anchor="ctr" bIns="45700" lIns="91425" spcFirstLastPara="1" rIns="91425" wrap="square" tIns="45700">
+            <a:normAutofit/>
+          </a:bodyPr>
+          <a:lstStyle/>
+          <a:p>
+            <a:pPr indent="0" lvl="0" marL="0" rtl="0" algn="ctr">
+              <a:spcBef>
+                <a:spcPts val="0"/>
+              </a:spcBef>
+              <a:spcAft>
+                <a:spcPts val="0"/>
+              </a:spcAft>
+              <a:buClr>
+                <a:schemeClr val="dk1"/>
+              </a:buClr>
+              <a:buSzPts val="4400"/>
+              <a:buFont typeface="Calibri"/>
+              <a:buNone/>
+            </a:pPr>
+            <a:r>
+              <a:rPr lang="en-US" sz="4400">
+                <a:solidFill>
+                  <a:schemeClr val="dk1"/>
+                </a:solidFill>
+                <a:latin typeface="Calibri"/>
+                <a:ea typeface="Calibri"/>
+                <a:cs typeface="Calibri"/>
+                <a:sym typeface="Calibri"/>
+              </a:rPr>
+              <a:t>Összegzés / Kérdések</a:t>
+            </a:r>
+            <a:endParaRPr/>
+          </a:p>
+        </p:txBody>
+      </p:sp>
+      <p:sp>
+        <p:nvSpPr>
+          <p:cNvPr id="193" name="Google Shape;193;p15"/>
+          <p:cNvSpPr txBox="1"/>
+          <p:nvPr>
+            <p:ph idx="1" type="body"/>
+          </p:nvPr>
+        </p:nvSpPr>
+        <p:spPr>
+          <a:xfrm>
+            <a:off x="457200" y="1600200"/>
+            <a:ext cx="8229600" cy="4525963"/>
+          </a:xfrm>
+          <a:prstGeom prst="rect">
+            <a:avLst/>
+          </a:prstGeom>
+          <a:noFill/>
+          <a:ln>
+            <a:noFill/>
+          </a:ln>
+        </p:spPr>
+        <p:txBody>
+          <a:bodyPr anchorCtr="0" anchor="t" bIns="45700" lIns="91425" spcFirstLastPara="1" rIns="91425" wrap="square" tIns="45700">
+            <a:normAutofit/>
+          </a:bodyPr>
+          <a:lstStyle/>
+          <a:p>
+            <a:pPr indent="-342900" lvl="0" marL="342900" rtl="0" algn="l">
+              <a:spcBef>
+                <a:spcPts val="0"/>
+              </a:spcBef>
+              <a:spcAft>
+                <a:spcPts val="0"/>
+              </a:spcAft>
+              <a:buClr>
+                <a:schemeClr val="dk1"/>
+              </a:buClr>
+              <a:buSzPts val="3200"/>
+              <a:buChar char="●"/>
+            </a:pPr>
+            <a:r>
+              <a:rPr lang="en-US" sz="3200">
+                <a:solidFill>
+                  <a:schemeClr val="dk1"/>
+                </a:solidFill>
+                <a:latin typeface="Calibri"/>
+                <a:ea typeface="Calibri"/>
+                <a:cs typeface="Calibri"/>
+                <a:sym typeface="Calibri"/>
+              </a:rPr>
+              <a:t>Modern, biztonságos és bővíthető rendszer.</a:t>
+            </a:r>
+            <a:endParaRPr/>
+          </a:p>
+          <a:p>
+            <a:pPr indent="-342900" lvl="0" marL="342900" rtl="0" algn="l">
+              <a:spcBef>
+                <a:spcPts val="640"/>
+              </a:spcBef>
+              <a:spcAft>
+                <a:spcPts val="1200"/>
+              </a:spcAft>
+              <a:buClr>
+                <a:schemeClr val="dk1"/>
+              </a:buClr>
+              <a:buSzPts val="3200"/>
+              <a:buChar char="●"/>
+            </a:pPr>
+            <a:r>
+              <a:rPr lang="en-US" sz="3200">
+                <a:solidFill>
+                  <a:schemeClr val="dk1"/>
+                </a:solidFill>
+                <a:latin typeface="Calibri"/>
+                <a:ea typeface="Calibri"/>
+                <a:cs typeface="Calibri"/>
+                <a:sym typeface="Calibri"/>
+              </a:rPr>
+              <a:t>További ötletek, kérdések?</a:t>
+            </a:r>
+            <a:endParaRPr/>
+          </a:p>
+        </p:txBody>
+      </p:sp>
+    </p:spTree>
+  </p:cSld>
+  <p:clrMapOvr>
+    <a:masterClrMapping/>
+  </p:clrMapOvr>
+</p:sld>
+</file>
+
+<file path=ppt/slides/slide3.xml><?xml version="1.0" encoding="utf-8"?>
+<p:sld xmlns:a="http://schemas.openxmlformats.org/drawingml/2006/main" xmlns:r="http://schemas.openxmlformats.org/officeDocument/2006/relationships" xmlns:mc="http://schemas.openxmlformats.org/markup-compatibility/2006" xmlns:mv="urn:schemas-microsoft-com:mac:vml" xmlns:p="http://schemas.openxmlformats.org/presentationml/2006/main" xmlns:c="http://schemas.openxmlformats.org/drawingml/2006/chart" xmlns:dgm="http://schemas.openxmlformats.org/drawingml/2006/diagram" xmlns:o="urn:schemas-microsoft-com:office:office" xmlns:v="urn:schemas-microsoft-com:vml" xmlns:pvml="urn:schemas-microsoft-com:office:powerpoint" xmlns:com="http://schemas.openxmlformats.org/drawingml/2006/compatibility" xmlns:p14="http://schemas.microsoft.com/office/powerpoint/2010/main" xmlns:p15="http://schemas.microsoft.com/office/powerpoint/2012/main" xmlns:ahyp="http://schemas.microsoft.com/office/drawing/2018/hyperlinkcolor">
+  <p:cSld>
+    <p:spTree>
+      <p:nvGrpSpPr>
+        <p:cNvPr id="71" name="Shape 71"/>
+        <p:cNvGrpSpPr/>
+        <p:nvPr/>
+      </p:nvGrpSpPr>
+      <p:grpSpPr>
+        <a:xfrm>
+          <a:off x="0" y="0"/>
+          <a:ext cx="0" cy="0"/>
+          <a:chOff x="0" y="0"/>
+          <a:chExt cx="0" cy="0"/>
+        </a:xfrm>
+      </p:grpSpPr>
+      <p:sp>
+        <p:nvSpPr>
+          <p:cNvPr id="72" name="Google Shape;72;g34e6c35d3db_0_0"/>
+          <p:cNvSpPr txBox="1"/>
+          <p:nvPr>
+            <p:ph type="title"/>
+          </p:nvPr>
+        </p:nvSpPr>
+        <p:spPr>
+          <a:xfrm>
+            <a:off x="457200" y="274638"/>
+            <a:ext cx="8229600" cy="1143000"/>
+          </a:xfrm>
+          <a:prstGeom prst="rect">
+            <a:avLst/>
+          </a:prstGeom>
+        </p:spPr>
+        <p:txBody>
+          <a:bodyPr anchorCtr="0" anchor="ctr" bIns="45700" lIns="91425" spcFirstLastPara="1" rIns="91425" wrap="square" tIns="45700">
+            <a:normAutofit/>
+          </a:bodyPr>
+          <a:lstStyle/>
+          <a:p>
+            <a:pPr indent="0" lvl="0" marL="0" rtl="0" algn="ctr">
+              <a:spcBef>
+                <a:spcPts val="0"/>
+              </a:spcBef>
+              <a:spcAft>
+                <a:spcPts val="0"/>
+              </a:spcAft>
+              <a:buNone/>
+            </a:pPr>
+            <a:r>
+              <a:rPr lang="en-US"/>
+              <a:t>Login oldal</a:t>
+            </a:r>
+            <a:endParaRPr/>
+          </a:p>
+        </p:txBody>
+      </p:sp>
+      <p:sp>
+        <p:nvSpPr>
+          <p:cNvPr id="73" name="Google Shape;73;g34e6c35d3db_0_0"/>
+          <p:cNvSpPr txBox="1"/>
+          <p:nvPr>
+            <p:ph idx="1" type="body"/>
+          </p:nvPr>
+        </p:nvSpPr>
+        <p:spPr>
+          <a:xfrm>
+            <a:off x="457200" y="1600200"/>
+            <a:ext cx="8229600" cy="4526100"/>
+          </a:xfrm>
+          <a:prstGeom prst="rect">
+            <a:avLst/>
+          </a:prstGeom>
+        </p:spPr>
+        <p:txBody>
+          <a:bodyPr anchorCtr="0" anchor="t" bIns="45700" lIns="91425" spcFirstLastPara="1" rIns="91425" wrap="square" tIns="45700">
+            <a:normAutofit/>
+          </a:bodyPr>
+          <a:lstStyle/>
+          <a:p>
+            <a:pPr indent="0" lvl="0" marL="0" rtl="0" algn="l">
+              <a:spcBef>
+                <a:spcPts val="360"/>
+              </a:spcBef>
+              <a:spcAft>
+                <a:spcPts val="1200"/>
+              </a:spcAft>
+              <a:buNone/>
+            </a:pPr>
+            <a:r>
+              <a:t/>
+            </a:r>
+            <a:endParaRPr/>
+          </a:p>
+        </p:txBody>
+      </p:sp>
+      <p:pic>
+        <p:nvPicPr>
+          <p:cNvPr id="74" name="Google Shape;74;g34e6c35d3db_0_0" title="login.PNG"/>
+          <p:cNvPicPr preferRelativeResize="0"/>
+          <p:nvPr/>
+        </p:nvPicPr>
+        <p:blipFill>
+          <a:blip r:embed="rId3">
+            <a:alphaModFix/>
+          </a:blip>
+          <a:stretch>
+            <a:fillRect/>
+          </a:stretch>
+        </p:blipFill>
+        <p:spPr>
+          <a:xfrm>
+            <a:off x="2637775" y="2193746"/>
+            <a:ext cx="4094801" cy="4088000"/>
+          </a:xfrm>
+          <a:prstGeom prst="rect">
+            <a:avLst/>
+          </a:prstGeom>
+          <a:noFill/>
+          <a:ln>
+            <a:noFill/>
+          </a:ln>
+        </p:spPr>
+      </p:pic>
+    </p:spTree>
+  </p:cSld>
+  <p:clrMapOvr>
+    <a:masterClrMapping/>
+  </p:clrMapOvr>
+</p:sld>
+</file>
+
+<file path=ppt/slides/slide4.xml><?xml version="1.0" encoding="utf-8"?>
+<p:sld xmlns:a="http://schemas.openxmlformats.org/drawingml/2006/main" xmlns:r="http://schemas.openxmlformats.org/officeDocument/2006/relationships" xmlns:mc="http://schemas.openxmlformats.org/markup-compatibility/2006" xmlns:mv="urn:schemas-microsoft-com:mac:vml" xmlns:p="http://schemas.openxmlformats.org/presentationml/2006/main" xmlns:c="http://schemas.openxmlformats.org/drawingml/2006/chart" xmlns:dgm="http://schemas.openxmlformats.org/drawingml/2006/diagram" xmlns:o="urn:schemas-microsoft-com:office:office" xmlns:v="urn:schemas-microsoft-com:vml" xmlns:pvml="urn:schemas-microsoft-com:office:powerpoint" xmlns:com="http://schemas.openxmlformats.org/drawingml/2006/compatibility" xmlns:p14="http://schemas.microsoft.com/office/powerpoint/2010/main" xmlns:p15="http://schemas.microsoft.com/office/powerpoint/2012/main" xmlns:ahyp="http://schemas.microsoft.com/office/drawing/2018/hyperlinkcolor">
+  <p:cSld>
+    <p:spTree>
+      <p:nvGrpSpPr>
+        <p:cNvPr id="78" name="Shape 78"/>
+        <p:cNvGrpSpPr/>
+        <p:nvPr/>
+      </p:nvGrpSpPr>
+      <p:grpSpPr>
+        <a:xfrm>
+          <a:off x="0" y="0"/>
+          <a:ext cx="0" cy="0"/>
+          <a:chOff x="0" y="0"/>
+          <a:chExt cx="0" cy="0"/>
+        </a:xfrm>
+      </p:grpSpPr>
+      <p:sp>
+        <p:nvSpPr>
+          <p:cNvPr id="79" name="Google Shape;79;g34e6c35d3db_0_6"/>
+          <p:cNvSpPr txBox="1"/>
+          <p:nvPr>
+            <p:ph type="title"/>
+          </p:nvPr>
+        </p:nvSpPr>
+        <p:spPr>
+          <a:xfrm>
+            <a:off x="457200" y="274638"/>
+            <a:ext cx="8229600" cy="1143000"/>
+          </a:xfrm>
+          <a:prstGeom prst="rect">
+            <a:avLst/>
+          </a:prstGeom>
+        </p:spPr>
+        <p:txBody>
+          <a:bodyPr anchorCtr="0" anchor="ctr" bIns="45700" lIns="91425" spcFirstLastPara="1" rIns="91425" wrap="square" tIns="45700">
+            <a:normAutofit/>
+          </a:bodyPr>
+          <a:lstStyle/>
+          <a:p>
+            <a:pPr indent="0" lvl="0" marL="0" rtl="0" algn="ctr">
+              <a:spcBef>
+                <a:spcPts val="0"/>
+              </a:spcBef>
+              <a:spcAft>
+                <a:spcPts val="0"/>
+              </a:spcAft>
+              <a:buNone/>
+            </a:pPr>
+            <a:r>
+              <a:rPr lang="en-US"/>
+              <a:t>Admin felület</a:t>
+            </a:r>
+            <a:endParaRPr/>
+          </a:p>
+        </p:txBody>
+      </p:sp>
+      <p:sp>
+        <p:nvSpPr>
+          <p:cNvPr id="80" name="Google Shape;80;g34e6c35d3db_0_6"/>
+          <p:cNvSpPr txBox="1"/>
+          <p:nvPr>
+            <p:ph idx="1" type="body"/>
+          </p:nvPr>
+        </p:nvSpPr>
+        <p:spPr>
+          <a:xfrm>
+            <a:off x="457200" y="1600200"/>
+            <a:ext cx="8229600" cy="4526100"/>
+          </a:xfrm>
+          <a:prstGeom prst="rect">
+            <a:avLst/>
+          </a:prstGeom>
+        </p:spPr>
+        <p:txBody>
+          <a:bodyPr anchorCtr="0" anchor="t" bIns="45700" lIns="91425" spcFirstLastPara="1" rIns="91425" wrap="square" tIns="45700">
+            <a:normAutofit/>
+          </a:bodyPr>
+          <a:lstStyle/>
+          <a:p>
+            <a:pPr indent="0" lvl="0" marL="0" rtl="0" algn="l">
+              <a:spcBef>
+                <a:spcPts val="360"/>
+              </a:spcBef>
+              <a:spcAft>
+                <a:spcPts val="1200"/>
+              </a:spcAft>
+              <a:buNone/>
+            </a:pPr>
+            <a:r>
+              <a:t/>
+            </a:r>
+            <a:endParaRPr/>
+          </a:p>
+        </p:txBody>
+      </p:sp>
+      <p:pic>
+        <p:nvPicPr>
+          <p:cNvPr id="81" name="Google Shape;81;g34e6c35d3db_0_6" title="admin.PNG"/>
+          <p:cNvPicPr preferRelativeResize="0"/>
+          <p:nvPr/>
+        </p:nvPicPr>
+        <p:blipFill>
+          <a:blip r:embed="rId3">
+            <a:alphaModFix/>
+          </a:blip>
+          <a:stretch>
+            <a:fillRect/>
+          </a:stretch>
+        </p:blipFill>
+        <p:spPr>
+          <a:xfrm>
+            <a:off x="2945126" y="1829799"/>
+            <a:ext cx="3253750" cy="4526099"/>
+          </a:xfrm>
+          <a:prstGeom prst="rect">
+            <a:avLst/>
+          </a:prstGeom>
+          <a:noFill/>
+          <a:ln>
+            <a:noFill/>
+          </a:ln>
+        </p:spPr>
+      </p:pic>
+    </p:spTree>
+  </p:cSld>
+  <p:clrMapOvr>
+    <a:masterClrMapping/>
+  </p:clrMapOvr>
+</p:sld>
+</file>
+
+<file path=ppt/slides/slide5.xml><?xml version="1.0" encoding="utf-8"?>
+<p:sld xmlns:a="http://schemas.openxmlformats.org/drawingml/2006/main" xmlns:r="http://schemas.openxmlformats.org/officeDocument/2006/relationships" xmlns:mc="http://schemas.openxmlformats.org/markup-compatibility/2006" xmlns:mv="urn:schemas-microsoft-com:mac:vml" xmlns:p="http://schemas.openxmlformats.org/presentationml/2006/main" xmlns:c="http://schemas.openxmlformats.org/drawingml/2006/chart" xmlns:dgm="http://schemas.openxmlformats.org/drawingml/2006/diagram" xmlns:o="urn:schemas-microsoft-com:office:office" xmlns:v="urn:schemas-microsoft-com:vml" xmlns:pvml="urn:schemas-microsoft-com:office:powerpoint" xmlns:com="http://schemas.openxmlformats.org/drawingml/2006/compatibility" xmlns:p14="http://schemas.microsoft.com/office/powerpoint/2010/main" xmlns:p15="http://schemas.microsoft.com/office/powerpoint/2012/main" xmlns:ahyp="http://schemas.microsoft.com/office/drawing/2018/hyperlinkcolor">
+  <p:cSld>
+    <p:spTree>
+      <p:nvGrpSpPr>
+        <p:cNvPr id="85" name="Shape 85"/>
+        <p:cNvGrpSpPr/>
+        <p:nvPr/>
+      </p:nvGrpSpPr>
+      <p:grpSpPr>
+        <a:xfrm>
+          <a:off x="0" y="0"/>
+          <a:ext cx="0" cy="0"/>
+          <a:chOff x="0" y="0"/>
+          <a:chExt cx="0" cy="0"/>
+        </a:xfrm>
+      </p:grpSpPr>
+      <p:sp>
+        <p:nvSpPr>
+          <p:cNvPr id="86" name="Google Shape;86;g34e6c35d3db_0_12"/>
+          <p:cNvSpPr txBox="1"/>
+          <p:nvPr>
+            <p:ph type="title"/>
+          </p:nvPr>
+        </p:nvSpPr>
+        <p:spPr>
+          <a:xfrm>
+            <a:off x="457200" y="274638"/>
+            <a:ext cx="8229600" cy="1143000"/>
+          </a:xfrm>
+          <a:prstGeom prst="rect">
+            <a:avLst/>
+          </a:prstGeom>
+        </p:spPr>
+        <p:txBody>
+          <a:bodyPr anchorCtr="0" anchor="ctr" bIns="45700" lIns="91425" spcFirstLastPara="1" rIns="91425" wrap="square" tIns="45700">
+            <a:normAutofit/>
+          </a:bodyPr>
+          <a:lstStyle/>
+          <a:p>
+            <a:pPr indent="0" lvl="0" marL="0" rtl="0" algn="ctr">
+              <a:spcBef>
+                <a:spcPts val="0"/>
+              </a:spcBef>
+              <a:spcAft>
+                <a:spcPts val="0"/>
+              </a:spcAft>
+              <a:buNone/>
+            </a:pPr>
+            <a:r>
+              <a:rPr lang="en-US"/>
+              <a:t>Dolgozói felület</a:t>
+            </a:r>
+            <a:endParaRPr/>
+          </a:p>
+        </p:txBody>
+      </p:sp>
+      <p:sp>
+        <p:nvSpPr>
+          <p:cNvPr id="87" name="Google Shape;87;g34e6c35d3db_0_12"/>
+          <p:cNvSpPr txBox="1"/>
+          <p:nvPr>
+            <p:ph idx="1" type="body"/>
+          </p:nvPr>
+        </p:nvSpPr>
+        <p:spPr>
+          <a:xfrm>
+            <a:off x="457200" y="1600200"/>
+            <a:ext cx="8229600" cy="4526100"/>
+          </a:xfrm>
+          <a:prstGeom prst="rect">
+            <a:avLst/>
+          </a:prstGeom>
+        </p:spPr>
+        <p:txBody>
+          <a:bodyPr anchorCtr="0" anchor="t" bIns="45700" lIns="91425" spcFirstLastPara="1" rIns="91425" wrap="square" tIns="45700">
+            <a:normAutofit/>
+          </a:bodyPr>
+          <a:lstStyle/>
+          <a:p>
+            <a:pPr indent="0" lvl="0" marL="0" rtl="0" algn="l">
+              <a:spcBef>
+                <a:spcPts val="360"/>
+              </a:spcBef>
+              <a:spcAft>
+                <a:spcPts val="1200"/>
+              </a:spcAft>
+              <a:buNone/>
+            </a:pPr>
+            <a:r>
+              <a:t/>
+            </a:r>
+            <a:endParaRPr/>
+          </a:p>
+        </p:txBody>
+      </p:sp>
+      <p:pic>
+        <p:nvPicPr>
+          <p:cNvPr id="88" name="Google Shape;88;g34e6c35d3db_0_12" title="user.PNG"/>
+          <p:cNvPicPr preferRelativeResize="0"/>
+          <p:nvPr/>
+        </p:nvPicPr>
+        <p:blipFill>
+          <a:blip r:embed="rId3">
+            <a:alphaModFix/>
+          </a:blip>
+          <a:stretch>
+            <a:fillRect/>
+          </a:stretch>
+        </p:blipFill>
+        <p:spPr>
+          <a:xfrm>
+            <a:off x="2842897" y="2006847"/>
+            <a:ext cx="3458200" cy="4254625"/>
+          </a:xfrm>
+          <a:prstGeom prst="rect">
+            <a:avLst/>
+          </a:prstGeom>
+          <a:noFill/>
+          <a:ln>
+            <a:noFill/>
+          </a:ln>
+        </p:spPr>
+      </p:pic>
+    </p:spTree>
+  </p:cSld>
+  <p:clrMapOvr>
+    <a:masterClrMapping/>
+  </p:clrMapOvr>
+</p:sld>
+</file>
+
+<file path=ppt/slides/slide6.xml><?xml version="1.0" encoding="utf-8"?>
+<p:sld xmlns:a="http://schemas.openxmlformats.org/drawingml/2006/main" xmlns:r="http://schemas.openxmlformats.org/officeDocument/2006/relationships" xmlns:mc="http://schemas.openxmlformats.org/markup-compatibility/2006" xmlns:mv="urn:schemas-microsoft-com:mac:vml" xmlns:p="http://schemas.openxmlformats.org/presentationml/2006/main" xmlns:c="http://schemas.openxmlformats.org/drawingml/2006/chart" xmlns:dgm="http://schemas.openxmlformats.org/drawingml/2006/diagram" xmlns:o="urn:schemas-microsoft-com:office:office" xmlns:v="urn:schemas-microsoft-com:vml" xmlns:pvml="urn:schemas-microsoft-com:office:powerpoint" xmlns:com="http://schemas.openxmlformats.org/drawingml/2006/compatibility" xmlns:p14="http://schemas.microsoft.com/office/powerpoint/2010/main" xmlns:p15="http://schemas.microsoft.com/office/powerpoint/2012/main" xmlns:ahyp="http://schemas.microsoft.com/office/drawing/2018/hyperlinkcolor">
+  <p:cSld>
+    <p:spTree>
+      <p:nvGrpSpPr>
+        <p:cNvPr id="92" name="Shape 92"/>
+        <p:cNvGrpSpPr/>
+        <p:nvPr/>
+      </p:nvGrpSpPr>
+      <p:grpSpPr>
+        <a:xfrm>
+          <a:off x="0" y="0"/>
+          <a:ext cx="0" cy="0"/>
+          <a:chOff x="0" y="0"/>
+          <a:chExt cx="0" cy="0"/>
+        </a:xfrm>
+      </p:grpSpPr>
+      <p:sp>
+        <p:nvSpPr>
+          <p:cNvPr id="93" name="Google Shape;93;p3"/>
+          <p:cNvSpPr txBox="1"/>
+          <p:nvPr>
+            <p:ph type="title"/>
+          </p:nvPr>
+        </p:nvSpPr>
+        <p:spPr>
+          <a:xfrm>
+            <a:off x="457200" y="274638"/>
+            <a:ext cx="8229600" cy="1143000"/>
+          </a:xfrm>
+          <a:prstGeom prst="rect">
+            <a:avLst/>
+          </a:prstGeom>
+          <a:noFill/>
+          <a:ln>
+            <a:noFill/>
+          </a:ln>
+        </p:spPr>
+        <p:txBody>
+          <a:bodyPr anchorCtr="0" anchor="ctr" bIns="45700" lIns="91425" spcFirstLastPara="1" rIns="91425" wrap="square" tIns="45700">
+            <a:normAutofit/>
+          </a:bodyPr>
+          <a:lstStyle/>
+          <a:p>
+            <a:pPr indent="0" lvl="0" marL="0" rtl="0" algn="ctr">
               <a:spcBef>
                 <a:spcPts val="0"/>
               </a:spcBef>
@@ -9518,12 +11662,10 @@
       </p:sp>
       <p:sp>
         <p:nvSpPr>
-          <p:cNvPr id="73" name="Google Shape;73;p3"/>
-          <p:cNvSpPr txBox="1">
-            <a:spLocks noGrp="1"/>
-          </p:cNvSpPr>
+          <p:cNvPr id="94" name="Google Shape;94;p3"/>
+          <p:cNvSpPr txBox="1"/>
           <p:nvPr>
-            <p:ph type="body" idx="1"/>
+            <p:ph idx="1" type="body"/>
           </p:nvPr>
         </p:nvSpPr>
         <p:spPr>
@@ -9540,12 +11682,12 @@
           </a:ln>
         </p:spPr>
         <p:txBody>
-          <a:bodyPr spcFirstLastPara="1" wrap="square" lIns="91425" tIns="45700" rIns="91425" bIns="45700" anchor="t" anchorCtr="0">
+          <a:bodyPr anchorCtr="0" anchor="t" bIns="45700" lIns="91425" spcFirstLastPara="1" rIns="91425" wrap="square" tIns="45700">
             <a:normAutofit/>
           </a:bodyPr>
           <a:lstStyle/>
           <a:p>
-            <a:pPr marL="342900" lvl="0" indent="-342900" algn="l" rtl="0">
+            <a:pPr indent="-342900" lvl="0" marL="342900" rtl="0" algn="l">
               <a:spcBef>
                 <a:spcPts val="0"/>
               </a:spcBef>
@@ -9573,7 +11715,7 @@
             <a:endParaRPr/>
           </a:p>
           <a:p>
-            <a:pPr marL="342900" lvl="0" indent="-342900" algn="l" rtl="0">
+            <a:pPr indent="-342900" lvl="0" marL="342900" rtl="0" algn="l">
               <a:spcBef>
                 <a:spcPts val="640"/>
               </a:spcBef>
@@ -9601,7 +11743,7 @@
             <a:endParaRPr/>
           </a:p>
           <a:p>
-            <a:pPr marL="342900" lvl="0" indent="-342900" algn="l" rtl="0">
+            <a:pPr indent="-342900" lvl="0" marL="342900" rtl="0" algn="l">
               <a:spcBef>
                 <a:spcPts val="640"/>
               </a:spcBef>
@@ -9629,7 +11771,7 @@
             <a:endParaRPr/>
           </a:p>
           <a:p>
-            <a:pPr marL="342900" lvl="0" indent="-342900" algn="l" rtl="0">
+            <a:pPr indent="-342900" lvl="0" marL="342900" rtl="0" algn="l">
               <a:spcBef>
                 <a:spcPts val="640"/>
               </a:spcBef>
@@ -9666,12 +11808,12 @@
 </p:sld>
 </file>
 
-<file path=ppt/slides/slide4.xml><?xml version="1.0" encoding="utf-8"?>
-<p:sld xmlns:a="http://schemas.openxmlformats.org/drawingml/2006/main" xmlns:r="http://schemas.openxmlformats.org/officeDocument/2006/relationships" xmlns:p="http://schemas.openxmlformats.org/presentationml/2006/main">
+<file path=ppt/slides/slide7.xml><?xml version="1.0" encoding="utf-8"?>
+<p:sld xmlns:a="http://schemas.openxmlformats.org/drawingml/2006/main" xmlns:r="http://schemas.openxmlformats.org/officeDocument/2006/relationships" xmlns:mc="http://schemas.openxmlformats.org/markup-compatibility/2006" xmlns:mv="urn:schemas-microsoft-com:mac:vml" xmlns:p="http://schemas.openxmlformats.org/presentationml/2006/main" xmlns:c="http://schemas.openxmlformats.org/drawingml/2006/chart" xmlns:dgm="http://schemas.openxmlformats.org/drawingml/2006/diagram" xmlns:o="urn:schemas-microsoft-com:office:office" xmlns:v="urn:schemas-microsoft-com:vml" xmlns:pvml="urn:schemas-microsoft-com:office:powerpoint" xmlns:com="http://schemas.openxmlformats.org/drawingml/2006/compatibility" xmlns:p14="http://schemas.microsoft.com/office/powerpoint/2010/main" xmlns:p15="http://schemas.microsoft.com/office/powerpoint/2012/main" xmlns:ahyp="http://schemas.microsoft.com/office/drawing/2018/hyperlinkcolor">
   <p:cSld>
     <p:spTree>
       <p:nvGrpSpPr>
-        <p:cNvPr id="1" name="Shape 77"/>
+        <p:cNvPr id="98" name="Shape 98"/>
         <p:cNvGrpSpPr/>
         <p:nvPr/>
       </p:nvGrpSpPr>
@@ -9685,10 +11827,8 @@
       </p:grpSpPr>
       <p:sp>
         <p:nvSpPr>
-          <p:cNvPr id="78" name="Google Shape;78;p4"/>
-          <p:cNvSpPr txBox="1">
-            <a:spLocks noGrp="1"/>
-          </p:cNvSpPr>
+          <p:cNvPr id="99" name="Google Shape;99;p4"/>
+          <p:cNvSpPr txBox="1"/>
           <p:nvPr>
             <p:ph type="title"/>
           </p:nvPr>
@@ -9707,12 +11847,12 @@
           </a:ln>
         </p:spPr>
         <p:txBody>
-          <a:bodyPr spcFirstLastPara="1" wrap="square" lIns="91425" tIns="45700" rIns="91425" bIns="45700" anchor="ctr" anchorCtr="0">
+          <a:bodyPr anchorCtr="0" anchor="ctr" bIns="45700" lIns="91425" spcFirstLastPara="1" rIns="91425" wrap="square" tIns="45700">
             <a:normAutofit/>
           </a:bodyPr>
           <a:lstStyle/>
           <a:p>
-            <a:pPr marL="0" lvl="0" indent="0" algn="ctr" rtl="0">
+            <a:pPr indent="0" lvl="0" marL="0" rtl="0" algn="ctr">
               <a:spcBef>
                 <a:spcPts val="0"/>
               </a:spcBef>
@@ -9744,12 +11884,10 @@
       </p:sp>
       <p:sp>
         <p:nvSpPr>
-          <p:cNvPr id="79" name="Google Shape;79;p4"/>
-          <p:cNvSpPr txBox="1">
-            <a:spLocks noGrp="1"/>
-          </p:cNvSpPr>
+          <p:cNvPr id="100" name="Google Shape;100;p4"/>
+          <p:cNvSpPr txBox="1"/>
           <p:nvPr>
-            <p:ph type="body" idx="1"/>
+            <p:ph idx="1" type="body"/>
           </p:nvPr>
         </p:nvSpPr>
         <p:spPr>
@@ -9766,12 +11904,12 @@
           </a:ln>
         </p:spPr>
         <p:txBody>
-          <a:bodyPr spcFirstLastPara="1" wrap="square" lIns="91425" tIns="45700" rIns="91425" bIns="45700" anchor="t" anchorCtr="0">
+          <a:bodyPr anchorCtr="0" anchor="t" bIns="45700" lIns="91425" spcFirstLastPara="1" rIns="91425" wrap="square" tIns="45700">
             <a:normAutofit/>
           </a:bodyPr>
           <a:lstStyle/>
           <a:p>
-            <a:pPr marL="342900" lvl="0" indent="-342900" algn="l" rtl="0">
+            <a:pPr indent="-342900" lvl="0" marL="342900" rtl="0" algn="l">
               <a:spcBef>
                 <a:spcPts val="0"/>
               </a:spcBef>
@@ -9799,7 +11937,7 @@
             <a:endParaRPr/>
           </a:p>
           <a:p>
-            <a:pPr marL="342900" lvl="0" indent="-342900" algn="l" rtl="0">
+            <a:pPr indent="-342900" lvl="0" marL="342900" rtl="0" algn="l">
               <a:spcBef>
                 <a:spcPts val="640"/>
               </a:spcBef>
@@ -9827,7 +11965,7 @@
             <a:endParaRPr/>
           </a:p>
           <a:p>
-            <a:pPr marL="342900" lvl="0" indent="-342900" algn="l" rtl="0">
+            <a:pPr indent="-342900" lvl="0" marL="342900" rtl="0" algn="l">
               <a:spcBef>
                 <a:spcPts val="640"/>
               </a:spcBef>
@@ -9855,7 +11993,7 @@
             <a:endParaRPr/>
           </a:p>
           <a:p>
-            <a:pPr marL="342900" lvl="0" indent="-342900" algn="l" rtl="0">
+            <a:pPr indent="-342900" lvl="0" marL="342900" rtl="0" algn="l">
               <a:spcBef>
                 <a:spcPts val="640"/>
               </a:spcBef>
@@ -9878,7 +12016,19 @@
                 <a:cs typeface="Calibri"/>
                 <a:sym typeface="Calibri"/>
               </a:rPr>
-              <a:t> Token alapú védelem</a:t>
+              <a:t> </a:t>
+            </a:r>
+            <a:r>
+              <a:rPr lang="en-US" sz="3200">
+                <a:solidFill>
+                  <a:schemeClr val="dk1"/>
+                </a:solidFill>
+                <a:latin typeface="Calibri"/>
+                <a:ea typeface="Calibri"/>
+                <a:cs typeface="Calibri"/>
+                <a:sym typeface="Calibri"/>
+              </a:rPr>
+              <a:t>Token alapú védelem</a:t>
             </a:r>
             <a:endParaRPr/>
           </a:p>
@@ -9892,12 +12042,12 @@
 </p:sld>
 </file>
 
-<file path=ppt/slides/slide5.xml><?xml version="1.0" encoding="utf-8"?>
-<p:sld xmlns:a="http://schemas.openxmlformats.org/drawingml/2006/main" xmlns:r="http://schemas.openxmlformats.org/officeDocument/2006/relationships" xmlns:p="http://schemas.openxmlformats.org/presentationml/2006/main">
+<file path=ppt/slides/slide8.xml><?xml version="1.0" encoding="utf-8"?>
+<p:sld xmlns:a="http://schemas.openxmlformats.org/drawingml/2006/main" xmlns:r="http://schemas.openxmlformats.org/officeDocument/2006/relationships" xmlns:mc="http://schemas.openxmlformats.org/markup-compatibility/2006" xmlns:mv="urn:schemas-microsoft-com:mac:vml" xmlns:p="http://schemas.openxmlformats.org/presentationml/2006/main" xmlns:c="http://schemas.openxmlformats.org/drawingml/2006/chart" xmlns:dgm="http://schemas.openxmlformats.org/drawingml/2006/diagram" xmlns:o="urn:schemas-microsoft-com:office:office" xmlns:v="urn:schemas-microsoft-com:vml" xmlns:pvml="urn:schemas-microsoft-com:office:powerpoint" xmlns:com="http://schemas.openxmlformats.org/drawingml/2006/compatibility" xmlns:p14="http://schemas.microsoft.com/office/powerpoint/2010/main" xmlns:p15="http://schemas.microsoft.com/office/powerpoint/2012/main" xmlns:ahyp="http://schemas.microsoft.com/office/drawing/2018/hyperlinkcolor">
   <p:cSld>
     <p:spTree>
       <p:nvGrpSpPr>
-        <p:cNvPr id="1" name="Shape 83"/>
+        <p:cNvPr id="104" name="Shape 104"/>
         <p:cNvGrpSpPr/>
         <p:nvPr/>
       </p:nvGrpSpPr>
@@ -9911,10 +12061,8 @@
       </p:grpSpPr>
       <p:sp>
         <p:nvSpPr>
-          <p:cNvPr id="84" name="Google Shape;84;p5"/>
-          <p:cNvSpPr txBox="1">
-            <a:spLocks noGrp="1"/>
-          </p:cNvSpPr>
+          <p:cNvPr id="105" name="Google Shape;105;p5"/>
+          <p:cNvSpPr txBox="1"/>
           <p:nvPr>
             <p:ph type="title"/>
           </p:nvPr>
@@ -9933,12 +12081,12 @@
           </a:ln>
         </p:spPr>
         <p:txBody>
-          <a:bodyPr spcFirstLastPara="1" wrap="square" lIns="91425" tIns="45700" rIns="91425" bIns="45700" anchor="ctr" anchorCtr="0">
+          <a:bodyPr anchorCtr="0" anchor="ctr" bIns="45700" lIns="91425" spcFirstLastPara="1" rIns="91425" wrap="square" tIns="45700">
             <a:normAutofit/>
           </a:bodyPr>
           <a:lstStyle/>
           <a:p>
-            <a:pPr marL="0" lvl="0" indent="0" algn="ctr" rtl="0">
+            <a:pPr indent="0" lvl="0" marL="0" rtl="0" algn="ctr">
               <a:spcBef>
                 <a:spcPts val="0"/>
               </a:spcBef>
@@ -9970,12 +12118,10 @@
       </p:sp>
       <p:sp>
         <p:nvSpPr>
-          <p:cNvPr id="85" name="Google Shape;85;p5"/>
-          <p:cNvSpPr txBox="1">
-            <a:spLocks noGrp="1"/>
-          </p:cNvSpPr>
+          <p:cNvPr id="106" name="Google Shape;106;p5"/>
+          <p:cNvSpPr txBox="1"/>
           <p:nvPr>
-            <p:ph type="body" idx="1"/>
+            <p:ph idx="1" type="body"/>
           </p:nvPr>
         </p:nvSpPr>
         <p:spPr>
@@ -9992,12 +12138,12 @@
           </a:ln>
         </p:spPr>
         <p:txBody>
-          <a:bodyPr spcFirstLastPara="1" wrap="square" lIns="91425" tIns="45700" rIns="91425" bIns="45700" anchor="t" anchorCtr="0">
+          <a:bodyPr anchorCtr="0" anchor="t" bIns="45700" lIns="91425" spcFirstLastPara="1" rIns="91425" wrap="square" tIns="45700">
             <a:normAutofit/>
           </a:bodyPr>
           <a:lstStyle/>
           <a:p>
-            <a:pPr marL="342900" lvl="0" indent="-342900" algn="l" rtl="0">
+            <a:pPr indent="-342900" lvl="0" marL="342900" rtl="0" algn="l">
               <a:spcBef>
                 <a:spcPts val="0"/>
               </a:spcBef>
@@ -10025,7 +12171,7 @@
             <a:endParaRPr/>
           </a:p>
           <a:p>
-            <a:pPr marL="342900" lvl="0" indent="-342900" algn="l" rtl="0">
+            <a:pPr indent="-342900" lvl="0" marL="342900" rtl="0" algn="l">
               <a:spcBef>
                 <a:spcPts val="640"/>
               </a:spcBef>
@@ -10053,7 +12199,7 @@
             <a:endParaRPr/>
           </a:p>
           <a:p>
-            <a:pPr marL="342900" lvl="0" indent="-342900" algn="l" rtl="0">
+            <a:pPr indent="-342900" lvl="0" marL="342900" rtl="0" algn="l">
               <a:spcBef>
                 <a:spcPts val="640"/>
               </a:spcBef>
@@ -10090,12 +12236,12 @@
 </p:sld>
 </file>
 
-<file path=ppt/slides/slide6.xml><?xml version="1.0" encoding="utf-8"?>
-<p:sld xmlns:a="http://schemas.openxmlformats.org/drawingml/2006/main" xmlns:r="http://schemas.openxmlformats.org/officeDocument/2006/relationships" xmlns:p="http://schemas.openxmlformats.org/presentationml/2006/main">
+<file path=ppt/slides/slide9.xml><?xml version="1.0" encoding="utf-8"?>
+<p:sld xmlns:a="http://schemas.openxmlformats.org/drawingml/2006/main" xmlns:r="http://schemas.openxmlformats.org/officeDocument/2006/relationships" xmlns:mc="http://schemas.openxmlformats.org/markup-compatibility/2006" xmlns:mv="urn:schemas-microsoft-com:mac:vml" xmlns:p="http://schemas.openxmlformats.org/presentationml/2006/main" xmlns:c="http://schemas.openxmlformats.org/drawingml/2006/chart" xmlns:dgm="http://schemas.openxmlformats.org/drawingml/2006/diagram" xmlns:o="urn:schemas-microsoft-com:office:office" xmlns:v="urn:schemas-microsoft-com:vml" xmlns:pvml="urn:schemas-microsoft-com:office:powerpoint" xmlns:com="http://schemas.openxmlformats.org/drawingml/2006/compatibility" xmlns:p14="http://schemas.microsoft.com/office/powerpoint/2010/main" xmlns:p15="http://schemas.microsoft.com/office/powerpoint/2012/main" xmlns:ahyp="http://schemas.microsoft.com/office/drawing/2018/hyperlinkcolor">
   <p:cSld>
     <p:spTree>
       <p:nvGrpSpPr>
-        <p:cNvPr id="1" name="Shape 89"/>
+        <p:cNvPr id="110" name="Shape 110"/>
         <p:cNvGrpSpPr/>
         <p:nvPr/>
       </p:nvGrpSpPr>
@@ -10109,10 +12255,8 @@
       </p:grpSpPr>
       <p:sp>
         <p:nvSpPr>
-          <p:cNvPr id="90" name="Google Shape;90;p6"/>
-          <p:cNvSpPr txBox="1">
-            <a:spLocks noGrp="1"/>
-          </p:cNvSpPr>
+          <p:cNvPr id="111" name="Google Shape;111;g34e6c35d3db_0_32"/>
+          <p:cNvSpPr txBox="1"/>
           <p:nvPr>
             <p:ph type="title"/>
           </p:nvPr>
@@ -10121,6 +12265,91 @@
           <a:xfrm>
             <a:off x="457200" y="274638"/>
             <a:ext cx="8229600" cy="1143000"/>
+          </a:xfrm>
+          <a:prstGeom prst="rect">
+            <a:avLst/>
+          </a:prstGeom>
+        </p:spPr>
+        <p:txBody>
+          <a:bodyPr anchorCtr="0" anchor="ctr" bIns="45700" lIns="91425" spcFirstLastPara="1" rIns="91425" wrap="square" tIns="45700">
+            <a:normAutofit/>
+          </a:bodyPr>
+          <a:lstStyle/>
+          <a:p>
+            <a:pPr indent="0" lvl="0" marL="0" rtl="0" algn="ctr">
+              <a:spcBef>
+                <a:spcPts val="0"/>
+              </a:spcBef>
+              <a:spcAft>
+                <a:spcPts val="0"/>
+              </a:spcAft>
+              <a:buNone/>
+            </a:pPr>
+            <a:r>
+              <a:rPr lang="en-US"/>
+              <a:t>Adattáblák</a:t>
+            </a:r>
+            <a:endParaRPr/>
+          </a:p>
+        </p:txBody>
+      </p:sp>
+      <p:sp>
+        <p:nvSpPr>
+          <p:cNvPr id="112" name="Google Shape;112;g34e6c35d3db_0_32"/>
+          <p:cNvSpPr txBox="1"/>
+          <p:nvPr>
+            <p:ph idx="1" type="body"/>
+          </p:nvPr>
+        </p:nvSpPr>
+        <p:spPr>
+          <a:xfrm>
+            <a:off x="457200" y="1600200"/>
+            <a:ext cx="8229600" cy="4526100"/>
+          </a:xfrm>
+          <a:prstGeom prst="rect">
+            <a:avLst/>
+          </a:prstGeom>
+        </p:spPr>
+        <p:txBody>
+          <a:bodyPr anchorCtr="0" anchor="t" bIns="45700" lIns="91425" spcFirstLastPara="1" rIns="91425" wrap="square" tIns="45700">
+            <a:normAutofit/>
+          </a:bodyPr>
+          <a:lstStyle/>
+          <a:p>
+            <a:pPr indent="0" lvl="0" marL="0" rtl="0" algn="l">
+              <a:spcBef>
+                <a:spcPts val="360"/>
+              </a:spcBef>
+              <a:spcAft>
+                <a:spcPts val="1200"/>
+              </a:spcAft>
+              <a:buNone/>
+            </a:pPr>
+            <a:r>
+              <a:t/>
+            </a:r>
+            <a:endParaRPr/>
+          </a:p>
+        </p:txBody>
+      </p:sp>
+      <p:pic>
+        <p:nvPicPr>
+          <p:cNvPr id="113" name="Google Shape;113;g34e6c35d3db_0_32"/>
+          <p:cNvPicPr preferRelativeResize="0"/>
+          <p:nvPr/>
+        </p:nvPicPr>
+        <p:blipFill>
+          <a:blip r:embed="rId3">
+            <a:alphaModFix/>
+          </a:blip>
+          <a:stretch>
+            <a:fillRect/>
+          </a:stretch>
+        </p:blipFill>
+        <p:spPr>
+          <a:xfrm>
+            <a:off x="2788135" y="1520100"/>
+            <a:ext cx="3769415" cy="4686299"/>
           </a:xfrm>
           <a:prstGeom prst="rect">
             <a:avLst/>
@@ -10130,765 +12359,7 @@
             <a:noFill/>
           </a:ln>
         </p:spPr>
-        <p:txBody>
-          <a:bodyPr spcFirstLastPara="1" wrap="square" lIns="91425" tIns="45700" rIns="91425" bIns="45700" anchor="ctr" anchorCtr="0">
-            <a:normAutofit/>
-          </a:bodyPr>
-          <a:lstStyle/>
-          <a:p>
-            <a:pPr marL="0" lvl="0" indent="0" algn="ctr" rtl="0">
-              <a:spcBef>
-                <a:spcPts val="0"/>
-              </a:spcBef>
-              <a:spcAft>
-                <a:spcPts val="0"/>
-              </a:spcAft>
-              <a:buClr>
-                <a:schemeClr val="dk1"/>
-              </a:buClr>
-              <a:buSzPts val="4400"/>
-              <a:buFont typeface="Calibri"/>
-              <a:buNone/>
-            </a:pPr>
-            <a:r>
-              <a:rPr lang="en-US" sz="4400">
-                <a:solidFill>
-                  <a:schemeClr val="dk1"/>
-                </a:solidFill>
-                <a:latin typeface="Calibri"/>
-                <a:ea typeface="Calibri"/>
-                <a:cs typeface="Calibri"/>
-                <a:sym typeface="Calibri"/>
-              </a:rPr>
-              <a:t>Dolgozók kezelése</a:t>
-            </a:r>
-            <a:endParaRPr/>
-          </a:p>
-        </p:txBody>
-      </p:sp>
-      <p:sp>
-        <p:nvSpPr>
-          <p:cNvPr id="91" name="Google Shape;91;p6"/>
-          <p:cNvSpPr txBox="1">
-            <a:spLocks noGrp="1"/>
-          </p:cNvSpPr>
-          <p:nvPr>
-            <p:ph type="body" idx="1"/>
-          </p:nvPr>
-        </p:nvSpPr>
-        <p:spPr>
-          <a:xfrm>
-            <a:off x="457200" y="1600200"/>
-            <a:ext cx="8229600" cy="4525963"/>
-          </a:xfrm>
-          <a:prstGeom prst="rect">
-            <a:avLst/>
-          </a:prstGeom>
-          <a:noFill/>
-          <a:ln>
-            <a:noFill/>
-          </a:ln>
-        </p:spPr>
-        <p:txBody>
-          <a:bodyPr spcFirstLastPara="1" wrap="square" lIns="91425" tIns="45700" rIns="91425" bIns="45700" anchor="t" anchorCtr="0">
-            <a:normAutofit/>
-          </a:bodyPr>
-          <a:lstStyle/>
-          <a:p>
-            <a:pPr marL="342900" lvl="0" indent="-342900" algn="l" rtl="0">
-              <a:spcBef>
-                <a:spcPts val="0"/>
-              </a:spcBef>
-              <a:spcAft>
-                <a:spcPts val="0"/>
-              </a:spcAft>
-              <a:buClr>
-                <a:schemeClr val="dk1"/>
-              </a:buClr>
-              <a:buSzPts val="3200"/>
-              <a:buChar char="●"/>
-            </a:pPr>
-            <a:r>
-              <a:rPr lang="en-US" sz="3200">
-                <a:solidFill>
-                  <a:schemeClr val="dk1"/>
-                </a:solidFill>
-                <a:latin typeface="Calibri"/>
-                <a:ea typeface="Calibri"/>
-                <a:cs typeface="Calibri"/>
-                <a:sym typeface="Calibri"/>
-              </a:rPr>
-              <a:t> Regisztráció során: név, felhasználónév, jelszó</a:t>
-            </a:r>
-            <a:endParaRPr/>
-          </a:p>
-          <a:p>
-            <a:pPr marL="342900" lvl="0" indent="-342900" algn="l" rtl="0">
-              <a:spcBef>
-                <a:spcPts val="640"/>
-              </a:spcBef>
-              <a:spcAft>
-                <a:spcPts val="0"/>
-              </a:spcAft>
-              <a:buClr>
-                <a:schemeClr val="dk1"/>
-              </a:buClr>
-              <a:buSzPts val="3200"/>
-              <a:buChar char="●"/>
-            </a:pPr>
-            <a:r>
-              <a:rPr lang="en-US" sz="3200">
-                <a:solidFill>
-                  <a:schemeClr val="dk1"/>
-                </a:solidFill>
-                <a:latin typeface="Calibri"/>
-                <a:ea typeface="Calibri"/>
-                <a:cs typeface="Calibri"/>
-                <a:sym typeface="Calibri"/>
-              </a:rPr>
-              <a:t> Admin jelölés (IsAdmin), ha 0 akkor dolgozó ha 1 akkor admin</a:t>
-            </a:r>
-            <a:endParaRPr/>
-          </a:p>
-          <a:p>
-            <a:pPr marL="342900" lvl="0" indent="-342900" algn="l" rtl="0">
-              <a:spcBef>
-                <a:spcPts val="640"/>
-              </a:spcBef>
-              <a:spcAft>
-                <a:spcPts val="1200"/>
-              </a:spcAft>
-              <a:buClr>
-                <a:schemeClr val="dk1"/>
-              </a:buClr>
-              <a:buSzPts val="3200"/>
-              <a:buChar char="●"/>
-            </a:pPr>
-            <a:r>
-              <a:rPr lang="en-US" sz="3200">
-                <a:solidFill>
-                  <a:schemeClr val="dk1"/>
-                </a:solidFill>
-                <a:latin typeface="Calibri"/>
-                <a:ea typeface="Calibri"/>
-                <a:cs typeface="Calibri"/>
-                <a:sym typeface="Calibri"/>
-              </a:rPr>
-              <a:t> BCrypt jelszótárolás</a:t>
-            </a:r>
-            <a:endParaRPr/>
-          </a:p>
-        </p:txBody>
-      </p:sp>
-    </p:spTree>
-  </p:cSld>
-  <p:clrMapOvr>
-    <a:masterClrMapping/>
-  </p:clrMapOvr>
-</p:sld>
-</file>
-
-<file path=ppt/slides/slide7.xml><?xml version="1.0" encoding="utf-8"?>
-<p:sld xmlns:a="http://schemas.openxmlformats.org/drawingml/2006/main" xmlns:r="http://schemas.openxmlformats.org/officeDocument/2006/relationships" xmlns:p="http://schemas.openxmlformats.org/presentationml/2006/main">
-  <p:cSld>
-    <p:spTree>
-      <p:nvGrpSpPr>
-        <p:cNvPr id="1" name="Shape 95"/>
-        <p:cNvGrpSpPr/>
-        <p:nvPr/>
-      </p:nvGrpSpPr>
-      <p:grpSpPr>
-        <a:xfrm>
-          <a:off x="0" y="0"/>
-          <a:ext cx="0" cy="0"/>
-          <a:chOff x="0" y="0"/>
-          <a:chExt cx="0" cy="0"/>
-        </a:xfrm>
-      </p:grpSpPr>
-      <p:sp>
-        <p:nvSpPr>
-          <p:cNvPr id="96" name="Google Shape;96;g34c024e3535_0_52"/>
-          <p:cNvSpPr txBox="1">
-            <a:spLocks noGrp="1"/>
-          </p:cNvSpPr>
-          <p:nvPr>
-            <p:ph type="title"/>
-          </p:nvPr>
-        </p:nvSpPr>
-        <p:spPr>
-          <a:xfrm>
-            <a:off x="457200" y="274638"/>
-            <a:ext cx="8229600" cy="1143000"/>
-          </a:xfrm>
-          <a:prstGeom prst="rect">
-            <a:avLst/>
-          </a:prstGeom>
-        </p:spPr>
-        <p:txBody>
-          <a:bodyPr spcFirstLastPara="1" wrap="square" lIns="91425" tIns="45700" rIns="91425" bIns="45700" anchor="ctr" anchorCtr="0">
-            <a:normAutofit/>
-          </a:bodyPr>
-          <a:lstStyle/>
-          <a:p>
-            <a:pPr marL="0" lvl="0" indent="0" algn="ctr" rtl="0">
-              <a:spcBef>
-                <a:spcPts val="0"/>
-              </a:spcBef>
-              <a:spcAft>
-                <a:spcPts val="0"/>
-              </a:spcAft>
-              <a:buNone/>
-            </a:pPr>
-            <a:r>
-              <a:rPr lang="en-US" sz="4400">
-                <a:latin typeface="Calibri"/>
-                <a:ea typeface="Calibri"/>
-                <a:cs typeface="Calibri"/>
-                <a:sym typeface="Calibri"/>
-              </a:rPr>
-              <a:t>DTO alkalmazása</a:t>
-            </a:r>
-            <a:r>
-              <a:rPr lang="en-US"/>
-              <a:t>	</a:t>
-            </a:r>
-            <a:endParaRPr/>
-          </a:p>
-        </p:txBody>
-      </p:sp>
-      <p:sp>
-        <p:nvSpPr>
-          <p:cNvPr id="97" name="Google Shape;97;g34c024e3535_0_52"/>
-          <p:cNvSpPr txBox="1">
-            <a:spLocks noGrp="1"/>
-          </p:cNvSpPr>
-          <p:nvPr>
-            <p:ph type="body" idx="1"/>
-          </p:nvPr>
-        </p:nvSpPr>
-        <p:spPr>
-          <a:xfrm>
-            <a:off x="457200" y="1600200"/>
-            <a:ext cx="8229600" cy="4526100"/>
-          </a:xfrm>
-          <a:prstGeom prst="rect">
-            <a:avLst/>
-          </a:prstGeom>
-        </p:spPr>
-        <p:txBody>
-          <a:bodyPr spcFirstLastPara="1" wrap="square" lIns="91425" tIns="45700" rIns="91425" bIns="45700" anchor="t" anchorCtr="0">
-            <a:normAutofit/>
-          </a:bodyPr>
-          <a:lstStyle/>
-          <a:p>
-            <a:pPr marL="0" lvl="0" indent="0" algn="just" rtl="0">
-              <a:lnSpc>
-                <a:spcPct val="115000"/>
-              </a:lnSpc>
-              <a:spcBef>
-                <a:spcPts val="1200"/>
-              </a:spcBef>
-              <a:spcAft>
-                <a:spcPts val="0"/>
-              </a:spcAft>
-              <a:buNone/>
-            </a:pPr>
-            <a:r>
-              <a:rPr lang="en-US" sz="3200">
-                <a:solidFill>
-                  <a:schemeClr val="dk1"/>
-                </a:solidFill>
-                <a:latin typeface="Calibri"/>
-                <a:ea typeface="Calibri"/>
-                <a:cs typeface="Calibri"/>
-                <a:sym typeface="Calibri"/>
-              </a:rPr>
-              <a:t>Az alkalmazásban DTO-k (Data Transfer Object) is alkalmazásra kerültek a bejelentkezési és regisztrációs folyamatokhoz (pl. LoginRequest, RegisterRequest).</a:t>
-            </a:r>
-            <a:endParaRPr sz="3200">
-              <a:solidFill>
-                <a:schemeClr val="dk1"/>
-              </a:solidFill>
-              <a:latin typeface="Calibri"/>
-              <a:ea typeface="Calibri"/>
-              <a:cs typeface="Calibri"/>
-              <a:sym typeface="Calibri"/>
-            </a:endParaRPr>
-          </a:p>
-          <a:p>
-            <a:pPr marL="0" lvl="0" indent="0" algn="just" rtl="0">
-              <a:lnSpc>
-                <a:spcPct val="150000"/>
-              </a:lnSpc>
-              <a:spcBef>
-                <a:spcPts val="1200"/>
-              </a:spcBef>
-              <a:spcAft>
-                <a:spcPts val="0"/>
-              </a:spcAft>
-              <a:buNone/>
-            </a:pPr>
-            <a:endParaRPr sz="1200">
-              <a:solidFill>
-                <a:schemeClr val="dk1"/>
-              </a:solidFill>
-            </a:endParaRPr>
-          </a:p>
-          <a:p>
-            <a:pPr marL="0" lvl="0" indent="0" algn="l" rtl="0">
-              <a:spcBef>
-                <a:spcPts val="1200"/>
-              </a:spcBef>
-              <a:spcAft>
-                <a:spcPts val="1200"/>
-              </a:spcAft>
-              <a:buNone/>
-            </a:pPr>
-            <a:endParaRPr/>
-          </a:p>
-        </p:txBody>
-      </p:sp>
-    </p:spTree>
-  </p:cSld>
-  <p:clrMapOvr>
-    <a:masterClrMapping/>
-  </p:clrMapOvr>
-</p:sld>
-</file>
-
-<file path=ppt/slides/slide8.xml><?xml version="1.0" encoding="utf-8"?>
-<p:sld xmlns:a="http://schemas.openxmlformats.org/drawingml/2006/main" xmlns:r="http://schemas.openxmlformats.org/officeDocument/2006/relationships" xmlns:p="http://schemas.openxmlformats.org/presentationml/2006/main">
-  <p:cSld>
-    <p:spTree>
-      <p:nvGrpSpPr>
-        <p:cNvPr id="1" name="Shape 101"/>
-        <p:cNvGrpSpPr/>
-        <p:nvPr/>
-      </p:nvGrpSpPr>
-      <p:grpSpPr>
-        <a:xfrm>
-          <a:off x="0" y="0"/>
-          <a:ext cx="0" cy="0"/>
-          <a:chOff x="0" y="0"/>
-          <a:chExt cx="0" cy="0"/>
-        </a:xfrm>
-      </p:grpSpPr>
-      <p:sp>
-        <p:nvSpPr>
-          <p:cNvPr id="102" name="Google Shape;102;p7"/>
-          <p:cNvSpPr txBox="1">
-            <a:spLocks noGrp="1"/>
-          </p:cNvSpPr>
-          <p:nvPr>
-            <p:ph type="title"/>
-          </p:nvPr>
-        </p:nvSpPr>
-        <p:spPr>
-          <a:xfrm>
-            <a:off x="457200" y="274638"/>
-            <a:ext cx="8229600" cy="1143000"/>
-          </a:xfrm>
-          <a:prstGeom prst="rect">
-            <a:avLst/>
-          </a:prstGeom>
-          <a:noFill/>
-          <a:ln>
-            <a:noFill/>
-          </a:ln>
-        </p:spPr>
-        <p:txBody>
-          <a:bodyPr spcFirstLastPara="1" wrap="square" lIns="91425" tIns="45700" rIns="91425" bIns="45700" anchor="ctr" anchorCtr="0">
-            <a:normAutofit/>
-          </a:bodyPr>
-          <a:lstStyle/>
-          <a:p>
-            <a:pPr marL="0" lvl="0" indent="0" algn="ctr" rtl="0">
-              <a:spcBef>
-                <a:spcPts val="0"/>
-              </a:spcBef>
-              <a:spcAft>
-                <a:spcPts val="0"/>
-              </a:spcAft>
-              <a:buClr>
-                <a:schemeClr val="dk1"/>
-              </a:buClr>
-              <a:buSzPts val="4400"/>
-              <a:buFont typeface="Calibri"/>
-              <a:buNone/>
-            </a:pPr>
-            <a:r>
-              <a:rPr lang="en-US" sz="4400">
-                <a:solidFill>
-                  <a:schemeClr val="dk1"/>
-                </a:solidFill>
-                <a:latin typeface="Calibri"/>
-                <a:ea typeface="Calibri"/>
-                <a:cs typeface="Calibri"/>
-                <a:sym typeface="Calibri"/>
-              </a:rPr>
-              <a:t>Be- és kijelentkezés logika</a:t>
-            </a:r>
-            <a:endParaRPr/>
-          </a:p>
-        </p:txBody>
-      </p:sp>
-      <p:sp>
-        <p:nvSpPr>
-          <p:cNvPr id="103" name="Google Shape;103;p7"/>
-          <p:cNvSpPr txBox="1">
-            <a:spLocks noGrp="1"/>
-          </p:cNvSpPr>
-          <p:nvPr>
-            <p:ph type="body" idx="1"/>
-          </p:nvPr>
-        </p:nvSpPr>
-        <p:spPr>
-          <a:xfrm>
-            <a:off x="457200" y="1600200"/>
-            <a:ext cx="8229600" cy="4525963"/>
-          </a:xfrm>
-          <a:prstGeom prst="rect">
-            <a:avLst/>
-          </a:prstGeom>
-          <a:noFill/>
-          <a:ln>
-            <a:noFill/>
-          </a:ln>
-        </p:spPr>
-        <p:txBody>
-          <a:bodyPr spcFirstLastPara="1" wrap="square" lIns="91425" tIns="45700" rIns="91425" bIns="45700" anchor="t" anchorCtr="0">
-            <a:normAutofit/>
-          </a:bodyPr>
-          <a:lstStyle/>
-          <a:p>
-            <a:pPr marL="342900" lvl="0" indent="-342900" algn="l" rtl="0">
-              <a:spcBef>
-                <a:spcPts val="0"/>
-              </a:spcBef>
-              <a:spcAft>
-                <a:spcPts val="0"/>
-              </a:spcAft>
-              <a:buClr>
-                <a:schemeClr val="dk1"/>
-              </a:buClr>
-              <a:buSzPts val="3200"/>
-              <a:buChar char="●"/>
-            </a:pPr>
-            <a:r>
-              <a:rPr lang="en-US" sz="3200">
-                <a:solidFill>
-                  <a:schemeClr val="dk1"/>
-                </a:solidFill>
-                <a:latin typeface="Calibri"/>
-                <a:ea typeface="Calibri"/>
-                <a:cs typeface="Calibri"/>
-                <a:sym typeface="Calibri"/>
-              </a:rPr>
-              <a:t> /check-in és /check-out végpontok</a:t>
-            </a:r>
-            <a:endParaRPr/>
-          </a:p>
-          <a:p>
-            <a:pPr marL="342900" lvl="0" indent="-342900" algn="l" rtl="0">
-              <a:spcBef>
-                <a:spcPts val="640"/>
-              </a:spcBef>
-              <a:spcAft>
-                <a:spcPts val="0"/>
-              </a:spcAft>
-              <a:buClr>
-                <a:schemeClr val="dk1"/>
-              </a:buClr>
-              <a:buSzPts val="3200"/>
-              <a:buChar char="●"/>
-            </a:pPr>
-            <a:r>
-              <a:rPr lang="en-US" sz="3200">
-                <a:solidFill>
-                  <a:schemeClr val="dk1"/>
-                </a:solidFill>
-                <a:latin typeface="Calibri"/>
-                <a:ea typeface="Calibri"/>
-                <a:cs typeface="Calibri"/>
-                <a:sym typeface="Calibri"/>
-              </a:rPr>
-              <a:t> Csak egy aktív műszak engedélyezett egyszerre</a:t>
-            </a:r>
-            <a:endParaRPr sz="3200">
-              <a:solidFill>
-                <a:schemeClr val="dk1"/>
-              </a:solidFill>
-              <a:latin typeface="Calibri"/>
-              <a:ea typeface="Calibri"/>
-              <a:cs typeface="Calibri"/>
-              <a:sym typeface="Calibri"/>
-            </a:endParaRPr>
-          </a:p>
-          <a:p>
-            <a:pPr marL="342900" lvl="0" indent="-342900" algn="l" rtl="0">
-              <a:spcBef>
-                <a:spcPts val="640"/>
-              </a:spcBef>
-              <a:spcAft>
-                <a:spcPts val="0"/>
-              </a:spcAft>
-              <a:buClr>
-                <a:schemeClr val="dk1"/>
-              </a:buClr>
-              <a:buSzPts val="3200"/>
-              <a:buFont typeface="Calibri"/>
-              <a:buChar char="●"/>
-            </a:pPr>
-            <a:r>
-              <a:rPr lang="en-US" sz="3200">
-                <a:solidFill>
-                  <a:schemeClr val="dk1"/>
-                </a:solidFill>
-                <a:latin typeface="Calibri"/>
-                <a:ea typeface="Calibri"/>
-                <a:cs typeface="Calibri"/>
-                <a:sym typeface="Calibri"/>
-              </a:rPr>
-              <a:t> munkaidő számláló megjelenítése</a:t>
-            </a:r>
-            <a:endParaRPr sz="3200">
-              <a:solidFill>
-                <a:schemeClr val="dk1"/>
-              </a:solidFill>
-              <a:latin typeface="Calibri"/>
-              <a:ea typeface="Calibri"/>
-              <a:cs typeface="Calibri"/>
-              <a:sym typeface="Calibri"/>
-            </a:endParaRPr>
-          </a:p>
-          <a:p>
-            <a:pPr marL="342900" lvl="0" indent="-342900" algn="l" rtl="0">
-              <a:spcBef>
-                <a:spcPts val="640"/>
-              </a:spcBef>
-              <a:spcAft>
-                <a:spcPts val="1200"/>
-              </a:spcAft>
-              <a:buClr>
-                <a:schemeClr val="dk1"/>
-              </a:buClr>
-              <a:buSzPts val="3200"/>
-              <a:buChar char="●"/>
-            </a:pPr>
-            <a:r>
-              <a:rPr lang="en-US" sz="3200">
-                <a:solidFill>
-                  <a:schemeClr val="dk1"/>
-                </a:solidFill>
-                <a:latin typeface="Calibri"/>
-                <a:ea typeface="Calibri"/>
-                <a:cs typeface="Calibri"/>
-                <a:sym typeface="Calibri"/>
-              </a:rPr>
-              <a:t> Kilépéskor automatikus időszámítás</a:t>
-            </a:r>
-            <a:endParaRPr/>
-          </a:p>
-        </p:txBody>
-      </p:sp>
-    </p:spTree>
-  </p:cSld>
-  <p:clrMapOvr>
-    <a:masterClrMapping/>
-  </p:clrMapOvr>
-</p:sld>
-</file>
-
-<file path=ppt/slides/slide9.xml><?xml version="1.0" encoding="utf-8"?>
-<p:sld xmlns:a="http://schemas.openxmlformats.org/drawingml/2006/main" xmlns:r="http://schemas.openxmlformats.org/officeDocument/2006/relationships" xmlns:p="http://schemas.openxmlformats.org/presentationml/2006/main">
-  <p:cSld>
-    <p:spTree>
-      <p:nvGrpSpPr>
-        <p:cNvPr id="1" name="Shape 107"/>
-        <p:cNvGrpSpPr/>
-        <p:nvPr/>
-      </p:nvGrpSpPr>
-      <p:grpSpPr>
-        <a:xfrm>
-          <a:off x="0" y="0"/>
-          <a:ext cx="0" cy="0"/>
-          <a:chOff x="0" y="0"/>
-          <a:chExt cx="0" cy="0"/>
-        </a:xfrm>
-      </p:grpSpPr>
-      <p:sp>
-        <p:nvSpPr>
-          <p:cNvPr id="108" name="Google Shape;108;p8"/>
-          <p:cNvSpPr txBox="1">
-            <a:spLocks noGrp="1"/>
-          </p:cNvSpPr>
-          <p:nvPr>
-            <p:ph type="title"/>
-          </p:nvPr>
-        </p:nvSpPr>
-        <p:spPr>
-          <a:xfrm>
-            <a:off x="457200" y="274638"/>
-            <a:ext cx="8229600" cy="1143000"/>
-          </a:xfrm>
-          <a:prstGeom prst="rect">
-            <a:avLst/>
-          </a:prstGeom>
-          <a:noFill/>
-          <a:ln>
-            <a:noFill/>
-          </a:ln>
-        </p:spPr>
-        <p:txBody>
-          <a:bodyPr spcFirstLastPara="1" wrap="square" lIns="91425" tIns="45700" rIns="91425" bIns="45700" anchor="ctr" anchorCtr="0">
-            <a:normAutofit/>
-          </a:bodyPr>
-          <a:lstStyle/>
-          <a:p>
-            <a:pPr marL="0" lvl="0" indent="0" algn="ctr" rtl="0">
-              <a:spcBef>
-                <a:spcPts val="0"/>
-              </a:spcBef>
-              <a:spcAft>
-                <a:spcPts val="0"/>
-              </a:spcAft>
-              <a:buClr>
-                <a:schemeClr val="dk1"/>
-              </a:buClr>
-              <a:buSzPts val="4400"/>
-              <a:buFont typeface="Calibri"/>
-              <a:buNone/>
-            </a:pPr>
-            <a:r>
-              <a:rPr lang="en-US" sz="4400">
-                <a:solidFill>
-                  <a:schemeClr val="dk1"/>
-                </a:solidFill>
-                <a:latin typeface="Calibri"/>
-                <a:ea typeface="Calibri"/>
-                <a:cs typeface="Calibri"/>
-                <a:sym typeface="Calibri"/>
-              </a:rPr>
-              <a:t>Munkaidő naplózás</a:t>
-            </a:r>
-            <a:endParaRPr/>
-          </a:p>
-        </p:txBody>
-      </p:sp>
-      <p:sp>
-        <p:nvSpPr>
-          <p:cNvPr id="109" name="Google Shape;109;p8"/>
-          <p:cNvSpPr txBox="1">
-            <a:spLocks noGrp="1"/>
-          </p:cNvSpPr>
-          <p:nvPr>
-            <p:ph type="body" idx="1"/>
-          </p:nvPr>
-        </p:nvSpPr>
-        <p:spPr>
-          <a:xfrm>
-            <a:off x="457200" y="1600200"/>
-            <a:ext cx="8229600" cy="4525963"/>
-          </a:xfrm>
-          <a:prstGeom prst="rect">
-            <a:avLst/>
-          </a:prstGeom>
-          <a:noFill/>
-          <a:ln>
-            <a:noFill/>
-          </a:ln>
-        </p:spPr>
-        <p:txBody>
-          <a:bodyPr spcFirstLastPara="1" wrap="square" lIns="91425" tIns="45700" rIns="91425" bIns="45700" anchor="t" anchorCtr="0">
-            <a:normAutofit/>
-          </a:bodyPr>
-          <a:lstStyle/>
-          <a:p>
-            <a:pPr marL="342900" lvl="0" indent="-342900" algn="l" rtl="0">
-              <a:spcBef>
-                <a:spcPts val="0"/>
-              </a:spcBef>
-              <a:spcAft>
-                <a:spcPts val="0"/>
-              </a:spcAft>
-              <a:buClr>
-                <a:schemeClr val="dk1"/>
-              </a:buClr>
-              <a:buSzPts val="3200"/>
-              <a:buChar char="●"/>
-            </a:pPr>
-            <a:r>
-              <a:rPr lang="en-US" sz="3200">
-                <a:solidFill>
-                  <a:schemeClr val="dk1"/>
-                </a:solidFill>
-                <a:latin typeface="Calibri"/>
-                <a:ea typeface="Calibri"/>
-                <a:cs typeface="Calibri"/>
-                <a:sym typeface="Calibri"/>
-              </a:rPr>
-              <a:t> Minden be- és kilépés rögzítése</a:t>
-            </a:r>
-            <a:endParaRPr/>
-          </a:p>
-          <a:p>
-            <a:pPr marL="342900" lvl="0" indent="-342900" algn="l" rtl="0">
-              <a:spcBef>
-                <a:spcPts val="640"/>
-              </a:spcBef>
-              <a:spcAft>
-                <a:spcPts val="0"/>
-              </a:spcAft>
-              <a:buClr>
-                <a:schemeClr val="dk1"/>
-              </a:buClr>
-              <a:buSzPts val="3200"/>
-              <a:buChar char="●"/>
-            </a:pPr>
-            <a:r>
-              <a:rPr lang="en-US" sz="3200">
-                <a:solidFill>
-                  <a:schemeClr val="dk1"/>
-                </a:solidFill>
-                <a:latin typeface="Calibri"/>
-                <a:ea typeface="Calibri"/>
-                <a:cs typeface="Calibri"/>
-                <a:sym typeface="Calibri"/>
-              </a:rPr>
-              <a:t> Havi szinten számolt ledolgozott idő</a:t>
-            </a:r>
-            <a:endParaRPr/>
-          </a:p>
-          <a:p>
-            <a:pPr marL="342900" lvl="0" indent="-342900" algn="l" rtl="0">
-              <a:spcBef>
-                <a:spcPts val="640"/>
-              </a:spcBef>
-              <a:spcAft>
-                <a:spcPts val="1200"/>
-              </a:spcAft>
-              <a:buClr>
-                <a:schemeClr val="dk1"/>
-              </a:buClr>
-              <a:buSzPts val="3200"/>
-              <a:buChar char="●"/>
-            </a:pPr>
-            <a:r>
-              <a:rPr lang="en-US" sz="3200">
-                <a:solidFill>
-                  <a:schemeClr val="dk1"/>
-                </a:solidFill>
-                <a:latin typeface="Calibri"/>
-                <a:ea typeface="Calibri"/>
-                <a:cs typeface="Calibri"/>
-                <a:sym typeface="Calibri"/>
-              </a:rPr>
-              <a:t> Perc alapú tárolás</a:t>
-            </a:r>
-            <a:endParaRPr/>
-          </a:p>
-        </p:txBody>
-      </p:sp>
+      </p:pic>
     </p:spTree>
   </p:cSld>
   <p:clrMapOvr>
@@ -10898,7 +12369,7 @@
 </file>
 
 <file path=ppt/theme/theme1.xml><?xml version="1.0" encoding="utf-8"?>
-<a:theme xmlns:a="http://schemas.openxmlformats.org/drawingml/2006/main" name="Simple Dark">
+<a:theme xmlns:a="http://schemas.openxmlformats.org/drawingml/2006/main" xmlns:r="http://schemas.openxmlformats.org/officeDocument/2006/relationships" name="Simple Dark">
   <a:themeElements>
     <a:clrScheme name="Simple Dark">
       <a:dk1>
@@ -11173,13 +12644,11 @@
       </a:bgFillStyleLst>
     </a:fmtScheme>
   </a:themeElements>
-  <a:objectDefaults/>
-  <a:extraClrSchemeLst/>
 </a:theme>
 </file>
 
 <file path=ppt/theme/theme2.xml><?xml version="1.0" encoding="utf-8"?>
-<a:theme xmlns:a="http://schemas.openxmlformats.org/drawingml/2006/main">
+<a:theme xmlns:a="http://schemas.openxmlformats.org/drawingml/2006/main" xmlns:r="http://schemas.openxmlformats.org/officeDocument/2006/relationships">
   <a:themeElements>
     <a:clrScheme name="Default">
       <a:dk1>
@@ -11454,7 +12923,5 @@
       </a:bgFillStyleLst>
     </a:fmtScheme>
   </a:themeElements>
-  <a:objectDefaults/>
-  <a:extraClrSchemeLst/>
 </a:theme>
 </file>